--- a/pictures.pptx
+++ b/pictures.pptx
@@ -8749,10 +8749,10 @@
       </p:grpSpPr>
       <p:grpSp>
         <p:nvGrpSpPr>
-          <p:cNvPr id="38" name="组合 37">
-            <a:extLst>
-              <a:ext uri="{FF2B5EF4-FFF2-40B4-BE49-F238E27FC236}">
-                <a16:creationId xmlns:a16="http://schemas.microsoft.com/office/drawing/2014/main" id="{A20CF412-5DB3-8F46-8DFA-99BE0A626E0A}"/>
+          <p:cNvPr id="12" name="组合 11">
+            <a:extLst>
+              <a:ext uri="{FF2B5EF4-FFF2-40B4-BE49-F238E27FC236}">
+                <a16:creationId xmlns:a16="http://schemas.microsoft.com/office/drawing/2014/main" id="{63EA9EF1-587C-1E4C-8B2F-D6448F923E72}"/>
               </a:ext>
             </a:extLst>
           </p:cNvPr>
@@ -8761,18 +8761,1657 @@
         </p:nvGrpSpPr>
         <p:grpSpPr>
           <a:xfrm>
-            <a:off x="476501" y="1441973"/>
-            <a:ext cx="9641021" cy="3522507"/>
-            <a:chOff x="476501" y="1441973"/>
-            <a:chExt cx="9641021" cy="3522507"/>
+            <a:off x="266218" y="1215342"/>
+            <a:ext cx="9884779" cy="3981691"/>
+            <a:chOff x="266218" y="1215342"/>
+            <a:chExt cx="9884779" cy="3981691"/>
           </a:xfrm>
         </p:grpSpPr>
+        <p:grpSp>
+          <p:nvGrpSpPr>
+            <p:cNvPr id="38" name="组合 37">
+              <a:extLst>
+                <a:ext uri="{FF2B5EF4-FFF2-40B4-BE49-F238E27FC236}">
+                  <a16:creationId xmlns:a16="http://schemas.microsoft.com/office/drawing/2014/main" id="{A20CF412-5DB3-8F46-8DFA-99BE0A626E0A}"/>
+                </a:ext>
+              </a:extLst>
+            </p:cNvPr>
+            <p:cNvGrpSpPr/>
+            <p:nvPr/>
+          </p:nvGrpSpPr>
+          <p:grpSpPr>
+            <a:xfrm>
+              <a:off x="476502" y="1441974"/>
+              <a:ext cx="9498272" cy="3472042"/>
+              <a:chOff x="476501" y="1441973"/>
+              <a:chExt cx="9641021" cy="3522507"/>
+            </a:xfrm>
+          </p:grpSpPr>
+          <p:sp>
+            <p:nvSpPr>
+              <p:cNvPr id="5" name="椭圆 4">
+                <a:extLst>
+                  <a:ext uri="{FF2B5EF4-FFF2-40B4-BE49-F238E27FC236}">
+                    <a16:creationId xmlns:a16="http://schemas.microsoft.com/office/drawing/2014/main" id="{606C64F6-9C2D-2B44-8D8B-4AF8D56AFE1F}"/>
+                  </a:ext>
+                </a:extLst>
+              </p:cNvPr>
+              <p:cNvSpPr/>
+              <p:nvPr/>
+            </p:nvSpPr>
+            <p:spPr>
+              <a:xfrm>
+                <a:off x="2199190" y="1597306"/>
+                <a:ext cx="335666" cy="335666"/>
+              </a:xfrm>
+              <a:prstGeom prst="ellipse">
+                <a:avLst/>
+              </a:prstGeom>
+              <a:solidFill>
+                <a:srgbClr val="70AD47">
+                  <a:alpha val="50196"/>
+                </a:srgbClr>
+              </a:solidFill>
+              <a:ln>
+                <a:noFill/>
+              </a:ln>
+            </p:spPr>
+            <p:style>
+              <a:lnRef idx="2">
+                <a:schemeClr val="accent1">
+                  <a:shade val="50000"/>
+                </a:schemeClr>
+              </a:lnRef>
+              <a:fillRef idx="1">
+                <a:schemeClr val="accent1"/>
+              </a:fillRef>
+              <a:effectRef idx="0">
+                <a:schemeClr val="accent1"/>
+              </a:effectRef>
+              <a:fontRef idx="minor">
+                <a:schemeClr val="lt1"/>
+              </a:fontRef>
+            </p:style>
+            <p:txBody>
+              <a:bodyPr rtlCol="0" anchor="ctr"/>
+              <a:lstStyle/>
+              <a:p>
+                <a:pPr algn="ctr"/>
+                <a:endParaRPr kumimoji="1" lang="zh-CN" altLang="en-US">
+                  <a:latin typeface="Times New Roman" panose="02020603050405020304" pitchFamily="18" charset="0"/>
+                  <a:cs typeface="Times New Roman" panose="02020603050405020304" pitchFamily="18" charset="0"/>
+                </a:endParaRPr>
+              </a:p>
+            </p:txBody>
+          </p:sp>
+          <p:sp>
+            <p:nvSpPr>
+              <p:cNvPr id="6" name="椭圆 5">
+                <a:extLst>
+                  <a:ext uri="{FF2B5EF4-FFF2-40B4-BE49-F238E27FC236}">
+                    <a16:creationId xmlns:a16="http://schemas.microsoft.com/office/drawing/2014/main" id="{E40205FE-E595-4B44-9732-74E28622F87C}"/>
+                  </a:ext>
+                </a:extLst>
+              </p:cNvPr>
+              <p:cNvSpPr/>
+              <p:nvPr/>
+            </p:nvSpPr>
+            <p:spPr>
+              <a:xfrm>
+                <a:off x="2675681" y="1597306"/>
+                <a:ext cx="335666" cy="335666"/>
+              </a:xfrm>
+              <a:prstGeom prst="ellipse">
+                <a:avLst/>
+              </a:prstGeom>
+              <a:solidFill>
+                <a:srgbClr val="70AD47">
+                  <a:alpha val="50196"/>
+                </a:srgbClr>
+              </a:solidFill>
+              <a:ln>
+                <a:noFill/>
+              </a:ln>
+            </p:spPr>
+            <p:style>
+              <a:lnRef idx="2">
+                <a:schemeClr val="accent1">
+                  <a:shade val="50000"/>
+                </a:schemeClr>
+              </a:lnRef>
+              <a:fillRef idx="1">
+                <a:schemeClr val="accent1"/>
+              </a:fillRef>
+              <a:effectRef idx="0">
+                <a:schemeClr val="accent1"/>
+              </a:effectRef>
+              <a:fontRef idx="minor">
+                <a:schemeClr val="lt1"/>
+              </a:fontRef>
+            </p:style>
+            <p:txBody>
+              <a:bodyPr rtlCol="0" anchor="ctr"/>
+              <a:lstStyle/>
+              <a:p>
+                <a:pPr algn="ctr"/>
+                <a:endParaRPr kumimoji="1" lang="zh-CN" altLang="en-US">
+                  <a:latin typeface="Times New Roman" panose="02020603050405020304" pitchFamily="18" charset="0"/>
+                  <a:cs typeface="Times New Roman" panose="02020603050405020304" pitchFamily="18" charset="0"/>
+                </a:endParaRPr>
+              </a:p>
+            </p:txBody>
+          </p:sp>
+          <p:sp>
+            <p:nvSpPr>
+              <p:cNvPr id="7" name="椭圆 6">
+                <a:extLst>
+                  <a:ext uri="{FF2B5EF4-FFF2-40B4-BE49-F238E27FC236}">
+                    <a16:creationId xmlns:a16="http://schemas.microsoft.com/office/drawing/2014/main" id="{4A21CDFE-66B1-6A44-B6FD-E700E0B9F2F4}"/>
+                  </a:ext>
+                </a:extLst>
+              </p:cNvPr>
+              <p:cNvSpPr/>
+              <p:nvPr/>
+            </p:nvSpPr>
+            <p:spPr>
+              <a:xfrm>
+                <a:off x="3152172" y="1597306"/>
+                <a:ext cx="335666" cy="335666"/>
+              </a:xfrm>
+              <a:prstGeom prst="ellipse">
+                <a:avLst/>
+              </a:prstGeom>
+              <a:solidFill>
+                <a:srgbClr val="70AD47">
+                  <a:alpha val="50196"/>
+                </a:srgbClr>
+              </a:solidFill>
+              <a:ln>
+                <a:noFill/>
+              </a:ln>
+            </p:spPr>
+            <p:style>
+              <a:lnRef idx="2">
+                <a:schemeClr val="accent1">
+                  <a:shade val="50000"/>
+                </a:schemeClr>
+              </a:lnRef>
+              <a:fillRef idx="1">
+                <a:schemeClr val="accent1"/>
+              </a:fillRef>
+              <a:effectRef idx="0">
+                <a:schemeClr val="accent1"/>
+              </a:effectRef>
+              <a:fontRef idx="minor">
+                <a:schemeClr val="lt1"/>
+              </a:fontRef>
+            </p:style>
+            <p:txBody>
+              <a:bodyPr rtlCol="0" anchor="ctr"/>
+              <a:lstStyle/>
+              <a:p>
+                <a:pPr algn="ctr"/>
+                <a:endParaRPr kumimoji="1" lang="zh-CN" altLang="en-US" b="1">
+                  <a:latin typeface="Times New Roman" panose="02020603050405020304" pitchFamily="18" charset="0"/>
+                  <a:cs typeface="Times New Roman" panose="02020603050405020304" pitchFamily="18" charset="0"/>
+                </a:endParaRPr>
+              </a:p>
+            </p:txBody>
+          </p:sp>
+          <p:sp>
+            <p:nvSpPr>
+              <p:cNvPr id="8" name="文本框 7">
+                <a:extLst>
+                  <a:ext uri="{FF2B5EF4-FFF2-40B4-BE49-F238E27FC236}">
+                    <a16:creationId xmlns:a16="http://schemas.microsoft.com/office/drawing/2014/main" id="{39958EC3-5FCB-9948-8079-6CF81317C62D}"/>
+                  </a:ext>
+                </a:extLst>
+              </p:cNvPr>
+              <p:cNvSpPr txBox="1"/>
+              <p:nvPr/>
+            </p:nvSpPr>
+            <p:spPr>
+              <a:xfrm>
+                <a:off x="3559213" y="1522598"/>
+                <a:ext cx="358815" cy="369332"/>
+              </a:xfrm>
+              <a:prstGeom prst="rect">
+                <a:avLst/>
+              </a:prstGeom>
+              <a:noFill/>
+              <a:ln>
+                <a:noFill/>
+              </a:ln>
+            </p:spPr>
+            <p:txBody>
+              <a:bodyPr wrap="square" rtlCol="0">
+                <a:spAutoFit/>
+              </a:bodyPr>
+              <a:lstStyle/>
+              <a:p>
+                <a:r>
+                  <a:rPr kumimoji="1" lang="en-US" altLang="zh-CN" dirty="0">
+                    <a:latin typeface="Times New Roman" panose="02020603050405020304" pitchFamily="18" charset="0"/>
+                    <a:cs typeface="Times New Roman" panose="02020603050405020304" pitchFamily="18" charset="0"/>
+                  </a:rPr>
+                  <a:t>…</a:t>
+                </a:r>
+                <a:endParaRPr kumimoji="1" lang="zh-CN" altLang="en-US" dirty="0">
+                  <a:latin typeface="Times New Roman" panose="02020603050405020304" pitchFamily="18" charset="0"/>
+                  <a:cs typeface="Times New Roman" panose="02020603050405020304" pitchFamily="18" charset="0"/>
+                </a:endParaRPr>
+              </a:p>
+            </p:txBody>
+          </p:sp>
+          <p:sp>
+            <p:nvSpPr>
+              <p:cNvPr id="9" name="椭圆 8">
+                <a:extLst>
+                  <a:ext uri="{FF2B5EF4-FFF2-40B4-BE49-F238E27FC236}">
+                    <a16:creationId xmlns:a16="http://schemas.microsoft.com/office/drawing/2014/main" id="{38DCCECE-D2A7-EA40-ADF5-37C79F41CB99}"/>
+                  </a:ext>
+                </a:extLst>
+              </p:cNvPr>
+              <p:cNvSpPr/>
+              <p:nvPr/>
+            </p:nvSpPr>
+            <p:spPr>
+              <a:xfrm>
+                <a:off x="3987478" y="1597306"/>
+                <a:ext cx="335666" cy="335666"/>
+              </a:xfrm>
+              <a:prstGeom prst="ellipse">
+                <a:avLst/>
+              </a:prstGeom>
+              <a:solidFill>
+                <a:srgbClr val="70AD47">
+                  <a:alpha val="50196"/>
+                </a:srgbClr>
+              </a:solidFill>
+              <a:ln>
+                <a:noFill/>
+              </a:ln>
+            </p:spPr>
+            <p:style>
+              <a:lnRef idx="2">
+                <a:schemeClr val="accent1">
+                  <a:shade val="50000"/>
+                </a:schemeClr>
+              </a:lnRef>
+              <a:fillRef idx="1">
+                <a:schemeClr val="accent1"/>
+              </a:fillRef>
+              <a:effectRef idx="0">
+                <a:schemeClr val="accent1"/>
+              </a:effectRef>
+              <a:fontRef idx="minor">
+                <a:schemeClr val="lt1"/>
+              </a:fontRef>
+            </p:style>
+            <p:txBody>
+              <a:bodyPr rtlCol="0" anchor="ctr"/>
+              <a:lstStyle/>
+              <a:p>
+                <a:pPr algn="ctr"/>
+                <a:endParaRPr kumimoji="1" lang="zh-CN" altLang="en-US" b="1">
+                  <a:latin typeface="Times New Roman" panose="02020603050405020304" pitchFamily="18" charset="0"/>
+                  <a:cs typeface="Times New Roman" panose="02020603050405020304" pitchFamily="18" charset="0"/>
+                </a:endParaRPr>
+              </a:p>
+            </p:txBody>
+          </p:sp>
+          <p:sp>
+            <p:nvSpPr>
+              <p:cNvPr id="10" name="文本框 9">
+                <a:extLst>
+                  <a:ext uri="{FF2B5EF4-FFF2-40B4-BE49-F238E27FC236}">
+                    <a16:creationId xmlns:a16="http://schemas.microsoft.com/office/drawing/2014/main" id="{488C1113-886D-224A-B275-CF889243939D}"/>
+                  </a:ext>
+                </a:extLst>
+              </p:cNvPr>
+              <p:cNvSpPr txBox="1"/>
+              <p:nvPr/>
+            </p:nvSpPr>
+            <p:spPr>
+              <a:xfrm>
+                <a:off x="2889812" y="2118166"/>
+                <a:ext cx="918258" cy="369332"/>
+              </a:xfrm>
+              <a:prstGeom prst="rect">
+                <a:avLst/>
+              </a:prstGeom>
+              <a:noFill/>
+            </p:spPr>
+            <p:txBody>
+              <a:bodyPr wrap="square" rtlCol="0">
+                <a:spAutoFit/>
+              </a:bodyPr>
+              <a:lstStyle/>
+              <a:p>
+                <a:r>
+                  <a:rPr kumimoji="1" lang="en-US" altLang="zh-CN">
+                    <a:latin typeface="Times New Roman" panose="02020603050405020304" pitchFamily="18" charset="0"/>
+                    <a:cs typeface="Times New Roman" panose="02020603050405020304" pitchFamily="18" charset="0"/>
+                  </a:rPr>
+                  <a:t>[1,</a:t>
+                </a:r>
+                <a:r>
+                  <a:rPr kumimoji="1" lang="zh-CN" altLang="en-US">
+                    <a:latin typeface="Times New Roman" panose="02020603050405020304" pitchFamily="18" charset="0"/>
+                    <a:cs typeface="Times New Roman" panose="02020603050405020304" pitchFamily="18" charset="0"/>
+                  </a:rPr>
+                  <a:t> </a:t>
+                </a:r>
+                <a:r>
+                  <a:rPr kumimoji="1" lang="en-US" altLang="zh-CN">
+                    <a:latin typeface="Times New Roman" panose="02020603050405020304" pitchFamily="18" charset="0"/>
+                    <a:cs typeface="Times New Roman" panose="02020603050405020304" pitchFamily="18" charset="0"/>
+                  </a:rPr>
+                  <a:t>500]</a:t>
+                </a:r>
+                <a:endParaRPr kumimoji="1" lang="zh-CN" altLang="en-US">
+                  <a:latin typeface="Times New Roman" panose="02020603050405020304" pitchFamily="18" charset="0"/>
+                  <a:cs typeface="Times New Roman" panose="02020603050405020304" pitchFamily="18" charset="0"/>
+                </a:endParaRPr>
+              </a:p>
+            </p:txBody>
+          </p:sp>
+          <p:sp>
+            <p:nvSpPr>
+              <p:cNvPr id="11" name="文本框 10">
+                <a:extLst>
+                  <a:ext uri="{FF2B5EF4-FFF2-40B4-BE49-F238E27FC236}">
+                    <a16:creationId xmlns:a16="http://schemas.microsoft.com/office/drawing/2014/main" id="{6DC3972B-AAFD-E948-8364-CAB590F79ABE}"/>
+                  </a:ext>
+                </a:extLst>
+              </p:cNvPr>
+              <p:cNvSpPr txBox="1"/>
+              <p:nvPr/>
+            </p:nvSpPr>
+            <p:spPr>
+              <a:xfrm>
+                <a:off x="742219" y="1441973"/>
+                <a:ext cx="1299263" cy="646331"/>
+              </a:xfrm>
+              <a:prstGeom prst="rect">
+                <a:avLst/>
+              </a:prstGeom>
+              <a:noFill/>
+            </p:spPr>
+            <p:txBody>
+              <a:bodyPr wrap="square" rtlCol="0">
+                <a:spAutoFit/>
+              </a:bodyPr>
+              <a:lstStyle/>
+              <a:p>
+                <a:pPr algn="ctr"/>
+                <a:r>
+                  <a:rPr kumimoji="1" lang="en-US" altLang="zh-CN" dirty="0" err="1">
+                    <a:latin typeface="Times New Roman" panose="02020603050405020304" pitchFamily="18" charset="0"/>
+                    <a:cs typeface="Times New Roman" panose="02020603050405020304" pitchFamily="18" charset="0"/>
+                  </a:rPr>
+                  <a:t>d_loss</a:t>
+                </a:r>
+                <a:endParaRPr kumimoji="1" lang="en-US" altLang="zh-CN" dirty="0">
+                  <a:latin typeface="Times New Roman" panose="02020603050405020304" pitchFamily="18" charset="0"/>
+                  <a:cs typeface="Times New Roman" panose="02020603050405020304" pitchFamily="18" charset="0"/>
+                </a:endParaRPr>
+              </a:p>
+              <a:p>
+                <a:pPr algn="ctr"/>
+                <a:r>
+                  <a:rPr kumimoji="1" lang="en-US" altLang="zh-CN" dirty="0" err="1">
+                    <a:latin typeface="Times New Roman" panose="02020603050405020304" pitchFamily="18" charset="0"/>
+                    <a:cs typeface="Times New Roman" panose="02020603050405020304" pitchFamily="18" charset="0"/>
+                  </a:rPr>
+                  <a:t>input_layer</a:t>
+                </a:r>
+                <a:endParaRPr kumimoji="1" lang="zh-CN" altLang="en-US" dirty="0">
+                  <a:latin typeface="Times New Roman" panose="02020603050405020304" pitchFamily="18" charset="0"/>
+                  <a:cs typeface="Times New Roman" panose="02020603050405020304" pitchFamily="18" charset="0"/>
+                </a:endParaRPr>
+              </a:p>
+            </p:txBody>
+          </p:sp>
+          <p:sp>
+            <p:nvSpPr>
+              <p:cNvPr id="13" name="椭圆 12">
+                <a:extLst>
+                  <a:ext uri="{FF2B5EF4-FFF2-40B4-BE49-F238E27FC236}">
+                    <a16:creationId xmlns:a16="http://schemas.microsoft.com/office/drawing/2014/main" id="{EF38F1B1-76AC-3248-8BD0-D937F4E82C01}"/>
+                  </a:ext>
+                </a:extLst>
+              </p:cNvPr>
+              <p:cNvSpPr/>
+              <p:nvPr/>
+            </p:nvSpPr>
+            <p:spPr>
+              <a:xfrm>
+                <a:off x="2625529" y="3370348"/>
+                <a:ext cx="335666" cy="335666"/>
+              </a:xfrm>
+              <a:prstGeom prst="ellipse">
+                <a:avLst/>
+              </a:prstGeom>
+              <a:solidFill>
+                <a:srgbClr val="ED7D31">
+                  <a:alpha val="50196"/>
+                </a:srgbClr>
+              </a:solidFill>
+              <a:ln>
+                <a:noFill/>
+              </a:ln>
+            </p:spPr>
+            <p:style>
+              <a:lnRef idx="2">
+                <a:schemeClr val="accent1">
+                  <a:shade val="50000"/>
+                </a:schemeClr>
+              </a:lnRef>
+              <a:fillRef idx="1">
+                <a:schemeClr val="accent1"/>
+              </a:fillRef>
+              <a:effectRef idx="0">
+                <a:schemeClr val="accent1"/>
+              </a:effectRef>
+              <a:fontRef idx="minor">
+                <a:schemeClr val="lt1"/>
+              </a:fontRef>
+            </p:style>
+            <p:txBody>
+              <a:bodyPr rtlCol="0" anchor="ctr"/>
+              <a:lstStyle/>
+              <a:p>
+                <a:pPr algn="ctr"/>
+                <a:endParaRPr kumimoji="1" lang="zh-CN" altLang="en-US">
+                  <a:latin typeface="Times New Roman" panose="02020603050405020304" pitchFamily="18" charset="0"/>
+                  <a:cs typeface="Times New Roman" panose="02020603050405020304" pitchFamily="18" charset="0"/>
+                </a:endParaRPr>
+              </a:p>
+            </p:txBody>
+          </p:sp>
+          <p:sp>
+            <p:nvSpPr>
+              <p:cNvPr id="14" name="椭圆 13">
+                <a:extLst>
+                  <a:ext uri="{FF2B5EF4-FFF2-40B4-BE49-F238E27FC236}">
+                    <a16:creationId xmlns:a16="http://schemas.microsoft.com/office/drawing/2014/main" id="{725E754A-9C1C-E54F-9107-A2E68D7EAEE9}"/>
+                  </a:ext>
+                </a:extLst>
+              </p:cNvPr>
+              <p:cNvSpPr/>
+              <p:nvPr/>
+            </p:nvSpPr>
+            <p:spPr>
+              <a:xfrm>
+                <a:off x="3102020" y="3370348"/>
+                <a:ext cx="335666" cy="335666"/>
+              </a:xfrm>
+              <a:prstGeom prst="ellipse">
+                <a:avLst/>
+              </a:prstGeom>
+              <a:solidFill>
+                <a:srgbClr val="ED7D31">
+                  <a:alpha val="50196"/>
+                </a:srgbClr>
+              </a:solidFill>
+              <a:ln>
+                <a:noFill/>
+              </a:ln>
+            </p:spPr>
+            <p:style>
+              <a:lnRef idx="2">
+                <a:schemeClr val="accent1">
+                  <a:shade val="50000"/>
+                </a:schemeClr>
+              </a:lnRef>
+              <a:fillRef idx="1">
+                <a:schemeClr val="accent1"/>
+              </a:fillRef>
+              <a:effectRef idx="0">
+                <a:schemeClr val="accent1"/>
+              </a:effectRef>
+              <a:fontRef idx="minor">
+                <a:schemeClr val="lt1"/>
+              </a:fontRef>
+            </p:style>
+            <p:txBody>
+              <a:bodyPr rtlCol="0" anchor="ctr"/>
+              <a:lstStyle/>
+              <a:p>
+                <a:pPr algn="ctr"/>
+                <a:endParaRPr kumimoji="1" lang="zh-CN" altLang="en-US">
+                  <a:latin typeface="Times New Roman" panose="02020603050405020304" pitchFamily="18" charset="0"/>
+                  <a:cs typeface="Times New Roman" panose="02020603050405020304" pitchFamily="18" charset="0"/>
+                </a:endParaRPr>
+              </a:p>
+            </p:txBody>
+          </p:sp>
+          <p:sp>
+            <p:nvSpPr>
+              <p:cNvPr id="15" name="椭圆 14">
+                <a:extLst>
+                  <a:ext uri="{FF2B5EF4-FFF2-40B4-BE49-F238E27FC236}">
+                    <a16:creationId xmlns:a16="http://schemas.microsoft.com/office/drawing/2014/main" id="{99C987CA-3255-9446-A9CD-0C4094733266}"/>
+                  </a:ext>
+                </a:extLst>
+              </p:cNvPr>
+              <p:cNvSpPr/>
+              <p:nvPr/>
+            </p:nvSpPr>
+            <p:spPr>
+              <a:xfrm>
+                <a:off x="3578511" y="3370348"/>
+                <a:ext cx="335666" cy="335666"/>
+              </a:xfrm>
+              <a:prstGeom prst="ellipse">
+                <a:avLst/>
+              </a:prstGeom>
+              <a:solidFill>
+                <a:srgbClr val="ED7D31">
+                  <a:alpha val="50196"/>
+                </a:srgbClr>
+              </a:solidFill>
+              <a:ln>
+                <a:noFill/>
+              </a:ln>
+            </p:spPr>
+            <p:style>
+              <a:lnRef idx="2">
+                <a:schemeClr val="accent1">
+                  <a:shade val="50000"/>
+                </a:schemeClr>
+              </a:lnRef>
+              <a:fillRef idx="1">
+                <a:schemeClr val="accent1"/>
+              </a:fillRef>
+              <a:effectRef idx="0">
+                <a:schemeClr val="accent1"/>
+              </a:effectRef>
+              <a:fontRef idx="minor">
+                <a:schemeClr val="lt1"/>
+              </a:fontRef>
+            </p:style>
+            <p:txBody>
+              <a:bodyPr rtlCol="0" anchor="ctr"/>
+              <a:lstStyle/>
+              <a:p>
+                <a:pPr algn="ctr"/>
+                <a:endParaRPr kumimoji="1" lang="zh-CN" altLang="en-US" b="1">
+                  <a:latin typeface="Times New Roman" panose="02020603050405020304" pitchFamily="18" charset="0"/>
+                  <a:cs typeface="Times New Roman" panose="02020603050405020304" pitchFamily="18" charset="0"/>
+                </a:endParaRPr>
+              </a:p>
+            </p:txBody>
+          </p:sp>
+          <p:sp>
+            <p:nvSpPr>
+              <p:cNvPr id="16" name="文本框 15">
+                <a:extLst>
+                  <a:ext uri="{FF2B5EF4-FFF2-40B4-BE49-F238E27FC236}">
+                    <a16:creationId xmlns:a16="http://schemas.microsoft.com/office/drawing/2014/main" id="{8F98302D-8288-BB43-A24B-C79FE79DBF04}"/>
+                  </a:ext>
+                </a:extLst>
+              </p:cNvPr>
+              <p:cNvSpPr txBox="1"/>
+              <p:nvPr/>
+            </p:nvSpPr>
+            <p:spPr>
+              <a:xfrm>
+                <a:off x="2602380" y="4260540"/>
+                <a:ext cx="358815" cy="369332"/>
+              </a:xfrm>
+              <a:prstGeom prst="rect">
+                <a:avLst/>
+              </a:prstGeom>
+              <a:noFill/>
+              <a:ln>
+                <a:noFill/>
+              </a:ln>
+            </p:spPr>
+            <p:txBody>
+              <a:bodyPr wrap="square" rtlCol="0">
+                <a:spAutoFit/>
+              </a:bodyPr>
+              <a:lstStyle/>
+              <a:p>
+                <a:r>
+                  <a:rPr kumimoji="1" lang="en-US" altLang="zh-CN">
+                    <a:latin typeface="Times New Roman" panose="02020603050405020304" pitchFamily="18" charset="0"/>
+                    <a:cs typeface="Times New Roman" panose="02020603050405020304" pitchFamily="18" charset="0"/>
+                  </a:rPr>
+                  <a:t>…</a:t>
+                </a:r>
+                <a:endParaRPr kumimoji="1" lang="zh-CN" altLang="en-US">
+                  <a:latin typeface="Times New Roman" panose="02020603050405020304" pitchFamily="18" charset="0"/>
+                  <a:cs typeface="Times New Roman" panose="02020603050405020304" pitchFamily="18" charset="0"/>
+                </a:endParaRPr>
+              </a:p>
+            </p:txBody>
+          </p:sp>
+          <p:sp>
+            <p:nvSpPr>
+              <p:cNvPr id="17" name="椭圆 16">
+                <a:extLst>
+                  <a:ext uri="{FF2B5EF4-FFF2-40B4-BE49-F238E27FC236}">
+                    <a16:creationId xmlns:a16="http://schemas.microsoft.com/office/drawing/2014/main" id="{8BAC16E6-0800-4C42-B453-8242A0EE1B33}"/>
+                  </a:ext>
+                </a:extLst>
+              </p:cNvPr>
+              <p:cNvSpPr/>
+              <p:nvPr/>
+            </p:nvSpPr>
+            <p:spPr>
+              <a:xfrm>
+                <a:off x="2625529" y="3907513"/>
+                <a:ext cx="335666" cy="335666"/>
+              </a:xfrm>
+              <a:prstGeom prst="ellipse">
+                <a:avLst/>
+              </a:prstGeom>
+              <a:solidFill>
+                <a:srgbClr val="ED7D31">
+                  <a:alpha val="50196"/>
+                </a:srgbClr>
+              </a:solidFill>
+              <a:ln>
+                <a:noFill/>
+              </a:ln>
+            </p:spPr>
+            <p:style>
+              <a:lnRef idx="2">
+                <a:schemeClr val="accent1">
+                  <a:shade val="50000"/>
+                </a:schemeClr>
+              </a:lnRef>
+              <a:fillRef idx="1">
+                <a:schemeClr val="accent1"/>
+              </a:fillRef>
+              <a:effectRef idx="0">
+                <a:schemeClr val="accent1"/>
+              </a:effectRef>
+              <a:fontRef idx="minor">
+                <a:schemeClr val="lt1"/>
+              </a:fontRef>
+            </p:style>
+            <p:txBody>
+              <a:bodyPr rtlCol="0" anchor="ctr"/>
+              <a:lstStyle/>
+              <a:p>
+                <a:pPr algn="ctr"/>
+                <a:endParaRPr kumimoji="1" lang="zh-CN" altLang="en-US" b="1">
+                  <a:latin typeface="Times New Roman" panose="02020603050405020304" pitchFamily="18" charset="0"/>
+                  <a:cs typeface="Times New Roman" panose="02020603050405020304" pitchFamily="18" charset="0"/>
+                </a:endParaRPr>
+              </a:p>
+            </p:txBody>
+          </p:sp>
+          <p:sp>
+            <p:nvSpPr>
+              <p:cNvPr id="18" name="椭圆 17">
+                <a:extLst>
+                  <a:ext uri="{FF2B5EF4-FFF2-40B4-BE49-F238E27FC236}">
+                    <a16:creationId xmlns:a16="http://schemas.microsoft.com/office/drawing/2014/main" id="{DBAA212F-3D99-8842-ACFB-A2F429E12EF4}"/>
+                  </a:ext>
+                </a:extLst>
+              </p:cNvPr>
+              <p:cNvSpPr/>
+              <p:nvPr/>
+            </p:nvSpPr>
+            <p:spPr>
+              <a:xfrm>
+                <a:off x="3102020" y="3907513"/>
+                <a:ext cx="335666" cy="335666"/>
+              </a:xfrm>
+              <a:prstGeom prst="ellipse">
+                <a:avLst/>
+              </a:prstGeom>
+              <a:solidFill>
+                <a:srgbClr val="ED7D31">
+                  <a:alpha val="50196"/>
+                </a:srgbClr>
+              </a:solidFill>
+              <a:ln>
+                <a:noFill/>
+              </a:ln>
+            </p:spPr>
+            <p:style>
+              <a:lnRef idx="2">
+                <a:schemeClr val="accent1">
+                  <a:shade val="50000"/>
+                </a:schemeClr>
+              </a:lnRef>
+              <a:fillRef idx="1">
+                <a:schemeClr val="accent1"/>
+              </a:fillRef>
+              <a:effectRef idx="0">
+                <a:schemeClr val="accent1"/>
+              </a:effectRef>
+              <a:fontRef idx="minor">
+                <a:schemeClr val="lt1"/>
+              </a:fontRef>
+            </p:style>
+            <p:txBody>
+              <a:bodyPr rtlCol="0" anchor="ctr"/>
+              <a:lstStyle/>
+              <a:p>
+                <a:pPr algn="ctr"/>
+                <a:endParaRPr kumimoji="1" lang="zh-CN" altLang="en-US">
+                  <a:latin typeface="Times New Roman" panose="02020603050405020304" pitchFamily="18" charset="0"/>
+                  <a:cs typeface="Times New Roman" panose="02020603050405020304" pitchFamily="18" charset="0"/>
+                </a:endParaRPr>
+              </a:p>
+            </p:txBody>
+          </p:sp>
+          <p:sp>
+            <p:nvSpPr>
+              <p:cNvPr id="19" name="椭圆 18">
+                <a:extLst>
+                  <a:ext uri="{FF2B5EF4-FFF2-40B4-BE49-F238E27FC236}">
+                    <a16:creationId xmlns:a16="http://schemas.microsoft.com/office/drawing/2014/main" id="{D4089461-9986-BA48-9C45-248E0CDF6B93}"/>
+                  </a:ext>
+                </a:extLst>
+              </p:cNvPr>
+              <p:cNvSpPr/>
+              <p:nvPr/>
+            </p:nvSpPr>
+            <p:spPr>
+              <a:xfrm>
+                <a:off x="3578511" y="3907513"/>
+                <a:ext cx="335666" cy="335666"/>
+              </a:xfrm>
+              <a:prstGeom prst="ellipse">
+                <a:avLst/>
+              </a:prstGeom>
+              <a:solidFill>
+                <a:srgbClr val="ED7D31">
+                  <a:alpha val="50196"/>
+                </a:srgbClr>
+              </a:solidFill>
+              <a:ln>
+                <a:noFill/>
+              </a:ln>
+            </p:spPr>
+            <p:style>
+              <a:lnRef idx="2">
+                <a:schemeClr val="accent1">
+                  <a:shade val="50000"/>
+                </a:schemeClr>
+              </a:lnRef>
+              <a:fillRef idx="1">
+                <a:schemeClr val="accent1"/>
+              </a:fillRef>
+              <a:effectRef idx="0">
+                <a:schemeClr val="accent1"/>
+              </a:effectRef>
+              <a:fontRef idx="minor">
+                <a:schemeClr val="lt1"/>
+              </a:fontRef>
+            </p:style>
+            <p:txBody>
+              <a:bodyPr rtlCol="0" anchor="ctr"/>
+              <a:lstStyle/>
+              <a:p>
+                <a:pPr algn="ctr"/>
+                <a:endParaRPr kumimoji="1" lang="zh-CN" altLang="en-US" b="1">
+                  <a:latin typeface="Times New Roman" panose="02020603050405020304" pitchFamily="18" charset="0"/>
+                  <a:cs typeface="Times New Roman" panose="02020603050405020304" pitchFamily="18" charset="0"/>
+                </a:endParaRPr>
+              </a:p>
+            </p:txBody>
+          </p:sp>
+          <p:sp>
+            <p:nvSpPr>
+              <p:cNvPr id="20" name="文本框 19">
+                <a:extLst>
+                  <a:ext uri="{FF2B5EF4-FFF2-40B4-BE49-F238E27FC236}">
+                    <a16:creationId xmlns:a16="http://schemas.microsoft.com/office/drawing/2014/main" id="{0CE08D08-9E2C-3F48-BB6A-A14846BB02D7}"/>
+                  </a:ext>
+                </a:extLst>
+              </p:cNvPr>
+              <p:cNvSpPr txBox="1"/>
+              <p:nvPr/>
+            </p:nvSpPr>
+            <p:spPr>
+              <a:xfrm>
+                <a:off x="3090445" y="4260540"/>
+                <a:ext cx="358815" cy="369332"/>
+              </a:xfrm>
+              <a:prstGeom prst="rect">
+                <a:avLst/>
+              </a:prstGeom>
+              <a:noFill/>
+              <a:ln>
+                <a:noFill/>
+              </a:ln>
+            </p:spPr>
+            <p:txBody>
+              <a:bodyPr wrap="square" rtlCol="0">
+                <a:spAutoFit/>
+              </a:bodyPr>
+              <a:lstStyle/>
+              <a:p>
+                <a:r>
+                  <a:rPr kumimoji="1" lang="en-US" altLang="zh-CN">
+                    <a:latin typeface="Times New Roman" panose="02020603050405020304" pitchFamily="18" charset="0"/>
+                    <a:cs typeface="Times New Roman" panose="02020603050405020304" pitchFamily="18" charset="0"/>
+                  </a:rPr>
+                  <a:t>…</a:t>
+                </a:r>
+                <a:endParaRPr kumimoji="1" lang="zh-CN" altLang="en-US">
+                  <a:latin typeface="Times New Roman" panose="02020603050405020304" pitchFamily="18" charset="0"/>
+                  <a:cs typeface="Times New Roman" panose="02020603050405020304" pitchFamily="18" charset="0"/>
+                </a:endParaRPr>
+              </a:p>
+            </p:txBody>
+          </p:sp>
+          <p:sp>
+            <p:nvSpPr>
+              <p:cNvPr id="21" name="文本框 20">
+                <a:extLst>
+                  <a:ext uri="{FF2B5EF4-FFF2-40B4-BE49-F238E27FC236}">
+                    <a16:creationId xmlns:a16="http://schemas.microsoft.com/office/drawing/2014/main" id="{7B3B4C62-7EEF-F64C-BB66-0114FCB1D59D}"/>
+                  </a:ext>
+                </a:extLst>
+              </p:cNvPr>
+              <p:cNvSpPr txBox="1"/>
+              <p:nvPr/>
+            </p:nvSpPr>
+            <p:spPr>
+              <a:xfrm>
+                <a:off x="3566936" y="4271057"/>
+                <a:ext cx="358815" cy="369332"/>
+              </a:xfrm>
+              <a:prstGeom prst="rect">
+                <a:avLst/>
+              </a:prstGeom>
+              <a:noFill/>
+              <a:ln>
+                <a:noFill/>
+              </a:ln>
+            </p:spPr>
+            <p:txBody>
+              <a:bodyPr wrap="square" rtlCol="0">
+                <a:spAutoFit/>
+              </a:bodyPr>
+              <a:lstStyle/>
+              <a:p>
+                <a:r>
+                  <a:rPr kumimoji="1" lang="en-US" altLang="zh-CN">
+                    <a:latin typeface="Times New Roman" panose="02020603050405020304" pitchFamily="18" charset="0"/>
+                    <a:cs typeface="Times New Roman" panose="02020603050405020304" pitchFamily="18" charset="0"/>
+                  </a:rPr>
+                  <a:t>…</a:t>
+                </a:r>
+                <a:endParaRPr kumimoji="1" lang="zh-CN" altLang="en-US">
+                  <a:latin typeface="Times New Roman" panose="02020603050405020304" pitchFamily="18" charset="0"/>
+                  <a:cs typeface="Times New Roman" panose="02020603050405020304" pitchFamily="18" charset="0"/>
+                </a:endParaRPr>
+              </a:p>
+            </p:txBody>
+          </p:sp>
+          <p:sp>
+            <p:nvSpPr>
+              <p:cNvPr id="22" name="椭圆 21">
+                <a:extLst>
+                  <a:ext uri="{FF2B5EF4-FFF2-40B4-BE49-F238E27FC236}">
+                    <a16:creationId xmlns:a16="http://schemas.microsoft.com/office/drawing/2014/main" id="{342D8381-1EA7-EE46-90C1-C0948B18A5B9}"/>
+                  </a:ext>
+                </a:extLst>
+              </p:cNvPr>
+              <p:cNvSpPr/>
+              <p:nvPr/>
+            </p:nvSpPr>
+            <p:spPr>
+              <a:xfrm>
+                <a:off x="2627458" y="4628814"/>
+                <a:ext cx="335666" cy="335666"/>
+              </a:xfrm>
+              <a:prstGeom prst="ellipse">
+                <a:avLst/>
+              </a:prstGeom>
+              <a:solidFill>
+                <a:srgbClr val="ED7D31">
+                  <a:alpha val="50196"/>
+                </a:srgbClr>
+              </a:solidFill>
+              <a:ln>
+                <a:noFill/>
+              </a:ln>
+            </p:spPr>
+            <p:style>
+              <a:lnRef idx="2">
+                <a:schemeClr val="accent1">
+                  <a:shade val="50000"/>
+                </a:schemeClr>
+              </a:lnRef>
+              <a:fillRef idx="1">
+                <a:schemeClr val="accent1"/>
+              </a:fillRef>
+              <a:effectRef idx="0">
+                <a:schemeClr val="accent1"/>
+              </a:effectRef>
+              <a:fontRef idx="minor">
+                <a:schemeClr val="lt1"/>
+              </a:fontRef>
+            </p:style>
+            <p:txBody>
+              <a:bodyPr rtlCol="0" anchor="ctr"/>
+              <a:lstStyle/>
+              <a:p>
+                <a:pPr algn="ctr"/>
+                <a:endParaRPr kumimoji="1" lang="zh-CN" altLang="en-US" b="1">
+                  <a:latin typeface="Times New Roman" panose="02020603050405020304" pitchFamily="18" charset="0"/>
+                  <a:cs typeface="Times New Roman" panose="02020603050405020304" pitchFamily="18" charset="0"/>
+                </a:endParaRPr>
+              </a:p>
+            </p:txBody>
+          </p:sp>
+          <p:sp>
+            <p:nvSpPr>
+              <p:cNvPr id="23" name="椭圆 22">
+                <a:extLst>
+                  <a:ext uri="{FF2B5EF4-FFF2-40B4-BE49-F238E27FC236}">
+                    <a16:creationId xmlns:a16="http://schemas.microsoft.com/office/drawing/2014/main" id="{7B81D355-DB3F-2A4E-8E89-C5231C16351F}"/>
+                  </a:ext>
+                </a:extLst>
+              </p:cNvPr>
+              <p:cNvSpPr/>
+              <p:nvPr/>
+            </p:nvSpPr>
+            <p:spPr>
+              <a:xfrm>
+                <a:off x="3103949" y="4628814"/>
+                <a:ext cx="335666" cy="335666"/>
+              </a:xfrm>
+              <a:prstGeom prst="ellipse">
+                <a:avLst/>
+              </a:prstGeom>
+              <a:solidFill>
+                <a:srgbClr val="ED7D31">
+                  <a:alpha val="50196"/>
+                </a:srgbClr>
+              </a:solidFill>
+              <a:ln>
+                <a:noFill/>
+              </a:ln>
+            </p:spPr>
+            <p:style>
+              <a:lnRef idx="2">
+                <a:schemeClr val="accent1">
+                  <a:shade val="50000"/>
+                </a:schemeClr>
+              </a:lnRef>
+              <a:fillRef idx="1">
+                <a:schemeClr val="accent1"/>
+              </a:fillRef>
+              <a:effectRef idx="0">
+                <a:schemeClr val="accent1"/>
+              </a:effectRef>
+              <a:fontRef idx="minor">
+                <a:schemeClr val="lt1"/>
+              </a:fontRef>
+            </p:style>
+            <p:txBody>
+              <a:bodyPr rtlCol="0" anchor="ctr"/>
+              <a:lstStyle/>
+              <a:p>
+                <a:pPr algn="ctr"/>
+                <a:endParaRPr kumimoji="1" lang="zh-CN" altLang="en-US">
+                  <a:latin typeface="Times New Roman" panose="02020603050405020304" pitchFamily="18" charset="0"/>
+                  <a:cs typeface="Times New Roman" panose="02020603050405020304" pitchFamily="18" charset="0"/>
+                </a:endParaRPr>
+              </a:p>
+            </p:txBody>
+          </p:sp>
+          <p:sp>
+            <p:nvSpPr>
+              <p:cNvPr id="24" name="椭圆 23">
+                <a:extLst>
+                  <a:ext uri="{FF2B5EF4-FFF2-40B4-BE49-F238E27FC236}">
+                    <a16:creationId xmlns:a16="http://schemas.microsoft.com/office/drawing/2014/main" id="{0CA2C550-1D68-4746-83F3-905D7560487C}"/>
+                  </a:ext>
+                </a:extLst>
+              </p:cNvPr>
+              <p:cNvSpPr/>
+              <p:nvPr/>
+            </p:nvSpPr>
+            <p:spPr>
+              <a:xfrm>
+                <a:off x="3580440" y="4628814"/>
+                <a:ext cx="335666" cy="335666"/>
+              </a:xfrm>
+              <a:prstGeom prst="ellipse">
+                <a:avLst/>
+              </a:prstGeom>
+              <a:solidFill>
+                <a:srgbClr val="ED7D31">
+                  <a:alpha val="50196"/>
+                </a:srgbClr>
+              </a:solidFill>
+              <a:ln>
+                <a:noFill/>
+              </a:ln>
+            </p:spPr>
+            <p:style>
+              <a:lnRef idx="2">
+                <a:schemeClr val="accent1">
+                  <a:shade val="50000"/>
+                </a:schemeClr>
+              </a:lnRef>
+              <a:fillRef idx="1">
+                <a:schemeClr val="accent1"/>
+              </a:fillRef>
+              <a:effectRef idx="0">
+                <a:schemeClr val="accent1"/>
+              </a:effectRef>
+              <a:fontRef idx="minor">
+                <a:schemeClr val="lt1"/>
+              </a:fontRef>
+            </p:style>
+            <p:txBody>
+              <a:bodyPr rtlCol="0" anchor="ctr"/>
+              <a:lstStyle/>
+              <a:p>
+                <a:pPr algn="ctr"/>
+                <a:endParaRPr kumimoji="1" lang="zh-CN" altLang="en-US" b="1">
+                  <a:latin typeface="Times New Roman" panose="02020603050405020304" pitchFamily="18" charset="0"/>
+                  <a:cs typeface="Times New Roman" panose="02020603050405020304" pitchFamily="18" charset="0"/>
+                </a:endParaRPr>
+              </a:p>
+            </p:txBody>
+          </p:sp>
+          <p:sp>
+            <p:nvSpPr>
+              <p:cNvPr id="25" name="文本框 24">
+                <a:extLst>
+                  <a:ext uri="{FF2B5EF4-FFF2-40B4-BE49-F238E27FC236}">
+                    <a16:creationId xmlns:a16="http://schemas.microsoft.com/office/drawing/2014/main" id="{6F24AFC1-DEBC-1045-960A-4F27D384340E}"/>
+                  </a:ext>
+                </a:extLst>
+              </p:cNvPr>
+              <p:cNvSpPr txBox="1"/>
+              <p:nvPr/>
+            </p:nvSpPr>
+            <p:spPr>
+              <a:xfrm>
+                <a:off x="2889812" y="2918936"/>
+                <a:ext cx="918258" cy="369332"/>
+              </a:xfrm>
+              <a:prstGeom prst="rect">
+                <a:avLst/>
+              </a:prstGeom>
+              <a:noFill/>
+            </p:spPr>
+            <p:txBody>
+              <a:bodyPr wrap="square" rtlCol="0">
+                <a:spAutoFit/>
+              </a:bodyPr>
+              <a:lstStyle/>
+              <a:p>
+                <a:r>
+                  <a:rPr kumimoji="1" lang="en-US" altLang="zh-CN">
+                    <a:latin typeface="Times New Roman" panose="02020603050405020304" pitchFamily="18" charset="0"/>
+                    <a:cs typeface="Times New Roman" panose="02020603050405020304" pitchFamily="18" charset="0"/>
+                  </a:rPr>
+                  <a:t>[500,</a:t>
+                </a:r>
+                <a:r>
+                  <a:rPr kumimoji="1" lang="zh-CN" altLang="en-US">
+                    <a:latin typeface="Times New Roman" panose="02020603050405020304" pitchFamily="18" charset="0"/>
+                    <a:cs typeface="Times New Roman" panose="02020603050405020304" pitchFamily="18" charset="0"/>
+                  </a:rPr>
+                  <a:t> </a:t>
+                </a:r>
+                <a:r>
+                  <a:rPr kumimoji="1" lang="en-US" altLang="zh-CN">
+                    <a:latin typeface="Times New Roman" panose="02020603050405020304" pitchFamily="18" charset="0"/>
+                    <a:cs typeface="Times New Roman" panose="02020603050405020304" pitchFamily="18" charset="0"/>
+                  </a:rPr>
+                  <a:t>3]</a:t>
+                </a:r>
+                <a:endParaRPr kumimoji="1" lang="zh-CN" altLang="en-US">
+                  <a:latin typeface="Times New Roman" panose="02020603050405020304" pitchFamily="18" charset="0"/>
+                  <a:cs typeface="Times New Roman" panose="02020603050405020304" pitchFamily="18" charset="0"/>
+                </a:endParaRPr>
+              </a:p>
+            </p:txBody>
+          </p:sp>
+          <p:sp>
+            <p:nvSpPr>
+              <p:cNvPr id="26" name="文本框 25">
+                <a:extLst>
+                  <a:ext uri="{FF2B5EF4-FFF2-40B4-BE49-F238E27FC236}">
+                    <a16:creationId xmlns:a16="http://schemas.microsoft.com/office/drawing/2014/main" id="{62E45A9A-F0F4-204C-81B5-6D4A4FCDDC2C}"/>
+                  </a:ext>
+                </a:extLst>
+              </p:cNvPr>
+              <p:cNvSpPr txBox="1"/>
+              <p:nvPr/>
+            </p:nvSpPr>
+            <p:spPr>
+              <a:xfrm>
+                <a:off x="476501" y="3752180"/>
+                <a:ext cx="1830697" cy="646331"/>
+              </a:xfrm>
+              <a:prstGeom prst="rect">
+                <a:avLst/>
+              </a:prstGeom>
+              <a:noFill/>
+            </p:spPr>
+            <p:txBody>
+              <a:bodyPr wrap="square" rtlCol="0">
+                <a:spAutoFit/>
+              </a:bodyPr>
+              <a:lstStyle/>
+              <a:p>
+                <a:pPr algn="ctr"/>
+                <a:r>
+                  <a:rPr kumimoji="1" lang="en-US" altLang="zh-CN" err="1">
+                    <a:latin typeface="Times New Roman" panose="02020603050405020304" pitchFamily="18" charset="0"/>
+                    <a:cs typeface="Times New Roman" panose="02020603050405020304" pitchFamily="18" charset="0"/>
+                  </a:rPr>
+                  <a:t>d_loss</a:t>
+                </a:r>
+                <a:endParaRPr kumimoji="1" lang="en-US" altLang="zh-CN">
+                  <a:latin typeface="Times New Roman" panose="02020603050405020304" pitchFamily="18" charset="0"/>
+                  <a:cs typeface="Times New Roman" panose="02020603050405020304" pitchFamily="18" charset="0"/>
+                </a:endParaRPr>
+              </a:p>
+              <a:p>
+                <a:pPr algn="ctr"/>
+                <a:r>
+                  <a:rPr kumimoji="1" lang="en-US" altLang="zh-CN" err="1">
+                    <a:latin typeface="Times New Roman" panose="02020603050405020304" pitchFamily="18" charset="0"/>
+                    <a:cs typeface="Times New Roman" panose="02020603050405020304" pitchFamily="18" charset="0"/>
+                  </a:rPr>
+                  <a:t>hidden_layer_w</a:t>
+                </a:r>
+                <a:endParaRPr kumimoji="1" lang="zh-CN" altLang="en-US">
+                  <a:latin typeface="Times New Roman" panose="02020603050405020304" pitchFamily="18" charset="0"/>
+                  <a:cs typeface="Times New Roman" panose="02020603050405020304" pitchFamily="18" charset="0"/>
+                </a:endParaRPr>
+              </a:p>
+            </p:txBody>
+          </p:sp>
+          <p:cxnSp>
+            <p:nvCxnSpPr>
+              <p:cNvPr id="28" name="直线箭头连接符 27">
+                <a:extLst>
+                  <a:ext uri="{FF2B5EF4-FFF2-40B4-BE49-F238E27FC236}">
+                    <a16:creationId xmlns:a16="http://schemas.microsoft.com/office/drawing/2014/main" id="{966C4546-ACF5-E442-B7B3-43C254E1649E}"/>
+                  </a:ext>
+                </a:extLst>
+              </p:cNvPr>
+              <p:cNvCxnSpPr>
+                <a:cxnSpLocks/>
+              </p:cNvCxnSpPr>
+              <p:nvPr/>
+            </p:nvCxnSpPr>
+            <p:spPr>
+              <a:xfrm flipH="1" flipV="1">
+                <a:off x="4572000" y="1949805"/>
+                <a:ext cx="1504709" cy="1157469"/>
+              </a:xfrm>
+              <a:prstGeom prst="straightConnector1">
+                <a:avLst/>
+              </a:prstGeom>
+              <a:ln>
+                <a:solidFill>
+                  <a:srgbClr val="FF0000"/>
+                </a:solidFill>
+                <a:tailEnd type="triangle"/>
+              </a:ln>
+            </p:spPr>
+            <p:style>
+              <a:lnRef idx="1">
+                <a:schemeClr val="accent1"/>
+              </a:lnRef>
+              <a:fillRef idx="0">
+                <a:schemeClr val="accent1"/>
+              </a:fillRef>
+              <a:effectRef idx="0">
+                <a:schemeClr val="accent1"/>
+              </a:effectRef>
+              <a:fontRef idx="minor">
+                <a:schemeClr val="tx1"/>
+              </a:fontRef>
+            </p:style>
+          </p:cxnSp>
+          <p:cxnSp>
+            <p:nvCxnSpPr>
+              <p:cNvPr id="29" name="直线箭头连接符 28">
+                <a:extLst>
+                  <a:ext uri="{FF2B5EF4-FFF2-40B4-BE49-F238E27FC236}">
+                    <a16:creationId xmlns:a16="http://schemas.microsoft.com/office/drawing/2014/main" id="{2E27BA0B-C675-ED4E-A376-0E5826CAC12D}"/>
+                  </a:ext>
+                </a:extLst>
+              </p:cNvPr>
+              <p:cNvCxnSpPr>
+                <a:cxnSpLocks/>
+              </p:cNvCxnSpPr>
+              <p:nvPr/>
+            </p:nvCxnSpPr>
+            <p:spPr>
+              <a:xfrm flipH="1">
+                <a:off x="4571999" y="3353513"/>
+                <a:ext cx="1504709" cy="1157469"/>
+              </a:xfrm>
+              <a:prstGeom prst="straightConnector1">
+                <a:avLst/>
+              </a:prstGeom>
+              <a:ln>
+                <a:solidFill>
+                  <a:srgbClr val="FF0000"/>
+                </a:solidFill>
+                <a:tailEnd type="triangle"/>
+              </a:ln>
+            </p:spPr>
+            <p:style>
+              <a:lnRef idx="1">
+                <a:schemeClr val="accent1"/>
+              </a:lnRef>
+              <a:fillRef idx="0">
+                <a:schemeClr val="accent1"/>
+              </a:fillRef>
+              <a:effectRef idx="0">
+                <a:schemeClr val="accent1"/>
+              </a:effectRef>
+              <a:fontRef idx="minor">
+                <a:schemeClr val="tx1"/>
+              </a:fontRef>
+            </p:style>
+          </p:cxnSp>
+          <p:sp>
+            <p:nvSpPr>
+              <p:cNvPr id="30" name="文本框 29">
+                <a:extLst>
+                  <a:ext uri="{FF2B5EF4-FFF2-40B4-BE49-F238E27FC236}">
+                    <a16:creationId xmlns:a16="http://schemas.microsoft.com/office/drawing/2014/main" id="{86AD8650-2005-7F4A-A17D-C552DFDABE20}"/>
+                  </a:ext>
+                </a:extLst>
+              </p:cNvPr>
+              <p:cNvSpPr txBox="1"/>
+              <p:nvPr/>
+            </p:nvSpPr>
+            <p:spPr>
+              <a:xfrm>
+                <a:off x="6082495" y="3045728"/>
+                <a:ext cx="387752" cy="369332"/>
+              </a:xfrm>
+              <a:prstGeom prst="rect">
+                <a:avLst/>
+              </a:prstGeom>
+              <a:noFill/>
+            </p:spPr>
+            <p:txBody>
+              <a:bodyPr wrap="square" rtlCol="0">
+                <a:spAutoFit/>
+              </a:bodyPr>
+              <a:lstStyle/>
+              <a:p>
+                <a:r>
+                  <a:rPr kumimoji="1" lang="en-US" altLang="zh-CN">
+                    <a:latin typeface="+mj-lt"/>
+                    <a:cs typeface="Times New Roman" panose="02020603050405020304" pitchFamily="18" charset="0"/>
+                  </a:rPr>
+                  <a:t>X</a:t>
+                </a:r>
+                <a:endParaRPr kumimoji="1" lang="zh-CN" altLang="en-US">
+                  <a:latin typeface="+mj-lt"/>
+                  <a:cs typeface="Times New Roman" panose="02020603050405020304" pitchFamily="18" charset="0"/>
+                </a:endParaRPr>
+              </a:p>
+            </p:txBody>
+          </p:sp>
+          <p:cxnSp>
+            <p:nvCxnSpPr>
+              <p:cNvPr id="32" name="直线箭头连接符 31">
+                <a:extLst>
+                  <a:ext uri="{FF2B5EF4-FFF2-40B4-BE49-F238E27FC236}">
+                    <a16:creationId xmlns:a16="http://schemas.microsoft.com/office/drawing/2014/main" id="{88DC5DDE-F806-2D46-9DDF-22514E3AAFA6}"/>
+                  </a:ext>
+                </a:extLst>
+              </p:cNvPr>
+              <p:cNvCxnSpPr>
+                <a:cxnSpLocks/>
+              </p:cNvCxnSpPr>
+              <p:nvPr/>
+            </p:nvCxnSpPr>
+            <p:spPr>
+              <a:xfrm flipH="1">
+                <a:off x="6389224" y="3230394"/>
+                <a:ext cx="983849" cy="0"/>
+              </a:xfrm>
+              <a:prstGeom prst="straightConnector1">
+                <a:avLst/>
+              </a:prstGeom>
+              <a:ln>
+                <a:solidFill>
+                  <a:srgbClr val="FF0000"/>
+                </a:solidFill>
+                <a:tailEnd type="triangle"/>
+              </a:ln>
+            </p:spPr>
+            <p:style>
+              <a:lnRef idx="1">
+                <a:schemeClr val="accent1"/>
+              </a:lnRef>
+              <a:fillRef idx="0">
+                <a:schemeClr val="accent1"/>
+              </a:fillRef>
+              <a:effectRef idx="0">
+                <a:schemeClr val="accent1"/>
+              </a:effectRef>
+              <a:fontRef idx="minor">
+                <a:schemeClr val="tx1"/>
+              </a:fontRef>
+            </p:style>
+          </p:cxnSp>
+          <p:sp>
+            <p:nvSpPr>
+              <p:cNvPr id="33" name="椭圆 32">
+                <a:extLst>
+                  <a:ext uri="{FF2B5EF4-FFF2-40B4-BE49-F238E27FC236}">
+                    <a16:creationId xmlns:a16="http://schemas.microsoft.com/office/drawing/2014/main" id="{E53B5DC5-899C-0B44-8D02-399EC79D0F91}"/>
+                  </a:ext>
+                </a:extLst>
+              </p:cNvPr>
+              <p:cNvSpPr/>
+              <p:nvPr/>
+            </p:nvSpPr>
+            <p:spPr>
+              <a:xfrm>
+                <a:off x="7677218" y="2654900"/>
+                <a:ext cx="335666" cy="335666"/>
+              </a:xfrm>
+              <a:prstGeom prst="ellipse">
+                <a:avLst/>
+              </a:prstGeom>
+              <a:solidFill>
+                <a:srgbClr val="0070C0">
+                  <a:alpha val="50196"/>
+                </a:srgbClr>
+              </a:solidFill>
+              <a:ln>
+                <a:noFill/>
+              </a:ln>
+            </p:spPr>
+            <p:style>
+              <a:lnRef idx="2">
+                <a:schemeClr val="accent1">
+                  <a:shade val="50000"/>
+                </a:schemeClr>
+              </a:lnRef>
+              <a:fillRef idx="1">
+                <a:schemeClr val="accent1"/>
+              </a:fillRef>
+              <a:effectRef idx="0">
+                <a:schemeClr val="accent1"/>
+              </a:effectRef>
+              <a:fontRef idx="minor">
+                <a:schemeClr val="lt1"/>
+              </a:fontRef>
+            </p:style>
+            <p:txBody>
+              <a:bodyPr rtlCol="0" anchor="ctr"/>
+              <a:lstStyle/>
+              <a:p>
+                <a:pPr algn="ctr"/>
+                <a:endParaRPr kumimoji="1" lang="zh-CN" altLang="en-US">
+                  <a:latin typeface="Times New Roman" panose="02020603050405020304" pitchFamily="18" charset="0"/>
+                  <a:cs typeface="Times New Roman" panose="02020603050405020304" pitchFamily="18" charset="0"/>
+                </a:endParaRPr>
+              </a:p>
+            </p:txBody>
+          </p:sp>
+          <p:sp>
+            <p:nvSpPr>
+              <p:cNvPr id="34" name="椭圆 33">
+                <a:extLst>
+                  <a:ext uri="{FF2B5EF4-FFF2-40B4-BE49-F238E27FC236}">
+                    <a16:creationId xmlns:a16="http://schemas.microsoft.com/office/drawing/2014/main" id="{7FCCF2AB-03C7-2246-B8D5-36426C3AF5F2}"/>
+                  </a:ext>
+                </a:extLst>
+              </p:cNvPr>
+              <p:cNvSpPr/>
+              <p:nvPr/>
+            </p:nvSpPr>
+            <p:spPr>
+              <a:xfrm>
+                <a:off x="7677218" y="3081048"/>
+                <a:ext cx="335666" cy="335666"/>
+              </a:xfrm>
+              <a:prstGeom prst="ellipse">
+                <a:avLst/>
+              </a:prstGeom>
+              <a:solidFill>
+                <a:srgbClr val="0070C0">
+                  <a:alpha val="50196"/>
+                </a:srgbClr>
+              </a:solidFill>
+              <a:ln>
+                <a:noFill/>
+              </a:ln>
+            </p:spPr>
+            <p:style>
+              <a:lnRef idx="2">
+                <a:schemeClr val="accent1">
+                  <a:shade val="50000"/>
+                </a:schemeClr>
+              </a:lnRef>
+              <a:fillRef idx="1">
+                <a:schemeClr val="accent1"/>
+              </a:fillRef>
+              <a:effectRef idx="0">
+                <a:schemeClr val="accent1"/>
+              </a:effectRef>
+              <a:fontRef idx="minor">
+                <a:schemeClr val="lt1"/>
+              </a:fontRef>
+            </p:style>
+            <p:txBody>
+              <a:bodyPr rtlCol="0" anchor="ctr"/>
+              <a:lstStyle/>
+              <a:p>
+                <a:pPr algn="ctr"/>
+                <a:endParaRPr kumimoji="1" lang="zh-CN" altLang="en-US">
+                  <a:latin typeface="Times New Roman" panose="02020603050405020304" pitchFamily="18" charset="0"/>
+                  <a:cs typeface="Times New Roman" panose="02020603050405020304" pitchFamily="18" charset="0"/>
+                </a:endParaRPr>
+              </a:p>
+            </p:txBody>
+          </p:sp>
+          <p:sp>
+            <p:nvSpPr>
+              <p:cNvPr id="35" name="椭圆 34">
+                <a:extLst>
+                  <a:ext uri="{FF2B5EF4-FFF2-40B4-BE49-F238E27FC236}">
+                    <a16:creationId xmlns:a16="http://schemas.microsoft.com/office/drawing/2014/main" id="{981C06C3-6075-5546-A876-DDD2517157F6}"/>
+                  </a:ext>
+                </a:extLst>
+              </p:cNvPr>
+              <p:cNvSpPr/>
+              <p:nvPr/>
+            </p:nvSpPr>
+            <p:spPr>
+              <a:xfrm>
+                <a:off x="7677218" y="3532461"/>
+                <a:ext cx="335666" cy="335666"/>
+              </a:xfrm>
+              <a:prstGeom prst="ellipse">
+                <a:avLst/>
+              </a:prstGeom>
+              <a:solidFill>
+                <a:srgbClr val="0070C0">
+                  <a:alpha val="50196"/>
+                </a:srgbClr>
+              </a:solidFill>
+              <a:ln>
+                <a:noFill/>
+              </a:ln>
+            </p:spPr>
+            <p:style>
+              <a:lnRef idx="2">
+                <a:schemeClr val="accent1">
+                  <a:shade val="50000"/>
+                </a:schemeClr>
+              </a:lnRef>
+              <a:fillRef idx="1">
+                <a:schemeClr val="accent1"/>
+              </a:fillRef>
+              <a:effectRef idx="0">
+                <a:schemeClr val="accent1"/>
+              </a:effectRef>
+              <a:fontRef idx="minor">
+                <a:schemeClr val="lt1"/>
+              </a:fontRef>
+            </p:style>
+            <p:txBody>
+              <a:bodyPr rtlCol="0" anchor="ctr"/>
+              <a:lstStyle/>
+              <a:p>
+                <a:pPr algn="ctr"/>
+                <a:endParaRPr kumimoji="1" lang="zh-CN" altLang="en-US" b="1">
+                  <a:latin typeface="Times New Roman" panose="02020603050405020304" pitchFamily="18" charset="0"/>
+                  <a:cs typeface="Times New Roman" panose="02020603050405020304" pitchFamily="18" charset="0"/>
+                </a:endParaRPr>
+              </a:p>
+            </p:txBody>
+          </p:sp>
+          <p:sp>
+            <p:nvSpPr>
+              <p:cNvPr id="36" name="文本框 35">
+                <a:extLst>
+                  <a:ext uri="{FF2B5EF4-FFF2-40B4-BE49-F238E27FC236}">
+                    <a16:creationId xmlns:a16="http://schemas.microsoft.com/office/drawing/2014/main" id="{FE727F46-B3F3-6B4D-9F31-24EA74D81057}"/>
+                  </a:ext>
+                </a:extLst>
+              </p:cNvPr>
+              <p:cNvSpPr txBox="1"/>
+              <p:nvPr/>
+            </p:nvSpPr>
+            <p:spPr>
+              <a:xfrm>
+                <a:off x="7546040" y="4252701"/>
+                <a:ext cx="626962" cy="369332"/>
+              </a:xfrm>
+              <a:prstGeom prst="rect">
+                <a:avLst/>
+              </a:prstGeom>
+              <a:noFill/>
+            </p:spPr>
+            <p:txBody>
+              <a:bodyPr wrap="square" rtlCol="0">
+                <a:spAutoFit/>
+              </a:bodyPr>
+              <a:lstStyle/>
+              <a:p>
+                <a:r>
+                  <a:rPr kumimoji="1" lang="en-US" altLang="zh-CN" dirty="0">
+                    <a:latin typeface="Times New Roman" panose="02020603050405020304" pitchFamily="18" charset="0"/>
+                    <a:cs typeface="Times New Roman" panose="02020603050405020304" pitchFamily="18" charset="0"/>
+                  </a:rPr>
+                  <a:t>[3,</a:t>
+                </a:r>
+                <a:r>
+                  <a:rPr kumimoji="1" lang="zh-CN" altLang="en-US" dirty="0">
+                    <a:latin typeface="Times New Roman" panose="02020603050405020304" pitchFamily="18" charset="0"/>
+                    <a:cs typeface="Times New Roman" panose="02020603050405020304" pitchFamily="18" charset="0"/>
+                  </a:rPr>
+                  <a:t> </a:t>
+                </a:r>
+                <a:r>
+                  <a:rPr kumimoji="1" lang="en-US" altLang="zh-CN" dirty="0">
+                    <a:latin typeface="Times New Roman" panose="02020603050405020304" pitchFamily="18" charset="0"/>
+                    <a:cs typeface="Times New Roman" panose="02020603050405020304" pitchFamily="18" charset="0"/>
+                  </a:rPr>
+                  <a:t>1]</a:t>
+                </a:r>
+                <a:endParaRPr kumimoji="1" lang="zh-CN" altLang="en-US" dirty="0">
+                  <a:latin typeface="Times New Roman" panose="02020603050405020304" pitchFamily="18" charset="0"/>
+                  <a:cs typeface="Times New Roman" panose="02020603050405020304" pitchFamily="18" charset="0"/>
+                </a:endParaRPr>
+              </a:p>
+            </p:txBody>
+          </p:sp>
+          <p:sp>
+            <p:nvSpPr>
+              <p:cNvPr id="37" name="矩形 36">
+                <a:extLst>
+                  <a:ext uri="{FF2B5EF4-FFF2-40B4-BE49-F238E27FC236}">
+                    <a16:creationId xmlns:a16="http://schemas.microsoft.com/office/drawing/2014/main" id="{712A06DC-D42B-8842-9767-B50E08756287}"/>
+                  </a:ext>
+                </a:extLst>
+              </p:cNvPr>
+              <p:cNvSpPr/>
+              <p:nvPr/>
+            </p:nvSpPr>
+            <p:spPr>
+              <a:xfrm>
+                <a:off x="8317029" y="2654900"/>
+                <a:ext cx="1800493" cy="923330"/>
+              </a:xfrm>
+              <a:prstGeom prst="rect">
+                <a:avLst/>
+              </a:prstGeom>
+            </p:spPr>
+            <p:txBody>
+              <a:bodyPr wrap="none">
+                <a:spAutoFit/>
+              </a:bodyPr>
+              <a:lstStyle/>
+              <a:p>
+                <a:pPr algn="ctr"/>
+                <a:r>
+                  <a:rPr lang="en-US" altLang="zh-CN" dirty="0" err="1">
+                    <a:latin typeface="Times New Roman" panose="02020603050405020304" pitchFamily="18" charset="0"/>
+                    <a:cs typeface="Times New Roman" panose="02020603050405020304" pitchFamily="18" charset="0"/>
+                  </a:rPr>
+                  <a:t>d_loss</a:t>
+                </a:r>
+                <a:endParaRPr lang="en-US" altLang="zh-CN" dirty="0">
+                  <a:latin typeface="Times New Roman" panose="02020603050405020304" pitchFamily="18" charset="0"/>
+                  <a:cs typeface="Times New Roman" panose="02020603050405020304" pitchFamily="18" charset="0"/>
+                </a:endParaRPr>
+              </a:p>
+              <a:p>
+                <a:pPr algn="ctr"/>
+                <a:r>
+                  <a:rPr lang="en" altLang="zh-CN" dirty="0" err="1">
+                    <a:latin typeface="Times New Roman" panose="02020603050405020304" pitchFamily="18" charset="0"/>
+                    <a:cs typeface="Times New Roman" panose="02020603050405020304" pitchFamily="18" charset="0"/>
+                  </a:rPr>
+                  <a:t>hidden_layer</a:t>
+                </a:r>
+                <a:endParaRPr lang="en" altLang="zh-CN" dirty="0">
+                  <a:latin typeface="Times New Roman" panose="02020603050405020304" pitchFamily="18" charset="0"/>
+                  <a:cs typeface="Times New Roman" panose="02020603050405020304" pitchFamily="18" charset="0"/>
+                </a:endParaRPr>
+              </a:p>
+              <a:p>
+                <a:pPr algn="ctr"/>
+                <a:r>
+                  <a:rPr lang="en" altLang="zh-CN" dirty="0" err="1">
+                    <a:latin typeface="Times New Roman" panose="02020603050405020304" pitchFamily="18" charset="0"/>
+                    <a:cs typeface="Times New Roman" panose="02020603050405020304" pitchFamily="18" charset="0"/>
+                  </a:rPr>
+                  <a:t>before_activation</a:t>
+                </a:r>
+                <a:endParaRPr lang="zh-CN" altLang="en-US" dirty="0">
+                  <a:latin typeface="Times New Roman" panose="02020603050405020304" pitchFamily="18" charset="0"/>
+                  <a:cs typeface="Times New Roman" panose="02020603050405020304" pitchFamily="18" charset="0"/>
+                </a:endParaRPr>
+              </a:p>
+            </p:txBody>
+          </p:sp>
+        </p:grpSp>
         <p:sp>
           <p:nvSpPr>
-            <p:cNvPr id="5" name="椭圆 4">
+            <p:cNvPr id="4" name="矩形 3">
               <a:extLst>
                 <a:ext uri="{FF2B5EF4-FFF2-40B4-BE49-F238E27FC236}">
-                  <a16:creationId xmlns:a16="http://schemas.microsoft.com/office/drawing/2014/main" id="{606C64F6-9C2D-2B44-8D8B-4AF8D56AFE1F}"/>
+                  <a16:creationId xmlns:a16="http://schemas.microsoft.com/office/drawing/2014/main" id="{C025556C-0DBB-FB44-B55D-377F3D691A14}"/>
                 </a:ext>
               </a:extLst>
             </p:cNvPr>
@@ -8781,19 +10420,17 @@
           </p:nvSpPr>
           <p:spPr>
             <a:xfrm>
-              <a:off x="2199190" y="1597306"/>
-              <a:ext cx="335666" cy="335666"/>
+              <a:off x="266218" y="1215342"/>
+              <a:ext cx="9884779" cy="3981691"/>
             </a:xfrm>
-            <a:prstGeom prst="ellipse">
+            <a:prstGeom prst="rect">
               <a:avLst/>
             </a:prstGeom>
-            <a:solidFill>
-              <a:srgbClr val="70AD47">
-                <a:alpha val="50196"/>
-              </a:srgbClr>
-            </a:solidFill>
-            <a:ln>
-              <a:noFill/>
+            <a:noFill/>
+            <a:ln w="19050">
+              <a:solidFill>
+                <a:schemeClr val="tx1"/>
+              </a:solidFill>
             </a:ln>
           </p:spPr>
           <p:style>
@@ -8817,1571 +10454,7 @@
             <a:lstStyle/>
             <a:p>
               <a:pPr algn="ctr"/>
-              <a:endParaRPr kumimoji="1" lang="zh-CN" altLang="en-US">
-                <a:latin typeface="Times New Roman" panose="02020603050405020304" pitchFamily="18" charset="0"/>
-                <a:cs typeface="Times New Roman" panose="02020603050405020304" pitchFamily="18" charset="0"/>
-              </a:endParaRPr>
-            </a:p>
-          </p:txBody>
-        </p:sp>
-        <p:sp>
-          <p:nvSpPr>
-            <p:cNvPr id="6" name="椭圆 5">
-              <a:extLst>
-                <a:ext uri="{FF2B5EF4-FFF2-40B4-BE49-F238E27FC236}">
-                  <a16:creationId xmlns:a16="http://schemas.microsoft.com/office/drawing/2014/main" id="{E40205FE-E595-4B44-9732-74E28622F87C}"/>
-                </a:ext>
-              </a:extLst>
-            </p:cNvPr>
-            <p:cNvSpPr/>
-            <p:nvPr/>
-          </p:nvSpPr>
-          <p:spPr>
-            <a:xfrm>
-              <a:off x="2675681" y="1597306"/>
-              <a:ext cx="335666" cy="335666"/>
-            </a:xfrm>
-            <a:prstGeom prst="ellipse">
-              <a:avLst/>
-            </a:prstGeom>
-            <a:solidFill>
-              <a:srgbClr val="70AD47">
-                <a:alpha val="50196"/>
-              </a:srgbClr>
-            </a:solidFill>
-            <a:ln>
-              <a:noFill/>
-            </a:ln>
-          </p:spPr>
-          <p:style>
-            <a:lnRef idx="2">
-              <a:schemeClr val="accent1">
-                <a:shade val="50000"/>
-              </a:schemeClr>
-            </a:lnRef>
-            <a:fillRef idx="1">
-              <a:schemeClr val="accent1"/>
-            </a:fillRef>
-            <a:effectRef idx="0">
-              <a:schemeClr val="accent1"/>
-            </a:effectRef>
-            <a:fontRef idx="minor">
-              <a:schemeClr val="lt1"/>
-            </a:fontRef>
-          </p:style>
-          <p:txBody>
-            <a:bodyPr rtlCol="0" anchor="ctr"/>
-            <a:lstStyle/>
-            <a:p>
-              <a:pPr algn="ctr"/>
-              <a:endParaRPr kumimoji="1" lang="zh-CN" altLang="en-US">
-                <a:latin typeface="Times New Roman" panose="02020603050405020304" pitchFamily="18" charset="0"/>
-                <a:cs typeface="Times New Roman" panose="02020603050405020304" pitchFamily="18" charset="0"/>
-              </a:endParaRPr>
-            </a:p>
-          </p:txBody>
-        </p:sp>
-        <p:sp>
-          <p:nvSpPr>
-            <p:cNvPr id="7" name="椭圆 6">
-              <a:extLst>
-                <a:ext uri="{FF2B5EF4-FFF2-40B4-BE49-F238E27FC236}">
-                  <a16:creationId xmlns:a16="http://schemas.microsoft.com/office/drawing/2014/main" id="{4A21CDFE-66B1-6A44-B6FD-E700E0B9F2F4}"/>
-                </a:ext>
-              </a:extLst>
-            </p:cNvPr>
-            <p:cNvSpPr/>
-            <p:nvPr/>
-          </p:nvSpPr>
-          <p:spPr>
-            <a:xfrm>
-              <a:off x="3152172" y="1597306"/>
-              <a:ext cx="335666" cy="335666"/>
-            </a:xfrm>
-            <a:prstGeom prst="ellipse">
-              <a:avLst/>
-            </a:prstGeom>
-            <a:solidFill>
-              <a:srgbClr val="70AD47">
-                <a:alpha val="50196"/>
-              </a:srgbClr>
-            </a:solidFill>
-            <a:ln>
-              <a:noFill/>
-            </a:ln>
-          </p:spPr>
-          <p:style>
-            <a:lnRef idx="2">
-              <a:schemeClr val="accent1">
-                <a:shade val="50000"/>
-              </a:schemeClr>
-            </a:lnRef>
-            <a:fillRef idx="1">
-              <a:schemeClr val="accent1"/>
-            </a:fillRef>
-            <a:effectRef idx="0">
-              <a:schemeClr val="accent1"/>
-            </a:effectRef>
-            <a:fontRef idx="minor">
-              <a:schemeClr val="lt1"/>
-            </a:fontRef>
-          </p:style>
-          <p:txBody>
-            <a:bodyPr rtlCol="0" anchor="ctr"/>
-            <a:lstStyle/>
-            <a:p>
-              <a:pPr algn="ctr"/>
-              <a:endParaRPr kumimoji="1" lang="zh-CN" altLang="en-US" b="1">
-                <a:latin typeface="Times New Roman" panose="02020603050405020304" pitchFamily="18" charset="0"/>
-                <a:cs typeface="Times New Roman" panose="02020603050405020304" pitchFamily="18" charset="0"/>
-              </a:endParaRPr>
-            </a:p>
-          </p:txBody>
-        </p:sp>
-        <p:sp>
-          <p:nvSpPr>
-            <p:cNvPr id="8" name="文本框 7">
-              <a:extLst>
-                <a:ext uri="{FF2B5EF4-FFF2-40B4-BE49-F238E27FC236}">
-                  <a16:creationId xmlns:a16="http://schemas.microsoft.com/office/drawing/2014/main" id="{39958EC3-5FCB-9948-8079-6CF81317C62D}"/>
-                </a:ext>
-              </a:extLst>
-            </p:cNvPr>
-            <p:cNvSpPr txBox="1"/>
-            <p:nvPr/>
-          </p:nvSpPr>
-          <p:spPr>
-            <a:xfrm>
-              <a:off x="3559213" y="1522598"/>
-              <a:ext cx="358815" cy="369332"/>
-            </a:xfrm>
-            <a:prstGeom prst="rect">
-              <a:avLst/>
-            </a:prstGeom>
-            <a:noFill/>
-            <a:ln>
-              <a:noFill/>
-            </a:ln>
-          </p:spPr>
-          <p:txBody>
-            <a:bodyPr wrap="square" rtlCol="0">
-              <a:spAutoFit/>
-            </a:bodyPr>
-            <a:lstStyle/>
-            <a:p>
-              <a:r>
-                <a:rPr kumimoji="1" lang="en-US" altLang="zh-CN">
-                  <a:latin typeface="Times New Roman" panose="02020603050405020304" pitchFamily="18" charset="0"/>
-                  <a:cs typeface="Times New Roman" panose="02020603050405020304" pitchFamily="18" charset="0"/>
-                </a:rPr>
-                <a:t>…</a:t>
-              </a:r>
-              <a:endParaRPr kumimoji="1" lang="zh-CN" altLang="en-US">
-                <a:latin typeface="Times New Roman" panose="02020603050405020304" pitchFamily="18" charset="0"/>
-                <a:cs typeface="Times New Roman" panose="02020603050405020304" pitchFamily="18" charset="0"/>
-              </a:endParaRPr>
-            </a:p>
-          </p:txBody>
-        </p:sp>
-        <p:sp>
-          <p:nvSpPr>
-            <p:cNvPr id="9" name="椭圆 8">
-              <a:extLst>
-                <a:ext uri="{FF2B5EF4-FFF2-40B4-BE49-F238E27FC236}">
-                  <a16:creationId xmlns:a16="http://schemas.microsoft.com/office/drawing/2014/main" id="{38DCCECE-D2A7-EA40-ADF5-37C79F41CB99}"/>
-                </a:ext>
-              </a:extLst>
-            </p:cNvPr>
-            <p:cNvSpPr/>
-            <p:nvPr/>
-          </p:nvSpPr>
-          <p:spPr>
-            <a:xfrm>
-              <a:off x="3987478" y="1597306"/>
-              <a:ext cx="335666" cy="335666"/>
-            </a:xfrm>
-            <a:prstGeom prst="ellipse">
-              <a:avLst/>
-            </a:prstGeom>
-            <a:solidFill>
-              <a:srgbClr val="70AD47">
-                <a:alpha val="50196"/>
-              </a:srgbClr>
-            </a:solidFill>
-            <a:ln>
-              <a:noFill/>
-            </a:ln>
-          </p:spPr>
-          <p:style>
-            <a:lnRef idx="2">
-              <a:schemeClr val="accent1">
-                <a:shade val="50000"/>
-              </a:schemeClr>
-            </a:lnRef>
-            <a:fillRef idx="1">
-              <a:schemeClr val="accent1"/>
-            </a:fillRef>
-            <a:effectRef idx="0">
-              <a:schemeClr val="accent1"/>
-            </a:effectRef>
-            <a:fontRef idx="minor">
-              <a:schemeClr val="lt1"/>
-            </a:fontRef>
-          </p:style>
-          <p:txBody>
-            <a:bodyPr rtlCol="0" anchor="ctr"/>
-            <a:lstStyle/>
-            <a:p>
-              <a:pPr algn="ctr"/>
-              <a:endParaRPr kumimoji="1" lang="zh-CN" altLang="en-US" b="1">
-                <a:latin typeface="Times New Roman" panose="02020603050405020304" pitchFamily="18" charset="0"/>
-                <a:cs typeface="Times New Roman" panose="02020603050405020304" pitchFamily="18" charset="0"/>
-              </a:endParaRPr>
-            </a:p>
-          </p:txBody>
-        </p:sp>
-        <p:sp>
-          <p:nvSpPr>
-            <p:cNvPr id="10" name="文本框 9">
-              <a:extLst>
-                <a:ext uri="{FF2B5EF4-FFF2-40B4-BE49-F238E27FC236}">
-                  <a16:creationId xmlns:a16="http://schemas.microsoft.com/office/drawing/2014/main" id="{488C1113-886D-224A-B275-CF889243939D}"/>
-                </a:ext>
-              </a:extLst>
-            </p:cNvPr>
-            <p:cNvSpPr txBox="1"/>
-            <p:nvPr/>
-          </p:nvSpPr>
-          <p:spPr>
-            <a:xfrm>
-              <a:off x="2889812" y="2118166"/>
-              <a:ext cx="918258" cy="369332"/>
-            </a:xfrm>
-            <a:prstGeom prst="rect">
-              <a:avLst/>
-            </a:prstGeom>
-            <a:noFill/>
-          </p:spPr>
-          <p:txBody>
-            <a:bodyPr wrap="square" rtlCol="0">
-              <a:spAutoFit/>
-            </a:bodyPr>
-            <a:lstStyle/>
-            <a:p>
-              <a:r>
-                <a:rPr kumimoji="1" lang="en-US" altLang="zh-CN">
-                  <a:latin typeface="Times New Roman" panose="02020603050405020304" pitchFamily="18" charset="0"/>
-                  <a:cs typeface="Times New Roman" panose="02020603050405020304" pitchFamily="18" charset="0"/>
-                </a:rPr>
-                <a:t>[1,</a:t>
-              </a:r>
-              <a:r>
-                <a:rPr kumimoji="1" lang="zh-CN" altLang="en-US">
-                  <a:latin typeface="Times New Roman" panose="02020603050405020304" pitchFamily="18" charset="0"/>
-                  <a:cs typeface="Times New Roman" panose="02020603050405020304" pitchFamily="18" charset="0"/>
-                </a:rPr>
-                <a:t> </a:t>
-              </a:r>
-              <a:r>
-                <a:rPr kumimoji="1" lang="en-US" altLang="zh-CN">
-                  <a:latin typeface="Times New Roman" panose="02020603050405020304" pitchFamily="18" charset="0"/>
-                  <a:cs typeface="Times New Roman" panose="02020603050405020304" pitchFamily="18" charset="0"/>
-                </a:rPr>
-                <a:t>500]</a:t>
-              </a:r>
-              <a:endParaRPr kumimoji="1" lang="zh-CN" altLang="en-US">
-                <a:latin typeface="Times New Roman" panose="02020603050405020304" pitchFamily="18" charset="0"/>
-                <a:cs typeface="Times New Roman" panose="02020603050405020304" pitchFamily="18" charset="0"/>
-              </a:endParaRPr>
-            </a:p>
-          </p:txBody>
-        </p:sp>
-        <p:sp>
-          <p:nvSpPr>
-            <p:cNvPr id="11" name="文本框 10">
-              <a:extLst>
-                <a:ext uri="{FF2B5EF4-FFF2-40B4-BE49-F238E27FC236}">
-                  <a16:creationId xmlns:a16="http://schemas.microsoft.com/office/drawing/2014/main" id="{6DC3972B-AAFD-E948-8364-CAB590F79ABE}"/>
-                </a:ext>
-              </a:extLst>
-            </p:cNvPr>
-            <p:cNvSpPr txBox="1"/>
-            <p:nvPr/>
-          </p:nvSpPr>
-          <p:spPr>
-            <a:xfrm>
-              <a:off x="742219" y="1441973"/>
-              <a:ext cx="1299263" cy="646331"/>
-            </a:xfrm>
-            <a:prstGeom prst="rect">
-              <a:avLst/>
-            </a:prstGeom>
-            <a:noFill/>
-          </p:spPr>
-          <p:txBody>
-            <a:bodyPr wrap="square" rtlCol="0">
-              <a:spAutoFit/>
-            </a:bodyPr>
-            <a:lstStyle/>
-            <a:p>
-              <a:pPr algn="ctr"/>
-              <a:r>
-                <a:rPr kumimoji="1" lang="en-US" altLang="zh-CN" err="1">
-                  <a:latin typeface="Times New Roman" panose="02020603050405020304" pitchFamily="18" charset="0"/>
-                  <a:cs typeface="Times New Roman" panose="02020603050405020304" pitchFamily="18" charset="0"/>
-                </a:rPr>
-                <a:t>d_loss</a:t>
-              </a:r>
-              <a:endParaRPr kumimoji="1" lang="en-US" altLang="zh-CN">
-                <a:latin typeface="Times New Roman" panose="02020603050405020304" pitchFamily="18" charset="0"/>
-                <a:cs typeface="Times New Roman" panose="02020603050405020304" pitchFamily="18" charset="0"/>
-              </a:endParaRPr>
-            </a:p>
-            <a:p>
-              <a:pPr algn="ctr"/>
-              <a:r>
-                <a:rPr kumimoji="1" lang="en-US" altLang="zh-CN" err="1">
-                  <a:latin typeface="Times New Roman" panose="02020603050405020304" pitchFamily="18" charset="0"/>
-                  <a:cs typeface="Times New Roman" panose="02020603050405020304" pitchFamily="18" charset="0"/>
-                </a:rPr>
-                <a:t>input_layer</a:t>
-              </a:r>
-              <a:endParaRPr kumimoji="1" lang="zh-CN" altLang="en-US">
-                <a:latin typeface="Times New Roman" panose="02020603050405020304" pitchFamily="18" charset="0"/>
-                <a:cs typeface="Times New Roman" panose="02020603050405020304" pitchFamily="18" charset="0"/>
-              </a:endParaRPr>
-            </a:p>
-          </p:txBody>
-        </p:sp>
-        <p:sp>
-          <p:nvSpPr>
-            <p:cNvPr id="13" name="椭圆 12">
-              <a:extLst>
-                <a:ext uri="{FF2B5EF4-FFF2-40B4-BE49-F238E27FC236}">
-                  <a16:creationId xmlns:a16="http://schemas.microsoft.com/office/drawing/2014/main" id="{EF38F1B1-76AC-3248-8BD0-D937F4E82C01}"/>
-                </a:ext>
-              </a:extLst>
-            </p:cNvPr>
-            <p:cNvSpPr/>
-            <p:nvPr/>
-          </p:nvSpPr>
-          <p:spPr>
-            <a:xfrm>
-              <a:off x="2625529" y="3370348"/>
-              <a:ext cx="335666" cy="335666"/>
-            </a:xfrm>
-            <a:prstGeom prst="ellipse">
-              <a:avLst/>
-            </a:prstGeom>
-            <a:solidFill>
-              <a:srgbClr val="ED7D31">
-                <a:alpha val="50196"/>
-              </a:srgbClr>
-            </a:solidFill>
-            <a:ln>
-              <a:noFill/>
-            </a:ln>
-          </p:spPr>
-          <p:style>
-            <a:lnRef idx="2">
-              <a:schemeClr val="accent1">
-                <a:shade val="50000"/>
-              </a:schemeClr>
-            </a:lnRef>
-            <a:fillRef idx="1">
-              <a:schemeClr val="accent1"/>
-            </a:fillRef>
-            <a:effectRef idx="0">
-              <a:schemeClr val="accent1"/>
-            </a:effectRef>
-            <a:fontRef idx="minor">
-              <a:schemeClr val="lt1"/>
-            </a:fontRef>
-          </p:style>
-          <p:txBody>
-            <a:bodyPr rtlCol="0" anchor="ctr"/>
-            <a:lstStyle/>
-            <a:p>
-              <a:pPr algn="ctr"/>
-              <a:endParaRPr kumimoji="1" lang="zh-CN" altLang="en-US">
-                <a:latin typeface="Times New Roman" panose="02020603050405020304" pitchFamily="18" charset="0"/>
-                <a:cs typeface="Times New Roman" panose="02020603050405020304" pitchFamily="18" charset="0"/>
-              </a:endParaRPr>
-            </a:p>
-          </p:txBody>
-        </p:sp>
-        <p:sp>
-          <p:nvSpPr>
-            <p:cNvPr id="14" name="椭圆 13">
-              <a:extLst>
-                <a:ext uri="{FF2B5EF4-FFF2-40B4-BE49-F238E27FC236}">
-                  <a16:creationId xmlns:a16="http://schemas.microsoft.com/office/drawing/2014/main" id="{725E754A-9C1C-E54F-9107-A2E68D7EAEE9}"/>
-                </a:ext>
-              </a:extLst>
-            </p:cNvPr>
-            <p:cNvSpPr/>
-            <p:nvPr/>
-          </p:nvSpPr>
-          <p:spPr>
-            <a:xfrm>
-              <a:off x="3102020" y="3370348"/>
-              <a:ext cx="335666" cy="335666"/>
-            </a:xfrm>
-            <a:prstGeom prst="ellipse">
-              <a:avLst/>
-            </a:prstGeom>
-            <a:solidFill>
-              <a:srgbClr val="ED7D31">
-                <a:alpha val="50196"/>
-              </a:srgbClr>
-            </a:solidFill>
-            <a:ln>
-              <a:noFill/>
-            </a:ln>
-          </p:spPr>
-          <p:style>
-            <a:lnRef idx="2">
-              <a:schemeClr val="accent1">
-                <a:shade val="50000"/>
-              </a:schemeClr>
-            </a:lnRef>
-            <a:fillRef idx="1">
-              <a:schemeClr val="accent1"/>
-            </a:fillRef>
-            <a:effectRef idx="0">
-              <a:schemeClr val="accent1"/>
-            </a:effectRef>
-            <a:fontRef idx="minor">
-              <a:schemeClr val="lt1"/>
-            </a:fontRef>
-          </p:style>
-          <p:txBody>
-            <a:bodyPr rtlCol="0" anchor="ctr"/>
-            <a:lstStyle/>
-            <a:p>
-              <a:pPr algn="ctr"/>
-              <a:endParaRPr kumimoji="1" lang="zh-CN" altLang="en-US">
-                <a:latin typeface="Times New Roman" panose="02020603050405020304" pitchFamily="18" charset="0"/>
-                <a:cs typeface="Times New Roman" panose="02020603050405020304" pitchFamily="18" charset="0"/>
-              </a:endParaRPr>
-            </a:p>
-          </p:txBody>
-        </p:sp>
-        <p:sp>
-          <p:nvSpPr>
-            <p:cNvPr id="15" name="椭圆 14">
-              <a:extLst>
-                <a:ext uri="{FF2B5EF4-FFF2-40B4-BE49-F238E27FC236}">
-                  <a16:creationId xmlns:a16="http://schemas.microsoft.com/office/drawing/2014/main" id="{99C987CA-3255-9446-A9CD-0C4094733266}"/>
-                </a:ext>
-              </a:extLst>
-            </p:cNvPr>
-            <p:cNvSpPr/>
-            <p:nvPr/>
-          </p:nvSpPr>
-          <p:spPr>
-            <a:xfrm>
-              <a:off x="3578511" y="3370348"/>
-              <a:ext cx="335666" cy="335666"/>
-            </a:xfrm>
-            <a:prstGeom prst="ellipse">
-              <a:avLst/>
-            </a:prstGeom>
-            <a:solidFill>
-              <a:srgbClr val="ED7D31">
-                <a:alpha val="50196"/>
-              </a:srgbClr>
-            </a:solidFill>
-            <a:ln>
-              <a:noFill/>
-            </a:ln>
-          </p:spPr>
-          <p:style>
-            <a:lnRef idx="2">
-              <a:schemeClr val="accent1">
-                <a:shade val="50000"/>
-              </a:schemeClr>
-            </a:lnRef>
-            <a:fillRef idx="1">
-              <a:schemeClr val="accent1"/>
-            </a:fillRef>
-            <a:effectRef idx="0">
-              <a:schemeClr val="accent1"/>
-            </a:effectRef>
-            <a:fontRef idx="minor">
-              <a:schemeClr val="lt1"/>
-            </a:fontRef>
-          </p:style>
-          <p:txBody>
-            <a:bodyPr rtlCol="0" anchor="ctr"/>
-            <a:lstStyle/>
-            <a:p>
-              <a:pPr algn="ctr"/>
-              <a:endParaRPr kumimoji="1" lang="zh-CN" altLang="en-US" b="1">
-                <a:latin typeface="Times New Roman" panose="02020603050405020304" pitchFamily="18" charset="0"/>
-                <a:cs typeface="Times New Roman" panose="02020603050405020304" pitchFamily="18" charset="0"/>
-              </a:endParaRPr>
-            </a:p>
-          </p:txBody>
-        </p:sp>
-        <p:sp>
-          <p:nvSpPr>
-            <p:cNvPr id="16" name="文本框 15">
-              <a:extLst>
-                <a:ext uri="{FF2B5EF4-FFF2-40B4-BE49-F238E27FC236}">
-                  <a16:creationId xmlns:a16="http://schemas.microsoft.com/office/drawing/2014/main" id="{8F98302D-8288-BB43-A24B-C79FE79DBF04}"/>
-                </a:ext>
-              </a:extLst>
-            </p:cNvPr>
-            <p:cNvSpPr txBox="1"/>
-            <p:nvPr/>
-          </p:nvSpPr>
-          <p:spPr>
-            <a:xfrm>
-              <a:off x="2602380" y="4260540"/>
-              <a:ext cx="358815" cy="369332"/>
-            </a:xfrm>
-            <a:prstGeom prst="rect">
-              <a:avLst/>
-            </a:prstGeom>
-            <a:noFill/>
-            <a:ln>
-              <a:noFill/>
-            </a:ln>
-          </p:spPr>
-          <p:txBody>
-            <a:bodyPr wrap="square" rtlCol="0">
-              <a:spAutoFit/>
-            </a:bodyPr>
-            <a:lstStyle/>
-            <a:p>
-              <a:r>
-                <a:rPr kumimoji="1" lang="en-US" altLang="zh-CN">
-                  <a:latin typeface="Times New Roman" panose="02020603050405020304" pitchFamily="18" charset="0"/>
-                  <a:cs typeface="Times New Roman" panose="02020603050405020304" pitchFamily="18" charset="0"/>
-                </a:rPr>
-                <a:t>…</a:t>
-              </a:r>
-              <a:endParaRPr kumimoji="1" lang="zh-CN" altLang="en-US">
-                <a:latin typeface="Times New Roman" panose="02020603050405020304" pitchFamily="18" charset="0"/>
-                <a:cs typeface="Times New Roman" panose="02020603050405020304" pitchFamily="18" charset="0"/>
-              </a:endParaRPr>
-            </a:p>
-          </p:txBody>
-        </p:sp>
-        <p:sp>
-          <p:nvSpPr>
-            <p:cNvPr id="17" name="椭圆 16">
-              <a:extLst>
-                <a:ext uri="{FF2B5EF4-FFF2-40B4-BE49-F238E27FC236}">
-                  <a16:creationId xmlns:a16="http://schemas.microsoft.com/office/drawing/2014/main" id="{8BAC16E6-0800-4C42-B453-8242A0EE1B33}"/>
-                </a:ext>
-              </a:extLst>
-            </p:cNvPr>
-            <p:cNvSpPr/>
-            <p:nvPr/>
-          </p:nvSpPr>
-          <p:spPr>
-            <a:xfrm>
-              <a:off x="2625529" y="3907513"/>
-              <a:ext cx="335666" cy="335666"/>
-            </a:xfrm>
-            <a:prstGeom prst="ellipse">
-              <a:avLst/>
-            </a:prstGeom>
-            <a:solidFill>
-              <a:srgbClr val="ED7D31">
-                <a:alpha val="50196"/>
-              </a:srgbClr>
-            </a:solidFill>
-            <a:ln>
-              <a:noFill/>
-            </a:ln>
-          </p:spPr>
-          <p:style>
-            <a:lnRef idx="2">
-              <a:schemeClr val="accent1">
-                <a:shade val="50000"/>
-              </a:schemeClr>
-            </a:lnRef>
-            <a:fillRef idx="1">
-              <a:schemeClr val="accent1"/>
-            </a:fillRef>
-            <a:effectRef idx="0">
-              <a:schemeClr val="accent1"/>
-            </a:effectRef>
-            <a:fontRef idx="minor">
-              <a:schemeClr val="lt1"/>
-            </a:fontRef>
-          </p:style>
-          <p:txBody>
-            <a:bodyPr rtlCol="0" anchor="ctr"/>
-            <a:lstStyle/>
-            <a:p>
-              <a:pPr algn="ctr"/>
-              <a:endParaRPr kumimoji="1" lang="zh-CN" altLang="en-US" b="1">
-                <a:latin typeface="Times New Roman" panose="02020603050405020304" pitchFamily="18" charset="0"/>
-                <a:cs typeface="Times New Roman" panose="02020603050405020304" pitchFamily="18" charset="0"/>
-              </a:endParaRPr>
-            </a:p>
-          </p:txBody>
-        </p:sp>
-        <p:sp>
-          <p:nvSpPr>
-            <p:cNvPr id="18" name="椭圆 17">
-              <a:extLst>
-                <a:ext uri="{FF2B5EF4-FFF2-40B4-BE49-F238E27FC236}">
-                  <a16:creationId xmlns:a16="http://schemas.microsoft.com/office/drawing/2014/main" id="{DBAA212F-3D99-8842-ACFB-A2F429E12EF4}"/>
-                </a:ext>
-              </a:extLst>
-            </p:cNvPr>
-            <p:cNvSpPr/>
-            <p:nvPr/>
-          </p:nvSpPr>
-          <p:spPr>
-            <a:xfrm>
-              <a:off x="3102020" y="3907513"/>
-              <a:ext cx="335666" cy="335666"/>
-            </a:xfrm>
-            <a:prstGeom prst="ellipse">
-              <a:avLst/>
-            </a:prstGeom>
-            <a:solidFill>
-              <a:srgbClr val="ED7D31">
-                <a:alpha val="50196"/>
-              </a:srgbClr>
-            </a:solidFill>
-            <a:ln>
-              <a:noFill/>
-            </a:ln>
-          </p:spPr>
-          <p:style>
-            <a:lnRef idx="2">
-              <a:schemeClr val="accent1">
-                <a:shade val="50000"/>
-              </a:schemeClr>
-            </a:lnRef>
-            <a:fillRef idx="1">
-              <a:schemeClr val="accent1"/>
-            </a:fillRef>
-            <a:effectRef idx="0">
-              <a:schemeClr val="accent1"/>
-            </a:effectRef>
-            <a:fontRef idx="minor">
-              <a:schemeClr val="lt1"/>
-            </a:fontRef>
-          </p:style>
-          <p:txBody>
-            <a:bodyPr rtlCol="0" anchor="ctr"/>
-            <a:lstStyle/>
-            <a:p>
-              <a:pPr algn="ctr"/>
-              <a:endParaRPr kumimoji="1" lang="zh-CN" altLang="en-US">
-                <a:latin typeface="Times New Roman" panose="02020603050405020304" pitchFamily="18" charset="0"/>
-                <a:cs typeface="Times New Roman" panose="02020603050405020304" pitchFamily="18" charset="0"/>
-              </a:endParaRPr>
-            </a:p>
-          </p:txBody>
-        </p:sp>
-        <p:sp>
-          <p:nvSpPr>
-            <p:cNvPr id="19" name="椭圆 18">
-              <a:extLst>
-                <a:ext uri="{FF2B5EF4-FFF2-40B4-BE49-F238E27FC236}">
-                  <a16:creationId xmlns:a16="http://schemas.microsoft.com/office/drawing/2014/main" id="{D4089461-9986-BA48-9C45-248E0CDF6B93}"/>
-                </a:ext>
-              </a:extLst>
-            </p:cNvPr>
-            <p:cNvSpPr/>
-            <p:nvPr/>
-          </p:nvSpPr>
-          <p:spPr>
-            <a:xfrm>
-              <a:off x="3578511" y="3907513"/>
-              <a:ext cx="335666" cy="335666"/>
-            </a:xfrm>
-            <a:prstGeom prst="ellipse">
-              <a:avLst/>
-            </a:prstGeom>
-            <a:solidFill>
-              <a:srgbClr val="ED7D31">
-                <a:alpha val="50196"/>
-              </a:srgbClr>
-            </a:solidFill>
-            <a:ln>
-              <a:noFill/>
-            </a:ln>
-          </p:spPr>
-          <p:style>
-            <a:lnRef idx="2">
-              <a:schemeClr val="accent1">
-                <a:shade val="50000"/>
-              </a:schemeClr>
-            </a:lnRef>
-            <a:fillRef idx="1">
-              <a:schemeClr val="accent1"/>
-            </a:fillRef>
-            <a:effectRef idx="0">
-              <a:schemeClr val="accent1"/>
-            </a:effectRef>
-            <a:fontRef idx="minor">
-              <a:schemeClr val="lt1"/>
-            </a:fontRef>
-          </p:style>
-          <p:txBody>
-            <a:bodyPr rtlCol="0" anchor="ctr"/>
-            <a:lstStyle/>
-            <a:p>
-              <a:pPr algn="ctr"/>
-              <a:endParaRPr kumimoji="1" lang="zh-CN" altLang="en-US" b="1">
-                <a:latin typeface="Times New Roman" panose="02020603050405020304" pitchFamily="18" charset="0"/>
-                <a:cs typeface="Times New Roman" panose="02020603050405020304" pitchFamily="18" charset="0"/>
-              </a:endParaRPr>
-            </a:p>
-          </p:txBody>
-        </p:sp>
-        <p:sp>
-          <p:nvSpPr>
-            <p:cNvPr id="20" name="文本框 19">
-              <a:extLst>
-                <a:ext uri="{FF2B5EF4-FFF2-40B4-BE49-F238E27FC236}">
-                  <a16:creationId xmlns:a16="http://schemas.microsoft.com/office/drawing/2014/main" id="{0CE08D08-9E2C-3F48-BB6A-A14846BB02D7}"/>
-                </a:ext>
-              </a:extLst>
-            </p:cNvPr>
-            <p:cNvSpPr txBox="1"/>
-            <p:nvPr/>
-          </p:nvSpPr>
-          <p:spPr>
-            <a:xfrm>
-              <a:off x="3090445" y="4260540"/>
-              <a:ext cx="358815" cy="369332"/>
-            </a:xfrm>
-            <a:prstGeom prst="rect">
-              <a:avLst/>
-            </a:prstGeom>
-            <a:noFill/>
-            <a:ln>
-              <a:noFill/>
-            </a:ln>
-          </p:spPr>
-          <p:txBody>
-            <a:bodyPr wrap="square" rtlCol="0">
-              <a:spAutoFit/>
-            </a:bodyPr>
-            <a:lstStyle/>
-            <a:p>
-              <a:r>
-                <a:rPr kumimoji="1" lang="en-US" altLang="zh-CN">
-                  <a:latin typeface="Times New Roman" panose="02020603050405020304" pitchFamily="18" charset="0"/>
-                  <a:cs typeface="Times New Roman" panose="02020603050405020304" pitchFamily="18" charset="0"/>
-                </a:rPr>
-                <a:t>…</a:t>
-              </a:r>
-              <a:endParaRPr kumimoji="1" lang="zh-CN" altLang="en-US">
-                <a:latin typeface="Times New Roman" panose="02020603050405020304" pitchFamily="18" charset="0"/>
-                <a:cs typeface="Times New Roman" panose="02020603050405020304" pitchFamily="18" charset="0"/>
-              </a:endParaRPr>
-            </a:p>
-          </p:txBody>
-        </p:sp>
-        <p:sp>
-          <p:nvSpPr>
-            <p:cNvPr id="21" name="文本框 20">
-              <a:extLst>
-                <a:ext uri="{FF2B5EF4-FFF2-40B4-BE49-F238E27FC236}">
-                  <a16:creationId xmlns:a16="http://schemas.microsoft.com/office/drawing/2014/main" id="{7B3B4C62-7EEF-F64C-BB66-0114FCB1D59D}"/>
-                </a:ext>
-              </a:extLst>
-            </p:cNvPr>
-            <p:cNvSpPr txBox="1"/>
-            <p:nvPr/>
-          </p:nvSpPr>
-          <p:spPr>
-            <a:xfrm>
-              <a:off x="3566936" y="4271057"/>
-              <a:ext cx="358815" cy="369332"/>
-            </a:xfrm>
-            <a:prstGeom prst="rect">
-              <a:avLst/>
-            </a:prstGeom>
-            <a:noFill/>
-            <a:ln>
-              <a:noFill/>
-            </a:ln>
-          </p:spPr>
-          <p:txBody>
-            <a:bodyPr wrap="square" rtlCol="0">
-              <a:spAutoFit/>
-            </a:bodyPr>
-            <a:lstStyle/>
-            <a:p>
-              <a:r>
-                <a:rPr kumimoji="1" lang="en-US" altLang="zh-CN">
-                  <a:latin typeface="Times New Roman" panose="02020603050405020304" pitchFamily="18" charset="0"/>
-                  <a:cs typeface="Times New Roman" panose="02020603050405020304" pitchFamily="18" charset="0"/>
-                </a:rPr>
-                <a:t>…</a:t>
-              </a:r>
-              <a:endParaRPr kumimoji="1" lang="zh-CN" altLang="en-US">
-                <a:latin typeface="Times New Roman" panose="02020603050405020304" pitchFamily="18" charset="0"/>
-                <a:cs typeface="Times New Roman" panose="02020603050405020304" pitchFamily="18" charset="0"/>
-              </a:endParaRPr>
-            </a:p>
-          </p:txBody>
-        </p:sp>
-        <p:sp>
-          <p:nvSpPr>
-            <p:cNvPr id="22" name="椭圆 21">
-              <a:extLst>
-                <a:ext uri="{FF2B5EF4-FFF2-40B4-BE49-F238E27FC236}">
-                  <a16:creationId xmlns:a16="http://schemas.microsoft.com/office/drawing/2014/main" id="{342D8381-1EA7-EE46-90C1-C0948B18A5B9}"/>
-                </a:ext>
-              </a:extLst>
-            </p:cNvPr>
-            <p:cNvSpPr/>
-            <p:nvPr/>
-          </p:nvSpPr>
-          <p:spPr>
-            <a:xfrm>
-              <a:off x="2627458" y="4628814"/>
-              <a:ext cx="335666" cy="335666"/>
-            </a:xfrm>
-            <a:prstGeom prst="ellipse">
-              <a:avLst/>
-            </a:prstGeom>
-            <a:solidFill>
-              <a:srgbClr val="ED7D31">
-                <a:alpha val="50196"/>
-              </a:srgbClr>
-            </a:solidFill>
-            <a:ln>
-              <a:noFill/>
-            </a:ln>
-          </p:spPr>
-          <p:style>
-            <a:lnRef idx="2">
-              <a:schemeClr val="accent1">
-                <a:shade val="50000"/>
-              </a:schemeClr>
-            </a:lnRef>
-            <a:fillRef idx="1">
-              <a:schemeClr val="accent1"/>
-            </a:fillRef>
-            <a:effectRef idx="0">
-              <a:schemeClr val="accent1"/>
-            </a:effectRef>
-            <a:fontRef idx="minor">
-              <a:schemeClr val="lt1"/>
-            </a:fontRef>
-          </p:style>
-          <p:txBody>
-            <a:bodyPr rtlCol="0" anchor="ctr"/>
-            <a:lstStyle/>
-            <a:p>
-              <a:pPr algn="ctr"/>
-              <a:endParaRPr kumimoji="1" lang="zh-CN" altLang="en-US" b="1">
-                <a:latin typeface="Times New Roman" panose="02020603050405020304" pitchFamily="18" charset="0"/>
-                <a:cs typeface="Times New Roman" panose="02020603050405020304" pitchFamily="18" charset="0"/>
-              </a:endParaRPr>
-            </a:p>
-          </p:txBody>
-        </p:sp>
-        <p:sp>
-          <p:nvSpPr>
-            <p:cNvPr id="23" name="椭圆 22">
-              <a:extLst>
-                <a:ext uri="{FF2B5EF4-FFF2-40B4-BE49-F238E27FC236}">
-                  <a16:creationId xmlns:a16="http://schemas.microsoft.com/office/drawing/2014/main" id="{7B81D355-DB3F-2A4E-8E89-C5231C16351F}"/>
-                </a:ext>
-              </a:extLst>
-            </p:cNvPr>
-            <p:cNvSpPr/>
-            <p:nvPr/>
-          </p:nvSpPr>
-          <p:spPr>
-            <a:xfrm>
-              <a:off x="3103949" y="4628814"/>
-              <a:ext cx="335666" cy="335666"/>
-            </a:xfrm>
-            <a:prstGeom prst="ellipse">
-              <a:avLst/>
-            </a:prstGeom>
-            <a:solidFill>
-              <a:srgbClr val="ED7D31">
-                <a:alpha val="50196"/>
-              </a:srgbClr>
-            </a:solidFill>
-            <a:ln>
-              <a:noFill/>
-            </a:ln>
-          </p:spPr>
-          <p:style>
-            <a:lnRef idx="2">
-              <a:schemeClr val="accent1">
-                <a:shade val="50000"/>
-              </a:schemeClr>
-            </a:lnRef>
-            <a:fillRef idx="1">
-              <a:schemeClr val="accent1"/>
-            </a:fillRef>
-            <a:effectRef idx="0">
-              <a:schemeClr val="accent1"/>
-            </a:effectRef>
-            <a:fontRef idx="minor">
-              <a:schemeClr val="lt1"/>
-            </a:fontRef>
-          </p:style>
-          <p:txBody>
-            <a:bodyPr rtlCol="0" anchor="ctr"/>
-            <a:lstStyle/>
-            <a:p>
-              <a:pPr algn="ctr"/>
-              <a:endParaRPr kumimoji="1" lang="zh-CN" altLang="en-US">
-                <a:latin typeface="Times New Roman" panose="02020603050405020304" pitchFamily="18" charset="0"/>
-                <a:cs typeface="Times New Roman" panose="02020603050405020304" pitchFamily="18" charset="0"/>
-              </a:endParaRPr>
-            </a:p>
-          </p:txBody>
-        </p:sp>
-        <p:sp>
-          <p:nvSpPr>
-            <p:cNvPr id="24" name="椭圆 23">
-              <a:extLst>
-                <a:ext uri="{FF2B5EF4-FFF2-40B4-BE49-F238E27FC236}">
-                  <a16:creationId xmlns:a16="http://schemas.microsoft.com/office/drawing/2014/main" id="{0CA2C550-1D68-4746-83F3-905D7560487C}"/>
-                </a:ext>
-              </a:extLst>
-            </p:cNvPr>
-            <p:cNvSpPr/>
-            <p:nvPr/>
-          </p:nvSpPr>
-          <p:spPr>
-            <a:xfrm>
-              <a:off x="3580440" y="4628814"/>
-              <a:ext cx="335666" cy="335666"/>
-            </a:xfrm>
-            <a:prstGeom prst="ellipse">
-              <a:avLst/>
-            </a:prstGeom>
-            <a:solidFill>
-              <a:srgbClr val="ED7D31">
-                <a:alpha val="50196"/>
-              </a:srgbClr>
-            </a:solidFill>
-            <a:ln>
-              <a:noFill/>
-            </a:ln>
-          </p:spPr>
-          <p:style>
-            <a:lnRef idx="2">
-              <a:schemeClr val="accent1">
-                <a:shade val="50000"/>
-              </a:schemeClr>
-            </a:lnRef>
-            <a:fillRef idx="1">
-              <a:schemeClr val="accent1"/>
-            </a:fillRef>
-            <a:effectRef idx="0">
-              <a:schemeClr val="accent1"/>
-            </a:effectRef>
-            <a:fontRef idx="minor">
-              <a:schemeClr val="lt1"/>
-            </a:fontRef>
-          </p:style>
-          <p:txBody>
-            <a:bodyPr rtlCol="0" anchor="ctr"/>
-            <a:lstStyle/>
-            <a:p>
-              <a:pPr algn="ctr"/>
-              <a:endParaRPr kumimoji="1" lang="zh-CN" altLang="en-US" b="1">
-                <a:latin typeface="Times New Roman" panose="02020603050405020304" pitchFamily="18" charset="0"/>
-                <a:cs typeface="Times New Roman" panose="02020603050405020304" pitchFamily="18" charset="0"/>
-              </a:endParaRPr>
-            </a:p>
-          </p:txBody>
-        </p:sp>
-        <p:sp>
-          <p:nvSpPr>
-            <p:cNvPr id="25" name="文本框 24">
-              <a:extLst>
-                <a:ext uri="{FF2B5EF4-FFF2-40B4-BE49-F238E27FC236}">
-                  <a16:creationId xmlns:a16="http://schemas.microsoft.com/office/drawing/2014/main" id="{6F24AFC1-DEBC-1045-960A-4F27D384340E}"/>
-                </a:ext>
-              </a:extLst>
-            </p:cNvPr>
-            <p:cNvSpPr txBox="1"/>
-            <p:nvPr/>
-          </p:nvSpPr>
-          <p:spPr>
-            <a:xfrm>
-              <a:off x="2889812" y="2918936"/>
-              <a:ext cx="918258" cy="369332"/>
-            </a:xfrm>
-            <a:prstGeom prst="rect">
-              <a:avLst/>
-            </a:prstGeom>
-            <a:noFill/>
-          </p:spPr>
-          <p:txBody>
-            <a:bodyPr wrap="square" rtlCol="0">
-              <a:spAutoFit/>
-            </a:bodyPr>
-            <a:lstStyle/>
-            <a:p>
-              <a:r>
-                <a:rPr kumimoji="1" lang="en-US" altLang="zh-CN">
-                  <a:latin typeface="Times New Roman" panose="02020603050405020304" pitchFamily="18" charset="0"/>
-                  <a:cs typeface="Times New Roman" panose="02020603050405020304" pitchFamily="18" charset="0"/>
-                </a:rPr>
-                <a:t>[500,</a:t>
-              </a:r>
-              <a:r>
-                <a:rPr kumimoji="1" lang="zh-CN" altLang="en-US">
-                  <a:latin typeface="Times New Roman" panose="02020603050405020304" pitchFamily="18" charset="0"/>
-                  <a:cs typeface="Times New Roman" panose="02020603050405020304" pitchFamily="18" charset="0"/>
-                </a:rPr>
-                <a:t> </a:t>
-              </a:r>
-              <a:r>
-                <a:rPr kumimoji="1" lang="en-US" altLang="zh-CN">
-                  <a:latin typeface="Times New Roman" panose="02020603050405020304" pitchFamily="18" charset="0"/>
-                  <a:cs typeface="Times New Roman" panose="02020603050405020304" pitchFamily="18" charset="0"/>
-                </a:rPr>
-                <a:t>3]</a:t>
-              </a:r>
-              <a:endParaRPr kumimoji="1" lang="zh-CN" altLang="en-US">
-                <a:latin typeface="Times New Roman" panose="02020603050405020304" pitchFamily="18" charset="0"/>
-                <a:cs typeface="Times New Roman" panose="02020603050405020304" pitchFamily="18" charset="0"/>
-              </a:endParaRPr>
-            </a:p>
-          </p:txBody>
-        </p:sp>
-        <p:sp>
-          <p:nvSpPr>
-            <p:cNvPr id="26" name="文本框 25">
-              <a:extLst>
-                <a:ext uri="{FF2B5EF4-FFF2-40B4-BE49-F238E27FC236}">
-                  <a16:creationId xmlns:a16="http://schemas.microsoft.com/office/drawing/2014/main" id="{62E45A9A-F0F4-204C-81B5-6D4A4FCDDC2C}"/>
-                </a:ext>
-              </a:extLst>
-            </p:cNvPr>
-            <p:cNvSpPr txBox="1"/>
-            <p:nvPr/>
-          </p:nvSpPr>
-          <p:spPr>
-            <a:xfrm>
-              <a:off x="476501" y="3752180"/>
-              <a:ext cx="1830697" cy="646331"/>
-            </a:xfrm>
-            <a:prstGeom prst="rect">
-              <a:avLst/>
-            </a:prstGeom>
-            <a:noFill/>
-          </p:spPr>
-          <p:txBody>
-            <a:bodyPr wrap="square" rtlCol="0">
-              <a:spAutoFit/>
-            </a:bodyPr>
-            <a:lstStyle/>
-            <a:p>
-              <a:pPr algn="ctr"/>
-              <a:r>
-                <a:rPr kumimoji="1" lang="en-US" altLang="zh-CN" err="1">
-                  <a:latin typeface="Times New Roman" panose="02020603050405020304" pitchFamily="18" charset="0"/>
-                  <a:cs typeface="Times New Roman" panose="02020603050405020304" pitchFamily="18" charset="0"/>
-                </a:rPr>
-                <a:t>d_loss</a:t>
-              </a:r>
-              <a:endParaRPr kumimoji="1" lang="en-US" altLang="zh-CN">
-                <a:latin typeface="Times New Roman" panose="02020603050405020304" pitchFamily="18" charset="0"/>
-                <a:cs typeface="Times New Roman" panose="02020603050405020304" pitchFamily="18" charset="0"/>
-              </a:endParaRPr>
-            </a:p>
-            <a:p>
-              <a:pPr algn="ctr"/>
-              <a:r>
-                <a:rPr kumimoji="1" lang="en-US" altLang="zh-CN" err="1">
-                  <a:latin typeface="Times New Roman" panose="02020603050405020304" pitchFamily="18" charset="0"/>
-                  <a:cs typeface="Times New Roman" panose="02020603050405020304" pitchFamily="18" charset="0"/>
-                </a:rPr>
-                <a:t>hidden_layer_w</a:t>
-              </a:r>
-              <a:endParaRPr kumimoji="1" lang="zh-CN" altLang="en-US">
-                <a:latin typeface="Times New Roman" panose="02020603050405020304" pitchFamily="18" charset="0"/>
-                <a:cs typeface="Times New Roman" panose="02020603050405020304" pitchFamily="18" charset="0"/>
-              </a:endParaRPr>
-            </a:p>
-          </p:txBody>
-        </p:sp>
-        <p:cxnSp>
-          <p:nvCxnSpPr>
-            <p:cNvPr id="28" name="直线箭头连接符 27">
-              <a:extLst>
-                <a:ext uri="{FF2B5EF4-FFF2-40B4-BE49-F238E27FC236}">
-                  <a16:creationId xmlns:a16="http://schemas.microsoft.com/office/drawing/2014/main" id="{966C4546-ACF5-E442-B7B3-43C254E1649E}"/>
-                </a:ext>
-              </a:extLst>
-            </p:cNvPr>
-            <p:cNvCxnSpPr>
-              <a:cxnSpLocks/>
-            </p:cNvCxnSpPr>
-            <p:nvPr/>
-          </p:nvCxnSpPr>
-          <p:spPr>
-            <a:xfrm flipH="1" flipV="1">
-              <a:off x="4572000" y="1949805"/>
-              <a:ext cx="1504709" cy="1157469"/>
-            </a:xfrm>
-            <a:prstGeom prst="straightConnector1">
-              <a:avLst/>
-            </a:prstGeom>
-            <a:ln>
-              <a:solidFill>
-                <a:srgbClr val="FF0000"/>
-              </a:solidFill>
-              <a:tailEnd type="triangle"/>
-            </a:ln>
-          </p:spPr>
-          <p:style>
-            <a:lnRef idx="1">
-              <a:schemeClr val="accent1"/>
-            </a:lnRef>
-            <a:fillRef idx="0">
-              <a:schemeClr val="accent1"/>
-            </a:fillRef>
-            <a:effectRef idx="0">
-              <a:schemeClr val="accent1"/>
-            </a:effectRef>
-            <a:fontRef idx="minor">
-              <a:schemeClr val="tx1"/>
-            </a:fontRef>
-          </p:style>
-        </p:cxnSp>
-        <p:cxnSp>
-          <p:nvCxnSpPr>
-            <p:cNvPr id="29" name="直线箭头连接符 28">
-              <a:extLst>
-                <a:ext uri="{FF2B5EF4-FFF2-40B4-BE49-F238E27FC236}">
-                  <a16:creationId xmlns:a16="http://schemas.microsoft.com/office/drawing/2014/main" id="{2E27BA0B-C675-ED4E-A376-0E5826CAC12D}"/>
-                </a:ext>
-              </a:extLst>
-            </p:cNvPr>
-            <p:cNvCxnSpPr>
-              <a:cxnSpLocks/>
-            </p:cNvCxnSpPr>
-            <p:nvPr/>
-          </p:nvCxnSpPr>
-          <p:spPr>
-            <a:xfrm flipH="1">
-              <a:off x="4571999" y="3353513"/>
-              <a:ext cx="1504709" cy="1157469"/>
-            </a:xfrm>
-            <a:prstGeom prst="straightConnector1">
-              <a:avLst/>
-            </a:prstGeom>
-            <a:ln>
-              <a:solidFill>
-                <a:srgbClr val="FF0000"/>
-              </a:solidFill>
-              <a:tailEnd type="triangle"/>
-            </a:ln>
-          </p:spPr>
-          <p:style>
-            <a:lnRef idx="1">
-              <a:schemeClr val="accent1"/>
-            </a:lnRef>
-            <a:fillRef idx="0">
-              <a:schemeClr val="accent1"/>
-            </a:fillRef>
-            <a:effectRef idx="0">
-              <a:schemeClr val="accent1"/>
-            </a:effectRef>
-            <a:fontRef idx="minor">
-              <a:schemeClr val="tx1"/>
-            </a:fontRef>
-          </p:style>
-        </p:cxnSp>
-        <p:sp>
-          <p:nvSpPr>
-            <p:cNvPr id="30" name="文本框 29">
-              <a:extLst>
-                <a:ext uri="{FF2B5EF4-FFF2-40B4-BE49-F238E27FC236}">
-                  <a16:creationId xmlns:a16="http://schemas.microsoft.com/office/drawing/2014/main" id="{86AD8650-2005-7F4A-A17D-C552DFDABE20}"/>
-                </a:ext>
-              </a:extLst>
-            </p:cNvPr>
-            <p:cNvSpPr txBox="1"/>
-            <p:nvPr/>
-          </p:nvSpPr>
-          <p:spPr>
-            <a:xfrm>
-              <a:off x="6082495" y="3045728"/>
-              <a:ext cx="387752" cy="369332"/>
-            </a:xfrm>
-            <a:prstGeom prst="rect">
-              <a:avLst/>
-            </a:prstGeom>
-            <a:noFill/>
-          </p:spPr>
-          <p:txBody>
-            <a:bodyPr wrap="square" rtlCol="0">
-              <a:spAutoFit/>
-            </a:bodyPr>
-            <a:lstStyle/>
-            <a:p>
-              <a:r>
-                <a:rPr kumimoji="1" lang="en-US" altLang="zh-CN">
-                  <a:latin typeface="+mj-lt"/>
-                  <a:cs typeface="Times New Roman" panose="02020603050405020304" pitchFamily="18" charset="0"/>
-                </a:rPr>
-                <a:t>X</a:t>
-              </a:r>
-              <a:endParaRPr kumimoji="1" lang="zh-CN" altLang="en-US">
-                <a:latin typeface="+mj-lt"/>
-                <a:cs typeface="Times New Roman" panose="02020603050405020304" pitchFamily="18" charset="0"/>
-              </a:endParaRPr>
-            </a:p>
-          </p:txBody>
-        </p:sp>
-        <p:cxnSp>
-          <p:nvCxnSpPr>
-            <p:cNvPr id="32" name="直线箭头连接符 31">
-              <a:extLst>
-                <a:ext uri="{FF2B5EF4-FFF2-40B4-BE49-F238E27FC236}">
-                  <a16:creationId xmlns:a16="http://schemas.microsoft.com/office/drawing/2014/main" id="{88DC5DDE-F806-2D46-9DDF-22514E3AAFA6}"/>
-                </a:ext>
-              </a:extLst>
-            </p:cNvPr>
-            <p:cNvCxnSpPr>
-              <a:cxnSpLocks/>
-            </p:cNvCxnSpPr>
-            <p:nvPr/>
-          </p:nvCxnSpPr>
-          <p:spPr>
-            <a:xfrm flipH="1">
-              <a:off x="6389224" y="3230394"/>
-              <a:ext cx="983849" cy="0"/>
-            </a:xfrm>
-            <a:prstGeom prst="straightConnector1">
-              <a:avLst/>
-            </a:prstGeom>
-            <a:ln>
-              <a:solidFill>
-                <a:srgbClr val="FF0000"/>
-              </a:solidFill>
-              <a:tailEnd type="triangle"/>
-            </a:ln>
-          </p:spPr>
-          <p:style>
-            <a:lnRef idx="1">
-              <a:schemeClr val="accent1"/>
-            </a:lnRef>
-            <a:fillRef idx="0">
-              <a:schemeClr val="accent1"/>
-            </a:fillRef>
-            <a:effectRef idx="0">
-              <a:schemeClr val="accent1"/>
-            </a:effectRef>
-            <a:fontRef idx="minor">
-              <a:schemeClr val="tx1"/>
-            </a:fontRef>
-          </p:style>
-        </p:cxnSp>
-        <p:sp>
-          <p:nvSpPr>
-            <p:cNvPr id="33" name="椭圆 32">
-              <a:extLst>
-                <a:ext uri="{FF2B5EF4-FFF2-40B4-BE49-F238E27FC236}">
-                  <a16:creationId xmlns:a16="http://schemas.microsoft.com/office/drawing/2014/main" id="{E53B5DC5-899C-0B44-8D02-399EC79D0F91}"/>
-                </a:ext>
-              </a:extLst>
-            </p:cNvPr>
-            <p:cNvSpPr/>
-            <p:nvPr/>
-          </p:nvSpPr>
-          <p:spPr>
-            <a:xfrm>
-              <a:off x="7677218" y="2654900"/>
-              <a:ext cx="335666" cy="335666"/>
-            </a:xfrm>
-            <a:prstGeom prst="ellipse">
-              <a:avLst/>
-            </a:prstGeom>
-            <a:solidFill>
-              <a:srgbClr val="0070C0">
-                <a:alpha val="50196"/>
-              </a:srgbClr>
-            </a:solidFill>
-            <a:ln>
-              <a:noFill/>
-            </a:ln>
-          </p:spPr>
-          <p:style>
-            <a:lnRef idx="2">
-              <a:schemeClr val="accent1">
-                <a:shade val="50000"/>
-              </a:schemeClr>
-            </a:lnRef>
-            <a:fillRef idx="1">
-              <a:schemeClr val="accent1"/>
-            </a:fillRef>
-            <a:effectRef idx="0">
-              <a:schemeClr val="accent1"/>
-            </a:effectRef>
-            <a:fontRef idx="minor">
-              <a:schemeClr val="lt1"/>
-            </a:fontRef>
-          </p:style>
-          <p:txBody>
-            <a:bodyPr rtlCol="0" anchor="ctr"/>
-            <a:lstStyle/>
-            <a:p>
-              <a:pPr algn="ctr"/>
-              <a:endParaRPr kumimoji="1" lang="zh-CN" altLang="en-US">
-                <a:latin typeface="Times New Roman" panose="02020603050405020304" pitchFamily="18" charset="0"/>
-                <a:cs typeface="Times New Roman" panose="02020603050405020304" pitchFamily="18" charset="0"/>
-              </a:endParaRPr>
-            </a:p>
-          </p:txBody>
-        </p:sp>
-        <p:sp>
-          <p:nvSpPr>
-            <p:cNvPr id="34" name="椭圆 33">
-              <a:extLst>
-                <a:ext uri="{FF2B5EF4-FFF2-40B4-BE49-F238E27FC236}">
-                  <a16:creationId xmlns:a16="http://schemas.microsoft.com/office/drawing/2014/main" id="{7FCCF2AB-03C7-2246-B8D5-36426C3AF5F2}"/>
-                </a:ext>
-              </a:extLst>
-            </p:cNvPr>
-            <p:cNvSpPr/>
-            <p:nvPr/>
-          </p:nvSpPr>
-          <p:spPr>
-            <a:xfrm>
-              <a:off x="7677218" y="3081048"/>
-              <a:ext cx="335666" cy="335666"/>
-            </a:xfrm>
-            <a:prstGeom prst="ellipse">
-              <a:avLst/>
-            </a:prstGeom>
-            <a:solidFill>
-              <a:srgbClr val="0070C0">
-                <a:alpha val="50196"/>
-              </a:srgbClr>
-            </a:solidFill>
-            <a:ln>
-              <a:noFill/>
-            </a:ln>
-          </p:spPr>
-          <p:style>
-            <a:lnRef idx="2">
-              <a:schemeClr val="accent1">
-                <a:shade val="50000"/>
-              </a:schemeClr>
-            </a:lnRef>
-            <a:fillRef idx="1">
-              <a:schemeClr val="accent1"/>
-            </a:fillRef>
-            <a:effectRef idx="0">
-              <a:schemeClr val="accent1"/>
-            </a:effectRef>
-            <a:fontRef idx="minor">
-              <a:schemeClr val="lt1"/>
-            </a:fontRef>
-          </p:style>
-          <p:txBody>
-            <a:bodyPr rtlCol="0" anchor="ctr"/>
-            <a:lstStyle/>
-            <a:p>
-              <a:pPr algn="ctr"/>
-              <a:endParaRPr kumimoji="1" lang="zh-CN" altLang="en-US">
-                <a:latin typeface="Times New Roman" panose="02020603050405020304" pitchFamily="18" charset="0"/>
-                <a:cs typeface="Times New Roman" panose="02020603050405020304" pitchFamily="18" charset="0"/>
-              </a:endParaRPr>
-            </a:p>
-          </p:txBody>
-        </p:sp>
-        <p:sp>
-          <p:nvSpPr>
-            <p:cNvPr id="35" name="椭圆 34">
-              <a:extLst>
-                <a:ext uri="{FF2B5EF4-FFF2-40B4-BE49-F238E27FC236}">
-                  <a16:creationId xmlns:a16="http://schemas.microsoft.com/office/drawing/2014/main" id="{981C06C3-6075-5546-A876-DDD2517157F6}"/>
-                </a:ext>
-              </a:extLst>
-            </p:cNvPr>
-            <p:cNvSpPr/>
-            <p:nvPr/>
-          </p:nvSpPr>
-          <p:spPr>
-            <a:xfrm>
-              <a:off x="7677218" y="3532461"/>
-              <a:ext cx="335666" cy="335666"/>
-            </a:xfrm>
-            <a:prstGeom prst="ellipse">
-              <a:avLst/>
-            </a:prstGeom>
-            <a:solidFill>
-              <a:srgbClr val="0070C0">
-                <a:alpha val="50196"/>
-              </a:srgbClr>
-            </a:solidFill>
-            <a:ln>
-              <a:noFill/>
-            </a:ln>
-          </p:spPr>
-          <p:style>
-            <a:lnRef idx="2">
-              <a:schemeClr val="accent1">
-                <a:shade val="50000"/>
-              </a:schemeClr>
-            </a:lnRef>
-            <a:fillRef idx="1">
-              <a:schemeClr val="accent1"/>
-            </a:fillRef>
-            <a:effectRef idx="0">
-              <a:schemeClr val="accent1"/>
-            </a:effectRef>
-            <a:fontRef idx="minor">
-              <a:schemeClr val="lt1"/>
-            </a:fontRef>
-          </p:style>
-          <p:txBody>
-            <a:bodyPr rtlCol="0" anchor="ctr"/>
-            <a:lstStyle/>
-            <a:p>
-              <a:pPr algn="ctr"/>
-              <a:endParaRPr kumimoji="1" lang="zh-CN" altLang="en-US" b="1">
-                <a:latin typeface="Times New Roman" panose="02020603050405020304" pitchFamily="18" charset="0"/>
-                <a:cs typeface="Times New Roman" panose="02020603050405020304" pitchFamily="18" charset="0"/>
-              </a:endParaRPr>
-            </a:p>
-          </p:txBody>
-        </p:sp>
-        <p:sp>
-          <p:nvSpPr>
-            <p:cNvPr id="36" name="文本框 35">
-              <a:extLst>
-                <a:ext uri="{FF2B5EF4-FFF2-40B4-BE49-F238E27FC236}">
-                  <a16:creationId xmlns:a16="http://schemas.microsoft.com/office/drawing/2014/main" id="{FE727F46-B3F3-6B4D-9F31-24EA74D81057}"/>
-                </a:ext>
-              </a:extLst>
-            </p:cNvPr>
-            <p:cNvSpPr txBox="1"/>
-            <p:nvPr/>
-          </p:nvSpPr>
-          <p:spPr>
-            <a:xfrm>
-              <a:off x="7546040" y="4252701"/>
-              <a:ext cx="626962" cy="369332"/>
-            </a:xfrm>
-            <a:prstGeom prst="rect">
-              <a:avLst/>
-            </a:prstGeom>
-            <a:noFill/>
-          </p:spPr>
-          <p:txBody>
-            <a:bodyPr wrap="square" rtlCol="0">
-              <a:spAutoFit/>
-            </a:bodyPr>
-            <a:lstStyle/>
-            <a:p>
-              <a:r>
-                <a:rPr kumimoji="1" lang="en-US" altLang="zh-CN">
-                  <a:latin typeface="Times New Roman" panose="02020603050405020304" pitchFamily="18" charset="0"/>
-                  <a:cs typeface="Times New Roman" panose="02020603050405020304" pitchFamily="18" charset="0"/>
-                </a:rPr>
-                <a:t>[3,</a:t>
-              </a:r>
-              <a:r>
-                <a:rPr kumimoji="1" lang="zh-CN" altLang="en-US">
-                  <a:latin typeface="Times New Roman" panose="02020603050405020304" pitchFamily="18" charset="0"/>
-                  <a:cs typeface="Times New Roman" panose="02020603050405020304" pitchFamily="18" charset="0"/>
-                </a:rPr>
-                <a:t> </a:t>
-              </a:r>
-              <a:r>
-                <a:rPr kumimoji="1" lang="en-US" altLang="zh-CN">
-                  <a:latin typeface="Times New Roman" panose="02020603050405020304" pitchFamily="18" charset="0"/>
-                  <a:cs typeface="Times New Roman" panose="02020603050405020304" pitchFamily="18" charset="0"/>
-                </a:rPr>
-                <a:t>1]</a:t>
-              </a:r>
-              <a:endParaRPr kumimoji="1" lang="zh-CN" altLang="en-US">
-                <a:latin typeface="Times New Roman" panose="02020603050405020304" pitchFamily="18" charset="0"/>
-                <a:cs typeface="Times New Roman" panose="02020603050405020304" pitchFamily="18" charset="0"/>
-              </a:endParaRPr>
-            </a:p>
-          </p:txBody>
-        </p:sp>
-        <p:sp>
-          <p:nvSpPr>
-            <p:cNvPr id="37" name="矩形 36">
-              <a:extLst>
-                <a:ext uri="{FF2B5EF4-FFF2-40B4-BE49-F238E27FC236}">
-                  <a16:creationId xmlns:a16="http://schemas.microsoft.com/office/drawing/2014/main" id="{712A06DC-D42B-8842-9767-B50E08756287}"/>
-                </a:ext>
-              </a:extLst>
-            </p:cNvPr>
-            <p:cNvSpPr/>
-            <p:nvPr/>
-          </p:nvSpPr>
-          <p:spPr>
-            <a:xfrm>
-              <a:off x="8317029" y="2654900"/>
-              <a:ext cx="1800493" cy="923330"/>
-            </a:xfrm>
-            <a:prstGeom prst="rect">
-              <a:avLst/>
-            </a:prstGeom>
-          </p:spPr>
-          <p:txBody>
-            <a:bodyPr wrap="none">
-              <a:spAutoFit/>
-            </a:bodyPr>
-            <a:lstStyle/>
-            <a:p>
-              <a:pPr algn="ctr"/>
-              <a:r>
-                <a:rPr lang="en-US" altLang="zh-CN" err="1">
-                  <a:latin typeface="Times New Roman" panose="02020603050405020304" pitchFamily="18" charset="0"/>
-                  <a:cs typeface="Times New Roman" panose="02020603050405020304" pitchFamily="18" charset="0"/>
-                </a:rPr>
-                <a:t>d_loss</a:t>
-              </a:r>
-              <a:endParaRPr lang="en-US" altLang="zh-CN">
-                <a:latin typeface="Times New Roman" panose="02020603050405020304" pitchFamily="18" charset="0"/>
-                <a:cs typeface="Times New Roman" panose="02020603050405020304" pitchFamily="18" charset="0"/>
-              </a:endParaRPr>
-            </a:p>
-            <a:p>
-              <a:pPr algn="ctr"/>
-              <a:r>
-                <a:rPr lang="en" altLang="zh-CN" err="1">
-                  <a:latin typeface="Times New Roman" panose="02020603050405020304" pitchFamily="18" charset="0"/>
-                  <a:cs typeface="Times New Roman" panose="02020603050405020304" pitchFamily="18" charset="0"/>
-                </a:rPr>
-                <a:t>hidden_layer</a:t>
-              </a:r>
-              <a:endParaRPr lang="en" altLang="zh-CN">
-                <a:latin typeface="Times New Roman" panose="02020603050405020304" pitchFamily="18" charset="0"/>
-                <a:cs typeface="Times New Roman" panose="02020603050405020304" pitchFamily="18" charset="0"/>
-              </a:endParaRPr>
-            </a:p>
-            <a:p>
-              <a:pPr algn="ctr"/>
-              <a:r>
-                <a:rPr lang="en" altLang="zh-CN" err="1">
-                  <a:latin typeface="Times New Roman" panose="02020603050405020304" pitchFamily="18" charset="0"/>
-                  <a:cs typeface="Times New Roman" panose="02020603050405020304" pitchFamily="18" charset="0"/>
-                </a:rPr>
-                <a:t>before_activation</a:t>
-              </a:r>
-              <a:endParaRPr lang="zh-CN" altLang="en-US">
-                <a:latin typeface="Times New Roman" panose="02020603050405020304" pitchFamily="18" charset="0"/>
-                <a:cs typeface="Times New Roman" panose="02020603050405020304" pitchFamily="18" charset="0"/>
-              </a:endParaRPr>
+              <a:endParaRPr kumimoji="1" lang="zh-CN" altLang="en-US"/>
             </a:p>
           </p:txBody>
         </p:sp>
@@ -10418,10 +10491,10 @@
       </p:grpSpPr>
       <p:grpSp>
         <p:nvGrpSpPr>
-          <p:cNvPr id="17" name="组合 16">
-            <a:extLst>
-              <a:ext uri="{FF2B5EF4-FFF2-40B4-BE49-F238E27FC236}">
-                <a16:creationId xmlns:a16="http://schemas.microsoft.com/office/drawing/2014/main" id="{64EFB9FC-59F9-A645-B685-65A8506205C8}"/>
+          <p:cNvPr id="3" name="组合 2">
+            <a:extLst>
+              <a:ext uri="{FF2B5EF4-FFF2-40B4-BE49-F238E27FC236}">
+                <a16:creationId xmlns:a16="http://schemas.microsoft.com/office/drawing/2014/main" id="{F029A1D4-1FE0-C84F-A018-F0EDFDAA1164}"/>
               </a:ext>
             </a:extLst>
           </p:cNvPr>
@@ -10430,18 +10503,718 @@
         </p:nvGrpSpPr>
         <p:grpSpPr>
           <a:xfrm>
-            <a:off x="3736477" y="930506"/>
-            <a:ext cx="4744114" cy="2827033"/>
-            <a:chOff x="3736477" y="930506"/>
-            <a:chExt cx="4744114" cy="2827033"/>
+            <a:off x="3470903" y="677122"/>
+            <a:ext cx="5256407" cy="3269846"/>
+            <a:chOff x="3470903" y="677122"/>
+            <a:chExt cx="5256407" cy="3269846"/>
           </a:xfrm>
         </p:grpSpPr>
+        <p:grpSp>
+          <p:nvGrpSpPr>
+            <p:cNvPr id="17" name="组合 16">
+              <a:extLst>
+                <a:ext uri="{FF2B5EF4-FFF2-40B4-BE49-F238E27FC236}">
+                  <a16:creationId xmlns:a16="http://schemas.microsoft.com/office/drawing/2014/main" id="{64EFB9FC-59F9-A645-B685-65A8506205C8}"/>
+                </a:ext>
+              </a:extLst>
+            </p:cNvPr>
+            <p:cNvGrpSpPr/>
+            <p:nvPr/>
+          </p:nvGrpSpPr>
+          <p:grpSpPr>
+            <a:xfrm>
+              <a:off x="3736477" y="930506"/>
+              <a:ext cx="4744114" cy="2827033"/>
+              <a:chOff x="3736477" y="930506"/>
+              <a:chExt cx="4744114" cy="2827033"/>
+            </a:xfrm>
+          </p:grpSpPr>
+          <p:sp>
+            <p:nvSpPr>
+              <p:cNvPr id="4" name="右箭头 3">
+                <a:extLst>
+                  <a:ext uri="{FF2B5EF4-FFF2-40B4-BE49-F238E27FC236}">
+                    <a16:creationId xmlns:a16="http://schemas.microsoft.com/office/drawing/2014/main" id="{EAFC2805-8B95-B84B-97DF-406F0FE05469}"/>
+                  </a:ext>
+                </a:extLst>
+              </p:cNvPr>
+              <p:cNvSpPr/>
+              <p:nvPr/>
+            </p:nvSpPr>
+            <p:spPr>
+              <a:xfrm flipH="1">
+                <a:off x="5831922" y="2262373"/>
+                <a:ext cx="648182" cy="335666"/>
+              </a:xfrm>
+              <a:prstGeom prst="rightArrow">
+                <a:avLst/>
+              </a:prstGeom>
+              <a:solidFill>
+                <a:srgbClr val="FF0000"/>
+              </a:solidFill>
+              <a:ln>
+                <a:solidFill>
+                  <a:srgbClr val="FF0000"/>
+                </a:solidFill>
+              </a:ln>
+            </p:spPr>
+            <p:style>
+              <a:lnRef idx="2">
+                <a:schemeClr val="accent1">
+                  <a:shade val="50000"/>
+                </a:schemeClr>
+              </a:lnRef>
+              <a:fillRef idx="1">
+                <a:schemeClr val="accent1"/>
+              </a:fillRef>
+              <a:effectRef idx="0">
+                <a:schemeClr val="accent1"/>
+              </a:effectRef>
+              <a:fontRef idx="minor">
+                <a:schemeClr val="lt1"/>
+              </a:fontRef>
+            </p:style>
+            <p:txBody>
+              <a:bodyPr rtlCol="0" anchor="ctr"/>
+              <a:lstStyle/>
+              <a:p>
+                <a:pPr algn="ctr"/>
+                <a:endParaRPr kumimoji="1" lang="zh-CN" altLang="en-US">
+                  <a:latin typeface="Times New Roman" panose="02020603050405020304" pitchFamily="18" charset="0"/>
+                  <a:cs typeface="Times New Roman" panose="02020603050405020304" pitchFamily="18" charset="0"/>
+                </a:endParaRPr>
+              </a:p>
+            </p:txBody>
+          </p:sp>
+          <p:sp>
+            <p:nvSpPr>
+              <p:cNvPr id="5" name="文本框 4">
+                <a:extLst>
+                  <a:ext uri="{FF2B5EF4-FFF2-40B4-BE49-F238E27FC236}">
+                    <a16:creationId xmlns:a16="http://schemas.microsoft.com/office/drawing/2014/main" id="{945A9718-D300-994A-A192-CD76E2638A28}"/>
+                  </a:ext>
+                </a:extLst>
+              </p:cNvPr>
+              <p:cNvSpPr txBox="1"/>
+              <p:nvPr/>
+            </p:nvSpPr>
+            <p:spPr>
+              <a:xfrm>
+                <a:off x="5565701" y="1832020"/>
+                <a:ext cx="1180624" cy="369332"/>
+              </a:xfrm>
+              <a:prstGeom prst="rect">
+                <a:avLst/>
+              </a:prstGeom>
+              <a:noFill/>
+            </p:spPr>
+            <p:txBody>
+              <a:bodyPr wrap="square" rtlCol="0">
+                <a:spAutoFit/>
+              </a:bodyPr>
+              <a:lstStyle/>
+              <a:p>
+                <a:r>
+                  <a:rPr kumimoji="1" lang="en-US" altLang="zh-CN" dirty="0" err="1">
+                    <a:latin typeface="Times New Roman" panose="02020603050405020304" pitchFamily="18" charset="0"/>
+                    <a:cs typeface="Times New Roman" panose="02020603050405020304" pitchFamily="18" charset="0"/>
+                  </a:rPr>
+                  <a:t>d_sigmoid</a:t>
+                </a:r>
+                <a:endParaRPr kumimoji="1" lang="zh-CN" altLang="en-US" dirty="0">
+                  <a:latin typeface="Times New Roman" panose="02020603050405020304" pitchFamily="18" charset="0"/>
+                  <a:cs typeface="Times New Roman" panose="02020603050405020304" pitchFamily="18" charset="0"/>
+                </a:endParaRPr>
+              </a:p>
+            </p:txBody>
+          </p:sp>
+          <p:sp>
+            <p:nvSpPr>
+              <p:cNvPr id="6" name="椭圆 5">
+                <a:extLst>
+                  <a:ext uri="{FF2B5EF4-FFF2-40B4-BE49-F238E27FC236}">
+                    <a16:creationId xmlns:a16="http://schemas.microsoft.com/office/drawing/2014/main" id="{9E58773E-765D-0949-9E74-0702DE0963EF}"/>
+                  </a:ext>
+                </a:extLst>
+              </p:cNvPr>
+              <p:cNvSpPr/>
+              <p:nvPr/>
+            </p:nvSpPr>
+            <p:spPr>
+              <a:xfrm>
+                <a:off x="4616366" y="1790406"/>
+                <a:ext cx="335666" cy="335666"/>
+              </a:xfrm>
+              <a:prstGeom prst="ellipse">
+                <a:avLst/>
+              </a:prstGeom>
+              <a:solidFill>
+                <a:srgbClr val="0070C0">
+                  <a:alpha val="50196"/>
+                </a:srgbClr>
+              </a:solidFill>
+              <a:ln>
+                <a:noFill/>
+              </a:ln>
+            </p:spPr>
+            <p:style>
+              <a:lnRef idx="2">
+                <a:schemeClr val="accent1">
+                  <a:shade val="50000"/>
+                </a:schemeClr>
+              </a:lnRef>
+              <a:fillRef idx="1">
+                <a:schemeClr val="accent1"/>
+              </a:fillRef>
+              <a:effectRef idx="0">
+                <a:schemeClr val="accent1"/>
+              </a:effectRef>
+              <a:fontRef idx="minor">
+                <a:schemeClr val="lt1"/>
+              </a:fontRef>
+            </p:style>
+            <p:txBody>
+              <a:bodyPr rtlCol="0" anchor="ctr"/>
+              <a:lstStyle/>
+              <a:p>
+                <a:pPr algn="ctr"/>
+                <a:endParaRPr kumimoji="1" lang="zh-CN" altLang="en-US">
+                  <a:latin typeface="Times New Roman" panose="02020603050405020304" pitchFamily="18" charset="0"/>
+                  <a:cs typeface="Times New Roman" panose="02020603050405020304" pitchFamily="18" charset="0"/>
+                </a:endParaRPr>
+              </a:p>
+            </p:txBody>
+          </p:sp>
+          <p:sp>
+            <p:nvSpPr>
+              <p:cNvPr id="7" name="椭圆 6">
+                <a:extLst>
+                  <a:ext uri="{FF2B5EF4-FFF2-40B4-BE49-F238E27FC236}">
+                    <a16:creationId xmlns:a16="http://schemas.microsoft.com/office/drawing/2014/main" id="{E9FAC777-ECEF-8E43-A47B-47405DCBE162}"/>
+                  </a:ext>
+                </a:extLst>
+              </p:cNvPr>
+              <p:cNvSpPr/>
+              <p:nvPr/>
+            </p:nvSpPr>
+            <p:spPr>
+              <a:xfrm>
+                <a:off x="4616366" y="2216554"/>
+                <a:ext cx="335666" cy="335666"/>
+              </a:xfrm>
+              <a:prstGeom prst="ellipse">
+                <a:avLst/>
+              </a:prstGeom>
+              <a:solidFill>
+                <a:srgbClr val="0070C0">
+                  <a:alpha val="50196"/>
+                </a:srgbClr>
+              </a:solidFill>
+              <a:ln>
+                <a:noFill/>
+              </a:ln>
+            </p:spPr>
+            <p:style>
+              <a:lnRef idx="2">
+                <a:schemeClr val="accent1">
+                  <a:shade val="50000"/>
+                </a:schemeClr>
+              </a:lnRef>
+              <a:fillRef idx="1">
+                <a:schemeClr val="accent1"/>
+              </a:fillRef>
+              <a:effectRef idx="0">
+                <a:schemeClr val="accent1"/>
+              </a:effectRef>
+              <a:fontRef idx="minor">
+                <a:schemeClr val="lt1"/>
+              </a:fontRef>
+            </p:style>
+            <p:txBody>
+              <a:bodyPr rtlCol="0" anchor="ctr"/>
+              <a:lstStyle/>
+              <a:p>
+                <a:pPr algn="ctr"/>
+                <a:endParaRPr kumimoji="1" lang="zh-CN" altLang="en-US">
+                  <a:latin typeface="Times New Roman" panose="02020603050405020304" pitchFamily="18" charset="0"/>
+                  <a:cs typeface="Times New Roman" panose="02020603050405020304" pitchFamily="18" charset="0"/>
+                </a:endParaRPr>
+              </a:p>
+            </p:txBody>
+          </p:sp>
+          <p:sp>
+            <p:nvSpPr>
+              <p:cNvPr id="8" name="椭圆 7">
+                <a:extLst>
+                  <a:ext uri="{FF2B5EF4-FFF2-40B4-BE49-F238E27FC236}">
+                    <a16:creationId xmlns:a16="http://schemas.microsoft.com/office/drawing/2014/main" id="{249B8E8A-E55B-B041-99AE-5AA9A735BDE5}"/>
+                  </a:ext>
+                </a:extLst>
+              </p:cNvPr>
+              <p:cNvSpPr/>
+              <p:nvPr/>
+            </p:nvSpPr>
+            <p:spPr>
+              <a:xfrm>
+                <a:off x="4616366" y="2667967"/>
+                <a:ext cx="335666" cy="335666"/>
+              </a:xfrm>
+              <a:prstGeom prst="ellipse">
+                <a:avLst/>
+              </a:prstGeom>
+              <a:solidFill>
+                <a:srgbClr val="0070C0">
+                  <a:alpha val="50196"/>
+                </a:srgbClr>
+              </a:solidFill>
+              <a:ln>
+                <a:noFill/>
+              </a:ln>
+            </p:spPr>
+            <p:style>
+              <a:lnRef idx="2">
+                <a:schemeClr val="accent1">
+                  <a:shade val="50000"/>
+                </a:schemeClr>
+              </a:lnRef>
+              <a:fillRef idx="1">
+                <a:schemeClr val="accent1"/>
+              </a:fillRef>
+              <a:effectRef idx="0">
+                <a:schemeClr val="accent1"/>
+              </a:effectRef>
+              <a:fontRef idx="minor">
+                <a:schemeClr val="lt1"/>
+              </a:fontRef>
+            </p:style>
+            <p:txBody>
+              <a:bodyPr rtlCol="0" anchor="ctr"/>
+              <a:lstStyle/>
+              <a:p>
+                <a:pPr algn="ctr"/>
+                <a:endParaRPr kumimoji="1" lang="zh-CN" altLang="en-US" b="1">
+                  <a:latin typeface="Times New Roman" panose="02020603050405020304" pitchFamily="18" charset="0"/>
+                  <a:cs typeface="Times New Roman" panose="02020603050405020304" pitchFamily="18" charset="0"/>
+                </a:endParaRPr>
+              </a:p>
+            </p:txBody>
+          </p:sp>
+          <p:sp>
+            <p:nvSpPr>
+              <p:cNvPr id="10" name="椭圆 9">
+                <a:extLst>
+                  <a:ext uri="{FF2B5EF4-FFF2-40B4-BE49-F238E27FC236}">
+                    <a16:creationId xmlns:a16="http://schemas.microsoft.com/office/drawing/2014/main" id="{50C14251-CEC3-F044-9FEB-981F4398E90A}"/>
+                  </a:ext>
+                </a:extLst>
+              </p:cNvPr>
+              <p:cNvSpPr/>
+              <p:nvPr/>
+            </p:nvSpPr>
+            <p:spPr>
+              <a:xfrm>
+                <a:off x="7336411" y="1793052"/>
+                <a:ext cx="335666" cy="335666"/>
+              </a:xfrm>
+              <a:prstGeom prst="ellipse">
+                <a:avLst/>
+              </a:prstGeom>
+              <a:solidFill>
+                <a:srgbClr val="7030A0">
+                  <a:alpha val="50196"/>
+                </a:srgbClr>
+              </a:solidFill>
+              <a:ln>
+                <a:noFill/>
+              </a:ln>
+            </p:spPr>
+            <p:style>
+              <a:lnRef idx="2">
+                <a:schemeClr val="accent1">
+                  <a:shade val="50000"/>
+                </a:schemeClr>
+              </a:lnRef>
+              <a:fillRef idx="1">
+                <a:schemeClr val="accent1"/>
+              </a:fillRef>
+              <a:effectRef idx="0">
+                <a:schemeClr val="accent1"/>
+              </a:effectRef>
+              <a:fontRef idx="minor">
+                <a:schemeClr val="lt1"/>
+              </a:fontRef>
+            </p:style>
+            <p:txBody>
+              <a:bodyPr rtlCol="0" anchor="ctr"/>
+              <a:lstStyle/>
+              <a:p>
+                <a:pPr algn="ctr"/>
+                <a:endParaRPr kumimoji="1" lang="zh-CN" altLang="en-US">
+                  <a:latin typeface="Times New Roman" panose="02020603050405020304" pitchFamily="18" charset="0"/>
+                  <a:cs typeface="Times New Roman" panose="02020603050405020304" pitchFamily="18" charset="0"/>
+                </a:endParaRPr>
+              </a:p>
+            </p:txBody>
+          </p:sp>
+          <p:sp>
+            <p:nvSpPr>
+              <p:cNvPr id="11" name="椭圆 10">
+                <a:extLst>
+                  <a:ext uri="{FF2B5EF4-FFF2-40B4-BE49-F238E27FC236}">
+                    <a16:creationId xmlns:a16="http://schemas.microsoft.com/office/drawing/2014/main" id="{D47E41B2-29DB-8643-8E7F-D6BDB2A1EF17}"/>
+                  </a:ext>
+                </a:extLst>
+              </p:cNvPr>
+              <p:cNvSpPr/>
+              <p:nvPr/>
+            </p:nvSpPr>
+            <p:spPr>
+              <a:xfrm>
+                <a:off x="7336411" y="2219200"/>
+                <a:ext cx="335666" cy="335666"/>
+              </a:xfrm>
+              <a:prstGeom prst="ellipse">
+                <a:avLst/>
+              </a:prstGeom>
+              <a:solidFill>
+                <a:srgbClr val="7030A0">
+                  <a:alpha val="50196"/>
+                </a:srgbClr>
+              </a:solidFill>
+              <a:ln>
+                <a:noFill/>
+              </a:ln>
+            </p:spPr>
+            <p:style>
+              <a:lnRef idx="2">
+                <a:schemeClr val="accent1">
+                  <a:shade val="50000"/>
+                </a:schemeClr>
+              </a:lnRef>
+              <a:fillRef idx="1">
+                <a:schemeClr val="accent1"/>
+              </a:fillRef>
+              <a:effectRef idx="0">
+                <a:schemeClr val="accent1"/>
+              </a:effectRef>
+              <a:fontRef idx="minor">
+                <a:schemeClr val="lt1"/>
+              </a:fontRef>
+            </p:style>
+            <p:txBody>
+              <a:bodyPr rtlCol="0" anchor="ctr"/>
+              <a:lstStyle/>
+              <a:p>
+                <a:pPr algn="ctr"/>
+                <a:endParaRPr kumimoji="1" lang="zh-CN" altLang="en-US">
+                  <a:latin typeface="Times New Roman" panose="02020603050405020304" pitchFamily="18" charset="0"/>
+                  <a:cs typeface="Times New Roman" panose="02020603050405020304" pitchFamily="18" charset="0"/>
+                </a:endParaRPr>
+              </a:p>
+            </p:txBody>
+          </p:sp>
+          <p:sp>
+            <p:nvSpPr>
+              <p:cNvPr id="12" name="椭圆 11">
+                <a:extLst>
+                  <a:ext uri="{FF2B5EF4-FFF2-40B4-BE49-F238E27FC236}">
+                    <a16:creationId xmlns:a16="http://schemas.microsoft.com/office/drawing/2014/main" id="{86583BDB-C9E6-B04B-90F7-F1D9EDD0D612}"/>
+                  </a:ext>
+                </a:extLst>
+              </p:cNvPr>
+              <p:cNvSpPr/>
+              <p:nvPr/>
+            </p:nvSpPr>
+            <p:spPr>
+              <a:xfrm>
+                <a:off x="7336411" y="2670613"/>
+                <a:ext cx="335666" cy="335666"/>
+              </a:xfrm>
+              <a:prstGeom prst="ellipse">
+                <a:avLst/>
+              </a:prstGeom>
+              <a:solidFill>
+                <a:srgbClr val="7030A0">
+                  <a:alpha val="50196"/>
+                </a:srgbClr>
+              </a:solidFill>
+              <a:ln>
+                <a:noFill/>
+              </a:ln>
+            </p:spPr>
+            <p:style>
+              <a:lnRef idx="2">
+                <a:schemeClr val="accent1">
+                  <a:shade val="50000"/>
+                </a:schemeClr>
+              </a:lnRef>
+              <a:fillRef idx="1">
+                <a:schemeClr val="accent1"/>
+              </a:fillRef>
+              <a:effectRef idx="0">
+                <a:schemeClr val="accent1"/>
+              </a:effectRef>
+              <a:fontRef idx="minor">
+                <a:schemeClr val="lt1"/>
+              </a:fontRef>
+            </p:style>
+            <p:txBody>
+              <a:bodyPr rtlCol="0" anchor="ctr"/>
+              <a:lstStyle/>
+              <a:p>
+                <a:pPr algn="ctr"/>
+                <a:endParaRPr kumimoji="1" lang="zh-CN" altLang="en-US" b="1">
+                  <a:latin typeface="Times New Roman" panose="02020603050405020304" pitchFamily="18" charset="0"/>
+                  <a:cs typeface="Times New Roman" panose="02020603050405020304" pitchFamily="18" charset="0"/>
+                </a:endParaRPr>
+              </a:p>
+            </p:txBody>
+          </p:sp>
+          <p:sp>
+            <p:nvSpPr>
+              <p:cNvPr id="13" name="文本框 12">
+                <a:extLst>
+                  <a:ext uri="{FF2B5EF4-FFF2-40B4-BE49-F238E27FC236}">
+                    <a16:creationId xmlns:a16="http://schemas.microsoft.com/office/drawing/2014/main" id="{E00796E2-AA8E-A44B-9C0F-E3388CC22EB6}"/>
+                  </a:ext>
+                </a:extLst>
+              </p:cNvPr>
+              <p:cNvSpPr txBox="1"/>
+              <p:nvPr/>
+            </p:nvSpPr>
+            <p:spPr>
+              <a:xfrm>
+                <a:off x="4485188" y="3388207"/>
+                <a:ext cx="626962" cy="369332"/>
+              </a:xfrm>
+              <a:prstGeom prst="rect">
+                <a:avLst/>
+              </a:prstGeom>
+              <a:noFill/>
+            </p:spPr>
+            <p:txBody>
+              <a:bodyPr wrap="square" rtlCol="0">
+                <a:spAutoFit/>
+              </a:bodyPr>
+              <a:lstStyle/>
+              <a:p>
+                <a:r>
+                  <a:rPr kumimoji="1" lang="en-US" altLang="zh-CN">
+                    <a:latin typeface="Times New Roman" panose="02020603050405020304" pitchFamily="18" charset="0"/>
+                    <a:cs typeface="Times New Roman" panose="02020603050405020304" pitchFamily="18" charset="0"/>
+                  </a:rPr>
+                  <a:t>[3,</a:t>
+                </a:r>
+                <a:r>
+                  <a:rPr kumimoji="1" lang="zh-CN" altLang="en-US">
+                    <a:latin typeface="Times New Roman" panose="02020603050405020304" pitchFamily="18" charset="0"/>
+                    <a:cs typeface="Times New Roman" panose="02020603050405020304" pitchFamily="18" charset="0"/>
+                  </a:rPr>
+                  <a:t> </a:t>
+                </a:r>
+                <a:r>
+                  <a:rPr kumimoji="1" lang="en-US" altLang="zh-CN">
+                    <a:latin typeface="Times New Roman" panose="02020603050405020304" pitchFamily="18" charset="0"/>
+                    <a:cs typeface="Times New Roman" panose="02020603050405020304" pitchFamily="18" charset="0"/>
+                  </a:rPr>
+                  <a:t>1]</a:t>
+                </a:r>
+                <a:endParaRPr kumimoji="1" lang="zh-CN" altLang="en-US">
+                  <a:latin typeface="Times New Roman" panose="02020603050405020304" pitchFamily="18" charset="0"/>
+                  <a:cs typeface="Times New Roman" panose="02020603050405020304" pitchFamily="18" charset="0"/>
+                </a:endParaRPr>
+              </a:p>
+            </p:txBody>
+          </p:sp>
+          <p:sp>
+            <p:nvSpPr>
+              <p:cNvPr id="14" name="文本框 13">
+                <a:extLst>
+                  <a:ext uri="{FF2B5EF4-FFF2-40B4-BE49-F238E27FC236}">
+                    <a16:creationId xmlns:a16="http://schemas.microsoft.com/office/drawing/2014/main" id="{EE8A25F1-0EEB-4340-A114-38B8AFF59AFD}"/>
+                  </a:ext>
+                </a:extLst>
+              </p:cNvPr>
+              <p:cNvSpPr txBox="1"/>
+              <p:nvPr/>
+            </p:nvSpPr>
+            <p:spPr>
+              <a:xfrm>
+                <a:off x="7190763" y="3388207"/>
+                <a:ext cx="626962" cy="369332"/>
+              </a:xfrm>
+              <a:prstGeom prst="rect">
+                <a:avLst/>
+              </a:prstGeom>
+              <a:noFill/>
+            </p:spPr>
+            <p:txBody>
+              <a:bodyPr wrap="square" rtlCol="0">
+                <a:spAutoFit/>
+              </a:bodyPr>
+              <a:lstStyle/>
+              <a:p>
+                <a:r>
+                  <a:rPr kumimoji="1" lang="en-US" altLang="zh-CN">
+                    <a:latin typeface="Times New Roman" panose="02020603050405020304" pitchFamily="18" charset="0"/>
+                    <a:cs typeface="Times New Roman" panose="02020603050405020304" pitchFamily="18" charset="0"/>
+                  </a:rPr>
+                  <a:t>[3,</a:t>
+                </a:r>
+                <a:r>
+                  <a:rPr kumimoji="1" lang="zh-CN" altLang="en-US">
+                    <a:latin typeface="Times New Roman" panose="02020603050405020304" pitchFamily="18" charset="0"/>
+                    <a:cs typeface="Times New Roman" panose="02020603050405020304" pitchFamily="18" charset="0"/>
+                  </a:rPr>
+                  <a:t> </a:t>
+                </a:r>
+                <a:r>
+                  <a:rPr kumimoji="1" lang="en-US" altLang="zh-CN">
+                    <a:latin typeface="Times New Roman" panose="02020603050405020304" pitchFamily="18" charset="0"/>
+                    <a:cs typeface="Times New Roman" panose="02020603050405020304" pitchFamily="18" charset="0"/>
+                  </a:rPr>
+                  <a:t>1]</a:t>
+                </a:r>
+                <a:endParaRPr kumimoji="1" lang="zh-CN" altLang="en-US">
+                  <a:latin typeface="Times New Roman" panose="02020603050405020304" pitchFamily="18" charset="0"/>
+                  <a:cs typeface="Times New Roman" panose="02020603050405020304" pitchFamily="18" charset="0"/>
+                </a:endParaRPr>
+              </a:p>
+            </p:txBody>
+          </p:sp>
+          <p:sp>
+            <p:nvSpPr>
+              <p:cNvPr id="15" name="矩形 14">
+                <a:extLst>
+                  <a:ext uri="{FF2B5EF4-FFF2-40B4-BE49-F238E27FC236}">
+                    <a16:creationId xmlns:a16="http://schemas.microsoft.com/office/drawing/2014/main" id="{E881398B-26B9-9049-8F73-A69346BB9678}"/>
+                  </a:ext>
+                </a:extLst>
+              </p:cNvPr>
+              <p:cNvSpPr/>
+              <p:nvPr/>
+            </p:nvSpPr>
+            <p:spPr>
+              <a:xfrm>
+                <a:off x="3736477" y="930506"/>
+                <a:ext cx="2095445" cy="646331"/>
+              </a:xfrm>
+              <a:prstGeom prst="rect">
+                <a:avLst/>
+              </a:prstGeom>
+            </p:spPr>
+            <p:txBody>
+              <a:bodyPr wrap="none">
+                <a:spAutoFit/>
+              </a:bodyPr>
+              <a:lstStyle/>
+              <a:p>
+                <a:pPr algn="ctr"/>
+                <a:r>
+                  <a:rPr lang="en-US" altLang="zh-CN" dirty="0" err="1">
+                    <a:latin typeface="Times New Roman" panose="02020603050405020304" pitchFamily="18" charset="0"/>
+                    <a:cs typeface="Times New Roman" panose="02020603050405020304" pitchFamily="18" charset="0"/>
+                  </a:rPr>
+                  <a:t>d_loss</a:t>
+                </a:r>
+                <a:r>
+                  <a:rPr lang="en-US" altLang="zh-CN" dirty="0">
+                    <a:latin typeface="Times New Roman" panose="02020603050405020304" pitchFamily="18" charset="0"/>
+                    <a:cs typeface="Times New Roman" panose="02020603050405020304" pitchFamily="18" charset="0"/>
+                  </a:rPr>
+                  <a:t>_</a:t>
+                </a:r>
+                <a:r>
+                  <a:rPr lang="en" altLang="zh-CN" dirty="0" err="1">
+                    <a:latin typeface="Times New Roman" panose="02020603050405020304" pitchFamily="18" charset="0"/>
+                    <a:cs typeface="Times New Roman" panose="02020603050405020304" pitchFamily="18" charset="0"/>
+                  </a:rPr>
+                  <a:t>hidden_layer</a:t>
+                </a:r>
+                <a:endParaRPr lang="en" altLang="zh-CN" dirty="0">
+                  <a:latin typeface="Times New Roman" panose="02020603050405020304" pitchFamily="18" charset="0"/>
+                  <a:cs typeface="Times New Roman" panose="02020603050405020304" pitchFamily="18" charset="0"/>
+                </a:endParaRPr>
+              </a:p>
+              <a:p>
+                <a:pPr algn="ctr"/>
+                <a:r>
+                  <a:rPr lang="en" altLang="zh-CN" dirty="0" err="1">
+                    <a:latin typeface="Times New Roman" panose="02020603050405020304" pitchFamily="18" charset="0"/>
+                    <a:cs typeface="Times New Roman" panose="02020603050405020304" pitchFamily="18" charset="0"/>
+                  </a:rPr>
+                  <a:t>before_activation</a:t>
+                </a:r>
+                <a:endParaRPr lang="zh-CN" altLang="en-US" dirty="0">
+                  <a:latin typeface="Times New Roman" panose="02020603050405020304" pitchFamily="18" charset="0"/>
+                  <a:cs typeface="Times New Roman" panose="02020603050405020304" pitchFamily="18" charset="0"/>
+                </a:endParaRPr>
+              </a:p>
+            </p:txBody>
+          </p:sp>
+          <p:sp>
+            <p:nvSpPr>
+              <p:cNvPr id="16" name="矩形 15">
+                <a:extLst>
+                  <a:ext uri="{FF2B5EF4-FFF2-40B4-BE49-F238E27FC236}">
+                    <a16:creationId xmlns:a16="http://schemas.microsoft.com/office/drawing/2014/main" id="{BFAF30E3-ECEF-3243-99F8-9DA9C73DD698}"/>
+                  </a:ext>
+                </a:extLst>
+              </p:cNvPr>
+              <p:cNvSpPr/>
+              <p:nvPr/>
+            </p:nvSpPr>
+            <p:spPr>
+              <a:xfrm>
+                <a:off x="6385146" y="1013343"/>
+                <a:ext cx="2095445" cy="369332"/>
+              </a:xfrm>
+              <a:prstGeom prst="rect">
+                <a:avLst/>
+              </a:prstGeom>
+            </p:spPr>
+            <p:txBody>
+              <a:bodyPr wrap="none">
+                <a:spAutoFit/>
+              </a:bodyPr>
+              <a:lstStyle/>
+              <a:p>
+                <a:pPr algn="ctr"/>
+                <a:r>
+                  <a:rPr lang="en-US" altLang="zh-CN" dirty="0" err="1">
+                    <a:latin typeface="Times New Roman" panose="02020603050405020304" pitchFamily="18" charset="0"/>
+                    <a:cs typeface="Times New Roman" panose="02020603050405020304" pitchFamily="18" charset="0"/>
+                  </a:rPr>
+                  <a:t>d_loss</a:t>
+                </a:r>
+                <a:r>
+                  <a:rPr lang="en-US" altLang="zh-CN" dirty="0">
+                    <a:latin typeface="Times New Roman" panose="02020603050405020304" pitchFamily="18" charset="0"/>
+                    <a:cs typeface="Times New Roman" panose="02020603050405020304" pitchFamily="18" charset="0"/>
+                  </a:rPr>
+                  <a:t>_</a:t>
+                </a:r>
+                <a:r>
+                  <a:rPr lang="en" altLang="zh-CN" dirty="0" err="1">
+                    <a:latin typeface="Times New Roman" panose="02020603050405020304" pitchFamily="18" charset="0"/>
+                    <a:cs typeface="Times New Roman" panose="02020603050405020304" pitchFamily="18" charset="0"/>
+                  </a:rPr>
+                  <a:t>hidden_layer</a:t>
+                </a:r>
+                <a:endParaRPr lang="en" altLang="zh-CN" dirty="0">
+                  <a:latin typeface="Times New Roman" panose="02020603050405020304" pitchFamily="18" charset="0"/>
+                  <a:cs typeface="Times New Roman" panose="02020603050405020304" pitchFamily="18" charset="0"/>
+                </a:endParaRPr>
+              </a:p>
+            </p:txBody>
+          </p:sp>
+        </p:grpSp>
         <p:sp>
           <p:nvSpPr>
-            <p:cNvPr id="4" name="右箭头 3">
+            <p:cNvPr id="18" name="矩形 17">
               <a:extLst>
                 <a:ext uri="{FF2B5EF4-FFF2-40B4-BE49-F238E27FC236}">
-                  <a16:creationId xmlns:a16="http://schemas.microsoft.com/office/drawing/2014/main" id="{EAFC2805-8B95-B84B-97DF-406F0FE05469}"/>
+                  <a16:creationId xmlns:a16="http://schemas.microsoft.com/office/drawing/2014/main" id="{F10A142A-C4CB-134A-B844-6FDAF9454D71}"/>
                 </a:ext>
               </a:extLst>
             </p:cNvPr>
@@ -10449,19 +11222,17 @@
             <p:nvPr/>
           </p:nvSpPr>
           <p:spPr>
-            <a:xfrm flipH="1">
-              <a:off x="5831922" y="2262373"/>
-              <a:ext cx="648182" cy="335666"/>
+            <a:xfrm>
+              <a:off x="3470903" y="677122"/>
+              <a:ext cx="5256407" cy="3269846"/>
             </a:xfrm>
-            <a:prstGeom prst="rightArrow">
+            <a:prstGeom prst="rect">
               <a:avLst/>
             </a:prstGeom>
-            <a:solidFill>
-              <a:srgbClr val="FF0000"/>
-            </a:solidFill>
-            <a:ln>
+            <a:noFill/>
+            <a:ln w="19050">
               <a:solidFill>
-                <a:srgbClr val="FF0000"/>
+                <a:schemeClr val="tx1"/>
               </a:solidFill>
             </a:ln>
           </p:spPr>
@@ -10486,632 +11257,7 @@
             <a:lstStyle/>
             <a:p>
               <a:pPr algn="ctr"/>
-              <a:endParaRPr kumimoji="1" lang="zh-CN" altLang="en-US">
-                <a:latin typeface="Times New Roman" panose="02020603050405020304" pitchFamily="18" charset="0"/>
-                <a:cs typeface="Times New Roman" panose="02020603050405020304" pitchFamily="18" charset="0"/>
-              </a:endParaRPr>
-            </a:p>
-          </p:txBody>
-        </p:sp>
-        <p:sp>
-          <p:nvSpPr>
-            <p:cNvPr id="5" name="文本框 4">
-              <a:extLst>
-                <a:ext uri="{FF2B5EF4-FFF2-40B4-BE49-F238E27FC236}">
-                  <a16:creationId xmlns:a16="http://schemas.microsoft.com/office/drawing/2014/main" id="{945A9718-D300-994A-A192-CD76E2638A28}"/>
-                </a:ext>
-              </a:extLst>
-            </p:cNvPr>
-            <p:cNvSpPr txBox="1"/>
-            <p:nvPr/>
-          </p:nvSpPr>
-          <p:spPr>
-            <a:xfrm>
-              <a:off x="5565701" y="1832020"/>
-              <a:ext cx="1180624" cy="369332"/>
-            </a:xfrm>
-            <a:prstGeom prst="rect">
-              <a:avLst/>
-            </a:prstGeom>
-            <a:noFill/>
-          </p:spPr>
-          <p:txBody>
-            <a:bodyPr wrap="square" rtlCol="0">
-              <a:spAutoFit/>
-            </a:bodyPr>
-            <a:lstStyle/>
-            <a:p>
-              <a:r>
-                <a:rPr kumimoji="1" lang="en-US" altLang="zh-CN" dirty="0" err="1">
-                  <a:latin typeface="Times New Roman" panose="02020603050405020304" pitchFamily="18" charset="0"/>
-                  <a:cs typeface="Times New Roman" panose="02020603050405020304" pitchFamily="18" charset="0"/>
-                </a:rPr>
-                <a:t>d_sigmoid</a:t>
-              </a:r>
-              <a:endParaRPr kumimoji="1" lang="zh-CN" altLang="en-US" dirty="0">
-                <a:latin typeface="Times New Roman" panose="02020603050405020304" pitchFamily="18" charset="0"/>
-                <a:cs typeface="Times New Roman" panose="02020603050405020304" pitchFamily="18" charset="0"/>
-              </a:endParaRPr>
-            </a:p>
-          </p:txBody>
-        </p:sp>
-        <p:sp>
-          <p:nvSpPr>
-            <p:cNvPr id="6" name="椭圆 5">
-              <a:extLst>
-                <a:ext uri="{FF2B5EF4-FFF2-40B4-BE49-F238E27FC236}">
-                  <a16:creationId xmlns:a16="http://schemas.microsoft.com/office/drawing/2014/main" id="{9E58773E-765D-0949-9E74-0702DE0963EF}"/>
-                </a:ext>
-              </a:extLst>
-            </p:cNvPr>
-            <p:cNvSpPr/>
-            <p:nvPr/>
-          </p:nvSpPr>
-          <p:spPr>
-            <a:xfrm>
-              <a:off x="4616366" y="1790406"/>
-              <a:ext cx="335666" cy="335666"/>
-            </a:xfrm>
-            <a:prstGeom prst="ellipse">
-              <a:avLst/>
-            </a:prstGeom>
-            <a:solidFill>
-              <a:srgbClr val="0070C0">
-                <a:alpha val="50196"/>
-              </a:srgbClr>
-            </a:solidFill>
-            <a:ln>
-              <a:noFill/>
-            </a:ln>
-          </p:spPr>
-          <p:style>
-            <a:lnRef idx="2">
-              <a:schemeClr val="accent1">
-                <a:shade val="50000"/>
-              </a:schemeClr>
-            </a:lnRef>
-            <a:fillRef idx="1">
-              <a:schemeClr val="accent1"/>
-            </a:fillRef>
-            <a:effectRef idx="0">
-              <a:schemeClr val="accent1"/>
-            </a:effectRef>
-            <a:fontRef idx="minor">
-              <a:schemeClr val="lt1"/>
-            </a:fontRef>
-          </p:style>
-          <p:txBody>
-            <a:bodyPr rtlCol="0" anchor="ctr"/>
-            <a:lstStyle/>
-            <a:p>
-              <a:pPr algn="ctr"/>
-              <a:endParaRPr kumimoji="1" lang="zh-CN" altLang="en-US">
-                <a:latin typeface="Times New Roman" panose="02020603050405020304" pitchFamily="18" charset="0"/>
-                <a:cs typeface="Times New Roman" panose="02020603050405020304" pitchFamily="18" charset="0"/>
-              </a:endParaRPr>
-            </a:p>
-          </p:txBody>
-        </p:sp>
-        <p:sp>
-          <p:nvSpPr>
-            <p:cNvPr id="7" name="椭圆 6">
-              <a:extLst>
-                <a:ext uri="{FF2B5EF4-FFF2-40B4-BE49-F238E27FC236}">
-                  <a16:creationId xmlns:a16="http://schemas.microsoft.com/office/drawing/2014/main" id="{E9FAC777-ECEF-8E43-A47B-47405DCBE162}"/>
-                </a:ext>
-              </a:extLst>
-            </p:cNvPr>
-            <p:cNvSpPr/>
-            <p:nvPr/>
-          </p:nvSpPr>
-          <p:spPr>
-            <a:xfrm>
-              <a:off x="4616366" y="2216554"/>
-              <a:ext cx="335666" cy="335666"/>
-            </a:xfrm>
-            <a:prstGeom prst="ellipse">
-              <a:avLst/>
-            </a:prstGeom>
-            <a:solidFill>
-              <a:srgbClr val="0070C0">
-                <a:alpha val="50196"/>
-              </a:srgbClr>
-            </a:solidFill>
-            <a:ln>
-              <a:noFill/>
-            </a:ln>
-          </p:spPr>
-          <p:style>
-            <a:lnRef idx="2">
-              <a:schemeClr val="accent1">
-                <a:shade val="50000"/>
-              </a:schemeClr>
-            </a:lnRef>
-            <a:fillRef idx="1">
-              <a:schemeClr val="accent1"/>
-            </a:fillRef>
-            <a:effectRef idx="0">
-              <a:schemeClr val="accent1"/>
-            </a:effectRef>
-            <a:fontRef idx="minor">
-              <a:schemeClr val="lt1"/>
-            </a:fontRef>
-          </p:style>
-          <p:txBody>
-            <a:bodyPr rtlCol="0" anchor="ctr"/>
-            <a:lstStyle/>
-            <a:p>
-              <a:pPr algn="ctr"/>
-              <a:endParaRPr kumimoji="1" lang="zh-CN" altLang="en-US">
-                <a:latin typeface="Times New Roman" panose="02020603050405020304" pitchFamily="18" charset="0"/>
-                <a:cs typeface="Times New Roman" panose="02020603050405020304" pitchFamily="18" charset="0"/>
-              </a:endParaRPr>
-            </a:p>
-          </p:txBody>
-        </p:sp>
-        <p:sp>
-          <p:nvSpPr>
-            <p:cNvPr id="8" name="椭圆 7">
-              <a:extLst>
-                <a:ext uri="{FF2B5EF4-FFF2-40B4-BE49-F238E27FC236}">
-                  <a16:creationId xmlns:a16="http://schemas.microsoft.com/office/drawing/2014/main" id="{249B8E8A-E55B-B041-99AE-5AA9A735BDE5}"/>
-                </a:ext>
-              </a:extLst>
-            </p:cNvPr>
-            <p:cNvSpPr/>
-            <p:nvPr/>
-          </p:nvSpPr>
-          <p:spPr>
-            <a:xfrm>
-              <a:off x="4616366" y="2667967"/>
-              <a:ext cx="335666" cy="335666"/>
-            </a:xfrm>
-            <a:prstGeom prst="ellipse">
-              <a:avLst/>
-            </a:prstGeom>
-            <a:solidFill>
-              <a:srgbClr val="0070C0">
-                <a:alpha val="50196"/>
-              </a:srgbClr>
-            </a:solidFill>
-            <a:ln>
-              <a:noFill/>
-            </a:ln>
-          </p:spPr>
-          <p:style>
-            <a:lnRef idx="2">
-              <a:schemeClr val="accent1">
-                <a:shade val="50000"/>
-              </a:schemeClr>
-            </a:lnRef>
-            <a:fillRef idx="1">
-              <a:schemeClr val="accent1"/>
-            </a:fillRef>
-            <a:effectRef idx="0">
-              <a:schemeClr val="accent1"/>
-            </a:effectRef>
-            <a:fontRef idx="minor">
-              <a:schemeClr val="lt1"/>
-            </a:fontRef>
-          </p:style>
-          <p:txBody>
-            <a:bodyPr rtlCol="0" anchor="ctr"/>
-            <a:lstStyle/>
-            <a:p>
-              <a:pPr algn="ctr"/>
-              <a:endParaRPr kumimoji="1" lang="zh-CN" altLang="en-US" b="1">
-                <a:latin typeface="Times New Roman" panose="02020603050405020304" pitchFamily="18" charset="0"/>
-                <a:cs typeface="Times New Roman" panose="02020603050405020304" pitchFamily="18" charset="0"/>
-              </a:endParaRPr>
-            </a:p>
-          </p:txBody>
-        </p:sp>
-        <p:sp>
-          <p:nvSpPr>
-            <p:cNvPr id="10" name="椭圆 9">
-              <a:extLst>
-                <a:ext uri="{FF2B5EF4-FFF2-40B4-BE49-F238E27FC236}">
-                  <a16:creationId xmlns:a16="http://schemas.microsoft.com/office/drawing/2014/main" id="{50C14251-CEC3-F044-9FEB-981F4398E90A}"/>
-                </a:ext>
-              </a:extLst>
-            </p:cNvPr>
-            <p:cNvSpPr/>
-            <p:nvPr/>
-          </p:nvSpPr>
-          <p:spPr>
-            <a:xfrm>
-              <a:off x="7336411" y="1793052"/>
-              <a:ext cx="335666" cy="335666"/>
-            </a:xfrm>
-            <a:prstGeom prst="ellipse">
-              <a:avLst/>
-            </a:prstGeom>
-            <a:solidFill>
-              <a:srgbClr val="7030A0">
-                <a:alpha val="50196"/>
-              </a:srgbClr>
-            </a:solidFill>
-            <a:ln>
-              <a:noFill/>
-            </a:ln>
-          </p:spPr>
-          <p:style>
-            <a:lnRef idx="2">
-              <a:schemeClr val="accent1">
-                <a:shade val="50000"/>
-              </a:schemeClr>
-            </a:lnRef>
-            <a:fillRef idx="1">
-              <a:schemeClr val="accent1"/>
-            </a:fillRef>
-            <a:effectRef idx="0">
-              <a:schemeClr val="accent1"/>
-            </a:effectRef>
-            <a:fontRef idx="minor">
-              <a:schemeClr val="lt1"/>
-            </a:fontRef>
-          </p:style>
-          <p:txBody>
-            <a:bodyPr rtlCol="0" anchor="ctr"/>
-            <a:lstStyle/>
-            <a:p>
-              <a:pPr algn="ctr"/>
-              <a:endParaRPr kumimoji="1" lang="zh-CN" altLang="en-US">
-                <a:latin typeface="Times New Roman" panose="02020603050405020304" pitchFamily="18" charset="0"/>
-                <a:cs typeface="Times New Roman" panose="02020603050405020304" pitchFamily="18" charset="0"/>
-              </a:endParaRPr>
-            </a:p>
-          </p:txBody>
-        </p:sp>
-        <p:sp>
-          <p:nvSpPr>
-            <p:cNvPr id="11" name="椭圆 10">
-              <a:extLst>
-                <a:ext uri="{FF2B5EF4-FFF2-40B4-BE49-F238E27FC236}">
-                  <a16:creationId xmlns:a16="http://schemas.microsoft.com/office/drawing/2014/main" id="{D47E41B2-29DB-8643-8E7F-D6BDB2A1EF17}"/>
-                </a:ext>
-              </a:extLst>
-            </p:cNvPr>
-            <p:cNvSpPr/>
-            <p:nvPr/>
-          </p:nvSpPr>
-          <p:spPr>
-            <a:xfrm>
-              <a:off x="7336411" y="2219200"/>
-              <a:ext cx="335666" cy="335666"/>
-            </a:xfrm>
-            <a:prstGeom prst="ellipse">
-              <a:avLst/>
-            </a:prstGeom>
-            <a:solidFill>
-              <a:srgbClr val="7030A0">
-                <a:alpha val="50196"/>
-              </a:srgbClr>
-            </a:solidFill>
-            <a:ln>
-              <a:noFill/>
-            </a:ln>
-          </p:spPr>
-          <p:style>
-            <a:lnRef idx="2">
-              <a:schemeClr val="accent1">
-                <a:shade val="50000"/>
-              </a:schemeClr>
-            </a:lnRef>
-            <a:fillRef idx="1">
-              <a:schemeClr val="accent1"/>
-            </a:fillRef>
-            <a:effectRef idx="0">
-              <a:schemeClr val="accent1"/>
-            </a:effectRef>
-            <a:fontRef idx="minor">
-              <a:schemeClr val="lt1"/>
-            </a:fontRef>
-          </p:style>
-          <p:txBody>
-            <a:bodyPr rtlCol="0" anchor="ctr"/>
-            <a:lstStyle/>
-            <a:p>
-              <a:pPr algn="ctr"/>
-              <a:endParaRPr kumimoji="1" lang="zh-CN" altLang="en-US">
-                <a:latin typeface="Times New Roman" panose="02020603050405020304" pitchFamily="18" charset="0"/>
-                <a:cs typeface="Times New Roman" panose="02020603050405020304" pitchFamily="18" charset="0"/>
-              </a:endParaRPr>
-            </a:p>
-          </p:txBody>
-        </p:sp>
-        <p:sp>
-          <p:nvSpPr>
-            <p:cNvPr id="12" name="椭圆 11">
-              <a:extLst>
-                <a:ext uri="{FF2B5EF4-FFF2-40B4-BE49-F238E27FC236}">
-                  <a16:creationId xmlns:a16="http://schemas.microsoft.com/office/drawing/2014/main" id="{86583BDB-C9E6-B04B-90F7-F1D9EDD0D612}"/>
-                </a:ext>
-              </a:extLst>
-            </p:cNvPr>
-            <p:cNvSpPr/>
-            <p:nvPr/>
-          </p:nvSpPr>
-          <p:spPr>
-            <a:xfrm>
-              <a:off x="7336411" y="2670613"/>
-              <a:ext cx="335666" cy="335666"/>
-            </a:xfrm>
-            <a:prstGeom prst="ellipse">
-              <a:avLst/>
-            </a:prstGeom>
-            <a:solidFill>
-              <a:srgbClr val="7030A0">
-                <a:alpha val="50196"/>
-              </a:srgbClr>
-            </a:solidFill>
-            <a:ln>
-              <a:noFill/>
-            </a:ln>
-          </p:spPr>
-          <p:style>
-            <a:lnRef idx="2">
-              <a:schemeClr val="accent1">
-                <a:shade val="50000"/>
-              </a:schemeClr>
-            </a:lnRef>
-            <a:fillRef idx="1">
-              <a:schemeClr val="accent1"/>
-            </a:fillRef>
-            <a:effectRef idx="0">
-              <a:schemeClr val="accent1"/>
-            </a:effectRef>
-            <a:fontRef idx="minor">
-              <a:schemeClr val="lt1"/>
-            </a:fontRef>
-          </p:style>
-          <p:txBody>
-            <a:bodyPr rtlCol="0" anchor="ctr"/>
-            <a:lstStyle/>
-            <a:p>
-              <a:pPr algn="ctr"/>
-              <a:endParaRPr kumimoji="1" lang="zh-CN" altLang="en-US" b="1">
-                <a:latin typeface="Times New Roman" panose="02020603050405020304" pitchFamily="18" charset="0"/>
-                <a:cs typeface="Times New Roman" panose="02020603050405020304" pitchFamily="18" charset="0"/>
-              </a:endParaRPr>
-            </a:p>
-          </p:txBody>
-        </p:sp>
-        <p:sp>
-          <p:nvSpPr>
-            <p:cNvPr id="13" name="文本框 12">
-              <a:extLst>
-                <a:ext uri="{FF2B5EF4-FFF2-40B4-BE49-F238E27FC236}">
-                  <a16:creationId xmlns:a16="http://schemas.microsoft.com/office/drawing/2014/main" id="{E00796E2-AA8E-A44B-9C0F-E3388CC22EB6}"/>
-                </a:ext>
-              </a:extLst>
-            </p:cNvPr>
-            <p:cNvSpPr txBox="1"/>
-            <p:nvPr/>
-          </p:nvSpPr>
-          <p:spPr>
-            <a:xfrm>
-              <a:off x="4485188" y="3388207"/>
-              <a:ext cx="626962" cy="369332"/>
-            </a:xfrm>
-            <a:prstGeom prst="rect">
-              <a:avLst/>
-            </a:prstGeom>
-            <a:noFill/>
-          </p:spPr>
-          <p:txBody>
-            <a:bodyPr wrap="square" rtlCol="0">
-              <a:spAutoFit/>
-            </a:bodyPr>
-            <a:lstStyle/>
-            <a:p>
-              <a:r>
-                <a:rPr kumimoji="1" lang="en-US" altLang="zh-CN">
-                  <a:latin typeface="Times New Roman" panose="02020603050405020304" pitchFamily="18" charset="0"/>
-                  <a:cs typeface="Times New Roman" panose="02020603050405020304" pitchFamily="18" charset="0"/>
-                </a:rPr>
-                <a:t>[3,</a:t>
-              </a:r>
-              <a:r>
-                <a:rPr kumimoji="1" lang="zh-CN" altLang="en-US">
-                  <a:latin typeface="Times New Roman" panose="02020603050405020304" pitchFamily="18" charset="0"/>
-                  <a:cs typeface="Times New Roman" panose="02020603050405020304" pitchFamily="18" charset="0"/>
-                </a:rPr>
-                <a:t> </a:t>
-              </a:r>
-              <a:r>
-                <a:rPr kumimoji="1" lang="en-US" altLang="zh-CN">
-                  <a:latin typeface="Times New Roman" panose="02020603050405020304" pitchFamily="18" charset="0"/>
-                  <a:cs typeface="Times New Roman" panose="02020603050405020304" pitchFamily="18" charset="0"/>
-                </a:rPr>
-                <a:t>1]</a:t>
-              </a:r>
-              <a:endParaRPr kumimoji="1" lang="zh-CN" altLang="en-US">
-                <a:latin typeface="Times New Roman" panose="02020603050405020304" pitchFamily="18" charset="0"/>
-                <a:cs typeface="Times New Roman" panose="02020603050405020304" pitchFamily="18" charset="0"/>
-              </a:endParaRPr>
-            </a:p>
-          </p:txBody>
-        </p:sp>
-        <p:sp>
-          <p:nvSpPr>
-            <p:cNvPr id="14" name="文本框 13">
-              <a:extLst>
-                <a:ext uri="{FF2B5EF4-FFF2-40B4-BE49-F238E27FC236}">
-                  <a16:creationId xmlns:a16="http://schemas.microsoft.com/office/drawing/2014/main" id="{EE8A25F1-0EEB-4340-A114-38B8AFF59AFD}"/>
-                </a:ext>
-              </a:extLst>
-            </p:cNvPr>
-            <p:cNvSpPr txBox="1"/>
-            <p:nvPr/>
-          </p:nvSpPr>
-          <p:spPr>
-            <a:xfrm>
-              <a:off x="7190763" y="3388207"/>
-              <a:ext cx="626962" cy="369332"/>
-            </a:xfrm>
-            <a:prstGeom prst="rect">
-              <a:avLst/>
-            </a:prstGeom>
-            <a:noFill/>
-          </p:spPr>
-          <p:txBody>
-            <a:bodyPr wrap="square" rtlCol="0">
-              <a:spAutoFit/>
-            </a:bodyPr>
-            <a:lstStyle/>
-            <a:p>
-              <a:r>
-                <a:rPr kumimoji="1" lang="en-US" altLang="zh-CN">
-                  <a:latin typeface="Times New Roman" panose="02020603050405020304" pitchFamily="18" charset="0"/>
-                  <a:cs typeface="Times New Roman" panose="02020603050405020304" pitchFamily="18" charset="0"/>
-                </a:rPr>
-                <a:t>[3,</a:t>
-              </a:r>
-              <a:r>
-                <a:rPr kumimoji="1" lang="zh-CN" altLang="en-US">
-                  <a:latin typeface="Times New Roman" panose="02020603050405020304" pitchFamily="18" charset="0"/>
-                  <a:cs typeface="Times New Roman" panose="02020603050405020304" pitchFamily="18" charset="0"/>
-                </a:rPr>
-                <a:t> </a:t>
-              </a:r>
-              <a:r>
-                <a:rPr kumimoji="1" lang="en-US" altLang="zh-CN">
-                  <a:latin typeface="Times New Roman" panose="02020603050405020304" pitchFamily="18" charset="0"/>
-                  <a:cs typeface="Times New Roman" panose="02020603050405020304" pitchFamily="18" charset="0"/>
-                </a:rPr>
-                <a:t>1]</a:t>
-              </a:r>
-              <a:endParaRPr kumimoji="1" lang="zh-CN" altLang="en-US">
-                <a:latin typeface="Times New Roman" panose="02020603050405020304" pitchFamily="18" charset="0"/>
-                <a:cs typeface="Times New Roman" panose="02020603050405020304" pitchFamily="18" charset="0"/>
-              </a:endParaRPr>
-            </a:p>
-          </p:txBody>
-        </p:sp>
-        <p:sp>
-          <p:nvSpPr>
-            <p:cNvPr id="15" name="矩形 14">
-              <a:extLst>
-                <a:ext uri="{FF2B5EF4-FFF2-40B4-BE49-F238E27FC236}">
-                  <a16:creationId xmlns:a16="http://schemas.microsoft.com/office/drawing/2014/main" id="{E881398B-26B9-9049-8F73-A69346BB9678}"/>
-                </a:ext>
-              </a:extLst>
-            </p:cNvPr>
-            <p:cNvSpPr/>
-            <p:nvPr/>
-          </p:nvSpPr>
-          <p:spPr>
-            <a:xfrm>
-              <a:off x="3736477" y="930506"/>
-              <a:ext cx="2095445" cy="646331"/>
-            </a:xfrm>
-            <a:prstGeom prst="rect">
-              <a:avLst/>
-            </a:prstGeom>
-          </p:spPr>
-          <p:txBody>
-            <a:bodyPr wrap="none">
-              <a:spAutoFit/>
-            </a:bodyPr>
-            <a:lstStyle/>
-            <a:p>
-              <a:pPr algn="ctr"/>
-              <a:r>
-                <a:rPr lang="en-US" altLang="zh-CN" err="1">
-                  <a:latin typeface="Times New Roman" panose="02020603050405020304" pitchFamily="18" charset="0"/>
-                  <a:cs typeface="Times New Roman" panose="02020603050405020304" pitchFamily="18" charset="0"/>
-                </a:rPr>
-                <a:t>d_loss</a:t>
-              </a:r>
-              <a:r>
-                <a:rPr lang="en-US" altLang="zh-CN">
-                  <a:latin typeface="Times New Roman" panose="02020603050405020304" pitchFamily="18" charset="0"/>
-                  <a:cs typeface="Times New Roman" panose="02020603050405020304" pitchFamily="18" charset="0"/>
-                </a:rPr>
-                <a:t>_</a:t>
-              </a:r>
-              <a:r>
-                <a:rPr lang="en" altLang="zh-CN" err="1">
-                  <a:latin typeface="Times New Roman" panose="02020603050405020304" pitchFamily="18" charset="0"/>
-                  <a:cs typeface="Times New Roman" panose="02020603050405020304" pitchFamily="18" charset="0"/>
-                </a:rPr>
-                <a:t>hidden_layer</a:t>
-              </a:r>
-              <a:endParaRPr lang="en" altLang="zh-CN">
-                <a:latin typeface="Times New Roman" panose="02020603050405020304" pitchFamily="18" charset="0"/>
-                <a:cs typeface="Times New Roman" panose="02020603050405020304" pitchFamily="18" charset="0"/>
-              </a:endParaRPr>
-            </a:p>
-            <a:p>
-              <a:pPr algn="ctr"/>
-              <a:r>
-                <a:rPr lang="en" altLang="zh-CN" err="1">
-                  <a:latin typeface="Times New Roman" panose="02020603050405020304" pitchFamily="18" charset="0"/>
-                  <a:cs typeface="Times New Roman" panose="02020603050405020304" pitchFamily="18" charset="0"/>
-                </a:rPr>
-                <a:t>before_activation</a:t>
-              </a:r>
-              <a:endParaRPr lang="zh-CN" altLang="en-US">
-                <a:latin typeface="Times New Roman" panose="02020603050405020304" pitchFamily="18" charset="0"/>
-                <a:cs typeface="Times New Roman" panose="02020603050405020304" pitchFamily="18" charset="0"/>
-              </a:endParaRPr>
-            </a:p>
-          </p:txBody>
-        </p:sp>
-        <p:sp>
-          <p:nvSpPr>
-            <p:cNvPr id="16" name="矩形 15">
-              <a:extLst>
-                <a:ext uri="{FF2B5EF4-FFF2-40B4-BE49-F238E27FC236}">
-                  <a16:creationId xmlns:a16="http://schemas.microsoft.com/office/drawing/2014/main" id="{BFAF30E3-ECEF-3243-99F8-9DA9C73DD698}"/>
-                </a:ext>
-              </a:extLst>
-            </p:cNvPr>
-            <p:cNvSpPr/>
-            <p:nvPr/>
-          </p:nvSpPr>
-          <p:spPr>
-            <a:xfrm>
-              <a:off x="6385146" y="1013343"/>
-              <a:ext cx="2095445" cy="369332"/>
-            </a:xfrm>
-            <a:prstGeom prst="rect">
-              <a:avLst/>
-            </a:prstGeom>
-          </p:spPr>
-          <p:txBody>
-            <a:bodyPr wrap="none">
-              <a:spAutoFit/>
-            </a:bodyPr>
-            <a:lstStyle/>
-            <a:p>
-              <a:pPr algn="ctr"/>
-              <a:r>
-                <a:rPr lang="en-US" altLang="zh-CN" err="1">
-                  <a:latin typeface="Times New Roman" panose="02020603050405020304" pitchFamily="18" charset="0"/>
-                  <a:cs typeface="Times New Roman" panose="02020603050405020304" pitchFamily="18" charset="0"/>
-                </a:rPr>
-                <a:t>d_loss</a:t>
-              </a:r>
-              <a:r>
-                <a:rPr lang="en-US" altLang="zh-CN">
-                  <a:latin typeface="Times New Roman" panose="02020603050405020304" pitchFamily="18" charset="0"/>
-                  <a:cs typeface="Times New Roman" panose="02020603050405020304" pitchFamily="18" charset="0"/>
-                </a:rPr>
-                <a:t>_</a:t>
-              </a:r>
-              <a:r>
-                <a:rPr lang="en" altLang="zh-CN" err="1">
-                  <a:latin typeface="Times New Roman" panose="02020603050405020304" pitchFamily="18" charset="0"/>
-                  <a:cs typeface="Times New Roman" panose="02020603050405020304" pitchFamily="18" charset="0"/>
-                </a:rPr>
-                <a:t>hidden_layer</a:t>
-              </a:r>
-              <a:endParaRPr lang="en" altLang="zh-CN">
-                <a:latin typeface="Times New Roman" panose="02020603050405020304" pitchFamily="18" charset="0"/>
-                <a:cs typeface="Times New Roman" panose="02020603050405020304" pitchFamily="18" charset="0"/>
-              </a:endParaRPr>
+              <a:endParaRPr kumimoji="1" lang="zh-CN" altLang="en-US"/>
             </a:p>
           </p:txBody>
         </p:sp>

--- a/pictures.pptx
+++ b/pictures.pptx
@@ -5,7 +5,7 @@
     <p:sldMasterId id="2147483648" r:id="rId1"/>
   </p:sldMasterIdLst>
   <p:notesMasterIdLst>
-    <p:notesMasterId r:id="rId10"/>
+    <p:notesMasterId r:id="rId11"/>
   </p:notesMasterIdLst>
   <p:sldIdLst>
     <p:sldId id="263" r:id="rId2"/>
@@ -16,6 +16,7 @@
     <p:sldId id="268" r:id="rId7"/>
     <p:sldId id="269" r:id="rId8"/>
     <p:sldId id="270" r:id="rId9"/>
+    <p:sldId id="271" r:id="rId10"/>
   </p:sldIdLst>
   <p:sldSz cx="12192000" cy="6858000"/>
   <p:notesSz cx="6858000" cy="9144000"/>
@@ -204,7 +205,7 @@
           <a:p>
             <a:fld id="{86B3B155-2483-6F47-A0CD-700458558B73}" type="datetimeFigureOut">
               <a:rPr kumimoji="1" lang="zh-CN" altLang="en-US" smtClean="0"/>
-              <a:t>2019/12/15</a:t>
+              <a:t>2019/12/21</a:t>
             </a:fld>
             <a:endParaRPr kumimoji="1" lang="zh-CN" altLang="en-US"/>
           </a:p>
@@ -677,7 +678,7 @@
           <a:p>
             <a:fld id="{51C7FA66-BD2E-F245-985F-19D6B65945E5}" type="datetimeFigureOut">
               <a:rPr kumimoji="1" lang="zh-CN" altLang="en-US" smtClean="0"/>
-              <a:t>2019/12/15</a:t>
+              <a:t>2019/12/21</a:t>
             </a:fld>
             <a:endParaRPr kumimoji="1" lang="zh-CN" altLang="en-US"/>
           </a:p>
@@ -850,7 +851,7 @@
           <a:p>
             <a:fld id="{51C7FA66-BD2E-F245-985F-19D6B65945E5}" type="datetimeFigureOut">
               <a:rPr kumimoji="1" lang="zh-CN" altLang="en-US" smtClean="0"/>
-              <a:t>2019/12/15</a:t>
+              <a:t>2019/12/21</a:t>
             </a:fld>
             <a:endParaRPr kumimoji="1" lang="zh-CN" altLang="en-US"/>
           </a:p>
@@ -1033,7 +1034,7 @@
           <a:p>
             <a:fld id="{51C7FA66-BD2E-F245-985F-19D6B65945E5}" type="datetimeFigureOut">
               <a:rPr kumimoji="1" lang="zh-CN" altLang="en-US" smtClean="0"/>
-              <a:t>2019/12/15</a:t>
+              <a:t>2019/12/21</a:t>
             </a:fld>
             <a:endParaRPr kumimoji="1" lang="zh-CN" altLang="en-US"/>
           </a:p>
@@ -1206,7 +1207,7 @@
           <a:p>
             <a:fld id="{51C7FA66-BD2E-F245-985F-19D6B65945E5}" type="datetimeFigureOut">
               <a:rPr kumimoji="1" lang="zh-CN" altLang="en-US" smtClean="0"/>
-              <a:t>2019/12/15</a:t>
+              <a:t>2019/12/21</a:t>
             </a:fld>
             <a:endParaRPr kumimoji="1" lang="zh-CN" altLang="en-US"/>
           </a:p>
@@ -1484,7 +1485,7 @@
           <a:p>
             <a:fld id="{51C7FA66-BD2E-F245-985F-19D6B65945E5}" type="datetimeFigureOut">
               <a:rPr kumimoji="1" lang="zh-CN" altLang="en-US" smtClean="0"/>
-              <a:t>2019/12/15</a:t>
+              <a:t>2019/12/21</a:t>
             </a:fld>
             <a:endParaRPr kumimoji="1" lang="zh-CN" altLang="en-US"/>
           </a:p>
@@ -1699,7 +1700,7 @@
           <a:p>
             <a:fld id="{51C7FA66-BD2E-F245-985F-19D6B65945E5}" type="datetimeFigureOut">
               <a:rPr kumimoji="1" lang="zh-CN" altLang="en-US" smtClean="0"/>
-              <a:t>2019/12/15</a:t>
+              <a:t>2019/12/21</a:t>
             </a:fld>
             <a:endParaRPr kumimoji="1" lang="zh-CN" altLang="en-US"/>
           </a:p>
@@ -2067,7 +2068,7 @@
           <a:p>
             <a:fld id="{51C7FA66-BD2E-F245-985F-19D6B65945E5}" type="datetimeFigureOut">
               <a:rPr kumimoji="1" lang="zh-CN" altLang="en-US" smtClean="0"/>
-              <a:t>2019/12/15</a:t>
+              <a:t>2019/12/21</a:t>
             </a:fld>
             <a:endParaRPr kumimoji="1" lang="zh-CN" altLang="en-US"/>
           </a:p>
@@ -2208,7 +2209,7 @@
           <a:p>
             <a:fld id="{51C7FA66-BD2E-F245-985F-19D6B65945E5}" type="datetimeFigureOut">
               <a:rPr kumimoji="1" lang="zh-CN" altLang="en-US" smtClean="0"/>
-              <a:t>2019/12/15</a:t>
+              <a:t>2019/12/21</a:t>
             </a:fld>
             <a:endParaRPr kumimoji="1" lang="zh-CN" altLang="en-US"/>
           </a:p>
@@ -2321,7 +2322,7 @@
           <a:p>
             <a:fld id="{51C7FA66-BD2E-F245-985F-19D6B65945E5}" type="datetimeFigureOut">
               <a:rPr kumimoji="1" lang="zh-CN" altLang="en-US" smtClean="0"/>
-              <a:t>2019/12/15</a:t>
+              <a:t>2019/12/21</a:t>
             </a:fld>
             <a:endParaRPr kumimoji="1" lang="zh-CN" altLang="en-US"/>
           </a:p>
@@ -2610,7 +2611,7 @@
           <a:p>
             <a:fld id="{51C7FA66-BD2E-F245-985F-19D6B65945E5}" type="datetimeFigureOut">
               <a:rPr kumimoji="1" lang="zh-CN" altLang="en-US" smtClean="0"/>
-              <a:t>2019/12/15</a:t>
+              <a:t>2019/12/21</a:t>
             </a:fld>
             <a:endParaRPr kumimoji="1" lang="zh-CN" altLang="en-US"/>
           </a:p>
@@ -2901,7 +2902,7 @@
           <a:p>
             <a:fld id="{51C7FA66-BD2E-F245-985F-19D6B65945E5}" type="datetimeFigureOut">
               <a:rPr kumimoji="1" lang="zh-CN" altLang="en-US" smtClean="0"/>
-              <a:t>2019/12/15</a:t>
+              <a:t>2019/12/21</a:t>
             </a:fld>
             <a:endParaRPr kumimoji="1" lang="zh-CN" altLang="en-US"/>
           </a:p>
@@ -3117,7 +3118,7 @@
           <a:p>
             <a:fld id="{51C7FA66-BD2E-F245-985F-19D6B65945E5}" type="datetimeFigureOut">
               <a:rPr kumimoji="1" lang="zh-CN" altLang="en-US" smtClean="0"/>
-              <a:t>2019/12/15</a:t>
+              <a:t>2019/12/21</a:t>
             </a:fld>
             <a:endParaRPr kumimoji="1" lang="zh-CN" altLang="en-US"/>
           </a:p>
@@ -11584,6 +11585,1602 @@
 </p:sld>
 </file>
 
+<file path=ppt/slides/slide9.xml><?xml version="1.0" encoding="utf-8"?>
+<p:sld xmlns:a="http://schemas.openxmlformats.org/drawingml/2006/main" xmlns:r="http://schemas.openxmlformats.org/officeDocument/2006/relationships" xmlns:p="http://schemas.openxmlformats.org/presentationml/2006/main">
+  <p:cSld>
+    <p:spTree>
+      <p:nvGrpSpPr>
+        <p:cNvPr id="1" name=""/>
+        <p:cNvGrpSpPr/>
+        <p:nvPr/>
+      </p:nvGrpSpPr>
+      <p:grpSpPr>
+        <a:xfrm>
+          <a:off x="0" y="0"/>
+          <a:ext cx="0" cy="0"/>
+          <a:chOff x="0" y="0"/>
+          <a:chExt cx="0" cy="0"/>
+        </a:xfrm>
+      </p:grpSpPr>
+      <p:grpSp>
+        <p:nvGrpSpPr>
+          <p:cNvPr id="49" name="组合 48">
+            <a:extLst>
+              <a:ext uri="{FF2B5EF4-FFF2-40B4-BE49-F238E27FC236}">
+                <a16:creationId xmlns:a16="http://schemas.microsoft.com/office/drawing/2014/main" id="{C277D925-39D5-5D4B-B864-4EC711A06A29}"/>
+              </a:ext>
+            </a:extLst>
+          </p:cNvPr>
+          <p:cNvGrpSpPr/>
+          <p:nvPr/>
+        </p:nvGrpSpPr>
+        <p:grpSpPr>
+          <a:xfrm>
+            <a:off x="1180618" y="557514"/>
+            <a:ext cx="6373780" cy="1919468"/>
+            <a:chOff x="1180618" y="557514"/>
+            <a:chExt cx="6373780" cy="1919468"/>
+          </a:xfrm>
+        </p:grpSpPr>
+        <p:sp>
+          <p:nvSpPr>
+            <p:cNvPr id="46" name="矩形 45">
+              <a:extLst>
+                <a:ext uri="{FF2B5EF4-FFF2-40B4-BE49-F238E27FC236}">
+                  <a16:creationId xmlns:a16="http://schemas.microsoft.com/office/drawing/2014/main" id="{321F19BF-1B0B-794B-AC39-548B32071C5D}"/>
+                </a:ext>
+              </a:extLst>
+            </p:cNvPr>
+            <p:cNvSpPr/>
+            <p:nvPr/>
+          </p:nvSpPr>
+          <p:spPr>
+            <a:xfrm>
+              <a:off x="1180618" y="557514"/>
+              <a:ext cx="6261904" cy="1919468"/>
+            </a:xfrm>
+            <a:prstGeom prst="rect">
+              <a:avLst/>
+            </a:prstGeom>
+            <a:solidFill>
+              <a:schemeClr val="bg1"/>
+            </a:solidFill>
+            <a:ln>
+              <a:solidFill>
+                <a:schemeClr val="tx1"/>
+              </a:solidFill>
+            </a:ln>
+          </p:spPr>
+          <p:style>
+            <a:lnRef idx="2">
+              <a:schemeClr val="accent1">
+                <a:shade val="50000"/>
+              </a:schemeClr>
+            </a:lnRef>
+            <a:fillRef idx="1">
+              <a:schemeClr val="accent1"/>
+            </a:fillRef>
+            <a:effectRef idx="0">
+              <a:schemeClr val="accent1"/>
+            </a:effectRef>
+            <a:fontRef idx="minor">
+              <a:schemeClr val="lt1"/>
+            </a:fontRef>
+          </p:style>
+          <p:txBody>
+            <a:bodyPr rtlCol="0" anchor="ctr"/>
+            <a:lstStyle/>
+            <a:p>
+              <a:pPr algn="ctr"/>
+              <a:endParaRPr kumimoji="1" lang="zh-CN" altLang="en-US"/>
+            </a:p>
+          </p:txBody>
+        </p:sp>
+        <p:sp>
+          <p:nvSpPr>
+            <p:cNvPr id="4" name="文本框 3">
+              <a:extLst>
+                <a:ext uri="{FF2B5EF4-FFF2-40B4-BE49-F238E27FC236}">
+                  <a16:creationId xmlns:a16="http://schemas.microsoft.com/office/drawing/2014/main" id="{D698A5DB-B8BF-524A-A300-EBDA11EA7223}"/>
+                </a:ext>
+              </a:extLst>
+            </p:cNvPr>
+            <p:cNvSpPr txBox="1"/>
+            <p:nvPr/>
+          </p:nvSpPr>
+          <p:spPr>
+            <a:xfrm>
+              <a:off x="1273215" y="1203767"/>
+              <a:ext cx="509285" cy="369332"/>
+            </a:xfrm>
+            <a:prstGeom prst="rect">
+              <a:avLst/>
+            </a:prstGeom>
+            <a:noFill/>
+          </p:spPr>
+          <p:txBody>
+            <a:bodyPr wrap="square" rtlCol="0">
+              <a:spAutoFit/>
+            </a:bodyPr>
+            <a:lstStyle/>
+            <a:p>
+              <a:r>
+                <a:rPr kumimoji="1" lang="en-US" altLang="zh-CN" dirty="0"/>
+                <a:t>2.1</a:t>
+              </a:r>
+              <a:endParaRPr kumimoji="1" lang="zh-CN" altLang="en-US" dirty="0"/>
+            </a:p>
+          </p:txBody>
+        </p:sp>
+        <p:sp>
+          <p:nvSpPr>
+            <p:cNvPr id="5" name="文本框 4">
+              <a:extLst>
+                <a:ext uri="{FF2B5EF4-FFF2-40B4-BE49-F238E27FC236}">
+                  <a16:creationId xmlns:a16="http://schemas.microsoft.com/office/drawing/2014/main" id="{0C9F05FB-B10A-CE4D-A551-A134CE8182E5}"/>
+                </a:ext>
+              </a:extLst>
+            </p:cNvPr>
+            <p:cNvSpPr txBox="1"/>
+            <p:nvPr/>
+          </p:nvSpPr>
+          <p:spPr>
+            <a:xfrm>
+              <a:off x="1782500" y="1203767"/>
+              <a:ext cx="509285" cy="369332"/>
+            </a:xfrm>
+            <a:prstGeom prst="rect">
+              <a:avLst/>
+            </a:prstGeom>
+            <a:noFill/>
+          </p:spPr>
+          <p:txBody>
+            <a:bodyPr wrap="square" rtlCol="0">
+              <a:spAutoFit/>
+            </a:bodyPr>
+            <a:lstStyle/>
+            <a:p>
+              <a:r>
+                <a:rPr kumimoji="1" lang="en-US" altLang="zh-CN" dirty="0"/>
+                <a:t>2.0</a:t>
+              </a:r>
+              <a:endParaRPr kumimoji="1" lang="zh-CN" altLang="en-US" dirty="0"/>
+            </a:p>
+          </p:txBody>
+        </p:sp>
+        <p:sp>
+          <p:nvSpPr>
+            <p:cNvPr id="6" name="文本框 5">
+              <a:extLst>
+                <a:ext uri="{FF2B5EF4-FFF2-40B4-BE49-F238E27FC236}">
+                  <a16:creationId xmlns:a16="http://schemas.microsoft.com/office/drawing/2014/main" id="{32CCAAF9-9CB9-9341-84C4-773E85723E5A}"/>
+                </a:ext>
+              </a:extLst>
+            </p:cNvPr>
+            <p:cNvSpPr txBox="1"/>
+            <p:nvPr/>
+          </p:nvSpPr>
+          <p:spPr>
+            <a:xfrm>
+              <a:off x="2291785" y="1203767"/>
+              <a:ext cx="509285" cy="369332"/>
+            </a:xfrm>
+            <a:prstGeom prst="rect">
+              <a:avLst/>
+            </a:prstGeom>
+            <a:noFill/>
+          </p:spPr>
+          <p:txBody>
+            <a:bodyPr wrap="square" rtlCol="0">
+              <a:spAutoFit/>
+            </a:bodyPr>
+            <a:lstStyle/>
+            <a:p>
+              <a:r>
+                <a:rPr kumimoji="1" lang="en-US" altLang="zh-CN" dirty="0"/>
+                <a:t>3</a:t>
+              </a:r>
+              <a:endParaRPr kumimoji="1" lang="zh-CN" altLang="en-US" dirty="0"/>
+            </a:p>
+          </p:txBody>
+        </p:sp>
+        <p:sp>
+          <p:nvSpPr>
+            <p:cNvPr id="7" name="文本框 6">
+              <a:extLst>
+                <a:ext uri="{FF2B5EF4-FFF2-40B4-BE49-F238E27FC236}">
+                  <a16:creationId xmlns:a16="http://schemas.microsoft.com/office/drawing/2014/main" id="{7DF75110-C6A8-0A47-A989-1015821D6C08}"/>
+                </a:ext>
+              </a:extLst>
+            </p:cNvPr>
+            <p:cNvSpPr txBox="1"/>
+            <p:nvPr/>
+          </p:nvSpPr>
+          <p:spPr>
+            <a:xfrm>
+              <a:off x="2801070" y="1203767"/>
+              <a:ext cx="509285" cy="369332"/>
+            </a:xfrm>
+            <a:prstGeom prst="rect">
+              <a:avLst/>
+            </a:prstGeom>
+            <a:noFill/>
+          </p:spPr>
+          <p:txBody>
+            <a:bodyPr wrap="square" rtlCol="0">
+              <a:spAutoFit/>
+            </a:bodyPr>
+            <a:lstStyle/>
+            <a:p>
+              <a:r>
+                <a:rPr kumimoji="1" lang="en-US" altLang="zh-CN" dirty="0"/>
+                <a:t>2</a:t>
+              </a:r>
+              <a:endParaRPr kumimoji="1" lang="zh-CN" altLang="en-US" dirty="0"/>
+            </a:p>
+          </p:txBody>
+        </p:sp>
+        <p:sp>
+          <p:nvSpPr>
+            <p:cNvPr id="8" name="文本框 7">
+              <a:extLst>
+                <a:ext uri="{FF2B5EF4-FFF2-40B4-BE49-F238E27FC236}">
+                  <a16:creationId xmlns:a16="http://schemas.microsoft.com/office/drawing/2014/main" id="{4C585255-9AA2-0E4C-B515-4828EC2EE205}"/>
+                </a:ext>
+              </a:extLst>
+            </p:cNvPr>
+            <p:cNvSpPr txBox="1"/>
+            <p:nvPr/>
+          </p:nvSpPr>
+          <p:spPr>
+            <a:xfrm>
+              <a:off x="1273215" y="1573099"/>
+              <a:ext cx="509285" cy="369332"/>
+            </a:xfrm>
+            <a:prstGeom prst="rect">
+              <a:avLst/>
+            </a:prstGeom>
+            <a:noFill/>
+          </p:spPr>
+          <p:txBody>
+            <a:bodyPr wrap="square" rtlCol="0">
+              <a:spAutoFit/>
+            </a:bodyPr>
+            <a:lstStyle/>
+            <a:p>
+              <a:r>
+                <a:rPr kumimoji="1" lang="en-US" altLang="zh-CN" dirty="0"/>
+                <a:t>1.5</a:t>
+              </a:r>
+              <a:endParaRPr kumimoji="1" lang="zh-CN" altLang="en-US" dirty="0"/>
+            </a:p>
+          </p:txBody>
+        </p:sp>
+        <p:sp>
+          <p:nvSpPr>
+            <p:cNvPr id="9" name="文本框 8">
+              <a:extLst>
+                <a:ext uri="{FF2B5EF4-FFF2-40B4-BE49-F238E27FC236}">
+                  <a16:creationId xmlns:a16="http://schemas.microsoft.com/office/drawing/2014/main" id="{84297FEB-4E93-D443-9B53-26C5688DCA04}"/>
+                </a:ext>
+              </a:extLst>
+            </p:cNvPr>
+            <p:cNvSpPr txBox="1"/>
+            <p:nvPr/>
+          </p:nvSpPr>
+          <p:spPr>
+            <a:xfrm>
+              <a:off x="1782500" y="1573099"/>
+              <a:ext cx="509285" cy="369332"/>
+            </a:xfrm>
+            <a:prstGeom prst="rect">
+              <a:avLst/>
+            </a:prstGeom>
+            <a:noFill/>
+          </p:spPr>
+          <p:txBody>
+            <a:bodyPr wrap="square" rtlCol="0">
+              <a:spAutoFit/>
+            </a:bodyPr>
+            <a:lstStyle/>
+            <a:p>
+              <a:r>
+                <a:rPr kumimoji="1" lang="en-US" altLang="zh-CN" dirty="0"/>
+                <a:t>2.2</a:t>
+              </a:r>
+              <a:endParaRPr kumimoji="1" lang="zh-CN" altLang="en-US" dirty="0"/>
+            </a:p>
+          </p:txBody>
+        </p:sp>
+        <p:sp>
+          <p:nvSpPr>
+            <p:cNvPr id="10" name="文本框 9">
+              <a:extLst>
+                <a:ext uri="{FF2B5EF4-FFF2-40B4-BE49-F238E27FC236}">
+                  <a16:creationId xmlns:a16="http://schemas.microsoft.com/office/drawing/2014/main" id="{600E4A8B-DDB4-5F4D-A2FC-6677F35DA794}"/>
+                </a:ext>
+              </a:extLst>
+            </p:cNvPr>
+            <p:cNvSpPr txBox="1"/>
+            <p:nvPr/>
+          </p:nvSpPr>
+          <p:spPr>
+            <a:xfrm>
+              <a:off x="2291785" y="1573099"/>
+              <a:ext cx="509285" cy="369332"/>
+            </a:xfrm>
+            <a:prstGeom prst="rect">
+              <a:avLst/>
+            </a:prstGeom>
+            <a:noFill/>
+          </p:spPr>
+          <p:txBody>
+            <a:bodyPr wrap="square" rtlCol="0">
+              <a:spAutoFit/>
+            </a:bodyPr>
+            <a:lstStyle/>
+            <a:p>
+              <a:r>
+                <a:rPr kumimoji="1" lang="en-US" altLang="zh-CN" dirty="0"/>
+                <a:t>4</a:t>
+              </a:r>
+              <a:endParaRPr kumimoji="1" lang="zh-CN" altLang="en-US" dirty="0"/>
+            </a:p>
+          </p:txBody>
+        </p:sp>
+        <p:sp>
+          <p:nvSpPr>
+            <p:cNvPr id="11" name="文本框 10">
+              <a:extLst>
+                <a:ext uri="{FF2B5EF4-FFF2-40B4-BE49-F238E27FC236}">
+                  <a16:creationId xmlns:a16="http://schemas.microsoft.com/office/drawing/2014/main" id="{2DAD2C44-3520-174E-9ECE-4973A55CCBFD}"/>
+                </a:ext>
+              </a:extLst>
+            </p:cNvPr>
+            <p:cNvSpPr txBox="1"/>
+            <p:nvPr/>
+          </p:nvSpPr>
+          <p:spPr>
+            <a:xfrm>
+              <a:off x="2801070" y="1573099"/>
+              <a:ext cx="509285" cy="369332"/>
+            </a:xfrm>
+            <a:prstGeom prst="rect">
+              <a:avLst/>
+            </a:prstGeom>
+            <a:noFill/>
+          </p:spPr>
+          <p:txBody>
+            <a:bodyPr wrap="square" rtlCol="0">
+              <a:spAutoFit/>
+            </a:bodyPr>
+            <a:lstStyle/>
+            <a:p>
+              <a:r>
+                <a:rPr kumimoji="1" lang="en-US" altLang="zh-CN" dirty="0"/>
+                <a:t>6</a:t>
+              </a:r>
+              <a:endParaRPr kumimoji="1" lang="zh-CN" altLang="en-US" dirty="0"/>
+            </a:p>
+          </p:txBody>
+        </p:sp>
+        <p:sp>
+          <p:nvSpPr>
+            <p:cNvPr id="12" name="文本框 11">
+              <a:extLst>
+                <a:ext uri="{FF2B5EF4-FFF2-40B4-BE49-F238E27FC236}">
+                  <a16:creationId xmlns:a16="http://schemas.microsoft.com/office/drawing/2014/main" id="{A69F5623-C6B0-D94C-8B3E-D0849BA37DE0}"/>
+                </a:ext>
+              </a:extLst>
+            </p:cNvPr>
+            <p:cNvSpPr txBox="1"/>
+            <p:nvPr/>
+          </p:nvSpPr>
+          <p:spPr>
+            <a:xfrm>
+              <a:off x="1273215" y="1942431"/>
+              <a:ext cx="509285" cy="369332"/>
+            </a:xfrm>
+            <a:prstGeom prst="rect">
+              <a:avLst/>
+            </a:prstGeom>
+            <a:noFill/>
+          </p:spPr>
+          <p:txBody>
+            <a:bodyPr wrap="square" rtlCol="0">
+              <a:spAutoFit/>
+            </a:bodyPr>
+            <a:lstStyle/>
+            <a:p>
+              <a:r>
+                <a:rPr kumimoji="1" lang="en-US" altLang="zh-CN" dirty="0"/>
+                <a:t>1.6</a:t>
+              </a:r>
+              <a:endParaRPr kumimoji="1" lang="zh-CN" altLang="en-US" dirty="0"/>
+            </a:p>
+          </p:txBody>
+        </p:sp>
+        <p:sp>
+          <p:nvSpPr>
+            <p:cNvPr id="13" name="文本框 12">
+              <a:extLst>
+                <a:ext uri="{FF2B5EF4-FFF2-40B4-BE49-F238E27FC236}">
+                  <a16:creationId xmlns:a16="http://schemas.microsoft.com/office/drawing/2014/main" id="{A33E21C5-3309-8C42-9DC3-755D204402D0}"/>
+                </a:ext>
+              </a:extLst>
+            </p:cNvPr>
+            <p:cNvSpPr txBox="1"/>
+            <p:nvPr/>
+          </p:nvSpPr>
+          <p:spPr>
+            <a:xfrm>
+              <a:off x="1782500" y="1942431"/>
+              <a:ext cx="509285" cy="369332"/>
+            </a:xfrm>
+            <a:prstGeom prst="rect">
+              <a:avLst/>
+            </a:prstGeom>
+            <a:noFill/>
+          </p:spPr>
+          <p:txBody>
+            <a:bodyPr wrap="square" rtlCol="0">
+              <a:spAutoFit/>
+            </a:bodyPr>
+            <a:lstStyle/>
+            <a:p>
+              <a:r>
+                <a:rPr kumimoji="1" lang="en-US" altLang="zh-CN" dirty="0"/>
+                <a:t>2.8</a:t>
+              </a:r>
+              <a:endParaRPr kumimoji="1" lang="zh-CN" altLang="en-US" dirty="0"/>
+            </a:p>
+          </p:txBody>
+        </p:sp>
+        <p:sp>
+          <p:nvSpPr>
+            <p:cNvPr id="14" name="文本框 13">
+              <a:extLst>
+                <a:ext uri="{FF2B5EF4-FFF2-40B4-BE49-F238E27FC236}">
+                  <a16:creationId xmlns:a16="http://schemas.microsoft.com/office/drawing/2014/main" id="{940E227E-F85B-3C44-8AB8-EA35E6E027ED}"/>
+                </a:ext>
+              </a:extLst>
+            </p:cNvPr>
+            <p:cNvSpPr txBox="1"/>
+            <p:nvPr/>
+          </p:nvSpPr>
+          <p:spPr>
+            <a:xfrm>
+              <a:off x="2291785" y="1942431"/>
+              <a:ext cx="509285" cy="369332"/>
+            </a:xfrm>
+            <a:prstGeom prst="rect">
+              <a:avLst/>
+            </a:prstGeom>
+            <a:noFill/>
+          </p:spPr>
+          <p:txBody>
+            <a:bodyPr wrap="square" rtlCol="0">
+              <a:spAutoFit/>
+            </a:bodyPr>
+            <a:lstStyle/>
+            <a:p>
+              <a:r>
+                <a:rPr kumimoji="1" lang="en-US" altLang="zh-CN" dirty="0"/>
+                <a:t>5</a:t>
+              </a:r>
+              <a:endParaRPr kumimoji="1" lang="zh-CN" altLang="en-US" dirty="0"/>
+            </a:p>
+          </p:txBody>
+        </p:sp>
+        <p:sp>
+          <p:nvSpPr>
+            <p:cNvPr id="15" name="文本框 14">
+              <a:extLst>
+                <a:ext uri="{FF2B5EF4-FFF2-40B4-BE49-F238E27FC236}">
+                  <a16:creationId xmlns:a16="http://schemas.microsoft.com/office/drawing/2014/main" id="{83216C21-7CAF-3B4B-8CAA-A5AB5EC9ED62}"/>
+                </a:ext>
+              </a:extLst>
+            </p:cNvPr>
+            <p:cNvSpPr txBox="1"/>
+            <p:nvPr/>
+          </p:nvSpPr>
+          <p:spPr>
+            <a:xfrm>
+              <a:off x="2801070" y="1942431"/>
+              <a:ext cx="509285" cy="369332"/>
+            </a:xfrm>
+            <a:prstGeom prst="rect">
+              <a:avLst/>
+            </a:prstGeom>
+            <a:noFill/>
+          </p:spPr>
+          <p:txBody>
+            <a:bodyPr wrap="square" rtlCol="0">
+              <a:spAutoFit/>
+            </a:bodyPr>
+            <a:lstStyle/>
+            <a:p>
+              <a:r>
+                <a:rPr kumimoji="1" lang="en-US" altLang="zh-CN" dirty="0"/>
+                <a:t>7</a:t>
+              </a:r>
+              <a:endParaRPr kumimoji="1" lang="zh-CN" altLang="en-US" dirty="0"/>
+            </a:p>
+          </p:txBody>
+        </p:sp>
+        <p:sp>
+          <p:nvSpPr>
+            <p:cNvPr id="16" name="文本框 15">
+              <a:extLst>
+                <a:ext uri="{FF2B5EF4-FFF2-40B4-BE49-F238E27FC236}">
+                  <a16:creationId xmlns:a16="http://schemas.microsoft.com/office/drawing/2014/main" id="{B3497905-47E2-EA45-9F1E-60A76960A3C7}"/>
+                </a:ext>
+              </a:extLst>
+            </p:cNvPr>
+            <p:cNvSpPr txBox="1"/>
+            <p:nvPr/>
+          </p:nvSpPr>
+          <p:spPr>
+            <a:xfrm>
+              <a:off x="1707263" y="752354"/>
+              <a:ext cx="1169043" cy="369332"/>
+            </a:xfrm>
+            <a:prstGeom prst="rect">
+              <a:avLst/>
+            </a:prstGeom>
+            <a:noFill/>
+          </p:spPr>
+          <p:txBody>
+            <a:bodyPr wrap="square" rtlCol="0">
+              <a:spAutoFit/>
+            </a:bodyPr>
+            <a:lstStyle/>
+            <a:p>
+              <a:r>
+                <a:rPr kumimoji="1" lang="zh-CN" altLang="en-US" dirty="0"/>
+                <a:t>原始矩阵</a:t>
+              </a:r>
+            </a:p>
+          </p:txBody>
+        </p:sp>
+        <p:sp>
+          <p:nvSpPr>
+            <p:cNvPr id="17" name="文本框 16">
+              <a:extLst>
+                <a:ext uri="{FF2B5EF4-FFF2-40B4-BE49-F238E27FC236}">
+                  <a16:creationId xmlns:a16="http://schemas.microsoft.com/office/drawing/2014/main" id="{711AFEDA-F296-FF4B-952C-28E10386367B}"/>
+                </a:ext>
+              </a:extLst>
+            </p:cNvPr>
+            <p:cNvSpPr txBox="1"/>
+            <p:nvPr/>
+          </p:nvSpPr>
+          <p:spPr>
+            <a:xfrm>
+              <a:off x="3474334" y="1203767"/>
+              <a:ext cx="509285" cy="369332"/>
+            </a:xfrm>
+            <a:prstGeom prst="rect">
+              <a:avLst/>
+            </a:prstGeom>
+            <a:noFill/>
+          </p:spPr>
+          <p:txBody>
+            <a:bodyPr wrap="square" rtlCol="0">
+              <a:spAutoFit/>
+            </a:bodyPr>
+            <a:lstStyle/>
+            <a:p>
+              <a:r>
+                <a:rPr kumimoji="1" lang="en-US" altLang="zh-CN" dirty="0"/>
+                <a:t>1</a:t>
+              </a:r>
+              <a:endParaRPr kumimoji="1" lang="zh-CN" altLang="en-US" dirty="0"/>
+            </a:p>
+          </p:txBody>
+        </p:sp>
+        <p:sp>
+          <p:nvSpPr>
+            <p:cNvPr id="18" name="文本框 17">
+              <a:extLst>
+                <a:ext uri="{FF2B5EF4-FFF2-40B4-BE49-F238E27FC236}">
+                  <a16:creationId xmlns:a16="http://schemas.microsoft.com/office/drawing/2014/main" id="{C6308192-3FE2-2847-B134-6E1BF3BCAA8E}"/>
+                </a:ext>
+              </a:extLst>
+            </p:cNvPr>
+            <p:cNvSpPr txBox="1"/>
+            <p:nvPr/>
+          </p:nvSpPr>
+          <p:spPr>
+            <a:xfrm>
+              <a:off x="3983619" y="1203767"/>
+              <a:ext cx="509285" cy="369332"/>
+            </a:xfrm>
+            <a:prstGeom prst="rect">
+              <a:avLst/>
+            </a:prstGeom>
+            <a:noFill/>
+          </p:spPr>
+          <p:txBody>
+            <a:bodyPr wrap="square" rtlCol="0">
+              <a:spAutoFit/>
+            </a:bodyPr>
+            <a:lstStyle/>
+            <a:p>
+              <a:r>
+                <a:rPr kumimoji="1" lang="en-US" altLang="zh-CN" dirty="0"/>
+                <a:t>2</a:t>
+              </a:r>
+              <a:endParaRPr kumimoji="1" lang="zh-CN" altLang="en-US" dirty="0"/>
+            </a:p>
+          </p:txBody>
+        </p:sp>
+        <p:sp>
+          <p:nvSpPr>
+            <p:cNvPr id="19" name="文本框 18">
+              <a:extLst>
+                <a:ext uri="{FF2B5EF4-FFF2-40B4-BE49-F238E27FC236}">
+                  <a16:creationId xmlns:a16="http://schemas.microsoft.com/office/drawing/2014/main" id="{51D4DEC4-D17F-F34A-A8B6-F2125988E7B8}"/>
+                </a:ext>
+              </a:extLst>
+            </p:cNvPr>
+            <p:cNvSpPr txBox="1"/>
+            <p:nvPr/>
+          </p:nvSpPr>
+          <p:spPr>
+            <a:xfrm>
+              <a:off x="4492904" y="1203767"/>
+              <a:ext cx="509285" cy="369332"/>
+            </a:xfrm>
+            <a:prstGeom prst="rect">
+              <a:avLst/>
+            </a:prstGeom>
+            <a:noFill/>
+          </p:spPr>
+          <p:txBody>
+            <a:bodyPr wrap="square" rtlCol="0">
+              <a:spAutoFit/>
+            </a:bodyPr>
+            <a:lstStyle/>
+            <a:p>
+              <a:r>
+                <a:rPr kumimoji="1" lang="en-US" altLang="zh-CN" dirty="0"/>
+                <a:t>3</a:t>
+              </a:r>
+              <a:endParaRPr kumimoji="1" lang="zh-CN" altLang="en-US" dirty="0"/>
+            </a:p>
+          </p:txBody>
+        </p:sp>
+        <p:sp>
+          <p:nvSpPr>
+            <p:cNvPr id="20" name="文本框 19">
+              <a:extLst>
+                <a:ext uri="{FF2B5EF4-FFF2-40B4-BE49-F238E27FC236}">
+                  <a16:creationId xmlns:a16="http://schemas.microsoft.com/office/drawing/2014/main" id="{CAD64478-1339-6F45-92F2-96B1C4A0A30E}"/>
+                </a:ext>
+              </a:extLst>
+            </p:cNvPr>
+            <p:cNvSpPr txBox="1"/>
+            <p:nvPr/>
+          </p:nvSpPr>
+          <p:spPr>
+            <a:xfrm>
+              <a:off x="5002189" y="1203767"/>
+              <a:ext cx="509285" cy="369332"/>
+            </a:xfrm>
+            <a:prstGeom prst="rect">
+              <a:avLst/>
+            </a:prstGeom>
+            <a:noFill/>
+          </p:spPr>
+          <p:txBody>
+            <a:bodyPr wrap="square" rtlCol="0">
+              <a:spAutoFit/>
+            </a:bodyPr>
+            <a:lstStyle/>
+            <a:p>
+              <a:r>
+                <a:rPr kumimoji="1" lang="en-US" altLang="zh-CN" dirty="0"/>
+                <a:t>6</a:t>
+              </a:r>
+              <a:endParaRPr kumimoji="1" lang="zh-CN" altLang="en-US" dirty="0"/>
+            </a:p>
+          </p:txBody>
+        </p:sp>
+        <p:sp>
+          <p:nvSpPr>
+            <p:cNvPr id="21" name="文本框 20">
+              <a:extLst>
+                <a:ext uri="{FF2B5EF4-FFF2-40B4-BE49-F238E27FC236}">
+                  <a16:creationId xmlns:a16="http://schemas.microsoft.com/office/drawing/2014/main" id="{631FC599-FB75-2744-85BF-22E09A3C211B}"/>
+                </a:ext>
+              </a:extLst>
+            </p:cNvPr>
+            <p:cNvSpPr txBox="1"/>
+            <p:nvPr/>
+          </p:nvSpPr>
+          <p:spPr>
+            <a:xfrm>
+              <a:off x="3474334" y="1573099"/>
+              <a:ext cx="509285" cy="369332"/>
+            </a:xfrm>
+            <a:prstGeom prst="rect">
+              <a:avLst/>
+            </a:prstGeom>
+            <a:noFill/>
+          </p:spPr>
+          <p:txBody>
+            <a:bodyPr wrap="square" rtlCol="0">
+              <a:spAutoFit/>
+            </a:bodyPr>
+            <a:lstStyle/>
+            <a:p>
+              <a:r>
+                <a:rPr kumimoji="1" lang="en-US" altLang="zh-CN" dirty="0"/>
+                <a:t>1</a:t>
+              </a:r>
+              <a:endParaRPr kumimoji="1" lang="zh-CN" altLang="en-US" dirty="0"/>
+            </a:p>
+          </p:txBody>
+        </p:sp>
+        <p:sp>
+          <p:nvSpPr>
+            <p:cNvPr id="22" name="文本框 21">
+              <a:extLst>
+                <a:ext uri="{FF2B5EF4-FFF2-40B4-BE49-F238E27FC236}">
+                  <a16:creationId xmlns:a16="http://schemas.microsoft.com/office/drawing/2014/main" id="{0CC1A6D3-C5A3-C649-A53F-FA27156D0AA6}"/>
+                </a:ext>
+              </a:extLst>
+            </p:cNvPr>
+            <p:cNvSpPr txBox="1"/>
+            <p:nvPr/>
+          </p:nvSpPr>
+          <p:spPr>
+            <a:xfrm>
+              <a:off x="3983619" y="1573099"/>
+              <a:ext cx="509285" cy="369332"/>
+            </a:xfrm>
+            <a:prstGeom prst="rect">
+              <a:avLst/>
+            </a:prstGeom>
+            <a:noFill/>
+          </p:spPr>
+          <p:txBody>
+            <a:bodyPr wrap="square" rtlCol="0">
+              <a:spAutoFit/>
+            </a:bodyPr>
+            <a:lstStyle/>
+            <a:p>
+              <a:r>
+                <a:rPr kumimoji="1" lang="en-US" altLang="zh-CN" dirty="0"/>
+                <a:t>2</a:t>
+              </a:r>
+              <a:endParaRPr kumimoji="1" lang="zh-CN" altLang="en-US" dirty="0"/>
+            </a:p>
+          </p:txBody>
+        </p:sp>
+        <p:sp>
+          <p:nvSpPr>
+            <p:cNvPr id="23" name="文本框 22">
+              <a:extLst>
+                <a:ext uri="{FF2B5EF4-FFF2-40B4-BE49-F238E27FC236}">
+                  <a16:creationId xmlns:a16="http://schemas.microsoft.com/office/drawing/2014/main" id="{C75F5467-91A4-9C47-941F-952D469D8654}"/>
+                </a:ext>
+              </a:extLst>
+            </p:cNvPr>
+            <p:cNvSpPr txBox="1"/>
+            <p:nvPr/>
+          </p:nvSpPr>
+          <p:spPr>
+            <a:xfrm>
+              <a:off x="4492904" y="1573099"/>
+              <a:ext cx="509285" cy="369332"/>
+            </a:xfrm>
+            <a:prstGeom prst="rect">
+              <a:avLst/>
+            </a:prstGeom>
+            <a:noFill/>
+          </p:spPr>
+          <p:txBody>
+            <a:bodyPr wrap="square" rtlCol="0">
+              <a:spAutoFit/>
+            </a:bodyPr>
+            <a:lstStyle/>
+            <a:p>
+              <a:r>
+                <a:rPr kumimoji="1" lang="en-US" altLang="zh-CN" dirty="0"/>
+                <a:t>4</a:t>
+              </a:r>
+              <a:endParaRPr kumimoji="1" lang="zh-CN" altLang="en-US" dirty="0"/>
+            </a:p>
+          </p:txBody>
+        </p:sp>
+        <p:sp>
+          <p:nvSpPr>
+            <p:cNvPr id="24" name="文本框 23">
+              <a:extLst>
+                <a:ext uri="{FF2B5EF4-FFF2-40B4-BE49-F238E27FC236}">
+                  <a16:creationId xmlns:a16="http://schemas.microsoft.com/office/drawing/2014/main" id="{0CF221E3-AE66-3C43-B429-41145CCE595C}"/>
+                </a:ext>
+              </a:extLst>
+            </p:cNvPr>
+            <p:cNvSpPr txBox="1"/>
+            <p:nvPr/>
+          </p:nvSpPr>
+          <p:spPr>
+            <a:xfrm>
+              <a:off x="5002189" y="1573099"/>
+              <a:ext cx="509285" cy="369332"/>
+            </a:xfrm>
+            <a:prstGeom prst="rect">
+              <a:avLst/>
+            </a:prstGeom>
+            <a:noFill/>
+          </p:spPr>
+          <p:txBody>
+            <a:bodyPr wrap="square" rtlCol="0">
+              <a:spAutoFit/>
+            </a:bodyPr>
+            <a:lstStyle/>
+            <a:p>
+              <a:r>
+                <a:rPr kumimoji="1" lang="en-US" altLang="zh-CN" dirty="0"/>
+                <a:t>7</a:t>
+              </a:r>
+              <a:endParaRPr kumimoji="1" lang="zh-CN" altLang="en-US" dirty="0"/>
+            </a:p>
+          </p:txBody>
+        </p:sp>
+        <p:sp>
+          <p:nvSpPr>
+            <p:cNvPr id="25" name="文本框 24">
+              <a:extLst>
+                <a:ext uri="{FF2B5EF4-FFF2-40B4-BE49-F238E27FC236}">
+                  <a16:creationId xmlns:a16="http://schemas.microsoft.com/office/drawing/2014/main" id="{EA4C5683-8BEE-B24E-BA73-A3712519C9D8}"/>
+                </a:ext>
+              </a:extLst>
+            </p:cNvPr>
+            <p:cNvSpPr txBox="1"/>
+            <p:nvPr/>
+          </p:nvSpPr>
+          <p:spPr>
+            <a:xfrm>
+              <a:off x="3474334" y="1942431"/>
+              <a:ext cx="509285" cy="369332"/>
+            </a:xfrm>
+            <a:prstGeom prst="rect">
+              <a:avLst/>
+            </a:prstGeom>
+            <a:noFill/>
+          </p:spPr>
+          <p:txBody>
+            <a:bodyPr wrap="square" rtlCol="0">
+              <a:spAutoFit/>
+            </a:bodyPr>
+            <a:lstStyle/>
+            <a:p>
+              <a:r>
+                <a:rPr kumimoji="1" lang="en-US" altLang="zh-CN" dirty="0"/>
+                <a:t>1</a:t>
+              </a:r>
+              <a:endParaRPr kumimoji="1" lang="zh-CN" altLang="en-US" dirty="0"/>
+            </a:p>
+          </p:txBody>
+        </p:sp>
+        <p:sp>
+          <p:nvSpPr>
+            <p:cNvPr id="26" name="文本框 25">
+              <a:extLst>
+                <a:ext uri="{FF2B5EF4-FFF2-40B4-BE49-F238E27FC236}">
+                  <a16:creationId xmlns:a16="http://schemas.microsoft.com/office/drawing/2014/main" id="{800C9619-E05D-FA4B-BB95-0C7262F81C9F}"/>
+                </a:ext>
+              </a:extLst>
+            </p:cNvPr>
+            <p:cNvSpPr txBox="1"/>
+            <p:nvPr/>
+          </p:nvSpPr>
+          <p:spPr>
+            <a:xfrm>
+              <a:off x="3983619" y="1942431"/>
+              <a:ext cx="509285" cy="369332"/>
+            </a:xfrm>
+            <a:prstGeom prst="rect">
+              <a:avLst/>
+            </a:prstGeom>
+            <a:noFill/>
+          </p:spPr>
+          <p:txBody>
+            <a:bodyPr wrap="square" rtlCol="0">
+              <a:spAutoFit/>
+            </a:bodyPr>
+            <a:lstStyle/>
+            <a:p>
+              <a:r>
+                <a:rPr kumimoji="1" lang="en-US" altLang="zh-CN" dirty="0"/>
+                <a:t>2</a:t>
+              </a:r>
+              <a:endParaRPr kumimoji="1" lang="zh-CN" altLang="en-US" dirty="0"/>
+            </a:p>
+          </p:txBody>
+        </p:sp>
+        <p:sp>
+          <p:nvSpPr>
+            <p:cNvPr id="27" name="文本框 26">
+              <a:extLst>
+                <a:ext uri="{FF2B5EF4-FFF2-40B4-BE49-F238E27FC236}">
+                  <a16:creationId xmlns:a16="http://schemas.microsoft.com/office/drawing/2014/main" id="{858084C8-CFDB-174E-A0F7-4348EC51B434}"/>
+                </a:ext>
+              </a:extLst>
+            </p:cNvPr>
+            <p:cNvSpPr txBox="1"/>
+            <p:nvPr/>
+          </p:nvSpPr>
+          <p:spPr>
+            <a:xfrm>
+              <a:off x="4492904" y="1942431"/>
+              <a:ext cx="509285" cy="369332"/>
+            </a:xfrm>
+            <a:prstGeom prst="rect">
+              <a:avLst/>
+            </a:prstGeom>
+            <a:noFill/>
+          </p:spPr>
+          <p:txBody>
+            <a:bodyPr wrap="square" rtlCol="0">
+              <a:spAutoFit/>
+            </a:bodyPr>
+            <a:lstStyle/>
+            <a:p>
+              <a:r>
+                <a:rPr kumimoji="1" lang="en-US" altLang="zh-CN" dirty="0"/>
+                <a:t>5</a:t>
+              </a:r>
+              <a:endParaRPr kumimoji="1" lang="zh-CN" altLang="en-US" dirty="0"/>
+            </a:p>
+          </p:txBody>
+        </p:sp>
+        <p:sp>
+          <p:nvSpPr>
+            <p:cNvPr id="28" name="文本框 27">
+              <a:extLst>
+                <a:ext uri="{FF2B5EF4-FFF2-40B4-BE49-F238E27FC236}">
+                  <a16:creationId xmlns:a16="http://schemas.microsoft.com/office/drawing/2014/main" id="{305A9AC0-96A9-1C4A-B746-A9EDF3D28AA0}"/>
+                </a:ext>
+              </a:extLst>
+            </p:cNvPr>
+            <p:cNvSpPr txBox="1"/>
+            <p:nvPr/>
+          </p:nvSpPr>
+          <p:spPr>
+            <a:xfrm>
+              <a:off x="5002189" y="1942431"/>
+              <a:ext cx="509285" cy="369332"/>
+            </a:xfrm>
+            <a:prstGeom prst="rect">
+              <a:avLst/>
+            </a:prstGeom>
+            <a:noFill/>
+          </p:spPr>
+          <p:txBody>
+            <a:bodyPr wrap="square" rtlCol="0">
+              <a:spAutoFit/>
+            </a:bodyPr>
+            <a:lstStyle/>
+            <a:p>
+              <a:r>
+                <a:rPr kumimoji="1" lang="en-US" altLang="zh-CN" dirty="0"/>
+                <a:t>8</a:t>
+              </a:r>
+              <a:endParaRPr kumimoji="1" lang="zh-CN" altLang="en-US" dirty="0"/>
+            </a:p>
+          </p:txBody>
+        </p:sp>
+        <p:sp>
+          <p:nvSpPr>
+            <p:cNvPr id="29" name="文本框 28">
+              <a:extLst>
+                <a:ext uri="{FF2B5EF4-FFF2-40B4-BE49-F238E27FC236}">
+                  <a16:creationId xmlns:a16="http://schemas.microsoft.com/office/drawing/2014/main" id="{36E10929-FE95-2246-893B-5ED103204FD9}"/>
+                </a:ext>
+              </a:extLst>
+            </p:cNvPr>
+            <p:cNvSpPr txBox="1"/>
+            <p:nvPr/>
+          </p:nvSpPr>
+          <p:spPr>
+            <a:xfrm>
+              <a:off x="4238262" y="752354"/>
+              <a:ext cx="588382" cy="369332"/>
+            </a:xfrm>
+            <a:prstGeom prst="rect">
+              <a:avLst/>
+            </a:prstGeom>
+            <a:noFill/>
+          </p:spPr>
+          <p:txBody>
+            <a:bodyPr wrap="square" rtlCol="0">
+              <a:spAutoFit/>
+            </a:bodyPr>
+            <a:lstStyle/>
+            <a:p>
+              <a:r>
+                <a:rPr kumimoji="1" lang="en-US" altLang="zh-CN" dirty="0" err="1"/>
+                <a:t>dfi</a:t>
+              </a:r>
+              <a:endParaRPr kumimoji="1" lang="zh-CN" altLang="en-US" dirty="0"/>
+            </a:p>
+          </p:txBody>
+        </p:sp>
+        <p:sp>
+          <p:nvSpPr>
+            <p:cNvPr id="30" name="文本框 29">
+              <a:extLst>
+                <a:ext uri="{FF2B5EF4-FFF2-40B4-BE49-F238E27FC236}">
+                  <a16:creationId xmlns:a16="http://schemas.microsoft.com/office/drawing/2014/main" id="{9C89F9D8-E9F2-7B4F-B125-AF0BA52DB05D}"/>
+                </a:ext>
+              </a:extLst>
+            </p:cNvPr>
+            <p:cNvSpPr txBox="1"/>
+            <p:nvPr/>
+          </p:nvSpPr>
+          <p:spPr>
+            <a:xfrm>
+              <a:off x="5517258" y="1203767"/>
+              <a:ext cx="509285" cy="369332"/>
+            </a:xfrm>
+            <a:prstGeom prst="rect">
+              <a:avLst/>
+            </a:prstGeom>
+            <a:noFill/>
+          </p:spPr>
+          <p:txBody>
+            <a:bodyPr wrap="square" rtlCol="0">
+              <a:spAutoFit/>
+            </a:bodyPr>
+            <a:lstStyle/>
+            <a:p>
+              <a:r>
+                <a:rPr kumimoji="1" lang="en-US" altLang="zh-CN" dirty="0"/>
+                <a:t>2.1</a:t>
+              </a:r>
+              <a:endParaRPr kumimoji="1" lang="zh-CN" altLang="en-US" dirty="0"/>
+            </a:p>
+          </p:txBody>
+        </p:sp>
+        <p:sp>
+          <p:nvSpPr>
+            <p:cNvPr id="31" name="文本框 30">
+              <a:extLst>
+                <a:ext uri="{FF2B5EF4-FFF2-40B4-BE49-F238E27FC236}">
+                  <a16:creationId xmlns:a16="http://schemas.microsoft.com/office/drawing/2014/main" id="{DC5E76EA-B9EC-8649-8108-33582594B976}"/>
+                </a:ext>
+              </a:extLst>
+            </p:cNvPr>
+            <p:cNvSpPr txBox="1"/>
+            <p:nvPr/>
+          </p:nvSpPr>
+          <p:spPr>
+            <a:xfrm>
+              <a:off x="6026543" y="1203767"/>
+              <a:ext cx="509285" cy="369332"/>
+            </a:xfrm>
+            <a:prstGeom prst="rect">
+              <a:avLst/>
+            </a:prstGeom>
+            <a:noFill/>
+          </p:spPr>
+          <p:txBody>
+            <a:bodyPr wrap="square" rtlCol="0">
+              <a:spAutoFit/>
+            </a:bodyPr>
+            <a:lstStyle/>
+            <a:p>
+              <a:r>
+                <a:rPr kumimoji="1" lang="en-US" altLang="zh-CN" dirty="0"/>
+                <a:t>2.0</a:t>
+              </a:r>
+              <a:endParaRPr kumimoji="1" lang="zh-CN" altLang="en-US" dirty="0"/>
+            </a:p>
+          </p:txBody>
+        </p:sp>
+        <p:sp>
+          <p:nvSpPr>
+            <p:cNvPr id="32" name="文本框 31">
+              <a:extLst>
+                <a:ext uri="{FF2B5EF4-FFF2-40B4-BE49-F238E27FC236}">
+                  <a16:creationId xmlns:a16="http://schemas.microsoft.com/office/drawing/2014/main" id="{DA69225E-AF93-904F-B284-F5969D8C3FB5}"/>
+                </a:ext>
+              </a:extLst>
+            </p:cNvPr>
+            <p:cNvSpPr txBox="1"/>
+            <p:nvPr/>
+          </p:nvSpPr>
+          <p:spPr>
+            <a:xfrm>
+              <a:off x="6535828" y="1203767"/>
+              <a:ext cx="509285" cy="369332"/>
+            </a:xfrm>
+            <a:prstGeom prst="rect">
+              <a:avLst/>
+            </a:prstGeom>
+            <a:noFill/>
+          </p:spPr>
+          <p:txBody>
+            <a:bodyPr wrap="square" rtlCol="0">
+              <a:spAutoFit/>
+            </a:bodyPr>
+            <a:lstStyle/>
+            <a:p>
+              <a:r>
+                <a:rPr kumimoji="1" lang="en-US" altLang="zh-CN" dirty="0"/>
+                <a:t>1</a:t>
+              </a:r>
+              <a:endParaRPr kumimoji="1" lang="zh-CN" altLang="en-US" dirty="0"/>
+            </a:p>
+          </p:txBody>
+        </p:sp>
+        <p:sp>
+          <p:nvSpPr>
+            <p:cNvPr id="33" name="文本框 32">
+              <a:extLst>
+                <a:ext uri="{FF2B5EF4-FFF2-40B4-BE49-F238E27FC236}">
+                  <a16:creationId xmlns:a16="http://schemas.microsoft.com/office/drawing/2014/main" id="{901ABB85-33CD-6549-A8F2-2ED3F587B431}"/>
+                </a:ext>
+              </a:extLst>
+            </p:cNvPr>
+            <p:cNvSpPr txBox="1"/>
+            <p:nvPr/>
+          </p:nvSpPr>
+          <p:spPr>
+            <a:xfrm>
+              <a:off x="7045113" y="1203767"/>
+              <a:ext cx="509285" cy="369332"/>
+            </a:xfrm>
+            <a:prstGeom prst="rect">
+              <a:avLst/>
+            </a:prstGeom>
+            <a:noFill/>
+          </p:spPr>
+          <p:txBody>
+            <a:bodyPr wrap="square" rtlCol="0">
+              <a:spAutoFit/>
+            </a:bodyPr>
+            <a:lstStyle/>
+            <a:p>
+              <a:r>
+                <a:rPr kumimoji="1" lang="en-US" altLang="zh-CN" dirty="0"/>
+                <a:t>1</a:t>
+              </a:r>
+              <a:endParaRPr kumimoji="1" lang="zh-CN" altLang="en-US" dirty="0"/>
+            </a:p>
+          </p:txBody>
+        </p:sp>
+        <p:sp>
+          <p:nvSpPr>
+            <p:cNvPr id="34" name="文本框 33">
+              <a:extLst>
+                <a:ext uri="{FF2B5EF4-FFF2-40B4-BE49-F238E27FC236}">
+                  <a16:creationId xmlns:a16="http://schemas.microsoft.com/office/drawing/2014/main" id="{E8137ADF-F55D-7B4B-9160-0CC7FE8BB7BA}"/>
+                </a:ext>
+              </a:extLst>
+            </p:cNvPr>
+            <p:cNvSpPr txBox="1"/>
+            <p:nvPr/>
+          </p:nvSpPr>
+          <p:spPr>
+            <a:xfrm>
+              <a:off x="5517258" y="1573099"/>
+              <a:ext cx="509285" cy="369332"/>
+            </a:xfrm>
+            <a:prstGeom prst="rect">
+              <a:avLst/>
+            </a:prstGeom>
+            <a:noFill/>
+          </p:spPr>
+          <p:txBody>
+            <a:bodyPr wrap="square" rtlCol="0">
+              <a:spAutoFit/>
+            </a:bodyPr>
+            <a:lstStyle/>
+            <a:p>
+              <a:r>
+                <a:rPr kumimoji="1" lang="en-US" altLang="zh-CN" dirty="0"/>
+                <a:t>1.5</a:t>
+              </a:r>
+              <a:endParaRPr kumimoji="1" lang="zh-CN" altLang="en-US" dirty="0"/>
+            </a:p>
+          </p:txBody>
+        </p:sp>
+        <p:sp>
+          <p:nvSpPr>
+            <p:cNvPr id="35" name="文本框 34">
+              <a:extLst>
+                <a:ext uri="{FF2B5EF4-FFF2-40B4-BE49-F238E27FC236}">
+                  <a16:creationId xmlns:a16="http://schemas.microsoft.com/office/drawing/2014/main" id="{D5A8BA1F-65CA-D849-9800-00D525F46074}"/>
+                </a:ext>
+              </a:extLst>
+            </p:cNvPr>
+            <p:cNvSpPr txBox="1"/>
+            <p:nvPr/>
+          </p:nvSpPr>
+          <p:spPr>
+            <a:xfrm>
+              <a:off x="6026543" y="1573099"/>
+              <a:ext cx="509285" cy="369332"/>
+            </a:xfrm>
+            <a:prstGeom prst="rect">
+              <a:avLst/>
+            </a:prstGeom>
+            <a:noFill/>
+          </p:spPr>
+          <p:txBody>
+            <a:bodyPr wrap="square" rtlCol="0">
+              <a:spAutoFit/>
+            </a:bodyPr>
+            <a:lstStyle/>
+            <a:p>
+              <a:r>
+                <a:rPr kumimoji="1" lang="en-US" altLang="zh-CN" dirty="0"/>
+                <a:t>2.2</a:t>
+              </a:r>
+              <a:endParaRPr kumimoji="1" lang="zh-CN" altLang="en-US" dirty="0"/>
+            </a:p>
+          </p:txBody>
+        </p:sp>
+        <p:sp>
+          <p:nvSpPr>
+            <p:cNvPr id="36" name="文本框 35">
+              <a:extLst>
+                <a:ext uri="{FF2B5EF4-FFF2-40B4-BE49-F238E27FC236}">
+                  <a16:creationId xmlns:a16="http://schemas.microsoft.com/office/drawing/2014/main" id="{26524B45-14A0-3748-AFAA-D93CF4C6AADD}"/>
+                </a:ext>
+              </a:extLst>
+            </p:cNvPr>
+            <p:cNvSpPr txBox="1"/>
+            <p:nvPr/>
+          </p:nvSpPr>
+          <p:spPr>
+            <a:xfrm>
+              <a:off x="6535828" y="1573099"/>
+              <a:ext cx="509285" cy="369332"/>
+            </a:xfrm>
+            <a:prstGeom prst="rect">
+              <a:avLst/>
+            </a:prstGeom>
+            <a:noFill/>
+          </p:spPr>
+          <p:txBody>
+            <a:bodyPr wrap="square" rtlCol="0">
+              <a:spAutoFit/>
+            </a:bodyPr>
+            <a:lstStyle/>
+            <a:p>
+              <a:r>
+                <a:rPr kumimoji="1" lang="en-US" altLang="zh-CN" dirty="0"/>
+                <a:t>1</a:t>
+              </a:r>
+              <a:endParaRPr kumimoji="1" lang="zh-CN" altLang="en-US" dirty="0"/>
+            </a:p>
+          </p:txBody>
+        </p:sp>
+        <p:sp>
+          <p:nvSpPr>
+            <p:cNvPr id="37" name="文本框 36">
+              <a:extLst>
+                <a:ext uri="{FF2B5EF4-FFF2-40B4-BE49-F238E27FC236}">
+                  <a16:creationId xmlns:a16="http://schemas.microsoft.com/office/drawing/2014/main" id="{654DC3DF-ABC3-C54B-B833-931289FB8569}"/>
+                </a:ext>
+              </a:extLst>
+            </p:cNvPr>
+            <p:cNvSpPr txBox="1"/>
+            <p:nvPr/>
+          </p:nvSpPr>
+          <p:spPr>
+            <a:xfrm>
+              <a:off x="7045113" y="1573099"/>
+              <a:ext cx="509285" cy="369332"/>
+            </a:xfrm>
+            <a:prstGeom prst="rect">
+              <a:avLst/>
+            </a:prstGeom>
+            <a:noFill/>
+          </p:spPr>
+          <p:txBody>
+            <a:bodyPr wrap="square" rtlCol="0">
+              <a:spAutoFit/>
+            </a:bodyPr>
+            <a:lstStyle/>
+            <a:p>
+              <a:r>
+                <a:rPr kumimoji="1" lang="en-US" altLang="zh-CN" dirty="0"/>
+                <a:t>1</a:t>
+              </a:r>
+              <a:endParaRPr kumimoji="1" lang="zh-CN" altLang="en-US" dirty="0"/>
+            </a:p>
+          </p:txBody>
+        </p:sp>
+        <p:sp>
+          <p:nvSpPr>
+            <p:cNvPr id="38" name="文本框 37">
+              <a:extLst>
+                <a:ext uri="{FF2B5EF4-FFF2-40B4-BE49-F238E27FC236}">
+                  <a16:creationId xmlns:a16="http://schemas.microsoft.com/office/drawing/2014/main" id="{E7181BC7-C88A-3C43-961A-572FC7E4A50A}"/>
+                </a:ext>
+              </a:extLst>
+            </p:cNvPr>
+            <p:cNvSpPr txBox="1"/>
+            <p:nvPr/>
+          </p:nvSpPr>
+          <p:spPr>
+            <a:xfrm>
+              <a:off x="5517258" y="1942431"/>
+              <a:ext cx="509285" cy="369332"/>
+            </a:xfrm>
+            <a:prstGeom prst="rect">
+              <a:avLst/>
+            </a:prstGeom>
+            <a:noFill/>
+          </p:spPr>
+          <p:txBody>
+            <a:bodyPr wrap="square" rtlCol="0">
+              <a:spAutoFit/>
+            </a:bodyPr>
+            <a:lstStyle/>
+            <a:p>
+              <a:r>
+                <a:rPr kumimoji="1" lang="en-US" altLang="zh-CN" dirty="0"/>
+                <a:t>1.6</a:t>
+              </a:r>
+              <a:endParaRPr kumimoji="1" lang="zh-CN" altLang="en-US" dirty="0"/>
+            </a:p>
+          </p:txBody>
+        </p:sp>
+        <p:sp>
+          <p:nvSpPr>
+            <p:cNvPr id="39" name="文本框 38">
+              <a:extLst>
+                <a:ext uri="{FF2B5EF4-FFF2-40B4-BE49-F238E27FC236}">
+                  <a16:creationId xmlns:a16="http://schemas.microsoft.com/office/drawing/2014/main" id="{96546EDB-FDFD-C248-BC39-828F551F96BF}"/>
+                </a:ext>
+              </a:extLst>
+            </p:cNvPr>
+            <p:cNvSpPr txBox="1"/>
+            <p:nvPr/>
+          </p:nvSpPr>
+          <p:spPr>
+            <a:xfrm>
+              <a:off x="6026543" y="1942431"/>
+              <a:ext cx="509285" cy="369332"/>
+            </a:xfrm>
+            <a:prstGeom prst="rect">
+              <a:avLst/>
+            </a:prstGeom>
+            <a:noFill/>
+          </p:spPr>
+          <p:txBody>
+            <a:bodyPr wrap="square" rtlCol="0">
+              <a:spAutoFit/>
+            </a:bodyPr>
+            <a:lstStyle/>
+            <a:p>
+              <a:r>
+                <a:rPr kumimoji="1" lang="en-US" altLang="zh-CN" dirty="0"/>
+                <a:t>2.8</a:t>
+              </a:r>
+              <a:endParaRPr kumimoji="1" lang="zh-CN" altLang="en-US" dirty="0"/>
+            </a:p>
+          </p:txBody>
+        </p:sp>
+        <p:sp>
+          <p:nvSpPr>
+            <p:cNvPr id="40" name="文本框 39">
+              <a:extLst>
+                <a:ext uri="{FF2B5EF4-FFF2-40B4-BE49-F238E27FC236}">
+                  <a16:creationId xmlns:a16="http://schemas.microsoft.com/office/drawing/2014/main" id="{87347067-7594-144A-AA71-15A645621DF4}"/>
+                </a:ext>
+              </a:extLst>
+            </p:cNvPr>
+            <p:cNvSpPr txBox="1"/>
+            <p:nvPr/>
+          </p:nvSpPr>
+          <p:spPr>
+            <a:xfrm>
+              <a:off x="6535828" y="1942431"/>
+              <a:ext cx="509285" cy="369332"/>
+            </a:xfrm>
+            <a:prstGeom prst="rect">
+              <a:avLst/>
+            </a:prstGeom>
+            <a:noFill/>
+          </p:spPr>
+          <p:txBody>
+            <a:bodyPr wrap="square" rtlCol="0">
+              <a:spAutoFit/>
+            </a:bodyPr>
+            <a:lstStyle/>
+            <a:p>
+              <a:r>
+                <a:rPr kumimoji="1" lang="en-US" altLang="zh-CN" dirty="0"/>
+                <a:t>1</a:t>
+              </a:r>
+              <a:endParaRPr kumimoji="1" lang="zh-CN" altLang="en-US" dirty="0"/>
+            </a:p>
+          </p:txBody>
+        </p:sp>
+        <p:sp>
+          <p:nvSpPr>
+            <p:cNvPr id="41" name="文本框 40">
+              <a:extLst>
+                <a:ext uri="{FF2B5EF4-FFF2-40B4-BE49-F238E27FC236}">
+                  <a16:creationId xmlns:a16="http://schemas.microsoft.com/office/drawing/2014/main" id="{B9F5290F-53DB-1B43-AF3A-A3B673571A24}"/>
+                </a:ext>
+              </a:extLst>
+            </p:cNvPr>
+            <p:cNvSpPr txBox="1"/>
+            <p:nvPr/>
+          </p:nvSpPr>
+          <p:spPr>
+            <a:xfrm>
+              <a:off x="7045113" y="1942431"/>
+              <a:ext cx="509285" cy="369332"/>
+            </a:xfrm>
+            <a:prstGeom prst="rect">
+              <a:avLst/>
+            </a:prstGeom>
+            <a:noFill/>
+          </p:spPr>
+          <p:txBody>
+            <a:bodyPr wrap="square" rtlCol="0">
+              <a:spAutoFit/>
+            </a:bodyPr>
+            <a:lstStyle/>
+            <a:p>
+              <a:r>
+                <a:rPr kumimoji="1" lang="en-US" altLang="zh-CN" dirty="0"/>
+                <a:t>1</a:t>
+              </a:r>
+              <a:endParaRPr kumimoji="1" lang="zh-CN" altLang="en-US" dirty="0"/>
+            </a:p>
+          </p:txBody>
+        </p:sp>
+        <p:sp>
+          <p:nvSpPr>
+            <p:cNvPr id="42" name="文本框 41">
+              <a:extLst>
+                <a:ext uri="{FF2B5EF4-FFF2-40B4-BE49-F238E27FC236}">
+                  <a16:creationId xmlns:a16="http://schemas.microsoft.com/office/drawing/2014/main" id="{57DD9411-64C3-8142-88E2-A859D257AEA7}"/>
+                </a:ext>
+              </a:extLst>
+            </p:cNvPr>
+            <p:cNvSpPr txBox="1"/>
+            <p:nvPr/>
+          </p:nvSpPr>
+          <p:spPr>
+            <a:xfrm>
+              <a:off x="6188600" y="752354"/>
+              <a:ext cx="584522" cy="369332"/>
+            </a:xfrm>
+            <a:prstGeom prst="rect">
+              <a:avLst/>
+            </a:prstGeom>
+            <a:noFill/>
+          </p:spPr>
+          <p:txBody>
+            <a:bodyPr wrap="square" rtlCol="0">
+              <a:spAutoFit/>
+            </a:bodyPr>
+            <a:lstStyle/>
+            <a:p>
+              <a:r>
+                <a:rPr kumimoji="1" lang="en-US" altLang="zh-CN" dirty="0" err="1"/>
+                <a:t>dfv</a:t>
+              </a:r>
+              <a:endParaRPr kumimoji="1" lang="zh-CN" altLang="en-US" dirty="0"/>
+            </a:p>
+          </p:txBody>
+        </p:sp>
+        <p:cxnSp>
+          <p:nvCxnSpPr>
+            <p:cNvPr id="44" name="直线连接符 43">
+              <a:extLst>
+                <a:ext uri="{FF2B5EF4-FFF2-40B4-BE49-F238E27FC236}">
+                  <a16:creationId xmlns:a16="http://schemas.microsoft.com/office/drawing/2014/main" id="{A0A963DD-6E9E-B743-ABAC-B54A053B2056}"/>
+                </a:ext>
+              </a:extLst>
+            </p:cNvPr>
+            <p:cNvCxnSpPr>
+              <a:cxnSpLocks/>
+            </p:cNvCxnSpPr>
+            <p:nvPr/>
+          </p:nvCxnSpPr>
+          <p:spPr>
+            <a:xfrm>
+              <a:off x="3310355" y="557514"/>
+              <a:ext cx="0" cy="1919468"/>
+            </a:xfrm>
+            <a:prstGeom prst="line">
+              <a:avLst/>
+            </a:prstGeom>
+            <a:ln w="12700">
+              <a:solidFill>
+                <a:schemeClr val="tx1"/>
+              </a:solidFill>
+              <a:prstDash val="solid"/>
+            </a:ln>
+          </p:spPr>
+          <p:style>
+            <a:lnRef idx="1">
+              <a:schemeClr val="accent1"/>
+            </a:lnRef>
+            <a:fillRef idx="0">
+              <a:schemeClr val="accent1"/>
+            </a:fillRef>
+            <a:effectRef idx="0">
+              <a:schemeClr val="accent1"/>
+            </a:effectRef>
+            <a:fontRef idx="minor">
+              <a:schemeClr val="tx1"/>
+            </a:fontRef>
+          </p:style>
+        </p:cxnSp>
+        <p:cxnSp>
+          <p:nvCxnSpPr>
+            <p:cNvPr id="45" name="直线连接符 44">
+              <a:extLst>
+                <a:ext uri="{FF2B5EF4-FFF2-40B4-BE49-F238E27FC236}">
+                  <a16:creationId xmlns:a16="http://schemas.microsoft.com/office/drawing/2014/main" id="{B1A0183E-1D1E-A64A-990A-18BCB11A2DFC}"/>
+                </a:ext>
+              </a:extLst>
+            </p:cNvPr>
+            <p:cNvCxnSpPr>
+              <a:cxnSpLocks/>
+            </p:cNvCxnSpPr>
+            <p:nvPr/>
+          </p:nvCxnSpPr>
+          <p:spPr>
+            <a:xfrm>
+              <a:off x="5384152" y="557514"/>
+              <a:ext cx="0" cy="1919468"/>
+            </a:xfrm>
+            <a:prstGeom prst="line">
+              <a:avLst/>
+            </a:prstGeom>
+            <a:ln w="12700">
+              <a:solidFill>
+                <a:schemeClr val="tx1"/>
+              </a:solidFill>
+              <a:prstDash val="solid"/>
+            </a:ln>
+          </p:spPr>
+          <p:style>
+            <a:lnRef idx="1">
+              <a:schemeClr val="accent1"/>
+            </a:lnRef>
+            <a:fillRef idx="0">
+              <a:schemeClr val="accent1"/>
+            </a:fillRef>
+            <a:effectRef idx="0">
+              <a:schemeClr val="accent1"/>
+            </a:effectRef>
+            <a:fontRef idx="minor">
+              <a:schemeClr val="tx1"/>
+            </a:fontRef>
+          </p:style>
+        </p:cxnSp>
+      </p:grpSp>
+    </p:spTree>
+    <p:extLst>
+      <p:ext uri="{BB962C8B-B14F-4D97-AF65-F5344CB8AC3E}">
+        <p14:creationId xmlns:p14="http://schemas.microsoft.com/office/powerpoint/2010/main" val="1745672573"/>
+      </p:ext>
+    </p:extLst>
+  </p:cSld>
+  <p:clrMapOvr>
+    <a:masterClrMapping/>
+  </p:clrMapOvr>
+</p:sld>
+</file>
+
 <file path=ppt/theme/theme1.xml><?xml version="1.0" encoding="utf-8"?>
 <a:theme xmlns:a="http://schemas.openxmlformats.org/drawingml/2006/main" name="Office 主题​​">
   <a:themeElements>

--- a/pictures.pptx
+++ b/pictures.pptx
@@ -5,7 +5,7 @@
     <p:sldMasterId id="2147483648" r:id="rId1"/>
   </p:sldMasterIdLst>
   <p:notesMasterIdLst>
-    <p:notesMasterId r:id="rId11"/>
+    <p:notesMasterId r:id="rId12"/>
   </p:notesMasterIdLst>
   <p:sldIdLst>
     <p:sldId id="263" r:id="rId2"/>
@@ -17,6 +17,7 @@
     <p:sldId id="269" r:id="rId8"/>
     <p:sldId id="270" r:id="rId9"/>
     <p:sldId id="271" r:id="rId10"/>
+    <p:sldId id="272" r:id="rId11"/>
   </p:sldIdLst>
   <p:sldSz cx="12192000" cy="6858000"/>
   <p:notesSz cx="6858000" cy="9144000"/>
@@ -205,7 +206,7 @@
           <a:p>
             <a:fld id="{86B3B155-2483-6F47-A0CD-700458558B73}" type="datetimeFigureOut">
               <a:rPr kumimoji="1" lang="zh-CN" altLang="en-US" smtClean="0"/>
-              <a:t>2019/12/21</a:t>
+              <a:t>2020/1/5</a:t>
             </a:fld>
             <a:endParaRPr kumimoji="1" lang="zh-CN" altLang="en-US"/>
           </a:p>
@@ -678,7 +679,7 @@
           <a:p>
             <a:fld id="{51C7FA66-BD2E-F245-985F-19D6B65945E5}" type="datetimeFigureOut">
               <a:rPr kumimoji="1" lang="zh-CN" altLang="en-US" smtClean="0"/>
-              <a:t>2019/12/21</a:t>
+              <a:t>2020/1/5</a:t>
             </a:fld>
             <a:endParaRPr kumimoji="1" lang="zh-CN" altLang="en-US"/>
           </a:p>
@@ -851,7 +852,7 @@
           <a:p>
             <a:fld id="{51C7FA66-BD2E-F245-985F-19D6B65945E5}" type="datetimeFigureOut">
               <a:rPr kumimoji="1" lang="zh-CN" altLang="en-US" smtClean="0"/>
-              <a:t>2019/12/21</a:t>
+              <a:t>2020/1/5</a:t>
             </a:fld>
             <a:endParaRPr kumimoji="1" lang="zh-CN" altLang="en-US"/>
           </a:p>
@@ -1034,7 +1035,7 @@
           <a:p>
             <a:fld id="{51C7FA66-BD2E-F245-985F-19D6B65945E5}" type="datetimeFigureOut">
               <a:rPr kumimoji="1" lang="zh-CN" altLang="en-US" smtClean="0"/>
-              <a:t>2019/12/21</a:t>
+              <a:t>2020/1/5</a:t>
             </a:fld>
             <a:endParaRPr kumimoji="1" lang="zh-CN" altLang="en-US"/>
           </a:p>
@@ -1207,7 +1208,7 @@
           <a:p>
             <a:fld id="{51C7FA66-BD2E-F245-985F-19D6B65945E5}" type="datetimeFigureOut">
               <a:rPr kumimoji="1" lang="zh-CN" altLang="en-US" smtClean="0"/>
-              <a:t>2019/12/21</a:t>
+              <a:t>2020/1/5</a:t>
             </a:fld>
             <a:endParaRPr kumimoji="1" lang="zh-CN" altLang="en-US"/>
           </a:p>
@@ -1485,7 +1486,7 @@
           <a:p>
             <a:fld id="{51C7FA66-BD2E-F245-985F-19D6B65945E5}" type="datetimeFigureOut">
               <a:rPr kumimoji="1" lang="zh-CN" altLang="en-US" smtClean="0"/>
-              <a:t>2019/12/21</a:t>
+              <a:t>2020/1/5</a:t>
             </a:fld>
             <a:endParaRPr kumimoji="1" lang="zh-CN" altLang="en-US"/>
           </a:p>
@@ -1700,7 +1701,7 @@
           <a:p>
             <a:fld id="{51C7FA66-BD2E-F245-985F-19D6B65945E5}" type="datetimeFigureOut">
               <a:rPr kumimoji="1" lang="zh-CN" altLang="en-US" smtClean="0"/>
-              <a:t>2019/12/21</a:t>
+              <a:t>2020/1/5</a:t>
             </a:fld>
             <a:endParaRPr kumimoji="1" lang="zh-CN" altLang="en-US"/>
           </a:p>
@@ -2068,7 +2069,7 @@
           <a:p>
             <a:fld id="{51C7FA66-BD2E-F245-985F-19D6B65945E5}" type="datetimeFigureOut">
               <a:rPr kumimoji="1" lang="zh-CN" altLang="en-US" smtClean="0"/>
-              <a:t>2019/12/21</a:t>
+              <a:t>2020/1/5</a:t>
             </a:fld>
             <a:endParaRPr kumimoji="1" lang="zh-CN" altLang="en-US"/>
           </a:p>
@@ -2209,7 +2210,7 @@
           <a:p>
             <a:fld id="{51C7FA66-BD2E-F245-985F-19D6B65945E5}" type="datetimeFigureOut">
               <a:rPr kumimoji="1" lang="zh-CN" altLang="en-US" smtClean="0"/>
-              <a:t>2019/12/21</a:t>
+              <a:t>2020/1/5</a:t>
             </a:fld>
             <a:endParaRPr kumimoji="1" lang="zh-CN" altLang="en-US"/>
           </a:p>
@@ -2322,7 +2323,7 @@
           <a:p>
             <a:fld id="{51C7FA66-BD2E-F245-985F-19D6B65945E5}" type="datetimeFigureOut">
               <a:rPr kumimoji="1" lang="zh-CN" altLang="en-US" smtClean="0"/>
-              <a:t>2019/12/21</a:t>
+              <a:t>2020/1/5</a:t>
             </a:fld>
             <a:endParaRPr kumimoji="1" lang="zh-CN" altLang="en-US"/>
           </a:p>
@@ -2611,7 +2612,7 @@
           <a:p>
             <a:fld id="{51C7FA66-BD2E-F245-985F-19D6B65945E5}" type="datetimeFigureOut">
               <a:rPr kumimoji="1" lang="zh-CN" altLang="en-US" smtClean="0"/>
-              <a:t>2019/12/21</a:t>
+              <a:t>2020/1/5</a:t>
             </a:fld>
             <a:endParaRPr kumimoji="1" lang="zh-CN" altLang="en-US"/>
           </a:p>
@@ -2902,7 +2903,7 @@
           <a:p>
             <a:fld id="{51C7FA66-BD2E-F245-985F-19D6B65945E5}" type="datetimeFigureOut">
               <a:rPr kumimoji="1" lang="zh-CN" altLang="en-US" smtClean="0"/>
-              <a:t>2019/12/21</a:t>
+              <a:t>2020/1/5</a:t>
             </a:fld>
             <a:endParaRPr kumimoji="1" lang="zh-CN" altLang="en-US"/>
           </a:p>
@@ -3118,7 +3119,7 @@
           <a:p>
             <a:fld id="{51C7FA66-BD2E-F245-985F-19D6B65945E5}" type="datetimeFigureOut">
               <a:rPr kumimoji="1" lang="zh-CN" altLang="en-US" smtClean="0"/>
-              <a:t>2019/12/21</a:t>
+              <a:t>2020/1/5</a:t>
             </a:fld>
             <a:endParaRPr kumimoji="1" lang="zh-CN" altLang="en-US"/>
           </a:p>
@@ -3636,6 +3637,156 @@
     <p:extLst>
       <p:ext uri="{BB962C8B-B14F-4D97-AF65-F5344CB8AC3E}">
         <p14:creationId xmlns:p14="http://schemas.microsoft.com/office/powerpoint/2010/main" val="3359679361"/>
+      </p:ext>
+    </p:extLst>
+  </p:cSld>
+  <p:clrMapOvr>
+    <a:masterClrMapping/>
+  </p:clrMapOvr>
+</p:sld>
+</file>
+
+<file path=ppt/slides/slide10.xml><?xml version="1.0" encoding="utf-8"?>
+<p:sld xmlns:a="http://schemas.openxmlformats.org/drawingml/2006/main" xmlns:r="http://schemas.openxmlformats.org/officeDocument/2006/relationships" xmlns:p="http://schemas.openxmlformats.org/presentationml/2006/main">
+  <p:cSld>
+    <p:spTree>
+      <p:nvGrpSpPr>
+        <p:cNvPr id="1" name=""/>
+        <p:cNvGrpSpPr/>
+        <p:nvPr/>
+      </p:nvGrpSpPr>
+      <p:grpSpPr>
+        <a:xfrm>
+          <a:off x="0" y="0"/>
+          <a:ext cx="0" cy="0"/>
+          <a:chOff x="0" y="0"/>
+          <a:chExt cx="0" cy="0"/>
+        </a:xfrm>
+      </p:grpSpPr>
+      <p:grpSp>
+        <p:nvGrpSpPr>
+          <p:cNvPr id="3" name="组合 2">
+            <a:extLst>
+              <a:ext uri="{FF2B5EF4-FFF2-40B4-BE49-F238E27FC236}">
+                <a16:creationId xmlns:a16="http://schemas.microsoft.com/office/drawing/2014/main" id="{28DE2392-4C98-1347-BF0B-4DC2AC534AEE}"/>
+              </a:ext>
+            </a:extLst>
+          </p:cNvPr>
+          <p:cNvGrpSpPr/>
+          <p:nvPr/>
+        </p:nvGrpSpPr>
+        <p:grpSpPr>
+          <a:xfrm>
+            <a:off x="1116281" y="1294409"/>
+            <a:ext cx="9262753" cy="3141023"/>
+            <a:chOff x="1116281" y="1294409"/>
+            <a:chExt cx="9262753" cy="3141023"/>
+          </a:xfrm>
+        </p:grpSpPr>
+        <p:pic>
+          <p:nvPicPr>
+            <p:cNvPr id="5" name="图片 4">
+              <a:extLst>
+                <a:ext uri="{FF2B5EF4-FFF2-40B4-BE49-F238E27FC236}">
+                  <a16:creationId xmlns:a16="http://schemas.microsoft.com/office/drawing/2014/main" id="{756BD80F-E5D3-6C47-BEF8-F0981B723207}"/>
+                </a:ext>
+              </a:extLst>
+            </p:cNvPr>
+            <p:cNvPicPr>
+              <a:picLocks noChangeAspect="1"/>
+            </p:cNvPicPr>
+            <p:nvPr/>
+          </p:nvPicPr>
+          <p:blipFill rotWithShape="1">
+            <a:blip r:embed="rId2">
+              <a:extLst>
+                <a:ext uri="{BEBA8EAE-BF5A-486C-A8C5-ECC9F3942E4B}">
+                  <a14:imgProps xmlns:a14="http://schemas.microsoft.com/office/drawing/2010/main">
+                    <a14:imgLayer>
+                      <a14:imgEffect>
+                        <a14:sharpenSoften amount="50000"/>
+                      </a14:imgEffect>
+                      <a14:imgEffect>
+                        <a14:saturation sat="0"/>
+                      </a14:imgEffect>
+                      <a14:imgEffect>
+                        <a14:brightnessContrast bright="20000" contrast="-40000"/>
+                      </a14:imgEffect>
+                    </a14:imgLayer>
+                  </a14:imgProps>
+                </a:ext>
+              </a:extLst>
+            </a:blip>
+            <a:srcRect l="2902" t="1855" r="1759"/>
+            <a:stretch/>
+          </p:blipFill>
+          <p:spPr>
+            <a:xfrm>
+              <a:off x="1116281" y="1294409"/>
+              <a:ext cx="9262753" cy="3141023"/>
+            </a:xfrm>
+            <a:prstGeom prst="rect">
+              <a:avLst/>
+            </a:prstGeom>
+          </p:spPr>
+        </p:pic>
+        <p:sp>
+          <p:nvSpPr>
+            <p:cNvPr id="2" name="矩形 1">
+              <a:extLst>
+                <a:ext uri="{FF2B5EF4-FFF2-40B4-BE49-F238E27FC236}">
+                  <a16:creationId xmlns:a16="http://schemas.microsoft.com/office/drawing/2014/main" id="{6FCAD2A8-18D7-CD43-B7CA-55A6F790E222}"/>
+                </a:ext>
+              </a:extLst>
+            </p:cNvPr>
+            <p:cNvSpPr/>
+            <p:nvPr/>
+          </p:nvSpPr>
+          <p:spPr>
+            <a:xfrm>
+              <a:off x="9240669" y="2449283"/>
+              <a:ext cx="127321" cy="138896"/>
+            </a:xfrm>
+            <a:prstGeom prst="rect">
+              <a:avLst/>
+            </a:prstGeom>
+            <a:solidFill>
+              <a:schemeClr val="bg1"/>
+            </a:solidFill>
+            <a:ln>
+              <a:noFill/>
+            </a:ln>
+          </p:spPr>
+          <p:style>
+            <a:lnRef idx="2">
+              <a:schemeClr val="accent1">
+                <a:shade val="50000"/>
+              </a:schemeClr>
+            </a:lnRef>
+            <a:fillRef idx="1">
+              <a:schemeClr val="accent1"/>
+            </a:fillRef>
+            <a:effectRef idx="0">
+              <a:schemeClr val="accent1"/>
+            </a:effectRef>
+            <a:fontRef idx="minor">
+              <a:schemeClr val="lt1"/>
+            </a:fontRef>
+          </p:style>
+          <p:txBody>
+            <a:bodyPr rtlCol="0" anchor="ctr"/>
+            <a:lstStyle/>
+            <a:p>
+              <a:pPr algn="ctr"/>
+              <a:endParaRPr kumimoji="1" lang="zh-CN" altLang="en-US"/>
+            </a:p>
+          </p:txBody>
+        </p:sp>
+      </p:grpSp>
+    </p:spTree>
+    <p:extLst>
+      <p:ext uri="{BB962C8B-B14F-4D97-AF65-F5344CB8AC3E}">
+        <p14:creationId xmlns:p14="http://schemas.microsoft.com/office/powerpoint/2010/main" val="1388651673"/>
       </p:ext>
     </p:extLst>
   </p:cSld>

--- a/pictures.pptx
+++ b/pictures.pptx
@@ -5,19 +5,20 @@
     <p:sldMasterId id="2147483648" r:id="rId1"/>
   </p:sldMasterIdLst>
   <p:notesMasterIdLst>
-    <p:notesMasterId r:id="rId12"/>
+    <p:notesMasterId r:id="rId13"/>
   </p:notesMasterIdLst>
   <p:sldIdLst>
     <p:sldId id="263" r:id="rId2"/>
-    <p:sldId id="264" r:id="rId3"/>
-    <p:sldId id="265" r:id="rId4"/>
-    <p:sldId id="266" r:id="rId5"/>
-    <p:sldId id="267" r:id="rId6"/>
-    <p:sldId id="268" r:id="rId7"/>
-    <p:sldId id="269" r:id="rId8"/>
-    <p:sldId id="270" r:id="rId9"/>
-    <p:sldId id="271" r:id="rId10"/>
-    <p:sldId id="272" r:id="rId11"/>
+    <p:sldId id="273" r:id="rId3"/>
+    <p:sldId id="264" r:id="rId4"/>
+    <p:sldId id="265" r:id="rId5"/>
+    <p:sldId id="266" r:id="rId6"/>
+    <p:sldId id="267" r:id="rId7"/>
+    <p:sldId id="268" r:id="rId8"/>
+    <p:sldId id="269" r:id="rId9"/>
+    <p:sldId id="270" r:id="rId10"/>
+    <p:sldId id="271" r:id="rId11"/>
+    <p:sldId id="272" r:id="rId12"/>
   </p:sldIdLst>
   <p:sldSz cx="12192000" cy="6858000"/>
   <p:notesSz cx="6858000" cy="9144000"/>
@@ -206,7 +207,7 @@
           <a:p>
             <a:fld id="{86B3B155-2483-6F47-A0CD-700458558B73}" type="datetimeFigureOut">
               <a:rPr kumimoji="1" lang="zh-CN" altLang="en-US" smtClean="0"/>
-              <a:t>2020/1/5</a:t>
+              <a:t>2020/1/28</a:t>
             </a:fld>
             <a:endParaRPr kumimoji="1" lang="zh-CN" altLang="en-US"/>
           </a:p>
@@ -513,7 +514,7 @@
           <a:p>
             <a:fld id="{CF787589-21F6-664F-9149-AA07F864C4B7}" type="slidenum">
               <a:rPr kumimoji="1" lang="zh-CN" altLang="en-US" smtClean="0"/>
-              <a:t>7</a:t>
+              <a:t>8</a:t>
             </a:fld>
             <a:endParaRPr kumimoji="1" lang="zh-CN" altLang="en-US"/>
           </a:p>
@@ -679,7 +680,7 @@
           <a:p>
             <a:fld id="{51C7FA66-BD2E-F245-985F-19D6B65945E5}" type="datetimeFigureOut">
               <a:rPr kumimoji="1" lang="zh-CN" altLang="en-US" smtClean="0"/>
-              <a:t>2020/1/5</a:t>
+              <a:t>2020/1/28</a:t>
             </a:fld>
             <a:endParaRPr kumimoji="1" lang="zh-CN" altLang="en-US"/>
           </a:p>
@@ -852,7 +853,7 @@
           <a:p>
             <a:fld id="{51C7FA66-BD2E-F245-985F-19D6B65945E5}" type="datetimeFigureOut">
               <a:rPr kumimoji="1" lang="zh-CN" altLang="en-US" smtClean="0"/>
-              <a:t>2020/1/5</a:t>
+              <a:t>2020/1/28</a:t>
             </a:fld>
             <a:endParaRPr kumimoji="1" lang="zh-CN" altLang="en-US"/>
           </a:p>
@@ -1035,7 +1036,7 @@
           <a:p>
             <a:fld id="{51C7FA66-BD2E-F245-985F-19D6B65945E5}" type="datetimeFigureOut">
               <a:rPr kumimoji="1" lang="zh-CN" altLang="en-US" smtClean="0"/>
-              <a:t>2020/1/5</a:t>
+              <a:t>2020/1/28</a:t>
             </a:fld>
             <a:endParaRPr kumimoji="1" lang="zh-CN" altLang="en-US"/>
           </a:p>
@@ -1208,7 +1209,7 @@
           <a:p>
             <a:fld id="{51C7FA66-BD2E-F245-985F-19D6B65945E5}" type="datetimeFigureOut">
               <a:rPr kumimoji="1" lang="zh-CN" altLang="en-US" smtClean="0"/>
-              <a:t>2020/1/5</a:t>
+              <a:t>2020/1/28</a:t>
             </a:fld>
             <a:endParaRPr kumimoji="1" lang="zh-CN" altLang="en-US"/>
           </a:p>
@@ -1486,7 +1487,7 @@
           <a:p>
             <a:fld id="{51C7FA66-BD2E-F245-985F-19D6B65945E5}" type="datetimeFigureOut">
               <a:rPr kumimoji="1" lang="zh-CN" altLang="en-US" smtClean="0"/>
-              <a:t>2020/1/5</a:t>
+              <a:t>2020/1/28</a:t>
             </a:fld>
             <a:endParaRPr kumimoji="1" lang="zh-CN" altLang="en-US"/>
           </a:p>
@@ -1701,7 +1702,7 @@
           <a:p>
             <a:fld id="{51C7FA66-BD2E-F245-985F-19D6B65945E5}" type="datetimeFigureOut">
               <a:rPr kumimoji="1" lang="zh-CN" altLang="en-US" smtClean="0"/>
-              <a:t>2020/1/5</a:t>
+              <a:t>2020/1/28</a:t>
             </a:fld>
             <a:endParaRPr kumimoji="1" lang="zh-CN" altLang="en-US"/>
           </a:p>
@@ -2069,7 +2070,7 @@
           <a:p>
             <a:fld id="{51C7FA66-BD2E-F245-985F-19D6B65945E5}" type="datetimeFigureOut">
               <a:rPr kumimoji="1" lang="zh-CN" altLang="en-US" smtClean="0"/>
-              <a:t>2020/1/5</a:t>
+              <a:t>2020/1/28</a:t>
             </a:fld>
             <a:endParaRPr kumimoji="1" lang="zh-CN" altLang="en-US"/>
           </a:p>
@@ -2210,7 +2211,7 @@
           <a:p>
             <a:fld id="{51C7FA66-BD2E-F245-985F-19D6B65945E5}" type="datetimeFigureOut">
               <a:rPr kumimoji="1" lang="zh-CN" altLang="en-US" smtClean="0"/>
-              <a:t>2020/1/5</a:t>
+              <a:t>2020/1/28</a:t>
             </a:fld>
             <a:endParaRPr kumimoji="1" lang="zh-CN" altLang="en-US"/>
           </a:p>
@@ -2323,7 +2324,7 @@
           <a:p>
             <a:fld id="{51C7FA66-BD2E-F245-985F-19D6B65945E5}" type="datetimeFigureOut">
               <a:rPr kumimoji="1" lang="zh-CN" altLang="en-US" smtClean="0"/>
-              <a:t>2020/1/5</a:t>
+              <a:t>2020/1/28</a:t>
             </a:fld>
             <a:endParaRPr kumimoji="1" lang="zh-CN" altLang="en-US"/>
           </a:p>
@@ -2612,7 +2613,7 @@
           <a:p>
             <a:fld id="{51C7FA66-BD2E-F245-985F-19D6B65945E5}" type="datetimeFigureOut">
               <a:rPr kumimoji="1" lang="zh-CN" altLang="en-US" smtClean="0"/>
-              <a:t>2020/1/5</a:t>
+              <a:t>2020/1/28</a:t>
             </a:fld>
             <a:endParaRPr kumimoji="1" lang="zh-CN" altLang="en-US"/>
           </a:p>
@@ -2903,7 +2904,7 @@
           <a:p>
             <a:fld id="{51C7FA66-BD2E-F245-985F-19D6B65945E5}" type="datetimeFigureOut">
               <a:rPr kumimoji="1" lang="zh-CN" altLang="en-US" smtClean="0"/>
-              <a:t>2020/1/5</a:t>
+              <a:t>2020/1/28</a:t>
             </a:fld>
             <a:endParaRPr kumimoji="1" lang="zh-CN" altLang="en-US"/>
           </a:p>
@@ -3119,7 +3120,7 @@
           <a:p>
             <a:fld id="{51C7FA66-BD2E-F245-985F-19D6B65945E5}" type="datetimeFigureOut">
               <a:rPr kumimoji="1" lang="zh-CN" altLang="en-US" smtClean="0"/>
-              <a:t>2020/1/5</a:t>
+              <a:t>2020/1/28</a:t>
             </a:fld>
             <a:endParaRPr kumimoji="1" lang="zh-CN" altLang="en-US"/>
           </a:p>
@@ -3665,6 +3666,1602 @@
       </p:grpSpPr>
       <p:grpSp>
         <p:nvGrpSpPr>
+          <p:cNvPr id="49" name="组合 48">
+            <a:extLst>
+              <a:ext uri="{FF2B5EF4-FFF2-40B4-BE49-F238E27FC236}">
+                <a16:creationId xmlns:a16="http://schemas.microsoft.com/office/drawing/2014/main" id="{C277D925-39D5-5D4B-B864-4EC711A06A29}"/>
+              </a:ext>
+            </a:extLst>
+          </p:cNvPr>
+          <p:cNvGrpSpPr/>
+          <p:nvPr/>
+        </p:nvGrpSpPr>
+        <p:grpSpPr>
+          <a:xfrm>
+            <a:off x="1180618" y="557514"/>
+            <a:ext cx="6373780" cy="1919468"/>
+            <a:chOff x="1180618" y="557514"/>
+            <a:chExt cx="6373780" cy="1919468"/>
+          </a:xfrm>
+        </p:grpSpPr>
+        <p:sp>
+          <p:nvSpPr>
+            <p:cNvPr id="46" name="矩形 45">
+              <a:extLst>
+                <a:ext uri="{FF2B5EF4-FFF2-40B4-BE49-F238E27FC236}">
+                  <a16:creationId xmlns:a16="http://schemas.microsoft.com/office/drawing/2014/main" id="{321F19BF-1B0B-794B-AC39-548B32071C5D}"/>
+                </a:ext>
+              </a:extLst>
+            </p:cNvPr>
+            <p:cNvSpPr/>
+            <p:nvPr/>
+          </p:nvSpPr>
+          <p:spPr>
+            <a:xfrm>
+              <a:off x="1180618" y="557514"/>
+              <a:ext cx="6261904" cy="1919468"/>
+            </a:xfrm>
+            <a:prstGeom prst="rect">
+              <a:avLst/>
+            </a:prstGeom>
+            <a:solidFill>
+              <a:schemeClr val="bg1"/>
+            </a:solidFill>
+            <a:ln>
+              <a:solidFill>
+                <a:schemeClr val="tx1"/>
+              </a:solidFill>
+            </a:ln>
+          </p:spPr>
+          <p:style>
+            <a:lnRef idx="2">
+              <a:schemeClr val="accent1">
+                <a:shade val="50000"/>
+              </a:schemeClr>
+            </a:lnRef>
+            <a:fillRef idx="1">
+              <a:schemeClr val="accent1"/>
+            </a:fillRef>
+            <a:effectRef idx="0">
+              <a:schemeClr val="accent1"/>
+            </a:effectRef>
+            <a:fontRef idx="minor">
+              <a:schemeClr val="lt1"/>
+            </a:fontRef>
+          </p:style>
+          <p:txBody>
+            <a:bodyPr rtlCol="0" anchor="ctr"/>
+            <a:lstStyle/>
+            <a:p>
+              <a:pPr algn="ctr"/>
+              <a:endParaRPr kumimoji="1" lang="zh-CN" altLang="en-US"/>
+            </a:p>
+          </p:txBody>
+        </p:sp>
+        <p:sp>
+          <p:nvSpPr>
+            <p:cNvPr id="4" name="文本框 3">
+              <a:extLst>
+                <a:ext uri="{FF2B5EF4-FFF2-40B4-BE49-F238E27FC236}">
+                  <a16:creationId xmlns:a16="http://schemas.microsoft.com/office/drawing/2014/main" id="{D698A5DB-B8BF-524A-A300-EBDA11EA7223}"/>
+                </a:ext>
+              </a:extLst>
+            </p:cNvPr>
+            <p:cNvSpPr txBox="1"/>
+            <p:nvPr/>
+          </p:nvSpPr>
+          <p:spPr>
+            <a:xfrm>
+              <a:off x="1273215" y="1203767"/>
+              <a:ext cx="509285" cy="369332"/>
+            </a:xfrm>
+            <a:prstGeom prst="rect">
+              <a:avLst/>
+            </a:prstGeom>
+            <a:noFill/>
+          </p:spPr>
+          <p:txBody>
+            <a:bodyPr wrap="square" rtlCol="0">
+              <a:spAutoFit/>
+            </a:bodyPr>
+            <a:lstStyle/>
+            <a:p>
+              <a:r>
+                <a:rPr kumimoji="1" lang="en-US" altLang="zh-CN" dirty="0"/>
+                <a:t>2.1</a:t>
+              </a:r>
+              <a:endParaRPr kumimoji="1" lang="zh-CN" altLang="en-US" dirty="0"/>
+            </a:p>
+          </p:txBody>
+        </p:sp>
+        <p:sp>
+          <p:nvSpPr>
+            <p:cNvPr id="5" name="文本框 4">
+              <a:extLst>
+                <a:ext uri="{FF2B5EF4-FFF2-40B4-BE49-F238E27FC236}">
+                  <a16:creationId xmlns:a16="http://schemas.microsoft.com/office/drawing/2014/main" id="{0C9F05FB-B10A-CE4D-A551-A134CE8182E5}"/>
+                </a:ext>
+              </a:extLst>
+            </p:cNvPr>
+            <p:cNvSpPr txBox="1"/>
+            <p:nvPr/>
+          </p:nvSpPr>
+          <p:spPr>
+            <a:xfrm>
+              <a:off x="1782500" y="1203767"/>
+              <a:ext cx="509285" cy="369332"/>
+            </a:xfrm>
+            <a:prstGeom prst="rect">
+              <a:avLst/>
+            </a:prstGeom>
+            <a:noFill/>
+          </p:spPr>
+          <p:txBody>
+            <a:bodyPr wrap="square" rtlCol="0">
+              <a:spAutoFit/>
+            </a:bodyPr>
+            <a:lstStyle/>
+            <a:p>
+              <a:r>
+                <a:rPr kumimoji="1" lang="en-US" altLang="zh-CN" dirty="0"/>
+                <a:t>2.0</a:t>
+              </a:r>
+              <a:endParaRPr kumimoji="1" lang="zh-CN" altLang="en-US" dirty="0"/>
+            </a:p>
+          </p:txBody>
+        </p:sp>
+        <p:sp>
+          <p:nvSpPr>
+            <p:cNvPr id="6" name="文本框 5">
+              <a:extLst>
+                <a:ext uri="{FF2B5EF4-FFF2-40B4-BE49-F238E27FC236}">
+                  <a16:creationId xmlns:a16="http://schemas.microsoft.com/office/drawing/2014/main" id="{32CCAAF9-9CB9-9341-84C4-773E85723E5A}"/>
+                </a:ext>
+              </a:extLst>
+            </p:cNvPr>
+            <p:cNvSpPr txBox="1"/>
+            <p:nvPr/>
+          </p:nvSpPr>
+          <p:spPr>
+            <a:xfrm>
+              <a:off x="2291785" y="1203767"/>
+              <a:ext cx="509285" cy="369332"/>
+            </a:xfrm>
+            <a:prstGeom prst="rect">
+              <a:avLst/>
+            </a:prstGeom>
+            <a:noFill/>
+          </p:spPr>
+          <p:txBody>
+            <a:bodyPr wrap="square" rtlCol="0">
+              <a:spAutoFit/>
+            </a:bodyPr>
+            <a:lstStyle/>
+            <a:p>
+              <a:r>
+                <a:rPr kumimoji="1" lang="en-US" altLang="zh-CN" dirty="0"/>
+                <a:t>3</a:t>
+              </a:r>
+              <a:endParaRPr kumimoji="1" lang="zh-CN" altLang="en-US" dirty="0"/>
+            </a:p>
+          </p:txBody>
+        </p:sp>
+        <p:sp>
+          <p:nvSpPr>
+            <p:cNvPr id="7" name="文本框 6">
+              <a:extLst>
+                <a:ext uri="{FF2B5EF4-FFF2-40B4-BE49-F238E27FC236}">
+                  <a16:creationId xmlns:a16="http://schemas.microsoft.com/office/drawing/2014/main" id="{7DF75110-C6A8-0A47-A989-1015821D6C08}"/>
+                </a:ext>
+              </a:extLst>
+            </p:cNvPr>
+            <p:cNvSpPr txBox="1"/>
+            <p:nvPr/>
+          </p:nvSpPr>
+          <p:spPr>
+            <a:xfrm>
+              <a:off x="2801070" y="1203767"/>
+              <a:ext cx="509285" cy="369332"/>
+            </a:xfrm>
+            <a:prstGeom prst="rect">
+              <a:avLst/>
+            </a:prstGeom>
+            <a:noFill/>
+          </p:spPr>
+          <p:txBody>
+            <a:bodyPr wrap="square" rtlCol="0">
+              <a:spAutoFit/>
+            </a:bodyPr>
+            <a:lstStyle/>
+            <a:p>
+              <a:r>
+                <a:rPr kumimoji="1" lang="en-US" altLang="zh-CN" dirty="0"/>
+                <a:t>2</a:t>
+              </a:r>
+              <a:endParaRPr kumimoji="1" lang="zh-CN" altLang="en-US" dirty="0"/>
+            </a:p>
+          </p:txBody>
+        </p:sp>
+        <p:sp>
+          <p:nvSpPr>
+            <p:cNvPr id="8" name="文本框 7">
+              <a:extLst>
+                <a:ext uri="{FF2B5EF4-FFF2-40B4-BE49-F238E27FC236}">
+                  <a16:creationId xmlns:a16="http://schemas.microsoft.com/office/drawing/2014/main" id="{4C585255-9AA2-0E4C-B515-4828EC2EE205}"/>
+                </a:ext>
+              </a:extLst>
+            </p:cNvPr>
+            <p:cNvSpPr txBox="1"/>
+            <p:nvPr/>
+          </p:nvSpPr>
+          <p:spPr>
+            <a:xfrm>
+              <a:off x="1273215" y="1573099"/>
+              <a:ext cx="509285" cy="369332"/>
+            </a:xfrm>
+            <a:prstGeom prst="rect">
+              <a:avLst/>
+            </a:prstGeom>
+            <a:noFill/>
+          </p:spPr>
+          <p:txBody>
+            <a:bodyPr wrap="square" rtlCol="0">
+              <a:spAutoFit/>
+            </a:bodyPr>
+            <a:lstStyle/>
+            <a:p>
+              <a:r>
+                <a:rPr kumimoji="1" lang="en-US" altLang="zh-CN" dirty="0"/>
+                <a:t>1.5</a:t>
+              </a:r>
+              <a:endParaRPr kumimoji="1" lang="zh-CN" altLang="en-US" dirty="0"/>
+            </a:p>
+          </p:txBody>
+        </p:sp>
+        <p:sp>
+          <p:nvSpPr>
+            <p:cNvPr id="9" name="文本框 8">
+              <a:extLst>
+                <a:ext uri="{FF2B5EF4-FFF2-40B4-BE49-F238E27FC236}">
+                  <a16:creationId xmlns:a16="http://schemas.microsoft.com/office/drawing/2014/main" id="{84297FEB-4E93-D443-9B53-26C5688DCA04}"/>
+                </a:ext>
+              </a:extLst>
+            </p:cNvPr>
+            <p:cNvSpPr txBox="1"/>
+            <p:nvPr/>
+          </p:nvSpPr>
+          <p:spPr>
+            <a:xfrm>
+              <a:off x="1782500" y="1573099"/>
+              <a:ext cx="509285" cy="369332"/>
+            </a:xfrm>
+            <a:prstGeom prst="rect">
+              <a:avLst/>
+            </a:prstGeom>
+            <a:noFill/>
+          </p:spPr>
+          <p:txBody>
+            <a:bodyPr wrap="square" rtlCol="0">
+              <a:spAutoFit/>
+            </a:bodyPr>
+            <a:lstStyle/>
+            <a:p>
+              <a:r>
+                <a:rPr kumimoji="1" lang="en-US" altLang="zh-CN" dirty="0"/>
+                <a:t>2.2</a:t>
+              </a:r>
+              <a:endParaRPr kumimoji="1" lang="zh-CN" altLang="en-US" dirty="0"/>
+            </a:p>
+          </p:txBody>
+        </p:sp>
+        <p:sp>
+          <p:nvSpPr>
+            <p:cNvPr id="10" name="文本框 9">
+              <a:extLst>
+                <a:ext uri="{FF2B5EF4-FFF2-40B4-BE49-F238E27FC236}">
+                  <a16:creationId xmlns:a16="http://schemas.microsoft.com/office/drawing/2014/main" id="{600E4A8B-DDB4-5F4D-A2FC-6677F35DA794}"/>
+                </a:ext>
+              </a:extLst>
+            </p:cNvPr>
+            <p:cNvSpPr txBox="1"/>
+            <p:nvPr/>
+          </p:nvSpPr>
+          <p:spPr>
+            <a:xfrm>
+              <a:off x="2291785" y="1573099"/>
+              <a:ext cx="509285" cy="369332"/>
+            </a:xfrm>
+            <a:prstGeom prst="rect">
+              <a:avLst/>
+            </a:prstGeom>
+            <a:noFill/>
+          </p:spPr>
+          <p:txBody>
+            <a:bodyPr wrap="square" rtlCol="0">
+              <a:spAutoFit/>
+            </a:bodyPr>
+            <a:lstStyle/>
+            <a:p>
+              <a:r>
+                <a:rPr kumimoji="1" lang="en-US" altLang="zh-CN" dirty="0"/>
+                <a:t>4</a:t>
+              </a:r>
+              <a:endParaRPr kumimoji="1" lang="zh-CN" altLang="en-US" dirty="0"/>
+            </a:p>
+          </p:txBody>
+        </p:sp>
+        <p:sp>
+          <p:nvSpPr>
+            <p:cNvPr id="11" name="文本框 10">
+              <a:extLst>
+                <a:ext uri="{FF2B5EF4-FFF2-40B4-BE49-F238E27FC236}">
+                  <a16:creationId xmlns:a16="http://schemas.microsoft.com/office/drawing/2014/main" id="{2DAD2C44-3520-174E-9ECE-4973A55CCBFD}"/>
+                </a:ext>
+              </a:extLst>
+            </p:cNvPr>
+            <p:cNvSpPr txBox="1"/>
+            <p:nvPr/>
+          </p:nvSpPr>
+          <p:spPr>
+            <a:xfrm>
+              <a:off x="2801070" y="1573099"/>
+              <a:ext cx="509285" cy="369332"/>
+            </a:xfrm>
+            <a:prstGeom prst="rect">
+              <a:avLst/>
+            </a:prstGeom>
+            <a:noFill/>
+          </p:spPr>
+          <p:txBody>
+            <a:bodyPr wrap="square" rtlCol="0">
+              <a:spAutoFit/>
+            </a:bodyPr>
+            <a:lstStyle/>
+            <a:p>
+              <a:r>
+                <a:rPr kumimoji="1" lang="en-US" altLang="zh-CN" dirty="0"/>
+                <a:t>6</a:t>
+              </a:r>
+              <a:endParaRPr kumimoji="1" lang="zh-CN" altLang="en-US" dirty="0"/>
+            </a:p>
+          </p:txBody>
+        </p:sp>
+        <p:sp>
+          <p:nvSpPr>
+            <p:cNvPr id="12" name="文本框 11">
+              <a:extLst>
+                <a:ext uri="{FF2B5EF4-FFF2-40B4-BE49-F238E27FC236}">
+                  <a16:creationId xmlns:a16="http://schemas.microsoft.com/office/drawing/2014/main" id="{A69F5623-C6B0-D94C-8B3E-D0849BA37DE0}"/>
+                </a:ext>
+              </a:extLst>
+            </p:cNvPr>
+            <p:cNvSpPr txBox="1"/>
+            <p:nvPr/>
+          </p:nvSpPr>
+          <p:spPr>
+            <a:xfrm>
+              <a:off x="1273215" y="1942431"/>
+              <a:ext cx="509285" cy="369332"/>
+            </a:xfrm>
+            <a:prstGeom prst="rect">
+              <a:avLst/>
+            </a:prstGeom>
+            <a:noFill/>
+          </p:spPr>
+          <p:txBody>
+            <a:bodyPr wrap="square" rtlCol="0">
+              <a:spAutoFit/>
+            </a:bodyPr>
+            <a:lstStyle/>
+            <a:p>
+              <a:r>
+                <a:rPr kumimoji="1" lang="en-US" altLang="zh-CN" dirty="0"/>
+                <a:t>1.6</a:t>
+              </a:r>
+              <a:endParaRPr kumimoji="1" lang="zh-CN" altLang="en-US" dirty="0"/>
+            </a:p>
+          </p:txBody>
+        </p:sp>
+        <p:sp>
+          <p:nvSpPr>
+            <p:cNvPr id="13" name="文本框 12">
+              <a:extLst>
+                <a:ext uri="{FF2B5EF4-FFF2-40B4-BE49-F238E27FC236}">
+                  <a16:creationId xmlns:a16="http://schemas.microsoft.com/office/drawing/2014/main" id="{A33E21C5-3309-8C42-9DC3-755D204402D0}"/>
+                </a:ext>
+              </a:extLst>
+            </p:cNvPr>
+            <p:cNvSpPr txBox="1"/>
+            <p:nvPr/>
+          </p:nvSpPr>
+          <p:spPr>
+            <a:xfrm>
+              <a:off x="1782500" y="1942431"/>
+              <a:ext cx="509285" cy="369332"/>
+            </a:xfrm>
+            <a:prstGeom prst="rect">
+              <a:avLst/>
+            </a:prstGeom>
+            <a:noFill/>
+          </p:spPr>
+          <p:txBody>
+            <a:bodyPr wrap="square" rtlCol="0">
+              <a:spAutoFit/>
+            </a:bodyPr>
+            <a:lstStyle/>
+            <a:p>
+              <a:r>
+                <a:rPr kumimoji="1" lang="en-US" altLang="zh-CN" dirty="0"/>
+                <a:t>2.8</a:t>
+              </a:r>
+              <a:endParaRPr kumimoji="1" lang="zh-CN" altLang="en-US" dirty="0"/>
+            </a:p>
+          </p:txBody>
+        </p:sp>
+        <p:sp>
+          <p:nvSpPr>
+            <p:cNvPr id="14" name="文本框 13">
+              <a:extLst>
+                <a:ext uri="{FF2B5EF4-FFF2-40B4-BE49-F238E27FC236}">
+                  <a16:creationId xmlns:a16="http://schemas.microsoft.com/office/drawing/2014/main" id="{940E227E-F85B-3C44-8AB8-EA35E6E027ED}"/>
+                </a:ext>
+              </a:extLst>
+            </p:cNvPr>
+            <p:cNvSpPr txBox="1"/>
+            <p:nvPr/>
+          </p:nvSpPr>
+          <p:spPr>
+            <a:xfrm>
+              <a:off x="2291785" y="1942431"/>
+              <a:ext cx="509285" cy="369332"/>
+            </a:xfrm>
+            <a:prstGeom prst="rect">
+              <a:avLst/>
+            </a:prstGeom>
+            <a:noFill/>
+          </p:spPr>
+          <p:txBody>
+            <a:bodyPr wrap="square" rtlCol="0">
+              <a:spAutoFit/>
+            </a:bodyPr>
+            <a:lstStyle/>
+            <a:p>
+              <a:r>
+                <a:rPr kumimoji="1" lang="en-US" altLang="zh-CN" dirty="0"/>
+                <a:t>5</a:t>
+              </a:r>
+              <a:endParaRPr kumimoji="1" lang="zh-CN" altLang="en-US" dirty="0"/>
+            </a:p>
+          </p:txBody>
+        </p:sp>
+        <p:sp>
+          <p:nvSpPr>
+            <p:cNvPr id="15" name="文本框 14">
+              <a:extLst>
+                <a:ext uri="{FF2B5EF4-FFF2-40B4-BE49-F238E27FC236}">
+                  <a16:creationId xmlns:a16="http://schemas.microsoft.com/office/drawing/2014/main" id="{83216C21-7CAF-3B4B-8CAA-A5AB5EC9ED62}"/>
+                </a:ext>
+              </a:extLst>
+            </p:cNvPr>
+            <p:cNvSpPr txBox="1"/>
+            <p:nvPr/>
+          </p:nvSpPr>
+          <p:spPr>
+            <a:xfrm>
+              <a:off x="2801070" y="1942431"/>
+              <a:ext cx="509285" cy="369332"/>
+            </a:xfrm>
+            <a:prstGeom prst="rect">
+              <a:avLst/>
+            </a:prstGeom>
+            <a:noFill/>
+          </p:spPr>
+          <p:txBody>
+            <a:bodyPr wrap="square" rtlCol="0">
+              <a:spAutoFit/>
+            </a:bodyPr>
+            <a:lstStyle/>
+            <a:p>
+              <a:r>
+                <a:rPr kumimoji="1" lang="en-US" altLang="zh-CN" dirty="0"/>
+                <a:t>7</a:t>
+              </a:r>
+              <a:endParaRPr kumimoji="1" lang="zh-CN" altLang="en-US" dirty="0"/>
+            </a:p>
+          </p:txBody>
+        </p:sp>
+        <p:sp>
+          <p:nvSpPr>
+            <p:cNvPr id="16" name="文本框 15">
+              <a:extLst>
+                <a:ext uri="{FF2B5EF4-FFF2-40B4-BE49-F238E27FC236}">
+                  <a16:creationId xmlns:a16="http://schemas.microsoft.com/office/drawing/2014/main" id="{B3497905-47E2-EA45-9F1E-60A76960A3C7}"/>
+                </a:ext>
+              </a:extLst>
+            </p:cNvPr>
+            <p:cNvSpPr txBox="1"/>
+            <p:nvPr/>
+          </p:nvSpPr>
+          <p:spPr>
+            <a:xfrm>
+              <a:off x="1707263" y="752354"/>
+              <a:ext cx="1169043" cy="369332"/>
+            </a:xfrm>
+            <a:prstGeom prst="rect">
+              <a:avLst/>
+            </a:prstGeom>
+            <a:noFill/>
+          </p:spPr>
+          <p:txBody>
+            <a:bodyPr wrap="square" rtlCol="0">
+              <a:spAutoFit/>
+            </a:bodyPr>
+            <a:lstStyle/>
+            <a:p>
+              <a:r>
+                <a:rPr kumimoji="1" lang="zh-CN" altLang="en-US" dirty="0"/>
+                <a:t>原始矩阵</a:t>
+              </a:r>
+            </a:p>
+          </p:txBody>
+        </p:sp>
+        <p:sp>
+          <p:nvSpPr>
+            <p:cNvPr id="17" name="文本框 16">
+              <a:extLst>
+                <a:ext uri="{FF2B5EF4-FFF2-40B4-BE49-F238E27FC236}">
+                  <a16:creationId xmlns:a16="http://schemas.microsoft.com/office/drawing/2014/main" id="{711AFEDA-F296-FF4B-952C-28E10386367B}"/>
+                </a:ext>
+              </a:extLst>
+            </p:cNvPr>
+            <p:cNvSpPr txBox="1"/>
+            <p:nvPr/>
+          </p:nvSpPr>
+          <p:spPr>
+            <a:xfrm>
+              <a:off x="3474334" y="1203767"/>
+              <a:ext cx="509285" cy="369332"/>
+            </a:xfrm>
+            <a:prstGeom prst="rect">
+              <a:avLst/>
+            </a:prstGeom>
+            <a:noFill/>
+          </p:spPr>
+          <p:txBody>
+            <a:bodyPr wrap="square" rtlCol="0">
+              <a:spAutoFit/>
+            </a:bodyPr>
+            <a:lstStyle/>
+            <a:p>
+              <a:r>
+                <a:rPr kumimoji="1" lang="en-US" altLang="zh-CN" dirty="0"/>
+                <a:t>1</a:t>
+              </a:r>
+              <a:endParaRPr kumimoji="1" lang="zh-CN" altLang="en-US" dirty="0"/>
+            </a:p>
+          </p:txBody>
+        </p:sp>
+        <p:sp>
+          <p:nvSpPr>
+            <p:cNvPr id="18" name="文本框 17">
+              <a:extLst>
+                <a:ext uri="{FF2B5EF4-FFF2-40B4-BE49-F238E27FC236}">
+                  <a16:creationId xmlns:a16="http://schemas.microsoft.com/office/drawing/2014/main" id="{C6308192-3FE2-2847-B134-6E1BF3BCAA8E}"/>
+                </a:ext>
+              </a:extLst>
+            </p:cNvPr>
+            <p:cNvSpPr txBox="1"/>
+            <p:nvPr/>
+          </p:nvSpPr>
+          <p:spPr>
+            <a:xfrm>
+              <a:off x="3983619" y="1203767"/>
+              <a:ext cx="509285" cy="369332"/>
+            </a:xfrm>
+            <a:prstGeom prst="rect">
+              <a:avLst/>
+            </a:prstGeom>
+            <a:noFill/>
+          </p:spPr>
+          <p:txBody>
+            <a:bodyPr wrap="square" rtlCol="0">
+              <a:spAutoFit/>
+            </a:bodyPr>
+            <a:lstStyle/>
+            <a:p>
+              <a:r>
+                <a:rPr kumimoji="1" lang="en-US" altLang="zh-CN" dirty="0"/>
+                <a:t>2</a:t>
+              </a:r>
+              <a:endParaRPr kumimoji="1" lang="zh-CN" altLang="en-US" dirty="0"/>
+            </a:p>
+          </p:txBody>
+        </p:sp>
+        <p:sp>
+          <p:nvSpPr>
+            <p:cNvPr id="19" name="文本框 18">
+              <a:extLst>
+                <a:ext uri="{FF2B5EF4-FFF2-40B4-BE49-F238E27FC236}">
+                  <a16:creationId xmlns:a16="http://schemas.microsoft.com/office/drawing/2014/main" id="{51D4DEC4-D17F-F34A-A8B6-F2125988E7B8}"/>
+                </a:ext>
+              </a:extLst>
+            </p:cNvPr>
+            <p:cNvSpPr txBox="1"/>
+            <p:nvPr/>
+          </p:nvSpPr>
+          <p:spPr>
+            <a:xfrm>
+              <a:off x="4492904" y="1203767"/>
+              <a:ext cx="509285" cy="369332"/>
+            </a:xfrm>
+            <a:prstGeom prst="rect">
+              <a:avLst/>
+            </a:prstGeom>
+            <a:noFill/>
+          </p:spPr>
+          <p:txBody>
+            <a:bodyPr wrap="square" rtlCol="0">
+              <a:spAutoFit/>
+            </a:bodyPr>
+            <a:lstStyle/>
+            <a:p>
+              <a:r>
+                <a:rPr kumimoji="1" lang="en-US" altLang="zh-CN" dirty="0"/>
+                <a:t>3</a:t>
+              </a:r>
+              <a:endParaRPr kumimoji="1" lang="zh-CN" altLang="en-US" dirty="0"/>
+            </a:p>
+          </p:txBody>
+        </p:sp>
+        <p:sp>
+          <p:nvSpPr>
+            <p:cNvPr id="20" name="文本框 19">
+              <a:extLst>
+                <a:ext uri="{FF2B5EF4-FFF2-40B4-BE49-F238E27FC236}">
+                  <a16:creationId xmlns:a16="http://schemas.microsoft.com/office/drawing/2014/main" id="{CAD64478-1339-6F45-92F2-96B1C4A0A30E}"/>
+                </a:ext>
+              </a:extLst>
+            </p:cNvPr>
+            <p:cNvSpPr txBox="1"/>
+            <p:nvPr/>
+          </p:nvSpPr>
+          <p:spPr>
+            <a:xfrm>
+              <a:off x="5002189" y="1203767"/>
+              <a:ext cx="509285" cy="369332"/>
+            </a:xfrm>
+            <a:prstGeom prst="rect">
+              <a:avLst/>
+            </a:prstGeom>
+            <a:noFill/>
+          </p:spPr>
+          <p:txBody>
+            <a:bodyPr wrap="square" rtlCol="0">
+              <a:spAutoFit/>
+            </a:bodyPr>
+            <a:lstStyle/>
+            <a:p>
+              <a:r>
+                <a:rPr kumimoji="1" lang="en-US" altLang="zh-CN" dirty="0"/>
+                <a:t>6</a:t>
+              </a:r>
+              <a:endParaRPr kumimoji="1" lang="zh-CN" altLang="en-US" dirty="0"/>
+            </a:p>
+          </p:txBody>
+        </p:sp>
+        <p:sp>
+          <p:nvSpPr>
+            <p:cNvPr id="21" name="文本框 20">
+              <a:extLst>
+                <a:ext uri="{FF2B5EF4-FFF2-40B4-BE49-F238E27FC236}">
+                  <a16:creationId xmlns:a16="http://schemas.microsoft.com/office/drawing/2014/main" id="{631FC599-FB75-2744-85BF-22E09A3C211B}"/>
+                </a:ext>
+              </a:extLst>
+            </p:cNvPr>
+            <p:cNvSpPr txBox="1"/>
+            <p:nvPr/>
+          </p:nvSpPr>
+          <p:spPr>
+            <a:xfrm>
+              <a:off x="3474334" y="1573099"/>
+              <a:ext cx="509285" cy="369332"/>
+            </a:xfrm>
+            <a:prstGeom prst="rect">
+              <a:avLst/>
+            </a:prstGeom>
+            <a:noFill/>
+          </p:spPr>
+          <p:txBody>
+            <a:bodyPr wrap="square" rtlCol="0">
+              <a:spAutoFit/>
+            </a:bodyPr>
+            <a:lstStyle/>
+            <a:p>
+              <a:r>
+                <a:rPr kumimoji="1" lang="en-US" altLang="zh-CN" dirty="0"/>
+                <a:t>1</a:t>
+              </a:r>
+              <a:endParaRPr kumimoji="1" lang="zh-CN" altLang="en-US" dirty="0"/>
+            </a:p>
+          </p:txBody>
+        </p:sp>
+        <p:sp>
+          <p:nvSpPr>
+            <p:cNvPr id="22" name="文本框 21">
+              <a:extLst>
+                <a:ext uri="{FF2B5EF4-FFF2-40B4-BE49-F238E27FC236}">
+                  <a16:creationId xmlns:a16="http://schemas.microsoft.com/office/drawing/2014/main" id="{0CC1A6D3-C5A3-C649-A53F-FA27156D0AA6}"/>
+                </a:ext>
+              </a:extLst>
+            </p:cNvPr>
+            <p:cNvSpPr txBox="1"/>
+            <p:nvPr/>
+          </p:nvSpPr>
+          <p:spPr>
+            <a:xfrm>
+              <a:off x="3983619" y="1573099"/>
+              <a:ext cx="509285" cy="369332"/>
+            </a:xfrm>
+            <a:prstGeom prst="rect">
+              <a:avLst/>
+            </a:prstGeom>
+            <a:noFill/>
+          </p:spPr>
+          <p:txBody>
+            <a:bodyPr wrap="square" rtlCol="0">
+              <a:spAutoFit/>
+            </a:bodyPr>
+            <a:lstStyle/>
+            <a:p>
+              <a:r>
+                <a:rPr kumimoji="1" lang="en-US" altLang="zh-CN" dirty="0"/>
+                <a:t>2</a:t>
+              </a:r>
+              <a:endParaRPr kumimoji="1" lang="zh-CN" altLang="en-US" dirty="0"/>
+            </a:p>
+          </p:txBody>
+        </p:sp>
+        <p:sp>
+          <p:nvSpPr>
+            <p:cNvPr id="23" name="文本框 22">
+              <a:extLst>
+                <a:ext uri="{FF2B5EF4-FFF2-40B4-BE49-F238E27FC236}">
+                  <a16:creationId xmlns:a16="http://schemas.microsoft.com/office/drawing/2014/main" id="{C75F5467-91A4-9C47-941F-952D469D8654}"/>
+                </a:ext>
+              </a:extLst>
+            </p:cNvPr>
+            <p:cNvSpPr txBox="1"/>
+            <p:nvPr/>
+          </p:nvSpPr>
+          <p:spPr>
+            <a:xfrm>
+              <a:off x="4492904" y="1573099"/>
+              <a:ext cx="509285" cy="369332"/>
+            </a:xfrm>
+            <a:prstGeom prst="rect">
+              <a:avLst/>
+            </a:prstGeom>
+            <a:noFill/>
+          </p:spPr>
+          <p:txBody>
+            <a:bodyPr wrap="square" rtlCol="0">
+              <a:spAutoFit/>
+            </a:bodyPr>
+            <a:lstStyle/>
+            <a:p>
+              <a:r>
+                <a:rPr kumimoji="1" lang="en-US" altLang="zh-CN" dirty="0"/>
+                <a:t>4</a:t>
+              </a:r>
+              <a:endParaRPr kumimoji="1" lang="zh-CN" altLang="en-US" dirty="0"/>
+            </a:p>
+          </p:txBody>
+        </p:sp>
+        <p:sp>
+          <p:nvSpPr>
+            <p:cNvPr id="24" name="文本框 23">
+              <a:extLst>
+                <a:ext uri="{FF2B5EF4-FFF2-40B4-BE49-F238E27FC236}">
+                  <a16:creationId xmlns:a16="http://schemas.microsoft.com/office/drawing/2014/main" id="{0CF221E3-AE66-3C43-B429-41145CCE595C}"/>
+                </a:ext>
+              </a:extLst>
+            </p:cNvPr>
+            <p:cNvSpPr txBox="1"/>
+            <p:nvPr/>
+          </p:nvSpPr>
+          <p:spPr>
+            <a:xfrm>
+              <a:off x="5002189" y="1573099"/>
+              <a:ext cx="509285" cy="369332"/>
+            </a:xfrm>
+            <a:prstGeom prst="rect">
+              <a:avLst/>
+            </a:prstGeom>
+            <a:noFill/>
+          </p:spPr>
+          <p:txBody>
+            <a:bodyPr wrap="square" rtlCol="0">
+              <a:spAutoFit/>
+            </a:bodyPr>
+            <a:lstStyle/>
+            <a:p>
+              <a:r>
+                <a:rPr kumimoji="1" lang="en-US" altLang="zh-CN" dirty="0"/>
+                <a:t>7</a:t>
+              </a:r>
+              <a:endParaRPr kumimoji="1" lang="zh-CN" altLang="en-US" dirty="0"/>
+            </a:p>
+          </p:txBody>
+        </p:sp>
+        <p:sp>
+          <p:nvSpPr>
+            <p:cNvPr id="25" name="文本框 24">
+              <a:extLst>
+                <a:ext uri="{FF2B5EF4-FFF2-40B4-BE49-F238E27FC236}">
+                  <a16:creationId xmlns:a16="http://schemas.microsoft.com/office/drawing/2014/main" id="{EA4C5683-8BEE-B24E-BA73-A3712519C9D8}"/>
+                </a:ext>
+              </a:extLst>
+            </p:cNvPr>
+            <p:cNvSpPr txBox="1"/>
+            <p:nvPr/>
+          </p:nvSpPr>
+          <p:spPr>
+            <a:xfrm>
+              <a:off x="3474334" y="1942431"/>
+              <a:ext cx="509285" cy="369332"/>
+            </a:xfrm>
+            <a:prstGeom prst="rect">
+              <a:avLst/>
+            </a:prstGeom>
+            <a:noFill/>
+          </p:spPr>
+          <p:txBody>
+            <a:bodyPr wrap="square" rtlCol="0">
+              <a:spAutoFit/>
+            </a:bodyPr>
+            <a:lstStyle/>
+            <a:p>
+              <a:r>
+                <a:rPr kumimoji="1" lang="en-US" altLang="zh-CN" dirty="0"/>
+                <a:t>1</a:t>
+              </a:r>
+              <a:endParaRPr kumimoji="1" lang="zh-CN" altLang="en-US" dirty="0"/>
+            </a:p>
+          </p:txBody>
+        </p:sp>
+        <p:sp>
+          <p:nvSpPr>
+            <p:cNvPr id="26" name="文本框 25">
+              <a:extLst>
+                <a:ext uri="{FF2B5EF4-FFF2-40B4-BE49-F238E27FC236}">
+                  <a16:creationId xmlns:a16="http://schemas.microsoft.com/office/drawing/2014/main" id="{800C9619-E05D-FA4B-BB95-0C7262F81C9F}"/>
+                </a:ext>
+              </a:extLst>
+            </p:cNvPr>
+            <p:cNvSpPr txBox="1"/>
+            <p:nvPr/>
+          </p:nvSpPr>
+          <p:spPr>
+            <a:xfrm>
+              <a:off x="3983619" y="1942431"/>
+              <a:ext cx="509285" cy="369332"/>
+            </a:xfrm>
+            <a:prstGeom prst="rect">
+              <a:avLst/>
+            </a:prstGeom>
+            <a:noFill/>
+          </p:spPr>
+          <p:txBody>
+            <a:bodyPr wrap="square" rtlCol="0">
+              <a:spAutoFit/>
+            </a:bodyPr>
+            <a:lstStyle/>
+            <a:p>
+              <a:r>
+                <a:rPr kumimoji="1" lang="en-US" altLang="zh-CN" dirty="0"/>
+                <a:t>2</a:t>
+              </a:r>
+              <a:endParaRPr kumimoji="1" lang="zh-CN" altLang="en-US" dirty="0"/>
+            </a:p>
+          </p:txBody>
+        </p:sp>
+        <p:sp>
+          <p:nvSpPr>
+            <p:cNvPr id="27" name="文本框 26">
+              <a:extLst>
+                <a:ext uri="{FF2B5EF4-FFF2-40B4-BE49-F238E27FC236}">
+                  <a16:creationId xmlns:a16="http://schemas.microsoft.com/office/drawing/2014/main" id="{858084C8-CFDB-174E-A0F7-4348EC51B434}"/>
+                </a:ext>
+              </a:extLst>
+            </p:cNvPr>
+            <p:cNvSpPr txBox="1"/>
+            <p:nvPr/>
+          </p:nvSpPr>
+          <p:spPr>
+            <a:xfrm>
+              <a:off x="4492904" y="1942431"/>
+              <a:ext cx="509285" cy="369332"/>
+            </a:xfrm>
+            <a:prstGeom prst="rect">
+              <a:avLst/>
+            </a:prstGeom>
+            <a:noFill/>
+          </p:spPr>
+          <p:txBody>
+            <a:bodyPr wrap="square" rtlCol="0">
+              <a:spAutoFit/>
+            </a:bodyPr>
+            <a:lstStyle/>
+            <a:p>
+              <a:r>
+                <a:rPr kumimoji="1" lang="en-US" altLang="zh-CN" dirty="0"/>
+                <a:t>5</a:t>
+              </a:r>
+              <a:endParaRPr kumimoji="1" lang="zh-CN" altLang="en-US" dirty="0"/>
+            </a:p>
+          </p:txBody>
+        </p:sp>
+        <p:sp>
+          <p:nvSpPr>
+            <p:cNvPr id="28" name="文本框 27">
+              <a:extLst>
+                <a:ext uri="{FF2B5EF4-FFF2-40B4-BE49-F238E27FC236}">
+                  <a16:creationId xmlns:a16="http://schemas.microsoft.com/office/drawing/2014/main" id="{305A9AC0-96A9-1C4A-B746-A9EDF3D28AA0}"/>
+                </a:ext>
+              </a:extLst>
+            </p:cNvPr>
+            <p:cNvSpPr txBox="1"/>
+            <p:nvPr/>
+          </p:nvSpPr>
+          <p:spPr>
+            <a:xfrm>
+              <a:off x="5002189" y="1942431"/>
+              <a:ext cx="509285" cy="369332"/>
+            </a:xfrm>
+            <a:prstGeom prst="rect">
+              <a:avLst/>
+            </a:prstGeom>
+            <a:noFill/>
+          </p:spPr>
+          <p:txBody>
+            <a:bodyPr wrap="square" rtlCol="0">
+              <a:spAutoFit/>
+            </a:bodyPr>
+            <a:lstStyle/>
+            <a:p>
+              <a:r>
+                <a:rPr kumimoji="1" lang="en-US" altLang="zh-CN" dirty="0"/>
+                <a:t>8</a:t>
+              </a:r>
+              <a:endParaRPr kumimoji="1" lang="zh-CN" altLang="en-US" dirty="0"/>
+            </a:p>
+          </p:txBody>
+        </p:sp>
+        <p:sp>
+          <p:nvSpPr>
+            <p:cNvPr id="29" name="文本框 28">
+              <a:extLst>
+                <a:ext uri="{FF2B5EF4-FFF2-40B4-BE49-F238E27FC236}">
+                  <a16:creationId xmlns:a16="http://schemas.microsoft.com/office/drawing/2014/main" id="{36E10929-FE95-2246-893B-5ED103204FD9}"/>
+                </a:ext>
+              </a:extLst>
+            </p:cNvPr>
+            <p:cNvSpPr txBox="1"/>
+            <p:nvPr/>
+          </p:nvSpPr>
+          <p:spPr>
+            <a:xfrm>
+              <a:off x="4238262" y="752354"/>
+              <a:ext cx="588382" cy="369332"/>
+            </a:xfrm>
+            <a:prstGeom prst="rect">
+              <a:avLst/>
+            </a:prstGeom>
+            <a:noFill/>
+          </p:spPr>
+          <p:txBody>
+            <a:bodyPr wrap="square" rtlCol="0">
+              <a:spAutoFit/>
+            </a:bodyPr>
+            <a:lstStyle/>
+            <a:p>
+              <a:r>
+                <a:rPr kumimoji="1" lang="en-US" altLang="zh-CN" dirty="0" err="1"/>
+                <a:t>dfi</a:t>
+              </a:r>
+              <a:endParaRPr kumimoji="1" lang="zh-CN" altLang="en-US" dirty="0"/>
+            </a:p>
+          </p:txBody>
+        </p:sp>
+        <p:sp>
+          <p:nvSpPr>
+            <p:cNvPr id="30" name="文本框 29">
+              <a:extLst>
+                <a:ext uri="{FF2B5EF4-FFF2-40B4-BE49-F238E27FC236}">
+                  <a16:creationId xmlns:a16="http://schemas.microsoft.com/office/drawing/2014/main" id="{9C89F9D8-E9F2-7B4F-B125-AF0BA52DB05D}"/>
+                </a:ext>
+              </a:extLst>
+            </p:cNvPr>
+            <p:cNvSpPr txBox="1"/>
+            <p:nvPr/>
+          </p:nvSpPr>
+          <p:spPr>
+            <a:xfrm>
+              <a:off x="5517258" y="1203767"/>
+              <a:ext cx="509285" cy="369332"/>
+            </a:xfrm>
+            <a:prstGeom prst="rect">
+              <a:avLst/>
+            </a:prstGeom>
+            <a:noFill/>
+          </p:spPr>
+          <p:txBody>
+            <a:bodyPr wrap="square" rtlCol="0">
+              <a:spAutoFit/>
+            </a:bodyPr>
+            <a:lstStyle/>
+            <a:p>
+              <a:r>
+                <a:rPr kumimoji="1" lang="en-US" altLang="zh-CN" dirty="0"/>
+                <a:t>2.1</a:t>
+              </a:r>
+              <a:endParaRPr kumimoji="1" lang="zh-CN" altLang="en-US" dirty="0"/>
+            </a:p>
+          </p:txBody>
+        </p:sp>
+        <p:sp>
+          <p:nvSpPr>
+            <p:cNvPr id="31" name="文本框 30">
+              <a:extLst>
+                <a:ext uri="{FF2B5EF4-FFF2-40B4-BE49-F238E27FC236}">
+                  <a16:creationId xmlns:a16="http://schemas.microsoft.com/office/drawing/2014/main" id="{DC5E76EA-B9EC-8649-8108-33582594B976}"/>
+                </a:ext>
+              </a:extLst>
+            </p:cNvPr>
+            <p:cNvSpPr txBox="1"/>
+            <p:nvPr/>
+          </p:nvSpPr>
+          <p:spPr>
+            <a:xfrm>
+              <a:off x="6026543" y="1203767"/>
+              <a:ext cx="509285" cy="369332"/>
+            </a:xfrm>
+            <a:prstGeom prst="rect">
+              <a:avLst/>
+            </a:prstGeom>
+            <a:noFill/>
+          </p:spPr>
+          <p:txBody>
+            <a:bodyPr wrap="square" rtlCol="0">
+              <a:spAutoFit/>
+            </a:bodyPr>
+            <a:lstStyle/>
+            <a:p>
+              <a:r>
+                <a:rPr kumimoji="1" lang="en-US" altLang="zh-CN" dirty="0"/>
+                <a:t>2.0</a:t>
+              </a:r>
+              <a:endParaRPr kumimoji="1" lang="zh-CN" altLang="en-US" dirty="0"/>
+            </a:p>
+          </p:txBody>
+        </p:sp>
+        <p:sp>
+          <p:nvSpPr>
+            <p:cNvPr id="32" name="文本框 31">
+              <a:extLst>
+                <a:ext uri="{FF2B5EF4-FFF2-40B4-BE49-F238E27FC236}">
+                  <a16:creationId xmlns:a16="http://schemas.microsoft.com/office/drawing/2014/main" id="{DA69225E-AF93-904F-B284-F5969D8C3FB5}"/>
+                </a:ext>
+              </a:extLst>
+            </p:cNvPr>
+            <p:cNvSpPr txBox="1"/>
+            <p:nvPr/>
+          </p:nvSpPr>
+          <p:spPr>
+            <a:xfrm>
+              <a:off x="6535828" y="1203767"/>
+              <a:ext cx="509285" cy="369332"/>
+            </a:xfrm>
+            <a:prstGeom prst="rect">
+              <a:avLst/>
+            </a:prstGeom>
+            <a:noFill/>
+          </p:spPr>
+          <p:txBody>
+            <a:bodyPr wrap="square" rtlCol="0">
+              <a:spAutoFit/>
+            </a:bodyPr>
+            <a:lstStyle/>
+            <a:p>
+              <a:r>
+                <a:rPr kumimoji="1" lang="en-US" altLang="zh-CN" dirty="0"/>
+                <a:t>1</a:t>
+              </a:r>
+              <a:endParaRPr kumimoji="1" lang="zh-CN" altLang="en-US" dirty="0"/>
+            </a:p>
+          </p:txBody>
+        </p:sp>
+        <p:sp>
+          <p:nvSpPr>
+            <p:cNvPr id="33" name="文本框 32">
+              <a:extLst>
+                <a:ext uri="{FF2B5EF4-FFF2-40B4-BE49-F238E27FC236}">
+                  <a16:creationId xmlns:a16="http://schemas.microsoft.com/office/drawing/2014/main" id="{901ABB85-33CD-6549-A8F2-2ED3F587B431}"/>
+                </a:ext>
+              </a:extLst>
+            </p:cNvPr>
+            <p:cNvSpPr txBox="1"/>
+            <p:nvPr/>
+          </p:nvSpPr>
+          <p:spPr>
+            <a:xfrm>
+              <a:off x="7045113" y="1203767"/>
+              <a:ext cx="509285" cy="369332"/>
+            </a:xfrm>
+            <a:prstGeom prst="rect">
+              <a:avLst/>
+            </a:prstGeom>
+            <a:noFill/>
+          </p:spPr>
+          <p:txBody>
+            <a:bodyPr wrap="square" rtlCol="0">
+              <a:spAutoFit/>
+            </a:bodyPr>
+            <a:lstStyle/>
+            <a:p>
+              <a:r>
+                <a:rPr kumimoji="1" lang="en-US" altLang="zh-CN" dirty="0"/>
+                <a:t>1</a:t>
+              </a:r>
+              <a:endParaRPr kumimoji="1" lang="zh-CN" altLang="en-US" dirty="0"/>
+            </a:p>
+          </p:txBody>
+        </p:sp>
+        <p:sp>
+          <p:nvSpPr>
+            <p:cNvPr id="34" name="文本框 33">
+              <a:extLst>
+                <a:ext uri="{FF2B5EF4-FFF2-40B4-BE49-F238E27FC236}">
+                  <a16:creationId xmlns:a16="http://schemas.microsoft.com/office/drawing/2014/main" id="{E8137ADF-F55D-7B4B-9160-0CC7FE8BB7BA}"/>
+                </a:ext>
+              </a:extLst>
+            </p:cNvPr>
+            <p:cNvSpPr txBox="1"/>
+            <p:nvPr/>
+          </p:nvSpPr>
+          <p:spPr>
+            <a:xfrm>
+              <a:off x="5517258" y="1573099"/>
+              <a:ext cx="509285" cy="369332"/>
+            </a:xfrm>
+            <a:prstGeom prst="rect">
+              <a:avLst/>
+            </a:prstGeom>
+            <a:noFill/>
+          </p:spPr>
+          <p:txBody>
+            <a:bodyPr wrap="square" rtlCol="0">
+              <a:spAutoFit/>
+            </a:bodyPr>
+            <a:lstStyle/>
+            <a:p>
+              <a:r>
+                <a:rPr kumimoji="1" lang="en-US" altLang="zh-CN" dirty="0"/>
+                <a:t>1.5</a:t>
+              </a:r>
+              <a:endParaRPr kumimoji="1" lang="zh-CN" altLang="en-US" dirty="0"/>
+            </a:p>
+          </p:txBody>
+        </p:sp>
+        <p:sp>
+          <p:nvSpPr>
+            <p:cNvPr id="35" name="文本框 34">
+              <a:extLst>
+                <a:ext uri="{FF2B5EF4-FFF2-40B4-BE49-F238E27FC236}">
+                  <a16:creationId xmlns:a16="http://schemas.microsoft.com/office/drawing/2014/main" id="{D5A8BA1F-65CA-D849-9800-00D525F46074}"/>
+                </a:ext>
+              </a:extLst>
+            </p:cNvPr>
+            <p:cNvSpPr txBox="1"/>
+            <p:nvPr/>
+          </p:nvSpPr>
+          <p:spPr>
+            <a:xfrm>
+              <a:off x="6026543" y="1573099"/>
+              <a:ext cx="509285" cy="369332"/>
+            </a:xfrm>
+            <a:prstGeom prst="rect">
+              <a:avLst/>
+            </a:prstGeom>
+            <a:noFill/>
+          </p:spPr>
+          <p:txBody>
+            <a:bodyPr wrap="square" rtlCol="0">
+              <a:spAutoFit/>
+            </a:bodyPr>
+            <a:lstStyle/>
+            <a:p>
+              <a:r>
+                <a:rPr kumimoji="1" lang="en-US" altLang="zh-CN" dirty="0"/>
+                <a:t>2.2</a:t>
+              </a:r>
+              <a:endParaRPr kumimoji="1" lang="zh-CN" altLang="en-US" dirty="0"/>
+            </a:p>
+          </p:txBody>
+        </p:sp>
+        <p:sp>
+          <p:nvSpPr>
+            <p:cNvPr id="36" name="文本框 35">
+              <a:extLst>
+                <a:ext uri="{FF2B5EF4-FFF2-40B4-BE49-F238E27FC236}">
+                  <a16:creationId xmlns:a16="http://schemas.microsoft.com/office/drawing/2014/main" id="{26524B45-14A0-3748-AFAA-D93CF4C6AADD}"/>
+                </a:ext>
+              </a:extLst>
+            </p:cNvPr>
+            <p:cNvSpPr txBox="1"/>
+            <p:nvPr/>
+          </p:nvSpPr>
+          <p:spPr>
+            <a:xfrm>
+              <a:off x="6535828" y="1573099"/>
+              <a:ext cx="509285" cy="369332"/>
+            </a:xfrm>
+            <a:prstGeom prst="rect">
+              <a:avLst/>
+            </a:prstGeom>
+            <a:noFill/>
+          </p:spPr>
+          <p:txBody>
+            <a:bodyPr wrap="square" rtlCol="0">
+              <a:spAutoFit/>
+            </a:bodyPr>
+            <a:lstStyle/>
+            <a:p>
+              <a:r>
+                <a:rPr kumimoji="1" lang="en-US" altLang="zh-CN" dirty="0"/>
+                <a:t>1</a:t>
+              </a:r>
+              <a:endParaRPr kumimoji="1" lang="zh-CN" altLang="en-US" dirty="0"/>
+            </a:p>
+          </p:txBody>
+        </p:sp>
+        <p:sp>
+          <p:nvSpPr>
+            <p:cNvPr id="37" name="文本框 36">
+              <a:extLst>
+                <a:ext uri="{FF2B5EF4-FFF2-40B4-BE49-F238E27FC236}">
+                  <a16:creationId xmlns:a16="http://schemas.microsoft.com/office/drawing/2014/main" id="{654DC3DF-ABC3-C54B-B833-931289FB8569}"/>
+                </a:ext>
+              </a:extLst>
+            </p:cNvPr>
+            <p:cNvSpPr txBox="1"/>
+            <p:nvPr/>
+          </p:nvSpPr>
+          <p:spPr>
+            <a:xfrm>
+              <a:off x="7045113" y="1573099"/>
+              <a:ext cx="509285" cy="369332"/>
+            </a:xfrm>
+            <a:prstGeom prst="rect">
+              <a:avLst/>
+            </a:prstGeom>
+            <a:noFill/>
+          </p:spPr>
+          <p:txBody>
+            <a:bodyPr wrap="square" rtlCol="0">
+              <a:spAutoFit/>
+            </a:bodyPr>
+            <a:lstStyle/>
+            <a:p>
+              <a:r>
+                <a:rPr kumimoji="1" lang="en-US" altLang="zh-CN" dirty="0"/>
+                <a:t>1</a:t>
+              </a:r>
+              <a:endParaRPr kumimoji="1" lang="zh-CN" altLang="en-US" dirty="0"/>
+            </a:p>
+          </p:txBody>
+        </p:sp>
+        <p:sp>
+          <p:nvSpPr>
+            <p:cNvPr id="38" name="文本框 37">
+              <a:extLst>
+                <a:ext uri="{FF2B5EF4-FFF2-40B4-BE49-F238E27FC236}">
+                  <a16:creationId xmlns:a16="http://schemas.microsoft.com/office/drawing/2014/main" id="{E7181BC7-C88A-3C43-961A-572FC7E4A50A}"/>
+                </a:ext>
+              </a:extLst>
+            </p:cNvPr>
+            <p:cNvSpPr txBox="1"/>
+            <p:nvPr/>
+          </p:nvSpPr>
+          <p:spPr>
+            <a:xfrm>
+              <a:off x="5517258" y="1942431"/>
+              <a:ext cx="509285" cy="369332"/>
+            </a:xfrm>
+            <a:prstGeom prst="rect">
+              <a:avLst/>
+            </a:prstGeom>
+            <a:noFill/>
+          </p:spPr>
+          <p:txBody>
+            <a:bodyPr wrap="square" rtlCol="0">
+              <a:spAutoFit/>
+            </a:bodyPr>
+            <a:lstStyle/>
+            <a:p>
+              <a:r>
+                <a:rPr kumimoji="1" lang="en-US" altLang="zh-CN" dirty="0"/>
+                <a:t>1.6</a:t>
+              </a:r>
+              <a:endParaRPr kumimoji="1" lang="zh-CN" altLang="en-US" dirty="0"/>
+            </a:p>
+          </p:txBody>
+        </p:sp>
+        <p:sp>
+          <p:nvSpPr>
+            <p:cNvPr id="39" name="文本框 38">
+              <a:extLst>
+                <a:ext uri="{FF2B5EF4-FFF2-40B4-BE49-F238E27FC236}">
+                  <a16:creationId xmlns:a16="http://schemas.microsoft.com/office/drawing/2014/main" id="{96546EDB-FDFD-C248-BC39-828F551F96BF}"/>
+                </a:ext>
+              </a:extLst>
+            </p:cNvPr>
+            <p:cNvSpPr txBox="1"/>
+            <p:nvPr/>
+          </p:nvSpPr>
+          <p:spPr>
+            <a:xfrm>
+              <a:off x="6026543" y="1942431"/>
+              <a:ext cx="509285" cy="369332"/>
+            </a:xfrm>
+            <a:prstGeom prst="rect">
+              <a:avLst/>
+            </a:prstGeom>
+            <a:noFill/>
+          </p:spPr>
+          <p:txBody>
+            <a:bodyPr wrap="square" rtlCol="0">
+              <a:spAutoFit/>
+            </a:bodyPr>
+            <a:lstStyle/>
+            <a:p>
+              <a:r>
+                <a:rPr kumimoji="1" lang="en-US" altLang="zh-CN" dirty="0"/>
+                <a:t>2.8</a:t>
+              </a:r>
+              <a:endParaRPr kumimoji="1" lang="zh-CN" altLang="en-US" dirty="0"/>
+            </a:p>
+          </p:txBody>
+        </p:sp>
+        <p:sp>
+          <p:nvSpPr>
+            <p:cNvPr id="40" name="文本框 39">
+              <a:extLst>
+                <a:ext uri="{FF2B5EF4-FFF2-40B4-BE49-F238E27FC236}">
+                  <a16:creationId xmlns:a16="http://schemas.microsoft.com/office/drawing/2014/main" id="{87347067-7594-144A-AA71-15A645621DF4}"/>
+                </a:ext>
+              </a:extLst>
+            </p:cNvPr>
+            <p:cNvSpPr txBox="1"/>
+            <p:nvPr/>
+          </p:nvSpPr>
+          <p:spPr>
+            <a:xfrm>
+              <a:off x="6535828" y="1942431"/>
+              <a:ext cx="509285" cy="369332"/>
+            </a:xfrm>
+            <a:prstGeom prst="rect">
+              <a:avLst/>
+            </a:prstGeom>
+            <a:noFill/>
+          </p:spPr>
+          <p:txBody>
+            <a:bodyPr wrap="square" rtlCol="0">
+              <a:spAutoFit/>
+            </a:bodyPr>
+            <a:lstStyle/>
+            <a:p>
+              <a:r>
+                <a:rPr kumimoji="1" lang="en-US" altLang="zh-CN" dirty="0"/>
+                <a:t>1</a:t>
+              </a:r>
+              <a:endParaRPr kumimoji="1" lang="zh-CN" altLang="en-US" dirty="0"/>
+            </a:p>
+          </p:txBody>
+        </p:sp>
+        <p:sp>
+          <p:nvSpPr>
+            <p:cNvPr id="41" name="文本框 40">
+              <a:extLst>
+                <a:ext uri="{FF2B5EF4-FFF2-40B4-BE49-F238E27FC236}">
+                  <a16:creationId xmlns:a16="http://schemas.microsoft.com/office/drawing/2014/main" id="{B9F5290F-53DB-1B43-AF3A-A3B673571A24}"/>
+                </a:ext>
+              </a:extLst>
+            </p:cNvPr>
+            <p:cNvSpPr txBox="1"/>
+            <p:nvPr/>
+          </p:nvSpPr>
+          <p:spPr>
+            <a:xfrm>
+              <a:off x="7045113" y="1942431"/>
+              <a:ext cx="509285" cy="369332"/>
+            </a:xfrm>
+            <a:prstGeom prst="rect">
+              <a:avLst/>
+            </a:prstGeom>
+            <a:noFill/>
+          </p:spPr>
+          <p:txBody>
+            <a:bodyPr wrap="square" rtlCol="0">
+              <a:spAutoFit/>
+            </a:bodyPr>
+            <a:lstStyle/>
+            <a:p>
+              <a:r>
+                <a:rPr kumimoji="1" lang="en-US" altLang="zh-CN" dirty="0"/>
+                <a:t>1</a:t>
+              </a:r>
+              <a:endParaRPr kumimoji="1" lang="zh-CN" altLang="en-US" dirty="0"/>
+            </a:p>
+          </p:txBody>
+        </p:sp>
+        <p:sp>
+          <p:nvSpPr>
+            <p:cNvPr id="42" name="文本框 41">
+              <a:extLst>
+                <a:ext uri="{FF2B5EF4-FFF2-40B4-BE49-F238E27FC236}">
+                  <a16:creationId xmlns:a16="http://schemas.microsoft.com/office/drawing/2014/main" id="{57DD9411-64C3-8142-88E2-A859D257AEA7}"/>
+                </a:ext>
+              </a:extLst>
+            </p:cNvPr>
+            <p:cNvSpPr txBox="1"/>
+            <p:nvPr/>
+          </p:nvSpPr>
+          <p:spPr>
+            <a:xfrm>
+              <a:off x="6188600" y="752354"/>
+              <a:ext cx="584522" cy="369332"/>
+            </a:xfrm>
+            <a:prstGeom prst="rect">
+              <a:avLst/>
+            </a:prstGeom>
+            <a:noFill/>
+          </p:spPr>
+          <p:txBody>
+            <a:bodyPr wrap="square" rtlCol="0">
+              <a:spAutoFit/>
+            </a:bodyPr>
+            <a:lstStyle/>
+            <a:p>
+              <a:r>
+                <a:rPr kumimoji="1" lang="en-US" altLang="zh-CN" dirty="0" err="1"/>
+                <a:t>dfv</a:t>
+              </a:r>
+              <a:endParaRPr kumimoji="1" lang="zh-CN" altLang="en-US" dirty="0"/>
+            </a:p>
+          </p:txBody>
+        </p:sp>
+        <p:cxnSp>
+          <p:nvCxnSpPr>
+            <p:cNvPr id="44" name="直线连接符 43">
+              <a:extLst>
+                <a:ext uri="{FF2B5EF4-FFF2-40B4-BE49-F238E27FC236}">
+                  <a16:creationId xmlns:a16="http://schemas.microsoft.com/office/drawing/2014/main" id="{A0A963DD-6E9E-B743-ABAC-B54A053B2056}"/>
+                </a:ext>
+              </a:extLst>
+            </p:cNvPr>
+            <p:cNvCxnSpPr>
+              <a:cxnSpLocks/>
+            </p:cNvCxnSpPr>
+            <p:nvPr/>
+          </p:nvCxnSpPr>
+          <p:spPr>
+            <a:xfrm>
+              <a:off x="3310355" y="557514"/>
+              <a:ext cx="0" cy="1919468"/>
+            </a:xfrm>
+            <a:prstGeom prst="line">
+              <a:avLst/>
+            </a:prstGeom>
+            <a:ln w="12700">
+              <a:solidFill>
+                <a:schemeClr val="tx1"/>
+              </a:solidFill>
+              <a:prstDash val="solid"/>
+            </a:ln>
+          </p:spPr>
+          <p:style>
+            <a:lnRef idx="1">
+              <a:schemeClr val="accent1"/>
+            </a:lnRef>
+            <a:fillRef idx="0">
+              <a:schemeClr val="accent1"/>
+            </a:fillRef>
+            <a:effectRef idx="0">
+              <a:schemeClr val="accent1"/>
+            </a:effectRef>
+            <a:fontRef idx="minor">
+              <a:schemeClr val="tx1"/>
+            </a:fontRef>
+          </p:style>
+        </p:cxnSp>
+        <p:cxnSp>
+          <p:nvCxnSpPr>
+            <p:cNvPr id="45" name="直线连接符 44">
+              <a:extLst>
+                <a:ext uri="{FF2B5EF4-FFF2-40B4-BE49-F238E27FC236}">
+                  <a16:creationId xmlns:a16="http://schemas.microsoft.com/office/drawing/2014/main" id="{B1A0183E-1D1E-A64A-990A-18BCB11A2DFC}"/>
+                </a:ext>
+              </a:extLst>
+            </p:cNvPr>
+            <p:cNvCxnSpPr>
+              <a:cxnSpLocks/>
+            </p:cNvCxnSpPr>
+            <p:nvPr/>
+          </p:nvCxnSpPr>
+          <p:spPr>
+            <a:xfrm>
+              <a:off x="5384152" y="557514"/>
+              <a:ext cx="0" cy="1919468"/>
+            </a:xfrm>
+            <a:prstGeom prst="line">
+              <a:avLst/>
+            </a:prstGeom>
+            <a:ln w="12700">
+              <a:solidFill>
+                <a:schemeClr val="tx1"/>
+              </a:solidFill>
+              <a:prstDash val="solid"/>
+            </a:ln>
+          </p:spPr>
+          <p:style>
+            <a:lnRef idx="1">
+              <a:schemeClr val="accent1"/>
+            </a:lnRef>
+            <a:fillRef idx="0">
+              <a:schemeClr val="accent1"/>
+            </a:fillRef>
+            <a:effectRef idx="0">
+              <a:schemeClr val="accent1"/>
+            </a:effectRef>
+            <a:fontRef idx="minor">
+              <a:schemeClr val="tx1"/>
+            </a:fontRef>
+          </p:style>
+        </p:cxnSp>
+      </p:grpSp>
+    </p:spTree>
+    <p:extLst>
+      <p:ext uri="{BB962C8B-B14F-4D97-AF65-F5344CB8AC3E}">
+        <p14:creationId xmlns:p14="http://schemas.microsoft.com/office/powerpoint/2010/main" val="1745672573"/>
+      </p:ext>
+    </p:extLst>
+  </p:cSld>
+  <p:clrMapOvr>
+    <a:masterClrMapping/>
+  </p:clrMapOvr>
+</p:sld>
+</file>
+
+<file path=ppt/slides/slide11.xml><?xml version="1.0" encoding="utf-8"?>
+<p:sld xmlns:a="http://schemas.openxmlformats.org/drawingml/2006/main" xmlns:r="http://schemas.openxmlformats.org/officeDocument/2006/relationships" xmlns:p="http://schemas.openxmlformats.org/presentationml/2006/main">
+  <p:cSld>
+    <p:spTree>
+      <p:nvGrpSpPr>
+        <p:cNvPr id="1" name=""/>
+        <p:cNvGrpSpPr/>
+        <p:nvPr/>
+      </p:nvGrpSpPr>
+      <p:grpSpPr>
+        <a:xfrm>
+          <a:off x="0" y="0"/>
+          <a:ext cx="0" cy="0"/>
+          <a:chOff x="0" y="0"/>
+          <a:chExt cx="0" cy="0"/>
+        </a:xfrm>
+      </p:grpSpPr>
+      <p:grpSp>
+        <p:nvGrpSpPr>
           <p:cNvPr id="3" name="组合 2">
             <a:extLst>
               <a:ext uri="{FF2B5EF4-FFF2-40B4-BE49-F238E27FC236}">
@@ -3815,6 +5412,1200 @@
       </p:grpSpPr>
       <p:grpSp>
         <p:nvGrpSpPr>
+          <p:cNvPr id="27" name="组合 26">
+            <a:extLst>
+              <a:ext uri="{FF2B5EF4-FFF2-40B4-BE49-F238E27FC236}">
+                <a16:creationId xmlns:a16="http://schemas.microsoft.com/office/drawing/2014/main" id="{E0ACE13C-99A0-6A49-B875-A375666C324D}"/>
+              </a:ext>
+            </a:extLst>
+          </p:cNvPr>
+          <p:cNvGrpSpPr/>
+          <p:nvPr/>
+        </p:nvGrpSpPr>
+        <p:grpSpPr>
+          <a:xfrm>
+            <a:off x="2000250" y="614363"/>
+            <a:ext cx="6500813" cy="2514600"/>
+            <a:chOff x="2000250" y="614363"/>
+            <a:chExt cx="6500813" cy="2514600"/>
+          </a:xfrm>
+        </p:grpSpPr>
+        <p:sp>
+          <p:nvSpPr>
+            <p:cNvPr id="26" name="矩形 25">
+              <a:extLst>
+                <a:ext uri="{FF2B5EF4-FFF2-40B4-BE49-F238E27FC236}">
+                  <a16:creationId xmlns:a16="http://schemas.microsoft.com/office/drawing/2014/main" id="{0D34187F-40BC-EE4A-8FD7-E76170D5D655}"/>
+                </a:ext>
+              </a:extLst>
+            </p:cNvPr>
+            <p:cNvSpPr/>
+            <p:nvPr/>
+          </p:nvSpPr>
+          <p:spPr>
+            <a:xfrm>
+              <a:off x="2000250" y="614363"/>
+              <a:ext cx="6500813" cy="2514600"/>
+            </a:xfrm>
+            <a:prstGeom prst="rect">
+              <a:avLst/>
+            </a:prstGeom>
+            <a:solidFill>
+              <a:schemeClr val="bg1"/>
+            </a:solidFill>
+            <a:ln>
+              <a:noFill/>
+            </a:ln>
+          </p:spPr>
+          <p:style>
+            <a:lnRef idx="2">
+              <a:schemeClr val="accent1">
+                <a:shade val="50000"/>
+              </a:schemeClr>
+            </a:lnRef>
+            <a:fillRef idx="1">
+              <a:schemeClr val="accent1"/>
+            </a:fillRef>
+            <a:effectRef idx="0">
+              <a:schemeClr val="accent1"/>
+            </a:effectRef>
+            <a:fontRef idx="minor">
+              <a:schemeClr val="lt1"/>
+            </a:fontRef>
+          </p:style>
+          <p:txBody>
+            <a:bodyPr rtlCol="0" anchor="ctr"/>
+            <a:lstStyle/>
+            <a:p>
+              <a:pPr algn="ctr"/>
+              <a:endParaRPr kumimoji="1" lang="zh-CN" altLang="en-US"/>
+            </a:p>
+          </p:txBody>
+        </p:sp>
+        <p:grpSp>
+          <p:nvGrpSpPr>
+            <p:cNvPr id="25" name="组合 24">
+              <a:extLst>
+                <a:ext uri="{FF2B5EF4-FFF2-40B4-BE49-F238E27FC236}">
+                  <a16:creationId xmlns:a16="http://schemas.microsoft.com/office/drawing/2014/main" id="{866C493E-2B0E-5147-BC97-51BF15D5FE3E}"/>
+                </a:ext>
+              </a:extLst>
+            </p:cNvPr>
+            <p:cNvGrpSpPr/>
+            <p:nvPr/>
+          </p:nvGrpSpPr>
+          <p:grpSpPr>
+            <a:xfrm>
+              <a:off x="2257063" y="871235"/>
+              <a:ext cx="6053554" cy="1951400"/>
+              <a:chOff x="2257063" y="871235"/>
+              <a:chExt cx="6053554" cy="1951400"/>
+            </a:xfrm>
+          </p:grpSpPr>
+          <p:sp>
+            <p:nvSpPr>
+              <p:cNvPr id="4" name="矩形 3">
+                <a:extLst>
+                  <a:ext uri="{FF2B5EF4-FFF2-40B4-BE49-F238E27FC236}">
+                    <a16:creationId xmlns:a16="http://schemas.microsoft.com/office/drawing/2014/main" id="{ACBA5F15-DACB-CD40-9340-D255CB36C0AB}"/>
+                  </a:ext>
+                </a:extLst>
+              </p:cNvPr>
+              <p:cNvSpPr/>
+              <p:nvPr/>
+            </p:nvSpPr>
+            <p:spPr>
+              <a:xfrm>
+                <a:off x="2349661" y="1365813"/>
+                <a:ext cx="428263" cy="428263"/>
+              </a:xfrm>
+              <a:prstGeom prst="rect">
+                <a:avLst/>
+              </a:prstGeom>
+            </p:spPr>
+            <p:style>
+              <a:lnRef idx="2">
+                <a:schemeClr val="accent1">
+                  <a:shade val="50000"/>
+                </a:schemeClr>
+              </a:lnRef>
+              <a:fillRef idx="1">
+                <a:schemeClr val="accent1"/>
+              </a:fillRef>
+              <a:effectRef idx="0">
+                <a:schemeClr val="accent1"/>
+              </a:effectRef>
+              <a:fontRef idx="minor">
+                <a:schemeClr val="lt1"/>
+              </a:fontRef>
+            </p:style>
+            <p:txBody>
+              <a:bodyPr rtlCol="0" anchor="ctr"/>
+              <a:lstStyle/>
+              <a:p>
+                <a:pPr algn="ctr"/>
+                <a:r>
+                  <a:rPr kumimoji="1" lang="en-US" altLang="zh-CN" dirty="0">
+                    <a:latin typeface="Times New Roman" panose="02020603050405020304" pitchFamily="18" charset="0"/>
+                    <a:cs typeface="Times New Roman" panose="02020603050405020304" pitchFamily="18" charset="0"/>
+                  </a:rPr>
+                  <a:t>1</a:t>
+                </a:r>
+                <a:endParaRPr kumimoji="1" lang="zh-CN" altLang="en-US" dirty="0">
+                  <a:latin typeface="Times New Roman" panose="02020603050405020304" pitchFamily="18" charset="0"/>
+                  <a:cs typeface="Times New Roman" panose="02020603050405020304" pitchFamily="18" charset="0"/>
+                </a:endParaRPr>
+              </a:p>
+            </p:txBody>
+          </p:sp>
+          <p:sp>
+            <p:nvSpPr>
+              <p:cNvPr id="5" name="矩形 4">
+                <a:extLst>
+                  <a:ext uri="{FF2B5EF4-FFF2-40B4-BE49-F238E27FC236}">
+                    <a16:creationId xmlns:a16="http://schemas.microsoft.com/office/drawing/2014/main" id="{6D23A378-98BD-E84D-803E-B9D0C4B68047}"/>
+                  </a:ext>
+                </a:extLst>
+              </p:cNvPr>
+              <p:cNvSpPr/>
+              <p:nvPr/>
+            </p:nvSpPr>
+            <p:spPr>
+              <a:xfrm>
+                <a:off x="2777924" y="1365813"/>
+                <a:ext cx="428263" cy="428263"/>
+              </a:xfrm>
+              <a:prstGeom prst="rect">
+                <a:avLst/>
+              </a:prstGeom>
+            </p:spPr>
+            <p:style>
+              <a:lnRef idx="2">
+                <a:schemeClr val="accent1">
+                  <a:shade val="50000"/>
+                </a:schemeClr>
+              </a:lnRef>
+              <a:fillRef idx="1">
+                <a:schemeClr val="accent1"/>
+              </a:fillRef>
+              <a:effectRef idx="0">
+                <a:schemeClr val="accent1"/>
+              </a:effectRef>
+              <a:fontRef idx="minor">
+                <a:schemeClr val="lt1"/>
+              </a:fontRef>
+            </p:style>
+            <p:txBody>
+              <a:bodyPr rtlCol="0" anchor="ctr"/>
+              <a:lstStyle/>
+              <a:p>
+                <a:pPr algn="ctr"/>
+                <a:r>
+                  <a:rPr kumimoji="1" lang="en-US" altLang="zh-CN" dirty="0">
+                    <a:latin typeface="Times New Roman" panose="02020603050405020304" pitchFamily="18" charset="0"/>
+                    <a:cs typeface="Times New Roman" panose="02020603050405020304" pitchFamily="18" charset="0"/>
+                  </a:rPr>
+                  <a:t>2</a:t>
+                </a:r>
+                <a:endParaRPr kumimoji="1" lang="zh-CN" altLang="en-US" dirty="0">
+                  <a:latin typeface="Times New Roman" panose="02020603050405020304" pitchFamily="18" charset="0"/>
+                  <a:cs typeface="Times New Roman" panose="02020603050405020304" pitchFamily="18" charset="0"/>
+                </a:endParaRPr>
+              </a:p>
+            </p:txBody>
+          </p:sp>
+          <p:sp>
+            <p:nvSpPr>
+              <p:cNvPr id="6" name="矩形 5">
+                <a:extLst>
+                  <a:ext uri="{FF2B5EF4-FFF2-40B4-BE49-F238E27FC236}">
+                    <a16:creationId xmlns:a16="http://schemas.microsoft.com/office/drawing/2014/main" id="{6E1F7336-05A0-D24E-AB43-B2ABA6F81249}"/>
+                  </a:ext>
+                </a:extLst>
+              </p:cNvPr>
+              <p:cNvSpPr/>
+              <p:nvPr/>
+            </p:nvSpPr>
+            <p:spPr>
+              <a:xfrm>
+                <a:off x="3206187" y="1365812"/>
+                <a:ext cx="428263" cy="428263"/>
+              </a:xfrm>
+              <a:prstGeom prst="rect">
+                <a:avLst/>
+              </a:prstGeom>
+            </p:spPr>
+            <p:style>
+              <a:lnRef idx="2">
+                <a:schemeClr val="accent1">
+                  <a:shade val="50000"/>
+                </a:schemeClr>
+              </a:lnRef>
+              <a:fillRef idx="1">
+                <a:schemeClr val="accent1"/>
+              </a:fillRef>
+              <a:effectRef idx="0">
+                <a:schemeClr val="accent1"/>
+              </a:effectRef>
+              <a:fontRef idx="minor">
+                <a:schemeClr val="lt1"/>
+              </a:fontRef>
+            </p:style>
+            <p:txBody>
+              <a:bodyPr rtlCol="0" anchor="ctr"/>
+              <a:lstStyle/>
+              <a:p>
+                <a:pPr algn="ctr"/>
+                <a:r>
+                  <a:rPr kumimoji="1" lang="en-US" altLang="zh-CN" dirty="0">
+                    <a:latin typeface="Times New Roman" panose="02020603050405020304" pitchFamily="18" charset="0"/>
+                    <a:cs typeface="Times New Roman" panose="02020603050405020304" pitchFamily="18" charset="0"/>
+                  </a:rPr>
+                  <a:t>3</a:t>
+                </a:r>
+                <a:endParaRPr kumimoji="1" lang="zh-CN" altLang="en-US" dirty="0">
+                  <a:latin typeface="Times New Roman" panose="02020603050405020304" pitchFamily="18" charset="0"/>
+                  <a:cs typeface="Times New Roman" panose="02020603050405020304" pitchFamily="18" charset="0"/>
+                </a:endParaRPr>
+              </a:p>
+            </p:txBody>
+          </p:sp>
+          <p:sp>
+            <p:nvSpPr>
+              <p:cNvPr id="7" name="矩形 6">
+                <a:extLst>
+                  <a:ext uri="{FF2B5EF4-FFF2-40B4-BE49-F238E27FC236}">
+                    <a16:creationId xmlns:a16="http://schemas.microsoft.com/office/drawing/2014/main" id="{74F901FB-96ED-C24E-B4F9-1EC1F6CD42A2}"/>
+                  </a:ext>
+                </a:extLst>
+              </p:cNvPr>
+              <p:cNvSpPr/>
+              <p:nvPr/>
+            </p:nvSpPr>
+            <p:spPr>
+              <a:xfrm>
+                <a:off x="3634450" y="1365813"/>
+                <a:ext cx="428263" cy="428263"/>
+              </a:xfrm>
+              <a:prstGeom prst="rect">
+                <a:avLst/>
+              </a:prstGeom>
+            </p:spPr>
+            <p:style>
+              <a:lnRef idx="2">
+                <a:schemeClr val="accent1">
+                  <a:shade val="50000"/>
+                </a:schemeClr>
+              </a:lnRef>
+              <a:fillRef idx="1">
+                <a:schemeClr val="accent1"/>
+              </a:fillRef>
+              <a:effectRef idx="0">
+                <a:schemeClr val="accent1"/>
+              </a:effectRef>
+              <a:fontRef idx="minor">
+                <a:schemeClr val="lt1"/>
+              </a:fontRef>
+            </p:style>
+            <p:txBody>
+              <a:bodyPr rtlCol="0" anchor="ctr"/>
+              <a:lstStyle/>
+              <a:p>
+                <a:pPr algn="ctr"/>
+                <a:r>
+                  <a:rPr kumimoji="1" lang="en-US" altLang="zh-CN" dirty="0">
+                    <a:latin typeface="Times New Roman" panose="02020603050405020304" pitchFamily="18" charset="0"/>
+                    <a:cs typeface="Times New Roman" panose="02020603050405020304" pitchFamily="18" charset="0"/>
+                  </a:rPr>
+                  <a:t>4</a:t>
+                </a:r>
+                <a:endParaRPr kumimoji="1" lang="zh-CN" altLang="en-US" dirty="0">
+                  <a:latin typeface="Times New Roman" panose="02020603050405020304" pitchFamily="18" charset="0"/>
+                  <a:cs typeface="Times New Roman" panose="02020603050405020304" pitchFamily="18" charset="0"/>
+                </a:endParaRPr>
+              </a:p>
+            </p:txBody>
+          </p:sp>
+          <p:sp>
+            <p:nvSpPr>
+              <p:cNvPr id="8" name="矩形 7">
+                <a:extLst>
+                  <a:ext uri="{FF2B5EF4-FFF2-40B4-BE49-F238E27FC236}">
+                    <a16:creationId xmlns:a16="http://schemas.microsoft.com/office/drawing/2014/main" id="{6C4F3E55-C0B7-144B-9D66-79F1DABF1265}"/>
+                  </a:ext>
+                </a:extLst>
+              </p:cNvPr>
+              <p:cNvSpPr/>
+              <p:nvPr/>
+            </p:nvSpPr>
+            <p:spPr>
+              <a:xfrm>
+                <a:off x="4062713" y="1365813"/>
+                <a:ext cx="428263" cy="428263"/>
+              </a:xfrm>
+              <a:prstGeom prst="rect">
+                <a:avLst/>
+              </a:prstGeom>
+            </p:spPr>
+            <p:style>
+              <a:lnRef idx="2">
+                <a:schemeClr val="accent1">
+                  <a:shade val="50000"/>
+                </a:schemeClr>
+              </a:lnRef>
+              <a:fillRef idx="1">
+                <a:schemeClr val="accent1"/>
+              </a:fillRef>
+              <a:effectRef idx="0">
+                <a:schemeClr val="accent1"/>
+              </a:effectRef>
+              <a:fontRef idx="minor">
+                <a:schemeClr val="lt1"/>
+              </a:fontRef>
+            </p:style>
+            <p:txBody>
+              <a:bodyPr rtlCol="0" anchor="ctr"/>
+              <a:lstStyle/>
+              <a:p>
+                <a:pPr algn="ctr"/>
+                <a:r>
+                  <a:rPr kumimoji="1" lang="en-US" altLang="zh-CN" dirty="0">
+                    <a:latin typeface="Times New Roman" panose="02020603050405020304" pitchFamily="18" charset="0"/>
+                    <a:cs typeface="Times New Roman" panose="02020603050405020304" pitchFamily="18" charset="0"/>
+                  </a:rPr>
+                  <a:t>5</a:t>
+                </a:r>
+                <a:endParaRPr kumimoji="1" lang="zh-CN" altLang="en-US" dirty="0">
+                  <a:latin typeface="Times New Roman" panose="02020603050405020304" pitchFamily="18" charset="0"/>
+                  <a:cs typeface="Times New Roman" panose="02020603050405020304" pitchFamily="18" charset="0"/>
+                </a:endParaRPr>
+              </a:p>
+            </p:txBody>
+          </p:sp>
+          <p:sp>
+            <p:nvSpPr>
+              <p:cNvPr id="9" name="矩形 8">
+                <a:extLst>
+                  <a:ext uri="{FF2B5EF4-FFF2-40B4-BE49-F238E27FC236}">
+                    <a16:creationId xmlns:a16="http://schemas.microsoft.com/office/drawing/2014/main" id="{6064C346-B79E-6E40-AFD6-F71EA6A38FBF}"/>
+                  </a:ext>
+                </a:extLst>
+              </p:cNvPr>
+              <p:cNvSpPr/>
+              <p:nvPr/>
+            </p:nvSpPr>
+            <p:spPr>
+              <a:xfrm>
+                <a:off x="4490976" y="1365812"/>
+                <a:ext cx="428263" cy="428263"/>
+              </a:xfrm>
+              <a:prstGeom prst="rect">
+                <a:avLst/>
+              </a:prstGeom>
+            </p:spPr>
+            <p:style>
+              <a:lnRef idx="2">
+                <a:schemeClr val="accent1">
+                  <a:shade val="50000"/>
+                </a:schemeClr>
+              </a:lnRef>
+              <a:fillRef idx="1">
+                <a:schemeClr val="accent1"/>
+              </a:fillRef>
+              <a:effectRef idx="0">
+                <a:schemeClr val="accent1"/>
+              </a:effectRef>
+              <a:fontRef idx="minor">
+                <a:schemeClr val="lt1"/>
+              </a:fontRef>
+            </p:style>
+            <p:txBody>
+              <a:bodyPr rtlCol="0" anchor="ctr"/>
+              <a:lstStyle/>
+              <a:p>
+                <a:pPr algn="ctr"/>
+                <a:r>
+                  <a:rPr kumimoji="1" lang="en-US" altLang="zh-CN" dirty="0">
+                    <a:latin typeface="Times New Roman" panose="02020603050405020304" pitchFamily="18" charset="0"/>
+                    <a:cs typeface="Times New Roman" panose="02020603050405020304" pitchFamily="18" charset="0"/>
+                  </a:rPr>
+                  <a:t>6</a:t>
+                </a:r>
+                <a:endParaRPr kumimoji="1" lang="zh-CN" altLang="en-US" dirty="0">
+                  <a:latin typeface="Times New Roman" panose="02020603050405020304" pitchFamily="18" charset="0"/>
+                  <a:cs typeface="Times New Roman" panose="02020603050405020304" pitchFamily="18" charset="0"/>
+                </a:endParaRPr>
+              </a:p>
+            </p:txBody>
+          </p:sp>
+          <p:sp>
+            <p:nvSpPr>
+              <p:cNvPr id="10" name="矩形 9">
+                <a:extLst>
+                  <a:ext uri="{FF2B5EF4-FFF2-40B4-BE49-F238E27FC236}">
+                    <a16:creationId xmlns:a16="http://schemas.microsoft.com/office/drawing/2014/main" id="{9AC5A297-CAB0-B049-89A7-17DFF80FBBB0}"/>
+                  </a:ext>
+                </a:extLst>
+              </p:cNvPr>
+              <p:cNvSpPr/>
+              <p:nvPr/>
+            </p:nvSpPr>
+            <p:spPr>
+              <a:xfrm>
+                <a:off x="4919239" y="1365812"/>
+                <a:ext cx="428263" cy="428263"/>
+              </a:xfrm>
+              <a:prstGeom prst="rect">
+                <a:avLst/>
+              </a:prstGeom>
+            </p:spPr>
+            <p:style>
+              <a:lnRef idx="2">
+                <a:schemeClr val="accent1">
+                  <a:shade val="50000"/>
+                </a:schemeClr>
+              </a:lnRef>
+              <a:fillRef idx="1">
+                <a:schemeClr val="accent1"/>
+              </a:fillRef>
+              <a:effectRef idx="0">
+                <a:schemeClr val="accent1"/>
+              </a:effectRef>
+              <a:fontRef idx="minor">
+                <a:schemeClr val="lt1"/>
+              </a:fontRef>
+            </p:style>
+            <p:txBody>
+              <a:bodyPr rtlCol="0" anchor="ctr"/>
+              <a:lstStyle/>
+              <a:p>
+                <a:pPr algn="ctr"/>
+                <a:r>
+                  <a:rPr kumimoji="1" lang="en-US" altLang="zh-CN" dirty="0">
+                    <a:latin typeface="Times New Roman" panose="02020603050405020304" pitchFamily="18" charset="0"/>
+                    <a:cs typeface="Times New Roman" panose="02020603050405020304" pitchFamily="18" charset="0"/>
+                  </a:rPr>
+                  <a:t>7</a:t>
+                </a:r>
+                <a:endParaRPr kumimoji="1" lang="zh-CN" altLang="en-US" dirty="0">
+                  <a:latin typeface="Times New Roman" panose="02020603050405020304" pitchFamily="18" charset="0"/>
+                  <a:cs typeface="Times New Roman" panose="02020603050405020304" pitchFamily="18" charset="0"/>
+                </a:endParaRPr>
+              </a:p>
+            </p:txBody>
+          </p:sp>
+          <p:sp>
+            <p:nvSpPr>
+              <p:cNvPr id="11" name="矩形 10">
+                <a:extLst>
+                  <a:ext uri="{FF2B5EF4-FFF2-40B4-BE49-F238E27FC236}">
+                    <a16:creationId xmlns:a16="http://schemas.microsoft.com/office/drawing/2014/main" id="{05F72164-9874-364D-9E6E-E7FA0B317994}"/>
+                  </a:ext>
+                </a:extLst>
+              </p:cNvPr>
+              <p:cNvSpPr/>
+              <p:nvPr/>
+            </p:nvSpPr>
+            <p:spPr>
+              <a:xfrm>
+                <a:off x="5312776" y="1365813"/>
+                <a:ext cx="428263" cy="428263"/>
+              </a:xfrm>
+              <a:prstGeom prst="rect">
+                <a:avLst/>
+              </a:prstGeom>
+            </p:spPr>
+            <p:style>
+              <a:lnRef idx="2">
+                <a:schemeClr val="accent1">
+                  <a:shade val="50000"/>
+                </a:schemeClr>
+              </a:lnRef>
+              <a:fillRef idx="1">
+                <a:schemeClr val="accent1"/>
+              </a:fillRef>
+              <a:effectRef idx="0">
+                <a:schemeClr val="accent1"/>
+              </a:effectRef>
+              <a:fontRef idx="minor">
+                <a:schemeClr val="lt1"/>
+              </a:fontRef>
+            </p:style>
+            <p:txBody>
+              <a:bodyPr rtlCol="0" anchor="ctr"/>
+              <a:lstStyle/>
+              <a:p>
+                <a:pPr algn="ctr"/>
+                <a:r>
+                  <a:rPr kumimoji="1" lang="en-US" altLang="zh-CN" dirty="0">
+                    <a:latin typeface="Times New Roman" panose="02020603050405020304" pitchFamily="18" charset="0"/>
+                    <a:cs typeface="Times New Roman" panose="02020603050405020304" pitchFamily="18" charset="0"/>
+                  </a:rPr>
+                  <a:t>8</a:t>
+                </a:r>
+                <a:endParaRPr kumimoji="1" lang="zh-CN" altLang="en-US" dirty="0">
+                  <a:latin typeface="Times New Roman" panose="02020603050405020304" pitchFamily="18" charset="0"/>
+                  <a:cs typeface="Times New Roman" panose="02020603050405020304" pitchFamily="18" charset="0"/>
+                </a:endParaRPr>
+              </a:p>
+            </p:txBody>
+          </p:sp>
+          <p:sp>
+            <p:nvSpPr>
+              <p:cNvPr id="12" name="矩形 11">
+                <a:extLst>
+                  <a:ext uri="{FF2B5EF4-FFF2-40B4-BE49-F238E27FC236}">
+                    <a16:creationId xmlns:a16="http://schemas.microsoft.com/office/drawing/2014/main" id="{F446E1A5-98FA-D546-86BE-4BA94B047762}"/>
+                  </a:ext>
+                </a:extLst>
+              </p:cNvPr>
+              <p:cNvSpPr/>
+              <p:nvPr/>
+            </p:nvSpPr>
+            <p:spPr>
+              <a:xfrm>
+                <a:off x="5741039" y="1365813"/>
+                <a:ext cx="428263" cy="428263"/>
+              </a:xfrm>
+              <a:prstGeom prst="rect">
+                <a:avLst/>
+              </a:prstGeom>
+            </p:spPr>
+            <p:style>
+              <a:lnRef idx="2">
+                <a:schemeClr val="accent1">
+                  <a:shade val="50000"/>
+                </a:schemeClr>
+              </a:lnRef>
+              <a:fillRef idx="1">
+                <a:schemeClr val="accent1"/>
+              </a:fillRef>
+              <a:effectRef idx="0">
+                <a:schemeClr val="accent1"/>
+              </a:effectRef>
+              <a:fontRef idx="minor">
+                <a:schemeClr val="lt1"/>
+              </a:fontRef>
+            </p:style>
+            <p:txBody>
+              <a:bodyPr rtlCol="0" anchor="ctr"/>
+              <a:lstStyle/>
+              <a:p>
+                <a:pPr algn="ctr"/>
+                <a:r>
+                  <a:rPr kumimoji="1" lang="en-US" altLang="zh-CN" dirty="0">
+                    <a:latin typeface="Times New Roman" panose="02020603050405020304" pitchFamily="18" charset="0"/>
+                    <a:cs typeface="Times New Roman" panose="02020603050405020304" pitchFamily="18" charset="0"/>
+                  </a:rPr>
+                  <a:t>9</a:t>
+                </a:r>
+                <a:endParaRPr kumimoji="1" lang="zh-CN" altLang="en-US" dirty="0">
+                  <a:latin typeface="Times New Roman" panose="02020603050405020304" pitchFamily="18" charset="0"/>
+                  <a:cs typeface="Times New Roman" panose="02020603050405020304" pitchFamily="18" charset="0"/>
+                </a:endParaRPr>
+              </a:p>
+            </p:txBody>
+          </p:sp>
+          <p:sp>
+            <p:nvSpPr>
+              <p:cNvPr id="13" name="矩形 12">
+                <a:extLst>
+                  <a:ext uri="{FF2B5EF4-FFF2-40B4-BE49-F238E27FC236}">
+                    <a16:creationId xmlns:a16="http://schemas.microsoft.com/office/drawing/2014/main" id="{0F6E01B3-A74A-8243-A0AA-AA451FD993CA}"/>
+                  </a:ext>
+                </a:extLst>
+              </p:cNvPr>
+              <p:cNvSpPr/>
+              <p:nvPr/>
+            </p:nvSpPr>
+            <p:spPr>
+              <a:xfrm>
+                <a:off x="6169302" y="1365812"/>
+                <a:ext cx="428263" cy="428263"/>
+              </a:xfrm>
+              <a:prstGeom prst="rect">
+                <a:avLst/>
+              </a:prstGeom>
+            </p:spPr>
+            <p:style>
+              <a:lnRef idx="2">
+                <a:schemeClr val="accent1">
+                  <a:shade val="50000"/>
+                </a:schemeClr>
+              </a:lnRef>
+              <a:fillRef idx="1">
+                <a:schemeClr val="accent1"/>
+              </a:fillRef>
+              <a:effectRef idx="0">
+                <a:schemeClr val="accent1"/>
+              </a:effectRef>
+              <a:fontRef idx="minor">
+                <a:schemeClr val="lt1"/>
+              </a:fontRef>
+            </p:style>
+            <p:txBody>
+              <a:bodyPr rtlCol="0" anchor="ctr"/>
+              <a:lstStyle/>
+              <a:p>
+                <a:pPr algn="ctr"/>
+                <a:r>
+                  <a:rPr kumimoji="1" lang="en-US" altLang="zh-CN" dirty="0">
+                    <a:latin typeface="Times New Roman" panose="02020603050405020304" pitchFamily="18" charset="0"/>
+                    <a:cs typeface="Times New Roman" panose="02020603050405020304" pitchFamily="18" charset="0"/>
+                  </a:rPr>
+                  <a:t>10</a:t>
+                </a:r>
+                <a:endParaRPr kumimoji="1" lang="zh-CN" altLang="en-US" dirty="0">
+                  <a:latin typeface="Times New Roman" panose="02020603050405020304" pitchFamily="18" charset="0"/>
+                  <a:cs typeface="Times New Roman" panose="02020603050405020304" pitchFamily="18" charset="0"/>
+                </a:endParaRPr>
+              </a:p>
+            </p:txBody>
+          </p:sp>
+          <p:sp>
+            <p:nvSpPr>
+              <p:cNvPr id="14" name="矩形 13">
+                <a:extLst>
+                  <a:ext uri="{FF2B5EF4-FFF2-40B4-BE49-F238E27FC236}">
+                    <a16:creationId xmlns:a16="http://schemas.microsoft.com/office/drawing/2014/main" id="{C3B008D1-AD18-204E-A69A-E1774495E5FF}"/>
+                  </a:ext>
+                </a:extLst>
+              </p:cNvPr>
+              <p:cNvSpPr/>
+              <p:nvPr/>
+            </p:nvSpPr>
+            <p:spPr>
+              <a:xfrm>
+                <a:off x="6597565" y="1365813"/>
+                <a:ext cx="428263" cy="428263"/>
+              </a:xfrm>
+              <a:prstGeom prst="rect">
+                <a:avLst/>
+              </a:prstGeom>
+            </p:spPr>
+            <p:style>
+              <a:lnRef idx="2">
+                <a:schemeClr val="accent1">
+                  <a:shade val="50000"/>
+                </a:schemeClr>
+              </a:lnRef>
+              <a:fillRef idx="1">
+                <a:schemeClr val="accent1"/>
+              </a:fillRef>
+              <a:effectRef idx="0">
+                <a:schemeClr val="accent1"/>
+              </a:effectRef>
+              <a:fontRef idx="minor">
+                <a:schemeClr val="lt1"/>
+              </a:fontRef>
+            </p:style>
+            <p:txBody>
+              <a:bodyPr rtlCol="0" anchor="ctr"/>
+              <a:lstStyle/>
+              <a:p>
+                <a:pPr algn="ctr"/>
+                <a:r>
+                  <a:rPr kumimoji="1" lang="en-US" altLang="zh-CN" dirty="0">
+                    <a:latin typeface="Times New Roman" panose="02020603050405020304" pitchFamily="18" charset="0"/>
+                    <a:cs typeface="Times New Roman" panose="02020603050405020304" pitchFamily="18" charset="0"/>
+                  </a:rPr>
+                  <a:t>11</a:t>
+                </a:r>
+                <a:endParaRPr kumimoji="1" lang="zh-CN" altLang="en-US" dirty="0">
+                  <a:latin typeface="Times New Roman" panose="02020603050405020304" pitchFamily="18" charset="0"/>
+                  <a:cs typeface="Times New Roman" panose="02020603050405020304" pitchFamily="18" charset="0"/>
+                </a:endParaRPr>
+              </a:p>
+            </p:txBody>
+          </p:sp>
+          <p:sp>
+            <p:nvSpPr>
+              <p:cNvPr id="15" name="矩形 14">
+                <a:extLst>
+                  <a:ext uri="{FF2B5EF4-FFF2-40B4-BE49-F238E27FC236}">
+                    <a16:creationId xmlns:a16="http://schemas.microsoft.com/office/drawing/2014/main" id="{8944CCC0-22C4-D44B-BBC0-CAD95D6442AD}"/>
+                  </a:ext>
+                </a:extLst>
+              </p:cNvPr>
+              <p:cNvSpPr/>
+              <p:nvPr/>
+            </p:nvSpPr>
+            <p:spPr>
+              <a:xfrm>
+                <a:off x="7025828" y="1365813"/>
+                <a:ext cx="428263" cy="428263"/>
+              </a:xfrm>
+              <a:prstGeom prst="rect">
+                <a:avLst/>
+              </a:prstGeom>
+            </p:spPr>
+            <p:style>
+              <a:lnRef idx="2">
+                <a:schemeClr val="accent1">
+                  <a:shade val="50000"/>
+                </a:schemeClr>
+              </a:lnRef>
+              <a:fillRef idx="1">
+                <a:schemeClr val="accent1"/>
+              </a:fillRef>
+              <a:effectRef idx="0">
+                <a:schemeClr val="accent1"/>
+              </a:effectRef>
+              <a:fontRef idx="minor">
+                <a:schemeClr val="lt1"/>
+              </a:fontRef>
+            </p:style>
+            <p:txBody>
+              <a:bodyPr rtlCol="0" anchor="ctr"/>
+              <a:lstStyle/>
+              <a:p>
+                <a:pPr algn="ctr"/>
+                <a:r>
+                  <a:rPr kumimoji="1" lang="en-US" altLang="zh-CN" dirty="0">
+                    <a:latin typeface="Times New Roman" panose="02020603050405020304" pitchFamily="18" charset="0"/>
+                    <a:cs typeface="Times New Roman" panose="02020603050405020304" pitchFamily="18" charset="0"/>
+                  </a:rPr>
+                  <a:t>12</a:t>
+                </a:r>
+                <a:endParaRPr kumimoji="1" lang="zh-CN" altLang="en-US" dirty="0">
+                  <a:latin typeface="Times New Roman" panose="02020603050405020304" pitchFamily="18" charset="0"/>
+                  <a:cs typeface="Times New Roman" panose="02020603050405020304" pitchFamily="18" charset="0"/>
+                </a:endParaRPr>
+              </a:p>
+            </p:txBody>
+          </p:sp>
+          <p:sp>
+            <p:nvSpPr>
+              <p:cNvPr id="16" name="矩形 15">
+                <a:extLst>
+                  <a:ext uri="{FF2B5EF4-FFF2-40B4-BE49-F238E27FC236}">
+                    <a16:creationId xmlns:a16="http://schemas.microsoft.com/office/drawing/2014/main" id="{1AE0B172-06EC-3A4E-9138-F5E590169750}"/>
+                  </a:ext>
+                </a:extLst>
+              </p:cNvPr>
+              <p:cNvSpPr/>
+              <p:nvPr/>
+            </p:nvSpPr>
+            <p:spPr>
+              <a:xfrm>
+                <a:off x="7454091" y="1365812"/>
+                <a:ext cx="428263" cy="428263"/>
+              </a:xfrm>
+              <a:prstGeom prst="rect">
+                <a:avLst/>
+              </a:prstGeom>
+            </p:spPr>
+            <p:style>
+              <a:lnRef idx="2">
+                <a:schemeClr val="accent1">
+                  <a:shade val="50000"/>
+                </a:schemeClr>
+              </a:lnRef>
+              <a:fillRef idx="1">
+                <a:schemeClr val="accent1"/>
+              </a:fillRef>
+              <a:effectRef idx="0">
+                <a:schemeClr val="accent1"/>
+              </a:effectRef>
+              <a:fontRef idx="minor">
+                <a:schemeClr val="lt1"/>
+              </a:fontRef>
+            </p:style>
+            <p:txBody>
+              <a:bodyPr rtlCol="0" anchor="ctr"/>
+              <a:lstStyle/>
+              <a:p>
+                <a:pPr algn="ctr"/>
+                <a:r>
+                  <a:rPr kumimoji="1" lang="en-US" altLang="zh-CN" dirty="0">
+                    <a:latin typeface="Times New Roman" panose="02020603050405020304" pitchFamily="18" charset="0"/>
+                    <a:cs typeface="Times New Roman" panose="02020603050405020304" pitchFamily="18" charset="0"/>
+                  </a:rPr>
+                  <a:t>13</a:t>
+                </a:r>
+                <a:endParaRPr kumimoji="1" lang="zh-CN" altLang="en-US" dirty="0">
+                  <a:latin typeface="Times New Roman" panose="02020603050405020304" pitchFamily="18" charset="0"/>
+                  <a:cs typeface="Times New Roman" panose="02020603050405020304" pitchFamily="18" charset="0"/>
+                </a:endParaRPr>
+              </a:p>
+            </p:txBody>
+          </p:sp>
+          <p:sp>
+            <p:nvSpPr>
+              <p:cNvPr id="17" name="矩形 16">
+                <a:extLst>
+                  <a:ext uri="{FF2B5EF4-FFF2-40B4-BE49-F238E27FC236}">
+                    <a16:creationId xmlns:a16="http://schemas.microsoft.com/office/drawing/2014/main" id="{B659D644-CF72-304A-A4FF-4C6A4B3AEA36}"/>
+                  </a:ext>
+                </a:extLst>
+              </p:cNvPr>
+              <p:cNvSpPr/>
+              <p:nvPr/>
+            </p:nvSpPr>
+            <p:spPr>
+              <a:xfrm>
+                <a:off x="7882354" y="1365812"/>
+                <a:ext cx="428263" cy="428263"/>
+              </a:xfrm>
+              <a:prstGeom prst="rect">
+                <a:avLst/>
+              </a:prstGeom>
+            </p:spPr>
+            <p:style>
+              <a:lnRef idx="2">
+                <a:schemeClr val="accent1">
+                  <a:shade val="50000"/>
+                </a:schemeClr>
+              </a:lnRef>
+              <a:fillRef idx="1">
+                <a:schemeClr val="accent1"/>
+              </a:fillRef>
+              <a:effectRef idx="0">
+                <a:schemeClr val="accent1"/>
+              </a:effectRef>
+              <a:fontRef idx="minor">
+                <a:schemeClr val="lt1"/>
+              </a:fontRef>
+            </p:style>
+            <p:txBody>
+              <a:bodyPr rtlCol="0" anchor="ctr"/>
+              <a:lstStyle/>
+              <a:p>
+                <a:pPr algn="ctr"/>
+                <a:r>
+                  <a:rPr kumimoji="1" lang="en-US" altLang="zh-CN" dirty="0">
+                    <a:latin typeface="Times New Roman" panose="02020603050405020304" pitchFamily="18" charset="0"/>
+                    <a:cs typeface="Times New Roman" panose="02020603050405020304" pitchFamily="18" charset="0"/>
+                  </a:rPr>
+                  <a:t>14</a:t>
+                </a:r>
+                <a:endParaRPr kumimoji="1" lang="zh-CN" altLang="en-US" dirty="0">
+                  <a:latin typeface="Times New Roman" panose="02020603050405020304" pitchFamily="18" charset="0"/>
+                  <a:cs typeface="Times New Roman" panose="02020603050405020304" pitchFamily="18" charset="0"/>
+                </a:endParaRPr>
+              </a:p>
+            </p:txBody>
+          </p:sp>
+          <p:sp>
+            <p:nvSpPr>
+              <p:cNvPr id="19" name="矩形 18">
+                <a:extLst>
+                  <a:ext uri="{FF2B5EF4-FFF2-40B4-BE49-F238E27FC236}">
+                    <a16:creationId xmlns:a16="http://schemas.microsoft.com/office/drawing/2014/main" id="{1A2941C1-5FBA-AE4A-858C-DA7FE561C76F}"/>
+                  </a:ext>
+                </a:extLst>
+              </p:cNvPr>
+              <p:cNvSpPr/>
+              <p:nvPr/>
+            </p:nvSpPr>
+            <p:spPr>
+              <a:xfrm>
+                <a:off x="2257063" y="1273215"/>
+                <a:ext cx="1377387" cy="613458"/>
+              </a:xfrm>
+              <a:prstGeom prst="rect">
+                <a:avLst/>
+              </a:prstGeom>
+              <a:solidFill>
+                <a:schemeClr val="accent4">
+                  <a:alpha val="47000"/>
+                </a:schemeClr>
+              </a:solidFill>
+              <a:ln>
+                <a:solidFill>
+                  <a:srgbClr val="FFC000"/>
+                </a:solidFill>
+              </a:ln>
+            </p:spPr>
+            <p:style>
+              <a:lnRef idx="2">
+                <a:schemeClr val="accent1">
+                  <a:shade val="50000"/>
+                </a:schemeClr>
+              </a:lnRef>
+              <a:fillRef idx="1">
+                <a:schemeClr val="accent1"/>
+              </a:fillRef>
+              <a:effectRef idx="0">
+                <a:schemeClr val="accent1"/>
+              </a:effectRef>
+              <a:fontRef idx="minor">
+                <a:schemeClr val="lt1"/>
+              </a:fontRef>
+            </p:style>
+            <p:txBody>
+              <a:bodyPr rtlCol="0" anchor="ctr"/>
+              <a:lstStyle/>
+              <a:p>
+                <a:pPr algn="ctr"/>
+                <a:endParaRPr kumimoji="1" lang="zh-CN" altLang="en-US">
+                  <a:latin typeface="Times New Roman" panose="02020603050405020304" pitchFamily="18" charset="0"/>
+                  <a:cs typeface="Times New Roman" panose="02020603050405020304" pitchFamily="18" charset="0"/>
+                </a:endParaRPr>
+              </a:p>
+            </p:txBody>
+          </p:sp>
+          <p:sp>
+            <p:nvSpPr>
+              <p:cNvPr id="20" name="矩形 19">
+                <a:extLst>
+                  <a:ext uri="{FF2B5EF4-FFF2-40B4-BE49-F238E27FC236}">
+                    <a16:creationId xmlns:a16="http://schemas.microsoft.com/office/drawing/2014/main" id="{D460E172-B31E-DA43-9B8B-4D2BCDEF9A4E}"/>
+                  </a:ext>
+                </a:extLst>
+              </p:cNvPr>
+              <p:cNvSpPr/>
+              <p:nvPr/>
+            </p:nvSpPr>
+            <p:spPr>
+              <a:xfrm>
+                <a:off x="3626490" y="1273214"/>
+                <a:ext cx="2114549" cy="613458"/>
+              </a:xfrm>
+              <a:prstGeom prst="rect">
+                <a:avLst/>
+              </a:prstGeom>
+              <a:solidFill>
+                <a:schemeClr val="accent6">
+                  <a:alpha val="47000"/>
+                </a:schemeClr>
+              </a:solidFill>
+              <a:ln>
+                <a:solidFill>
+                  <a:srgbClr val="92D050"/>
+                </a:solidFill>
+              </a:ln>
+            </p:spPr>
+            <p:style>
+              <a:lnRef idx="2">
+                <a:schemeClr val="accent1">
+                  <a:shade val="50000"/>
+                </a:schemeClr>
+              </a:lnRef>
+              <a:fillRef idx="1">
+                <a:schemeClr val="accent1"/>
+              </a:fillRef>
+              <a:effectRef idx="0">
+                <a:schemeClr val="accent1"/>
+              </a:effectRef>
+              <a:fontRef idx="minor">
+                <a:schemeClr val="lt1"/>
+              </a:fontRef>
+            </p:style>
+            <p:txBody>
+              <a:bodyPr rtlCol="0" anchor="ctr"/>
+              <a:lstStyle/>
+              <a:p>
+                <a:pPr algn="ctr"/>
+                <a:endParaRPr kumimoji="1" lang="zh-CN" altLang="en-US">
+                  <a:latin typeface="Times New Roman" panose="02020603050405020304" pitchFamily="18" charset="0"/>
+                  <a:cs typeface="Times New Roman" panose="02020603050405020304" pitchFamily="18" charset="0"/>
+                </a:endParaRPr>
+              </a:p>
+            </p:txBody>
+          </p:sp>
+          <p:sp>
+            <p:nvSpPr>
+              <p:cNvPr id="21" name="文本框 20">
+                <a:extLst>
+                  <a:ext uri="{FF2B5EF4-FFF2-40B4-BE49-F238E27FC236}">
+                    <a16:creationId xmlns:a16="http://schemas.microsoft.com/office/drawing/2014/main" id="{81E7C06A-9EDF-7240-99EB-4BF37D6F7364}"/>
+                  </a:ext>
+                </a:extLst>
+              </p:cNvPr>
+              <p:cNvSpPr txBox="1"/>
+              <p:nvPr/>
+            </p:nvSpPr>
+            <p:spPr>
+              <a:xfrm>
+                <a:off x="2777924" y="871235"/>
+                <a:ext cx="688152" cy="400110"/>
+              </a:xfrm>
+              <a:prstGeom prst="rect">
+                <a:avLst/>
+              </a:prstGeom>
+              <a:noFill/>
+            </p:spPr>
+            <p:txBody>
+              <a:bodyPr wrap="square" rtlCol="0">
+                <a:spAutoFit/>
+              </a:bodyPr>
+              <a:lstStyle/>
+              <a:p>
+                <a:r>
+                  <a:rPr kumimoji="1" lang="en-US" altLang="zh-CN" sz="2000" b="1" dirty="0">
+                    <a:latin typeface="Times New Roman" panose="02020603050405020304" pitchFamily="18" charset="0"/>
+                    <a:cs typeface="Times New Roman" panose="02020603050405020304" pitchFamily="18" charset="0"/>
+                  </a:rPr>
+                  <a:t>n=3</a:t>
+                </a:r>
+                <a:endParaRPr kumimoji="1" lang="zh-CN" altLang="en-US" sz="2000" b="1" dirty="0">
+                  <a:latin typeface="Times New Roman" panose="02020603050405020304" pitchFamily="18" charset="0"/>
+                  <a:cs typeface="Times New Roman" panose="02020603050405020304" pitchFamily="18" charset="0"/>
+                </a:endParaRPr>
+              </a:p>
+            </p:txBody>
+          </p:sp>
+          <p:sp>
+            <p:nvSpPr>
+              <p:cNvPr id="22" name="文本框 21">
+                <a:extLst>
+                  <a:ext uri="{FF2B5EF4-FFF2-40B4-BE49-F238E27FC236}">
+                    <a16:creationId xmlns:a16="http://schemas.microsoft.com/office/drawing/2014/main" id="{650FD581-6FF8-BA46-BCB7-20417EF15B52}"/>
+                  </a:ext>
+                </a:extLst>
+              </p:cNvPr>
+              <p:cNvSpPr txBox="1"/>
+              <p:nvPr/>
+            </p:nvSpPr>
+            <p:spPr>
+              <a:xfrm>
+                <a:off x="4385073" y="871235"/>
+                <a:ext cx="708686" cy="400110"/>
+              </a:xfrm>
+              <a:prstGeom prst="rect">
+                <a:avLst/>
+              </a:prstGeom>
+              <a:noFill/>
+            </p:spPr>
+            <p:txBody>
+              <a:bodyPr wrap="square" rtlCol="0">
+                <a:spAutoFit/>
+              </a:bodyPr>
+              <a:lstStyle/>
+              <a:p>
+                <a:r>
+                  <a:rPr kumimoji="1" lang="en-US" altLang="zh-CN" sz="2000" b="1" dirty="0">
+                    <a:latin typeface="Times New Roman" panose="02020603050405020304" pitchFamily="18" charset="0"/>
+                    <a:cs typeface="Times New Roman" panose="02020603050405020304" pitchFamily="18" charset="0"/>
+                  </a:rPr>
+                  <a:t>k=5</a:t>
+                </a:r>
+                <a:endParaRPr kumimoji="1" lang="zh-CN" altLang="en-US" sz="2000" b="1" dirty="0">
+                  <a:latin typeface="Times New Roman" panose="02020603050405020304" pitchFamily="18" charset="0"/>
+                  <a:cs typeface="Times New Roman" panose="02020603050405020304" pitchFamily="18" charset="0"/>
+                </a:endParaRPr>
+              </a:p>
+            </p:txBody>
+          </p:sp>
+          <p:sp>
+            <p:nvSpPr>
+              <p:cNvPr id="23" name="文本框 22">
+                <a:extLst>
+                  <a:ext uri="{FF2B5EF4-FFF2-40B4-BE49-F238E27FC236}">
+                    <a16:creationId xmlns:a16="http://schemas.microsoft.com/office/drawing/2014/main" id="{443F1BD2-D91D-7D46-8525-2FEFDEA46249}"/>
+                  </a:ext>
+                </a:extLst>
+              </p:cNvPr>
+              <p:cNvSpPr txBox="1"/>
+              <p:nvPr/>
+            </p:nvSpPr>
+            <p:spPr>
+              <a:xfrm>
+                <a:off x="2928639" y="2422525"/>
+                <a:ext cx="983355" cy="400110"/>
+              </a:xfrm>
+              <a:prstGeom prst="rect">
+                <a:avLst/>
+              </a:prstGeom>
+              <a:noFill/>
+            </p:spPr>
+            <p:txBody>
+              <a:bodyPr wrap="square" rtlCol="0">
+                <a:spAutoFit/>
+              </a:bodyPr>
+              <a:lstStyle/>
+              <a:p>
+                <a:r>
+                  <a:rPr kumimoji="1" lang="zh-CN" altLang="en-US" sz="2000" b="1" dirty="0">
+                    <a:latin typeface="Times New Roman" panose="02020603050405020304" pitchFamily="18" charset="0"/>
+                    <a:cs typeface="Times New Roman" panose="02020603050405020304" pitchFamily="18" charset="0"/>
+                  </a:rPr>
+                  <a:t>中心词</a:t>
+                </a:r>
+              </a:p>
+            </p:txBody>
+          </p:sp>
+          <p:sp>
+            <p:nvSpPr>
+              <p:cNvPr id="24" name="右箭头 23">
+                <a:extLst>
+                  <a:ext uri="{FF2B5EF4-FFF2-40B4-BE49-F238E27FC236}">
+                    <a16:creationId xmlns:a16="http://schemas.microsoft.com/office/drawing/2014/main" id="{884DCBD4-03C3-9C44-A635-093F437F5A0A}"/>
+                  </a:ext>
+                </a:extLst>
+              </p:cNvPr>
+              <p:cNvSpPr/>
+              <p:nvPr/>
+            </p:nvSpPr>
+            <p:spPr>
+              <a:xfrm rot="16354696">
+                <a:off x="3206186" y="2029447"/>
+                <a:ext cx="428263" cy="342900"/>
+              </a:xfrm>
+              <a:prstGeom prst="rightArrow">
+                <a:avLst/>
+              </a:prstGeom>
+            </p:spPr>
+            <p:style>
+              <a:lnRef idx="2">
+                <a:schemeClr val="accent1">
+                  <a:shade val="50000"/>
+                </a:schemeClr>
+              </a:lnRef>
+              <a:fillRef idx="1">
+                <a:schemeClr val="accent1"/>
+              </a:fillRef>
+              <a:effectRef idx="0">
+                <a:schemeClr val="accent1"/>
+              </a:effectRef>
+              <a:fontRef idx="minor">
+                <a:schemeClr val="lt1"/>
+              </a:fontRef>
+            </p:style>
+            <p:txBody>
+              <a:bodyPr rtlCol="0" anchor="ctr"/>
+              <a:lstStyle/>
+              <a:p>
+                <a:pPr algn="ctr"/>
+                <a:endParaRPr kumimoji="1" lang="zh-CN" altLang="en-US"/>
+              </a:p>
+            </p:txBody>
+          </p:sp>
+        </p:grpSp>
+      </p:grpSp>
+    </p:spTree>
+    <p:extLst>
+      <p:ext uri="{BB962C8B-B14F-4D97-AF65-F5344CB8AC3E}">
+        <p14:creationId xmlns:p14="http://schemas.microsoft.com/office/powerpoint/2010/main" val="3839375114"/>
+      </p:ext>
+    </p:extLst>
+  </p:cSld>
+  <p:clrMapOvr>
+    <a:masterClrMapping/>
+  </p:clrMapOvr>
+</p:sld>
+</file>
+
+<file path=ppt/slides/slide3.xml><?xml version="1.0" encoding="utf-8"?>
+<p:sld xmlns:a="http://schemas.openxmlformats.org/drawingml/2006/main" xmlns:r="http://schemas.openxmlformats.org/officeDocument/2006/relationships" xmlns:p="http://schemas.openxmlformats.org/presentationml/2006/main">
+  <p:cSld>
+    <p:spTree>
+      <p:nvGrpSpPr>
+        <p:cNvPr id="1" name=""/>
+        <p:cNvGrpSpPr/>
+        <p:nvPr/>
+      </p:nvGrpSpPr>
+      <p:grpSpPr>
+        <a:xfrm>
+          <a:off x="0" y="0"/>
+          <a:ext cx="0" cy="0"/>
+          <a:chOff x="0" y="0"/>
+          <a:chExt cx="0" cy="0"/>
+        </a:xfrm>
+      </p:grpSpPr>
+      <p:grpSp>
+        <p:nvGrpSpPr>
           <p:cNvPr id="7" name="组合 6">
             <a:extLst>
               <a:ext uri="{FF2B5EF4-FFF2-40B4-BE49-F238E27FC236}">
@@ -3937,7 +6728,7 @@
 </p:sld>
 </file>
 
-<file path=ppt/slides/slide3.xml><?xml version="1.0" encoding="utf-8"?>
+<file path=ppt/slides/slide4.xml><?xml version="1.0" encoding="utf-8"?>
 <p:sld xmlns:a="http://schemas.openxmlformats.org/drawingml/2006/main" xmlns:r="http://schemas.openxmlformats.org/officeDocument/2006/relationships" xmlns:p="http://schemas.openxmlformats.org/presentationml/2006/main">
   <p:cSld>
     <p:spTree>
@@ -5121,7 +7912,7 @@
 </p:sld>
 </file>
 
-<file path=ppt/slides/slide4.xml><?xml version="1.0" encoding="utf-8"?>
+<file path=ppt/slides/slide5.xml><?xml version="1.0" encoding="utf-8"?>
 <p:sld xmlns:a="http://schemas.openxmlformats.org/drawingml/2006/main" xmlns:r="http://schemas.openxmlformats.org/officeDocument/2006/relationships" xmlns:p="http://schemas.openxmlformats.org/presentationml/2006/main">
   <p:cSld>
     <p:spTree>
@@ -5328,7 +8119,7 @@
 </p:sld>
 </file>
 
-<file path=ppt/slides/slide5.xml><?xml version="1.0" encoding="utf-8"?>
+<file path=ppt/slides/slide6.xml><?xml version="1.0" encoding="utf-8"?>
 <p:sld xmlns:a="http://schemas.openxmlformats.org/drawingml/2006/main" xmlns:r="http://schemas.openxmlformats.org/officeDocument/2006/relationships" xmlns:p="http://schemas.openxmlformats.org/presentationml/2006/main">
   <p:cSld>
     <p:spTree>
@@ -8882,7 +11673,7 @@
 </p:sld>
 </file>
 
-<file path=ppt/slides/slide6.xml><?xml version="1.0" encoding="utf-8"?>
+<file path=ppt/slides/slide7.xml><?xml version="1.0" encoding="utf-8"?>
 <p:sld xmlns:a="http://schemas.openxmlformats.org/drawingml/2006/main" xmlns:r="http://schemas.openxmlformats.org/officeDocument/2006/relationships" xmlns:p="http://schemas.openxmlformats.org/presentationml/2006/main">
   <p:cSld>
     <p:spTree>
@@ -10624,7 +13415,7 @@
 </p:sld>
 </file>
 
-<file path=ppt/slides/slide7.xml><?xml version="1.0" encoding="utf-8"?>
+<file path=ppt/slides/slide8.xml><?xml version="1.0" encoding="utf-8"?>
 <p:sld xmlns:a="http://schemas.openxmlformats.org/drawingml/2006/main" xmlns:r="http://schemas.openxmlformats.org/officeDocument/2006/relationships" xmlns:p="http://schemas.openxmlformats.org/presentationml/2006/main">
   <p:cSld>
     <p:spTree>
@@ -11427,7 +14218,7 @@
 </p:sld>
 </file>
 
-<file path=ppt/slides/slide8.xml><?xml version="1.0" encoding="utf-8"?>
+<file path=ppt/slides/slide9.xml><?xml version="1.0" encoding="utf-8"?>
 <p:sld xmlns:a="http://schemas.openxmlformats.org/drawingml/2006/main" xmlns:r="http://schemas.openxmlformats.org/officeDocument/2006/relationships" xmlns:p="http://schemas.openxmlformats.org/presentationml/2006/main">
   <p:cSld>
     <p:spTree>
@@ -11727,1602 +14518,6 @@
     <p:extLst>
       <p:ext uri="{BB962C8B-B14F-4D97-AF65-F5344CB8AC3E}">
         <p14:creationId xmlns:p14="http://schemas.microsoft.com/office/powerpoint/2010/main" val="2520580652"/>
-      </p:ext>
-    </p:extLst>
-  </p:cSld>
-  <p:clrMapOvr>
-    <a:masterClrMapping/>
-  </p:clrMapOvr>
-</p:sld>
-</file>
-
-<file path=ppt/slides/slide9.xml><?xml version="1.0" encoding="utf-8"?>
-<p:sld xmlns:a="http://schemas.openxmlformats.org/drawingml/2006/main" xmlns:r="http://schemas.openxmlformats.org/officeDocument/2006/relationships" xmlns:p="http://schemas.openxmlformats.org/presentationml/2006/main">
-  <p:cSld>
-    <p:spTree>
-      <p:nvGrpSpPr>
-        <p:cNvPr id="1" name=""/>
-        <p:cNvGrpSpPr/>
-        <p:nvPr/>
-      </p:nvGrpSpPr>
-      <p:grpSpPr>
-        <a:xfrm>
-          <a:off x="0" y="0"/>
-          <a:ext cx="0" cy="0"/>
-          <a:chOff x="0" y="0"/>
-          <a:chExt cx="0" cy="0"/>
-        </a:xfrm>
-      </p:grpSpPr>
-      <p:grpSp>
-        <p:nvGrpSpPr>
-          <p:cNvPr id="49" name="组合 48">
-            <a:extLst>
-              <a:ext uri="{FF2B5EF4-FFF2-40B4-BE49-F238E27FC236}">
-                <a16:creationId xmlns:a16="http://schemas.microsoft.com/office/drawing/2014/main" id="{C277D925-39D5-5D4B-B864-4EC711A06A29}"/>
-              </a:ext>
-            </a:extLst>
-          </p:cNvPr>
-          <p:cNvGrpSpPr/>
-          <p:nvPr/>
-        </p:nvGrpSpPr>
-        <p:grpSpPr>
-          <a:xfrm>
-            <a:off x="1180618" y="557514"/>
-            <a:ext cx="6373780" cy="1919468"/>
-            <a:chOff x="1180618" y="557514"/>
-            <a:chExt cx="6373780" cy="1919468"/>
-          </a:xfrm>
-        </p:grpSpPr>
-        <p:sp>
-          <p:nvSpPr>
-            <p:cNvPr id="46" name="矩形 45">
-              <a:extLst>
-                <a:ext uri="{FF2B5EF4-FFF2-40B4-BE49-F238E27FC236}">
-                  <a16:creationId xmlns:a16="http://schemas.microsoft.com/office/drawing/2014/main" id="{321F19BF-1B0B-794B-AC39-548B32071C5D}"/>
-                </a:ext>
-              </a:extLst>
-            </p:cNvPr>
-            <p:cNvSpPr/>
-            <p:nvPr/>
-          </p:nvSpPr>
-          <p:spPr>
-            <a:xfrm>
-              <a:off x="1180618" y="557514"/>
-              <a:ext cx="6261904" cy="1919468"/>
-            </a:xfrm>
-            <a:prstGeom prst="rect">
-              <a:avLst/>
-            </a:prstGeom>
-            <a:solidFill>
-              <a:schemeClr val="bg1"/>
-            </a:solidFill>
-            <a:ln>
-              <a:solidFill>
-                <a:schemeClr val="tx1"/>
-              </a:solidFill>
-            </a:ln>
-          </p:spPr>
-          <p:style>
-            <a:lnRef idx="2">
-              <a:schemeClr val="accent1">
-                <a:shade val="50000"/>
-              </a:schemeClr>
-            </a:lnRef>
-            <a:fillRef idx="1">
-              <a:schemeClr val="accent1"/>
-            </a:fillRef>
-            <a:effectRef idx="0">
-              <a:schemeClr val="accent1"/>
-            </a:effectRef>
-            <a:fontRef idx="minor">
-              <a:schemeClr val="lt1"/>
-            </a:fontRef>
-          </p:style>
-          <p:txBody>
-            <a:bodyPr rtlCol="0" anchor="ctr"/>
-            <a:lstStyle/>
-            <a:p>
-              <a:pPr algn="ctr"/>
-              <a:endParaRPr kumimoji="1" lang="zh-CN" altLang="en-US"/>
-            </a:p>
-          </p:txBody>
-        </p:sp>
-        <p:sp>
-          <p:nvSpPr>
-            <p:cNvPr id="4" name="文本框 3">
-              <a:extLst>
-                <a:ext uri="{FF2B5EF4-FFF2-40B4-BE49-F238E27FC236}">
-                  <a16:creationId xmlns:a16="http://schemas.microsoft.com/office/drawing/2014/main" id="{D698A5DB-B8BF-524A-A300-EBDA11EA7223}"/>
-                </a:ext>
-              </a:extLst>
-            </p:cNvPr>
-            <p:cNvSpPr txBox="1"/>
-            <p:nvPr/>
-          </p:nvSpPr>
-          <p:spPr>
-            <a:xfrm>
-              <a:off x="1273215" y="1203767"/>
-              <a:ext cx="509285" cy="369332"/>
-            </a:xfrm>
-            <a:prstGeom prst="rect">
-              <a:avLst/>
-            </a:prstGeom>
-            <a:noFill/>
-          </p:spPr>
-          <p:txBody>
-            <a:bodyPr wrap="square" rtlCol="0">
-              <a:spAutoFit/>
-            </a:bodyPr>
-            <a:lstStyle/>
-            <a:p>
-              <a:r>
-                <a:rPr kumimoji="1" lang="en-US" altLang="zh-CN" dirty="0"/>
-                <a:t>2.1</a:t>
-              </a:r>
-              <a:endParaRPr kumimoji="1" lang="zh-CN" altLang="en-US" dirty="0"/>
-            </a:p>
-          </p:txBody>
-        </p:sp>
-        <p:sp>
-          <p:nvSpPr>
-            <p:cNvPr id="5" name="文本框 4">
-              <a:extLst>
-                <a:ext uri="{FF2B5EF4-FFF2-40B4-BE49-F238E27FC236}">
-                  <a16:creationId xmlns:a16="http://schemas.microsoft.com/office/drawing/2014/main" id="{0C9F05FB-B10A-CE4D-A551-A134CE8182E5}"/>
-                </a:ext>
-              </a:extLst>
-            </p:cNvPr>
-            <p:cNvSpPr txBox="1"/>
-            <p:nvPr/>
-          </p:nvSpPr>
-          <p:spPr>
-            <a:xfrm>
-              <a:off x="1782500" y="1203767"/>
-              <a:ext cx="509285" cy="369332"/>
-            </a:xfrm>
-            <a:prstGeom prst="rect">
-              <a:avLst/>
-            </a:prstGeom>
-            <a:noFill/>
-          </p:spPr>
-          <p:txBody>
-            <a:bodyPr wrap="square" rtlCol="0">
-              <a:spAutoFit/>
-            </a:bodyPr>
-            <a:lstStyle/>
-            <a:p>
-              <a:r>
-                <a:rPr kumimoji="1" lang="en-US" altLang="zh-CN" dirty="0"/>
-                <a:t>2.0</a:t>
-              </a:r>
-              <a:endParaRPr kumimoji="1" lang="zh-CN" altLang="en-US" dirty="0"/>
-            </a:p>
-          </p:txBody>
-        </p:sp>
-        <p:sp>
-          <p:nvSpPr>
-            <p:cNvPr id="6" name="文本框 5">
-              <a:extLst>
-                <a:ext uri="{FF2B5EF4-FFF2-40B4-BE49-F238E27FC236}">
-                  <a16:creationId xmlns:a16="http://schemas.microsoft.com/office/drawing/2014/main" id="{32CCAAF9-9CB9-9341-84C4-773E85723E5A}"/>
-                </a:ext>
-              </a:extLst>
-            </p:cNvPr>
-            <p:cNvSpPr txBox="1"/>
-            <p:nvPr/>
-          </p:nvSpPr>
-          <p:spPr>
-            <a:xfrm>
-              <a:off x="2291785" y="1203767"/>
-              <a:ext cx="509285" cy="369332"/>
-            </a:xfrm>
-            <a:prstGeom prst="rect">
-              <a:avLst/>
-            </a:prstGeom>
-            <a:noFill/>
-          </p:spPr>
-          <p:txBody>
-            <a:bodyPr wrap="square" rtlCol="0">
-              <a:spAutoFit/>
-            </a:bodyPr>
-            <a:lstStyle/>
-            <a:p>
-              <a:r>
-                <a:rPr kumimoji="1" lang="en-US" altLang="zh-CN" dirty="0"/>
-                <a:t>3</a:t>
-              </a:r>
-              <a:endParaRPr kumimoji="1" lang="zh-CN" altLang="en-US" dirty="0"/>
-            </a:p>
-          </p:txBody>
-        </p:sp>
-        <p:sp>
-          <p:nvSpPr>
-            <p:cNvPr id="7" name="文本框 6">
-              <a:extLst>
-                <a:ext uri="{FF2B5EF4-FFF2-40B4-BE49-F238E27FC236}">
-                  <a16:creationId xmlns:a16="http://schemas.microsoft.com/office/drawing/2014/main" id="{7DF75110-C6A8-0A47-A989-1015821D6C08}"/>
-                </a:ext>
-              </a:extLst>
-            </p:cNvPr>
-            <p:cNvSpPr txBox="1"/>
-            <p:nvPr/>
-          </p:nvSpPr>
-          <p:spPr>
-            <a:xfrm>
-              <a:off x="2801070" y="1203767"/>
-              <a:ext cx="509285" cy="369332"/>
-            </a:xfrm>
-            <a:prstGeom prst="rect">
-              <a:avLst/>
-            </a:prstGeom>
-            <a:noFill/>
-          </p:spPr>
-          <p:txBody>
-            <a:bodyPr wrap="square" rtlCol="0">
-              <a:spAutoFit/>
-            </a:bodyPr>
-            <a:lstStyle/>
-            <a:p>
-              <a:r>
-                <a:rPr kumimoji="1" lang="en-US" altLang="zh-CN" dirty="0"/>
-                <a:t>2</a:t>
-              </a:r>
-              <a:endParaRPr kumimoji="1" lang="zh-CN" altLang="en-US" dirty="0"/>
-            </a:p>
-          </p:txBody>
-        </p:sp>
-        <p:sp>
-          <p:nvSpPr>
-            <p:cNvPr id="8" name="文本框 7">
-              <a:extLst>
-                <a:ext uri="{FF2B5EF4-FFF2-40B4-BE49-F238E27FC236}">
-                  <a16:creationId xmlns:a16="http://schemas.microsoft.com/office/drawing/2014/main" id="{4C585255-9AA2-0E4C-B515-4828EC2EE205}"/>
-                </a:ext>
-              </a:extLst>
-            </p:cNvPr>
-            <p:cNvSpPr txBox="1"/>
-            <p:nvPr/>
-          </p:nvSpPr>
-          <p:spPr>
-            <a:xfrm>
-              <a:off x="1273215" y="1573099"/>
-              <a:ext cx="509285" cy="369332"/>
-            </a:xfrm>
-            <a:prstGeom prst="rect">
-              <a:avLst/>
-            </a:prstGeom>
-            <a:noFill/>
-          </p:spPr>
-          <p:txBody>
-            <a:bodyPr wrap="square" rtlCol="0">
-              <a:spAutoFit/>
-            </a:bodyPr>
-            <a:lstStyle/>
-            <a:p>
-              <a:r>
-                <a:rPr kumimoji="1" lang="en-US" altLang="zh-CN" dirty="0"/>
-                <a:t>1.5</a:t>
-              </a:r>
-              <a:endParaRPr kumimoji="1" lang="zh-CN" altLang="en-US" dirty="0"/>
-            </a:p>
-          </p:txBody>
-        </p:sp>
-        <p:sp>
-          <p:nvSpPr>
-            <p:cNvPr id="9" name="文本框 8">
-              <a:extLst>
-                <a:ext uri="{FF2B5EF4-FFF2-40B4-BE49-F238E27FC236}">
-                  <a16:creationId xmlns:a16="http://schemas.microsoft.com/office/drawing/2014/main" id="{84297FEB-4E93-D443-9B53-26C5688DCA04}"/>
-                </a:ext>
-              </a:extLst>
-            </p:cNvPr>
-            <p:cNvSpPr txBox="1"/>
-            <p:nvPr/>
-          </p:nvSpPr>
-          <p:spPr>
-            <a:xfrm>
-              <a:off x="1782500" y="1573099"/>
-              <a:ext cx="509285" cy="369332"/>
-            </a:xfrm>
-            <a:prstGeom prst="rect">
-              <a:avLst/>
-            </a:prstGeom>
-            <a:noFill/>
-          </p:spPr>
-          <p:txBody>
-            <a:bodyPr wrap="square" rtlCol="0">
-              <a:spAutoFit/>
-            </a:bodyPr>
-            <a:lstStyle/>
-            <a:p>
-              <a:r>
-                <a:rPr kumimoji="1" lang="en-US" altLang="zh-CN" dirty="0"/>
-                <a:t>2.2</a:t>
-              </a:r>
-              <a:endParaRPr kumimoji="1" lang="zh-CN" altLang="en-US" dirty="0"/>
-            </a:p>
-          </p:txBody>
-        </p:sp>
-        <p:sp>
-          <p:nvSpPr>
-            <p:cNvPr id="10" name="文本框 9">
-              <a:extLst>
-                <a:ext uri="{FF2B5EF4-FFF2-40B4-BE49-F238E27FC236}">
-                  <a16:creationId xmlns:a16="http://schemas.microsoft.com/office/drawing/2014/main" id="{600E4A8B-DDB4-5F4D-A2FC-6677F35DA794}"/>
-                </a:ext>
-              </a:extLst>
-            </p:cNvPr>
-            <p:cNvSpPr txBox="1"/>
-            <p:nvPr/>
-          </p:nvSpPr>
-          <p:spPr>
-            <a:xfrm>
-              <a:off x="2291785" y="1573099"/>
-              <a:ext cx="509285" cy="369332"/>
-            </a:xfrm>
-            <a:prstGeom prst="rect">
-              <a:avLst/>
-            </a:prstGeom>
-            <a:noFill/>
-          </p:spPr>
-          <p:txBody>
-            <a:bodyPr wrap="square" rtlCol="0">
-              <a:spAutoFit/>
-            </a:bodyPr>
-            <a:lstStyle/>
-            <a:p>
-              <a:r>
-                <a:rPr kumimoji="1" lang="en-US" altLang="zh-CN" dirty="0"/>
-                <a:t>4</a:t>
-              </a:r>
-              <a:endParaRPr kumimoji="1" lang="zh-CN" altLang="en-US" dirty="0"/>
-            </a:p>
-          </p:txBody>
-        </p:sp>
-        <p:sp>
-          <p:nvSpPr>
-            <p:cNvPr id="11" name="文本框 10">
-              <a:extLst>
-                <a:ext uri="{FF2B5EF4-FFF2-40B4-BE49-F238E27FC236}">
-                  <a16:creationId xmlns:a16="http://schemas.microsoft.com/office/drawing/2014/main" id="{2DAD2C44-3520-174E-9ECE-4973A55CCBFD}"/>
-                </a:ext>
-              </a:extLst>
-            </p:cNvPr>
-            <p:cNvSpPr txBox="1"/>
-            <p:nvPr/>
-          </p:nvSpPr>
-          <p:spPr>
-            <a:xfrm>
-              <a:off x="2801070" y="1573099"/>
-              <a:ext cx="509285" cy="369332"/>
-            </a:xfrm>
-            <a:prstGeom prst="rect">
-              <a:avLst/>
-            </a:prstGeom>
-            <a:noFill/>
-          </p:spPr>
-          <p:txBody>
-            <a:bodyPr wrap="square" rtlCol="0">
-              <a:spAutoFit/>
-            </a:bodyPr>
-            <a:lstStyle/>
-            <a:p>
-              <a:r>
-                <a:rPr kumimoji="1" lang="en-US" altLang="zh-CN" dirty="0"/>
-                <a:t>6</a:t>
-              </a:r>
-              <a:endParaRPr kumimoji="1" lang="zh-CN" altLang="en-US" dirty="0"/>
-            </a:p>
-          </p:txBody>
-        </p:sp>
-        <p:sp>
-          <p:nvSpPr>
-            <p:cNvPr id="12" name="文本框 11">
-              <a:extLst>
-                <a:ext uri="{FF2B5EF4-FFF2-40B4-BE49-F238E27FC236}">
-                  <a16:creationId xmlns:a16="http://schemas.microsoft.com/office/drawing/2014/main" id="{A69F5623-C6B0-D94C-8B3E-D0849BA37DE0}"/>
-                </a:ext>
-              </a:extLst>
-            </p:cNvPr>
-            <p:cNvSpPr txBox="1"/>
-            <p:nvPr/>
-          </p:nvSpPr>
-          <p:spPr>
-            <a:xfrm>
-              <a:off x="1273215" y="1942431"/>
-              <a:ext cx="509285" cy="369332"/>
-            </a:xfrm>
-            <a:prstGeom prst="rect">
-              <a:avLst/>
-            </a:prstGeom>
-            <a:noFill/>
-          </p:spPr>
-          <p:txBody>
-            <a:bodyPr wrap="square" rtlCol="0">
-              <a:spAutoFit/>
-            </a:bodyPr>
-            <a:lstStyle/>
-            <a:p>
-              <a:r>
-                <a:rPr kumimoji="1" lang="en-US" altLang="zh-CN" dirty="0"/>
-                <a:t>1.6</a:t>
-              </a:r>
-              <a:endParaRPr kumimoji="1" lang="zh-CN" altLang="en-US" dirty="0"/>
-            </a:p>
-          </p:txBody>
-        </p:sp>
-        <p:sp>
-          <p:nvSpPr>
-            <p:cNvPr id="13" name="文本框 12">
-              <a:extLst>
-                <a:ext uri="{FF2B5EF4-FFF2-40B4-BE49-F238E27FC236}">
-                  <a16:creationId xmlns:a16="http://schemas.microsoft.com/office/drawing/2014/main" id="{A33E21C5-3309-8C42-9DC3-755D204402D0}"/>
-                </a:ext>
-              </a:extLst>
-            </p:cNvPr>
-            <p:cNvSpPr txBox="1"/>
-            <p:nvPr/>
-          </p:nvSpPr>
-          <p:spPr>
-            <a:xfrm>
-              <a:off x="1782500" y="1942431"/>
-              <a:ext cx="509285" cy="369332"/>
-            </a:xfrm>
-            <a:prstGeom prst="rect">
-              <a:avLst/>
-            </a:prstGeom>
-            <a:noFill/>
-          </p:spPr>
-          <p:txBody>
-            <a:bodyPr wrap="square" rtlCol="0">
-              <a:spAutoFit/>
-            </a:bodyPr>
-            <a:lstStyle/>
-            <a:p>
-              <a:r>
-                <a:rPr kumimoji="1" lang="en-US" altLang="zh-CN" dirty="0"/>
-                <a:t>2.8</a:t>
-              </a:r>
-              <a:endParaRPr kumimoji="1" lang="zh-CN" altLang="en-US" dirty="0"/>
-            </a:p>
-          </p:txBody>
-        </p:sp>
-        <p:sp>
-          <p:nvSpPr>
-            <p:cNvPr id="14" name="文本框 13">
-              <a:extLst>
-                <a:ext uri="{FF2B5EF4-FFF2-40B4-BE49-F238E27FC236}">
-                  <a16:creationId xmlns:a16="http://schemas.microsoft.com/office/drawing/2014/main" id="{940E227E-F85B-3C44-8AB8-EA35E6E027ED}"/>
-                </a:ext>
-              </a:extLst>
-            </p:cNvPr>
-            <p:cNvSpPr txBox="1"/>
-            <p:nvPr/>
-          </p:nvSpPr>
-          <p:spPr>
-            <a:xfrm>
-              <a:off x="2291785" y="1942431"/>
-              <a:ext cx="509285" cy="369332"/>
-            </a:xfrm>
-            <a:prstGeom prst="rect">
-              <a:avLst/>
-            </a:prstGeom>
-            <a:noFill/>
-          </p:spPr>
-          <p:txBody>
-            <a:bodyPr wrap="square" rtlCol="0">
-              <a:spAutoFit/>
-            </a:bodyPr>
-            <a:lstStyle/>
-            <a:p>
-              <a:r>
-                <a:rPr kumimoji="1" lang="en-US" altLang="zh-CN" dirty="0"/>
-                <a:t>5</a:t>
-              </a:r>
-              <a:endParaRPr kumimoji="1" lang="zh-CN" altLang="en-US" dirty="0"/>
-            </a:p>
-          </p:txBody>
-        </p:sp>
-        <p:sp>
-          <p:nvSpPr>
-            <p:cNvPr id="15" name="文本框 14">
-              <a:extLst>
-                <a:ext uri="{FF2B5EF4-FFF2-40B4-BE49-F238E27FC236}">
-                  <a16:creationId xmlns:a16="http://schemas.microsoft.com/office/drawing/2014/main" id="{83216C21-7CAF-3B4B-8CAA-A5AB5EC9ED62}"/>
-                </a:ext>
-              </a:extLst>
-            </p:cNvPr>
-            <p:cNvSpPr txBox="1"/>
-            <p:nvPr/>
-          </p:nvSpPr>
-          <p:spPr>
-            <a:xfrm>
-              <a:off x="2801070" y="1942431"/>
-              <a:ext cx="509285" cy="369332"/>
-            </a:xfrm>
-            <a:prstGeom prst="rect">
-              <a:avLst/>
-            </a:prstGeom>
-            <a:noFill/>
-          </p:spPr>
-          <p:txBody>
-            <a:bodyPr wrap="square" rtlCol="0">
-              <a:spAutoFit/>
-            </a:bodyPr>
-            <a:lstStyle/>
-            <a:p>
-              <a:r>
-                <a:rPr kumimoji="1" lang="en-US" altLang="zh-CN" dirty="0"/>
-                <a:t>7</a:t>
-              </a:r>
-              <a:endParaRPr kumimoji="1" lang="zh-CN" altLang="en-US" dirty="0"/>
-            </a:p>
-          </p:txBody>
-        </p:sp>
-        <p:sp>
-          <p:nvSpPr>
-            <p:cNvPr id="16" name="文本框 15">
-              <a:extLst>
-                <a:ext uri="{FF2B5EF4-FFF2-40B4-BE49-F238E27FC236}">
-                  <a16:creationId xmlns:a16="http://schemas.microsoft.com/office/drawing/2014/main" id="{B3497905-47E2-EA45-9F1E-60A76960A3C7}"/>
-                </a:ext>
-              </a:extLst>
-            </p:cNvPr>
-            <p:cNvSpPr txBox="1"/>
-            <p:nvPr/>
-          </p:nvSpPr>
-          <p:spPr>
-            <a:xfrm>
-              <a:off x="1707263" y="752354"/>
-              <a:ext cx="1169043" cy="369332"/>
-            </a:xfrm>
-            <a:prstGeom prst="rect">
-              <a:avLst/>
-            </a:prstGeom>
-            <a:noFill/>
-          </p:spPr>
-          <p:txBody>
-            <a:bodyPr wrap="square" rtlCol="0">
-              <a:spAutoFit/>
-            </a:bodyPr>
-            <a:lstStyle/>
-            <a:p>
-              <a:r>
-                <a:rPr kumimoji="1" lang="zh-CN" altLang="en-US" dirty="0"/>
-                <a:t>原始矩阵</a:t>
-              </a:r>
-            </a:p>
-          </p:txBody>
-        </p:sp>
-        <p:sp>
-          <p:nvSpPr>
-            <p:cNvPr id="17" name="文本框 16">
-              <a:extLst>
-                <a:ext uri="{FF2B5EF4-FFF2-40B4-BE49-F238E27FC236}">
-                  <a16:creationId xmlns:a16="http://schemas.microsoft.com/office/drawing/2014/main" id="{711AFEDA-F296-FF4B-952C-28E10386367B}"/>
-                </a:ext>
-              </a:extLst>
-            </p:cNvPr>
-            <p:cNvSpPr txBox="1"/>
-            <p:nvPr/>
-          </p:nvSpPr>
-          <p:spPr>
-            <a:xfrm>
-              <a:off x="3474334" y="1203767"/>
-              <a:ext cx="509285" cy="369332"/>
-            </a:xfrm>
-            <a:prstGeom prst="rect">
-              <a:avLst/>
-            </a:prstGeom>
-            <a:noFill/>
-          </p:spPr>
-          <p:txBody>
-            <a:bodyPr wrap="square" rtlCol="0">
-              <a:spAutoFit/>
-            </a:bodyPr>
-            <a:lstStyle/>
-            <a:p>
-              <a:r>
-                <a:rPr kumimoji="1" lang="en-US" altLang="zh-CN" dirty="0"/>
-                <a:t>1</a:t>
-              </a:r>
-              <a:endParaRPr kumimoji="1" lang="zh-CN" altLang="en-US" dirty="0"/>
-            </a:p>
-          </p:txBody>
-        </p:sp>
-        <p:sp>
-          <p:nvSpPr>
-            <p:cNvPr id="18" name="文本框 17">
-              <a:extLst>
-                <a:ext uri="{FF2B5EF4-FFF2-40B4-BE49-F238E27FC236}">
-                  <a16:creationId xmlns:a16="http://schemas.microsoft.com/office/drawing/2014/main" id="{C6308192-3FE2-2847-B134-6E1BF3BCAA8E}"/>
-                </a:ext>
-              </a:extLst>
-            </p:cNvPr>
-            <p:cNvSpPr txBox="1"/>
-            <p:nvPr/>
-          </p:nvSpPr>
-          <p:spPr>
-            <a:xfrm>
-              <a:off x="3983619" y="1203767"/>
-              <a:ext cx="509285" cy="369332"/>
-            </a:xfrm>
-            <a:prstGeom prst="rect">
-              <a:avLst/>
-            </a:prstGeom>
-            <a:noFill/>
-          </p:spPr>
-          <p:txBody>
-            <a:bodyPr wrap="square" rtlCol="0">
-              <a:spAutoFit/>
-            </a:bodyPr>
-            <a:lstStyle/>
-            <a:p>
-              <a:r>
-                <a:rPr kumimoji="1" lang="en-US" altLang="zh-CN" dirty="0"/>
-                <a:t>2</a:t>
-              </a:r>
-              <a:endParaRPr kumimoji="1" lang="zh-CN" altLang="en-US" dirty="0"/>
-            </a:p>
-          </p:txBody>
-        </p:sp>
-        <p:sp>
-          <p:nvSpPr>
-            <p:cNvPr id="19" name="文本框 18">
-              <a:extLst>
-                <a:ext uri="{FF2B5EF4-FFF2-40B4-BE49-F238E27FC236}">
-                  <a16:creationId xmlns:a16="http://schemas.microsoft.com/office/drawing/2014/main" id="{51D4DEC4-D17F-F34A-A8B6-F2125988E7B8}"/>
-                </a:ext>
-              </a:extLst>
-            </p:cNvPr>
-            <p:cNvSpPr txBox="1"/>
-            <p:nvPr/>
-          </p:nvSpPr>
-          <p:spPr>
-            <a:xfrm>
-              <a:off x="4492904" y="1203767"/>
-              <a:ext cx="509285" cy="369332"/>
-            </a:xfrm>
-            <a:prstGeom prst="rect">
-              <a:avLst/>
-            </a:prstGeom>
-            <a:noFill/>
-          </p:spPr>
-          <p:txBody>
-            <a:bodyPr wrap="square" rtlCol="0">
-              <a:spAutoFit/>
-            </a:bodyPr>
-            <a:lstStyle/>
-            <a:p>
-              <a:r>
-                <a:rPr kumimoji="1" lang="en-US" altLang="zh-CN" dirty="0"/>
-                <a:t>3</a:t>
-              </a:r>
-              <a:endParaRPr kumimoji="1" lang="zh-CN" altLang="en-US" dirty="0"/>
-            </a:p>
-          </p:txBody>
-        </p:sp>
-        <p:sp>
-          <p:nvSpPr>
-            <p:cNvPr id="20" name="文本框 19">
-              <a:extLst>
-                <a:ext uri="{FF2B5EF4-FFF2-40B4-BE49-F238E27FC236}">
-                  <a16:creationId xmlns:a16="http://schemas.microsoft.com/office/drawing/2014/main" id="{CAD64478-1339-6F45-92F2-96B1C4A0A30E}"/>
-                </a:ext>
-              </a:extLst>
-            </p:cNvPr>
-            <p:cNvSpPr txBox="1"/>
-            <p:nvPr/>
-          </p:nvSpPr>
-          <p:spPr>
-            <a:xfrm>
-              <a:off x="5002189" y="1203767"/>
-              <a:ext cx="509285" cy="369332"/>
-            </a:xfrm>
-            <a:prstGeom prst="rect">
-              <a:avLst/>
-            </a:prstGeom>
-            <a:noFill/>
-          </p:spPr>
-          <p:txBody>
-            <a:bodyPr wrap="square" rtlCol="0">
-              <a:spAutoFit/>
-            </a:bodyPr>
-            <a:lstStyle/>
-            <a:p>
-              <a:r>
-                <a:rPr kumimoji="1" lang="en-US" altLang="zh-CN" dirty="0"/>
-                <a:t>6</a:t>
-              </a:r>
-              <a:endParaRPr kumimoji="1" lang="zh-CN" altLang="en-US" dirty="0"/>
-            </a:p>
-          </p:txBody>
-        </p:sp>
-        <p:sp>
-          <p:nvSpPr>
-            <p:cNvPr id="21" name="文本框 20">
-              <a:extLst>
-                <a:ext uri="{FF2B5EF4-FFF2-40B4-BE49-F238E27FC236}">
-                  <a16:creationId xmlns:a16="http://schemas.microsoft.com/office/drawing/2014/main" id="{631FC599-FB75-2744-85BF-22E09A3C211B}"/>
-                </a:ext>
-              </a:extLst>
-            </p:cNvPr>
-            <p:cNvSpPr txBox="1"/>
-            <p:nvPr/>
-          </p:nvSpPr>
-          <p:spPr>
-            <a:xfrm>
-              <a:off x="3474334" y="1573099"/>
-              <a:ext cx="509285" cy="369332"/>
-            </a:xfrm>
-            <a:prstGeom prst="rect">
-              <a:avLst/>
-            </a:prstGeom>
-            <a:noFill/>
-          </p:spPr>
-          <p:txBody>
-            <a:bodyPr wrap="square" rtlCol="0">
-              <a:spAutoFit/>
-            </a:bodyPr>
-            <a:lstStyle/>
-            <a:p>
-              <a:r>
-                <a:rPr kumimoji="1" lang="en-US" altLang="zh-CN" dirty="0"/>
-                <a:t>1</a:t>
-              </a:r>
-              <a:endParaRPr kumimoji="1" lang="zh-CN" altLang="en-US" dirty="0"/>
-            </a:p>
-          </p:txBody>
-        </p:sp>
-        <p:sp>
-          <p:nvSpPr>
-            <p:cNvPr id="22" name="文本框 21">
-              <a:extLst>
-                <a:ext uri="{FF2B5EF4-FFF2-40B4-BE49-F238E27FC236}">
-                  <a16:creationId xmlns:a16="http://schemas.microsoft.com/office/drawing/2014/main" id="{0CC1A6D3-C5A3-C649-A53F-FA27156D0AA6}"/>
-                </a:ext>
-              </a:extLst>
-            </p:cNvPr>
-            <p:cNvSpPr txBox="1"/>
-            <p:nvPr/>
-          </p:nvSpPr>
-          <p:spPr>
-            <a:xfrm>
-              <a:off x="3983619" y="1573099"/>
-              <a:ext cx="509285" cy="369332"/>
-            </a:xfrm>
-            <a:prstGeom prst="rect">
-              <a:avLst/>
-            </a:prstGeom>
-            <a:noFill/>
-          </p:spPr>
-          <p:txBody>
-            <a:bodyPr wrap="square" rtlCol="0">
-              <a:spAutoFit/>
-            </a:bodyPr>
-            <a:lstStyle/>
-            <a:p>
-              <a:r>
-                <a:rPr kumimoji="1" lang="en-US" altLang="zh-CN" dirty="0"/>
-                <a:t>2</a:t>
-              </a:r>
-              <a:endParaRPr kumimoji="1" lang="zh-CN" altLang="en-US" dirty="0"/>
-            </a:p>
-          </p:txBody>
-        </p:sp>
-        <p:sp>
-          <p:nvSpPr>
-            <p:cNvPr id="23" name="文本框 22">
-              <a:extLst>
-                <a:ext uri="{FF2B5EF4-FFF2-40B4-BE49-F238E27FC236}">
-                  <a16:creationId xmlns:a16="http://schemas.microsoft.com/office/drawing/2014/main" id="{C75F5467-91A4-9C47-941F-952D469D8654}"/>
-                </a:ext>
-              </a:extLst>
-            </p:cNvPr>
-            <p:cNvSpPr txBox="1"/>
-            <p:nvPr/>
-          </p:nvSpPr>
-          <p:spPr>
-            <a:xfrm>
-              <a:off x="4492904" y="1573099"/>
-              <a:ext cx="509285" cy="369332"/>
-            </a:xfrm>
-            <a:prstGeom prst="rect">
-              <a:avLst/>
-            </a:prstGeom>
-            <a:noFill/>
-          </p:spPr>
-          <p:txBody>
-            <a:bodyPr wrap="square" rtlCol="0">
-              <a:spAutoFit/>
-            </a:bodyPr>
-            <a:lstStyle/>
-            <a:p>
-              <a:r>
-                <a:rPr kumimoji="1" lang="en-US" altLang="zh-CN" dirty="0"/>
-                <a:t>4</a:t>
-              </a:r>
-              <a:endParaRPr kumimoji="1" lang="zh-CN" altLang="en-US" dirty="0"/>
-            </a:p>
-          </p:txBody>
-        </p:sp>
-        <p:sp>
-          <p:nvSpPr>
-            <p:cNvPr id="24" name="文本框 23">
-              <a:extLst>
-                <a:ext uri="{FF2B5EF4-FFF2-40B4-BE49-F238E27FC236}">
-                  <a16:creationId xmlns:a16="http://schemas.microsoft.com/office/drawing/2014/main" id="{0CF221E3-AE66-3C43-B429-41145CCE595C}"/>
-                </a:ext>
-              </a:extLst>
-            </p:cNvPr>
-            <p:cNvSpPr txBox="1"/>
-            <p:nvPr/>
-          </p:nvSpPr>
-          <p:spPr>
-            <a:xfrm>
-              <a:off x="5002189" y="1573099"/>
-              <a:ext cx="509285" cy="369332"/>
-            </a:xfrm>
-            <a:prstGeom prst="rect">
-              <a:avLst/>
-            </a:prstGeom>
-            <a:noFill/>
-          </p:spPr>
-          <p:txBody>
-            <a:bodyPr wrap="square" rtlCol="0">
-              <a:spAutoFit/>
-            </a:bodyPr>
-            <a:lstStyle/>
-            <a:p>
-              <a:r>
-                <a:rPr kumimoji="1" lang="en-US" altLang="zh-CN" dirty="0"/>
-                <a:t>7</a:t>
-              </a:r>
-              <a:endParaRPr kumimoji="1" lang="zh-CN" altLang="en-US" dirty="0"/>
-            </a:p>
-          </p:txBody>
-        </p:sp>
-        <p:sp>
-          <p:nvSpPr>
-            <p:cNvPr id="25" name="文本框 24">
-              <a:extLst>
-                <a:ext uri="{FF2B5EF4-FFF2-40B4-BE49-F238E27FC236}">
-                  <a16:creationId xmlns:a16="http://schemas.microsoft.com/office/drawing/2014/main" id="{EA4C5683-8BEE-B24E-BA73-A3712519C9D8}"/>
-                </a:ext>
-              </a:extLst>
-            </p:cNvPr>
-            <p:cNvSpPr txBox="1"/>
-            <p:nvPr/>
-          </p:nvSpPr>
-          <p:spPr>
-            <a:xfrm>
-              <a:off x="3474334" y="1942431"/>
-              <a:ext cx="509285" cy="369332"/>
-            </a:xfrm>
-            <a:prstGeom prst="rect">
-              <a:avLst/>
-            </a:prstGeom>
-            <a:noFill/>
-          </p:spPr>
-          <p:txBody>
-            <a:bodyPr wrap="square" rtlCol="0">
-              <a:spAutoFit/>
-            </a:bodyPr>
-            <a:lstStyle/>
-            <a:p>
-              <a:r>
-                <a:rPr kumimoji="1" lang="en-US" altLang="zh-CN" dirty="0"/>
-                <a:t>1</a:t>
-              </a:r>
-              <a:endParaRPr kumimoji="1" lang="zh-CN" altLang="en-US" dirty="0"/>
-            </a:p>
-          </p:txBody>
-        </p:sp>
-        <p:sp>
-          <p:nvSpPr>
-            <p:cNvPr id="26" name="文本框 25">
-              <a:extLst>
-                <a:ext uri="{FF2B5EF4-FFF2-40B4-BE49-F238E27FC236}">
-                  <a16:creationId xmlns:a16="http://schemas.microsoft.com/office/drawing/2014/main" id="{800C9619-E05D-FA4B-BB95-0C7262F81C9F}"/>
-                </a:ext>
-              </a:extLst>
-            </p:cNvPr>
-            <p:cNvSpPr txBox="1"/>
-            <p:nvPr/>
-          </p:nvSpPr>
-          <p:spPr>
-            <a:xfrm>
-              <a:off x="3983619" y="1942431"/>
-              <a:ext cx="509285" cy="369332"/>
-            </a:xfrm>
-            <a:prstGeom prst="rect">
-              <a:avLst/>
-            </a:prstGeom>
-            <a:noFill/>
-          </p:spPr>
-          <p:txBody>
-            <a:bodyPr wrap="square" rtlCol="0">
-              <a:spAutoFit/>
-            </a:bodyPr>
-            <a:lstStyle/>
-            <a:p>
-              <a:r>
-                <a:rPr kumimoji="1" lang="en-US" altLang="zh-CN" dirty="0"/>
-                <a:t>2</a:t>
-              </a:r>
-              <a:endParaRPr kumimoji="1" lang="zh-CN" altLang="en-US" dirty="0"/>
-            </a:p>
-          </p:txBody>
-        </p:sp>
-        <p:sp>
-          <p:nvSpPr>
-            <p:cNvPr id="27" name="文本框 26">
-              <a:extLst>
-                <a:ext uri="{FF2B5EF4-FFF2-40B4-BE49-F238E27FC236}">
-                  <a16:creationId xmlns:a16="http://schemas.microsoft.com/office/drawing/2014/main" id="{858084C8-CFDB-174E-A0F7-4348EC51B434}"/>
-                </a:ext>
-              </a:extLst>
-            </p:cNvPr>
-            <p:cNvSpPr txBox="1"/>
-            <p:nvPr/>
-          </p:nvSpPr>
-          <p:spPr>
-            <a:xfrm>
-              <a:off x="4492904" y="1942431"/>
-              <a:ext cx="509285" cy="369332"/>
-            </a:xfrm>
-            <a:prstGeom prst="rect">
-              <a:avLst/>
-            </a:prstGeom>
-            <a:noFill/>
-          </p:spPr>
-          <p:txBody>
-            <a:bodyPr wrap="square" rtlCol="0">
-              <a:spAutoFit/>
-            </a:bodyPr>
-            <a:lstStyle/>
-            <a:p>
-              <a:r>
-                <a:rPr kumimoji="1" lang="en-US" altLang="zh-CN" dirty="0"/>
-                <a:t>5</a:t>
-              </a:r>
-              <a:endParaRPr kumimoji="1" lang="zh-CN" altLang="en-US" dirty="0"/>
-            </a:p>
-          </p:txBody>
-        </p:sp>
-        <p:sp>
-          <p:nvSpPr>
-            <p:cNvPr id="28" name="文本框 27">
-              <a:extLst>
-                <a:ext uri="{FF2B5EF4-FFF2-40B4-BE49-F238E27FC236}">
-                  <a16:creationId xmlns:a16="http://schemas.microsoft.com/office/drawing/2014/main" id="{305A9AC0-96A9-1C4A-B746-A9EDF3D28AA0}"/>
-                </a:ext>
-              </a:extLst>
-            </p:cNvPr>
-            <p:cNvSpPr txBox="1"/>
-            <p:nvPr/>
-          </p:nvSpPr>
-          <p:spPr>
-            <a:xfrm>
-              <a:off x="5002189" y="1942431"/>
-              <a:ext cx="509285" cy="369332"/>
-            </a:xfrm>
-            <a:prstGeom prst="rect">
-              <a:avLst/>
-            </a:prstGeom>
-            <a:noFill/>
-          </p:spPr>
-          <p:txBody>
-            <a:bodyPr wrap="square" rtlCol="0">
-              <a:spAutoFit/>
-            </a:bodyPr>
-            <a:lstStyle/>
-            <a:p>
-              <a:r>
-                <a:rPr kumimoji="1" lang="en-US" altLang="zh-CN" dirty="0"/>
-                <a:t>8</a:t>
-              </a:r>
-              <a:endParaRPr kumimoji="1" lang="zh-CN" altLang="en-US" dirty="0"/>
-            </a:p>
-          </p:txBody>
-        </p:sp>
-        <p:sp>
-          <p:nvSpPr>
-            <p:cNvPr id="29" name="文本框 28">
-              <a:extLst>
-                <a:ext uri="{FF2B5EF4-FFF2-40B4-BE49-F238E27FC236}">
-                  <a16:creationId xmlns:a16="http://schemas.microsoft.com/office/drawing/2014/main" id="{36E10929-FE95-2246-893B-5ED103204FD9}"/>
-                </a:ext>
-              </a:extLst>
-            </p:cNvPr>
-            <p:cNvSpPr txBox="1"/>
-            <p:nvPr/>
-          </p:nvSpPr>
-          <p:spPr>
-            <a:xfrm>
-              <a:off x="4238262" y="752354"/>
-              <a:ext cx="588382" cy="369332"/>
-            </a:xfrm>
-            <a:prstGeom prst="rect">
-              <a:avLst/>
-            </a:prstGeom>
-            <a:noFill/>
-          </p:spPr>
-          <p:txBody>
-            <a:bodyPr wrap="square" rtlCol="0">
-              <a:spAutoFit/>
-            </a:bodyPr>
-            <a:lstStyle/>
-            <a:p>
-              <a:r>
-                <a:rPr kumimoji="1" lang="en-US" altLang="zh-CN" dirty="0" err="1"/>
-                <a:t>dfi</a:t>
-              </a:r>
-              <a:endParaRPr kumimoji="1" lang="zh-CN" altLang="en-US" dirty="0"/>
-            </a:p>
-          </p:txBody>
-        </p:sp>
-        <p:sp>
-          <p:nvSpPr>
-            <p:cNvPr id="30" name="文本框 29">
-              <a:extLst>
-                <a:ext uri="{FF2B5EF4-FFF2-40B4-BE49-F238E27FC236}">
-                  <a16:creationId xmlns:a16="http://schemas.microsoft.com/office/drawing/2014/main" id="{9C89F9D8-E9F2-7B4F-B125-AF0BA52DB05D}"/>
-                </a:ext>
-              </a:extLst>
-            </p:cNvPr>
-            <p:cNvSpPr txBox="1"/>
-            <p:nvPr/>
-          </p:nvSpPr>
-          <p:spPr>
-            <a:xfrm>
-              <a:off x="5517258" y="1203767"/>
-              <a:ext cx="509285" cy="369332"/>
-            </a:xfrm>
-            <a:prstGeom prst="rect">
-              <a:avLst/>
-            </a:prstGeom>
-            <a:noFill/>
-          </p:spPr>
-          <p:txBody>
-            <a:bodyPr wrap="square" rtlCol="0">
-              <a:spAutoFit/>
-            </a:bodyPr>
-            <a:lstStyle/>
-            <a:p>
-              <a:r>
-                <a:rPr kumimoji="1" lang="en-US" altLang="zh-CN" dirty="0"/>
-                <a:t>2.1</a:t>
-              </a:r>
-              <a:endParaRPr kumimoji="1" lang="zh-CN" altLang="en-US" dirty="0"/>
-            </a:p>
-          </p:txBody>
-        </p:sp>
-        <p:sp>
-          <p:nvSpPr>
-            <p:cNvPr id="31" name="文本框 30">
-              <a:extLst>
-                <a:ext uri="{FF2B5EF4-FFF2-40B4-BE49-F238E27FC236}">
-                  <a16:creationId xmlns:a16="http://schemas.microsoft.com/office/drawing/2014/main" id="{DC5E76EA-B9EC-8649-8108-33582594B976}"/>
-                </a:ext>
-              </a:extLst>
-            </p:cNvPr>
-            <p:cNvSpPr txBox="1"/>
-            <p:nvPr/>
-          </p:nvSpPr>
-          <p:spPr>
-            <a:xfrm>
-              <a:off x="6026543" y="1203767"/>
-              <a:ext cx="509285" cy="369332"/>
-            </a:xfrm>
-            <a:prstGeom prst="rect">
-              <a:avLst/>
-            </a:prstGeom>
-            <a:noFill/>
-          </p:spPr>
-          <p:txBody>
-            <a:bodyPr wrap="square" rtlCol="0">
-              <a:spAutoFit/>
-            </a:bodyPr>
-            <a:lstStyle/>
-            <a:p>
-              <a:r>
-                <a:rPr kumimoji="1" lang="en-US" altLang="zh-CN" dirty="0"/>
-                <a:t>2.0</a:t>
-              </a:r>
-              <a:endParaRPr kumimoji="1" lang="zh-CN" altLang="en-US" dirty="0"/>
-            </a:p>
-          </p:txBody>
-        </p:sp>
-        <p:sp>
-          <p:nvSpPr>
-            <p:cNvPr id="32" name="文本框 31">
-              <a:extLst>
-                <a:ext uri="{FF2B5EF4-FFF2-40B4-BE49-F238E27FC236}">
-                  <a16:creationId xmlns:a16="http://schemas.microsoft.com/office/drawing/2014/main" id="{DA69225E-AF93-904F-B284-F5969D8C3FB5}"/>
-                </a:ext>
-              </a:extLst>
-            </p:cNvPr>
-            <p:cNvSpPr txBox="1"/>
-            <p:nvPr/>
-          </p:nvSpPr>
-          <p:spPr>
-            <a:xfrm>
-              <a:off x="6535828" y="1203767"/>
-              <a:ext cx="509285" cy="369332"/>
-            </a:xfrm>
-            <a:prstGeom prst="rect">
-              <a:avLst/>
-            </a:prstGeom>
-            <a:noFill/>
-          </p:spPr>
-          <p:txBody>
-            <a:bodyPr wrap="square" rtlCol="0">
-              <a:spAutoFit/>
-            </a:bodyPr>
-            <a:lstStyle/>
-            <a:p>
-              <a:r>
-                <a:rPr kumimoji="1" lang="en-US" altLang="zh-CN" dirty="0"/>
-                <a:t>1</a:t>
-              </a:r>
-              <a:endParaRPr kumimoji="1" lang="zh-CN" altLang="en-US" dirty="0"/>
-            </a:p>
-          </p:txBody>
-        </p:sp>
-        <p:sp>
-          <p:nvSpPr>
-            <p:cNvPr id="33" name="文本框 32">
-              <a:extLst>
-                <a:ext uri="{FF2B5EF4-FFF2-40B4-BE49-F238E27FC236}">
-                  <a16:creationId xmlns:a16="http://schemas.microsoft.com/office/drawing/2014/main" id="{901ABB85-33CD-6549-A8F2-2ED3F587B431}"/>
-                </a:ext>
-              </a:extLst>
-            </p:cNvPr>
-            <p:cNvSpPr txBox="1"/>
-            <p:nvPr/>
-          </p:nvSpPr>
-          <p:spPr>
-            <a:xfrm>
-              <a:off x="7045113" y="1203767"/>
-              <a:ext cx="509285" cy="369332"/>
-            </a:xfrm>
-            <a:prstGeom prst="rect">
-              <a:avLst/>
-            </a:prstGeom>
-            <a:noFill/>
-          </p:spPr>
-          <p:txBody>
-            <a:bodyPr wrap="square" rtlCol="0">
-              <a:spAutoFit/>
-            </a:bodyPr>
-            <a:lstStyle/>
-            <a:p>
-              <a:r>
-                <a:rPr kumimoji="1" lang="en-US" altLang="zh-CN" dirty="0"/>
-                <a:t>1</a:t>
-              </a:r>
-              <a:endParaRPr kumimoji="1" lang="zh-CN" altLang="en-US" dirty="0"/>
-            </a:p>
-          </p:txBody>
-        </p:sp>
-        <p:sp>
-          <p:nvSpPr>
-            <p:cNvPr id="34" name="文本框 33">
-              <a:extLst>
-                <a:ext uri="{FF2B5EF4-FFF2-40B4-BE49-F238E27FC236}">
-                  <a16:creationId xmlns:a16="http://schemas.microsoft.com/office/drawing/2014/main" id="{E8137ADF-F55D-7B4B-9160-0CC7FE8BB7BA}"/>
-                </a:ext>
-              </a:extLst>
-            </p:cNvPr>
-            <p:cNvSpPr txBox="1"/>
-            <p:nvPr/>
-          </p:nvSpPr>
-          <p:spPr>
-            <a:xfrm>
-              <a:off x="5517258" y="1573099"/>
-              <a:ext cx="509285" cy="369332"/>
-            </a:xfrm>
-            <a:prstGeom prst="rect">
-              <a:avLst/>
-            </a:prstGeom>
-            <a:noFill/>
-          </p:spPr>
-          <p:txBody>
-            <a:bodyPr wrap="square" rtlCol="0">
-              <a:spAutoFit/>
-            </a:bodyPr>
-            <a:lstStyle/>
-            <a:p>
-              <a:r>
-                <a:rPr kumimoji="1" lang="en-US" altLang="zh-CN" dirty="0"/>
-                <a:t>1.5</a:t>
-              </a:r>
-              <a:endParaRPr kumimoji="1" lang="zh-CN" altLang="en-US" dirty="0"/>
-            </a:p>
-          </p:txBody>
-        </p:sp>
-        <p:sp>
-          <p:nvSpPr>
-            <p:cNvPr id="35" name="文本框 34">
-              <a:extLst>
-                <a:ext uri="{FF2B5EF4-FFF2-40B4-BE49-F238E27FC236}">
-                  <a16:creationId xmlns:a16="http://schemas.microsoft.com/office/drawing/2014/main" id="{D5A8BA1F-65CA-D849-9800-00D525F46074}"/>
-                </a:ext>
-              </a:extLst>
-            </p:cNvPr>
-            <p:cNvSpPr txBox="1"/>
-            <p:nvPr/>
-          </p:nvSpPr>
-          <p:spPr>
-            <a:xfrm>
-              <a:off x="6026543" y="1573099"/>
-              <a:ext cx="509285" cy="369332"/>
-            </a:xfrm>
-            <a:prstGeom prst="rect">
-              <a:avLst/>
-            </a:prstGeom>
-            <a:noFill/>
-          </p:spPr>
-          <p:txBody>
-            <a:bodyPr wrap="square" rtlCol="0">
-              <a:spAutoFit/>
-            </a:bodyPr>
-            <a:lstStyle/>
-            <a:p>
-              <a:r>
-                <a:rPr kumimoji="1" lang="en-US" altLang="zh-CN" dirty="0"/>
-                <a:t>2.2</a:t>
-              </a:r>
-              <a:endParaRPr kumimoji="1" lang="zh-CN" altLang="en-US" dirty="0"/>
-            </a:p>
-          </p:txBody>
-        </p:sp>
-        <p:sp>
-          <p:nvSpPr>
-            <p:cNvPr id="36" name="文本框 35">
-              <a:extLst>
-                <a:ext uri="{FF2B5EF4-FFF2-40B4-BE49-F238E27FC236}">
-                  <a16:creationId xmlns:a16="http://schemas.microsoft.com/office/drawing/2014/main" id="{26524B45-14A0-3748-AFAA-D93CF4C6AADD}"/>
-                </a:ext>
-              </a:extLst>
-            </p:cNvPr>
-            <p:cNvSpPr txBox="1"/>
-            <p:nvPr/>
-          </p:nvSpPr>
-          <p:spPr>
-            <a:xfrm>
-              <a:off x="6535828" y="1573099"/>
-              <a:ext cx="509285" cy="369332"/>
-            </a:xfrm>
-            <a:prstGeom prst="rect">
-              <a:avLst/>
-            </a:prstGeom>
-            <a:noFill/>
-          </p:spPr>
-          <p:txBody>
-            <a:bodyPr wrap="square" rtlCol="0">
-              <a:spAutoFit/>
-            </a:bodyPr>
-            <a:lstStyle/>
-            <a:p>
-              <a:r>
-                <a:rPr kumimoji="1" lang="en-US" altLang="zh-CN" dirty="0"/>
-                <a:t>1</a:t>
-              </a:r>
-              <a:endParaRPr kumimoji="1" lang="zh-CN" altLang="en-US" dirty="0"/>
-            </a:p>
-          </p:txBody>
-        </p:sp>
-        <p:sp>
-          <p:nvSpPr>
-            <p:cNvPr id="37" name="文本框 36">
-              <a:extLst>
-                <a:ext uri="{FF2B5EF4-FFF2-40B4-BE49-F238E27FC236}">
-                  <a16:creationId xmlns:a16="http://schemas.microsoft.com/office/drawing/2014/main" id="{654DC3DF-ABC3-C54B-B833-931289FB8569}"/>
-                </a:ext>
-              </a:extLst>
-            </p:cNvPr>
-            <p:cNvSpPr txBox="1"/>
-            <p:nvPr/>
-          </p:nvSpPr>
-          <p:spPr>
-            <a:xfrm>
-              <a:off x="7045113" y="1573099"/>
-              <a:ext cx="509285" cy="369332"/>
-            </a:xfrm>
-            <a:prstGeom prst="rect">
-              <a:avLst/>
-            </a:prstGeom>
-            <a:noFill/>
-          </p:spPr>
-          <p:txBody>
-            <a:bodyPr wrap="square" rtlCol="0">
-              <a:spAutoFit/>
-            </a:bodyPr>
-            <a:lstStyle/>
-            <a:p>
-              <a:r>
-                <a:rPr kumimoji="1" lang="en-US" altLang="zh-CN" dirty="0"/>
-                <a:t>1</a:t>
-              </a:r>
-              <a:endParaRPr kumimoji="1" lang="zh-CN" altLang="en-US" dirty="0"/>
-            </a:p>
-          </p:txBody>
-        </p:sp>
-        <p:sp>
-          <p:nvSpPr>
-            <p:cNvPr id="38" name="文本框 37">
-              <a:extLst>
-                <a:ext uri="{FF2B5EF4-FFF2-40B4-BE49-F238E27FC236}">
-                  <a16:creationId xmlns:a16="http://schemas.microsoft.com/office/drawing/2014/main" id="{E7181BC7-C88A-3C43-961A-572FC7E4A50A}"/>
-                </a:ext>
-              </a:extLst>
-            </p:cNvPr>
-            <p:cNvSpPr txBox="1"/>
-            <p:nvPr/>
-          </p:nvSpPr>
-          <p:spPr>
-            <a:xfrm>
-              <a:off x="5517258" y="1942431"/>
-              <a:ext cx="509285" cy="369332"/>
-            </a:xfrm>
-            <a:prstGeom prst="rect">
-              <a:avLst/>
-            </a:prstGeom>
-            <a:noFill/>
-          </p:spPr>
-          <p:txBody>
-            <a:bodyPr wrap="square" rtlCol="0">
-              <a:spAutoFit/>
-            </a:bodyPr>
-            <a:lstStyle/>
-            <a:p>
-              <a:r>
-                <a:rPr kumimoji="1" lang="en-US" altLang="zh-CN" dirty="0"/>
-                <a:t>1.6</a:t>
-              </a:r>
-              <a:endParaRPr kumimoji="1" lang="zh-CN" altLang="en-US" dirty="0"/>
-            </a:p>
-          </p:txBody>
-        </p:sp>
-        <p:sp>
-          <p:nvSpPr>
-            <p:cNvPr id="39" name="文本框 38">
-              <a:extLst>
-                <a:ext uri="{FF2B5EF4-FFF2-40B4-BE49-F238E27FC236}">
-                  <a16:creationId xmlns:a16="http://schemas.microsoft.com/office/drawing/2014/main" id="{96546EDB-FDFD-C248-BC39-828F551F96BF}"/>
-                </a:ext>
-              </a:extLst>
-            </p:cNvPr>
-            <p:cNvSpPr txBox="1"/>
-            <p:nvPr/>
-          </p:nvSpPr>
-          <p:spPr>
-            <a:xfrm>
-              <a:off x="6026543" y="1942431"/>
-              <a:ext cx="509285" cy="369332"/>
-            </a:xfrm>
-            <a:prstGeom prst="rect">
-              <a:avLst/>
-            </a:prstGeom>
-            <a:noFill/>
-          </p:spPr>
-          <p:txBody>
-            <a:bodyPr wrap="square" rtlCol="0">
-              <a:spAutoFit/>
-            </a:bodyPr>
-            <a:lstStyle/>
-            <a:p>
-              <a:r>
-                <a:rPr kumimoji="1" lang="en-US" altLang="zh-CN" dirty="0"/>
-                <a:t>2.8</a:t>
-              </a:r>
-              <a:endParaRPr kumimoji="1" lang="zh-CN" altLang="en-US" dirty="0"/>
-            </a:p>
-          </p:txBody>
-        </p:sp>
-        <p:sp>
-          <p:nvSpPr>
-            <p:cNvPr id="40" name="文本框 39">
-              <a:extLst>
-                <a:ext uri="{FF2B5EF4-FFF2-40B4-BE49-F238E27FC236}">
-                  <a16:creationId xmlns:a16="http://schemas.microsoft.com/office/drawing/2014/main" id="{87347067-7594-144A-AA71-15A645621DF4}"/>
-                </a:ext>
-              </a:extLst>
-            </p:cNvPr>
-            <p:cNvSpPr txBox="1"/>
-            <p:nvPr/>
-          </p:nvSpPr>
-          <p:spPr>
-            <a:xfrm>
-              <a:off x="6535828" y="1942431"/>
-              <a:ext cx="509285" cy="369332"/>
-            </a:xfrm>
-            <a:prstGeom prst="rect">
-              <a:avLst/>
-            </a:prstGeom>
-            <a:noFill/>
-          </p:spPr>
-          <p:txBody>
-            <a:bodyPr wrap="square" rtlCol="0">
-              <a:spAutoFit/>
-            </a:bodyPr>
-            <a:lstStyle/>
-            <a:p>
-              <a:r>
-                <a:rPr kumimoji="1" lang="en-US" altLang="zh-CN" dirty="0"/>
-                <a:t>1</a:t>
-              </a:r>
-              <a:endParaRPr kumimoji="1" lang="zh-CN" altLang="en-US" dirty="0"/>
-            </a:p>
-          </p:txBody>
-        </p:sp>
-        <p:sp>
-          <p:nvSpPr>
-            <p:cNvPr id="41" name="文本框 40">
-              <a:extLst>
-                <a:ext uri="{FF2B5EF4-FFF2-40B4-BE49-F238E27FC236}">
-                  <a16:creationId xmlns:a16="http://schemas.microsoft.com/office/drawing/2014/main" id="{B9F5290F-53DB-1B43-AF3A-A3B673571A24}"/>
-                </a:ext>
-              </a:extLst>
-            </p:cNvPr>
-            <p:cNvSpPr txBox="1"/>
-            <p:nvPr/>
-          </p:nvSpPr>
-          <p:spPr>
-            <a:xfrm>
-              <a:off x="7045113" y="1942431"/>
-              <a:ext cx="509285" cy="369332"/>
-            </a:xfrm>
-            <a:prstGeom prst="rect">
-              <a:avLst/>
-            </a:prstGeom>
-            <a:noFill/>
-          </p:spPr>
-          <p:txBody>
-            <a:bodyPr wrap="square" rtlCol="0">
-              <a:spAutoFit/>
-            </a:bodyPr>
-            <a:lstStyle/>
-            <a:p>
-              <a:r>
-                <a:rPr kumimoji="1" lang="en-US" altLang="zh-CN" dirty="0"/>
-                <a:t>1</a:t>
-              </a:r>
-              <a:endParaRPr kumimoji="1" lang="zh-CN" altLang="en-US" dirty="0"/>
-            </a:p>
-          </p:txBody>
-        </p:sp>
-        <p:sp>
-          <p:nvSpPr>
-            <p:cNvPr id="42" name="文本框 41">
-              <a:extLst>
-                <a:ext uri="{FF2B5EF4-FFF2-40B4-BE49-F238E27FC236}">
-                  <a16:creationId xmlns:a16="http://schemas.microsoft.com/office/drawing/2014/main" id="{57DD9411-64C3-8142-88E2-A859D257AEA7}"/>
-                </a:ext>
-              </a:extLst>
-            </p:cNvPr>
-            <p:cNvSpPr txBox="1"/>
-            <p:nvPr/>
-          </p:nvSpPr>
-          <p:spPr>
-            <a:xfrm>
-              <a:off x="6188600" y="752354"/>
-              <a:ext cx="584522" cy="369332"/>
-            </a:xfrm>
-            <a:prstGeom prst="rect">
-              <a:avLst/>
-            </a:prstGeom>
-            <a:noFill/>
-          </p:spPr>
-          <p:txBody>
-            <a:bodyPr wrap="square" rtlCol="0">
-              <a:spAutoFit/>
-            </a:bodyPr>
-            <a:lstStyle/>
-            <a:p>
-              <a:r>
-                <a:rPr kumimoji="1" lang="en-US" altLang="zh-CN" dirty="0" err="1"/>
-                <a:t>dfv</a:t>
-              </a:r>
-              <a:endParaRPr kumimoji="1" lang="zh-CN" altLang="en-US" dirty="0"/>
-            </a:p>
-          </p:txBody>
-        </p:sp>
-        <p:cxnSp>
-          <p:nvCxnSpPr>
-            <p:cNvPr id="44" name="直线连接符 43">
-              <a:extLst>
-                <a:ext uri="{FF2B5EF4-FFF2-40B4-BE49-F238E27FC236}">
-                  <a16:creationId xmlns:a16="http://schemas.microsoft.com/office/drawing/2014/main" id="{A0A963DD-6E9E-B743-ABAC-B54A053B2056}"/>
-                </a:ext>
-              </a:extLst>
-            </p:cNvPr>
-            <p:cNvCxnSpPr>
-              <a:cxnSpLocks/>
-            </p:cNvCxnSpPr>
-            <p:nvPr/>
-          </p:nvCxnSpPr>
-          <p:spPr>
-            <a:xfrm>
-              <a:off x="3310355" y="557514"/>
-              <a:ext cx="0" cy="1919468"/>
-            </a:xfrm>
-            <a:prstGeom prst="line">
-              <a:avLst/>
-            </a:prstGeom>
-            <a:ln w="12700">
-              <a:solidFill>
-                <a:schemeClr val="tx1"/>
-              </a:solidFill>
-              <a:prstDash val="solid"/>
-            </a:ln>
-          </p:spPr>
-          <p:style>
-            <a:lnRef idx="1">
-              <a:schemeClr val="accent1"/>
-            </a:lnRef>
-            <a:fillRef idx="0">
-              <a:schemeClr val="accent1"/>
-            </a:fillRef>
-            <a:effectRef idx="0">
-              <a:schemeClr val="accent1"/>
-            </a:effectRef>
-            <a:fontRef idx="minor">
-              <a:schemeClr val="tx1"/>
-            </a:fontRef>
-          </p:style>
-        </p:cxnSp>
-        <p:cxnSp>
-          <p:nvCxnSpPr>
-            <p:cNvPr id="45" name="直线连接符 44">
-              <a:extLst>
-                <a:ext uri="{FF2B5EF4-FFF2-40B4-BE49-F238E27FC236}">
-                  <a16:creationId xmlns:a16="http://schemas.microsoft.com/office/drawing/2014/main" id="{B1A0183E-1D1E-A64A-990A-18BCB11A2DFC}"/>
-                </a:ext>
-              </a:extLst>
-            </p:cNvPr>
-            <p:cNvCxnSpPr>
-              <a:cxnSpLocks/>
-            </p:cNvCxnSpPr>
-            <p:nvPr/>
-          </p:nvCxnSpPr>
-          <p:spPr>
-            <a:xfrm>
-              <a:off x="5384152" y="557514"/>
-              <a:ext cx="0" cy="1919468"/>
-            </a:xfrm>
-            <a:prstGeom prst="line">
-              <a:avLst/>
-            </a:prstGeom>
-            <a:ln w="12700">
-              <a:solidFill>
-                <a:schemeClr val="tx1"/>
-              </a:solidFill>
-              <a:prstDash val="solid"/>
-            </a:ln>
-          </p:spPr>
-          <p:style>
-            <a:lnRef idx="1">
-              <a:schemeClr val="accent1"/>
-            </a:lnRef>
-            <a:fillRef idx="0">
-              <a:schemeClr val="accent1"/>
-            </a:fillRef>
-            <a:effectRef idx="0">
-              <a:schemeClr val="accent1"/>
-            </a:effectRef>
-            <a:fontRef idx="minor">
-              <a:schemeClr val="tx1"/>
-            </a:fontRef>
-          </p:style>
-        </p:cxnSp>
-      </p:grpSp>
-    </p:spTree>
-    <p:extLst>
-      <p:ext uri="{BB962C8B-B14F-4D97-AF65-F5344CB8AC3E}">
-        <p14:creationId xmlns:p14="http://schemas.microsoft.com/office/powerpoint/2010/main" val="1745672573"/>
       </p:ext>
     </p:extLst>
   </p:cSld>

--- a/pictures.pptx
+++ b/pictures.pptx
@@ -5,7 +5,7 @@
     <p:sldMasterId id="2147483648" r:id="rId1"/>
   </p:sldMasterIdLst>
   <p:notesMasterIdLst>
-    <p:notesMasterId r:id="rId13"/>
+    <p:notesMasterId r:id="rId14"/>
   </p:notesMasterIdLst>
   <p:sldIdLst>
     <p:sldId id="263" r:id="rId2"/>
@@ -19,6 +19,7 @@
     <p:sldId id="270" r:id="rId10"/>
     <p:sldId id="271" r:id="rId11"/>
     <p:sldId id="272" r:id="rId12"/>
+    <p:sldId id="274" r:id="rId13"/>
   </p:sldIdLst>
   <p:sldSz cx="12192000" cy="6858000"/>
   <p:notesSz cx="6858000" cy="9144000"/>
@@ -207,7 +208,7 @@
           <a:p>
             <a:fld id="{86B3B155-2483-6F47-A0CD-700458558B73}" type="datetimeFigureOut">
               <a:rPr kumimoji="1" lang="zh-CN" altLang="en-US" smtClean="0"/>
-              <a:t>2020/1/28</a:t>
+              <a:t>2020/1/29</a:t>
             </a:fld>
             <a:endParaRPr kumimoji="1" lang="zh-CN" altLang="en-US"/>
           </a:p>
@@ -680,7 +681,7 @@
           <a:p>
             <a:fld id="{51C7FA66-BD2E-F245-985F-19D6B65945E5}" type="datetimeFigureOut">
               <a:rPr kumimoji="1" lang="zh-CN" altLang="en-US" smtClean="0"/>
-              <a:t>2020/1/28</a:t>
+              <a:t>2020/1/29</a:t>
             </a:fld>
             <a:endParaRPr kumimoji="1" lang="zh-CN" altLang="en-US"/>
           </a:p>
@@ -853,7 +854,7 @@
           <a:p>
             <a:fld id="{51C7FA66-BD2E-F245-985F-19D6B65945E5}" type="datetimeFigureOut">
               <a:rPr kumimoji="1" lang="zh-CN" altLang="en-US" smtClean="0"/>
-              <a:t>2020/1/28</a:t>
+              <a:t>2020/1/29</a:t>
             </a:fld>
             <a:endParaRPr kumimoji="1" lang="zh-CN" altLang="en-US"/>
           </a:p>
@@ -1036,7 +1037,7 @@
           <a:p>
             <a:fld id="{51C7FA66-BD2E-F245-985F-19D6B65945E5}" type="datetimeFigureOut">
               <a:rPr kumimoji="1" lang="zh-CN" altLang="en-US" smtClean="0"/>
-              <a:t>2020/1/28</a:t>
+              <a:t>2020/1/29</a:t>
             </a:fld>
             <a:endParaRPr kumimoji="1" lang="zh-CN" altLang="en-US"/>
           </a:p>
@@ -1209,7 +1210,7 @@
           <a:p>
             <a:fld id="{51C7FA66-BD2E-F245-985F-19D6B65945E5}" type="datetimeFigureOut">
               <a:rPr kumimoji="1" lang="zh-CN" altLang="en-US" smtClean="0"/>
-              <a:t>2020/1/28</a:t>
+              <a:t>2020/1/29</a:t>
             </a:fld>
             <a:endParaRPr kumimoji="1" lang="zh-CN" altLang="en-US"/>
           </a:p>
@@ -1487,7 +1488,7 @@
           <a:p>
             <a:fld id="{51C7FA66-BD2E-F245-985F-19D6B65945E5}" type="datetimeFigureOut">
               <a:rPr kumimoji="1" lang="zh-CN" altLang="en-US" smtClean="0"/>
-              <a:t>2020/1/28</a:t>
+              <a:t>2020/1/29</a:t>
             </a:fld>
             <a:endParaRPr kumimoji="1" lang="zh-CN" altLang="en-US"/>
           </a:p>
@@ -1702,7 +1703,7 @@
           <a:p>
             <a:fld id="{51C7FA66-BD2E-F245-985F-19D6B65945E5}" type="datetimeFigureOut">
               <a:rPr kumimoji="1" lang="zh-CN" altLang="en-US" smtClean="0"/>
-              <a:t>2020/1/28</a:t>
+              <a:t>2020/1/29</a:t>
             </a:fld>
             <a:endParaRPr kumimoji="1" lang="zh-CN" altLang="en-US"/>
           </a:p>
@@ -2070,7 +2071,7 @@
           <a:p>
             <a:fld id="{51C7FA66-BD2E-F245-985F-19D6B65945E5}" type="datetimeFigureOut">
               <a:rPr kumimoji="1" lang="zh-CN" altLang="en-US" smtClean="0"/>
-              <a:t>2020/1/28</a:t>
+              <a:t>2020/1/29</a:t>
             </a:fld>
             <a:endParaRPr kumimoji="1" lang="zh-CN" altLang="en-US"/>
           </a:p>
@@ -2211,7 +2212,7 @@
           <a:p>
             <a:fld id="{51C7FA66-BD2E-F245-985F-19D6B65945E5}" type="datetimeFigureOut">
               <a:rPr kumimoji="1" lang="zh-CN" altLang="en-US" smtClean="0"/>
-              <a:t>2020/1/28</a:t>
+              <a:t>2020/1/29</a:t>
             </a:fld>
             <a:endParaRPr kumimoji="1" lang="zh-CN" altLang="en-US"/>
           </a:p>
@@ -2324,7 +2325,7 @@
           <a:p>
             <a:fld id="{51C7FA66-BD2E-F245-985F-19D6B65945E5}" type="datetimeFigureOut">
               <a:rPr kumimoji="1" lang="zh-CN" altLang="en-US" smtClean="0"/>
-              <a:t>2020/1/28</a:t>
+              <a:t>2020/1/29</a:t>
             </a:fld>
             <a:endParaRPr kumimoji="1" lang="zh-CN" altLang="en-US"/>
           </a:p>
@@ -2613,7 +2614,7 @@
           <a:p>
             <a:fld id="{51C7FA66-BD2E-F245-985F-19D6B65945E5}" type="datetimeFigureOut">
               <a:rPr kumimoji="1" lang="zh-CN" altLang="en-US" smtClean="0"/>
-              <a:t>2020/1/28</a:t>
+              <a:t>2020/1/29</a:t>
             </a:fld>
             <a:endParaRPr kumimoji="1" lang="zh-CN" altLang="en-US"/>
           </a:p>
@@ -2904,7 +2905,7 @@
           <a:p>
             <a:fld id="{51C7FA66-BD2E-F245-985F-19D6B65945E5}" type="datetimeFigureOut">
               <a:rPr kumimoji="1" lang="zh-CN" altLang="en-US" smtClean="0"/>
-              <a:t>2020/1/28</a:t>
+              <a:t>2020/1/29</a:t>
             </a:fld>
             <a:endParaRPr kumimoji="1" lang="zh-CN" altLang="en-US"/>
           </a:p>
@@ -3120,7 +3121,7 @@
           <a:p>
             <a:fld id="{51C7FA66-BD2E-F245-985F-19D6B65945E5}" type="datetimeFigureOut">
               <a:rPr kumimoji="1" lang="zh-CN" altLang="en-US" smtClean="0"/>
-              <a:t>2020/1/28</a:t>
+              <a:t>2020/1/29</a:t>
             </a:fld>
             <a:endParaRPr kumimoji="1" lang="zh-CN" altLang="en-US"/>
           </a:p>
@@ -5384,6 +5385,447 @@
     <p:extLst>
       <p:ext uri="{BB962C8B-B14F-4D97-AF65-F5344CB8AC3E}">
         <p14:creationId xmlns:p14="http://schemas.microsoft.com/office/powerpoint/2010/main" val="1388651673"/>
+      </p:ext>
+    </p:extLst>
+  </p:cSld>
+  <p:clrMapOvr>
+    <a:masterClrMapping/>
+  </p:clrMapOvr>
+</p:sld>
+</file>
+
+<file path=ppt/slides/slide12.xml><?xml version="1.0" encoding="utf-8"?>
+<p:sld xmlns:a="http://schemas.openxmlformats.org/drawingml/2006/main" xmlns:r="http://schemas.openxmlformats.org/officeDocument/2006/relationships" xmlns:p="http://schemas.openxmlformats.org/presentationml/2006/main">
+  <p:cSld>
+    <p:spTree>
+      <p:nvGrpSpPr>
+        <p:cNvPr id="1" name=""/>
+        <p:cNvGrpSpPr/>
+        <p:nvPr/>
+      </p:nvGrpSpPr>
+      <p:grpSpPr>
+        <a:xfrm>
+          <a:off x="0" y="0"/>
+          <a:ext cx="0" cy="0"/>
+          <a:chOff x="0" y="0"/>
+          <a:chExt cx="0" cy="0"/>
+        </a:xfrm>
+      </p:grpSpPr>
+      <p:grpSp>
+        <p:nvGrpSpPr>
+          <p:cNvPr id="16" name="组合 15">
+            <a:extLst>
+              <a:ext uri="{FF2B5EF4-FFF2-40B4-BE49-F238E27FC236}">
+                <a16:creationId xmlns:a16="http://schemas.microsoft.com/office/drawing/2014/main" id="{09F7ECF4-EDA3-9144-A8C4-D7D7B1142A3B}"/>
+              </a:ext>
+            </a:extLst>
+          </p:cNvPr>
+          <p:cNvGrpSpPr/>
+          <p:nvPr/>
+        </p:nvGrpSpPr>
+        <p:grpSpPr>
+          <a:xfrm>
+            <a:off x="2307101" y="1782501"/>
+            <a:ext cx="6372665" cy="2581154"/>
+            <a:chOff x="2307101" y="1782501"/>
+            <a:chExt cx="6372665" cy="2581154"/>
+          </a:xfrm>
+        </p:grpSpPr>
+        <p:sp>
+          <p:nvSpPr>
+            <p:cNvPr id="15" name="矩形 14">
+              <a:extLst>
+                <a:ext uri="{FF2B5EF4-FFF2-40B4-BE49-F238E27FC236}">
+                  <a16:creationId xmlns:a16="http://schemas.microsoft.com/office/drawing/2014/main" id="{6C06D6C6-69E3-2C46-8505-C079D3B05EB1}"/>
+                </a:ext>
+              </a:extLst>
+            </p:cNvPr>
+            <p:cNvSpPr/>
+            <p:nvPr/>
+          </p:nvSpPr>
+          <p:spPr>
+            <a:xfrm>
+              <a:off x="2307101" y="1782501"/>
+              <a:ext cx="6372665" cy="2581154"/>
+            </a:xfrm>
+            <a:prstGeom prst="rect">
+              <a:avLst/>
+            </a:prstGeom>
+            <a:solidFill>
+              <a:schemeClr val="bg1"/>
+            </a:solidFill>
+            <a:ln>
+              <a:noFill/>
+            </a:ln>
+          </p:spPr>
+          <p:style>
+            <a:lnRef idx="2">
+              <a:schemeClr val="accent1">
+                <a:shade val="50000"/>
+              </a:schemeClr>
+            </a:lnRef>
+            <a:fillRef idx="1">
+              <a:schemeClr val="accent1"/>
+            </a:fillRef>
+            <a:effectRef idx="0">
+              <a:schemeClr val="accent1"/>
+            </a:effectRef>
+            <a:fontRef idx="minor">
+              <a:schemeClr val="lt1"/>
+            </a:fontRef>
+          </p:style>
+          <p:txBody>
+            <a:bodyPr rtlCol="0" anchor="ctr"/>
+            <a:lstStyle/>
+            <a:p>
+              <a:pPr algn="ctr"/>
+              <a:endParaRPr kumimoji="1" lang="zh-CN" altLang="en-US"/>
+            </a:p>
+          </p:txBody>
+        </p:sp>
+        <p:grpSp>
+          <p:nvGrpSpPr>
+            <p:cNvPr id="14" name="组合 13">
+              <a:extLst>
+                <a:ext uri="{FF2B5EF4-FFF2-40B4-BE49-F238E27FC236}">
+                  <a16:creationId xmlns:a16="http://schemas.microsoft.com/office/drawing/2014/main" id="{8BD73C9A-016B-214D-803F-F30D54BFD297}"/>
+                </a:ext>
+              </a:extLst>
+            </p:cNvPr>
+            <p:cNvGrpSpPr/>
+            <p:nvPr/>
+          </p:nvGrpSpPr>
+          <p:grpSpPr>
+            <a:xfrm>
+              <a:off x="4143737" y="1782501"/>
+              <a:ext cx="2824222" cy="2581154"/>
+              <a:chOff x="4143737" y="1782501"/>
+              <a:chExt cx="2824222" cy="2581154"/>
+            </a:xfrm>
+          </p:grpSpPr>
+          <p:pic>
+            <p:nvPicPr>
+              <p:cNvPr id="5" name="图片 4">
+                <a:extLst>
+                  <a:ext uri="{FF2B5EF4-FFF2-40B4-BE49-F238E27FC236}">
+                    <a16:creationId xmlns:a16="http://schemas.microsoft.com/office/drawing/2014/main" id="{46BFC7B4-05A4-1543-9551-9D43640FA525}"/>
+                  </a:ext>
+                </a:extLst>
+              </p:cNvPr>
+              <p:cNvPicPr>
+                <a:picLocks noChangeAspect="1"/>
+              </p:cNvPicPr>
+              <p:nvPr/>
+            </p:nvPicPr>
+            <p:blipFill rotWithShape="1">
+              <a:blip r:embed="rId2"/>
+              <a:srcRect l="57863" t="15787" r="725" b="19693"/>
+              <a:stretch/>
+            </p:blipFill>
+            <p:spPr>
+              <a:xfrm>
+                <a:off x="4143737" y="1782501"/>
+                <a:ext cx="2824222" cy="2581154"/>
+              </a:xfrm>
+              <a:prstGeom prst="rect">
+                <a:avLst/>
+              </a:prstGeom>
+            </p:spPr>
+          </p:pic>
+          <p:sp>
+            <p:nvSpPr>
+              <p:cNvPr id="6" name="文本框 5">
+                <a:extLst>
+                  <a:ext uri="{FF2B5EF4-FFF2-40B4-BE49-F238E27FC236}">
+                    <a16:creationId xmlns:a16="http://schemas.microsoft.com/office/drawing/2014/main" id="{80061350-17FE-CF4C-A282-8BB9F39F639A}"/>
+                  </a:ext>
+                </a:extLst>
+              </p:cNvPr>
+              <p:cNvSpPr txBox="1"/>
+              <p:nvPr/>
+            </p:nvSpPr>
+            <p:spPr>
+              <a:xfrm>
+                <a:off x="4572001" y="2338163"/>
+                <a:ext cx="343667" cy="307777"/>
+              </a:xfrm>
+              <a:prstGeom prst="rect">
+                <a:avLst/>
+              </a:prstGeom>
+              <a:noFill/>
+            </p:spPr>
+            <p:txBody>
+              <a:bodyPr wrap="square" rtlCol="0">
+                <a:spAutoFit/>
+              </a:bodyPr>
+              <a:lstStyle/>
+              <a:p>
+                <a:r>
+                  <a:rPr kumimoji="1" lang="en-US" altLang="zh-CN" sz="1400" b="1" dirty="0"/>
+                  <a:t>3</a:t>
+                </a:r>
+                <a:endParaRPr kumimoji="1" lang="zh-CN" altLang="en-US" sz="1400" b="1" dirty="0"/>
+              </a:p>
+            </p:txBody>
+          </p:sp>
+          <p:sp>
+            <p:nvSpPr>
+              <p:cNvPr id="7" name="文本框 6">
+                <a:extLst>
+                  <a:ext uri="{FF2B5EF4-FFF2-40B4-BE49-F238E27FC236}">
+                    <a16:creationId xmlns:a16="http://schemas.microsoft.com/office/drawing/2014/main" id="{CE48F795-C168-B84C-AF04-6F270FA2779D}"/>
+                  </a:ext>
+                </a:extLst>
+              </p:cNvPr>
+              <p:cNvSpPr txBox="1"/>
+              <p:nvPr/>
+            </p:nvSpPr>
+            <p:spPr>
+              <a:xfrm>
+                <a:off x="4804181" y="3153349"/>
+                <a:ext cx="343667" cy="307777"/>
+              </a:xfrm>
+              <a:prstGeom prst="rect">
+                <a:avLst/>
+              </a:prstGeom>
+              <a:noFill/>
+            </p:spPr>
+            <p:txBody>
+              <a:bodyPr wrap="square" rtlCol="0">
+                <a:spAutoFit/>
+              </a:bodyPr>
+              <a:lstStyle/>
+              <a:p>
+                <a:r>
+                  <a:rPr kumimoji="1" lang="en-US" altLang="zh-CN" sz="1400" b="1" dirty="0"/>
+                  <a:t>2</a:t>
+                </a:r>
+                <a:endParaRPr kumimoji="1" lang="zh-CN" altLang="en-US" sz="1400" b="1" dirty="0"/>
+              </a:p>
+            </p:txBody>
+          </p:sp>
+          <p:sp>
+            <p:nvSpPr>
+              <p:cNvPr id="8" name="文本框 7">
+                <a:extLst>
+                  <a:ext uri="{FF2B5EF4-FFF2-40B4-BE49-F238E27FC236}">
+                    <a16:creationId xmlns:a16="http://schemas.microsoft.com/office/drawing/2014/main" id="{1D30B0ED-FF1D-024C-B0C0-F783E6AFCD5A}"/>
+                  </a:ext>
+                </a:extLst>
+              </p:cNvPr>
+              <p:cNvSpPr txBox="1"/>
+              <p:nvPr/>
+            </p:nvSpPr>
+            <p:spPr>
+              <a:xfrm>
+                <a:off x="5384014" y="3461126"/>
+                <a:ext cx="343667" cy="307777"/>
+              </a:xfrm>
+              <a:prstGeom prst="rect">
+                <a:avLst/>
+              </a:prstGeom>
+              <a:noFill/>
+            </p:spPr>
+            <p:txBody>
+              <a:bodyPr wrap="square" rtlCol="0">
+                <a:spAutoFit/>
+              </a:bodyPr>
+              <a:lstStyle/>
+              <a:p>
+                <a:r>
+                  <a:rPr kumimoji="1" lang="en-US" altLang="zh-CN" sz="1400" b="1" dirty="0"/>
+                  <a:t>1</a:t>
+                </a:r>
+                <a:endParaRPr kumimoji="1" lang="zh-CN" altLang="en-US" sz="1400" b="1" dirty="0"/>
+              </a:p>
+            </p:txBody>
+          </p:sp>
+          <p:sp>
+            <p:nvSpPr>
+              <p:cNvPr id="9" name="文本框 8">
+                <a:extLst>
+                  <a:ext uri="{FF2B5EF4-FFF2-40B4-BE49-F238E27FC236}">
+                    <a16:creationId xmlns:a16="http://schemas.microsoft.com/office/drawing/2014/main" id="{C6E62615-7076-B74F-A803-E5C8317CB083}"/>
+                  </a:ext>
+                </a:extLst>
+              </p:cNvPr>
+              <p:cNvSpPr txBox="1"/>
+              <p:nvPr/>
+            </p:nvSpPr>
+            <p:spPr>
+              <a:xfrm>
+                <a:off x="6004152" y="3307237"/>
+                <a:ext cx="343667" cy="307777"/>
+              </a:xfrm>
+              <a:prstGeom prst="rect">
+                <a:avLst/>
+              </a:prstGeom>
+              <a:noFill/>
+            </p:spPr>
+            <p:txBody>
+              <a:bodyPr wrap="square" rtlCol="0">
+                <a:spAutoFit/>
+              </a:bodyPr>
+              <a:lstStyle/>
+              <a:p>
+                <a:r>
+                  <a:rPr kumimoji="1" lang="en-US" altLang="zh-CN" sz="1400" b="1" dirty="0"/>
+                  <a:t>4</a:t>
+                </a:r>
+                <a:endParaRPr kumimoji="1" lang="zh-CN" altLang="en-US" sz="1400" b="1" dirty="0"/>
+              </a:p>
+            </p:txBody>
+          </p:sp>
+          <p:sp>
+            <p:nvSpPr>
+              <p:cNvPr id="10" name="文本框 9">
+                <a:extLst>
+                  <a:ext uri="{FF2B5EF4-FFF2-40B4-BE49-F238E27FC236}">
+                    <a16:creationId xmlns:a16="http://schemas.microsoft.com/office/drawing/2014/main" id="{0F890F10-0F73-FA42-8BCB-2FE89E9847CC}"/>
+                  </a:ext>
+                </a:extLst>
+              </p:cNvPr>
+              <p:cNvSpPr txBox="1"/>
+              <p:nvPr/>
+            </p:nvSpPr>
+            <p:spPr>
+              <a:xfrm>
+                <a:off x="5886528" y="2765301"/>
+                <a:ext cx="343667" cy="307777"/>
+              </a:xfrm>
+              <a:prstGeom prst="rect">
+                <a:avLst/>
+              </a:prstGeom>
+              <a:noFill/>
+            </p:spPr>
+            <p:txBody>
+              <a:bodyPr wrap="square" rtlCol="0">
+                <a:spAutoFit/>
+              </a:bodyPr>
+              <a:lstStyle/>
+              <a:p>
+                <a:r>
+                  <a:rPr kumimoji="1" lang="en-US" altLang="zh-CN" sz="1400" b="1" dirty="0"/>
+                  <a:t>5</a:t>
+                </a:r>
+                <a:endParaRPr kumimoji="1" lang="zh-CN" altLang="en-US" sz="1400" b="1" dirty="0"/>
+              </a:p>
+            </p:txBody>
+          </p:sp>
+          <p:sp>
+            <p:nvSpPr>
+              <p:cNvPr id="11" name="文本框 10">
+                <a:extLst>
+                  <a:ext uri="{FF2B5EF4-FFF2-40B4-BE49-F238E27FC236}">
+                    <a16:creationId xmlns:a16="http://schemas.microsoft.com/office/drawing/2014/main" id="{394B7136-F83F-BC4E-9338-2093487B4750}"/>
+                  </a:ext>
+                </a:extLst>
+              </p:cNvPr>
+              <p:cNvSpPr txBox="1"/>
+              <p:nvPr/>
+            </p:nvSpPr>
+            <p:spPr>
+              <a:xfrm>
+                <a:off x="5886528" y="2336182"/>
+                <a:ext cx="343667" cy="307777"/>
+              </a:xfrm>
+              <a:prstGeom prst="rect">
+                <a:avLst/>
+              </a:prstGeom>
+              <a:noFill/>
+            </p:spPr>
+            <p:txBody>
+              <a:bodyPr wrap="square" rtlCol="0">
+                <a:spAutoFit/>
+              </a:bodyPr>
+              <a:lstStyle/>
+              <a:p>
+                <a:r>
+                  <a:rPr kumimoji="1" lang="en-US" altLang="zh-CN" sz="1400" b="1" dirty="0"/>
+                  <a:t>6</a:t>
+                </a:r>
+                <a:endParaRPr kumimoji="1" lang="zh-CN" altLang="en-US" sz="1400" b="1" dirty="0"/>
+              </a:p>
+            </p:txBody>
+          </p:sp>
+          <p:sp>
+            <p:nvSpPr>
+              <p:cNvPr id="12" name="文本框 11">
+                <a:extLst>
+                  <a:ext uri="{FF2B5EF4-FFF2-40B4-BE49-F238E27FC236}">
+                    <a16:creationId xmlns:a16="http://schemas.microsoft.com/office/drawing/2014/main" id="{188E3251-5EC8-B546-9484-453BBF4CA362}"/>
+                  </a:ext>
+                </a:extLst>
+              </p:cNvPr>
+              <p:cNvSpPr txBox="1"/>
+              <p:nvPr/>
+            </p:nvSpPr>
+            <p:spPr>
+              <a:xfrm>
+                <a:off x="6118707" y="1948134"/>
+                <a:ext cx="343667" cy="307777"/>
+              </a:xfrm>
+              <a:prstGeom prst="rect">
+                <a:avLst/>
+              </a:prstGeom>
+              <a:noFill/>
+            </p:spPr>
+            <p:txBody>
+              <a:bodyPr wrap="square" rtlCol="0">
+                <a:spAutoFit/>
+              </a:bodyPr>
+              <a:lstStyle/>
+              <a:p>
+                <a:r>
+                  <a:rPr kumimoji="1" lang="en-US" altLang="zh-CN" sz="1400" b="1" dirty="0"/>
+                  <a:t>7</a:t>
+                </a:r>
+                <a:endParaRPr kumimoji="1" lang="zh-CN" altLang="en-US" sz="1400" b="1" dirty="0"/>
+              </a:p>
+            </p:txBody>
+          </p:sp>
+          <p:sp>
+            <p:nvSpPr>
+              <p:cNvPr id="13" name="文本框 12">
+                <a:extLst>
+                  <a:ext uri="{FF2B5EF4-FFF2-40B4-BE49-F238E27FC236}">
+                    <a16:creationId xmlns:a16="http://schemas.microsoft.com/office/drawing/2014/main" id="{78786718-53D8-6047-9E47-E6217971F8A3}"/>
+                  </a:ext>
+                </a:extLst>
+              </p:cNvPr>
+              <p:cNvSpPr txBox="1"/>
+              <p:nvPr/>
+            </p:nvSpPr>
+            <p:spPr>
+              <a:xfrm>
+                <a:off x="6578063" y="3248137"/>
+                <a:ext cx="343667" cy="307777"/>
+              </a:xfrm>
+              <a:prstGeom prst="rect">
+                <a:avLst/>
+              </a:prstGeom>
+              <a:noFill/>
+            </p:spPr>
+            <p:txBody>
+              <a:bodyPr wrap="square" rtlCol="0">
+                <a:spAutoFit/>
+              </a:bodyPr>
+              <a:lstStyle/>
+              <a:p>
+                <a:r>
+                  <a:rPr kumimoji="1" lang="en-US" altLang="zh-CN" sz="1400" b="1" dirty="0"/>
+                  <a:t>2</a:t>
+                </a:r>
+                <a:endParaRPr kumimoji="1" lang="zh-CN" altLang="en-US" sz="1400" b="1" dirty="0"/>
+              </a:p>
+            </p:txBody>
+          </p:sp>
+        </p:grpSp>
+      </p:grpSp>
+    </p:spTree>
+    <p:extLst>
+      <p:ext uri="{BB962C8B-B14F-4D97-AF65-F5344CB8AC3E}">
+        <p14:creationId xmlns:p14="http://schemas.microsoft.com/office/powerpoint/2010/main" val="3936952998"/>
       </p:ext>
     </p:extLst>
   </p:cSld>

--- a/pictures.pptx
+++ b/pictures.pptx
@@ -5,7 +5,7 @@
     <p:sldMasterId id="2147483648" r:id="rId1"/>
   </p:sldMasterIdLst>
   <p:notesMasterIdLst>
-    <p:notesMasterId r:id="rId14"/>
+    <p:notesMasterId r:id="rId17"/>
   </p:notesMasterIdLst>
   <p:sldIdLst>
     <p:sldId id="263" r:id="rId2"/>
@@ -20,6 +20,9 @@
     <p:sldId id="271" r:id="rId11"/>
     <p:sldId id="272" r:id="rId12"/>
     <p:sldId id="274" r:id="rId13"/>
+    <p:sldId id="275" r:id="rId14"/>
+    <p:sldId id="276" r:id="rId15"/>
+    <p:sldId id="277" r:id="rId16"/>
   </p:sldIdLst>
   <p:sldSz cx="12192000" cy="6858000"/>
   <p:notesSz cx="6858000" cy="9144000"/>
@@ -208,7 +211,7 @@
           <a:p>
             <a:fld id="{86B3B155-2483-6F47-A0CD-700458558B73}" type="datetimeFigureOut">
               <a:rPr kumimoji="1" lang="zh-CN" altLang="en-US" smtClean="0"/>
-              <a:t>2020/1/29</a:t>
+              <a:t>2020/1/30</a:t>
             </a:fld>
             <a:endParaRPr kumimoji="1" lang="zh-CN" altLang="en-US"/>
           </a:p>
@@ -681,7 +684,7 @@
           <a:p>
             <a:fld id="{51C7FA66-BD2E-F245-985F-19D6B65945E5}" type="datetimeFigureOut">
               <a:rPr kumimoji="1" lang="zh-CN" altLang="en-US" smtClean="0"/>
-              <a:t>2020/1/29</a:t>
+              <a:t>2020/1/30</a:t>
             </a:fld>
             <a:endParaRPr kumimoji="1" lang="zh-CN" altLang="en-US"/>
           </a:p>
@@ -854,7 +857,7 @@
           <a:p>
             <a:fld id="{51C7FA66-BD2E-F245-985F-19D6B65945E5}" type="datetimeFigureOut">
               <a:rPr kumimoji="1" lang="zh-CN" altLang="en-US" smtClean="0"/>
-              <a:t>2020/1/29</a:t>
+              <a:t>2020/1/30</a:t>
             </a:fld>
             <a:endParaRPr kumimoji="1" lang="zh-CN" altLang="en-US"/>
           </a:p>
@@ -1037,7 +1040,7 @@
           <a:p>
             <a:fld id="{51C7FA66-BD2E-F245-985F-19D6B65945E5}" type="datetimeFigureOut">
               <a:rPr kumimoji="1" lang="zh-CN" altLang="en-US" smtClean="0"/>
-              <a:t>2020/1/29</a:t>
+              <a:t>2020/1/30</a:t>
             </a:fld>
             <a:endParaRPr kumimoji="1" lang="zh-CN" altLang="en-US"/>
           </a:p>
@@ -1210,7 +1213,7 @@
           <a:p>
             <a:fld id="{51C7FA66-BD2E-F245-985F-19D6B65945E5}" type="datetimeFigureOut">
               <a:rPr kumimoji="1" lang="zh-CN" altLang="en-US" smtClean="0"/>
-              <a:t>2020/1/29</a:t>
+              <a:t>2020/1/30</a:t>
             </a:fld>
             <a:endParaRPr kumimoji="1" lang="zh-CN" altLang="en-US"/>
           </a:p>
@@ -1488,7 +1491,7 @@
           <a:p>
             <a:fld id="{51C7FA66-BD2E-F245-985F-19D6B65945E5}" type="datetimeFigureOut">
               <a:rPr kumimoji="1" lang="zh-CN" altLang="en-US" smtClean="0"/>
-              <a:t>2020/1/29</a:t>
+              <a:t>2020/1/30</a:t>
             </a:fld>
             <a:endParaRPr kumimoji="1" lang="zh-CN" altLang="en-US"/>
           </a:p>
@@ -1703,7 +1706,7 @@
           <a:p>
             <a:fld id="{51C7FA66-BD2E-F245-985F-19D6B65945E5}" type="datetimeFigureOut">
               <a:rPr kumimoji="1" lang="zh-CN" altLang="en-US" smtClean="0"/>
-              <a:t>2020/1/29</a:t>
+              <a:t>2020/1/30</a:t>
             </a:fld>
             <a:endParaRPr kumimoji="1" lang="zh-CN" altLang="en-US"/>
           </a:p>
@@ -2071,7 +2074,7 @@
           <a:p>
             <a:fld id="{51C7FA66-BD2E-F245-985F-19D6B65945E5}" type="datetimeFigureOut">
               <a:rPr kumimoji="1" lang="zh-CN" altLang="en-US" smtClean="0"/>
-              <a:t>2020/1/29</a:t>
+              <a:t>2020/1/30</a:t>
             </a:fld>
             <a:endParaRPr kumimoji="1" lang="zh-CN" altLang="en-US"/>
           </a:p>
@@ -2212,7 +2215,7 @@
           <a:p>
             <a:fld id="{51C7FA66-BD2E-F245-985F-19D6B65945E5}" type="datetimeFigureOut">
               <a:rPr kumimoji="1" lang="zh-CN" altLang="en-US" smtClean="0"/>
-              <a:t>2020/1/29</a:t>
+              <a:t>2020/1/30</a:t>
             </a:fld>
             <a:endParaRPr kumimoji="1" lang="zh-CN" altLang="en-US"/>
           </a:p>
@@ -2325,7 +2328,7 @@
           <a:p>
             <a:fld id="{51C7FA66-BD2E-F245-985F-19D6B65945E5}" type="datetimeFigureOut">
               <a:rPr kumimoji="1" lang="zh-CN" altLang="en-US" smtClean="0"/>
-              <a:t>2020/1/29</a:t>
+              <a:t>2020/1/30</a:t>
             </a:fld>
             <a:endParaRPr kumimoji="1" lang="zh-CN" altLang="en-US"/>
           </a:p>
@@ -2614,7 +2617,7 @@
           <a:p>
             <a:fld id="{51C7FA66-BD2E-F245-985F-19D6B65945E5}" type="datetimeFigureOut">
               <a:rPr kumimoji="1" lang="zh-CN" altLang="en-US" smtClean="0"/>
-              <a:t>2020/1/29</a:t>
+              <a:t>2020/1/30</a:t>
             </a:fld>
             <a:endParaRPr kumimoji="1" lang="zh-CN" altLang="en-US"/>
           </a:p>
@@ -2905,7 +2908,7 @@
           <a:p>
             <a:fld id="{51C7FA66-BD2E-F245-985F-19D6B65945E5}" type="datetimeFigureOut">
               <a:rPr kumimoji="1" lang="zh-CN" altLang="en-US" smtClean="0"/>
-              <a:t>2020/1/29</a:t>
+              <a:t>2020/1/30</a:t>
             </a:fld>
             <a:endParaRPr kumimoji="1" lang="zh-CN" altLang="en-US"/>
           </a:p>
@@ -3121,7 +3124,7 @@
           <a:p>
             <a:fld id="{51C7FA66-BD2E-F245-985F-19D6B65945E5}" type="datetimeFigureOut">
               <a:rPr kumimoji="1" lang="zh-CN" altLang="en-US" smtClean="0"/>
-              <a:t>2020/1/29</a:t>
+              <a:t>2020/1/30</a:t>
             </a:fld>
             <a:endParaRPr kumimoji="1" lang="zh-CN" altLang="en-US"/>
           </a:p>
@@ -5826,6 +5829,8624 @@
     <p:extLst>
       <p:ext uri="{BB962C8B-B14F-4D97-AF65-F5344CB8AC3E}">
         <p14:creationId xmlns:p14="http://schemas.microsoft.com/office/powerpoint/2010/main" val="3936952998"/>
+      </p:ext>
+    </p:extLst>
+  </p:cSld>
+  <p:clrMapOvr>
+    <a:masterClrMapping/>
+  </p:clrMapOvr>
+</p:sld>
+</file>
+
+<file path=ppt/slides/slide13.xml><?xml version="1.0" encoding="utf-8"?>
+<p:sld xmlns:a="http://schemas.openxmlformats.org/drawingml/2006/main" xmlns:r="http://schemas.openxmlformats.org/officeDocument/2006/relationships" xmlns:p="http://schemas.openxmlformats.org/presentationml/2006/main">
+  <p:cSld>
+    <p:spTree>
+      <p:nvGrpSpPr>
+        <p:cNvPr id="1" name=""/>
+        <p:cNvGrpSpPr/>
+        <p:nvPr/>
+      </p:nvGrpSpPr>
+      <p:grpSpPr>
+        <a:xfrm>
+          <a:off x="0" y="0"/>
+          <a:ext cx="0" cy="0"/>
+          <a:chOff x="0" y="0"/>
+          <a:chExt cx="0" cy="0"/>
+        </a:xfrm>
+      </p:grpSpPr>
+      <p:grpSp>
+        <p:nvGrpSpPr>
+          <p:cNvPr id="62" name="组合 61">
+            <a:extLst>
+              <a:ext uri="{FF2B5EF4-FFF2-40B4-BE49-F238E27FC236}">
+                <a16:creationId xmlns:a16="http://schemas.microsoft.com/office/drawing/2014/main" id="{8EDC0D15-DF32-C240-AE7D-08E26005A048}"/>
+              </a:ext>
+            </a:extLst>
+          </p:cNvPr>
+          <p:cNvGrpSpPr/>
+          <p:nvPr/>
+        </p:nvGrpSpPr>
+        <p:grpSpPr>
+          <a:xfrm>
+            <a:off x="1147418" y="1805650"/>
+            <a:ext cx="10000527" cy="3023108"/>
+            <a:chOff x="1147418" y="1805650"/>
+            <a:chExt cx="10000527" cy="3023108"/>
+          </a:xfrm>
+        </p:grpSpPr>
+        <p:sp>
+          <p:nvSpPr>
+            <p:cNvPr id="61" name="矩形 60">
+              <a:extLst>
+                <a:ext uri="{FF2B5EF4-FFF2-40B4-BE49-F238E27FC236}">
+                  <a16:creationId xmlns:a16="http://schemas.microsoft.com/office/drawing/2014/main" id="{FD1C1446-6172-0C46-8534-5FE825DA684B}"/>
+                </a:ext>
+              </a:extLst>
+            </p:cNvPr>
+            <p:cNvSpPr/>
+            <p:nvPr/>
+          </p:nvSpPr>
+          <p:spPr>
+            <a:xfrm>
+              <a:off x="1147418" y="1805650"/>
+              <a:ext cx="10000527" cy="3023108"/>
+            </a:xfrm>
+            <a:prstGeom prst="rect">
+              <a:avLst/>
+            </a:prstGeom>
+            <a:solidFill>
+              <a:schemeClr val="bg1"/>
+            </a:solidFill>
+            <a:ln>
+              <a:noFill/>
+            </a:ln>
+          </p:spPr>
+          <p:style>
+            <a:lnRef idx="2">
+              <a:schemeClr val="accent1">
+                <a:shade val="50000"/>
+              </a:schemeClr>
+            </a:lnRef>
+            <a:fillRef idx="1">
+              <a:schemeClr val="accent1"/>
+            </a:fillRef>
+            <a:effectRef idx="0">
+              <a:schemeClr val="accent1"/>
+            </a:effectRef>
+            <a:fontRef idx="minor">
+              <a:schemeClr val="lt1"/>
+            </a:fontRef>
+          </p:style>
+          <p:txBody>
+            <a:bodyPr rtlCol="0" anchor="ctr"/>
+            <a:lstStyle/>
+            <a:p>
+              <a:pPr algn="ctr"/>
+              <a:endParaRPr kumimoji="1" lang="zh-CN" altLang="en-US" b="1"/>
+            </a:p>
+          </p:txBody>
+        </p:sp>
+        <p:grpSp>
+          <p:nvGrpSpPr>
+            <p:cNvPr id="60" name="组合 59">
+              <a:extLst>
+                <a:ext uri="{FF2B5EF4-FFF2-40B4-BE49-F238E27FC236}">
+                  <a16:creationId xmlns:a16="http://schemas.microsoft.com/office/drawing/2014/main" id="{D7A6EF7F-A92F-6649-B5BA-FE35A7EB43B7}"/>
+                </a:ext>
+              </a:extLst>
+            </p:cNvPr>
+            <p:cNvGrpSpPr/>
+            <p:nvPr/>
+          </p:nvGrpSpPr>
+          <p:grpSpPr>
+            <a:xfrm>
+              <a:off x="3161471" y="1805650"/>
+              <a:ext cx="5547703" cy="3023108"/>
+              <a:chOff x="1309522" y="1979271"/>
+              <a:chExt cx="5547703" cy="3023108"/>
+            </a:xfrm>
+          </p:grpSpPr>
+          <mc:AlternateContent xmlns:mc="http://schemas.openxmlformats.org/markup-compatibility/2006" xmlns:a14="http://schemas.microsoft.com/office/drawing/2010/main">
+            <mc:Choice Requires="a14">
+              <p:sp>
+                <p:nvSpPr>
+                  <p:cNvPr id="4" name="文本框 3">
+                    <a:extLst>
+                      <a:ext uri="{FF2B5EF4-FFF2-40B4-BE49-F238E27FC236}">
+                        <a16:creationId xmlns:a16="http://schemas.microsoft.com/office/drawing/2014/main" id="{A992ADB3-5C87-5E49-B4A7-C64C82A6FC50}"/>
+                      </a:ext>
+                    </a:extLst>
+                  </p:cNvPr>
+                  <p:cNvSpPr txBox="1"/>
+                  <p:nvPr/>
+                </p:nvSpPr>
+                <p:spPr>
+                  <a:xfrm>
+                    <a:off x="2592729" y="1979271"/>
+                    <a:ext cx="2835798" cy="369332"/>
+                  </a:xfrm>
+                  <a:prstGeom prst="rect">
+                    <a:avLst/>
+                  </a:prstGeom>
+                  <a:noFill/>
+                </p:spPr>
+                <p:txBody>
+                  <a:bodyPr wrap="square" rtlCol="0">
+                    <a:spAutoFit/>
+                  </a:bodyPr>
+                  <a:lstStyle/>
+                  <a:p>
+                    <a:pPr/>
+                    <a14:m>
+                      <m:oMathPara xmlns:m="http://schemas.openxmlformats.org/officeDocument/2006/math">
+                        <m:oMathParaPr>
+                          <m:jc m:val="centerGroup"/>
+                        </m:oMathParaPr>
+                        <m:oMath xmlns:m="http://schemas.openxmlformats.org/officeDocument/2006/math">
+                          <m:sSub>
+                            <m:sSubPr>
+                              <m:ctrlPr>
+                                <a:rPr kumimoji="1" lang="en-US" altLang="zh-CN" b="1" i="1" smtClean="0">
+                                  <a:latin typeface="Cambria Math" panose="02040503050406030204" pitchFamily="18" charset="0"/>
+                                </a:rPr>
+                              </m:ctrlPr>
+                            </m:sSubPr>
+                            <m:e>
+                              <m:r>
+                                <a:rPr kumimoji="1" lang="en-US" altLang="zh-CN" b="1" i="1" smtClean="0">
+                                  <a:latin typeface="Cambria Math" panose="02040503050406030204" pitchFamily="18" charset="0"/>
+                                </a:rPr>
+                                <m:t>𝒄</m:t>
+                              </m:r>
+                            </m:e>
+                            <m:sub>
+                              <m:r>
+                                <a:rPr kumimoji="1" lang="en-US" altLang="zh-CN" b="1" i="1" smtClean="0">
+                                  <a:latin typeface="Cambria Math" panose="02040503050406030204" pitchFamily="18" charset="0"/>
+                                </a:rPr>
+                                <m:t>𝟏</m:t>
+                              </m:r>
+                            </m:sub>
+                          </m:sSub>
+                          <m:sSub>
+                            <m:sSubPr>
+                              <m:ctrlPr>
+                                <a:rPr kumimoji="1" lang="en-US" altLang="zh-CN" b="1" i="1">
+                                  <a:latin typeface="Cambria Math" panose="02040503050406030204" pitchFamily="18" charset="0"/>
+                                </a:rPr>
+                              </m:ctrlPr>
+                            </m:sSubPr>
+                            <m:e>
+                              <m:r>
+                                <a:rPr kumimoji="1" lang="zh-CN" altLang="en-US" b="1" i="1" smtClean="0">
+                                  <a:latin typeface="Cambria Math" panose="02040503050406030204" pitchFamily="18" charset="0"/>
+                                </a:rPr>
+                                <m:t>  </m:t>
+                              </m:r>
+                              <m:r>
+                                <a:rPr kumimoji="1" lang="en-US" altLang="zh-CN" b="1" i="1" smtClean="0">
+                                  <a:latin typeface="Cambria Math" panose="02040503050406030204" pitchFamily="18" charset="0"/>
+                                </a:rPr>
+                                <m:t>𝒄</m:t>
+                              </m:r>
+                            </m:e>
+                            <m:sub>
+                              <m:r>
+                                <a:rPr kumimoji="1" lang="en-US" altLang="zh-CN" b="1" i="1" smtClean="0">
+                                  <a:latin typeface="Cambria Math" panose="02040503050406030204" pitchFamily="18" charset="0"/>
+                                </a:rPr>
+                                <m:t>𝟐</m:t>
+                              </m:r>
+                              <m:r>
+                                <a:rPr kumimoji="1" lang="zh-CN" altLang="en-US" b="1" i="1" smtClean="0">
+                                  <a:latin typeface="Cambria Math" panose="02040503050406030204" pitchFamily="18" charset="0"/>
+                                </a:rPr>
+                                <m:t>   </m:t>
+                              </m:r>
+                            </m:sub>
+                          </m:sSub>
+                          <m:sSub>
+                            <m:sSubPr>
+                              <m:ctrlPr>
+                                <a:rPr kumimoji="1" lang="en-US" altLang="zh-CN" b="1" i="1">
+                                  <a:latin typeface="Cambria Math" panose="02040503050406030204" pitchFamily="18" charset="0"/>
+                                </a:rPr>
+                              </m:ctrlPr>
+                            </m:sSubPr>
+                            <m:e>
+                              <m:r>
+                                <a:rPr kumimoji="1" lang="en-US" altLang="zh-CN" b="1" i="1" smtClean="0">
+                                  <a:latin typeface="Cambria Math" panose="02040503050406030204" pitchFamily="18" charset="0"/>
+                                </a:rPr>
+                                <m:t>𝒄</m:t>
+                              </m:r>
+                            </m:e>
+                            <m:sub>
+                              <m:r>
+                                <a:rPr kumimoji="1" lang="en-US" altLang="zh-CN" b="1" i="1" smtClean="0">
+                                  <a:latin typeface="Cambria Math" panose="02040503050406030204" pitchFamily="18" charset="0"/>
+                                </a:rPr>
+                                <m:t>𝟑</m:t>
+                              </m:r>
+                              <m:r>
+                                <a:rPr kumimoji="1" lang="zh-CN" altLang="en-US" b="1" i="1" smtClean="0">
+                                  <a:latin typeface="Cambria Math" panose="02040503050406030204" pitchFamily="18" charset="0"/>
+                                </a:rPr>
+                                <m:t>   </m:t>
+                              </m:r>
+                            </m:sub>
+                          </m:sSub>
+                          <m:sSub>
+                            <m:sSubPr>
+                              <m:ctrlPr>
+                                <a:rPr kumimoji="1" lang="en-US" altLang="zh-CN" b="1" i="1">
+                                  <a:latin typeface="Cambria Math" panose="02040503050406030204" pitchFamily="18" charset="0"/>
+                                </a:rPr>
+                              </m:ctrlPr>
+                            </m:sSubPr>
+                            <m:e>
+                              <m:r>
+                                <a:rPr kumimoji="1" lang="en-US" altLang="zh-CN" b="1" i="1" smtClean="0">
+                                  <a:latin typeface="Cambria Math" panose="02040503050406030204" pitchFamily="18" charset="0"/>
+                                </a:rPr>
+                                <m:t>𝒄</m:t>
+                              </m:r>
+                            </m:e>
+                            <m:sub>
+                              <m:r>
+                                <a:rPr kumimoji="1" lang="en-US" altLang="zh-CN" b="1" i="1" smtClean="0">
+                                  <a:latin typeface="Cambria Math" panose="02040503050406030204" pitchFamily="18" charset="0"/>
+                                </a:rPr>
+                                <m:t>𝟒</m:t>
+                              </m:r>
+                            </m:sub>
+                          </m:sSub>
+                          <m:sSub>
+                            <m:sSubPr>
+                              <m:ctrlPr>
+                                <a:rPr kumimoji="1" lang="en-US" altLang="zh-CN" b="1" i="1">
+                                  <a:latin typeface="Cambria Math" panose="02040503050406030204" pitchFamily="18" charset="0"/>
+                                </a:rPr>
+                              </m:ctrlPr>
+                            </m:sSubPr>
+                            <m:e>
+                              <m:r>
+                                <a:rPr kumimoji="1" lang="zh-CN" altLang="en-US" b="1" i="1" smtClean="0">
+                                  <a:latin typeface="Cambria Math" panose="02040503050406030204" pitchFamily="18" charset="0"/>
+                                </a:rPr>
+                                <m:t>  </m:t>
+                              </m:r>
+                              <m:r>
+                                <a:rPr kumimoji="1" lang="en-US" altLang="zh-CN" b="1" i="1" smtClean="0">
+                                  <a:latin typeface="Cambria Math" panose="02040503050406030204" pitchFamily="18" charset="0"/>
+                                </a:rPr>
+                                <m:t>𝒄</m:t>
+                              </m:r>
+                            </m:e>
+                            <m:sub>
+                              <m:r>
+                                <a:rPr kumimoji="1" lang="en-US" altLang="zh-CN" b="1" i="1" smtClean="0">
+                                  <a:latin typeface="Cambria Math" panose="02040503050406030204" pitchFamily="18" charset="0"/>
+                                </a:rPr>
+                                <m:t>𝟓</m:t>
+                              </m:r>
+                              <m:r>
+                                <a:rPr kumimoji="1" lang="zh-CN" altLang="en-US" b="1" i="1" smtClean="0">
+                                  <a:latin typeface="Cambria Math" panose="02040503050406030204" pitchFamily="18" charset="0"/>
+                                </a:rPr>
+                                <m:t>   </m:t>
+                              </m:r>
+                            </m:sub>
+                          </m:sSub>
+                          <m:sSub>
+                            <m:sSubPr>
+                              <m:ctrlPr>
+                                <a:rPr kumimoji="1" lang="en-US" altLang="zh-CN" b="1" i="1">
+                                  <a:latin typeface="Cambria Math" panose="02040503050406030204" pitchFamily="18" charset="0"/>
+                                </a:rPr>
+                              </m:ctrlPr>
+                            </m:sSubPr>
+                            <m:e>
+                              <m:r>
+                                <a:rPr kumimoji="1" lang="en-US" altLang="zh-CN" b="1" i="1" smtClean="0">
+                                  <a:latin typeface="Cambria Math" panose="02040503050406030204" pitchFamily="18" charset="0"/>
+                                </a:rPr>
+                                <m:t>𝒄</m:t>
+                              </m:r>
+                            </m:e>
+                            <m:sub>
+                              <m:r>
+                                <a:rPr kumimoji="1" lang="en-US" altLang="zh-CN" b="1" i="1" smtClean="0">
+                                  <a:latin typeface="Cambria Math" panose="02040503050406030204" pitchFamily="18" charset="0"/>
+                                </a:rPr>
+                                <m:t>𝟔</m:t>
+                              </m:r>
+                              <m:r>
+                                <a:rPr kumimoji="1" lang="zh-CN" altLang="en-US" b="1" i="1" smtClean="0">
+                                  <a:latin typeface="Cambria Math" panose="02040503050406030204" pitchFamily="18" charset="0"/>
+                                </a:rPr>
+                                <m:t>   </m:t>
+                              </m:r>
+                            </m:sub>
+                          </m:sSub>
+                          <m:sSub>
+                            <m:sSubPr>
+                              <m:ctrlPr>
+                                <a:rPr kumimoji="1" lang="en-US" altLang="zh-CN" b="1" i="1">
+                                  <a:latin typeface="Cambria Math" panose="02040503050406030204" pitchFamily="18" charset="0"/>
+                                </a:rPr>
+                              </m:ctrlPr>
+                            </m:sSubPr>
+                            <m:e>
+                              <m:r>
+                                <a:rPr kumimoji="1" lang="en-US" altLang="zh-CN" b="1" i="1" smtClean="0">
+                                  <a:latin typeface="Cambria Math" panose="02040503050406030204" pitchFamily="18" charset="0"/>
+                                </a:rPr>
+                                <m:t>𝒄</m:t>
+                              </m:r>
+                            </m:e>
+                            <m:sub>
+                              <m:r>
+                                <a:rPr kumimoji="1" lang="en-US" altLang="zh-CN" b="1" i="1" smtClean="0">
+                                  <a:latin typeface="Cambria Math" panose="02040503050406030204" pitchFamily="18" charset="0"/>
+                                </a:rPr>
+                                <m:t>𝟕</m:t>
+                              </m:r>
+                              <m:r>
+                                <a:rPr kumimoji="1" lang="zh-CN" altLang="en-US" b="1" i="1" smtClean="0">
+                                  <a:latin typeface="Cambria Math" panose="02040503050406030204" pitchFamily="18" charset="0"/>
+                                </a:rPr>
+                                <m:t>   </m:t>
+                              </m:r>
+                            </m:sub>
+                          </m:sSub>
+                          <m:sSub>
+                            <m:sSubPr>
+                              <m:ctrlPr>
+                                <a:rPr kumimoji="1" lang="en-US" altLang="zh-CN" b="1" i="1">
+                                  <a:latin typeface="Cambria Math" panose="02040503050406030204" pitchFamily="18" charset="0"/>
+                                </a:rPr>
+                              </m:ctrlPr>
+                            </m:sSubPr>
+                            <m:e>
+                              <m:r>
+                                <a:rPr kumimoji="1" lang="en-US" altLang="zh-CN" b="1" i="1" smtClean="0">
+                                  <a:latin typeface="Cambria Math" panose="02040503050406030204" pitchFamily="18" charset="0"/>
+                                </a:rPr>
+                                <m:t>𝒄</m:t>
+                              </m:r>
+                            </m:e>
+                            <m:sub>
+                              <m:r>
+                                <a:rPr kumimoji="1" lang="en-US" altLang="zh-CN" b="1" i="1" smtClean="0">
+                                  <a:latin typeface="Cambria Math" panose="02040503050406030204" pitchFamily="18" charset="0"/>
+                                </a:rPr>
+                                <m:t>𝟖</m:t>
+                              </m:r>
+                            </m:sub>
+                          </m:sSub>
+                        </m:oMath>
+                      </m:oMathPara>
+                    </a14:m>
+                    <a:endParaRPr kumimoji="1" lang="zh-CN" altLang="en-US" b="1" dirty="0"/>
+                  </a:p>
+                </p:txBody>
+              </p:sp>
+            </mc:Choice>
+            <mc:Fallback xmlns="">
+              <p:sp>
+                <p:nvSpPr>
+                  <p:cNvPr id="4" name="文本框 3">
+                    <a:extLst>
+                      <a:ext uri="{FF2B5EF4-FFF2-40B4-BE49-F238E27FC236}">
+                        <a16:creationId xmlns:a16="http://schemas.microsoft.com/office/drawing/2014/main" id="{A992ADB3-5C87-5E49-B4A7-C64C82A6FC50}"/>
+                      </a:ext>
+                    </a:extLst>
+                  </p:cNvPr>
+                  <p:cNvSpPr txBox="1">
+                    <a:spLocks noRot="1" noChangeAspect="1" noMove="1" noResize="1" noEditPoints="1" noAdjustHandles="1" noChangeArrowheads="1" noChangeShapeType="1" noTextEdit="1"/>
+                  </p:cNvSpPr>
+                  <p:nvPr/>
+                </p:nvSpPr>
+                <p:spPr>
+                  <a:xfrm>
+                    <a:off x="2592729" y="1979271"/>
+                    <a:ext cx="2835798" cy="369332"/>
+                  </a:xfrm>
+                  <a:prstGeom prst="rect">
+                    <a:avLst/>
+                  </a:prstGeom>
+                  <a:blipFill>
+                    <a:blip r:embed="rId2"/>
+                    <a:stretch>
+                      <a:fillRect b="-16667"/>
+                    </a:stretch>
+                  </a:blipFill>
+                </p:spPr>
+                <p:txBody>
+                  <a:bodyPr/>
+                  <a:lstStyle/>
+                  <a:p>
+                    <a:r>
+                      <a:rPr lang="zh-CN" altLang="en-US">
+                        <a:noFill/>
+                      </a:rPr>
+                      <a:t> </a:t>
+                    </a:r>
+                  </a:p>
+                </p:txBody>
+              </p:sp>
+            </mc:Fallback>
+          </mc:AlternateContent>
+          <mc:AlternateContent xmlns:mc="http://schemas.openxmlformats.org/markup-compatibility/2006" xmlns:a14="http://schemas.microsoft.com/office/drawing/2010/main">
+            <mc:Choice Requires="a14">
+              <p:sp>
+                <p:nvSpPr>
+                  <p:cNvPr id="5" name="矩形 4">
+                    <a:extLst>
+                      <a:ext uri="{FF2B5EF4-FFF2-40B4-BE49-F238E27FC236}">
+                        <a16:creationId xmlns:a16="http://schemas.microsoft.com/office/drawing/2014/main" id="{455B834E-CD43-4D42-A216-C734DECF3161}"/>
+                      </a:ext>
+                    </a:extLst>
+                  </p:cNvPr>
+                  <p:cNvSpPr/>
+                  <p:nvPr/>
+                </p:nvSpPr>
+                <p:spPr>
+                  <a:xfrm>
+                    <a:off x="1958001" y="2735048"/>
+                    <a:ext cx="1482842" cy="369332"/>
+                  </a:xfrm>
+                  <a:prstGeom prst="rect">
+                    <a:avLst/>
+                  </a:prstGeom>
+                </p:spPr>
+                <p:txBody>
+                  <a:bodyPr wrap="none">
+                    <a:spAutoFit/>
+                  </a:bodyPr>
+                  <a:lstStyle/>
+                  <a:p>
+                    <a:pPr/>
+                    <a14:m>
+                      <m:oMathPara xmlns:m="http://schemas.openxmlformats.org/officeDocument/2006/math">
+                        <m:oMathParaPr>
+                          <m:jc m:val="centerGroup"/>
+                        </m:oMathParaPr>
+                        <m:oMath xmlns:m="http://schemas.openxmlformats.org/officeDocument/2006/math">
+                          <m:sSub>
+                            <m:sSubPr>
+                              <m:ctrlPr>
+                                <a:rPr kumimoji="1" lang="en-US" altLang="zh-CN" b="1" i="1">
+                                  <a:latin typeface="Cambria Math" panose="02040503050406030204" pitchFamily="18" charset="0"/>
+                                </a:rPr>
+                              </m:ctrlPr>
+                            </m:sSubPr>
+                            <m:e>
+                              <m:r>
+                                <a:rPr kumimoji="1" lang="en-US" altLang="zh-CN" b="1" i="1" smtClean="0">
+                                  <a:latin typeface="Cambria Math" panose="02040503050406030204" pitchFamily="18" charset="0"/>
+                                </a:rPr>
+                                <m:t>𝒄</m:t>
+                              </m:r>
+                            </m:e>
+                            <m:sub>
+                              <m:r>
+                                <a:rPr kumimoji="1" lang="en-US" altLang="zh-CN" b="1" i="1" smtClean="0">
+                                  <a:latin typeface="Cambria Math" panose="02040503050406030204" pitchFamily="18" charset="0"/>
+                                </a:rPr>
+                                <m:t>𝟏</m:t>
+                              </m:r>
+                            </m:sub>
+                          </m:sSub>
+                          <m:sSub>
+                            <m:sSubPr>
+                              <m:ctrlPr>
+                                <a:rPr kumimoji="1" lang="en-US" altLang="zh-CN" b="1" i="1">
+                                  <a:latin typeface="Cambria Math" panose="02040503050406030204" pitchFamily="18" charset="0"/>
+                                </a:rPr>
+                              </m:ctrlPr>
+                            </m:sSubPr>
+                            <m:e>
+                              <m:r>
+                                <a:rPr kumimoji="1" lang="zh-CN" altLang="en-US" b="1" i="1" smtClean="0">
+                                  <a:latin typeface="Cambria Math" panose="02040503050406030204" pitchFamily="18" charset="0"/>
+                                </a:rPr>
+                                <m:t>  </m:t>
+                              </m:r>
+                              <m:r>
+                                <a:rPr kumimoji="1" lang="en-US" altLang="zh-CN" b="1" i="1" smtClean="0">
+                                  <a:latin typeface="Cambria Math" panose="02040503050406030204" pitchFamily="18" charset="0"/>
+                                </a:rPr>
+                                <m:t>𝒄</m:t>
+                              </m:r>
+                            </m:e>
+                            <m:sub>
+                              <m:r>
+                                <a:rPr kumimoji="1" lang="en-US" altLang="zh-CN" b="1" i="1" smtClean="0">
+                                  <a:latin typeface="Cambria Math" panose="02040503050406030204" pitchFamily="18" charset="0"/>
+                                </a:rPr>
+                                <m:t>𝟐</m:t>
+                              </m:r>
+                              <m:r>
+                                <a:rPr kumimoji="1" lang="zh-CN" altLang="en-US" b="1" i="1" smtClean="0">
+                                  <a:latin typeface="Cambria Math" panose="02040503050406030204" pitchFamily="18" charset="0"/>
+                                </a:rPr>
+                                <m:t>   </m:t>
+                              </m:r>
+                            </m:sub>
+                          </m:sSub>
+                          <m:sSub>
+                            <m:sSubPr>
+                              <m:ctrlPr>
+                                <a:rPr kumimoji="1" lang="en-US" altLang="zh-CN" b="1" i="1">
+                                  <a:latin typeface="Cambria Math" panose="02040503050406030204" pitchFamily="18" charset="0"/>
+                                </a:rPr>
+                              </m:ctrlPr>
+                            </m:sSubPr>
+                            <m:e>
+                              <m:r>
+                                <a:rPr kumimoji="1" lang="en-US" altLang="zh-CN" b="1" i="1" smtClean="0">
+                                  <a:latin typeface="Cambria Math" panose="02040503050406030204" pitchFamily="18" charset="0"/>
+                                </a:rPr>
+                                <m:t>𝒄</m:t>
+                              </m:r>
+                            </m:e>
+                            <m:sub>
+                              <m:r>
+                                <a:rPr kumimoji="1" lang="en-US" altLang="zh-CN" b="1" i="1" smtClean="0">
+                                  <a:latin typeface="Cambria Math" panose="02040503050406030204" pitchFamily="18" charset="0"/>
+                                </a:rPr>
+                                <m:t>𝟑</m:t>
+                              </m:r>
+                              <m:r>
+                                <a:rPr kumimoji="1" lang="zh-CN" altLang="en-US" b="1" i="1" smtClean="0">
+                                  <a:latin typeface="Cambria Math" panose="02040503050406030204" pitchFamily="18" charset="0"/>
+                                </a:rPr>
+                                <m:t>   </m:t>
+                              </m:r>
+                            </m:sub>
+                          </m:sSub>
+                          <m:sSub>
+                            <m:sSubPr>
+                              <m:ctrlPr>
+                                <a:rPr kumimoji="1" lang="en-US" altLang="zh-CN" b="1" i="1">
+                                  <a:latin typeface="Cambria Math" panose="02040503050406030204" pitchFamily="18" charset="0"/>
+                                </a:rPr>
+                              </m:ctrlPr>
+                            </m:sSubPr>
+                            <m:e>
+                              <m:r>
+                                <a:rPr kumimoji="1" lang="en-US" altLang="zh-CN" b="1" i="1" smtClean="0">
+                                  <a:latin typeface="Cambria Math" panose="02040503050406030204" pitchFamily="18" charset="0"/>
+                                </a:rPr>
+                                <m:t>𝒄</m:t>
+                              </m:r>
+                            </m:e>
+                            <m:sub>
+                              <m:r>
+                                <a:rPr kumimoji="1" lang="en-US" altLang="zh-CN" b="1" i="1" smtClean="0">
+                                  <a:latin typeface="Cambria Math" panose="02040503050406030204" pitchFamily="18" charset="0"/>
+                                </a:rPr>
+                                <m:t>𝟒</m:t>
+                              </m:r>
+                            </m:sub>
+                          </m:sSub>
+                        </m:oMath>
+                      </m:oMathPara>
+                    </a14:m>
+                    <a:endParaRPr lang="zh-CN" altLang="en-US" b="1" dirty="0"/>
+                  </a:p>
+                </p:txBody>
+              </p:sp>
+            </mc:Choice>
+            <mc:Fallback xmlns="">
+              <p:sp>
+                <p:nvSpPr>
+                  <p:cNvPr id="5" name="矩形 4">
+                    <a:extLst>
+                      <a:ext uri="{FF2B5EF4-FFF2-40B4-BE49-F238E27FC236}">
+                        <a16:creationId xmlns:a16="http://schemas.microsoft.com/office/drawing/2014/main" id="{455B834E-CD43-4D42-A216-C734DECF3161}"/>
+                      </a:ext>
+                    </a:extLst>
+                  </p:cNvPr>
+                  <p:cNvSpPr>
+                    <a:spLocks noRot="1" noChangeAspect="1" noMove="1" noResize="1" noEditPoints="1" noAdjustHandles="1" noChangeArrowheads="1" noChangeShapeType="1" noTextEdit="1"/>
+                  </p:cNvSpPr>
+                  <p:nvPr/>
+                </p:nvSpPr>
+                <p:spPr>
+                  <a:xfrm>
+                    <a:off x="1958001" y="2735048"/>
+                    <a:ext cx="1482842" cy="369332"/>
+                  </a:xfrm>
+                  <a:prstGeom prst="rect">
+                    <a:avLst/>
+                  </a:prstGeom>
+                  <a:blipFill>
+                    <a:blip r:embed="rId3"/>
+                    <a:stretch>
+                      <a:fillRect b="-13333"/>
+                    </a:stretch>
+                  </a:blipFill>
+                </p:spPr>
+                <p:txBody>
+                  <a:bodyPr/>
+                  <a:lstStyle/>
+                  <a:p>
+                    <a:r>
+                      <a:rPr lang="zh-CN" altLang="en-US">
+                        <a:noFill/>
+                      </a:rPr>
+                      <a:t> </a:t>
+                    </a:r>
+                  </a:p>
+                </p:txBody>
+              </p:sp>
+            </mc:Fallback>
+          </mc:AlternateContent>
+          <mc:AlternateContent xmlns:mc="http://schemas.openxmlformats.org/markup-compatibility/2006" xmlns:a14="http://schemas.microsoft.com/office/drawing/2010/main">
+            <mc:Choice Requires="a14">
+              <p:sp>
+                <p:nvSpPr>
+                  <p:cNvPr id="6" name="矩形 5">
+                    <a:extLst>
+                      <a:ext uri="{FF2B5EF4-FFF2-40B4-BE49-F238E27FC236}">
+                        <a16:creationId xmlns:a16="http://schemas.microsoft.com/office/drawing/2014/main" id="{6E049192-D00A-BC4C-8579-040A46568D95}"/>
+                      </a:ext>
+                    </a:extLst>
+                  </p:cNvPr>
+                  <p:cNvSpPr/>
+                  <p:nvPr/>
+                </p:nvSpPr>
+                <p:spPr>
+                  <a:xfrm>
+                    <a:off x="4651735" y="2735048"/>
+                    <a:ext cx="1490857" cy="369332"/>
+                  </a:xfrm>
+                  <a:prstGeom prst="rect">
+                    <a:avLst/>
+                  </a:prstGeom>
+                </p:spPr>
+                <p:txBody>
+                  <a:bodyPr wrap="none">
+                    <a:spAutoFit/>
+                  </a:bodyPr>
+                  <a:lstStyle/>
+                  <a:p>
+                    <a:pPr/>
+                    <a14:m>
+                      <m:oMathPara xmlns:m="http://schemas.openxmlformats.org/officeDocument/2006/math">
+                        <m:oMathParaPr>
+                          <m:jc m:val="centerGroup"/>
+                        </m:oMathParaPr>
+                        <m:oMath xmlns:m="http://schemas.openxmlformats.org/officeDocument/2006/math">
+                          <m:sSub>
+                            <m:sSubPr>
+                              <m:ctrlPr>
+                                <a:rPr kumimoji="1" lang="en-US" altLang="zh-CN" b="1" i="1">
+                                  <a:latin typeface="Cambria Math" panose="02040503050406030204" pitchFamily="18" charset="0"/>
+                                </a:rPr>
+                              </m:ctrlPr>
+                            </m:sSubPr>
+                            <m:e>
+                              <m:r>
+                                <a:rPr kumimoji="1" lang="en-US" altLang="zh-CN" b="1" i="1" smtClean="0">
+                                  <a:latin typeface="Cambria Math" panose="02040503050406030204" pitchFamily="18" charset="0"/>
+                                </a:rPr>
+                                <m:t>𝒄</m:t>
+                              </m:r>
+                            </m:e>
+                            <m:sub>
+                              <m:r>
+                                <a:rPr kumimoji="1" lang="en-US" altLang="zh-CN" b="1" i="1" smtClean="0">
+                                  <a:latin typeface="Cambria Math" panose="02040503050406030204" pitchFamily="18" charset="0"/>
+                                </a:rPr>
+                                <m:t>𝟓</m:t>
+                              </m:r>
+                              <m:r>
+                                <a:rPr kumimoji="1" lang="zh-CN" altLang="en-US" b="1" i="1" smtClean="0">
+                                  <a:latin typeface="Cambria Math" panose="02040503050406030204" pitchFamily="18" charset="0"/>
+                                </a:rPr>
+                                <m:t>   </m:t>
+                              </m:r>
+                            </m:sub>
+                          </m:sSub>
+                          <m:sSub>
+                            <m:sSubPr>
+                              <m:ctrlPr>
+                                <a:rPr kumimoji="1" lang="en-US" altLang="zh-CN" b="1" i="1">
+                                  <a:latin typeface="Cambria Math" panose="02040503050406030204" pitchFamily="18" charset="0"/>
+                                </a:rPr>
+                              </m:ctrlPr>
+                            </m:sSubPr>
+                            <m:e>
+                              <m:r>
+                                <a:rPr kumimoji="1" lang="en-US" altLang="zh-CN" b="1" i="1" smtClean="0">
+                                  <a:latin typeface="Cambria Math" panose="02040503050406030204" pitchFamily="18" charset="0"/>
+                                </a:rPr>
+                                <m:t>𝒄</m:t>
+                              </m:r>
+                            </m:e>
+                            <m:sub>
+                              <m:r>
+                                <a:rPr kumimoji="1" lang="en-US" altLang="zh-CN" b="1" i="1" smtClean="0">
+                                  <a:latin typeface="Cambria Math" panose="02040503050406030204" pitchFamily="18" charset="0"/>
+                                </a:rPr>
+                                <m:t>𝟔</m:t>
+                              </m:r>
+                              <m:r>
+                                <a:rPr kumimoji="1" lang="zh-CN" altLang="en-US" b="1" i="1" smtClean="0">
+                                  <a:latin typeface="Cambria Math" panose="02040503050406030204" pitchFamily="18" charset="0"/>
+                                </a:rPr>
+                                <m:t>   </m:t>
+                              </m:r>
+                            </m:sub>
+                          </m:sSub>
+                          <m:sSub>
+                            <m:sSubPr>
+                              <m:ctrlPr>
+                                <a:rPr kumimoji="1" lang="en-US" altLang="zh-CN" b="1" i="1">
+                                  <a:latin typeface="Cambria Math" panose="02040503050406030204" pitchFamily="18" charset="0"/>
+                                </a:rPr>
+                              </m:ctrlPr>
+                            </m:sSubPr>
+                            <m:e>
+                              <m:r>
+                                <a:rPr kumimoji="1" lang="en-US" altLang="zh-CN" b="1" i="1" smtClean="0">
+                                  <a:latin typeface="Cambria Math" panose="02040503050406030204" pitchFamily="18" charset="0"/>
+                                </a:rPr>
+                                <m:t>𝒄</m:t>
+                              </m:r>
+                            </m:e>
+                            <m:sub>
+                              <m:r>
+                                <a:rPr kumimoji="1" lang="en-US" altLang="zh-CN" b="1" i="1" smtClean="0">
+                                  <a:latin typeface="Cambria Math" panose="02040503050406030204" pitchFamily="18" charset="0"/>
+                                </a:rPr>
+                                <m:t>𝟕</m:t>
+                              </m:r>
+                              <m:r>
+                                <a:rPr kumimoji="1" lang="zh-CN" altLang="en-US" b="1" i="1" smtClean="0">
+                                  <a:latin typeface="Cambria Math" panose="02040503050406030204" pitchFamily="18" charset="0"/>
+                                </a:rPr>
+                                <m:t>   </m:t>
+                              </m:r>
+                            </m:sub>
+                          </m:sSub>
+                          <m:sSub>
+                            <m:sSubPr>
+                              <m:ctrlPr>
+                                <a:rPr kumimoji="1" lang="en-US" altLang="zh-CN" b="1" i="1">
+                                  <a:latin typeface="Cambria Math" panose="02040503050406030204" pitchFamily="18" charset="0"/>
+                                </a:rPr>
+                              </m:ctrlPr>
+                            </m:sSubPr>
+                            <m:e>
+                              <m:r>
+                                <a:rPr kumimoji="1" lang="en-US" altLang="zh-CN" b="1" i="1" smtClean="0">
+                                  <a:latin typeface="Cambria Math" panose="02040503050406030204" pitchFamily="18" charset="0"/>
+                                </a:rPr>
+                                <m:t>𝒄</m:t>
+                              </m:r>
+                            </m:e>
+                            <m:sub>
+                              <m:r>
+                                <a:rPr kumimoji="1" lang="en-US" altLang="zh-CN" b="1" i="1" smtClean="0">
+                                  <a:latin typeface="Cambria Math" panose="02040503050406030204" pitchFamily="18" charset="0"/>
+                                </a:rPr>
+                                <m:t>𝟖</m:t>
+                              </m:r>
+                            </m:sub>
+                          </m:sSub>
+                        </m:oMath>
+                      </m:oMathPara>
+                    </a14:m>
+                    <a:endParaRPr lang="zh-CN" altLang="en-US" b="1" dirty="0"/>
+                  </a:p>
+                </p:txBody>
+              </p:sp>
+            </mc:Choice>
+            <mc:Fallback xmlns="">
+              <p:sp>
+                <p:nvSpPr>
+                  <p:cNvPr id="6" name="矩形 5">
+                    <a:extLst>
+                      <a:ext uri="{FF2B5EF4-FFF2-40B4-BE49-F238E27FC236}">
+                        <a16:creationId xmlns:a16="http://schemas.microsoft.com/office/drawing/2014/main" id="{6E049192-D00A-BC4C-8579-040A46568D95}"/>
+                      </a:ext>
+                    </a:extLst>
+                  </p:cNvPr>
+                  <p:cNvSpPr>
+                    <a:spLocks noRot="1" noChangeAspect="1" noMove="1" noResize="1" noEditPoints="1" noAdjustHandles="1" noChangeArrowheads="1" noChangeShapeType="1" noTextEdit="1"/>
+                  </p:cNvSpPr>
+                  <p:nvPr/>
+                </p:nvSpPr>
+                <p:spPr>
+                  <a:xfrm>
+                    <a:off x="4651735" y="2735048"/>
+                    <a:ext cx="1490857" cy="369332"/>
+                  </a:xfrm>
+                  <a:prstGeom prst="rect">
+                    <a:avLst/>
+                  </a:prstGeom>
+                  <a:blipFill>
+                    <a:blip r:embed="rId4"/>
+                    <a:stretch>
+                      <a:fillRect b="-13333"/>
+                    </a:stretch>
+                  </a:blipFill>
+                </p:spPr>
+                <p:txBody>
+                  <a:bodyPr/>
+                  <a:lstStyle/>
+                  <a:p>
+                    <a:r>
+                      <a:rPr lang="zh-CN" altLang="en-US">
+                        <a:noFill/>
+                      </a:rPr>
+                      <a:t> </a:t>
+                    </a:r>
+                  </a:p>
+                </p:txBody>
+              </p:sp>
+            </mc:Fallback>
+          </mc:AlternateContent>
+          <mc:AlternateContent xmlns:mc="http://schemas.openxmlformats.org/markup-compatibility/2006" xmlns:a14="http://schemas.microsoft.com/office/drawing/2010/main">
+            <mc:Choice Requires="a14">
+              <p:sp>
+                <p:nvSpPr>
+                  <p:cNvPr id="7" name="矩形 6">
+                    <a:extLst>
+                      <a:ext uri="{FF2B5EF4-FFF2-40B4-BE49-F238E27FC236}">
+                        <a16:creationId xmlns:a16="http://schemas.microsoft.com/office/drawing/2014/main" id="{DD007FC0-DAAC-EF48-9432-3A9C6F482EBE}"/>
+                      </a:ext>
+                    </a:extLst>
+                  </p:cNvPr>
+                  <p:cNvSpPr/>
+                  <p:nvPr/>
+                </p:nvSpPr>
+                <p:spPr>
+                  <a:xfrm>
+                    <a:off x="1534199" y="3490825"/>
+                    <a:ext cx="843372" cy="369332"/>
+                  </a:xfrm>
+                  <a:prstGeom prst="rect">
+                    <a:avLst/>
+                  </a:prstGeom>
+                </p:spPr>
+                <p:txBody>
+                  <a:bodyPr wrap="none">
+                    <a:spAutoFit/>
+                  </a:bodyPr>
+                  <a:lstStyle/>
+                  <a:p>
+                    <a:pPr/>
+                    <a14:m>
+                      <m:oMathPara xmlns:m="http://schemas.openxmlformats.org/officeDocument/2006/math">
+                        <m:oMathParaPr>
+                          <m:jc m:val="centerGroup"/>
+                        </m:oMathParaPr>
+                        <m:oMath xmlns:m="http://schemas.openxmlformats.org/officeDocument/2006/math">
+                          <m:sSub>
+                            <m:sSubPr>
+                              <m:ctrlPr>
+                                <a:rPr kumimoji="1" lang="en-US" altLang="zh-CN" b="1" i="1">
+                                  <a:latin typeface="Cambria Math" panose="02040503050406030204" pitchFamily="18" charset="0"/>
+                                </a:rPr>
+                              </m:ctrlPr>
+                            </m:sSubPr>
+                            <m:e>
+                              <m:r>
+                                <a:rPr kumimoji="1" lang="en-US" altLang="zh-CN" b="1" i="1" smtClean="0">
+                                  <a:latin typeface="Cambria Math" panose="02040503050406030204" pitchFamily="18" charset="0"/>
+                                </a:rPr>
+                                <m:t>𝒄</m:t>
+                              </m:r>
+                            </m:e>
+                            <m:sub>
+                              <m:r>
+                                <a:rPr kumimoji="1" lang="en-US" altLang="zh-CN" b="1" i="1" smtClean="0">
+                                  <a:latin typeface="Cambria Math" panose="02040503050406030204" pitchFamily="18" charset="0"/>
+                                </a:rPr>
+                                <m:t>𝟏</m:t>
+                              </m:r>
+                            </m:sub>
+                          </m:sSub>
+                          <m:sSub>
+                            <m:sSubPr>
+                              <m:ctrlPr>
+                                <a:rPr kumimoji="1" lang="en-US" altLang="zh-CN" b="1" i="1" smtClean="0">
+                                  <a:latin typeface="Cambria Math" panose="02040503050406030204" pitchFamily="18" charset="0"/>
+                                </a:rPr>
+                              </m:ctrlPr>
+                            </m:sSubPr>
+                            <m:e>
+                              <m:r>
+                                <a:rPr kumimoji="1" lang="zh-CN" altLang="en-US" b="1" i="1" smtClean="0">
+                                  <a:latin typeface="Cambria Math" panose="02040503050406030204" pitchFamily="18" charset="0"/>
+                                </a:rPr>
+                                <m:t>  </m:t>
+                              </m:r>
+                              <m:r>
+                                <a:rPr kumimoji="1" lang="en-US" altLang="zh-CN" b="1" i="1" smtClean="0">
+                                  <a:latin typeface="Cambria Math" panose="02040503050406030204" pitchFamily="18" charset="0"/>
+                                </a:rPr>
+                                <m:t>𝒄</m:t>
+                              </m:r>
+                            </m:e>
+                            <m:sub>
+                              <m:r>
+                                <a:rPr kumimoji="1" lang="en-US" altLang="zh-CN" b="1" i="1" smtClean="0">
+                                  <a:latin typeface="Cambria Math" panose="02040503050406030204" pitchFamily="18" charset="0"/>
+                                </a:rPr>
+                                <m:t>𝟐</m:t>
+                              </m:r>
+                              <m:r>
+                                <a:rPr kumimoji="1" lang="zh-CN" altLang="en-US" b="1" i="1" smtClean="0">
+                                  <a:latin typeface="Cambria Math" panose="02040503050406030204" pitchFamily="18" charset="0"/>
+                                </a:rPr>
+                                <m:t> </m:t>
+                              </m:r>
+                            </m:sub>
+                          </m:sSub>
+                        </m:oMath>
+                      </m:oMathPara>
+                    </a14:m>
+                    <a:endParaRPr lang="zh-CN" altLang="en-US" b="1" dirty="0"/>
+                  </a:p>
+                </p:txBody>
+              </p:sp>
+            </mc:Choice>
+            <mc:Fallback xmlns="">
+              <p:sp>
+                <p:nvSpPr>
+                  <p:cNvPr id="7" name="矩形 6">
+                    <a:extLst>
+                      <a:ext uri="{FF2B5EF4-FFF2-40B4-BE49-F238E27FC236}">
+                        <a16:creationId xmlns:a16="http://schemas.microsoft.com/office/drawing/2014/main" id="{DD007FC0-DAAC-EF48-9432-3A9C6F482EBE}"/>
+                      </a:ext>
+                    </a:extLst>
+                  </p:cNvPr>
+                  <p:cNvSpPr>
+                    <a:spLocks noRot="1" noChangeAspect="1" noMove="1" noResize="1" noEditPoints="1" noAdjustHandles="1" noChangeArrowheads="1" noChangeShapeType="1" noTextEdit="1"/>
+                  </p:cNvSpPr>
+                  <p:nvPr/>
+                </p:nvSpPr>
+                <p:spPr>
+                  <a:xfrm>
+                    <a:off x="1534199" y="3490825"/>
+                    <a:ext cx="843372" cy="369332"/>
+                  </a:xfrm>
+                  <a:prstGeom prst="rect">
+                    <a:avLst/>
+                  </a:prstGeom>
+                  <a:blipFill>
+                    <a:blip r:embed="rId5"/>
+                    <a:stretch>
+                      <a:fillRect b="-16667"/>
+                    </a:stretch>
+                  </a:blipFill>
+                </p:spPr>
+                <p:txBody>
+                  <a:bodyPr/>
+                  <a:lstStyle/>
+                  <a:p>
+                    <a:r>
+                      <a:rPr lang="zh-CN" altLang="en-US">
+                        <a:noFill/>
+                      </a:rPr>
+                      <a:t> </a:t>
+                    </a:r>
+                  </a:p>
+                </p:txBody>
+              </p:sp>
+            </mc:Fallback>
+          </mc:AlternateContent>
+          <mc:AlternateContent xmlns:mc="http://schemas.openxmlformats.org/markup-compatibility/2006" xmlns:a14="http://schemas.microsoft.com/office/drawing/2010/main">
+            <mc:Choice Requires="a14">
+              <p:sp>
+                <p:nvSpPr>
+                  <p:cNvPr id="8" name="矩形 7">
+                    <a:extLst>
+                      <a:ext uri="{FF2B5EF4-FFF2-40B4-BE49-F238E27FC236}">
+                        <a16:creationId xmlns:a16="http://schemas.microsoft.com/office/drawing/2014/main" id="{D25ED745-F234-2C4B-B1A3-E2B35500E709}"/>
+                      </a:ext>
+                    </a:extLst>
+                  </p:cNvPr>
+                  <p:cNvSpPr/>
+                  <p:nvPr/>
+                </p:nvSpPr>
+                <p:spPr>
+                  <a:xfrm>
+                    <a:off x="2911538" y="3497670"/>
+                    <a:ext cx="814518" cy="369332"/>
+                  </a:xfrm>
+                  <a:prstGeom prst="rect">
+                    <a:avLst/>
+                  </a:prstGeom>
+                </p:spPr>
+                <p:txBody>
+                  <a:bodyPr wrap="none">
+                    <a:spAutoFit/>
+                  </a:bodyPr>
+                  <a:lstStyle/>
+                  <a:p>
+                    <a:pPr/>
+                    <a14:m>
+                      <m:oMathPara xmlns:m="http://schemas.openxmlformats.org/officeDocument/2006/math">
+                        <m:oMathParaPr>
+                          <m:jc m:val="centerGroup"/>
+                        </m:oMathParaPr>
+                        <m:oMath xmlns:m="http://schemas.openxmlformats.org/officeDocument/2006/math">
+                          <m:sSub>
+                            <m:sSubPr>
+                              <m:ctrlPr>
+                                <a:rPr kumimoji="1" lang="en-US" altLang="zh-CN" b="1" i="1">
+                                  <a:latin typeface="Cambria Math" panose="02040503050406030204" pitchFamily="18" charset="0"/>
+                                </a:rPr>
+                              </m:ctrlPr>
+                            </m:sSubPr>
+                            <m:e>
+                              <m:r>
+                                <a:rPr kumimoji="1" lang="en-US" altLang="zh-CN" b="1" i="1" smtClean="0">
+                                  <a:latin typeface="Cambria Math" panose="02040503050406030204" pitchFamily="18" charset="0"/>
+                                </a:rPr>
+                                <m:t>𝒄</m:t>
+                              </m:r>
+                            </m:e>
+                            <m:sub>
+                              <m:r>
+                                <a:rPr kumimoji="1" lang="en-US" altLang="zh-CN" b="1" i="1" smtClean="0">
+                                  <a:latin typeface="Cambria Math" panose="02040503050406030204" pitchFamily="18" charset="0"/>
+                                </a:rPr>
+                                <m:t>𝟑</m:t>
+                              </m:r>
+                              <m:r>
+                                <a:rPr kumimoji="1" lang="zh-CN" altLang="en-US" b="1" i="1" smtClean="0">
+                                  <a:latin typeface="Cambria Math" panose="02040503050406030204" pitchFamily="18" charset="0"/>
+                                </a:rPr>
+                                <m:t>   </m:t>
+                              </m:r>
+                            </m:sub>
+                          </m:sSub>
+                          <m:sSub>
+                            <m:sSubPr>
+                              <m:ctrlPr>
+                                <a:rPr kumimoji="1" lang="en-US" altLang="zh-CN" b="1" i="1">
+                                  <a:latin typeface="Cambria Math" panose="02040503050406030204" pitchFamily="18" charset="0"/>
+                                </a:rPr>
+                              </m:ctrlPr>
+                            </m:sSubPr>
+                            <m:e>
+                              <m:r>
+                                <a:rPr kumimoji="1" lang="en-US" altLang="zh-CN" b="1" i="1" smtClean="0">
+                                  <a:latin typeface="Cambria Math" panose="02040503050406030204" pitchFamily="18" charset="0"/>
+                                </a:rPr>
+                                <m:t>𝒄</m:t>
+                              </m:r>
+                            </m:e>
+                            <m:sub>
+                              <m:r>
+                                <a:rPr kumimoji="1" lang="en-US" altLang="zh-CN" b="1" i="1" smtClean="0">
+                                  <a:latin typeface="Cambria Math" panose="02040503050406030204" pitchFamily="18" charset="0"/>
+                                </a:rPr>
+                                <m:t>𝟒</m:t>
+                              </m:r>
+                            </m:sub>
+                          </m:sSub>
+                        </m:oMath>
+                      </m:oMathPara>
+                    </a14:m>
+                    <a:endParaRPr lang="zh-CN" altLang="en-US" b="1" dirty="0"/>
+                  </a:p>
+                </p:txBody>
+              </p:sp>
+            </mc:Choice>
+            <mc:Fallback xmlns="">
+              <p:sp>
+                <p:nvSpPr>
+                  <p:cNvPr id="8" name="矩形 7">
+                    <a:extLst>
+                      <a:ext uri="{FF2B5EF4-FFF2-40B4-BE49-F238E27FC236}">
+                        <a16:creationId xmlns:a16="http://schemas.microsoft.com/office/drawing/2014/main" id="{D25ED745-F234-2C4B-B1A3-E2B35500E709}"/>
+                      </a:ext>
+                    </a:extLst>
+                  </p:cNvPr>
+                  <p:cNvSpPr>
+                    <a:spLocks noRot="1" noChangeAspect="1" noMove="1" noResize="1" noEditPoints="1" noAdjustHandles="1" noChangeArrowheads="1" noChangeShapeType="1" noTextEdit="1"/>
+                  </p:cNvSpPr>
+                  <p:nvPr/>
+                </p:nvSpPr>
+                <p:spPr>
+                  <a:xfrm>
+                    <a:off x="2911538" y="3497670"/>
+                    <a:ext cx="814518" cy="369332"/>
+                  </a:xfrm>
+                  <a:prstGeom prst="rect">
+                    <a:avLst/>
+                  </a:prstGeom>
+                  <a:blipFill>
+                    <a:blip r:embed="rId6"/>
+                    <a:stretch>
+                      <a:fillRect b="-13333"/>
+                    </a:stretch>
+                  </a:blipFill>
+                </p:spPr>
+                <p:txBody>
+                  <a:bodyPr/>
+                  <a:lstStyle/>
+                  <a:p>
+                    <a:r>
+                      <a:rPr lang="zh-CN" altLang="en-US">
+                        <a:noFill/>
+                      </a:rPr>
+                      <a:t> </a:t>
+                    </a:r>
+                  </a:p>
+                </p:txBody>
+              </p:sp>
+            </mc:Fallback>
+          </mc:AlternateContent>
+          <mc:AlternateContent xmlns:mc="http://schemas.openxmlformats.org/markup-compatibility/2006" xmlns:a14="http://schemas.microsoft.com/office/drawing/2010/main">
+            <mc:Choice Requires="a14">
+              <p:sp>
+                <p:nvSpPr>
+                  <p:cNvPr id="9" name="矩形 8">
+                    <a:extLst>
+                      <a:ext uri="{FF2B5EF4-FFF2-40B4-BE49-F238E27FC236}">
+                        <a16:creationId xmlns:a16="http://schemas.microsoft.com/office/drawing/2014/main" id="{82E7DCE3-03E2-CC4A-9C24-226F09F78597}"/>
+                      </a:ext>
+                    </a:extLst>
+                  </p:cNvPr>
+                  <p:cNvSpPr/>
+                  <p:nvPr/>
+                </p:nvSpPr>
+                <p:spPr>
+                  <a:xfrm>
+                    <a:off x="4265347" y="3490825"/>
+                    <a:ext cx="814518" cy="369332"/>
+                  </a:xfrm>
+                  <a:prstGeom prst="rect">
+                    <a:avLst/>
+                  </a:prstGeom>
+                </p:spPr>
+                <p:txBody>
+                  <a:bodyPr wrap="none">
+                    <a:spAutoFit/>
+                  </a:bodyPr>
+                  <a:lstStyle/>
+                  <a:p>
+                    <a:pPr/>
+                    <a14:m>
+                      <m:oMathPara xmlns:m="http://schemas.openxmlformats.org/officeDocument/2006/math">
+                        <m:oMathParaPr>
+                          <m:jc m:val="centerGroup"/>
+                        </m:oMathParaPr>
+                        <m:oMath xmlns:m="http://schemas.openxmlformats.org/officeDocument/2006/math">
+                          <m:sSub>
+                            <m:sSubPr>
+                              <m:ctrlPr>
+                                <a:rPr kumimoji="1" lang="en-US" altLang="zh-CN" b="1" i="1">
+                                  <a:latin typeface="Cambria Math" panose="02040503050406030204" pitchFamily="18" charset="0"/>
+                                </a:rPr>
+                              </m:ctrlPr>
+                            </m:sSubPr>
+                            <m:e>
+                              <m:r>
+                                <a:rPr kumimoji="1" lang="en-US" altLang="zh-CN" b="1" i="1" smtClean="0">
+                                  <a:latin typeface="Cambria Math" panose="02040503050406030204" pitchFamily="18" charset="0"/>
+                                </a:rPr>
+                                <m:t>𝒄</m:t>
+                              </m:r>
+                            </m:e>
+                            <m:sub>
+                              <m:r>
+                                <a:rPr kumimoji="1" lang="en-US" altLang="zh-CN" b="1" i="1" smtClean="0">
+                                  <a:latin typeface="Cambria Math" panose="02040503050406030204" pitchFamily="18" charset="0"/>
+                                </a:rPr>
+                                <m:t>𝟓</m:t>
+                              </m:r>
+                              <m:r>
+                                <a:rPr kumimoji="1" lang="zh-CN" altLang="en-US" b="1" i="1" smtClean="0">
+                                  <a:latin typeface="Cambria Math" panose="02040503050406030204" pitchFamily="18" charset="0"/>
+                                </a:rPr>
+                                <m:t>   </m:t>
+                              </m:r>
+                            </m:sub>
+                          </m:sSub>
+                          <m:sSub>
+                            <m:sSubPr>
+                              <m:ctrlPr>
+                                <a:rPr kumimoji="1" lang="en-US" altLang="zh-CN" b="1" i="1">
+                                  <a:latin typeface="Cambria Math" panose="02040503050406030204" pitchFamily="18" charset="0"/>
+                                </a:rPr>
+                              </m:ctrlPr>
+                            </m:sSubPr>
+                            <m:e>
+                              <m:r>
+                                <a:rPr kumimoji="1" lang="en-US" altLang="zh-CN" b="1" i="1" smtClean="0">
+                                  <a:latin typeface="Cambria Math" panose="02040503050406030204" pitchFamily="18" charset="0"/>
+                                </a:rPr>
+                                <m:t>𝒄</m:t>
+                              </m:r>
+                            </m:e>
+                            <m:sub>
+                              <m:r>
+                                <a:rPr kumimoji="1" lang="en-US" altLang="zh-CN" b="1" i="1" smtClean="0">
+                                  <a:latin typeface="Cambria Math" panose="02040503050406030204" pitchFamily="18" charset="0"/>
+                                </a:rPr>
+                                <m:t>𝟔</m:t>
+                              </m:r>
+                            </m:sub>
+                          </m:sSub>
+                        </m:oMath>
+                      </m:oMathPara>
+                    </a14:m>
+                    <a:endParaRPr lang="zh-CN" altLang="en-US" b="1" dirty="0"/>
+                  </a:p>
+                </p:txBody>
+              </p:sp>
+            </mc:Choice>
+            <mc:Fallback xmlns="">
+              <p:sp>
+                <p:nvSpPr>
+                  <p:cNvPr id="9" name="矩形 8">
+                    <a:extLst>
+                      <a:ext uri="{FF2B5EF4-FFF2-40B4-BE49-F238E27FC236}">
+                        <a16:creationId xmlns:a16="http://schemas.microsoft.com/office/drawing/2014/main" id="{82E7DCE3-03E2-CC4A-9C24-226F09F78597}"/>
+                      </a:ext>
+                    </a:extLst>
+                  </p:cNvPr>
+                  <p:cNvSpPr>
+                    <a:spLocks noRot="1" noChangeAspect="1" noMove="1" noResize="1" noEditPoints="1" noAdjustHandles="1" noChangeArrowheads="1" noChangeShapeType="1" noTextEdit="1"/>
+                  </p:cNvSpPr>
+                  <p:nvPr/>
+                </p:nvSpPr>
+                <p:spPr>
+                  <a:xfrm>
+                    <a:off x="4265347" y="3490825"/>
+                    <a:ext cx="814518" cy="369332"/>
+                  </a:xfrm>
+                  <a:prstGeom prst="rect">
+                    <a:avLst/>
+                  </a:prstGeom>
+                  <a:blipFill>
+                    <a:blip r:embed="rId7"/>
+                    <a:stretch>
+                      <a:fillRect b="-16667"/>
+                    </a:stretch>
+                  </a:blipFill>
+                </p:spPr>
+                <p:txBody>
+                  <a:bodyPr/>
+                  <a:lstStyle/>
+                  <a:p>
+                    <a:r>
+                      <a:rPr lang="zh-CN" altLang="en-US">
+                        <a:noFill/>
+                      </a:rPr>
+                      <a:t> </a:t>
+                    </a:r>
+                  </a:p>
+                </p:txBody>
+              </p:sp>
+            </mc:Fallback>
+          </mc:AlternateContent>
+          <mc:AlternateContent xmlns:mc="http://schemas.openxmlformats.org/markup-compatibility/2006" xmlns:a14="http://schemas.microsoft.com/office/drawing/2010/main">
+            <mc:Choice Requires="a14">
+              <p:sp>
+                <p:nvSpPr>
+                  <p:cNvPr id="10" name="矩形 9">
+                    <a:extLst>
+                      <a:ext uri="{FF2B5EF4-FFF2-40B4-BE49-F238E27FC236}">
+                        <a16:creationId xmlns:a16="http://schemas.microsoft.com/office/drawing/2014/main" id="{E2F85F2C-F5B0-7944-A621-77BCF48E0B7E}"/>
+                      </a:ext>
+                    </a:extLst>
+                  </p:cNvPr>
+                  <p:cNvSpPr/>
+                  <p:nvPr/>
+                </p:nvSpPr>
+                <p:spPr>
+                  <a:xfrm>
+                    <a:off x="5799188" y="3490825"/>
+                    <a:ext cx="814518" cy="369332"/>
+                  </a:xfrm>
+                  <a:prstGeom prst="rect">
+                    <a:avLst/>
+                  </a:prstGeom>
+                </p:spPr>
+                <p:txBody>
+                  <a:bodyPr wrap="none">
+                    <a:spAutoFit/>
+                  </a:bodyPr>
+                  <a:lstStyle/>
+                  <a:p>
+                    <a:pPr/>
+                    <a14:m>
+                      <m:oMathPara xmlns:m="http://schemas.openxmlformats.org/officeDocument/2006/math">
+                        <m:oMathParaPr>
+                          <m:jc m:val="centerGroup"/>
+                        </m:oMathParaPr>
+                        <m:oMath xmlns:m="http://schemas.openxmlformats.org/officeDocument/2006/math">
+                          <m:sSub>
+                            <m:sSubPr>
+                              <m:ctrlPr>
+                                <a:rPr kumimoji="1" lang="en-US" altLang="zh-CN" b="1" i="1">
+                                  <a:latin typeface="Cambria Math" panose="02040503050406030204" pitchFamily="18" charset="0"/>
+                                </a:rPr>
+                              </m:ctrlPr>
+                            </m:sSubPr>
+                            <m:e>
+                              <m:r>
+                                <a:rPr kumimoji="1" lang="en-US" altLang="zh-CN" b="1" i="1" smtClean="0">
+                                  <a:latin typeface="Cambria Math" panose="02040503050406030204" pitchFamily="18" charset="0"/>
+                                </a:rPr>
+                                <m:t>𝒄</m:t>
+                              </m:r>
+                            </m:e>
+                            <m:sub>
+                              <m:r>
+                                <a:rPr kumimoji="1" lang="en-US" altLang="zh-CN" b="1" i="1" smtClean="0">
+                                  <a:latin typeface="Cambria Math" panose="02040503050406030204" pitchFamily="18" charset="0"/>
+                                </a:rPr>
+                                <m:t>𝟕</m:t>
+                              </m:r>
+                              <m:r>
+                                <a:rPr kumimoji="1" lang="zh-CN" altLang="en-US" b="1" i="1" smtClean="0">
+                                  <a:latin typeface="Cambria Math" panose="02040503050406030204" pitchFamily="18" charset="0"/>
+                                </a:rPr>
+                                <m:t>   </m:t>
+                              </m:r>
+                            </m:sub>
+                          </m:sSub>
+                          <m:sSub>
+                            <m:sSubPr>
+                              <m:ctrlPr>
+                                <a:rPr kumimoji="1" lang="en-US" altLang="zh-CN" b="1" i="1">
+                                  <a:latin typeface="Cambria Math" panose="02040503050406030204" pitchFamily="18" charset="0"/>
+                                </a:rPr>
+                              </m:ctrlPr>
+                            </m:sSubPr>
+                            <m:e>
+                              <m:r>
+                                <a:rPr kumimoji="1" lang="en-US" altLang="zh-CN" b="1" i="1" smtClean="0">
+                                  <a:latin typeface="Cambria Math" panose="02040503050406030204" pitchFamily="18" charset="0"/>
+                                </a:rPr>
+                                <m:t>𝒄</m:t>
+                              </m:r>
+                            </m:e>
+                            <m:sub>
+                              <m:r>
+                                <a:rPr kumimoji="1" lang="en-US" altLang="zh-CN" b="1" i="1" smtClean="0">
+                                  <a:latin typeface="Cambria Math" panose="02040503050406030204" pitchFamily="18" charset="0"/>
+                                </a:rPr>
+                                <m:t>𝟖</m:t>
+                              </m:r>
+                            </m:sub>
+                          </m:sSub>
+                        </m:oMath>
+                      </m:oMathPara>
+                    </a14:m>
+                    <a:endParaRPr lang="zh-CN" altLang="en-US" b="1" dirty="0"/>
+                  </a:p>
+                </p:txBody>
+              </p:sp>
+            </mc:Choice>
+            <mc:Fallback xmlns="">
+              <p:sp>
+                <p:nvSpPr>
+                  <p:cNvPr id="10" name="矩形 9">
+                    <a:extLst>
+                      <a:ext uri="{FF2B5EF4-FFF2-40B4-BE49-F238E27FC236}">
+                        <a16:creationId xmlns:a16="http://schemas.microsoft.com/office/drawing/2014/main" id="{E2F85F2C-F5B0-7944-A621-77BCF48E0B7E}"/>
+                      </a:ext>
+                    </a:extLst>
+                  </p:cNvPr>
+                  <p:cNvSpPr>
+                    <a:spLocks noRot="1" noChangeAspect="1" noMove="1" noResize="1" noEditPoints="1" noAdjustHandles="1" noChangeArrowheads="1" noChangeShapeType="1" noTextEdit="1"/>
+                  </p:cNvSpPr>
+                  <p:nvPr/>
+                </p:nvSpPr>
+                <p:spPr>
+                  <a:xfrm>
+                    <a:off x="5799188" y="3490825"/>
+                    <a:ext cx="814518" cy="369332"/>
+                  </a:xfrm>
+                  <a:prstGeom prst="rect">
+                    <a:avLst/>
+                  </a:prstGeom>
+                  <a:blipFill>
+                    <a:blip r:embed="rId8"/>
+                    <a:stretch>
+                      <a:fillRect b="-16667"/>
+                    </a:stretch>
+                  </a:blipFill>
+                </p:spPr>
+                <p:txBody>
+                  <a:bodyPr/>
+                  <a:lstStyle/>
+                  <a:p>
+                    <a:r>
+                      <a:rPr lang="zh-CN" altLang="en-US">
+                        <a:noFill/>
+                      </a:rPr>
+                      <a:t> </a:t>
+                    </a:r>
+                  </a:p>
+                </p:txBody>
+              </p:sp>
+            </mc:Fallback>
+          </mc:AlternateContent>
+          <mc:AlternateContent xmlns:mc="http://schemas.openxmlformats.org/markup-compatibility/2006" xmlns:a14="http://schemas.microsoft.com/office/drawing/2010/main">
+            <mc:Choice Requires="a14">
+              <p:sp>
+                <p:nvSpPr>
+                  <p:cNvPr id="11" name="矩形 10">
+                    <a:extLst>
+                      <a:ext uri="{FF2B5EF4-FFF2-40B4-BE49-F238E27FC236}">
+                        <a16:creationId xmlns:a16="http://schemas.microsoft.com/office/drawing/2014/main" id="{E1E954EE-0180-EA4F-8417-079EAFC6A1D1}"/>
+                      </a:ext>
+                    </a:extLst>
+                  </p:cNvPr>
+                  <p:cNvSpPr/>
+                  <p:nvPr/>
+                </p:nvSpPr>
+                <p:spPr>
+                  <a:xfrm>
+                    <a:off x="1309522" y="4246602"/>
+                    <a:ext cx="476348" cy="369332"/>
+                  </a:xfrm>
+                  <a:prstGeom prst="rect">
+                    <a:avLst/>
+                  </a:prstGeom>
+                </p:spPr>
+                <p:txBody>
+                  <a:bodyPr wrap="none">
+                    <a:spAutoFit/>
+                  </a:bodyPr>
+                  <a:lstStyle/>
+                  <a:p>
+                    <a:pPr/>
+                    <a14:m>
+                      <m:oMathPara xmlns:m="http://schemas.openxmlformats.org/officeDocument/2006/math">
+                        <m:oMathParaPr>
+                          <m:jc m:val="centerGroup"/>
+                        </m:oMathParaPr>
+                        <m:oMath xmlns:m="http://schemas.openxmlformats.org/officeDocument/2006/math">
+                          <m:sSub>
+                            <m:sSubPr>
+                              <m:ctrlPr>
+                                <a:rPr kumimoji="1" lang="en-US" altLang="zh-CN" b="1" i="1">
+                                  <a:latin typeface="Cambria Math" panose="02040503050406030204" pitchFamily="18" charset="0"/>
+                                </a:rPr>
+                              </m:ctrlPr>
+                            </m:sSubPr>
+                            <m:e>
+                              <m:r>
+                                <a:rPr kumimoji="1" lang="en-US" altLang="zh-CN" b="1" i="1" smtClean="0">
+                                  <a:latin typeface="Cambria Math" panose="02040503050406030204" pitchFamily="18" charset="0"/>
+                                </a:rPr>
+                                <m:t>𝒄</m:t>
+                              </m:r>
+                            </m:e>
+                            <m:sub>
+                              <m:r>
+                                <a:rPr kumimoji="1" lang="en-US" altLang="zh-CN" b="1" i="1" smtClean="0">
+                                  <a:latin typeface="Cambria Math" panose="02040503050406030204" pitchFamily="18" charset="0"/>
+                                </a:rPr>
+                                <m:t>𝟏</m:t>
+                              </m:r>
+                            </m:sub>
+                          </m:sSub>
+                        </m:oMath>
+                      </m:oMathPara>
+                    </a14:m>
+                    <a:endParaRPr lang="zh-CN" altLang="en-US" b="1" dirty="0"/>
+                  </a:p>
+                </p:txBody>
+              </p:sp>
+            </mc:Choice>
+            <mc:Fallback xmlns="">
+              <p:sp>
+                <p:nvSpPr>
+                  <p:cNvPr id="11" name="矩形 10">
+                    <a:extLst>
+                      <a:ext uri="{FF2B5EF4-FFF2-40B4-BE49-F238E27FC236}">
+                        <a16:creationId xmlns:a16="http://schemas.microsoft.com/office/drawing/2014/main" id="{E1E954EE-0180-EA4F-8417-079EAFC6A1D1}"/>
+                      </a:ext>
+                    </a:extLst>
+                  </p:cNvPr>
+                  <p:cNvSpPr>
+                    <a:spLocks noRot="1" noChangeAspect="1" noMove="1" noResize="1" noEditPoints="1" noAdjustHandles="1" noChangeArrowheads="1" noChangeShapeType="1" noTextEdit="1"/>
+                  </p:cNvSpPr>
+                  <p:nvPr/>
+                </p:nvSpPr>
+                <p:spPr>
+                  <a:xfrm>
+                    <a:off x="1309522" y="4246602"/>
+                    <a:ext cx="476348" cy="369332"/>
+                  </a:xfrm>
+                  <a:prstGeom prst="rect">
+                    <a:avLst/>
+                  </a:prstGeom>
+                  <a:blipFill>
+                    <a:blip r:embed="rId9"/>
+                    <a:stretch>
+                      <a:fillRect/>
+                    </a:stretch>
+                  </a:blipFill>
+                </p:spPr>
+                <p:txBody>
+                  <a:bodyPr/>
+                  <a:lstStyle/>
+                  <a:p>
+                    <a:r>
+                      <a:rPr lang="zh-CN" altLang="en-US">
+                        <a:noFill/>
+                      </a:rPr>
+                      <a:t> </a:t>
+                    </a:r>
+                  </a:p>
+                </p:txBody>
+              </p:sp>
+            </mc:Fallback>
+          </mc:AlternateContent>
+          <mc:AlternateContent xmlns:mc="http://schemas.openxmlformats.org/markup-compatibility/2006" xmlns:a14="http://schemas.microsoft.com/office/drawing/2010/main">
+            <mc:Choice Requires="a14">
+              <p:sp>
+                <p:nvSpPr>
+                  <p:cNvPr id="12" name="矩形 11">
+                    <a:extLst>
+                      <a:ext uri="{FF2B5EF4-FFF2-40B4-BE49-F238E27FC236}">
+                        <a16:creationId xmlns:a16="http://schemas.microsoft.com/office/drawing/2014/main" id="{10C90132-93AA-8647-8D63-29F9D2F99660}"/>
+                      </a:ext>
+                    </a:extLst>
+                  </p:cNvPr>
+                  <p:cNvSpPr/>
+                  <p:nvPr/>
+                </p:nvSpPr>
+                <p:spPr>
+                  <a:xfrm>
+                    <a:off x="2026474" y="4246602"/>
+                    <a:ext cx="615810" cy="369332"/>
+                  </a:xfrm>
+                  <a:prstGeom prst="rect">
+                    <a:avLst/>
+                  </a:prstGeom>
+                </p:spPr>
+                <p:txBody>
+                  <a:bodyPr wrap="none">
+                    <a:spAutoFit/>
+                  </a:bodyPr>
+                  <a:lstStyle/>
+                  <a:p>
+                    <a:pPr/>
+                    <a14:m>
+                      <m:oMathPara xmlns:m="http://schemas.openxmlformats.org/officeDocument/2006/math">
+                        <m:oMathParaPr>
+                          <m:jc m:val="centerGroup"/>
+                        </m:oMathParaPr>
+                        <m:oMath xmlns:m="http://schemas.openxmlformats.org/officeDocument/2006/math">
+                          <m:sSub>
+                            <m:sSubPr>
+                              <m:ctrlPr>
+                                <a:rPr kumimoji="1" lang="en-US" altLang="zh-CN" b="1" i="1">
+                                  <a:latin typeface="Cambria Math" panose="02040503050406030204" pitchFamily="18" charset="0"/>
+                                </a:rPr>
+                              </m:ctrlPr>
+                            </m:sSubPr>
+                            <m:e>
+                              <m:r>
+                                <a:rPr kumimoji="1" lang="zh-CN" altLang="en-US" b="1" i="1" smtClean="0">
+                                  <a:latin typeface="Cambria Math" panose="02040503050406030204" pitchFamily="18" charset="0"/>
+                                </a:rPr>
+                                <m:t>  </m:t>
+                              </m:r>
+                              <m:r>
+                                <a:rPr kumimoji="1" lang="en-US" altLang="zh-CN" b="1" i="1" smtClean="0">
+                                  <a:latin typeface="Cambria Math" panose="02040503050406030204" pitchFamily="18" charset="0"/>
+                                </a:rPr>
+                                <m:t>𝒄</m:t>
+                              </m:r>
+                            </m:e>
+                            <m:sub>
+                              <m:r>
+                                <a:rPr kumimoji="1" lang="en-US" altLang="zh-CN" b="1" i="1" smtClean="0">
+                                  <a:latin typeface="Cambria Math" panose="02040503050406030204" pitchFamily="18" charset="0"/>
+                                </a:rPr>
+                                <m:t>𝟐</m:t>
+                              </m:r>
+                              <m:r>
+                                <a:rPr kumimoji="1" lang="zh-CN" altLang="en-US" b="1" i="1" smtClean="0">
+                                  <a:latin typeface="Cambria Math" panose="02040503050406030204" pitchFamily="18" charset="0"/>
+                                </a:rPr>
+                                <m:t> </m:t>
+                              </m:r>
+                            </m:sub>
+                          </m:sSub>
+                        </m:oMath>
+                      </m:oMathPara>
+                    </a14:m>
+                    <a:endParaRPr lang="zh-CN" altLang="en-US" b="1" dirty="0"/>
+                  </a:p>
+                </p:txBody>
+              </p:sp>
+            </mc:Choice>
+            <mc:Fallback xmlns="">
+              <p:sp>
+                <p:nvSpPr>
+                  <p:cNvPr id="12" name="矩形 11">
+                    <a:extLst>
+                      <a:ext uri="{FF2B5EF4-FFF2-40B4-BE49-F238E27FC236}">
+                        <a16:creationId xmlns:a16="http://schemas.microsoft.com/office/drawing/2014/main" id="{10C90132-93AA-8647-8D63-29F9D2F99660}"/>
+                      </a:ext>
+                    </a:extLst>
+                  </p:cNvPr>
+                  <p:cNvSpPr>
+                    <a:spLocks noRot="1" noChangeAspect="1" noMove="1" noResize="1" noEditPoints="1" noAdjustHandles="1" noChangeArrowheads="1" noChangeShapeType="1" noTextEdit="1"/>
+                  </p:cNvSpPr>
+                  <p:nvPr/>
+                </p:nvSpPr>
+                <p:spPr>
+                  <a:xfrm>
+                    <a:off x="2026474" y="4246602"/>
+                    <a:ext cx="615810" cy="369332"/>
+                  </a:xfrm>
+                  <a:prstGeom prst="rect">
+                    <a:avLst/>
+                  </a:prstGeom>
+                  <a:blipFill>
+                    <a:blip r:embed="rId10"/>
+                    <a:stretch>
+                      <a:fillRect b="-13333"/>
+                    </a:stretch>
+                  </a:blipFill>
+                </p:spPr>
+                <p:txBody>
+                  <a:bodyPr/>
+                  <a:lstStyle/>
+                  <a:p>
+                    <a:r>
+                      <a:rPr lang="zh-CN" altLang="en-US">
+                        <a:noFill/>
+                      </a:rPr>
+                      <a:t> </a:t>
+                    </a:r>
+                  </a:p>
+                </p:txBody>
+              </p:sp>
+            </mc:Fallback>
+          </mc:AlternateContent>
+          <mc:AlternateContent xmlns:mc="http://schemas.openxmlformats.org/markup-compatibility/2006" xmlns:a14="http://schemas.microsoft.com/office/drawing/2010/main">
+            <mc:Choice Requires="a14">
+              <p:sp>
+                <p:nvSpPr>
+                  <p:cNvPr id="13" name="矩形 12">
+                    <a:extLst>
+                      <a:ext uri="{FF2B5EF4-FFF2-40B4-BE49-F238E27FC236}">
+                        <a16:creationId xmlns:a16="http://schemas.microsoft.com/office/drawing/2014/main" id="{3B32723A-AAA9-E74C-85DC-8CA322319BD9}"/>
+                      </a:ext>
+                    </a:extLst>
+                  </p:cNvPr>
+                  <p:cNvSpPr/>
+                  <p:nvPr/>
+                </p:nvSpPr>
+                <p:spPr>
+                  <a:xfrm>
+                    <a:off x="2628896" y="4246602"/>
+                    <a:ext cx="586956" cy="369332"/>
+                  </a:xfrm>
+                  <a:prstGeom prst="rect">
+                    <a:avLst/>
+                  </a:prstGeom>
+                </p:spPr>
+                <p:txBody>
+                  <a:bodyPr wrap="none">
+                    <a:spAutoFit/>
+                  </a:bodyPr>
+                  <a:lstStyle/>
+                  <a:p>
+                    <a:pPr/>
+                    <a14:m>
+                      <m:oMathPara xmlns:m="http://schemas.openxmlformats.org/officeDocument/2006/math">
+                        <m:oMathParaPr>
+                          <m:jc m:val="centerGroup"/>
+                        </m:oMathParaPr>
+                        <m:oMath xmlns:m="http://schemas.openxmlformats.org/officeDocument/2006/math">
+                          <m:sSub>
+                            <m:sSubPr>
+                              <m:ctrlPr>
+                                <a:rPr kumimoji="1" lang="en-US" altLang="zh-CN" b="1" i="1">
+                                  <a:latin typeface="Cambria Math" panose="02040503050406030204" pitchFamily="18" charset="0"/>
+                                </a:rPr>
+                              </m:ctrlPr>
+                            </m:sSubPr>
+                            <m:e>
+                              <m:r>
+                                <a:rPr kumimoji="1" lang="en-US" altLang="zh-CN" b="1" i="1" smtClean="0">
+                                  <a:latin typeface="Cambria Math" panose="02040503050406030204" pitchFamily="18" charset="0"/>
+                                </a:rPr>
+                                <m:t>𝒄</m:t>
+                              </m:r>
+                            </m:e>
+                            <m:sub>
+                              <m:r>
+                                <a:rPr kumimoji="1" lang="en-US" altLang="zh-CN" b="1" i="1" smtClean="0">
+                                  <a:latin typeface="Cambria Math" panose="02040503050406030204" pitchFamily="18" charset="0"/>
+                                </a:rPr>
+                                <m:t>𝟑</m:t>
+                              </m:r>
+                              <m:r>
+                                <a:rPr kumimoji="1" lang="zh-CN" altLang="en-US" b="1" i="1" smtClean="0">
+                                  <a:latin typeface="Cambria Math" panose="02040503050406030204" pitchFamily="18" charset="0"/>
+                                </a:rPr>
+                                <m:t>   </m:t>
+                              </m:r>
+                            </m:sub>
+                          </m:sSub>
+                        </m:oMath>
+                      </m:oMathPara>
+                    </a14:m>
+                    <a:endParaRPr lang="zh-CN" altLang="en-US" b="1" dirty="0"/>
+                  </a:p>
+                </p:txBody>
+              </p:sp>
+            </mc:Choice>
+            <mc:Fallback xmlns="">
+              <p:sp>
+                <p:nvSpPr>
+                  <p:cNvPr id="13" name="矩形 12">
+                    <a:extLst>
+                      <a:ext uri="{FF2B5EF4-FFF2-40B4-BE49-F238E27FC236}">
+                        <a16:creationId xmlns:a16="http://schemas.microsoft.com/office/drawing/2014/main" id="{3B32723A-AAA9-E74C-85DC-8CA322319BD9}"/>
+                      </a:ext>
+                    </a:extLst>
+                  </p:cNvPr>
+                  <p:cNvSpPr>
+                    <a:spLocks noRot="1" noChangeAspect="1" noMove="1" noResize="1" noEditPoints="1" noAdjustHandles="1" noChangeArrowheads="1" noChangeShapeType="1" noTextEdit="1"/>
+                  </p:cNvSpPr>
+                  <p:nvPr/>
+                </p:nvSpPr>
+                <p:spPr>
+                  <a:xfrm>
+                    <a:off x="2628896" y="4246602"/>
+                    <a:ext cx="586956" cy="369332"/>
+                  </a:xfrm>
+                  <a:prstGeom prst="rect">
+                    <a:avLst/>
+                  </a:prstGeom>
+                  <a:blipFill>
+                    <a:blip r:embed="rId11"/>
+                    <a:stretch>
+                      <a:fillRect b="-13333"/>
+                    </a:stretch>
+                  </a:blipFill>
+                </p:spPr>
+                <p:txBody>
+                  <a:bodyPr/>
+                  <a:lstStyle/>
+                  <a:p>
+                    <a:r>
+                      <a:rPr lang="zh-CN" altLang="en-US">
+                        <a:noFill/>
+                      </a:rPr>
+                      <a:t> </a:t>
+                    </a:r>
+                  </a:p>
+                </p:txBody>
+              </p:sp>
+            </mc:Fallback>
+          </mc:AlternateContent>
+          <mc:AlternateContent xmlns:mc="http://schemas.openxmlformats.org/markup-compatibility/2006" xmlns:a14="http://schemas.microsoft.com/office/drawing/2010/main">
+            <mc:Choice Requires="a14">
+              <p:sp>
+                <p:nvSpPr>
+                  <p:cNvPr id="14" name="矩形 13">
+                    <a:extLst>
+                      <a:ext uri="{FF2B5EF4-FFF2-40B4-BE49-F238E27FC236}">
+                        <a16:creationId xmlns:a16="http://schemas.microsoft.com/office/drawing/2014/main" id="{3EDD50BD-228B-A843-9173-FF2775D0B68B}"/>
+                      </a:ext>
+                    </a:extLst>
+                  </p:cNvPr>
+                  <p:cNvSpPr/>
+                  <p:nvPr/>
+                </p:nvSpPr>
+                <p:spPr>
+                  <a:xfrm>
+                    <a:off x="3456976" y="4246602"/>
+                    <a:ext cx="476348" cy="369332"/>
+                  </a:xfrm>
+                  <a:prstGeom prst="rect">
+                    <a:avLst/>
+                  </a:prstGeom>
+                </p:spPr>
+                <p:txBody>
+                  <a:bodyPr wrap="none">
+                    <a:spAutoFit/>
+                  </a:bodyPr>
+                  <a:lstStyle/>
+                  <a:p>
+                    <a:pPr/>
+                    <a14:m>
+                      <m:oMathPara xmlns:m="http://schemas.openxmlformats.org/officeDocument/2006/math">
+                        <m:oMathParaPr>
+                          <m:jc m:val="centerGroup"/>
+                        </m:oMathParaPr>
+                        <m:oMath xmlns:m="http://schemas.openxmlformats.org/officeDocument/2006/math">
+                          <m:sSub>
+                            <m:sSubPr>
+                              <m:ctrlPr>
+                                <a:rPr kumimoji="1" lang="en-US" altLang="zh-CN" b="1" i="1">
+                                  <a:latin typeface="Cambria Math" panose="02040503050406030204" pitchFamily="18" charset="0"/>
+                                </a:rPr>
+                              </m:ctrlPr>
+                            </m:sSubPr>
+                            <m:e>
+                              <m:r>
+                                <a:rPr kumimoji="1" lang="en-US" altLang="zh-CN" b="1" i="1" smtClean="0">
+                                  <a:latin typeface="Cambria Math" panose="02040503050406030204" pitchFamily="18" charset="0"/>
+                                </a:rPr>
+                                <m:t>𝒄</m:t>
+                              </m:r>
+                            </m:e>
+                            <m:sub>
+                              <m:r>
+                                <a:rPr kumimoji="1" lang="en-US" altLang="zh-CN" b="1" i="1" smtClean="0">
+                                  <a:latin typeface="Cambria Math" panose="02040503050406030204" pitchFamily="18" charset="0"/>
+                                </a:rPr>
+                                <m:t>𝟒</m:t>
+                              </m:r>
+                            </m:sub>
+                          </m:sSub>
+                        </m:oMath>
+                      </m:oMathPara>
+                    </a14:m>
+                    <a:endParaRPr lang="zh-CN" altLang="en-US" b="1" dirty="0"/>
+                  </a:p>
+                </p:txBody>
+              </p:sp>
+            </mc:Choice>
+            <mc:Fallback xmlns="">
+              <p:sp>
+                <p:nvSpPr>
+                  <p:cNvPr id="14" name="矩形 13">
+                    <a:extLst>
+                      <a:ext uri="{FF2B5EF4-FFF2-40B4-BE49-F238E27FC236}">
+                        <a16:creationId xmlns:a16="http://schemas.microsoft.com/office/drawing/2014/main" id="{3EDD50BD-228B-A843-9173-FF2775D0B68B}"/>
+                      </a:ext>
+                    </a:extLst>
+                  </p:cNvPr>
+                  <p:cNvSpPr>
+                    <a:spLocks noRot="1" noChangeAspect="1" noMove="1" noResize="1" noEditPoints="1" noAdjustHandles="1" noChangeArrowheads="1" noChangeShapeType="1" noTextEdit="1"/>
+                  </p:cNvSpPr>
+                  <p:nvPr/>
+                </p:nvSpPr>
+                <p:spPr>
+                  <a:xfrm>
+                    <a:off x="3456976" y="4246602"/>
+                    <a:ext cx="476348" cy="369332"/>
+                  </a:xfrm>
+                  <a:prstGeom prst="rect">
+                    <a:avLst/>
+                  </a:prstGeom>
+                  <a:blipFill>
+                    <a:blip r:embed="rId12"/>
+                    <a:stretch>
+                      <a:fillRect/>
+                    </a:stretch>
+                  </a:blipFill>
+                </p:spPr>
+                <p:txBody>
+                  <a:bodyPr/>
+                  <a:lstStyle/>
+                  <a:p>
+                    <a:r>
+                      <a:rPr lang="zh-CN" altLang="en-US">
+                        <a:noFill/>
+                      </a:rPr>
+                      <a:t> </a:t>
+                    </a:r>
+                  </a:p>
+                </p:txBody>
+              </p:sp>
+            </mc:Fallback>
+          </mc:AlternateContent>
+          <mc:AlternateContent xmlns:mc="http://schemas.openxmlformats.org/markup-compatibility/2006" xmlns:a14="http://schemas.microsoft.com/office/drawing/2010/main">
+            <mc:Choice Requires="a14">
+              <p:sp>
+                <p:nvSpPr>
+                  <p:cNvPr id="15" name="矩形 14">
+                    <a:extLst>
+                      <a:ext uri="{FF2B5EF4-FFF2-40B4-BE49-F238E27FC236}">
+                        <a16:creationId xmlns:a16="http://schemas.microsoft.com/office/drawing/2014/main" id="{9D7F33FE-A79E-FF47-8C2D-9D86F7FBC824}"/>
+                      </a:ext>
+                    </a:extLst>
+                  </p:cNvPr>
+                  <p:cNvSpPr/>
+                  <p:nvPr/>
+                </p:nvSpPr>
+                <p:spPr>
+                  <a:xfrm>
+                    <a:off x="3982705" y="4246602"/>
+                    <a:ext cx="586956" cy="369332"/>
+                  </a:xfrm>
+                  <a:prstGeom prst="rect">
+                    <a:avLst/>
+                  </a:prstGeom>
+                </p:spPr>
+                <p:txBody>
+                  <a:bodyPr wrap="none">
+                    <a:spAutoFit/>
+                  </a:bodyPr>
+                  <a:lstStyle/>
+                  <a:p>
+                    <a:pPr/>
+                    <a14:m>
+                      <m:oMathPara xmlns:m="http://schemas.openxmlformats.org/officeDocument/2006/math">
+                        <m:oMathParaPr>
+                          <m:jc m:val="centerGroup"/>
+                        </m:oMathParaPr>
+                        <m:oMath xmlns:m="http://schemas.openxmlformats.org/officeDocument/2006/math">
+                          <m:sSub>
+                            <m:sSubPr>
+                              <m:ctrlPr>
+                                <a:rPr kumimoji="1" lang="en-US" altLang="zh-CN" b="1" i="1">
+                                  <a:latin typeface="Cambria Math" panose="02040503050406030204" pitchFamily="18" charset="0"/>
+                                </a:rPr>
+                              </m:ctrlPr>
+                            </m:sSubPr>
+                            <m:e>
+                              <m:r>
+                                <a:rPr kumimoji="1" lang="en-US" altLang="zh-CN" b="1" i="1" smtClean="0">
+                                  <a:latin typeface="Cambria Math" panose="02040503050406030204" pitchFamily="18" charset="0"/>
+                                </a:rPr>
+                                <m:t>𝒄</m:t>
+                              </m:r>
+                            </m:e>
+                            <m:sub>
+                              <m:r>
+                                <a:rPr kumimoji="1" lang="en-US" altLang="zh-CN" b="1" i="1" smtClean="0">
+                                  <a:latin typeface="Cambria Math" panose="02040503050406030204" pitchFamily="18" charset="0"/>
+                                </a:rPr>
+                                <m:t>𝟓</m:t>
+                              </m:r>
+                              <m:r>
+                                <a:rPr kumimoji="1" lang="zh-CN" altLang="en-US" b="1" i="1" smtClean="0">
+                                  <a:latin typeface="Cambria Math" panose="02040503050406030204" pitchFamily="18" charset="0"/>
+                                </a:rPr>
+                                <m:t>   </m:t>
+                              </m:r>
+                            </m:sub>
+                          </m:sSub>
+                        </m:oMath>
+                      </m:oMathPara>
+                    </a14:m>
+                    <a:endParaRPr lang="zh-CN" altLang="en-US" b="1" dirty="0"/>
+                  </a:p>
+                </p:txBody>
+              </p:sp>
+            </mc:Choice>
+            <mc:Fallback xmlns="">
+              <p:sp>
+                <p:nvSpPr>
+                  <p:cNvPr id="15" name="矩形 14">
+                    <a:extLst>
+                      <a:ext uri="{FF2B5EF4-FFF2-40B4-BE49-F238E27FC236}">
+                        <a16:creationId xmlns:a16="http://schemas.microsoft.com/office/drawing/2014/main" id="{9D7F33FE-A79E-FF47-8C2D-9D86F7FBC824}"/>
+                      </a:ext>
+                    </a:extLst>
+                  </p:cNvPr>
+                  <p:cNvSpPr>
+                    <a:spLocks noRot="1" noChangeAspect="1" noMove="1" noResize="1" noEditPoints="1" noAdjustHandles="1" noChangeArrowheads="1" noChangeShapeType="1" noTextEdit="1"/>
+                  </p:cNvSpPr>
+                  <p:nvPr/>
+                </p:nvSpPr>
+                <p:spPr>
+                  <a:xfrm>
+                    <a:off x="3982705" y="4246602"/>
+                    <a:ext cx="586956" cy="369332"/>
+                  </a:xfrm>
+                  <a:prstGeom prst="rect">
+                    <a:avLst/>
+                  </a:prstGeom>
+                  <a:blipFill>
+                    <a:blip r:embed="rId13"/>
+                    <a:stretch>
+                      <a:fillRect b="-13333"/>
+                    </a:stretch>
+                  </a:blipFill>
+                </p:spPr>
+                <p:txBody>
+                  <a:bodyPr/>
+                  <a:lstStyle/>
+                  <a:p>
+                    <a:r>
+                      <a:rPr lang="zh-CN" altLang="en-US">
+                        <a:noFill/>
+                      </a:rPr>
+                      <a:t> </a:t>
+                    </a:r>
+                  </a:p>
+                </p:txBody>
+              </p:sp>
+            </mc:Fallback>
+          </mc:AlternateContent>
+          <mc:AlternateContent xmlns:mc="http://schemas.openxmlformats.org/markup-compatibility/2006" xmlns:a14="http://schemas.microsoft.com/office/drawing/2010/main">
+            <mc:Choice Requires="a14">
+              <p:sp>
+                <p:nvSpPr>
+                  <p:cNvPr id="16" name="矩形 15">
+                    <a:extLst>
+                      <a:ext uri="{FF2B5EF4-FFF2-40B4-BE49-F238E27FC236}">
+                        <a16:creationId xmlns:a16="http://schemas.microsoft.com/office/drawing/2014/main" id="{161D7B4A-ACF2-CA4C-91F8-FD534DBB3151}"/>
+                      </a:ext>
+                    </a:extLst>
+                  </p:cNvPr>
+                  <p:cNvSpPr/>
+                  <p:nvPr/>
+                </p:nvSpPr>
+                <p:spPr>
+                  <a:xfrm>
+                    <a:off x="4830930" y="4246602"/>
+                    <a:ext cx="476348" cy="369332"/>
+                  </a:xfrm>
+                  <a:prstGeom prst="rect">
+                    <a:avLst/>
+                  </a:prstGeom>
+                </p:spPr>
+                <p:txBody>
+                  <a:bodyPr wrap="none">
+                    <a:spAutoFit/>
+                  </a:bodyPr>
+                  <a:lstStyle/>
+                  <a:p>
+                    <a:pPr/>
+                    <a14:m>
+                      <m:oMathPara xmlns:m="http://schemas.openxmlformats.org/officeDocument/2006/math">
+                        <m:oMathParaPr>
+                          <m:jc m:val="centerGroup"/>
+                        </m:oMathParaPr>
+                        <m:oMath xmlns:m="http://schemas.openxmlformats.org/officeDocument/2006/math">
+                          <m:sSub>
+                            <m:sSubPr>
+                              <m:ctrlPr>
+                                <a:rPr kumimoji="1" lang="en-US" altLang="zh-CN" b="1" i="1">
+                                  <a:latin typeface="Cambria Math" panose="02040503050406030204" pitchFamily="18" charset="0"/>
+                                </a:rPr>
+                              </m:ctrlPr>
+                            </m:sSubPr>
+                            <m:e>
+                              <m:r>
+                                <a:rPr kumimoji="1" lang="en-US" altLang="zh-CN" b="1" i="1" smtClean="0">
+                                  <a:latin typeface="Cambria Math" panose="02040503050406030204" pitchFamily="18" charset="0"/>
+                                </a:rPr>
+                                <m:t>𝒄</m:t>
+                              </m:r>
+                            </m:e>
+                            <m:sub>
+                              <m:r>
+                                <a:rPr kumimoji="1" lang="en-US" altLang="zh-CN" b="1" i="1" smtClean="0">
+                                  <a:latin typeface="Cambria Math" panose="02040503050406030204" pitchFamily="18" charset="0"/>
+                                </a:rPr>
+                                <m:t>𝟔</m:t>
+                              </m:r>
+                            </m:sub>
+                          </m:sSub>
+                        </m:oMath>
+                      </m:oMathPara>
+                    </a14:m>
+                    <a:endParaRPr lang="zh-CN" altLang="en-US" b="1" dirty="0"/>
+                  </a:p>
+                </p:txBody>
+              </p:sp>
+            </mc:Choice>
+            <mc:Fallback xmlns="">
+              <p:sp>
+                <p:nvSpPr>
+                  <p:cNvPr id="16" name="矩形 15">
+                    <a:extLst>
+                      <a:ext uri="{FF2B5EF4-FFF2-40B4-BE49-F238E27FC236}">
+                        <a16:creationId xmlns:a16="http://schemas.microsoft.com/office/drawing/2014/main" id="{161D7B4A-ACF2-CA4C-91F8-FD534DBB3151}"/>
+                      </a:ext>
+                    </a:extLst>
+                  </p:cNvPr>
+                  <p:cNvSpPr>
+                    <a:spLocks noRot="1" noChangeAspect="1" noMove="1" noResize="1" noEditPoints="1" noAdjustHandles="1" noChangeArrowheads="1" noChangeShapeType="1" noTextEdit="1"/>
+                  </p:cNvSpPr>
+                  <p:nvPr/>
+                </p:nvSpPr>
+                <p:spPr>
+                  <a:xfrm>
+                    <a:off x="4830930" y="4246602"/>
+                    <a:ext cx="476348" cy="369332"/>
+                  </a:xfrm>
+                  <a:prstGeom prst="rect">
+                    <a:avLst/>
+                  </a:prstGeom>
+                  <a:blipFill>
+                    <a:blip r:embed="rId14"/>
+                    <a:stretch>
+                      <a:fillRect/>
+                    </a:stretch>
+                  </a:blipFill>
+                </p:spPr>
+                <p:txBody>
+                  <a:bodyPr/>
+                  <a:lstStyle/>
+                  <a:p>
+                    <a:r>
+                      <a:rPr lang="zh-CN" altLang="en-US">
+                        <a:noFill/>
+                      </a:rPr>
+                      <a:t> </a:t>
+                    </a:r>
+                  </a:p>
+                </p:txBody>
+              </p:sp>
+            </mc:Fallback>
+          </mc:AlternateContent>
+          <mc:AlternateContent xmlns:mc="http://schemas.openxmlformats.org/markup-compatibility/2006" xmlns:a14="http://schemas.microsoft.com/office/drawing/2010/main">
+            <mc:Choice Requires="a14">
+              <p:sp>
+                <p:nvSpPr>
+                  <p:cNvPr id="17" name="矩形 16">
+                    <a:extLst>
+                      <a:ext uri="{FF2B5EF4-FFF2-40B4-BE49-F238E27FC236}">
+                        <a16:creationId xmlns:a16="http://schemas.microsoft.com/office/drawing/2014/main" id="{F0166805-2AB9-4D42-8B6D-C9C0F52A7F3D}"/>
+                      </a:ext>
+                    </a:extLst>
+                  </p:cNvPr>
+                  <p:cNvSpPr/>
+                  <p:nvPr/>
+                </p:nvSpPr>
+                <p:spPr>
+                  <a:xfrm>
+                    <a:off x="5569699" y="4246602"/>
+                    <a:ext cx="586956" cy="369332"/>
+                  </a:xfrm>
+                  <a:prstGeom prst="rect">
+                    <a:avLst/>
+                  </a:prstGeom>
+                </p:spPr>
+                <p:txBody>
+                  <a:bodyPr wrap="none">
+                    <a:spAutoFit/>
+                  </a:bodyPr>
+                  <a:lstStyle/>
+                  <a:p>
+                    <a:pPr/>
+                    <a14:m>
+                      <m:oMathPara xmlns:m="http://schemas.openxmlformats.org/officeDocument/2006/math">
+                        <m:oMathParaPr>
+                          <m:jc m:val="centerGroup"/>
+                        </m:oMathParaPr>
+                        <m:oMath xmlns:m="http://schemas.openxmlformats.org/officeDocument/2006/math">
+                          <m:sSub>
+                            <m:sSubPr>
+                              <m:ctrlPr>
+                                <a:rPr kumimoji="1" lang="en-US" altLang="zh-CN" b="1" i="1">
+                                  <a:latin typeface="Cambria Math" panose="02040503050406030204" pitchFamily="18" charset="0"/>
+                                </a:rPr>
+                              </m:ctrlPr>
+                            </m:sSubPr>
+                            <m:e>
+                              <m:r>
+                                <a:rPr kumimoji="1" lang="en-US" altLang="zh-CN" b="1" i="1" smtClean="0">
+                                  <a:latin typeface="Cambria Math" panose="02040503050406030204" pitchFamily="18" charset="0"/>
+                                </a:rPr>
+                                <m:t>𝒄</m:t>
+                              </m:r>
+                            </m:e>
+                            <m:sub>
+                              <m:r>
+                                <a:rPr kumimoji="1" lang="en-US" altLang="zh-CN" b="1" i="1" smtClean="0">
+                                  <a:latin typeface="Cambria Math" panose="02040503050406030204" pitchFamily="18" charset="0"/>
+                                </a:rPr>
+                                <m:t>𝟕</m:t>
+                              </m:r>
+                              <m:r>
+                                <a:rPr kumimoji="1" lang="zh-CN" altLang="en-US" b="1" i="1" smtClean="0">
+                                  <a:latin typeface="Cambria Math" panose="02040503050406030204" pitchFamily="18" charset="0"/>
+                                </a:rPr>
+                                <m:t>   </m:t>
+                              </m:r>
+                            </m:sub>
+                          </m:sSub>
+                        </m:oMath>
+                      </m:oMathPara>
+                    </a14:m>
+                    <a:endParaRPr lang="zh-CN" altLang="en-US" b="1" dirty="0"/>
+                  </a:p>
+                </p:txBody>
+              </p:sp>
+            </mc:Choice>
+            <mc:Fallback xmlns="">
+              <p:sp>
+                <p:nvSpPr>
+                  <p:cNvPr id="17" name="矩形 16">
+                    <a:extLst>
+                      <a:ext uri="{FF2B5EF4-FFF2-40B4-BE49-F238E27FC236}">
+                        <a16:creationId xmlns:a16="http://schemas.microsoft.com/office/drawing/2014/main" id="{F0166805-2AB9-4D42-8B6D-C9C0F52A7F3D}"/>
+                      </a:ext>
+                    </a:extLst>
+                  </p:cNvPr>
+                  <p:cNvSpPr>
+                    <a:spLocks noRot="1" noChangeAspect="1" noMove="1" noResize="1" noEditPoints="1" noAdjustHandles="1" noChangeArrowheads="1" noChangeShapeType="1" noTextEdit="1"/>
+                  </p:cNvSpPr>
+                  <p:nvPr/>
+                </p:nvSpPr>
+                <p:spPr>
+                  <a:xfrm>
+                    <a:off x="5569699" y="4246602"/>
+                    <a:ext cx="586956" cy="369332"/>
+                  </a:xfrm>
+                  <a:prstGeom prst="rect">
+                    <a:avLst/>
+                  </a:prstGeom>
+                  <a:blipFill>
+                    <a:blip r:embed="rId15"/>
+                    <a:stretch>
+                      <a:fillRect b="-13333"/>
+                    </a:stretch>
+                  </a:blipFill>
+                </p:spPr>
+                <p:txBody>
+                  <a:bodyPr/>
+                  <a:lstStyle/>
+                  <a:p>
+                    <a:r>
+                      <a:rPr lang="zh-CN" altLang="en-US">
+                        <a:noFill/>
+                      </a:rPr>
+                      <a:t> </a:t>
+                    </a:r>
+                  </a:p>
+                </p:txBody>
+              </p:sp>
+            </mc:Fallback>
+          </mc:AlternateContent>
+          <mc:AlternateContent xmlns:mc="http://schemas.openxmlformats.org/markup-compatibility/2006" xmlns:a14="http://schemas.microsoft.com/office/drawing/2010/main">
+            <mc:Choice Requires="a14">
+              <p:sp>
+                <p:nvSpPr>
+                  <p:cNvPr id="18" name="矩形 17">
+                    <a:extLst>
+                      <a:ext uri="{FF2B5EF4-FFF2-40B4-BE49-F238E27FC236}">
+                        <a16:creationId xmlns:a16="http://schemas.microsoft.com/office/drawing/2014/main" id="{AE8BAC61-C8DF-6448-8BAC-015FE2C00607}"/>
+                      </a:ext>
+                    </a:extLst>
+                  </p:cNvPr>
+                  <p:cNvSpPr/>
+                  <p:nvPr/>
+                </p:nvSpPr>
+                <p:spPr>
+                  <a:xfrm>
+                    <a:off x="6344626" y="4246602"/>
+                    <a:ext cx="476348" cy="369332"/>
+                  </a:xfrm>
+                  <a:prstGeom prst="rect">
+                    <a:avLst/>
+                  </a:prstGeom>
+                </p:spPr>
+                <p:txBody>
+                  <a:bodyPr wrap="none">
+                    <a:spAutoFit/>
+                  </a:bodyPr>
+                  <a:lstStyle/>
+                  <a:p>
+                    <a:pPr/>
+                    <a14:m>
+                      <m:oMathPara xmlns:m="http://schemas.openxmlformats.org/officeDocument/2006/math">
+                        <m:oMathParaPr>
+                          <m:jc m:val="centerGroup"/>
+                        </m:oMathParaPr>
+                        <m:oMath xmlns:m="http://schemas.openxmlformats.org/officeDocument/2006/math">
+                          <m:sSub>
+                            <m:sSubPr>
+                              <m:ctrlPr>
+                                <a:rPr kumimoji="1" lang="en-US" altLang="zh-CN" b="1" i="1">
+                                  <a:latin typeface="Cambria Math" panose="02040503050406030204" pitchFamily="18" charset="0"/>
+                                </a:rPr>
+                              </m:ctrlPr>
+                            </m:sSubPr>
+                            <m:e>
+                              <m:r>
+                                <a:rPr kumimoji="1" lang="en-US" altLang="zh-CN" b="1" i="1" smtClean="0">
+                                  <a:latin typeface="Cambria Math" panose="02040503050406030204" pitchFamily="18" charset="0"/>
+                                </a:rPr>
+                                <m:t>𝒄</m:t>
+                              </m:r>
+                            </m:e>
+                            <m:sub>
+                              <m:r>
+                                <a:rPr kumimoji="1" lang="en-US" altLang="zh-CN" b="1" i="1" smtClean="0">
+                                  <a:latin typeface="Cambria Math" panose="02040503050406030204" pitchFamily="18" charset="0"/>
+                                </a:rPr>
+                                <m:t>𝟖</m:t>
+                              </m:r>
+                            </m:sub>
+                          </m:sSub>
+                        </m:oMath>
+                      </m:oMathPara>
+                    </a14:m>
+                    <a:endParaRPr lang="zh-CN" altLang="en-US" b="1" dirty="0"/>
+                  </a:p>
+                </p:txBody>
+              </p:sp>
+            </mc:Choice>
+            <mc:Fallback xmlns="">
+              <p:sp>
+                <p:nvSpPr>
+                  <p:cNvPr id="18" name="矩形 17">
+                    <a:extLst>
+                      <a:ext uri="{FF2B5EF4-FFF2-40B4-BE49-F238E27FC236}">
+                        <a16:creationId xmlns:a16="http://schemas.microsoft.com/office/drawing/2014/main" id="{AE8BAC61-C8DF-6448-8BAC-015FE2C00607}"/>
+                      </a:ext>
+                    </a:extLst>
+                  </p:cNvPr>
+                  <p:cNvSpPr>
+                    <a:spLocks noRot="1" noChangeAspect="1" noMove="1" noResize="1" noEditPoints="1" noAdjustHandles="1" noChangeArrowheads="1" noChangeShapeType="1" noTextEdit="1"/>
+                  </p:cNvSpPr>
+                  <p:nvPr/>
+                </p:nvSpPr>
+                <p:spPr>
+                  <a:xfrm>
+                    <a:off x="6344626" y="4246602"/>
+                    <a:ext cx="476348" cy="369332"/>
+                  </a:xfrm>
+                  <a:prstGeom prst="rect">
+                    <a:avLst/>
+                  </a:prstGeom>
+                  <a:blipFill>
+                    <a:blip r:embed="rId16"/>
+                    <a:stretch>
+                      <a:fillRect/>
+                    </a:stretch>
+                  </a:blipFill>
+                </p:spPr>
+                <p:txBody>
+                  <a:bodyPr/>
+                  <a:lstStyle/>
+                  <a:p>
+                    <a:r>
+                      <a:rPr lang="zh-CN" altLang="en-US">
+                        <a:noFill/>
+                      </a:rPr>
+                      <a:t> </a:t>
+                    </a:r>
+                  </a:p>
+                </p:txBody>
+              </p:sp>
+            </mc:Fallback>
+          </mc:AlternateContent>
+          <p:cxnSp>
+            <p:nvCxnSpPr>
+              <p:cNvPr id="20" name="直线箭头连接符 19">
+                <a:extLst>
+                  <a:ext uri="{FF2B5EF4-FFF2-40B4-BE49-F238E27FC236}">
+                    <a16:creationId xmlns:a16="http://schemas.microsoft.com/office/drawing/2014/main" id="{7AB37023-CF18-344A-8030-E99FB4704612}"/>
+                  </a:ext>
+                </a:extLst>
+              </p:cNvPr>
+              <p:cNvCxnSpPr>
+                <a:stCxn id="4" idx="2"/>
+                <a:endCxn id="5" idx="0"/>
+              </p:cNvCxnSpPr>
+              <p:nvPr/>
+            </p:nvCxnSpPr>
+            <p:spPr>
+              <a:xfrm flipH="1">
+                <a:off x="2699422" y="2348603"/>
+                <a:ext cx="1311206" cy="386445"/>
+              </a:xfrm>
+              <a:prstGeom prst="straightConnector1">
+                <a:avLst/>
+              </a:prstGeom>
+              <a:ln w="19050">
+                <a:solidFill>
+                  <a:schemeClr val="tx1"/>
+                </a:solidFill>
+                <a:tailEnd type="triangle"/>
+              </a:ln>
+            </p:spPr>
+            <p:style>
+              <a:lnRef idx="1">
+                <a:schemeClr val="accent1"/>
+              </a:lnRef>
+              <a:fillRef idx="0">
+                <a:schemeClr val="accent1"/>
+              </a:fillRef>
+              <a:effectRef idx="0">
+                <a:schemeClr val="accent1"/>
+              </a:effectRef>
+              <a:fontRef idx="minor">
+                <a:schemeClr val="tx1"/>
+              </a:fontRef>
+            </p:style>
+          </p:cxnSp>
+          <p:cxnSp>
+            <p:nvCxnSpPr>
+              <p:cNvPr id="22" name="直线箭头连接符 21">
+                <a:extLst>
+                  <a:ext uri="{FF2B5EF4-FFF2-40B4-BE49-F238E27FC236}">
+                    <a16:creationId xmlns:a16="http://schemas.microsoft.com/office/drawing/2014/main" id="{84F99461-98A2-9045-8FA7-FA2D8CCE2A52}"/>
+                  </a:ext>
+                </a:extLst>
+              </p:cNvPr>
+              <p:cNvCxnSpPr>
+                <a:stCxn id="4" idx="2"/>
+                <a:endCxn id="6" idx="0"/>
+              </p:cNvCxnSpPr>
+              <p:nvPr/>
+            </p:nvCxnSpPr>
+            <p:spPr>
+              <a:xfrm>
+                <a:off x="4010628" y="2348603"/>
+                <a:ext cx="1386536" cy="386445"/>
+              </a:xfrm>
+              <a:prstGeom prst="straightConnector1">
+                <a:avLst/>
+              </a:prstGeom>
+              <a:ln w="19050">
+                <a:solidFill>
+                  <a:schemeClr val="tx1"/>
+                </a:solidFill>
+                <a:tailEnd type="triangle"/>
+              </a:ln>
+            </p:spPr>
+            <p:style>
+              <a:lnRef idx="1">
+                <a:schemeClr val="accent1"/>
+              </a:lnRef>
+              <a:fillRef idx="0">
+                <a:schemeClr val="accent1"/>
+              </a:fillRef>
+              <a:effectRef idx="0">
+                <a:schemeClr val="accent1"/>
+              </a:effectRef>
+              <a:fontRef idx="minor">
+                <a:schemeClr val="tx1"/>
+              </a:fontRef>
+            </p:style>
+          </p:cxnSp>
+          <p:cxnSp>
+            <p:nvCxnSpPr>
+              <p:cNvPr id="24" name="直线箭头连接符 23">
+                <a:extLst>
+                  <a:ext uri="{FF2B5EF4-FFF2-40B4-BE49-F238E27FC236}">
+                    <a16:creationId xmlns:a16="http://schemas.microsoft.com/office/drawing/2014/main" id="{B2A6011C-1E9E-9C45-9628-739DDA3ECB5F}"/>
+                  </a:ext>
+                </a:extLst>
+              </p:cNvPr>
+              <p:cNvCxnSpPr>
+                <a:stCxn id="5" idx="2"/>
+                <a:endCxn id="7" idx="0"/>
+              </p:cNvCxnSpPr>
+              <p:nvPr/>
+            </p:nvCxnSpPr>
+            <p:spPr>
+              <a:xfrm flipH="1">
+                <a:off x="1955885" y="3104380"/>
+                <a:ext cx="743537" cy="386445"/>
+              </a:xfrm>
+              <a:prstGeom prst="straightConnector1">
+                <a:avLst/>
+              </a:prstGeom>
+              <a:ln w="19050">
+                <a:solidFill>
+                  <a:schemeClr val="tx1"/>
+                </a:solidFill>
+                <a:tailEnd type="triangle"/>
+              </a:ln>
+            </p:spPr>
+            <p:style>
+              <a:lnRef idx="1">
+                <a:schemeClr val="accent1"/>
+              </a:lnRef>
+              <a:fillRef idx="0">
+                <a:schemeClr val="accent1"/>
+              </a:fillRef>
+              <a:effectRef idx="0">
+                <a:schemeClr val="accent1"/>
+              </a:effectRef>
+              <a:fontRef idx="minor">
+                <a:schemeClr val="tx1"/>
+              </a:fontRef>
+            </p:style>
+          </p:cxnSp>
+          <p:cxnSp>
+            <p:nvCxnSpPr>
+              <p:cNvPr id="26" name="直线箭头连接符 25">
+                <a:extLst>
+                  <a:ext uri="{FF2B5EF4-FFF2-40B4-BE49-F238E27FC236}">
+                    <a16:creationId xmlns:a16="http://schemas.microsoft.com/office/drawing/2014/main" id="{041882F5-4E1D-5148-ACD1-8DE489D5B4B4}"/>
+                  </a:ext>
+                </a:extLst>
+              </p:cNvPr>
+              <p:cNvCxnSpPr>
+                <a:cxnSpLocks/>
+                <a:stCxn id="5" idx="2"/>
+                <a:endCxn id="8" idx="0"/>
+              </p:cNvCxnSpPr>
+              <p:nvPr/>
+            </p:nvCxnSpPr>
+            <p:spPr>
+              <a:xfrm>
+                <a:off x="2699422" y="3104380"/>
+                <a:ext cx="619375" cy="393290"/>
+              </a:xfrm>
+              <a:prstGeom prst="straightConnector1">
+                <a:avLst/>
+              </a:prstGeom>
+              <a:ln w="19050">
+                <a:solidFill>
+                  <a:schemeClr val="tx1"/>
+                </a:solidFill>
+                <a:tailEnd type="triangle"/>
+              </a:ln>
+            </p:spPr>
+            <p:style>
+              <a:lnRef idx="1">
+                <a:schemeClr val="accent1"/>
+              </a:lnRef>
+              <a:fillRef idx="0">
+                <a:schemeClr val="accent1"/>
+              </a:fillRef>
+              <a:effectRef idx="0">
+                <a:schemeClr val="accent1"/>
+              </a:effectRef>
+              <a:fontRef idx="minor">
+                <a:schemeClr val="tx1"/>
+              </a:fontRef>
+            </p:style>
+          </p:cxnSp>
+          <p:cxnSp>
+            <p:nvCxnSpPr>
+              <p:cNvPr id="28" name="直线箭头连接符 27">
+                <a:extLst>
+                  <a:ext uri="{FF2B5EF4-FFF2-40B4-BE49-F238E27FC236}">
+                    <a16:creationId xmlns:a16="http://schemas.microsoft.com/office/drawing/2014/main" id="{9A14FA05-BAFB-6F40-9052-68844A1F0C72}"/>
+                  </a:ext>
+                </a:extLst>
+              </p:cNvPr>
+              <p:cNvCxnSpPr>
+                <a:stCxn id="6" idx="2"/>
+                <a:endCxn id="9" idx="0"/>
+              </p:cNvCxnSpPr>
+              <p:nvPr/>
+            </p:nvCxnSpPr>
+            <p:spPr>
+              <a:xfrm flipH="1">
+                <a:off x="4672606" y="3104380"/>
+                <a:ext cx="724558" cy="386445"/>
+              </a:xfrm>
+              <a:prstGeom prst="straightConnector1">
+                <a:avLst/>
+              </a:prstGeom>
+              <a:ln w="19050">
+                <a:solidFill>
+                  <a:schemeClr val="tx1"/>
+                </a:solidFill>
+                <a:tailEnd type="triangle"/>
+              </a:ln>
+            </p:spPr>
+            <p:style>
+              <a:lnRef idx="1">
+                <a:schemeClr val="accent1"/>
+              </a:lnRef>
+              <a:fillRef idx="0">
+                <a:schemeClr val="accent1"/>
+              </a:fillRef>
+              <a:effectRef idx="0">
+                <a:schemeClr val="accent1"/>
+              </a:effectRef>
+              <a:fontRef idx="minor">
+                <a:schemeClr val="tx1"/>
+              </a:fontRef>
+            </p:style>
+          </p:cxnSp>
+          <p:cxnSp>
+            <p:nvCxnSpPr>
+              <p:cNvPr id="30" name="直线箭头连接符 29">
+                <a:extLst>
+                  <a:ext uri="{FF2B5EF4-FFF2-40B4-BE49-F238E27FC236}">
+                    <a16:creationId xmlns:a16="http://schemas.microsoft.com/office/drawing/2014/main" id="{A5973F1A-2FDE-754D-986C-0112DAE2998E}"/>
+                  </a:ext>
+                </a:extLst>
+              </p:cNvPr>
+              <p:cNvCxnSpPr>
+                <a:cxnSpLocks/>
+                <a:stCxn id="6" idx="2"/>
+                <a:endCxn id="10" idx="0"/>
+              </p:cNvCxnSpPr>
+              <p:nvPr/>
+            </p:nvCxnSpPr>
+            <p:spPr>
+              <a:xfrm>
+                <a:off x="5397164" y="3104380"/>
+                <a:ext cx="809283" cy="386445"/>
+              </a:xfrm>
+              <a:prstGeom prst="straightConnector1">
+                <a:avLst/>
+              </a:prstGeom>
+              <a:ln w="19050">
+                <a:solidFill>
+                  <a:schemeClr val="tx1"/>
+                </a:solidFill>
+                <a:tailEnd type="triangle"/>
+              </a:ln>
+            </p:spPr>
+            <p:style>
+              <a:lnRef idx="1">
+                <a:schemeClr val="accent1"/>
+              </a:lnRef>
+              <a:fillRef idx="0">
+                <a:schemeClr val="accent1"/>
+              </a:fillRef>
+              <a:effectRef idx="0">
+                <a:schemeClr val="accent1"/>
+              </a:effectRef>
+              <a:fontRef idx="minor">
+                <a:schemeClr val="tx1"/>
+              </a:fontRef>
+            </p:style>
+          </p:cxnSp>
+          <p:cxnSp>
+            <p:nvCxnSpPr>
+              <p:cNvPr id="34" name="直线箭头连接符 33">
+                <a:extLst>
+                  <a:ext uri="{FF2B5EF4-FFF2-40B4-BE49-F238E27FC236}">
+                    <a16:creationId xmlns:a16="http://schemas.microsoft.com/office/drawing/2014/main" id="{ED5A598E-C1B1-E147-9C44-A3A7D9504946}"/>
+                  </a:ext>
+                </a:extLst>
+              </p:cNvPr>
+              <p:cNvCxnSpPr>
+                <a:stCxn id="7" idx="2"/>
+                <a:endCxn id="11" idx="0"/>
+              </p:cNvCxnSpPr>
+              <p:nvPr/>
+            </p:nvCxnSpPr>
+            <p:spPr>
+              <a:xfrm flipH="1">
+                <a:off x="1547696" y="3860157"/>
+                <a:ext cx="408189" cy="386445"/>
+              </a:xfrm>
+              <a:prstGeom prst="straightConnector1">
+                <a:avLst/>
+              </a:prstGeom>
+              <a:ln w="19050">
+                <a:solidFill>
+                  <a:schemeClr val="tx1"/>
+                </a:solidFill>
+                <a:tailEnd type="triangle"/>
+              </a:ln>
+            </p:spPr>
+            <p:style>
+              <a:lnRef idx="1">
+                <a:schemeClr val="accent1"/>
+              </a:lnRef>
+              <a:fillRef idx="0">
+                <a:schemeClr val="accent1"/>
+              </a:fillRef>
+              <a:effectRef idx="0">
+                <a:schemeClr val="accent1"/>
+              </a:effectRef>
+              <a:fontRef idx="minor">
+                <a:schemeClr val="tx1"/>
+              </a:fontRef>
+            </p:style>
+          </p:cxnSp>
+          <p:cxnSp>
+            <p:nvCxnSpPr>
+              <p:cNvPr id="36" name="直线箭头连接符 35">
+                <a:extLst>
+                  <a:ext uri="{FF2B5EF4-FFF2-40B4-BE49-F238E27FC236}">
+                    <a16:creationId xmlns:a16="http://schemas.microsoft.com/office/drawing/2014/main" id="{924A471E-F177-C442-A369-0B197E7BF093}"/>
+                  </a:ext>
+                </a:extLst>
+              </p:cNvPr>
+              <p:cNvCxnSpPr>
+                <a:stCxn id="7" idx="2"/>
+                <a:endCxn id="12" idx="0"/>
+              </p:cNvCxnSpPr>
+              <p:nvPr/>
+            </p:nvCxnSpPr>
+            <p:spPr>
+              <a:xfrm>
+                <a:off x="1955885" y="3860157"/>
+                <a:ext cx="378494" cy="386445"/>
+              </a:xfrm>
+              <a:prstGeom prst="straightConnector1">
+                <a:avLst/>
+              </a:prstGeom>
+              <a:ln w="19050">
+                <a:solidFill>
+                  <a:schemeClr val="tx1"/>
+                </a:solidFill>
+                <a:tailEnd type="triangle"/>
+              </a:ln>
+            </p:spPr>
+            <p:style>
+              <a:lnRef idx="1">
+                <a:schemeClr val="accent1"/>
+              </a:lnRef>
+              <a:fillRef idx="0">
+                <a:schemeClr val="accent1"/>
+              </a:fillRef>
+              <a:effectRef idx="0">
+                <a:schemeClr val="accent1"/>
+              </a:effectRef>
+              <a:fontRef idx="minor">
+                <a:schemeClr val="tx1"/>
+              </a:fontRef>
+            </p:style>
+          </p:cxnSp>
+          <p:cxnSp>
+            <p:nvCxnSpPr>
+              <p:cNvPr id="38" name="直线箭头连接符 37">
+                <a:extLst>
+                  <a:ext uri="{FF2B5EF4-FFF2-40B4-BE49-F238E27FC236}">
+                    <a16:creationId xmlns:a16="http://schemas.microsoft.com/office/drawing/2014/main" id="{0C974DFF-BDBF-EF4C-9AF9-1272F5FB7A93}"/>
+                  </a:ext>
+                </a:extLst>
+              </p:cNvPr>
+              <p:cNvCxnSpPr>
+                <a:stCxn id="8" idx="2"/>
+                <a:endCxn id="13" idx="0"/>
+              </p:cNvCxnSpPr>
+              <p:nvPr/>
+            </p:nvCxnSpPr>
+            <p:spPr>
+              <a:xfrm flipH="1">
+                <a:off x="2922374" y="3867002"/>
+                <a:ext cx="396423" cy="379600"/>
+              </a:xfrm>
+              <a:prstGeom prst="straightConnector1">
+                <a:avLst/>
+              </a:prstGeom>
+              <a:ln w="19050">
+                <a:solidFill>
+                  <a:schemeClr val="tx1"/>
+                </a:solidFill>
+                <a:tailEnd type="triangle"/>
+              </a:ln>
+            </p:spPr>
+            <p:style>
+              <a:lnRef idx="1">
+                <a:schemeClr val="accent1"/>
+              </a:lnRef>
+              <a:fillRef idx="0">
+                <a:schemeClr val="accent1"/>
+              </a:fillRef>
+              <a:effectRef idx="0">
+                <a:schemeClr val="accent1"/>
+              </a:effectRef>
+              <a:fontRef idx="minor">
+                <a:schemeClr val="tx1"/>
+              </a:fontRef>
+            </p:style>
+          </p:cxnSp>
+          <p:cxnSp>
+            <p:nvCxnSpPr>
+              <p:cNvPr id="40" name="直线箭头连接符 39">
+                <a:extLst>
+                  <a:ext uri="{FF2B5EF4-FFF2-40B4-BE49-F238E27FC236}">
+                    <a16:creationId xmlns:a16="http://schemas.microsoft.com/office/drawing/2014/main" id="{538CA175-F55C-A64E-BC6F-8FA7C6C5FAD2}"/>
+                  </a:ext>
+                </a:extLst>
+              </p:cNvPr>
+              <p:cNvCxnSpPr>
+                <a:stCxn id="8" idx="2"/>
+                <a:endCxn id="14" idx="0"/>
+              </p:cNvCxnSpPr>
+              <p:nvPr/>
+            </p:nvCxnSpPr>
+            <p:spPr>
+              <a:xfrm>
+                <a:off x="3318797" y="3867002"/>
+                <a:ext cx="376353" cy="379600"/>
+              </a:xfrm>
+              <a:prstGeom prst="straightConnector1">
+                <a:avLst/>
+              </a:prstGeom>
+              <a:ln w="19050">
+                <a:solidFill>
+                  <a:schemeClr val="tx1"/>
+                </a:solidFill>
+                <a:tailEnd type="triangle"/>
+              </a:ln>
+            </p:spPr>
+            <p:style>
+              <a:lnRef idx="1">
+                <a:schemeClr val="accent1"/>
+              </a:lnRef>
+              <a:fillRef idx="0">
+                <a:schemeClr val="accent1"/>
+              </a:fillRef>
+              <a:effectRef idx="0">
+                <a:schemeClr val="accent1"/>
+              </a:effectRef>
+              <a:fontRef idx="minor">
+                <a:schemeClr val="tx1"/>
+              </a:fontRef>
+            </p:style>
+          </p:cxnSp>
+          <p:cxnSp>
+            <p:nvCxnSpPr>
+              <p:cNvPr id="42" name="直线箭头连接符 41">
+                <a:extLst>
+                  <a:ext uri="{FF2B5EF4-FFF2-40B4-BE49-F238E27FC236}">
+                    <a16:creationId xmlns:a16="http://schemas.microsoft.com/office/drawing/2014/main" id="{B44F9226-E0C2-D747-8873-DB22B8E55A8D}"/>
+                  </a:ext>
+                </a:extLst>
+              </p:cNvPr>
+              <p:cNvCxnSpPr>
+                <a:stCxn id="9" idx="2"/>
+                <a:endCxn id="15" idx="0"/>
+              </p:cNvCxnSpPr>
+              <p:nvPr/>
+            </p:nvCxnSpPr>
+            <p:spPr>
+              <a:xfrm flipH="1">
+                <a:off x="4276183" y="3860157"/>
+                <a:ext cx="396423" cy="386445"/>
+              </a:xfrm>
+              <a:prstGeom prst="straightConnector1">
+                <a:avLst/>
+              </a:prstGeom>
+              <a:ln w="19050">
+                <a:solidFill>
+                  <a:schemeClr val="tx1"/>
+                </a:solidFill>
+                <a:tailEnd type="triangle"/>
+              </a:ln>
+            </p:spPr>
+            <p:style>
+              <a:lnRef idx="1">
+                <a:schemeClr val="accent1"/>
+              </a:lnRef>
+              <a:fillRef idx="0">
+                <a:schemeClr val="accent1"/>
+              </a:fillRef>
+              <a:effectRef idx="0">
+                <a:schemeClr val="accent1"/>
+              </a:effectRef>
+              <a:fontRef idx="minor">
+                <a:schemeClr val="tx1"/>
+              </a:fontRef>
+            </p:style>
+          </p:cxnSp>
+          <p:cxnSp>
+            <p:nvCxnSpPr>
+              <p:cNvPr id="44" name="直线箭头连接符 43">
+                <a:extLst>
+                  <a:ext uri="{FF2B5EF4-FFF2-40B4-BE49-F238E27FC236}">
+                    <a16:creationId xmlns:a16="http://schemas.microsoft.com/office/drawing/2014/main" id="{4FF5DACC-47F1-B746-9640-C83DB4991CF6}"/>
+                  </a:ext>
+                </a:extLst>
+              </p:cNvPr>
+              <p:cNvCxnSpPr>
+                <a:cxnSpLocks/>
+                <a:endCxn id="16" idx="0"/>
+              </p:cNvCxnSpPr>
+              <p:nvPr/>
+            </p:nvCxnSpPr>
+            <p:spPr>
+              <a:xfrm>
+                <a:off x="4667952" y="3860157"/>
+                <a:ext cx="401152" cy="386445"/>
+              </a:xfrm>
+              <a:prstGeom prst="straightConnector1">
+                <a:avLst/>
+              </a:prstGeom>
+              <a:ln w="19050">
+                <a:solidFill>
+                  <a:schemeClr val="tx1"/>
+                </a:solidFill>
+                <a:tailEnd type="triangle"/>
+              </a:ln>
+            </p:spPr>
+            <p:style>
+              <a:lnRef idx="1">
+                <a:schemeClr val="accent1"/>
+              </a:lnRef>
+              <a:fillRef idx="0">
+                <a:schemeClr val="accent1"/>
+              </a:fillRef>
+              <a:effectRef idx="0">
+                <a:schemeClr val="accent1"/>
+              </a:effectRef>
+              <a:fontRef idx="minor">
+                <a:schemeClr val="tx1"/>
+              </a:fontRef>
+            </p:style>
+          </p:cxnSp>
+          <p:cxnSp>
+            <p:nvCxnSpPr>
+              <p:cNvPr id="46" name="直线箭头连接符 45">
+                <a:extLst>
+                  <a:ext uri="{FF2B5EF4-FFF2-40B4-BE49-F238E27FC236}">
+                    <a16:creationId xmlns:a16="http://schemas.microsoft.com/office/drawing/2014/main" id="{7F14F8E8-68E8-4147-9914-BE9DE6C83712}"/>
+                  </a:ext>
+                </a:extLst>
+              </p:cNvPr>
+              <p:cNvCxnSpPr>
+                <a:stCxn id="10" idx="2"/>
+                <a:endCxn id="17" idx="0"/>
+              </p:cNvCxnSpPr>
+              <p:nvPr/>
+            </p:nvCxnSpPr>
+            <p:spPr>
+              <a:xfrm flipH="1">
+                <a:off x="5863177" y="3860157"/>
+                <a:ext cx="343270" cy="386445"/>
+              </a:xfrm>
+              <a:prstGeom prst="straightConnector1">
+                <a:avLst/>
+              </a:prstGeom>
+              <a:ln w="19050">
+                <a:solidFill>
+                  <a:schemeClr val="tx1"/>
+                </a:solidFill>
+                <a:tailEnd type="triangle"/>
+              </a:ln>
+            </p:spPr>
+            <p:style>
+              <a:lnRef idx="1">
+                <a:schemeClr val="accent1"/>
+              </a:lnRef>
+              <a:fillRef idx="0">
+                <a:schemeClr val="accent1"/>
+              </a:fillRef>
+              <a:effectRef idx="0">
+                <a:schemeClr val="accent1"/>
+              </a:effectRef>
+              <a:fontRef idx="minor">
+                <a:schemeClr val="tx1"/>
+              </a:fontRef>
+            </p:style>
+          </p:cxnSp>
+          <p:cxnSp>
+            <p:nvCxnSpPr>
+              <p:cNvPr id="48" name="直线箭头连接符 47">
+                <a:extLst>
+                  <a:ext uri="{FF2B5EF4-FFF2-40B4-BE49-F238E27FC236}">
+                    <a16:creationId xmlns:a16="http://schemas.microsoft.com/office/drawing/2014/main" id="{431DA464-BDF9-0142-BDE4-D0B338B8F58A}"/>
+                  </a:ext>
+                </a:extLst>
+              </p:cNvPr>
+              <p:cNvCxnSpPr>
+                <a:stCxn id="10" idx="2"/>
+                <a:endCxn id="18" idx="0"/>
+              </p:cNvCxnSpPr>
+              <p:nvPr/>
+            </p:nvCxnSpPr>
+            <p:spPr>
+              <a:xfrm>
+                <a:off x="6206447" y="3860157"/>
+                <a:ext cx="376353" cy="386445"/>
+              </a:xfrm>
+              <a:prstGeom prst="straightConnector1">
+                <a:avLst/>
+              </a:prstGeom>
+              <a:ln w="19050">
+                <a:solidFill>
+                  <a:schemeClr val="tx1"/>
+                </a:solidFill>
+                <a:tailEnd type="triangle"/>
+              </a:ln>
+            </p:spPr>
+            <p:style>
+              <a:lnRef idx="1">
+                <a:schemeClr val="accent1"/>
+              </a:lnRef>
+              <a:fillRef idx="0">
+                <a:schemeClr val="accent1"/>
+              </a:fillRef>
+              <a:effectRef idx="0">
+                <a:schemeClr val="accent1"/>
+              </a:effectRef>
+              <a:fontRef idx="minor">
+                <a:schemeClr val="tx1"/>
+              </a:fontRef>
+            </p:style>
+          </p:cxnSp>
+          <p:sp>
+            <p:nvSpPr>
+              <p:cNvPr id="51" name="文本框 50">
+                <a:extLst>
+                  <a:ext uri="{FF2B5EF4-FFF2-40B4-BE49-F238E27FC236}">
+                    <a16:creationId xmlns:a16="http://schemas.microsoft.com/office/drawing/2014/main" id="{269E0DEA-AEA5-BC4E-9EDD-0F724D896E85}"/>
+                  </a:ext>
+                </a:extLst>
+              </p:cNvPr>
+              <p:cNvSpPr txBox="1"/>
+              <p:nvPr/>
+            </p:nvSpPr>
+            <p:spPr>
+              <a:xfrm>
+                <a:off x="1344275" y="4633047"/>
+                <a:ext cx="414601" cy="369332"/>
+              </a:xfrm>
+              <a:prstGeom prst="rect">
+                <a:avLst/>
+              </a:prstGeom>
+              <a:noFill/>
+            </p:spPr>
+            <p:txBody>
+              <a:bodyPr wrap="square" rtlCol="0">
+                <a:spAutoFit/>
+              </a:bodyPr>
+              <a:lstStyle/>
+              <a:p>
+                <a:r>
+                  <a:rPr kumimoji="1" lang="en-US" altLang="zh-CN" b="1" dirty="0"/>
+                  <a:t>3</a:t>
+                </a:r>
+                <a:endParaRPr kumimoji="1" lang="zh-CN" altLang="en-US" b="1" dirty="0"/>
+              </a:p>
+            </p:txBody>
+          </p:sp>
+          <p:sp>
+            <p:nvSpPr>
+              <p:cNvPr id="52" name="文本框 51">
+                <a:extLst>
+                  <a:ext uri="{FF2B5EF4-FFF2-40B4-BE49-F238E27FC236}">
+                    <a16:creationId xmlns:a16="http://schemas.microsoft.com/office/drawing/2014/main" id="{51A18376-0C6E-B646-8C84-FEB402CE16E9}"/>
+                  </a:ext>
+                </a:extLst>
+              </p:cNvPr>
+              <p:cNvSpPr txBox="1"/>
+              <p:nvPr/>
+            </p:nvSpPr>
+            <p:spPr>
+              <a:xfrm>
+                <a:off x="2175009" y="4633047"/>
+                <a:ext cx="414601" cy="369332"/>
+              </a:xfrm>
+              <a:prstGeom prst="rect">
+                <a:avLst/>
+              </a:prstGeom>
+              <a:noFill/>
+            </p:spPr>
+            <p:txBody>
+              <a:bodyPr wrap="square" rtlCol="0">
+                <a:spAutoFit/>
+              </a:bodyPr>
+              <a:lstStyle/>
+              <a:p>
+                <a:r>
+                  <a:rPr kumimoji="1" lang="en-US" altLang="zh-CN" b="1" dirty="0"/>
+                  <a:t>3</a:t>
+                </a:r>
+                <a:endParaRPr kumimoji="1" lang="zh-CN" altLang="en-US" b="1" dirty="0"/>
+              </a:p>
+            </p:txBody>
+          </p:sp>
+          <p:sp>
+            <p:nvSpPr>
+              <p:cNvPr id="53" name="文本框 52">
+                <a:extLst>
+                  <a:ext uri="{FF2B5EF4-FFF2-40B4-BE49-F238E27FC236}">
+                    <a16:creationId xmlns:a16="http://schemas.microsoft.com/office/drawing/2014/main" id="{F49DED76-99C7-2E44-B19D-42A53CCC5CE8}"/>
+                  </a:ext>
+                </a:extLst>
+              </p:cNvPr>
+              <p:cNvSpPr txBox="1"/>
+              <p:nvPr/>
+            </p:nvSpPr>
+            <p:spPr>
+              <a:xfrm>
+                <a:off x="2681764" y="4633047"/>
+                <a:ext cx="414601" cy="369332"/>
+              </a:xfrm>
+              <a:prstGeom prst="rect">
+                <a:avLst/>
+              </a:prstGeom>
+              <a:noFill/>
+            </p:spPr>
+            <p:txBody>
+              <a:bodyPr wrap="square" rtlCol="0">
+                <a:spAutoFit/>
+              </a:bodyPr>
+              <a:lstStyle/>
+              <a:p>
+                <a:r>
+                  <a:rPr kumimoji="1" lang="en-US" altLang="zh-CN" b="1" dirty="0"/>
+                  <a:t>3</a:t>
+                </a:r>
+                <a:endParaRPr kumimoji="1" lang="zh-CN" altLang="en-US" b="1" dirty="0"/>
+              </a:p>
+            </p:txBody>
+          </p:sp>
+          <p:sp>
+            <p:nvSpPr>
+              <p:cNvPr id="54" name="文本框 53">
+                <a:extLst>
+                  <a:ext uri="{FF2B5EF4-FFF2-40B4-BE49-F238E27FC236}">
+                    <a16:creationId xmlns:a16="http://schemas.microsoft.com/office/drawing/2014/main" id="{93A0C40A-2337-494A-A9A0-2565D9913EED}"/>
+                  </a:ext>
+                </a:extLst>
+              </p:cNvPr>
+              <p:cNvSpPr txBox="1"/>
+              <p:nvPr/>
+            </p:nvSpPr>
+            <p:spPr>
+              <a:xfrm>
+                <a:off x="3477013" y="4633047"/>
+                <a:ext cx="414601" cy="369332"/>
+              </a:xfrm>
+              <a:prstGeom prst="rect">
+                <a:avLst/>
+              </a:prstGeom>
+              <a:noFill/>
+            </p:spPr>
+            <p:txBody>
+              <a:bodyPr wrap="square" rtlCol="0">
+                <a:spAutoFit/>
+              </a:bodyPr>
+              <a:lstStyle/>
+              <a:p>
+                <a:r>
+                  <a:rPr kumimoji="1" lang="en-US" altLang="zh-CN" b="1" dirty="0"/>
+                  <a:t>3</a:t>
+                </a:r>
+                <a:endParaRPr kumimoji="1" lang="zh-CN" altLang="en-US" b="1" dirty="0"/>
+              </a:p>
+            </p:txBody>
+          </p:sp>
+          <p:sp>
+            <p:nvSpPr>
+              <p:cNvPr id="55" name="文本框 54">
+                <a:extLst>
+                  <a:ext uri="{FF2B5EF4-FFF2-40B4-BE49-F238E27FC236}">
+                    <a16:creationId xmlns:a16="http://schemas.microsoft.com/office/drawing/2014/main" id="{EE48946F-2B85-F54E-8096-674C46F88913}"/>
+                  </a:ext>
+                </a:extLst>
+              </p:cNvPr>
+              <p:cNvSpPr txBox="1"/>
+              <p:nvPr/>
+            </p:nvSpPr>
+            <p:spPr>
+              <a:xfrm>
+                <a:off x="4043940" y="4633047"/>
+                <a:ext cx="414601" cy="369332"/>
+              </a:xfrm>
+              <a:prstGeom prst="rect">
+                <a:avLst/>
+              </a:prstGeom>
+              <a:noFill/>
+            </p:spPr>
+            <p:txBody>
+              <a:bodyPr wrap="square" rtlCol="0">
+                <a:spAutoFit/>
+              </a:bodyPr>
+              <a:lstStyle/>
+              <a:p>
+                <a:r>
+                  <a:rPr kumimoji="1" lang="en-US" altLang="zh-CN" b="1" dirty="0"/>
+                  <a:t>3</a:t>
+                </a:r>
+                <a:endParaRPr kumimoji="1" lang="zh-CN" altLang="en-US" b="1" dirty="0"/>
+              </a:p>
+            </p:txBody>
+          </p:sp>
+          <p:sp>
+            <p:nvSpPr>
+              <p:cNvPr id="56" name="文本框 55">
+                <a:extLst>
+                  <a:ext uri="{FF2B5EF4-FFF2-40B4-BE49-F238E27FC236}">
+                    <a16:creationId xmlns:a16="http://schemas.microsoft.com/office/drawing/2014/main" id="{8D3AFFA3-6311-9E4E-ACF4-755A736615DB}"/>
+                  </a:ext>
+                </a:extLst>
+              </p:cNvPr>
+              <p:cNvSpPr txBox="1"/>
+              <p:nvPr/>
+            </p:nvSpPr>
+            <p:spPr>
+              <a:xfrm>
+                <a:off x="4893292" y="4633047"/>
+                <a:ext cx="414601" cy="369332"/>
+              </a:xfrm>
+              <a:prstGeom prst="rect">
+                <a:avLst/>
+              </a:prstGeom>
+              <a:noFill/>
+            </p:spPr>
+            <p:txBody>
+              <a:bodyPr wrap="square" rtlCol="0">
+                <a:spAutoFit/>
+              </a:bodyPr>
+              <a:lstStyle/>
+              <a:p>
+                <a:r>
+                  <a:rPr kumimoji="1" lang="en-US" altLang="zh-CN" b="1" dirty="0"/>
+                  <a:t>3</a:t>
+                </a:r>
+                <a:endParaRPr kumimoji="1" lang="zh-CN" altLang="en-US" b="1" dirty="0"/>
+              </a:p>
+            </p:txBody>
+          </p:sp>
+          <p:sp>
+            <p:nvSpPr>
+              <p:cNvPr id="57" name="文本框 56">
+                <a:extLst>
+                  <a:ext uri="{FF2B5EF4-FFF2-40B4-BE49-F238E27FC236}">
+                    <a16:creationId xmlns:a16="http://schemas.microsoft.com/office/drawing/2014/main" id="{4F1F0650-19C5-C64E-A14B-B43D36B1D751}"/>
+                  </a:ext>
+                </a:extLst>
+              </p:cNvPr>
+              <p:cNvSpPr txBox="1"/>
+              <p:nvPr/>
+            </p:nvSpPr>
+            <p:spPr>
+              <a:xfrm>
+                <a:off x="5620103" y="4633047"/>
+                <a:ext cx="414601" cy="369332"/>
+              </a:xfrm>
+              <a:prstGeom prst="rect">
+                <a:avLst/>
+              </a:prstGeom>
+              <a:noFill/>
+            </p:spPr>
+            <p:txBody>
+              <a:bodyPr wrap="square" rtlCol="0">
+                <a:spAutoFit/>
+              </a:bodyPr>
+              <a:lstStyle/>
+              <a:p>
+                <a:r>
+                  <a:rPr kumimoji="1" lang="en-US" altLang="zh-CN" b="1" dirty="0"/>
+                  <a:t>3</a:t>
+                </a:r>
+                <a:endParaRPr kumimoji="1" lang="zh-CN" altLang="en-US" b="1" dirty="0"/>
+              </a:p>
+            </p:txBody>
+          </p:sp>
+          <p:sp>
+            <p:nvSpPr>
+              <p:cNvPr id="58" name="文本框 57">
+                <a:extLst>
+                  <a:ext uri="{FF2B5EF4-FFF2-40B4-BE49-F238E27FC236}">
+                    <a16:creationId xmlns:a16="http://schemas.microsoft.com/office/drawing/2014/main" id="{E1E373B3-5005-FB4D-9241-CFB924DCD69A}"/>
+                  </a:ext>
+                </a:extLst>
+              </p:cNvPr>
+              <p:cNvSpPr txBox="1"/>
+              <p:nvPr/>
+            </p:nvSpPr>
+            <p:spPr>
+              <a:xfrm>
+                <a:off x="6442624" y="4633047"/>
+                <a:ext cx="414601" cy="369332"/>
+              </a:xfrm>
+              <a:prstGeom prst="rect">
+                <a:avLst/>
+              </a:prstGeom>
+              <a:noFill/>
+            </p:spPr>
+            <p:txBody>
+              <a:bodyPr wrap="square" rtlCol="0">
+                <a:spAutoFit/>
+              </a:bodyPr>
+              <a:lstStyle/>
+              <a:p>
+                <a:r>
+                  <a:rPr kumimoji="1" lang="en-US" altLang="zh-CN" b="1" dirty="0"/>
+                  <a:t>3</a:t>
+                </a:r>
+                <a:endParaRPr kumimoji="1" lang="zh-CN" altLang="en-US" b="1" dirty="0"/>
+              </a:p>
+            </p:txBody>
+          </p:sp>
+        </p:grpSp>
+      </p:grpSp>
+    </p:spTree>
+    <p:extLst>
+      <p:ext uri="{BB962C8B-B14F-4D97-AF65-F5344CB8AC3E}">
+        <p14:creationId xmlns:p14="http://schemas.microsoft.com/office/powerpoint/2010/main" val="2979715046"/>
+      </p:ext>
+    </p:extLst>
+  </p:cSld>
+  <p:clrMapOvr>
+    <a:masterClrMapping/>
+  </p:clrMapOvr>
+</p:sld>
+</file>
+
+<file path=ppt/slides/slide14.xml><?xml version="1.0" encoding="utf-8"?>
+<p:sld xmlns:a="http://schemas.openxmlformats.org/drawingml/2006/main" xmlns:r="http://schemas.openxmlformats.org/officeDocument/2006/relationships" xmlns:p="http://schemas.openxmlformats.org/presentationml/2006/main">
+  <p:cSld>
+    <p:spTree>
+      <p:nvGrpSpPr>
+        <p:cNvPr id="1" name=""/>
+        <p:cNvGrpSpPr/>
+        <p:nvPr/>
+      </p:nvGrpSpPr>
+      <p:grpSpPr>
+        <a:xfrm>
+          <a:off x="0" y="0"/>
+          <a:ext cx="0" cy="0"/>
+          <a:chOff x="0" y="0"/>
+          <a:chExt cx="0" cy="0"/>
+        </a:xfrm>
+      </p:grpSpPr>
+      <p:grpSp>
+        <p:nvGrpSpPr>
+          <p:cNvPr id="96" name="组合 95">
+            <a:extLst>
+              <a:ext uri="{FF2B5EF4-FFF2-40B4-BE49-F238E27FC236}">
+                <a16:creationId xmlns:a16="http://schemas.microsoft.com/office/drawing/2014/main" id="{EA026B3B-059A-5B46-9D11-6E249CD53D2A}"/>
+              </a:ext>
+            </a:extLst>
+          </p:cNvPr>
+          <p:cNvGrpSpPr/>
+          <p:nvPr/>
+        </p:nvGrpSpPr>
+        <p:grpSpPr>
+          <a:xfrm>
+            <a:off x="1147418" y="1805649"/>
+            <a:ext cx="10000527" cy="3750945"/>
+            <a:chOff x="1147418" y="1805649"/>
+            <a:chExt cx="10000527" cy="3750945"/>
+          </a:xfrm>
+        </p:grpSpPr>
+        <p:sp>
+          <p:nvSpPr>
+            <p:cNvPr id="61" name="矩形 60">
+              <a:extLst>
+                <a:ext uri="{FF2B5EF4-FFF2-40B4-BE49-F238E27FC236}">
+                  <a16:creationId xmlns:a16="http://schemas.microsoft.com/office/drawing/2014/main" id="{FD1C1446-6172-0C46-8534-5FE825DA684B}"/>
+                </a:ext>
+              </a:extLst>
+            </p:cNvPr>
+            <p:cNvSpPr/>
+            <p:nvPr/>
+          </p:nvSpPr>
+          <p:spPr>
+            <a:xfrm>
+              <a:off x="1147418" y="1805649"/>
+              <a:ext cx="10000527" cy="3750945"/>
+            </a:xfrm>
+            <a:prstGeom prst="rect">
+              <a:avLst/>
+            </a:prstGeom>
+            <a:solidFill>
+              <a:schemeClr val="bg1"/>
+            </a:solidFill>
+            <a:ln>
+              <a:noFill/>
+            </a:ln>
+          </p:spPr>
+          <p:style>
+            <a:lnRef idx="2">
+              <a:schemeClr val="accent1">
+                <a:shade val="50000"/>
+              </a:schemeClr>
+            </a:lnRef>
+            <a:fillRef idx="1">
+              <a:schemeClr val="accent1"/>
+            </a:fillRef>
+            <a:effectRef idx="0">
+              <a:schemeClr val="accent1"/>
+            </a:effectRef>
+            <a:fontRef idx="minor">
+              <a:schemeClr val="lt1"/>
+            </a:fontRef>
+          </p:style>
+          <p:txBody>
+            <a:bodyPr rtlCol="0" anchor="ctr"/>
+            <a:lstStyle/>
+            <a:p>
+              <a:pPr algn="ctr"/>
+              <a:endParaRPr kumimoji="1" lang="zh-CN" altLang="en-US" b="1"/>
+            </a:p>
+          </p:txBody>
+        </p:sp>
+        <mc:AlternateContent xmlns:mc="http://schemas.openxmlformats.org/markup-compatibility/2006" xmlns:a14="http://schemas.microsoft.com/office/drawing/2010/main">
+          <mc:Choice Requires="a14">
+            <p:sp>
+              <p:nvSpPr>
+                <p:cNvPr id="4" name="文本框 3">
+                  <a:extLst>
+                    <a:ext uri="{FF2B5EF4-FFF2-40B4-BE49-F238E27FC236}">
+                      <a16:creationId xmlns:a16="http://schemas.microsoft.com/office/drawing/2014/main" id="{A992ADB3-5C87-5E49-B4A7-C64C82A6FC50}"/>
+                    </a:ext>
+                  </a:extLst>
+                </p:cNvPr>
+                <p:cNvSpPr txBox="1"/>
+                <p:nvPr/>
+              </p:nvSpPr>
+              <p:spPr>
+                <a:xfrm>
+                  <a:off x="4444678" y="1805650"/>
+                  <a:ext cx="2835798" cy="369332"/>
+                </a:xfrm>
+                <a:prstGeom prst="rect">
+                  <a:avLst/>
+                </a:prstGeom>
+                <a:noFill/>
+              </p:spPr>
+              <p:txBody>
+                <a:bodyPr wrap="square" rtlCol="0">
+                  <a:spAutoFit/>
+                </a:bodyPr>
+                <a:lstStyle/>
+                <a:p>
+                  <a:pPr/>
+                  <a14:m>
+                    <m:oMathPara xmlns:m="http://schemas.openxmlformats.org/officeDocument/2006/math">
+                      <m:oMathParaPr>
+                        <m:jc m:val="centerGroup"/>
+                      </m:oMathParaPr>
+                      <m:oMath xmlns:m="http://schemas.openxmlformats.org/officeDocument/2006/math">
+                        <m:sSub>
+                          <m:sSubPr>
+                            <m:ctrlPr>
+                              <a:rPr kumimoji="1" lang="en-US" altLang="zh-CN" b="1" i="1" smtClean="0">
+                                <a:latin typeface="Cambria Math" panose="02040503050406030204" pitchFamily="18" charset="0"/>
+                              </a:rPr>
+                            </m:ctrlPr>
+                          </m:sSubPr>
+                          <m:e>
+                            <m:r>
+                              <a:rPr kumimoji="1" lang="en-US" altLang="zh-CN" b="1" i="1" smtClean="0">
+                                <a:latin typeface="Cambria Math" panose="02040503050406030204" pitchFamily="18" charset="0"/>
+                              </a:rPr>
+                              <m:t>𝒄</m:t>
+                            </m:r>
+                          </m:e>
+                          <m:sub>
+                            <m:r>
+                              <a:rPr kumimoji="1" lang="en-US" altLang="zh-CN" b="1" i="1" smtClean="0">
+                                <a:latin typeface="Cambria Math" panose="02040503050406030204" pitchFamily="18" charset="0"/>
+                              </a:rPr>
+                              <m:t>𝟏</m:t>
+                            </m:r>
+                          </m:sub>
+                        </m:sSub>
+                        <m:sSub>
+                          <m:sSubPr>
+                            <m:ctrlPr>
+                              <a:rPr kumimoji="1" lang="en-US" altLang="zh-CN" b="1" i="1">
+                                <a:latin typeface="Cambria Math" panose="02040503050406030204" pitchFamily="18" charset="0"/>
+                              </a:rPr>
+                            </m:ctrlPr>
+                          </m:sSubPr>
+                          <m:e>
+                            <m:r>
+                              <a:rPr kumimoji="1" lang="zh-CN" altLang="en-US" b="1" i="1" smtClean="0">
+                                <a:latin typeface="Cambria Math" panose="02040503050406030204" pitchFamily="18" charset="0"/>
+                              </a:rPr>
+                              <m:t>  </m:t>
+                            </m:r>
+                            <m:r>
+                              <a:rPr kumimoji="1" lang="en-US" altLang="zh-CN" b="1" i="1" smtClean="0">
+                                <a:latin typeface="Cambria Math" panose="02040503050406030204" pitchFamily="18" charset="0"/>
+                              </a:rPr>
+                              <m:t>𝒄</m:t>
+                            </m:r>
+                          </m:e>
+                          <m:sub>
+                            <m:r>
+                              <a:rPr kumimoji="1" lang="en-US" altLang="zh-CN" b="1" i="1" smtClean="0">
+                                <a:latin typeface="Cambria Math" panose="02040503050406030204" pitchFamily="18" charset="0"/>
+                              </a:rPr>
+                              <m:t>𝟐</m:t>
+                            </m:r>
+                            <m:r>
+                              <a:rPr kumimoji="1" lang="zh-CN" altLang="en-US" b="1" i="1" smtClean="0">
+                                <a:latin typeface="Cambria Math" panose="02040503050406030204" pitchFamily="18" charset="0"/>
+                              </a:rPr>
+                              <m:t>   </m:t>
+                            </m:r>
+                          </m:sub>
+                        </m:sSub>
+                        <m:sSub>
+                          <m:sSubPr>
+                            <m:ctrlPr>
+                              <a:rPr kumimoji="1" lang="en-US" altLang="zh-CN" b="1" i="1">
+                                <a:latin typeface="Cambria Math" panose="02040503050406030204" pitchFamily="18" charset="0"/>
+                              </a:rPr>
+                            </m:ctrlPr>
+                          </m:sSubPr>
+                          <m:e>
+                            <m:r>
+                              <a:rPr kumimoji="1" lang="en-US" altLang="zh-CN" b="1" i="1" smtClean="0">
+                                <a:latin typeface="Cambria Math" panose="02040503050406030204" pitchFamily="18" charset="0"/>
+                              </a:rPr>
+                              <m:t>𝒄</m:t>
+                            </m:r>
+                          </m:e>
+                          <m:sub>
+                            <m:r>
+                              <a:rPr kumimoji="1" lang="en-US" altLang="zh-CN" b="1" i="1" smtClean="0">
+                                <a:latin typeface="Cambria Math" panose="02040503050406030204" pitchFamily="18" charset="0"/>
+                              </a:rPr>
+                              <m:t>𝟑</m:t>
+                            </m:r>
+                            <m:r>
+                              <a:rPr kumimoji="1" lang="zh-CN" altLang="en-US" b="1" i="1" smtClean="0">
+                                <a:latin typeface="Cambria Math" panose="02040503050406030204" pitchFamily="18" charset="0"/>
+                              </a:rPr>
+                              <m:t>   </m:t>
+                            </m:r>
+                          </m:sub>
+                        </m:sSub>
+                        <m:sSub>
+                          <m:sSubPr>
+                            <m:ctrlPr>
+                              <a:rPr kumimoji="1" lang="en-US" altLang="zh-CN" b="1" i="1">
+                                <a:latin typeface="Cambria Math" panose="02040503050406030204" pitchFamily="18" charset="0"/>
+                              </a:rPr>
+                            </m:ctrlPr>
+                          </m:sSubPr>
+                          <m:e>
+                            <m:r>
+                              <a:rPr kumimoji="1" lang="en-US" altLang="zh-CN" b="1" i="1" smtClean="0">
+                                <a:latin typeface="Cambria Math" panose="02040503050406030204" pitchFamily="18" charset="0"/>
+                              </a:rPr>
+                              <m:t>𝒄</m:t>
+                            </m:r>
+                          </m:e>
+                          <m:sub>
+                            <m:r>
+                              <a:rPr kumimoji="1" lang="en-US" altLang="zh-CN" b="1" i="1" smtClean="0">
+                                <a:latin typeface="Cambria Math" panose="02040503050406030204" pitchFamily="18" charset="0"/>
+                              </a:rPr>
+                              <m:t>𝟒</m:t>
+                            </m:r>
+                          </m:sub>
+                        </m:sSub>
+                        <m:sSub>
+                          <m:sSubPr>
+                            <m:ctrlPr>
+                              <a:rPr kumimoji="1" lang="en-US" altLang="zh-CN" b="1" i="1">
+                                <a:latin typeface="Cambria Math" panose="02040503050406030204" pitchFamily="18" charset="0"/>
+                              </a:rPr>
+                            </m:ctrlPr>
+                          </m:sSubPr>
+                          <m:e>
+                            <m:r>
+                              <a:rPr kumimoji="1" lang="zh-CN" altLang="en-US" b="1" i="1" smtClean="0">
+                                <a:latin typeface="Cambria Math" panose="02040503050406030204" pitchFamily="18" charset="0"/>
+                              </a:rPr>
+                              <m:t>  </m:t>
+                            </m:r>
+                            <m:r>
+                              <a:rPr kumimoji="1" lang="en-US" altLang="zh-CN" b="1" i="1" smtClean="0">
+                                <a:latin typeface="Cambria Math" panose="02040503050406030204" pitchFamily="18" charset="0"/>
+                              </a:rPr>
+                              <m:t>𝒄</m:t>
+                            </m:r>
+                          </m:e>
+                          <m:sub>
+                            <m:r>
+                              <a:rPr kumimoji="1" lang="en-US" altLang="zh-CN" b="1" i="1" smtClean="0">
+                                <a:latin typeface="Cambria Math" panose="02040503050406030204" pitchFamily="18" charset="0"/>
+                              </a:rPr>
+                              <m:t>𝟓</m:t>
+                            </m:r>
+                            <m:r>
+                              <a:rPr kumimoji="1" lang="zh-CN" altLang="en-US" b="1" i="1" smtClean="0">
+                                <a:latin typeface="Cambria Math" panose="02040503050406030204" pitchFamily="18" charset="0"/>
+                              </a:rPr>
+                              <m:t>   </m:t>
+                            </m:r>
+                          </m:sub>
+                        </m:sSub>
+                        <m:sSub>
+                          <m:sSubPr>
+                            <m:ctrlPr>
+                              <a:rPr kumimoji="1" lang="en-US" altLang="zh-CN" b="1" i="1">
+                                <a:latin typeface="Cambria Math" panose="02040503050406030204" pitchFamily="18" charset="0"/>
+                              </a:rPr>
+                            </m:ctrlPr>
+                          </m:sSubPr>
+                          <m:e>
+                            <m:r>
+                              <a:rPr kumimoji="1" lang="en-US" altLang="zh-CN" b="1" i="1" smtClean="0">
+                                <a:latin typeface="Cambria Math" panose="02040503050406030204" pitchFamily="18" charset="0"/>
+                              </a:rPr>
+                              <m:t>𝒄</m:t>
+                            </m:r>
+                          </m:e>
+                          <m:sub>
+                            <m:r>
+                              <a:rPr kumimoji="1" lang="en-US" altLang="zh-CN" b="1" i="1" smtClean="0">
+                                <a:latin typeface="Cambria Math" panose="02040503050406030204" pitchFamily="18" charset="0"/>
+                              </a:rPr>
+                              <m:t>𝟔</m:t>
+                            </m:r>
+                            <m:r>
+                              <a:rPr kumimoji="1" lang="zh-CN" altLang="en-US" b="1" i="1" smtClean="0">
+                                <a:latin typeface="Cambria Math" panose="02040503050406030204" pitchFamily="18" charset="0"/>
+                              </a:rPr>
+                              <m:t>   </m:t>
+                            </m:r>
+                          </m:sub>
+                        </m:sSub>
+                        <m:sSub>
+                          <m:sSubPr>
+                            <m:ctrlPr>
+                              <a:rPr kumimoji="1" lang="en-US" altLang="zh-CN" b="1" i="1">
+                                <a:latin typeface="Cambria Math" panose="02040503050406030204" pitchFamily="18" charset="0"/>
+                              </a:rPr>
+                            </m:ctrlPr>
+                          </m:sSubPr>
+                          <m:e>
+                            <m:r>
+                              <a:rPr kumimoji="1" lang="en-US" altLang="zh-CN" b="1" i="1" smtClean="0">
+                                <a:latin typeface="Cambria Math" panose="02040503050406030204" pitchFamily="18" charset="0"/>
+                              </a:rPr>
+                              <m:t>𝒄</m:t>
+                            </m:r>
+                          </m:e>
+                          <m:sub>
+                            <m:r>
+                              <a:rPr kumimoji="1" lang="en-US" altLang="zh-CN" b="1" i="1" smtClean="0">
+                                <a:latin typeface="Cambria Math" panose="02040503050406030204" pitchFamily="18" charset="0"/>
+                              </a:rPr>
+                              <m:t>𝟕</m:t>
+                            </m:r>
+                            <m:r>
+                              <a:rPr kumimoji="1" lang="zh-CN" altLang="en-US" b="1" i="1" smtClean="0">
+                                <a:latin typeface="Cambria Math" panose="02040503050406030204" pitchFamily="18" charset="0"/>
+                              </a:rPr>
+                              <m:t>   </m:t>
+                            </m:r>
+                          </m:sub>
+                        </m:sSub>
+                        <m:sSub>
+                          <m:sSubPr>
+                            <m:ctrlPr>
+                              <a:rPr kumimoji="1" lang="en-US" altLang="zh-CN" b="1" i="1">
+                                <a:latin typeface="Cambria Math" panose="02040503050406030204" pitchFamily="18" charset="0"/>
+                              </a:rPr>
+                            </m:ctrlPr>
+                          </m:sSubPr>
+                          <m:e>
+                            <m:r>
+                              <a:rPr kumimoji="1" lang="en-US" altLang="zh-CN" b="1" i="1" smtClean="0">
+                                <a:latin typeface="Cambria Math" panose="02040503050406030204" pitchFamily="18" charset="0"/>
+                              </a:rPr>
+                              <m:t>𝒄</m:t>
+                            </m:r>
+                          </m:e>
+                          <m:sub>
+                            <m:r>
+                              <a:rPr kumimoji="1" lang="en-US" altLang="zh-CN" b="1" i="1" smtClean="0">
+                                <a:latin typeface="Cambria Math" panose="02040503050406030204" pitchFamily="18" charset="0"/>
+                              </a:rPr>
+                              <m:t>𝟖</m:t>
+                            </m:r>
+                          </m:sub>
+                        </m:sSub>
+                      </m:oMath>
+                    </m:oMathPara>
+                  </a14:m>
+                  <a:endParaRPr kumimoji="1" lang="zh-CN" altLang="en-US" b="1" dirty="0"/>
+                </a:p>
+              </p:txBody>
+            </p:sp>
+          </mc:Choice>
+          <mc:Fallback xmlns="">
+            <p:sp>
+              <p:nvSpPr>
+                <p:cNvPr id="4" name="文本框 3">
+                  <a:extLst>
+                    <a:ext uri="{FF2B5EF4-FFF2-40B4-BE49-F238E27FC236}">
+                      <a16:creationId xmlns:a16="http://schemas.microsoft.com/office/drawing/2014/main" id="{A992ADB3-5C87-5E49-B4A7-C64C82A6FC50}"/>
+                    </a:ext>
+                  </a:extLst>
+                </p:cNvPr>
+                <p:cNvSpPr txBox="1">
+                  <a:spLocks noRot="1" noChangeAspect="1" noMove="1" noResize="1" noEditPoints="1" noAdjustHandles="1" noChangeArrowheads="1" noChangeShapeType="1" noTextEdit="1"/>
+                </p:cNvSpPr>
+                <p:nvPr/>
+              </p:nvSpPr>
+              <p:spPr>
+                <a:xfrm>
+                  <a:off x="4444678" y="1805650"/>
+                  <a:ext cx="2835798" cy="369332"/>
+                </a:xfrm>
+                <a:prstGeom prst="rect">
+                  <a:avLst/>
+                </a:prstGeom>
+                <a:blipFill>
+                  <a:blip r:embed="rId2"/>
+                  <a:stretch>
+                    <a:fillRect b="-16667"/>
+                  </a:stretch>
+                </a:blipFill>
+              </p:spPr>
+              <p:txBody>
+                <a:bodyPr/>
+                <a:lstStyle/>
+                <a:p>
+                  <a:r>
+                    <a:rPr lang="zh-CN" altLang="en-US">
+                      <a:noFill/>
+                    </a:rPr>
+                    <a:t> </a:t>
+                  </a:r>
+                </a:p>
+              </p:txBody>
+            </p:sp>
+          </mc:Fallback>
+        </mc:AlternateContent>
+        <mc:AlternateContent xmlns:mc="http://schemas.openxmlformats.org/markup-compatibility/2006" xmlns:a14="http://schemas.microsoft.com/office/drawing/2010/main">
+          <mc:Choice Requires="a14">
+            <p:sp>
+              <p:nvSpPr>
+                <p:cNvPr id="5" name="矩形 4">
+                  <a:extLst>
+                    <a:ext uri="{FF2B5EF4-FFF2-40B4-BE49-F238E27FC236}">
+                      <a16:creationId xmlns:a16="http://schemas.microsoft.com/office/drawing/2014/main" id="{455B834E-CD43-4D42-A216-C734DECF3161}"/>
+                    </a:ext>
+                  </a:extLst>
+                </p:cNvPr>
+                <p:cNvSpPr/>
+                <p:nvPr/>
+              </p:nvSpPr>
+              <p:spPr>
+                <a:xfrm>
+                  <a:off x="4323782" y="2585385"/>
+                  <a:ext cx="476349" cy="369332"/>
+                </a:xfrm>
+                <a:prstGeom prst="rect">
+                  <a:avLst/>
+                </a:prstGeom>
+              </p:spPr>
+              <p:txBody>
+                <a:bodyPr wrap="none">
+                  <a:spAutoFit/>
+                </a:bodyPr>
+                <a:lstStyle/>
+                <a:p>
+                  <a:pPr/>
+                  <a14:m>
+                    <m:oMathPara xmlns:m="http://schemas.openxmlformats.org/officeDocument/2006/math">
+                      <m:oMathParaPr>
+                        <m:jc m:val="centerGroup"/>
+                      </m:oMathParaPr>
+                      <m:oMath xmlns:m="http://schemas.openxmlformats.org/officeDocument/2006/math">
+                        <m:sSub>
+                          <m:sSubPr>
+                            <m:ctrlPr>
+                              <a:rPr kumimoji="1" lang="en-US" altLang="zh-CN" b="1" i="1">
+                                <a:latin typeface="Cambria Math" panose="02040503050406030204" pitchFamily="18" charset="0"/>
+                              </a:rPr>
+                            </m:ctrlPr>
+                          </m:sSubPr>
+                          <m:e>
+                            <m:r>
+                              <a:rPr kumimoji="1" lang="en-US" altLang="zh-CN" b="1" i="1" smtClean="0">
+                                <a:latin typeface="Cambria Math" panose="02040503050406030204" pitchFamily="18" charset="0"/>
+                              </a:rPr>
+                              <m:t>𝒄</m:t>
+                            </m:r>
+                          </m:e>
+                          <m:sub>
+                            <m:r>
+                              <a:rPr kumimoji="1" lang="en-US" altLang="zh-CN" b="1" i="1" smtClean="0">
+                                <a:latin typeface="Cambria Math" panose="02040503050406030204" pitchFamily="18" charset="0"/>
+                              </a:rPr>
+                              <m:t>𝟏</m:t>
+                            </m:r>
+                          </m:sub>
+                        </m:sSub>
+                      </m:oMath>
+                    </m:oMathPara>
+                  </a14:m>
+                  <a:endParaRPr lang="zh-CN" altLang="en-US" b="1" dirty="0"/>
+                </a:p>
+              </p:txBody>
+            </p:sp>
+          </mc:Choice>
+          <mc:Fallback xmlns="">
+            <p:sp>
+              <p:nvSpPr>
+                <p:cNvPr id="5" name="矩形 4">
+                  <a:extLst>
+                    <a:ext uri="{FF2B5EF4-FFF2-40B4-BE49-F238E27FC236}">
+                      <a16:creationId xmlns:a16="http://schemas.microsoft.com/office/drawing/2014/main" id="{455B834E-CD43-4D42-A216-C734DECF3161}"/>
+                    </a:ext>
+                  </a:extLst>
+                </p:cNvPr>
+                <p:cNvSpPr>
+                  <a:spLocks noRot="1" noChangeAspect="1" noMove="1" noResize="1" noEditPoints="1" noAdjustHandles="1" noChangeArrowheads="1" noChangeShapeType="1" noTextEdit="1"/>
+                </p:cNvSpPr>
+                <p:nvPr/>
+              </p:nvSpPr>
+              <p:spPr>
+                <a:xfrm>
+                  <a:off x="4323782" y="2585385"/>
+                  <a:ext cx="476349" cy="369332"/>
+                </a:xfrm>
+                <a:prstGeom prst="rect">
+                  <a:avLst/>
+                </a:prstGeom>
+                <a:blipFill>
+                  <a:blip r:embed="rId3"/>
+                  <a:stretch>
+                    <a:fillRect/>
+                  </a:stretch>
+                </a:blipFill>
+              </p:spPr>
+              <p:txBody>
+                <a:bodyPr/>
+                <a:lstStyle/>
+                <a:p>
+                  <a:r>
+                    <a:rPr lang="zh-CN" altLang="en-US">
+                      <a:noFill/>
+                    </a:rPr>
+                    <a:t> </a:t>
+                  </a:r>
+                </a:p>
+              </p:txBody>
+            </p:sp>
+          </mc:Fallback>
+        </mc:AlternateContent>
+        <mc:AlternateContent xmlns:mc="http://schemas.openxmlformats.org/markup-compatibility/2006" xmlns:a14="http://schemas.microsoft.com/office/drawing/2010/main">
+          <mc:Choice Requires="a14">
+            <p:sp>
+              <p:nvSpPr>
+                <p:cNvPr id="6" name="矩形 5">
+                  <a:extLst>
+                    <a:ext uri="{FF2B5EF4-FFF2-40B4-BE49-F238E27FC236}">
+                      <a16:creationId xmlns:a16="http://schemas.microsoft.com/office/drawing/2014/main" id="{6E049192-D00A-BC4C-8579-040A46568D95}"/>
+                    </a:ext>
+                  </a:extLst>
+                </p:cNvPr>
+                <p:cNvSpPr/>
+                <p:nvPr/>
+              </p:nvSpPr>
+              <p:spPr>
+                <a:xfrm>
+                  <a:off x="6022949" y="2561427"/>
+                  <a:ext cx="2651239" cy="369332"/>
+                </a:xfrm>
+                <a:prstGeom prst="rect">
+                  <a:avLst/>
+                </a:prstGeom>
+              </p:spPr>
+              <p:txBody>
+                <a:bodyPr wrap="none">
+                  <a:spAutoFit/>
+                </a:bodyPr>
+                <a:lstStyle/>
+                <a:p>
+                  <a:pPr/>
+                  <a14:m>
+                    <m:oMathPara xmlns:m="http://schemas.openxmlformats.org/officeDocument/2006/math">
+                      <m:oMathParaPr>
+                        <m:jc m:val="centerGroup"/>
+                      </m:oMathParaPr>
+                      <m:oMath xmlns:m="http://schemas.openxmlformats.org/officeDocument/2006/math">
+                        <m:sSub>
+                          <m:sSubPr>
+                            <m:ctrlPr>
+                              <a:rPr kumimoji="1" lang="en-US" altLang="zh-CN" b="1" i="1" smtClean="0">
+                                <a:latin typeface="Cambria Math" panose="02040503050406030204" pitchFamily="18" charset="0"/>
+                              </a:rPr>
+                            </m:ctrlPr>
+                          </m:sSubPr>
+                          <m:e>
+                            <m:sSub>
+                              <m:sSubPr>
+                                <m:ctrlPr>
+                                  <a:rPr kumimoji="1" lang="en-US" altLang="zh-CN" b="1" i="1">
+                                    <a:latin typeface="Cambria Math" panose="02040503050406030204" pitchFamily="18" charset="0"/>
+                                  </a:rPr>
+                                </m:ctrlPr>
+                              </m:sSubPr>
+                              <m:e>
+                                <m:r>
+                                  <a:rPr kumimoji="1" lang="zh-CN" altLang="en-US" b="1" i="1">
+                                    <a:latin typeface="Cambria Math" panose="02040503050406030204" pitchFamily="18" charset="0"/>
+                                  </a:rPr>
+                                  <m:t>  </m:t>
+                                </m:r>
+                                <m:r>
+                                  <a:rPr kumimoji="1" lang="en-US" altLang="zh-CN" b="1" i="1">
+                                    <a:latin typeface="Cambria Math" panose="02040503050406030204" pitchFamily="18" charset="0"/>
+                                  </a:rPr>
+                                  <m:t>𝒄</m:t>
+                                </m:r>
+                              </m:e>
+                              <m:sub>
+                                <m:r>
+                                  <a:rPr kumimoji="1" lang="en-US" altLang="zh-CN" b="1" i="1">
+                                    <a:latin typeface="Cambria Math" panose="02040503050406030204" pitchFamily="18" charset="0"/>
+                                  </a:rPr>
+                                  <m:t>𝟐</m:t>
+                                </m:r>
+                                <m:r>
+                                  <a:rPr kumimoji="1" lang="zh-CN" altLang="en-US" b="1" i="1">
+                                    <a:latin typeface="Cambria Math" panose="02040503050406030204" pitchFamily="18" charset="0"/>
+                                  </a:rPr>
+                                  <m:t>   </m:t>
+                                </m:r>
+                              </m:sub>
+                            </m:sSub>
+                            <m:sSub>
+                              <m:sSubPr>
+                                <m:ctrlPr>
+                                  <a:rPr kumimoji="1" lang="en-US" altLang="zh-CN" b="1" i="1">
+                                    <a:latin typeface="Cambria Math" panose="02040503050406030204" pitchFamily="18" charset="0"/>
+                                  </a:rPr>
+                                </m:ctrlPr>
+                              </m:sSubPr>
+                              <m:e>
+                                <m:r>
+                                  <a:rPr kumimoji="1" lang="en-US" altLang="zh-CN" b="1" i="1">
+                                    <a:latin typeface="Cambria Math" panose="02040503050406030204" pitchFamily="18" charset="0"/>
+                                  </a:rPr>
+                                  <m:t>𝒄</m:t>
+                                </m:r>
+                              </m:e>
+                              <m:sub>
+                                <m:r>
+                                  <a:rPr kumimoji="1" lang="en-US" altLang="zh-CN" b="1" i="1">
+                                    <a:latin typeface="Cambria Math" panose="02040503050406030204" pitchFamily="18" charset="0"/>
+                                  </a:rPr>
+                                  <m:t>𝟑</m:t>
+                                </m:r>
+                                <m:r>
+                                  <a:rPr kumimoji="1" lang="zh-CN" altLang="en-US" b="1" i="1">
+                                    <a:latin typeface="Cambria Math" panose="02040503050406030204" pitchFamily="18" charset="0"/>
+                                  </a:rPr>
+                                  <m:t>   </m:t>
+                                </m:r>
+                              </m:sub>
+                            </m:sSub>
+                            <m:sSub>
+                              <m:sSubPr>
+                                <m:ctrlPr>
+                                  <a:rPr kumimoji="1" lang="en-US" altLang="zh-CN" b="1" i="1">
+                                    <a:latin typeface="Cambria Math" panose="02040503050406030204" pitchFamily="18" charset="0"/>
+                                  </a:rPr>
+                                </m:ctrlPr>
+                              </m:sSubPr>
+                              <m:e>
+                                <m:r>
+                                  <a:rPr kumimoji="1" lang="en-US" altLang="zh-CN" b="1" i="1">
+                                    <a:latin typeface="Cambria Math" panose="02040503050406030204" pitchFamily="18" charset="0"/>
+                                  </a:rPr>
+                                  <m:t>𝒄</m:t>
+                                </m:r>
+                              </m:e>
+                              <m:sub>
+                                <m:r>
+                                  <a:rPr kumimoji="1" lang="en-US" altLang="zh-CN" b="1" i="1">
+                                    <a:latin typeface="Cambria Math" panose="02040503050406030204" pitchFamily="18" charset="0"/>
+                                  </a:rPr>
+                                  <m:t>𝟒</m:t>
+                                </m:r>
+                              </m:sub>
+                            </m:sSub>
+                            <m:r>
+                              <a:rPr kumimoji="1" lang="zh-CN" altLang="en-US" b="1" i="1" smtClean="0">
+                                <a:latin typeface="Cambria Math" panose="02040503050406030204" pitchFamily="18" charset="0"/>
+                              </a:rPr>
+                              <m:t>   </m:t>
+                            </m:r>
+                            <m:r>
+                              <a:rPr kumimoji="1" lang="en-US" altLang="zh-CN" b="1" i="1" smtClean="0">
+                                <a:latin typeface="Cambria Math" panose="02040503050406030204" pitchFamily="18" charset="0"/>
+                              </a:rPr>
+                              <m:t>𝒄</m:t>
+                            </m:r>
+                          </m:e>
+                          <m:sub>
+                            <m:r>
+                              <a:rPr kumimoji="1" lang="en-US" altLang="zh-CN" b="1" i="1" smtClean="0">
+                                <a:latin typeface="Cambria Math" panose="02040503050406030204" pitchFamily="18" charset="0"/>
+                              </a:rPr>
+                              <m:t>𝟓</m:t>
+                            </m:r>
+                            <m:r>
+                              <a:rPr kumimoji="1" lang="zh-CN" altLang="en-US" b="1" i="1" smtClean="0">
+                                <a:latin typeface="Cambria Math" panose="02040503050406030204" pitchFamily="18" charset="0"/>
+                              </a:rPr>
+                              <m:t>   </m:t>
+                            </m:r>
+                          </m:sub>
+                        </m:sSub>
+                        <m:sSub>
+                          <m:sSubPr>
+                            <m:ctrlPr>
+                              <a:rPr kumimoji="1" lang="en-US" altLang="zh-CN" b="1" i="1">
+                                <a:latin typeface="Cambria Math" panose="02040503050406030204" pitchFamily="18" charset="0"/>
+                              </a:rPr>
+                            </m:ctrlPr>
+                          </m:sSubPr>
+                          <m:e>
+                            <m:r>
+                              <a:rPr kumimoji="1" lang="en-US" altLang="zh-CN" b="1" i="1" smtClean="0">
+                                <a:latin typeface="Cambria Math" panose="02040503050406030204" pitchFamily="18" charset="0"/>
+                              </a:rPr>
+                              <m:t>𝒄</m:t>
+                            </m:r>
+                          </m:e>
+                          <m:sub>
+                            <m:r>
+                              <a:rPr kumimoji="1" lang="en-US" altLang="zh-CN" b="1" i="1" smtClean="0">
+                                <a:latin typeface="Cambria Math" panose="02040503050406030204" pitchFamily="18" charset="0"/>
+                              </a:rPr>
+                              <m:t>𝟔</m:t>
+                            </m:r>
+                            <m:r>
+                              <a:rPr kumimoji="1" lang="zh-CN" altLang="en-US" b="1" i="1" smtClean="0">
+                                <a:latin typeface="Cambria Math" panose="02040503050406030204" pitchFamily="18" charset="0"/>
+                              </a:rPr>
+                              <m:t>   </m:t>
+                            </m:r>
+                          </m:sub>
+                        </m:sSub>
+                        <m:sSub>
+                          <m:sSubPr>
+                            <m:ctrlPr>
+                              <a:rPr kumimoji="1" lang="en-US" altLang="zh-CN" b="1" i="1">
+                                <a:latin typeface="Cambria Math" panose="02040503050406030204" pitchFamily="18" charset="0"/>
+                              </a:rPr>
+                            </m:ctrlPr>
+                          </m:sSubPr>
+                          <m:e>
+                            <m:r>
+                              <a:rPr kumimoji="1" lang="en-US" altLang="zh-CN" b="1" i="1" smtClean="0">
+                                <a:latin typeface="Cambria Math" panose="02040503050406030204" pitchFamily="18" charset="0"/>
+                              </a:rPr>
+                              <m:t>𝒄</m:t>
+                            </m:r>
+                          </m:e>
+                          <m:sub>
+                            <m:r>
+                              <a:rPr kumimoji="1" lang="en-US" altLang="zh-CN" b="1" i="1" smtClean="0">
+                                <a:latin typeface="Cambria Math" panose="02040503050406030204" pitchFamily="18" charset="0"/>
+                              </a:rPr>
+                              <m:t>𝟕</m:t>
+                            </m:r>
+                            <m:r>
+                              <a:rPr kumimoji="1" lang="zh-CN" altLang="en-US" b="1" i="1" smtClean="0">
+                                <a:latin typeface="Cambria Math" panose="02040503050406030204" pitchFamily="18" charset="0"/>
+                              </a:rPr>
+                              <m:t>   </m:t>
+                            </m:r>
+                          </m:sub>
+                        </m:sSub>
+                        <m:sSub>
+                          <m:sSubPr>
+                            <m:ctrlPr>
+                              <a:rPr kumimoji="1" lang="en-US" altLang="zh-CN" b="1" i="1">
+                                <a:latin typeface="Cambria Math" panose="02040503050406030204" pitchFamily="18" charset="0"/>
+                              </a:rPr>
+                            </m:ctrlPr>
+                          </m:sSubPr>
+                          <m:e>
+                            <m:r>
+                              <a:rPr kumimoji="1" lang="en-US" altLang="zh-CN" b="1" i="1" smtClean="0">
+                                <a:latin typeface="Cambria Math" panose="02040503050406030204" pitchFamily="18" charset="0"/>
+                              </a:rPr>
+                              <m:t>𝒄</m:t>
+                            </m:r>
+                          </m:e>
+                          <m:sub>
+                            <m:r>
+                              <a:rPr kumimoji="1" lang="en-US" altLang="zh-CN" b="1" i="1" smtClean="0">
+                                <a:latin typeface="Cambria Math" panose="02040503050406030204" pitchFamily="18" charset="0"/>
+                              </a:rPr>
+                              <m:t>𝟖</m:t>
+                            </m:r>
+                          </m:sub>
+                        </m:sSub>
+                      </m:oMath>
+                    </m:oMathPara>
+                  </a14:m>
+                  <a:endParaRPr lang="zh-CN" altLang="en-US" b="1" dirty="0"/>
+                </a:p>
+              </p:txBody>
+            </p:sp>
+          </mc:Choice>
+          <mc:Fallback xmlns="">
+            <p:sp>
+              <p:nvSpPr>
+                <p:cNvPr id="6" name="矩形 5">
+                  <a:extLst>
+                    <a:ext uri="{FF2B5EF4-FFF2-40B4-BE49-F238E27FC236}">
+                      <a16:creationId xmlns:a16="http://schemas.microsoft.com/office/drawing/2014/main" id="{6E049192-D00A-BC4C-8579-040A46568D95}"/>
+                    </a:ext>
+                  </a:extLst>
+                </p:cNvPr>
+                <p:cNvSpPr>
+                  <a:spLocks noRot="1" noChangeAspect="1" noMove="1" noResize="1" noEditPoints="1" noAdjustHandles="1" noChangeArrowheads="1" noChangeShapeType="1" noTextEdit="1"/>
+                </p:cNvSpPr>
+                <p:nvPr/>
+              </p:nvSpPr>
+              <p:spPr>
+                <a:xfrm>
+                  <a:off x="6022949" y="2561427"/>
+                  <a:ext cx="2651239" cy="369332"/>
+                </a:xfrm>
+                <a:prstGeom prst="rect">
+                  <a:avLst/>
+                </a:prstGeom>
+                <a:blipFill>
+                  <a:blip r:embed="rId4"/>
+                  <a:stretch>
+                    <a:fillRect b="-13333"/>
+                  </a:stretch>
+                </a:blipFill>
+              </p:spPr>
+              <p:txBody>
+                <a:bodyPr/>
+                <a:lstStyle/>
+                <a:p>
+                  <a:r>
+                    <a:rPr lang="zh-CN" altLang="en-US">
+                      <a:noFill/>
+                    </a:rPr>
+                    <a:t> </a:t>
+                  </a:r>
+                </a:p>
+              </p:txBody>
+            </p:sp>
+          </mc:Fallback>
+        </mc:AlternateContent>
+        <mc:AlternateContent xmlns:mc="http://schemas.openxmlformats.org/markup-compatibility/2006" xmlns:a14="http://schemas.microsoft.com/office/drawing/2010/main">
+          <mc:Choice Requires="a14">
+            <p:sp>
+              <p:nvSpPr>
+                <p:cNvPr id="9" name="矩形 8">
+                  <a:extLst>
+                    <a:ext uri="{FF2B5EF4-FFF2-40B4-BE49-F238E27FC236}">
+                      <a16:creationId xmlns:a16="http://schemas.microsoft.com/office/drawing/2014/main" id="{82E7DCE3-03E2-CC4A-9C24-226F09F78597}"/>
+                    </a:ext>
+                  </a:extLst>
+                </p:cNvPr>
+                <p:cNvSpPr/>
+                <p:nvPr/>
+              </p:nvSpPr>
+              <p:spPr>
+                <a:xfrm>
+                  <a:off x="5436821" y="3305405"/>
+                  <a:ext cx="1747338" cy="369332"/>
+                </a:xfrm>
+                <a:prstGeom prst="rect">
+                  <a:avLst/>
+                </a:prstGeom>
+              </p:spPr>
+              <p:txBody>
+                <a:bodyPr wrap="none">
+                  <a:spAutoFit/>
+                </a:bodyPr>
+                <a:lstStyle/>
+                <a:p>
+                  <a:pPr/>
+                  <a14:m>
+                    <m:oMathPara xmlns:m="http://schemas.openxmlformats.org/officeDocument/2006/math">
+                      <m:oMathParaPr>
+                        <m:jc m:val="centerGroup"/>
+                      </m:oMathParaPr>
+                      <m:oMath xmlns:m="http://schemas.openxmlformats.org/officeDocument/2006/math">
+                        <m:sSub>
+                          <m:sSubPr>
+                            <m:ctrlPr>
+                              <a:rPr kumimoji="1" lang="en-US" altLang="zh-CN" b="1" i="1">
+                                <a:latin typeface="Cambria Math" panose="02040503050406030204" pitchFamily="18" charset="0"/>
+                              </a:rPr>
+                            </m:ctrlPr>
+                          </m:sSubPr>
+                          <m:e>
+                            <m:sSub>
+                              <m:sSubPr>
+                                <m:ctrlPr>
+                                  <a:rPr kumimoji="1" lang="en-US" altLang="zh-CN" b="1" i="1">
+                                    <a:latin typeface="Cambria Math" panose="02040503050406030204" pitchFamily="18" charset="0"/>
+                                  </a:rPr>
+                                </m:ctrlPr>
+                              </m:sSubPr>
+                              <m:e>
+                                <m:r>
+                                  <a:rPr kumimoji="1" lang="zh-CN" altLang="en-US" b="1" i="1">
+                                    <a:latin typeface="Cambria Math" panose="02040503050406030204" pitchFamily="18" charset="0"/>
+                                  </a:rPr>
+                                  <m:t>  </m:t>
+                                </m:r>
+                                <m:r>
+                                  <a:rPr kumimoji="1" lang="en-US" altLang="zh-CN" b="1" i="1">
+                                    <a:latin typeface="Cambria Math" panose="02040503050406030204" pitchFamily="18" charset="0"/>
+                                  </a:rPr>
+                                  <m:t>𝒄</m:t>
+                                </m:r>
+                              </m:e>
+                              <m:sub>
+                                <m:r>
+                                  <a:rPr kumimoji="1" lang="en-US" altLang="zh-CN" b="1" i="1">
+                                    <a:latin typeface="Cambria Math" panose="02040503050406030204" pitchFamily="18" charset="0"/>
+                                  </a:rPr>
+                                  <m:t>𝟐</m:t>
+                                </m:r>
+                                <m:r>
+                                  <a:rPr kumimoji="1" lang="zh-CN" altLang="en-US" b="1" i="1">
+                                    <a:latin typeface="Cambria Math" panose="02040503050406030204" pitchFamily="18" charset="0"/>
+                                  </a:rPr>
+                                  <m:t>   </m:t>
+                                </m:r>
+                              </m:sub>
+                            </m:sSub>
+                            <m:sSub>
+                              <m:sSubPr>
+                                <m:ctrlPr>
+                                  <a:rPr kumimoji="1" lang="en-US" altLang="zh-CN" b="1" i="1">
+                                    <a:latin typeface="Cambria Math" panose="02040503050406030204" pitchFamily="18" charset="0"/>
+                                  </a:rPr>
+                                </m:ctrlPr>
+                              </m:sSubPr>
+                              <m:e>
+                                <m:r>
+                                  <a:rPr kumimoji="1" lang="en-US" altLang="zh-CN" b="1" i="1">
+                                    <a:latin typeface="Cambria Math" panose="02040503050406030204" pitchFamily="18" charset="0"/>
+                                  </a:rPr>
+                                  <m:t>𝒄</m:t>
+                                </m:r>
+                              </m:e>
+                              <m:sub>
+                                <m:r>
+                                  <a:rPr kumimoji="1" lang="en-US" altLang="zh-CN" b="1" i="1">
+                                    <a:latin typeface="Cambria Math" panose="02040503050406030204" pitchFamily="18" charset="0"/>
+                                  </a:rPr>
+                                  <m:t>𝟑</m:t>
+                                </m:r>
+                                <m:r>
+                                  <a:rPr kumimoji="1" lang="zh-CN" altLang="en-US" b="1" i="1">
+                                    <a:latin typeface="Cambria Math" panose="02040503050406030204" pitchFamily="18" charset="0"/>
+                                  </a:rPr>
+                                  <m:t>   </m:t>
+                                </m:r>
+                              </m:sub>
+                            </m:sSub>
+                            <m:sSub>
+                              <m:sSubPr>
+                                <m:ctrlPr>
+                                  <a:rPr kumimoji="1" lang="en-US" altLang="zh-CN" b="1" i="1">
+                                    <a:latin typeface="Cambria Math" panose="02040503050406030204" pitchFamily="18" charset="0"/>
+                                  </a:rPr>
+                                </m:ctrlPr>
+                              </m:sSubPr>
+                              <m:e>
+                                <m:r>
+                                  <a:rPr kumimoji="1" lang="en-US" altLang="zh-CN" b="1" i="1">
+                                    <a:latin typeface="Cambria Math" panose="02040503050406030204" pitchFamily="18" charset="0"/>
+                                  </a:rPr>
+                                  <m:t>𝒄</m:t>
+                                </m:r>
+                              </m:e>
+                              <m:sub>
+                                <m:r>
+                                  <a:rPr kumimoji="1" lang="en-US" altLang="zh-CN" b="1" i="1">
+                                    <a:latin typeface="Cambria Math" panose="02040503050406030204" pitchFamily="18" charset="0"/>
+                                  </a:rPr>
+                                  <m:t>𝟒</m:t>
+                                </m:r>
+                              </m:sub>
+                            </m:sSub>
+                            <m:r>
+                              <a:rPr kumimoji="1" lang="zh-CN" altLang="en-US" b="1" i="1">
+                                <a:latin typeface="Cambria Math" panose="02040503050406030204" pitchFamily="18" charset="0"/>
+                              </a:rPr>
+                              <m:t>   </m:t>
+                            </m:r>
+                            <m:r>
+                              <a:rPr kumimoji="1" lang="en-US" altLang="zh-CN" b="1" i="1">
+                                <a:latin typeface="Cambria Math" panose="02040503050406030204" pitchFamily="18" charset="0"/>
+                              </a:rPr>
+                              <m:t>𝒄</m:t>
+                            </m:r>
+                          </m:e>
+                          <m:sub>
+                            <m:r>
+                              <a:rPr kumimoji="1" lang="en-US" altLang="zh-CN" b="1" i="1">
+                                <a:latin typeface="Cambria Math" panose="02040503050406030204" pitchFamily="18" charset="0"/>
+                              </a:rPr>
+                              <m:t>𝟓</m:t>
+                            </m:r>
+                            <m:r>
+                              <a:rPr kumimoji="1" lang="zh-CN" altLang="en-US" b="1" i="1">
+                                <a:latin typeface="Cambria Math" panose="02040503050406030204" pitchFamily="18" charset="0"/>
+                              </a:rPr>
+                              <m:t>   </m:t>
+                            </m:r>
+                          </m:sub>
+                        </m:sSub>
+                      </m:oMath>
+                    </m:oMathPara>
+                  </a14:m>
+                  <a:endParaRPr lang="zh-CN" altLang="en-US" b="1" dirty="0"/>
+                </a:p>
+              </p:txBody>
+            </p:sp>
+          </mc:Choice>
+          <mc:Fallback xmlns="">
+            <p:sp>
+              <p:nvSpPr>
+                <p:cNvPr id="9" name="矩形 8">
+                  <a:extLst>
+                    <a:ext uri="{FF2B5EF4-FFF2-40B4-BE49-F238E27FC236}">
+                      <a16:creationId xmlns:a16="http://schemas.microsoft.com/office/drawing/2014/main" id="{82E7DCE3-03E2-CC4A-9C24-226F09F78597}"/>
+                    </a:ext>
+                  </a:extLst>
+                </p:cNvPr>
+                <p:cNvSpPr>
+                  <a:spLocks noRot="1" noChangeAspect="1" noMove="1" noResize="1" noEditPoints="1" noAdjustHandles="1" noChangeArrowheads="1" noChangeShapeType="1" noTextEdit="1"/>
+                </p:cNvSpPr>
+                <p:nvPr/>
+              </p:nvSpPr>
+              <p:spPr>
+                <a:xfrm>
+                  <a:off x="5436821" y="3305405"/>
+                  <a:ext cx="1747338" cy="369332"/>
+                </a:xfrm>
+                <a:prstGeom prst="rect">
+                  <a:avLst/>
+                </a:prstGeom>
+                <a:blipFill>
+                  <a:blip r:embed="rId5"/>
+                  <a:stretch>
+                    <a:fillRect b="-16667"/>
+                  </a:stretch>
+                </a:blipFill>
+              </p:spPr>
+              <p:txBody>
+                <a:bodyPr/>
+                <a:lstStyle/>
+                <a:p>
+                  <a:r>
+                    <a:rPr lang="zh-CN" altLang="en-US">
+                      <a:noFill/>
+                    </a:rPr>
+                    <a:t> </a:t>
+                  </a:r>
+                </a:p>
+              </p:txBody>
+            </p:sp>
+          </mc:Fallback>
+        </mc:AlternateContent>
+        <mc:AlternateContent xmlns:mc="http://schemas.openxmlformats.org/markup-compatibility/2006" xmlns:a14="http://schemas.microsoft.com/office/drawing/2010/main">
+          <mc:Choice Requires="a14">
+            <p:sp>
+              <p:nvSpPr>
+                <p:cNvPr id="10" name="矩形 9">
+                  <a:extLst>
+                    <a:ext uri="{FF2B5EF4-FFF2-40B4-BE49-F238E27FC236}">
+                      <a16:creationId xmlns:a16="http://schemas.microsoft.com/office/drawing/2014/main" id="{E2F85F2C-F5B0-7944-A621-77BCF48E0B7E}"/>
+                    </a:ext>
+                  </a:extLst>
+                </p:cNvPr>
+                <p:cNvSpPr/>
+                <p:nvPr/>
+              </p:nvSpPr>
+              <p:spPr>
+                <a:xfrm>
+                  <a:off x="7724109" y="3325760"/>
+                  <a:ext cx="1152688" cy="369332"/>
+                </a:xfrm>
+                <a:prstGeom prst="rect">
+                  <a:avLst/>
+                </a:prstGeom>
+              </p:spPr>
+              <p:txBody>
+                <a:bodyPr wrap="none">
+                  <a:spAutoFit/>
+                </a:bodyPr>
+                <a:lstStyle/>
+                <a:p>
+                  <a:pPr/>
+                  <a14:m>
+                    <m:oMathPara xmlns:m="http://schemas.openxmlformats.org/officeDocument/2006/math">
+                      <m:oMathParaPr>
+                        <m:jc m:val="centerGroup"/>
+                      </m:oMathParaPr>
+                      <m:oMath xmlns:m="http://schemas.openxmlformats.org/officeDocument/2006/math">
+                        <m:sSub>
+                          <m:sSubPr>
+                            <m:ctrlPr>
+                              <a:rPr kumimoji="1" lang="en-US" altLang="zh-CN" b="1" i="1">
+                                <a:latin typeface="Cambria Math" panose="02040503050406030204" pitchFamily="18" charset="0"/>
+                              </a:rPr>
+                            </m:ctrlPr>
+                          </m:sSubPr>
+                          <m:e>
+                            <m:sSub>
+                              <m:sSubPr>
+                                <m:ctrlPr>
+                                  <a:rPr kumimoji="1" lang="en-US" altLang="zh-CN" b="1" i="1">
+                                    <a:latin typeface="Cambria Math" panose="02040503050406030204" pitchFamily="18" charset="0"/>
+                                  </a:rPr>
+                                </m:ctrlPr>
+                              </m:sSubPr>
+                              <m:e>
+                                <m:r>
+                                  <a:rPr kumimoji="1" lang="en-US" altLang="zh-CN" b="1" i="1">
+                                    <a:latin typeface="Cambria Math" panose="02040503050406030204" pitchFamily="18" charset="0"/>
+                                  </a:rPr>
+                                  <m:t>𝒄</m:t>
+                                </m:r>
+                              </m:e>
+                              <m:sub>
+                                <m:r>
+                                  <a:rPr kumimoji="1" lang="en-US" altLang="zh-CN" b="1" i="1">
+                                    <a:latin typeface="Cambria Math" panose="02040503050406030204" pitchFamily="18" charset="0"/>
+                                  </a:rPr>
+                                  <m:t>𝟔</m:t>
+                                </m:r>
+                                <m:r>
+                                  <a:rPr kumimoji="1" lang="zh-CN" altLang="en-US" b="1" i="1">
+                                    <a:latin typeface="Cambria Math" panose="02040503050406030204" pitchFamily="18" charset="0"/>
+                                  </a:rPr>
+                                  <m:t>   </m:t>
+                                </m:r>
+                              </m:sub>
+                            </m:sSub>
+                            <m:r>
+                              <a:rPr kumimoji="1" lang="en-US" altLang="zh-CN" b="1" i="1" smtClean="0">
+                                <a:latin typeface="Cambria Math" panose="02040503050406030204" pitchFamily="18" charset="0"/>
+                              </a:rPr>
+                              <m:t>𝒄</m:t>
+                            </m:r>
+                          </m:e>
+                          <m:sub>
+                            <m:r>
+                              <a:rPr kumimoji="1" lang="en-US" altLang="zh-CN" b="1" i="1" smtClean="0">
+                                <a:latin typeface="Cambria Math" panose="02040503050406030204" pitchFamily="18" charset="0"/>
+                              </a:rPr>
+                              <m:t>𝟕</m:t>
+                            </m:r>
+                            <m:r>
+                              <a:rPr kumimoji="1" lang="zh-CN" altLang="en-US" b="1" i="1" smtClean="0">
+                                <a:latin typeface="Cambria Math" panose="02040503050406030204" pitchFamily="18" charset="0"/>
+                              </a:rPr>
+                              <m:t>   </m:t>
+                            </m:r>
+                          </m:sub>
+                        </m:sSub>
+                        <m:sSub>
+                          <m:sSubPr>
+                            <m:ctrlPr>
+                              <a:rPr kumimoji="1" lang="en-US" altLang="zh-CN" b="1" i="1">
+                                <a:latin typeface="Cambria Math" panose="02040503050406030204" pitchFamily="18" charset="0"/>
+                              </a:rPr>
+                            </m:ctrlPr>
+                          </m:sSubPr>
+                          <m:e>
+                            <m:r>
+                              <a:rPr kumimoji="1" lang="en-US" altLang="zh-CN" b="1" i="1" smtClean="0">
+                                <a:latin typeface="Cambria Math" panose="02040503050406030204" pitchFamily="18" charset="0"/>
+                              </a:rPr>
+                              <m:t>𝒄</m:t>
+                            </m:r>
+                          </m:e>
+                          <m:sub>
+                            <m:r>
+                              <a:rPr kumimoji="1" lang="en-US" altLang="zh-CN" b="1" i="1" smtClean="0">
+                                <a:latin typeface="Cambria Math" panose="02040503050406030204" pitchFamily="18" charset="0"/>
+                              </a:rPr>
+                              <m:t>𝟖</m:t>
+                            </m:r>
+                          </m:sub>
+                        </m:sSub>
+                      </m:oMath>
+                    </m:oMathPara>
+                  </a14:m>
+                  <a:endParaRPr lang="zh-CN" altLang="en-US" b="1" dirty="0"/>
+                </a:p>
+              </p:txBody>
+            </p:sp>
+          </mc:Choice>
+          <mc:Fallback xmlns="">
+            <p:sp>
+              <p:nvSpPr>
+                <p:cNvPr id="10" name="矩形 9">
+                  <a:extLst>
+                    <a:ext uri="{FF2B5EF4-FFF2-40B4-BE49-F238E27FC236}">
+                      <a16:creationId xmlns:a16="http://schemas.microsoft.com/office/drawing/2014/main" id="{E2F85F2C-F5B0-7944-A621-77BCF48E0B7E}"/>
+                    </a:ext>
+                  </a:extLst>
+                </p:cNvPr>
+                <p:cNvSpPr>
+                  <a:spLocks noRot="1" noChangeAspect="1" noMove="1" noResize="1" noEditPoints="1" noAdjustHandles="1" noChangeArrowheads="1" noChangeShapeType="1" noTextEdit="1"/>
+                </p:cNvSpPr>
+                <p:nvPr/>
+              </p:nvSpPr>
+              <p:spPr>
+                <a:xfrm>
+                  <a:off x="7724109" y="3325760"/>
+                  <a:ext cx="1152688" cy="369332"/>
+                </a:xfrm>
+                <a:prstGeom prst="rect">
+                  <a:avLst/>
+                </a:prstGeom>
+                <a:blipFill>
+                  <a:blip r:embed="rId6"/>
+                  <a:stretch>
+                    <a:fillRect b="-13333"/>
+                  </a:stretch>
+                </a:blipFill>
+              </p:spPr>
+              <p:txBody>
+                <a:bodyPr/>
+                <a:lstStyle/>
+                <a:p>
+                  <a:r>
+                    <a:rPr lang="zh-CN" altLang="en-US">
+                      <a:noFill/>
+                    </a:rPr>
+                    <a:t> </a:t>
+                  </a:r>
+                </a:p>
+              </p:txBody>
+            </p:sp>
+          </mc:Fallback>
+        </mc:AlternateContent>
+        <mc:AlternateContent xmlns:mc="http://schemas.openxmlformats.org/markup-compatibility/2006" xmlns:a14="http://schemas.microsoft.com/office/drawing/2010/main">
+          <mc:Choice Requires="a14">
+            <p:sp>
+              <p:nvSpPr>
+                <p:cNvPr id="15" name="矩形 14">
+                  <a:extLst>
+                    <a:ext uri="{FF2B5EF4-FFF2-40B4-BE49-F238E27FC236}">
+                      <a16:creationId xmlns:a16="http://schemas.microsoft.com/office/drawing/2014/main" id="{9D7F33FE-A79E-FF47-8C2D-9D86F7FBC824}"/>
+                    </a:ext>
+                  </a:extLst>
+                </p:cNvPr>
+                <p:cNvSpPr/>
+                <p:nvPr/>
+              </p:nvSpPr>
+              <p:spPr>
+                <a:xfrm>
+                  <a:off x="5171604" y="4090094"/>
+                  <a:ext cx="1027717" cy="369332"/>
+                </a:xfrm>
+                <a:prstGeom prst="rect">
+                  <a:avLst/>
+                </a:prstGeom>
+              </p:spPr>
+              <p:txBody>
+                <a:bodyPr wrap="none">
+                  <a:spAutoFit/>
+                </a:bodyPr>
+                <a:lstStyle/>
+                <a:p>
+                  <a:pPr/>
+                  <a14:m>
+                    <m:oMathPara xmlns:m="http://schemas.openxmlformats.org/officeDocument/2006/math">
+                      <m:oMathParaPr>
+                        <m:jc m:val="centerGroup"/>
+                      </m:oMathParaPr>
+                      <m:oMath xmlns:m="http://schemas.openxmlformats.org/officeDocument/2006/math">
+                        <m:sSub>
+                          <m:sSubPr>
+                            <m:ctrlPr>
+                              <a:rPr kumimoji="1" lang="en-US" altLang="zh-CN" b="1" i="1">
+                                <a:latin typeface="Cambria Math" panose="02040503050406030204" pitchFamily="18" charset="0"/>
+                              </a:rPr>
+                            </m:ctrlPr>
+                          </m:sSubPr>
+                          <m:e>
+                            <m:r>
+                              <a:rPr kumimoji="1" lang="zh-CN" altLang="en-US" b="1" i="1">
+                                <a:latin typeface="Cambria Math" panose="02040503050406030204" pitchFamily="18" charset="0"/>
+                              </a:rPr>
+                              <m:t>  </m:t>
+                            </m:r>
+                            <m:r>
+                              <a:rPr kumimoji="1" lang="en-US" altLang="zh-CN" b="1" i="1">
+                                <a:latin typeface="Cambria Math" panose="02040503050406030204" pitchFamily="18" charset="0"/>
+                              </a:rPr>
+                              <m:t>𝒄</m:t>
+                            </m:r>
+                          </m:e>
+                          <m:sub>
+                            <m:r>
+                              <a:rPr kumimoji="1" lang="en-US" altLang="zh-CN" b="1" i="1">
+                                <a:latin typeface="Cambria Math" panose="02040503050406030204" pitchFamily="18" charset="0"/>
+                              </a:rPr>
+                              <m:t>𝟐</m:t>
+                            </m:r>
+                            <m:r>
+                              <a:rPr kumimoji="1" lang="zh-CN" altLang="en-US" b="1" i="1">
+                                <a:latin typeface="Cambria Math" panose="02040503050406030204" pitchFamily="18" charset="0"/>
+                              </a:rPr>
+                              <m:t>   </m:t>
+                            </m:r>
+                          </m:sub>
+                        </m:sSub>
+                        <m:sSub>
+                          <m:sSubPr>
+                            <m:ctrlPr>
+                              <a:rPr kumimoji="1" lang="en-US" altLang="zh-CN" b="1" i="1">
+                                <a:latin typeface="Cambria Math" panose="02040503050406030204" pitchFamily="18" charset="0"/>
+                              </a:rPr>
+                            </m:ctrlPr>
+                          </m:sSubPr>
+                          <m:e>
+                            <m:r>
+                              <a:rPr kumimoji="1" lang="en-US" altLang="zh-CN" b="1" i="1">
+                                <a:latin typeface="Cambria Math" panose="02040503050406030204" pitchFamily="18" charset="0"/>
+                              </a:rPr>
+                              <m:t>𝒄</m:t>
+                            </m:r>
+                          </m:e>
+                          <m:sub>
+                            <m:r>
+                              <a:rPr kumimoji="1" lang="en-US" altLang="zh-CN" b="1" i="1">
+                                <a:latin typeface="Cambria Math" panose="02040503050406030204" pitchFamily="18" charset="0"/>
+                              </a:rPr>
+                              <m:t>𝟑</m:t>
+                            </m:r>
+                            <m:r>
+                              <a:rPr kumimoji="1" lang="zh-CN" altLang="en-US" b="1" i="1">
+                                <a:latin typeface="Cambria Math" panose="02040503050406030204" pitchFamily="18" charset="0"/>
+                              </a:rPr>
+                              <m:t>   </m:t>
+                            </m:r>
+                          </m:sub>
+                        </m:sSub>
+                      </m:oMath>
+                    </m:oMathPara>
+                  </a14:m>
+                  <a:endParaRPr lang="zh-CN" altLang="en-US" b="1" dirty="0"/>
+                </a:p>
+              </p:txBody>
+            </p:sp>
+          </mc:Choice>
+          <mc:Fallback xmlns="">
+            <p:sp>
+              <p:nvSpPr>
+                <p:cNvPr id="15" name="矩形 14">
+                  <a:extLst>
+                    <a:ext uri="{FF2B5EF4-FFF2-40B4-BE49-F238E27FC236}">
+                      <a16:creationId xmlns:a16="http://schemas.microsoft.com/office/drawing/2014/main" id="{9D7F33FE-A79E-FF47-8C2D-9D86F7FBC824}"/>
+                    </a:ext>
+                  </a:extLst>
+                </p:cNvPr>
+                <p:cNvSpPr>
+                  <a:spLocks noRot="1" noChangeAspect="1" noMove="1" noResize="1" noEditPoints="1" noAdjustHandles="1" noChangeArrowheads="1" noChangeShapeType="1" noTextEdit="1"/>
+                </p:cNvSpPr>
+                <p:nvPr/>
+              </p:nvSpPr>
+              <p:spPr>
+                <a:xfrm>
+                  <a:off x="5171604" y="4090094"/>
+                  <a:ext cx="1027717" cy="369332"/>
+                </a:xfrm>
+                <a:prstGeom prst="rect">
+                  <a:avLst/>
+                </a:prstGeom>
+                <a:blipFill>
+                  <a:blip r:embed="rId7"/>
+                  <a:stretch>
+                    <a:fillRect b="-16667"/>
+                  </a:stretch>
+                </a:blipFill>
+              </p:spPr>
+              <p:txBody>
+                <a:bodyPr/>
+                <a:lstStyle/>
+                <a:p>
+                  <a:r>
+                    <a:rPr lang="zh-CN" altLang="en-US">
+                      <a:noFill/>
+                    </a:rPr>
+                    <a:t> </a:t>
+                  </a:r>
+                </a:p>
+              </p:txBody>
+            </p:sp>
+          </mc:Fallback>
+        </mc:AlternateContent>
+        <mc:AlternateContent xmlns:mc="http://schemas.openxmlformats.org/markup-compatibility/2006" xmlns:a14="http://schemas.microsoft.com/office/drawing/2010/main">
+          <mc:Choice Requires="a14">
+            <p:sp>
+              <p:nvSpPr>
+                <p:cNvPr id="16" name="矩形 15">
+                  <a:extLst>
+                    <a:ext uri="{FF2B5EF4-FFF2-40B4-BE49-F238E27FC236}">
+                      <a16:creationId xmlns:a16="http://schemas.microsoft.com/office/drawing/2014/main" id="{161D7B4A-ACF2-CA4C-91F8-FD534DBB3151}"/>
+                    </a:ext>
+                  </a:extLst>
+                </p:cNvPr>
+                <p:cNvSpPr/>
+                <p:nvPr/>
+              </p:nvSpPr>
+              <p:spPr>
+                <a:xfrm>
+                  <a:off x="6432826" y="4100922"/>
+                  <a:ext cx="917110" cy="369332"/>
+                </a:xfrm>
+                <a:prstGeom prst="rect">
+                  <a:avLst/>
+                </a:prstGeom>
+              </p:spPr>
+              <p:txBody>
+                <a:bodyPr wrap="none">
+                  <a:spAutoFit/>
+                </a:bodyPr>
+                <a:lstStyle/>
+                <a:p>
+                  <a:pPr/>
+                  <a14:m>
+                    <m:oMathPara xmlns:m="http://schemas.openxmlformats.org/officeDocument/2006/math">
+                      <m:oMathParaPr>
+                        <m:jc m:val="centerGroup"/>
+                      </m:oMathParaPr>
+                      <m:oMath xmlns:m="http://schemas.openxmlformats.org/officeDocument/2006/math">
+                        <m:sSub>
+                          <m:sSubPr>
+                            <m:ctrlPr>
+                              <a:rPr kumimoji="1" lang="en-US" altLang="zh-CN" b="1" i="1" smtClean="0">
+                                <a:latin typeface="Cambria Math" panose="02040503050406030204" pitchFamily="18" charset="0"/>
+                              </a:rPr>
+                            </m:ctrlPr>
+                          </m:sSubPr>
+                          <m:e>
+                            <m:r>
+                              <a:rPr kumimoji="1" lang="zh-CN" altLang="en-US" b="1" i="1">
+                                <a:latin typeface="Cambria Math" panose="02040503050406030204" pitchFamily="18" charset="0"/>
+                              </a:rPr>
+                              <m:t>  </m:t>
+                            </m:r>
+                            <m:r>
+                              <a:rPr kumimoji="1" lang="en-US" altLang="zh-CN" b="1" i="1">
+                                <a:latin typeface="Cambria Math" panose="02040503050406030204" pitchFamily="18" charset="0"/>
+                              </a:rPr>
+                              <m:t>𝒄</m:t>
+                            </m:r>
+                          </m:e>
+                          <m:sub>
+                            <m:r>
+                              <a:rPr kumimoji="1" lang="en-US" altLang="zh-CN" b="1" i="1" smtClean="0">
+                                <a:latin typeface="Cambria Math" panose="02040503050406030204" pitchFamily="18" charset="0"/>
+                              </a:rPr>
+                              <m:t>𝟒</m:t>
+                            </m:r>
+                            <m:r>
+                              <a:rPr kumimoji="1" lang="zh-CN" altLang="en-US" b="1" i="1">
+                                <a:latin typeface="Cambria Math" panose="02040503050406030204" pitchFamily="18" charset="0"/>
+                              </a:rPr>
+                              <m:t>   </m:t>
+                            </m:r>
+                          </m:sub>
+                        </m:sSub>
+                        <m:sSub>
+                          <m:sSubPr>
+                            <m:ctrlPr>
+                              <a:rPr kumimoji="1" lang="en-US" altLang="zh-CN" b="1" i="1">
+                                <a:latin typeface="Cambria Math" panose="02040503050406030204" pitchFamily="18" charset="0"/>
+                              </a:rPr>
+                            </m:ctrlPr>
+                          </m:sSubPr>
+                          <m:e>
+                            <m:r>
+                              <a:rPr kumimoji="1" lang="en-US" altLang="zh-CN" b="1" i="1">
+                                <a:latin typeface="Cambria Math" panose="02040503050406030204" pitchFamily="18" charset="0"/>
+                              </a:rPr>
+                              <m:t>𝒄</m:t>
+                            </m:r>
+                          </m:e>
+                          <m:sub>
+                            <m:r>
+                              <a:rPr kumimoji="1" lang="en-US" altLang="zh-CN" b="1" i="1" smtClean="0">
+                                <a:latin typeface="Cambria Math" panose="02040503050406030204" pitchFamily="18" charset="0"/>
+                              </a:rPr>
+                              <m:t>𝟓</m:t>
+                            </m:r>
+                          </m:sub>
+                        </m:sSub>
+                      </m:oMath>
+                    </m:oMathPara>
+                  </a14:m>
+                  <a:endParaRPr lang="zh-CN" altLang="en-US" b="1" dirty="0"/>
+                </a:p>
+              </p:txBody>
+            </p:sp>
+          </mc:Choice>
+          <mc:Fallback xmlns="">
+            <p:sp>
+              <p:nvSpPr>
+                <p:cNvPr id="16" name="矩形 15">
+                  <a:extLst>
+                    <a:ext uri="{FF2B5EF4-FFF2-40B4-BE49-F238E27FC236}">
+                      <a16:creationId xmlns:a16="http://schemas.microsoft.com/office/drawing/2014/main" id="{161D7B4A-ACF2-CA4C-91F8-FD534DBB3151}"/>
+                    </a:ext>
+                  </a:extLst>
+                </p:cNvPr>
+                <p:cNvSpPr>
+                  <a:spLocks noRot="1" noChangeAspect="1" noMove="1" noResize="1" noEditPoints="1" noAdjustHandles="1" noChangeArrowheads="1" noChangeShapeType="1" noTextEdit="1"/>
+                </p:cNvSpPr>
+                <p:nvPr/>
+              </p:nvSpPr>
+              <p:spPr>
+                <a:xfrm>
+                  <a:off x="6432826" y="4100922"/>
+                  <a:ext cx="917110" cy="369332"/>
+                </a:xfrm>
+                <a:prstGeom prst="rect">
+                  <a:avLst/>
+                </a:prstGeom>
+                <a:blipFill>
+                  <a:blip r:embed="rId8"/>
+                  <a:stretch>
+                    <a:fillRect b="-13333"/>
+                  </a:stretch>
+                </a:blipFill>
+              </p:spPr>
+              <p:txBody>
+                <a:bodyPr/>
+                <a:lstStyle/>
+                <a:p>
+                  <a:r>
+                    <a:rPr lang="zh-CN" altLang="en-US">
+                      <a:noFill/>
+                    </a:rPr>
+                    <a:t> </a:t>
+                  </a:r>
+                </a:p>
+              </p:txBody>
+            </p:sp>
+          </mc:Fallback>
+        </mc:AlternateContent>
+        <mc:AlternateContent xmlns:mc="http://schemas.openxmlformats.org/markup-compatibility/2006" xmlns:a14="http://schemas.microsoft.com/office/drawing/2010/main">
+          <mc:Choice Requires="a14">
+            <p:sp>
+              <p:nvSpPr>
+                <p:cNvPr id="17" name="矩形 16">
+                  <a:extLst>
+                    <a:ext uri="{FF2B5EF4-FFF2-40B4-BE49-F238E27FC236}">
+                      <a16:creationId xmlns:a16="http://schemas.microsoft.com/office/drawing/2014/main" id="{F0166805-2AB9-4D42-8B6D-C9C0F52A7F3D}"/>
+                    </a:ext>
+                  </a:extLst>
+                </p:cNvPr>
+                <p:cNvSpPr/>
+                <p:nvPr/>
+              </p:nvSpPr>
+              <p:spPr>
+                <a:xfrm>
+                  <a:off x="7421648" y="4072981"/>
+                  <a:ext cx="814517" cy="369332"/>
+                </a:xfrm>
+                <a:prstGeom prst="rect">
+                  <a:avLst/>
+                </a:prstGeom>
+              </p:spPr>
+              <p:txBody>
+                <a:bodyPr wrap="none">
+                  <a:spAutoFit/>
+                </a:bodyPr>
+                <a:lstStyle/>
+                <a:p>
+                  <a:pPr/>
+                  <a14:m>
+                    <m:oMathPara xmlns:m="http://schemas.openxmlformats.org/officeDocument/2006/math">
+                      <m:oMathParaPr>
+                        <m:jc m:val="centerGroup"/>
+                      </m:oMathParaPr>
+                      <m:oMath xmlns:m="http://schemas.openxmlformats.org/officeDocument/2006/math">
+                        <m:sSub>
+                          <m:sSubPr>
+                            <m:ctrlPr>
+                              <a:rPr kumimoji="1" lang="en-US" altLang="zh-CN" b="1" i="1">
+                                <a:latin typeface="Cambria Math" panose="02040503050406030204" pitchFamily="18" charset="0"/>
+                              </a:rPr>
+                            </m:ctrlPr>
+                          </m:sSubPr>
+                          <m:e>
+                            <m:r>
+                              <a:rPr kumimoji="1" lang="en-US" altLang="zh-CN" b="1" i="1">
+                                <a:latin typeface="Cambria Math" panose="02040503050406030204" pitchFamily="18" charset="0"/>
+                              </a:rPr>
+                              <m:t>𝒄</m:t>
+                            </m:r>
+                          </m:e>
+                          <m:sub>
+                            <m:r>
+                              <a:rPr kumimoji="1" lang="en-US" altLang="zh-CN" b="1" i="1">
+                                <a:latin typeface="Cambria Math" panose="02040503050406030204" pitchFamily="18" charset="0"/>
+                              </a:rPr>
+                              <m:t>𝟔</m:t>
+                            </m:r>
+                            <m:r>
+                              <a:rPr kumimoji="1" lang="zh-CN" altLang="en-US" b="1" i="1">
+                                <a:latin typeface="Cambria Math" panose="02040503050406030204" pitchFamily="18" charset="0"/>
+                              </a:rPr>
+                              <m:t>   </m:t>
+                            </m:r>
+                          </m:sub>
+                        </m:sSub>
+                        <m:sSub>
+                          <m:sSubPr>
+                            <m:ctrlPr>
+                              <a:rPr kumimoji="1" lang="en-US" altLang="zh-CN" b="1" i="1">
+                                <a:latin typeface="Cambria Math" panose="02040503050406030204" pitchFamily="18" charset="0"/>
+                              </a:rPr>
+                            </m:ctrlPr>
+                          </m:sSubPr>
+                          <m:e>
+                            <m:r>
+                              <a:rPr kumimoji="1" lang="en-US" altLang="zh-CN" b="1" i="1" smtClean="0">
+                                <a:latin typeface="Cambria Math" panose="02040503050406030204" pitchFamily="18" charset="0"/>
+                              </a:rPr>
+                              <m:t>𝒄</m:t>
+                            </m:r>
+                          </m:e>
+                          <m:sub>
+                            <m:r>
+                              <a:rPr kumimoji="1" lang="en-US" altLang="zh-CN" b="1" i="1" smtClean="0">
+                                <a:latin typeface="Cambria Math" panose="02040503050406030204" pitchFamily="18" charset="0"/>
+                              </a:rPr>
+                              <m:t>𝟕</m:t>
+                            </m:r>
+                          </m:sub>
+                        </m:sSub>
+                      </m:oMath>
+                    </m:oMathPara>
+                  </a14:m>
+                  <a:endParaRPr lang="zh-CN" altLang="en-US" b="1" dirty="0"/>
+                </a:p>
+              </p:txBody>
+            </p:sp>
+          </mc:Choice>
+          <mc:Fallback xmlns="">
+            <p:sp>
+              <p:nvSpPr>
+                <p:cNvPr id="17" name="矩形 16">
+                  <a:extLst>
+                    <a:ext uri="{FF2B5EF4-FFF2-40B4-BE49-F238E27FC236}">
+                      <a16:creationId xmlns:a16="http://schemas.microsoft.com/office/drawing/2014/main" id="{F0166805-2AB9-4D42-8B6D-C9C0F52A7F3D}"/>
+                    </a:ext>
+                  </a:extLst>
+                </p:cNvPr>
+                <p:cNvSpPr>
+                  <a:spLocks noRot="1" noChangeAspect="1" noMove="1" noResize="1" noEditPoints="1" noAdjustHandles="1" noChangeArrowheads="1" noChangeShapeType="1" noTextEdit="1"/>
+                </p:cNvSpPr>
+                <p:nvPr/>
+              </p:nvSpPr>
+              <p:spPr>
+                <a:xfrm>
+                  <a:off x="7421648" y="4072981"/>
+                  <a:ext cx="814517" cy="369332"/>
+                </a:xfrm>
+                <a:prstGeom prst="rect">
+                  <a:avLst/>
+                </a:prstGeom>
+                <a:blipFill>
+                  <a:blip r:embed="rId9"/>
+                  <a:stretch>
+                    <a:fillRect b="-13333"/>
+                  </a:stretch>
+                </a:blipFill>
+              </p:spPr>
+              <p:txBody>
+                <a:bodyPr/>
+                <a:lstStyle/>
+                <a:p>
+                  <a:r>
+                    <a:rPr lang="zh-CN" altLang="en-US">
+                      <a:noFill/>
+                    </a:rPr>
+                    <a:t> </a:t>
+                  </a:r>
+                </a:p>
+              </p:txBody>
+            </p:sp>
+          </mc:Fallback>
+        </mc:AlternateContent>
+        <mc:AlternateContent xmlns:mc="http://schemas.openxmlformats.org/markup-compatibility/2006" xmlns:a14="http://schemas.microsoft.com/office/drawing/2010/main">
+          <mc:Choice Requires="a14">
+            <p:sp>
+              <p:nvSpPr>
+                <p:cNvPr id="18" name="矩形 17">
+                  <a:extLst>
+                    <a:ext uri="{FF2B5EF4-FFF2-40B4-BE49-F238E27FC236}">
+                      <a16:creationId xmlns:a16="http://schemas.microsoft.com/office/drawing/2014/main" id="{AE8BAC61-C8DF-6448-8BAC-015FE2C00607}"/>
+                    </a:ext>
+                  </a:extLst>
+                </p:cNvPr>
+                <p:cNvSpPr/>
+                <p:nvPr/>
+              </p:nvSpPr>
+              <p:spPr>
+                <a:xfrm>
+                  <a:off x="8638623" y="4090094"/>
+                  <a:ext cx="476348" cy="369332"/>
+                </a:xfrm>
+                <a:prstGeom prst="rect">
+                  <a:avLst/>
+                </a:prstGeom>
+              </p:spPr>
+              <p:txBody>
+                <a:bodyPr wrap="none">
+                  <a:spAutoFit/>
+                </a:bodyPr>
+                <a:lstStyle/>
+                <a:p>
+                  <a:pPr/>
+                  <a14:m>
+                    <m:oMathPara xmlns:m="http://schemas.openxmlformats.org/officeDocument/2006/math">
+                      <m:oMathParaPr>
+                        <m:jc m:val="centerGroup"/>
+                      </m:oMathParaPr>
+                      <m:oMath xmlns:m="http://schemas.openxmlformats.org/officeDocument/2006/math">
+                        <m:sSub>
+                          <m:sSubPr>
+                            <m:ctrlPr>
+                              <a:rPr kumimoji="1" lang="en-US" altLang="zh-CN" b="1" i="1">
+                                <a:latin typeface="Cambria Math" panose="02040503050406030204" pitchFamily="18" charset="0"/>
+                              </a:rPr>
+                            </m:ctrlPr>
+                          </m:sSubPr>
+                          <m:e>
+                            <m:r>
+                              <a:rPr kumimoji="1" lang="en-US" altLang="zh-CN" b="1" i="1" smtClean="0">
+                                <a:latin typeface="Cambria Math" panose="02040503050406030204" pitchFamily="18" charset="0"/>
+                              </a:rPr>
+                              <m:t>𝒄</m:t>
+                            </m:r>
+                          </m:e>
+                          <m:sub>
+                            <m:r>
+                              <a:rPr kumimoji="1" lang="en-US" altLang="zh-CN" b="1" i="1" smtClean="0">
+                                <a:latin typeface="Cambria Math" panose="02040503050406030204" pitchFamily="18" charset="0"/>
+                              </a:rPr>
+                              <m:t>𝟖</m:t>
+                            </m:r>
+                          </m:sub>
+                        </m:sSub>
+                      </m:oMath>
+                    </m:oMathPara>
+                  </a14:m>
+                  <a:endParaRPr lang="zh-CN" altLang="en-US" b="1" dirty="0"/>
+                </a:p>
+              </p:txBody>
+            </p:sp>
+          </mc:Choice>
+          <mc:Fallback xmlns="">
+            <p:sp>
+              <p:nvSpPr>
+                <p:cNvPr id="18" name="矩形 17">
+                  <a:extLst>
+                    <a:ext uri="{FF2B5EF4-FFF2-40B4-BE49-F238E27FC236}">
+                      <a16:creationId xmlns:a16="http://schemas.microsoft.com/office/drawing/2014/main" id="{AE8BAC61-C8DF-6448-8BAC-015FE2C00607}"/>
+                    </a:ext>
+                  </a:extLst>
+                </p:cNvPr>
+                <p:cNvSpPr>
+                  <a:spLocks noRot="1" noChangeAspect="1" noMove="1" noResize="1" noEditPoints="1" noAdjustHandles="1" noChangeArrowheads="1" noChangeShapeType="1" noTextEdit="1"/>
+                </p:cNvSpPr>
+                <p:nvPr/>
+              </p:nvSpPr>
+              <p:spPr>
+                <a:xfrm>
+                  <a:off x="8638623" y="4090094"/>
+                  <a:ext cx="476348" cy="369332"/>
+                </a:xfrm>
+                <a:prstGeom prst="rect">
+                  <a:avLst/>
+                </a:prstGeom>
+                <a:blipFill>
+                  <a:blip r:embed="rId10"/>
+                  <a:stretch>
+                    <a:fillRect/>
+                  </a:stretch>
+                </a:blipFill>
+              </p:spPr>
+              <p:txBody>
+                <a:bodyPr/>
+                <a:lstStyle/>
+                <a:p>
+                  <a:r>
+                    <a:rPr lang="zh-CN" altLang="en-US">
+                      <a:noFill/>
+                    </a:rPr>
+                    <a:t> </a:t>
+                  </a:r>
+                </a:p>
+              </p:txBody>
+            </p:sp>
+          </mc:Fallback>
+        </mc:AlternateContent>
+        <p:cxnSp>
+          <p:nvCxnSpPr>
+            <p:cNvPr id="20" name="直线箭头连接符 19">
+              <a:extLst>
+                <a:ext uri="{FF2B5EF4-FFF2-40B4-BE49-F238E27FC236}">
+                  <a16:creationId xmlns:a16="http://schemas.microsoft.com/office/drawing/2014/main" id="{7AB37023-CF18-344A-8030-E99FB4704612}"/>
+                </a:ext>
+              </a:extLst>
+            </p:cNvPr>
+            <p:cNvCxnSpPr>
+              <a:stCxn id="4" idx="2"/>
+              <a:endCxn id="5" idx="0"/>
+            </p:cNvCxnSpPr>
+            <p:nvPr/>
+          </p:nvCxnSpPr>
+          <p:spPr>
+            <a:xfrm flipH="1">
+              <a:off x="4561957" y="2174982"/>
+              <a:ext cx="1300620" cy="410403"/>
+            </a:xfrm>
+            <a:prstGeom prst="straightConnector1">
+              <a:avLst/>
+            </a:prstGeom>
+            <a:ln w="19050">
+              <a:solidFill>
+                <a:schemeClr val="tx1"/>
+              </a:solidFill>
+              <a:tailEnd type="triangle"/>
+            </a:ln>
+          </p:spPr>
+          <p:style>
+            <a:lnRef idx="1">
+              <a:schemeClr val="accent1"/>
+            </a:lnRef>
+            <a:fillRef idx="0">
+              <a:schemeClr val="accent1"/>
+            </a:fillRef>
+            <a:effectRef idx="0">
+              <a:schemeClr val="accent1"/>
+            </a:effectRef>
+            <a:fontRef idx="minor">
+              <a:schemeClr val="tx1"/>
+            </a:fontRef>
+          </p:style>
+        </p:cxnSp>
+        <p:cxnSp>
+          <p:nvCxnSpPr>
+            <p:cNvPr id="22" name="直线箭头连接符 21">
+              <a:extLst>
+                <a:ext uri="{FF2B5EF4-FFF2-40B4-BE49-F238E27FC236}">
+                  <a16:creationId xmlns:a16="http://schemas.microsoft.com/office/drawing/2014/main" id="{84F99461-98A2-9045-8FA7-FA2D8CCE2A52}"/>
+                </a:ext>
+              </a:extLst>
+            </p:cNvPr>
+            <p:cNvCxnSpPr>
+              <a:stCxn id="4" idx="2"/>
+              <a:endCxn id="6" idx="0"/>
+            </p:cNvCxnSpPr>
+            <p:nvPr/>
+          </p:nvCxnSpPr>
+          <p:spPr>
+            <a:xfrm>
+              <a:off x="5862577" y="2174982"/>
+              <a:ext cx="1485992" cy="386445"/>
+            </a:xfrm>
+            <a:prstGeom prst="straightConnector1">
+              <a:avLst/>
+            </a:prstGeom>
+            <a:ln w="19050">
+              <a:solidFill>
+                <a:schemeClr val="tx1"/>
+              </a:solidFill>
+              <a:tailEnd type="triangle"/>
+            </a:ln>
+          </p:spPr>
+          <p:style>
+            <a:lnRef idx="1">
+              <a:schemeClr val="accent1"/>
+            </a:lnRef>
+            <a:fillRef idx="0">
+              <a:schemeClr val="accent1"/>
+            </a:fillRef>
+            <a:effectRef idx="0">
+              <a:schemeClr val="accent1"/>
+            </a:effectRef>
+            <a:fontRef idx="minor">
+              <a:schemeClr val="tx1"/>
+            </a:fontRef>
+          </p:style>
+        </p:cxnSp>
+        <p:cxnSp>
+          <p:nvCxnSpPr>
+            <p:cNvPr id="28" name="直线箭头连接符 27">
+              <a:extLst>
+                <a:ext uri="{FF2B5EF4-FFF2-40B4-BE49-F238E27FC236}">
+                  <a16:creationId xmlns:a16="http://schemas.microsoft.com/office/drawing/2014/main" id="{9A14FA05-BAFB-6F40-9052-68844A1F0C72}"/>
+                </a:ext>
+              </a:extLst>
+            </p:cNvPr>
+            <p:cNvCxnSpPr>
+              <a:stCxn id="6" idx="2"/>
+              <a:endCxn id="9" idx="0"/>
+            </p:cNvCxnSpPr>
+            <p:nvPr/>
+          </p:nvCxnSpPr>
+          <p:spPr>
+            <a:xfrm flipH="1">
+              <a:off x="6310490" y="2930759"/>
+              <a:ext cx="1038079" cy="374646"/>
+            </a:xfrm>
+            <a:prstGeom prst="straightConnector1">
+              <a:avLst/>
+            </a:prstGeom>
+            <a:ln w="19050">
+              <a:solidFill>
+                <a:schemeClr val="tx1"/>
+              </a:solidFill>
+              <a:tailEnd type="triangle"/>
+            </a:ln>
+          </p:spPr>
+          <p:style>
+            <a:lnRef idx="1">
+              <a:schemeClr val="accent1"/>
+            </a:lnRef>
+            <a:fillRef idx="0">
+              <a:schemeClr val="accent1"/>
+            </a:fillRef>
+            <a:effectRef idx="0">
+              <a:schemeClr val="accent1"/>
+            </a:effectRef>
+            <a:fontRef idx="minor">
+              <a:schemeClr val="tx1"/>
+            </a:fontRef>
+          </p:style>
+        </p:cxnSp>
+        <p:cxnSp>
+          <p:nvCxnSpPr>
+            <p:cNvPr id="30" name="直线箭头连接符 29">
+              <a:extLst>
+                <a:ext uri="{FF2B5EF4-FFF2-40B4-BE49-F238E27FC236}">
+                  <a16:creationId xmlns:a16="http://schemas.microsoft.com/office/drawing/2014/main" id="{A5973F1A-2FDE-754D-986C-0112DAE2998E}"/>
+                </a:ext>
+              </a:extLst>
+            </p:cNvPr>
+            <p:cNvCxnSpPr>
+              <a:cxnSpLocks/>
+              <a:stCxn id="6" idx="2"/>
+              <a:endCxn id="10" idx="0"/>
+            </p:cNvCxnSpPr>
+            <p:nvPr/>
+          </p:nvCxnSpPr>
+          <p:spPr>
+            <a:xfrm>
+              <a:off x="7348569" y="2930759"/>
+              <a:ext cx="951884" cy="395001"/>
+            </a:xfrm>
+            <a:prstGeom prst="straightConnector1">
+              <a:avLst/>
+            </a:prstGeom>
+            <a:ln w="19050">
+              <a:solidFill>
+                <a:schemeClr val="tx1"/>
+              </a:solidFill>
+              <a:tailEnd type="triangle"/>
+            </a:ln>
+          </p:spPr>
+          <p:style>
+            <a:lnRef idx="1">
+              <a:schemeClr val="accent1"/>
+            </a:lnRef>
+            <a:fillRef idx="0">
+              <a:schemeClr val="accent1"/>
+            </a:fillRef>
+            <a:effectRef idx="0">
+              <a:schemeClr val="accent1"/>
+            </a:effectRef>
+            <a:fontRef idx="minor">
+              <a:schemeClr val="tx1"/>
+            </a:fontRef>
+          </p:style>
+        </p:cxnSp>
+        <p:cxnSp>
+          <p:nvCxnSpPr>
+            <p:cNvPr id="42" name="直线箭头连接符 41">
+              <a:extLst>
+                <a:ext uri="{FF2B5EF4-FFF2-40B4-BE49-F238E27FC236}">
+                  <a16:creationId xmlns:a16="http://schemas.microsoft.com/office/drawing/2014/main" id="{B44F9226-E0C2-D747-8873-DB22B8E55A8D}"/>
+                </a:ext>
+              </a:extLst>
+            </p:cNvPr>
+            <p:cNvCxnSpPr>
+              <a:stCxn id="9" idx="2"/>
+              <a:endCxn id="15" idx="0"/>
+            </p:cNvCxnSpPr>
+            <p:nvPr/>
+          </p:nvCxnSpPr>
+          <p:spPr>
+            <a:xfrm flipH="1">
+              <a:off x="5685463" y="3674737"/>
+              <a:ext cx="625027" cy="415357"/>
+            </a:xfrm>
+            <a:prstGeom prst="straightConnector1">
+              <a:avLst/>
+            </a:prstGeom>
+            <a:ln w="19050">
+              <a:solidFill>
+                <a:schemeClr val="tx1"/>
+              </a:solidFill>
+              <a:tailEnd type="triangle"/>
+            </a:ln>
+          </p:spPr>
+          <p:style>
+            <a:lnRef idx="1">
+              <a:schemeClr val="accent1"/>
+            </a:lnRef>
+            <a:fillRef idx="0">
+              <a:schemeClr val="accent1"/>
+            </a:fillRef>
+            <a:effectRef idx="0">
+              <a:schemeClr val="accent1"/>
+            </a:effectRef>
+            <a:fontRef idx="minor">
+              <a:schemeClr val="tx1"/>
+            </a:fontRef>
+          </p:style>
+        </p:cxnSp>
+        <p:cxnSp>
+          <p:nvCxnSpPr>
+            <p:cNvPr id="44" name="直线箭头连接符 43">
+              <a:extLst>
+                <a:ext uri="{FF2B5EF4-FFF2-40B4-BE49-F238E27FC236}">
+                  <a16:creationId xmlns:a16="http://schemas.microsoft.com/office/drawing/2014/main" id="{4FF5DACC-47F1-B746-9640-C83DB4991CF6}"/>
+                </a:ext>
+              </a:extLst>
+            </p:cNvPr>
+            <p:cNvCxnSpPr>
+              <a:cxnSpLocks/>
+              <a:endCxn id="16" idx="0"/>
+            </p:cNvCxnSpPr>
+            <p:nvPr/>
+          </p:nvCxnSpPr>
+          <p:spPr>
+            <a:xfrm>
+              <a:off x="6298530" y="3684690"/>
+              <a:ext cx="592851" cy="416232"/>
+            </a:xfrm>
+            <a:prstGeom prst="straightConnector1">
+              <a:avLst/>
+            </a:prstGeom>
+            <a:ln w="19050">
+              <a:solidFill>
+                <a:schemeClr val="tx1"/>
+              </a:solidFill>
+              <a:tailEnd type="triangle"/>
+            </a:ln>
+          </p:spPr>
+          <p:style>
+            <a:lnRef idx="1">
+              <a:schemeClr val="accent1"/>
+            </a:lnRef>
+            <a:fillRef idx="0">
+              <a:schemeClr val="accent1"/>
+            </a:fillRef>
+            <a:effectRef idx="0">
+              <a:schemeClr val="accent1"/>
+            </a:effectRef>
+            <a:fontRef idx="minor">
+              <a:schemeClr val="tx1"/>
+            </a:fontRef>
+          </p:style>
+        </p:cxnSp>
+        <p:cxnSp>
+          <p:nvCxnSpPr>
+            <p:cNvPr id="46" name="直线箭头连接符 45">
+              <a:extLst>
+                <a:ext uri="{FF2B5EF4-FFF2-40B4-BE49-F238E27FC236}">
+                  <a16:creationId xmlns:a16="http://schemas.microsoft.com/office/drawing/2014/main" id="{7F14F8E8-68E8-4147-9914-BE9DE6C83712}"/>
+                </a:ext>
+              </a:extLst>
+            </p:cNvPr>
+            <p:cNvCxnSpPr>
+              <a:stCxn id="10" idx="2"/>
+              <a:endCxn id="17" idx="0"/>
+            </p:cNvCxnSpPr>
+            <p:nvPr/>
+          </p:nvCxnSpPr>
+          <p:spPr>
+            <a:xfrm flipH="1">
+              <a:off x="7828907" y="3695092"/>
+              <a:ext cx="471546" cy="377889"/>
+            </a:xfrm>
+            <a:prstGeom prst="straightConnector1">
+              <a:avLst/>
+            </a:prstGeom>
+            <a:ln w="19050">
+              <a:solidFill>
+                <a:schemeClr val="tx1"/>
+              </a:solidFill>
+              <a:tailEnd type="triangle"/>
+            </a:ln>
+          </p:spPr>
+          <p:style>
+            <a:lnRef idx="1">
+              <a:schemeClr val="accent1"/>
+            </a:lnRef>
+            <a:fillRef idx="0">
+              <a:schemeClr val="accent1"/>
+            </a:fillRef>
+            <a:effectRef idx="0">
+              <a:schemeClr val="accent1"/>
+            </a:effectRef>
+            <a:fontRef idx="minor">
+              <a:schemeClr val="tx1"/>
+            </a:fontRef>
+          </p:style>
+        </p:cxnSp>
+        <p:cxnSp>
+          <p:nvCxnSpPr>
+            <p:cNvPr id="48" name="直线箭头连接符 47">
+              <a:extLst>
+                <a:ext uri="{FF2B5EF4-FFF2-40B4-BE49-F238E27FC236}">
+                  <a16:creationId xmlns:a16="http://schemas.microsoft.com/office/drawing/2014/main" id="{431DA464-BDF9-0142-BDE4-D0B338B8F58A}"/>
+                </a:ext>
+              </a:extLst>
+            </p:cNvPr>
+            <p:cNvCxnSpPr>
+              <a:stCxn id="10" idx="2"/>
+              <a:endCxn id="18" idx="0"/>
+            </p:cNvCxnSpPr>
+            <p:nvPr/>
+          </p:nvCxnSpPr>
+          <p:spPr>
+            <a:xfrm>
+              <a:off x="8300453" y="3695092"/>
+              <a:ext cx="576344" cy="395002"/>
+            </a:xfrm>
+            <a:prstGeom prst="straightConnector1">
+              <a:avLst/>
+            </a:prstGeom>
+            <a:ln w="19050">
+              <a:solidFill>
+                <a:schemeClr val="tx1"/>
+              </a:solidFill>
+              <a:tailEnd type="triangle"/>
+            </a:ln>
+          </p:spPr>
+          <p:style>
+            <a:lnRef idx="1">
+              <a:schemeClr val="accent1"/>
+            </a:lnRef>
+            <a:fillRef idx="0">
+              <a:schemeClr val="accent1"/>
+            </a:fillRef>
+            <a:effectRef idx="0">
+              <a:schemeClr val="accent1"/>
+            </a:effectRef>
+            <a:fontRef idx="minor">
+              <a:schemeClr val="tx1"/>
+            </a:fontRef>
+          </p:style>
+        </p:cxnSp>
+        <mc:AlternateContent xmlns:mc="http://schemas.openxmlformats.org/markup-compatibility/2006" xmlns:a14="http://schemas.microsoft.com/office/drawing/2010/main">
+          <mc:Choice Requires="a14">
+            <p:sp>
+              <p:nvSpPr>
+                <p:cNvPr id="63" name="矩形 62">
+                  <a:extLst>
+                    <a:ext uri="{FF2B5EF4-FFF2-40B4-BE49-F238E27FC236}">
+                      <a16:creationId xmlns:a16="http://schemas.microsoft.com/office/drawing/2014/main" id="{A487ABE7-22FA-D946-8BCC-1E8CC3698FD2}"/>
+                    </a:ext>
+                  </a:extLst>
+                </p:cNvPr>
+                <p:cNvSpPr/>
+                <p:nvPr/>
+              </p:nvSpPr>
+              <p:spPr>
+                <a:xfrm>
+                  <a:off x="5136954" y="4808041"/>
+                  <a:ext cx="476348" cy="369332"/>
+                </a:xfrm>
+                <a:prstGeom prst="rect">
+                  <a:avLst/>
+                </a:prstGeom>
+              </p:spPr>
+              <p:txBody>
+                <a:bodyPr wrap="none">
+                  <a:spAutoFit/>
+                </a:bodyPr>
+                <a:lstStyle/>
+                <a:p>
+                  <a:pPr/>
+                  <a14:m>
+                    <m:oMathPara xmlns:m="http://schemas.openxmlformats.org/officeDocument/2006/math">
+                      <m:oMathParaPr>
+                        <m:jc m:val="centerGroup"/>
+                      </m:oMathParaPr>
+                      <m:oMath xmlns:m="http://schemas.openxmlformats.org/officeDocument/2006/math">
+                        <m:sSub>
+                          <m:sSubPr>
+                            <m:ctrlPr>
+                              <a:rPr kumimoji="1" lang="en-US" altLang="zh-CN" b="1" i="1" smtClean="0">
+                                <a:latin typeface="Cambria Math" panose="02040503050406030204" pitchFamily="18" charset="0"/>
+                              </a:rPr>
+                            </m:ctrlPr>
+                          </m:sSubPr>
+                          <m:e>
+                            <m:r>
+                              <a:rPr kumimoji="1" lang="en-US" altLang="zh-CN" b="1" i="1" smtClean="0">
+                                <a:latin typeface="Cambria Math" panose="02040503050406030204" pitchFamily="18" charset="0"/>
+                              </a:rPr>
+                              <m:t>𝒄</m:t>
+                            </m:r>
+                          </m:e>
+                          <m:sub>
+                            <m:r>
+                              <a:rPr kumimoji="1" lang="en-US" altLang="zh-CN" b="1" i="1" smtClean="0">
+                                <a:latin typeface="Cambria Math" panose="02040503050406030204" pitchFamily="18" charset="0"/>
+                              </a:rPr>
+                              <m:t>𝟐</m:t>
+                            </m:r>
+                          </m:sub>
+                        </m:sSub>
+                      </m:oMath>
+                    </m:oMathPara>
+                  </a14:m>
+                  <a:endParaRPr lang="zh-CN" altLang="en-US" b="1" dirty="0"/>
+                </a:p>
+              </p:txBody>
+            </p:sp>
+          </mc:Choice>
+          <mc:Fallback xmlns="">
+            <p:sp>
+              <p:nvSpPr>
+                <p:cNvPr id="63" name="矩形 62">
+                  <a:extLst>
+                    <a:ext uri="{FF2B5EF4-FFF2-40B4-BE49-F238E27FC236}">
+                      <a16:creationId xmlns:a16="http://schemas.microsoft.com/office/drawing/2014/main" id="{A487ABE7-22FA-D946-8BCC-1E8CC3698FD2}"/>
+                    </a:ext>
+                  </a:extLst>
+                </p:cNvPr>
+                <p:cNvSpPr>
+                  <a:spLocks noRot="1" noChangeAspect="1" noMove="1" noResize="1" noEditPoints="1" noAdjustHandles="1" noChangeArrowheads="1" noChangeShapeType="1" noTextEdit="1"/>
+                </p:cNvSpPr>
+                <p:nvPr/>
+              </p:nvSpPr>
+              <p:spPr>
+                <a:xfrm>
+                  <a:off x="5136954" y="4808041"/>
+                  <a:ext cx="476348" cy="369332"/>
+                </a:xfrm>
+                <a:prstGeom prst="rect">
+                  <a:avLst/>
+                </a:prstGeom>
+                <a:blipFill>
+                  <a:blip r:embed="rId11"/>
+                  <a:stretch>
+                    <a:fillRect/>
+                  </a:stretch>
+                </a:blipFill>
+              </p:spPr>
+              <p:txBody>
+                <a:bodyPr/>
+                <a:lstStyle/>
+                <a:p>
+                  <a:r>
+                    <a:rPr lang="zh-CN" altLang="en-US">
+                      <a:noFill/>
+                    </a:rPr>
+                    <a:t> </a:t>
+                  </a:r>
+                </a:p>
+              </p:txBody>
+            </p:sp>
+          </mc:Fallback>
+        </mc:AlternateContent>
+        <mc:AlternateContent xmlns:mc="http://schemas.openxmlformats.org/markup-compatibility/2006" xmlns:a14="http://schemas.microsoft.com/office/drawing/2010/main">
+          <mc:Choice Requires="a14">
+            <p:sp>
+              <p:nvSpPr>
+                <p:cNvPr id="64" name="矩形 63">
+                  <a:extLst>
+                    <a:ext uri="{FF2B5EF4-FFF2-40B4-BE49-F238E27FC236}">
+                      <a16:creationId xmlns:a16="http://schemas.microsoft.com/office/drawing/2014/main" id="{B42AF5CE-C5AE-AA48-92F9-6C28963B73FC}"/>
+                    </a:ext>
+                  </a:extLst>
+                </p:cNvPr>
+                <p:cNvSpPr/>
+                <p:nvPr/>
+              </p:nvSpPr>
+              <p:spPr>
+                <a:xfrm>
+                  <a:off x="5685463" y="4814015"/>
+                  <a:ext cx="615810" cy="369332"/>
+                </a:xfrm>
+                <a:prstGeom prst="rect">
+                  <a:avLst/>
+                </a:prstGeom>
+              </p:spPr>
+              <p:txBody>
+                <a:bodyPr wrap="none">
+                  <a:spAutoFit/>
+                </a:bodyPr>
+                <a:lstStyle/>
+                <a:p>
+                  <a:pPr/>
+                  <a14:m>
+                    <m:oMathPara xmlns:m="http://schemas.openxmlformats.org/officeDocument/2006/math">
+                      <m:oMathParaPr>
+                        <m:jc m:val="centerGroup"/>
+                      </m:oMathParaPr>
+                      <m:oMath xmlns:m="http://schemas.openxmlformats.org/officeDocument/2006/math">
+                        <m:sSub>
+                          <m:sSubPr>
+                            <m:ctrlPr>
+                              <a:rPr kumimoji="1" lang="en-US" altLang="zh-CN" b="1" i="1" smtClean="0">
+                                <a:latin typeface="Cambria Math" panose="02040503050406030204" pitchFamily="18" charset="0"/>
+                              </a:rPr>
+                            </m:ctrlPr>
+                          </m:sSubPr>
+                          <m:e>
+                            <m:r>
+                              <a:rPr kumimoji="1" lang="zh-CN" altLang="en-US" b="1" i="1" smtClean="0">
+                                <a:latin typeface="Cambria Math" panose="02040503050406030204" pitchFamily="18" charset="0"/>
+                              </a:rPr>
+                              <m:t>  </m:t>
+                            </m:r>
+                            <m:r>
+                              <a:rPr kumimoji="1" lang="en-US" altLang="zh-CN" b="1" i="1" smtClean="0">
+                                <a:latin typeface="Cambria Math" panose="02040503050406030204" pitchFamily="18" charset="0"/>
+                              </a:rPr>
+                              <m:t>𝒄</m:t>
+                            </m:r>
+                          </m:e>
+                          <m:sub>
+                            <m:r>
+                              <a:rPr kumimoji="1" lang="en-US" altLang="zh-CN" b="1" i="1" smtClean="0">
+                                <a:latin typeface="Cambria Math" panose="02040503050406030204" pitchFamily="18" charset="0"/>
+                              </a:rPr>
+                              <m:t>𝟑</m:t>
+                            </m:r>
+                            <m:r>
+                              <a:rPr kumimoji="1" lang="zh-CN" altLang="en-US" b="1" i="1" smtClean="0">
+                                <a:latin typeface="Cambria Math" panose="02040503050406030204" pitchFamily="18" charset="0"/>
+                              </a:rPr>
+                              <m:t> </m:t>
+                            </m:r>
+                          </m:sub>
+                        </m:sSub>
+                      </m:oMath>
+                    </m:oMathPara>
+                  </a14:m>
+                  <a:endParaRPr lang="zh-CN" altLang="en-US" b="1" dirty="0"/>
+                </a:p>
+              </p:txBody>
+            </p:sp>
+          </mc:Choice>
+          <mc:Fallback xmlns="">
+            <p:sp>
+              <p:nvSpPr>
+                <p:cNvPr id="64" name="矩形 63">
+                  <a:extLst>
+                    <a:ext uri="{FF2B5EF4-FFF2-40B4-BE49-F238E27FC236}">
+                      <a16:creationId xmlns:a16="http://schemas.microsoft.com/office/drawing/2014/main" id="{B42AF5CE-C5AE-AA48-92F9-6C28963B73FC}"/>
+                    </a:ext>
+                  </a:extLst>
+                </p:cNvPr>
+                <p:cNvSpPr>
+                  <a:spLocks noRot="1" noChangeAspect="1" noMove="1" noResize="1" noEditPoints="1" noAdjustHandles="1" noChangeArrowheads="1" noChangeShapeType="1" noTextEdit="1"/>
+                </p:cNvSpPr>
+                <p:nvPr/>
+              </p:nvSpPr>
+              <p:spPr>
+                <a:xfrm>
+                  <a:off x="5685463" y="4814015"/>
+                  <a:ext cx="615810" cy="369332"/>
+                </a:xfrm>
+                <a:prstGeom prst="rect">
+                  <a:avLst/>
+                </a:prstGeom>
+                <a:blipFill>
+                  <a:blip r:embed="rId12"/>
+                  <a:stretch>
+                    <a:fillRect b="-13333"/>
+                  </a:stretch>
+                </a:blipFill>
+              </p:spPr>
+              <p:txBody>
+                <a:bodyPr/>
+                <a:lstStyle/>
+                <a:p>
+                  <a:r>
+                    <a:rPr lang="zh-CN" altLang="en-US">
+                      <a:noFill/>
+                    </a:rPr>
+                    <a:t> </a:t>
+                  </a:r>
+                </a:p>
+              </p:txBody>
+            </p:sp>
+          </mc:Fallback>
+        </mc:AlternateContent>
+        <p:cxnSp>
+          <p:nvCxnSpPr>
+            <p:cNvPr id="65" name="直线箭头连接符 64">
+              <a:extLst>
+                <a:ext uri="{FF2B5EF4-FFF2-40B4-BE49-F238E27FC236}">
+                  <a16:creationId xmlns:a16="http://schemas.microsoft.com/office/drawing/2014/main" id="{022B15C2-4C9B-324B-A16E-316AC6071219}"/>
+                </a:ext>
+              </a:extLst>
+            </p:cNvPr>
+            <p:cNvCxnSpPr>
+              <a:cxnSpLocks/>
+              <a:stCxn id="15" idx="2"/>
+              <a:endCxn id="63" idx="0"/>
+            </p:cNvCxnSpPr>
+            <p:nvPr/>
+          </p:nvCxnSpPr>
+          <p:spPr>
+            <a:xfrm flipH="1">
+              <a:off x="5375128" y="4459426"/>
+              <a:ext cx="310335" cy="348615"/>
+            </a:xfrm>
+            <a:prstGeom prst="straightConnector1">
+              <a:avLst/>
+            </a:prstGeom>
+            <a:ln w="19050">
+              <a:solidFill>
+                <a:schemeClr val="tx1"/>
+              </a:solidFill>
+              <a:tailEnd type="triangle"/>
+            </a:ln>
+          </p:spPr>
+          <p:style>
+            <a:lnRef idx="1">
+              <a:schemeClr val="accent1"/>
+            </a:lnRef>
+            <a:fillRef idx="0">
+              <a:schemeClr val="accent1"/>
+            </a:fillRef>
+            <a:effectRef idx="0">
+              <a:schemeClr val="accent1"/>
+            </a:effectRef>
+            <a:fontRef idx="minor">
+              <a:schemeClr val="tx1"/>
+            </a:fontRef>
+          </p:style>
+        </p:cxnSp>
+        <p:cxnSp>
+          <p:nvCxnSpPr>
+            <p:cNvPr id="66" name="直线箭头连接符 65">
+              <a:extLst>
+                <a:ext uri="{FF2B5EF4-FFF2-40B4-BE49-F238E27FC236}">
+                  <a16:creationId xmlns:a16="http://schemas.microsoft.com/office/drawing/2014/main" id="{8824BCAD-E79E-5144-B2A8-60D3758987F2}"/>
+                </a:ext>
+              </a:extLst>
+            </p:cNvPr>
+            <p:cNvCxnSpPr>
+              <a:cxnSpLocks/>
+              <a:endCxn id="64" idx="0"/>
+            </p:cNvCxnSpPr>
+            <p:nvPr/>
+          </p:nvCxnSpPr>
+          <p:spPr>
+            <a:xfrm>
+              <a:off x="5683033" y="4442313"/>
+              <a:ext cx="310335" cy="371702"/>
+            </a:xfrm>
+            <a:prstGeom prst="straightConnector1">
+              <a:avLst/>
+            </a:prstGeom>
+            <a:ln w="19050">
+              <a:solidFill>
+                <a:schemeClr val="tx1"/>
+              </a:solidFill>
+              <a:tailEnd type="triangle"/>
+            </a:ln>
+          </p:spPr>
+          <p:style>
+            <a:lnRef idx="1">
+              <a:schemeClr val="accent1"/>
+            </a:lnRef>
+            <a:fillRef idx="0">
+              <a:schemeClr val="accent1"/>
+            </a:fillRef>
+            <a:effectRef idx="0">
+              <a:schemeClr val="accent1"/>
+            </a:effectRef>
+            <a:fontRef idx="minor">
+              <a:schemeClr val="tx1"/>
+            </a:fontRef>
+          </p:style>
+        </p:cxnSp>
+        <mc:AlternateContent xmlns:mc="http://schemas.openxmlformats.org/markup-compatibility/2006" xmlns:a14="http://schemas.microsoft.com/office/drawing/2010/main">
+          <mc:Choice Requires="a14">
+            <p:sp>
+              <p:nvSpPr>
+                <p:cNvPr id="67" name="矩形 66">
+                  <a:extLst>
+                    <a:ext uri="{FF2B5EF4-FFF2-40B4-BE49-F238E27FC236}">
+                      <a16:creationId xmlns:a16="http://schemas.microsoft.com/office/drawing/2014/main" id="{E74E5657-37AD-9F4E-A5EA-C54B9325E6CF}"/>
+                    </a:ext>
+                  </a:extLst>
+                </p:cNvPr>
+                <p:cNvSpPr/>
+                <p:nvPr/>
+              </p:nvSpPr>
+              <p:spPr>
+                <a:xfrm>
+                  <a:off x="6319507" y="4802067"/>
+                  <a:ext cx="476348" cy="369332"/>
+                </a:xfrm>
+                <a:prstGeom prst="rect">
+                  <a:avLst/>
+                </a:prstGeom>
+              </p:spPr>
+              <p:txBody>
+                <a:bodyPr wrap="none">
+                  <a:spAutoFit/>
+                </a:bodyPr>
+                <a:lstStyle/>
+                <a:p>
+                  <a:pPr/>
+                  <a14:m>
+                    <m:oMathPara xmlns:m="http://schemas.openxmlformats.org/officeDocument/2006/math">
+                      <m:oMathParaPr>
+                        <m:jc m:val="centerGroup"/>
+                      </m:oMathParaPr>
+                      <m:oMath xmlns:m="http://schemas.openxmlformats.org/officeDocument/2006/math">
+                        <m:sSub>
+                          <m:sSubPr>
+                            <m:ctrlPr>
+                              <a:rPr kumimoji="1" lang="en-US" altLang="zh-CN" b="1" i="1" smtClean="0">
+                                <a:latin typeface="Cambria Math" panose="02040503050406030204" pitchFamily="18" charset="0"/>
+                              </a:rPr>
+                            </m:ctrlPr>
+                          </m:sSubPr>
+                          <m:e>
+                            <m:r>
+                              <a:rPr kumimoji="1" lang="en-US" altLang="zh-CN" b="1" i="1" smtClean="0">
+                                <a:latin typeface="Cambria Math" panose="02040503050406030204" pitchFamily="18" charset="0"/>
+                              </a:rPr>
+                              <m:t>𝒄</m:t>
+                            </m:r>
+                          </m:e>
+                          <m:sub>
+                            <m:r>
+                              <a:rPr kumimoji="1" lang="en-US" altLang="zh-CN" b="1" i="1" smtClean="0">
+                                <a:latin typeface="Cambria Math" panose="02040503050406030204" pitchFamily="18" charset="0"/>
+                              </a:rPr>
+                              <m:t>𝟒</m:t>
+                            </m:r>
+                          </m:sub>
+                        </m:sSub>
+                      </m:oMath>
+                    </m:oMathPara>
+                  </a14:m>
+                  <a:endParaRPr lang="zh-CN" altLang="en-US" b="1" dirty="0"/>
+                </a:p>
+              </p:txBody>
+            </p:sp>
+          </mc:Choice>
+          <mc:Fallback xmlns="">
+            <p:sp>
+              <p:nvSpPr>
+                <p:cNvPr id="67" name="矩形 66">
+                  <a:extLst>
+                    <a:ext uri="{FF2B5EF4-FFF2-40B4-BE49-F238E27FC236}">
+                      <a16:creationId xmlns:a16="http://schemas.microsoft.com/office/drawing/2014/main" id="{E74E5657-37AD-9F4E-A5EA-C54B9325E6CF}"/>
+                    </a:ext>
+                  </a:extLst>
+                </p:cNvPr>
+                <p:cNvSpPr>
+                  <a:spLocks noRot="1" noChangeAspect="1" noMove="1" noResize="1" noEditPoints="1" noAdjustHandles="1" noChangeArrowheads="1" noChangeShapeType="1" noTextEdit="1"/>
+                </p:cNvSpPr>
+                <p:nvPr/>
+              </p:nvSpPr>
+              <p:spPr>
+                <a:xfrm>
+                  <a:off x="6319507" y="4802067"/>
+                  <a:ext cx="476348" cy="369332"/>
+                </a:xfrm>
+                <a:prstGeom prst="rect">
+                  <a:avLst/>
+                </a:prstGeom>
+                <a:blipFill>
+                  <a:blip r:embed="rId13"/>
+                  <a:stretch>
+                    <a:fillRect/>
+                  </a:stretch>
+                </a:blipFill>
+              </p:spPr>
+              <p:txBody>
+                <a:bodyPr/>
+                <a:lstStyle/>
+                <a:p>
+                  <a:r>
+                    <a:rPr lang="zh-CN" altLang="en-US">
+                      <a:noFill/>
+                    </a:rPr>
+                    <a:t> </a:t>
+                  </a:r>
+                </a:p>
+              </p:txBody>
+            </p:sp>
+          </mc:Fallback>
+        </mc:AlternateContent>
+        <mc:AlternateContent xmlns:mc="http://schemas.openxmlformats.org/markup-compatibility/2006" xmlns:a14="http://schemas.microsoft.com/office/drawing/2010/main">
+          <mc:Choice Requires="a14">
+            <p:sp>
+              <p:nvSpPr>
+                <p:cNvPr id="68" name="矩形 67">
+                  <a:extLst>
+                    <a:ext uri="{FF2B5EF4-FFF2-40B4-BE49-F238E27FC236}">
+                      <a16:creationId xmlns:a16="http://schemas.microsoft.com/office/drawing/2014/main" id="{4A9D0B25-6CCF-B741-B635-A470545FFD29}"/>
+                    </a:ext>
+                  </a:extLst>
+                </p:cNvPr>
+                <p:cNvSpPr/>
+                <p:nvPr/>
+              </p:nvSpPr>
+              <p:spPr>
+                <a:xfrm>
+                  <a:off x="6868016" y="4808041"/>
+                  <a:ext cx="615810" cy="369332"/>
+                </a:xfrm>
+                <a:prstGeom prst="rect">
+                  <a:avLst/>
+                </a:prstGeom>
+              </p:spPr>
+              <p:txBody>
+                <a:bodyPr wrap="none">
+                  <a:spAutoFit/>
+                </a:bodyPr>
+                <a:lstStyle/>
+                <a:p>
+                  <a:pPr/>
+                  <a14:m>
+                    <m:oMathPara xmlns:m="http://schemas.openxmlformats.org/officeDocument/2006/math">
+                      <m:oMathParaPr>
+                        <m:jc m:val="centerGroup"/>
+                      </m:oMathParaPr>
+                      <m:oMath xmlns:m="http://schemas.openxmlformats.org/officeDocument/2006/math">
+                        <m:sSub>
+                          <m:sSubPr>
+                            <m:ctrlPr>
+                              <a:rPr kumimoji="1" lang="en-US" altLang="zh-CN" b="1" i="1" smtClean="0">
+                                <a:latin typeface="Cambria Math" panose="02040503050406030204" pitchFamily="18" charset="0"/>
+                              </a:rPr>
+                            </m:ctrlPr>
+                          </m:sSubPr>
+                          <m:e>
+                            <m:r>
+                              <a:rPr kumimoji="1" lang="zh-CN" altLang="en-US" b="1" i="1" smtClean="0">
+                                <a:latin typeface="Cambria Math" panose="02040503050406030204" pitchFamily="18" charset="0"/>
+                              </a:rPr>
+                              <m:t>  </m:t>
+                            </m:r>
+                            <m:r>
+                              <a:rPr kumimoji="1" lang="en-US" altLang="zh-CN" b="1" i="1" smtClean="0">
+                                <a:latin typeface="Cambria Math" panose="02040503050406030204" pitchFamily="18" charset="0"/>
+                              </a:rPr>
+                              <m:t>𝒄</m:t>
+                            </m:r>
+                          </m:e>
+                          <m:sub>
+                            <m:r>
+                              <a:rPr kumimoji="1" lang="en-US" altLang="zh-CN" b="1" i="1" smtClean="0">
+                                <a:latin typeface="Cambria Math" panose="02040503050406030204" pitchFamily="18" charset="0"/>
+                              </a:rPr>
+                              <m:t>𝟓</m:t>
+                            </m:r>
+                            <m:r>
+                              <a:rPr kumimoji="1" lang="zh-CN" altLang="en-US" b="1" i="1" smtClean="0">
+                                <a:latin typeface="Cambria Math" panose="02040503050406030204" pitchFamily="18" charset="0"/>
+                              </a:rPr>
+                              <m:t> </m:t>
+                            </m:r>
+                          </m:sub>
+                        </m:sSub>
+                      </m:oMath>
+                    </m:oMathPara>
+                  </a14:m>
+                  <a:endParaRPr lang="zh-CN" altLang="en-US" b="1" dirty="0"/>
+                </a:p>
+              </p:txBody>
+            </p:sp>
+          </mc:Choice>
+          <mc:Fallback xmlns="">
+            <p:sp>
+              <p:nvSpPr>
+                <p:cNvPr id="68" name="矩形 67">
+                  <a:extLst>
+                    <a:ext uri="{FF2B5EF4-FFF2-40B4-BE49-F238E27FC236}">
+                      <a16:creationId xmlns:a16="http://schemas.microsoft.com/office/drawing/2014/main" id="{4A9D0B25-6CCF-B741-B635-A470545FFD29}"/>
+                    </a:ext>
+                  </a:extLst>
+                </p:cNvPr>
+                <p:cNvSpPr>
+                  <a:spLocks noRot="1" noChangeAspect="1" noMove="1" noResize="1" noEditPoints="1" noAdjustHandles="1" noChangeArrowheads="1" noChangeShapeType="1" noTextEdit="1"/>
+                </p:cNvSpPr>
+                <p:nvPr/>
+              </p:nvSpPr>
+              <p:spPr>
+                <a:xfrm>
+                  <a:off x="6868016" y="4808041"/>
+                  <a:ext cx="615810" cy="369332"/>
+                </a:xfrm>
+                <a:prstGeom prst="rect">
+                  <a:avLst/>
+                </a:prstGeom>
+                <a:blipFill>
+                  <a:blip r:embed="rId14"/>
+                  <a:stretch>
+                    <a:fillRect b="-13333"/>
+                  </a:stretch>
+                </a:blipFill>
+              </p:spPr>
+              <p:txBody>
+                <a:bodyPr/>
+                <a:lstStyle/>
+                <a:p>
+                  <a:r>
+                    <a:rPr lang="zh-CN" altLang="en-US">
+                      <a:noFill/>
+                    </a:rPr>
+                    <a:t> </a:t>
+                  </a:r>
+                </a:p>
+              </p:txBody>
+            </p:sp>
+          </mc:Fallback>
+        </mc:AlternateContent>
+        <p:cxnSp>
+          <p:nvCxnSpPr>
+            <p:cNvPr id="69" name="直线箭头连接符 68">
+              <a:extLst>
+                <a:ext uri="{FF2B5EF4-FFF2-40B4-BE49-F238E27FC236}">
+                  <a16:creationId xmlns:a16="http://schemas.microsoft.com/office/drawing/2014/main" id="{582C37BE-7A73-ED4F-8EBF-E7CF1386E115}"/>
+                </a:ext>
+              </a:extLst>
+            </p:cNvPr>
+            <p:cNvCxnSpPr>
+              <a:cxnSpLocks/>
+              <a:stCxn id="16" idx="2"/>
+              <a:endCxn id="67" idx="0"/>
+            </p:cNvCxnSpPr>
+            <p:nvPr/>
+          </p:nvCxnSpPr>
+          <p:spPr>
+            <a:xfrm flipH="1">
+              <a:off x="6557681" y="4470254"/>
+              <a:ext cx="333700" cy="331813"/>
+            </a:xfrm>
+            <a:prstGeom prst="straightConnector1">
+              <a:avLst/>
+            </a:prstGeom>
+            <a:ln w="19050">
+              <a:solidFill>
+                <a:schemeClr val="tx1"/>
+              </a:solidFill>
+              <a:tailEnd type="triangle"/>
+            </a:ln>
+          </p:spPr>
+          <p:style>
+            <a:lnRef idx="1">
+              <a:schemeClr val="accent1"/>
+            </a:lnRef>
+            <a:fillRef idx="0">
+              <a:schemeClr val="accent1"/>
+            </a:fillRef>
+            <a:effectRef idx="0">
+              <a:schemeClr val="accent1"/>
+            </a:effectRef>
+            <a:fontRef idx="minor">
+              <a:schemeClr val="tx1"/>
+            </a:fontRef>
+          </p:style>
+        </p:cxnSp>
+        <p:cxnSp>
+          <p:nvCxnSpPr>
+            <p:cNvPr id="71" name="直线箭头连接符 70">
+              <a:extLst>
+                <a:ext uri="{FF2B5EF4-FFF2-40B4-BE49-F238E27FC236}">
+                  <a16:creationId xmlns:a16="http://schemas.microsoft.com/office/drawing/2014/main" id="{8EFBAAD2-ADE8-7349-A96F-39474CCA643A}"/>
+                </a:ext>
+              </a:extLst>
+            </p:cNvPr>
+            <p:cNvCxnSpPr>
+              <a:cxnSpLocks/>
+              <a:endCxn id="68" idx="0"/>
+            </p:cNvCxnSpPr>
+            <p:nvPr/>
+          </p:nvCxnSpPr>
+          <p:spPr>
+            <a:xfrm>
+              <a:off x="6888166" y="4473915"/>
+              <a:ext cx="287755" cy="334126"/>
+            </a:xfrm>
+            <a:prstGeom prst="straightConnector1">
+              <a:avLst/>
+            </a:prstGeom>
+            <a:ln w="19050">
+              <a:solidFill>
+                <a:schemeClr val="tx1"/>
+              </a:solidFill>
+              <a:tailEnd type="triangle"/>
+            </a:ln>
+          </p:spPr>
+          <p:style>
+            <a:lnRef idx="1">
+              <a:schemeClr val="accent1"/>
+            </a:lnRef>
+            <a:fillRef idx="0">
+              <a:schemeClr val="accent1"/>
+            </a:fillRef>
+            <a:effectRef idx="0">
+              <a:schemeClr val="accent1"/>
+            </a:effectRef>
+            <a:fontRef idx="minor">
+              <a:schemeClr val="tx1"/>
+            </a:fontRef>
+          </p:style>
+        </p:cxnSp>
+        <mc:AlternateContent xmlns:mc="http://schemas.openxmlformats.org/markup-compatibility/2006" xmlns:a14="http://schemas.microsoft.com/office/drawing/2010/main">
+          <mc:Choice Requires="a14">
+            <p:sp>
+              <p:nvSpPr>
+                <p:cNvPr id="76" name="矩形 75">
+                  <a:extLst>
+                    <a:ext uri="{FF2B5EF4-FFF2-40B4-BE49-F238E27FC236}">
+                      <a16:creationId xmlns:a16="http://schemas.microsoft.com/office/drawing/2014/main" id="{F048D85B-CDA2-B148-A59A-B01EAB37D70A}"/>
+                    </a:ext>
+                  </a:extLst>
+                </p:cNvPr>
+                <p:cNvSpPr/>
+                <p:nvPr/>
+              </p:nvSpPr>
+              <p:spPr>
+                <a:xfrm>
+                  <a:off x="7280398" y="4804025"/>
+                  <a:ext cx="476348" cy="369332"/>
+                </a:xfrm>
+                <a:prstGeom prst="rect">
+                  <a:avLst/>
+                </a:prstGeom>
+              </p:spPr>
+              <p:txBody>
+                <a:bodyPr wrap="none">
+                  <a:spAutoFit/>
+                </a:bodyPr>
+                <a:lstStyle/>
+                <a:p>
+                  <a:pPr/>
+                  <a14:m>
+                    <m:oMathPara xmlns:m="http://schemas.openxmlformats.org/officeDocument/2006/math">
+                      <m:oMathParaPr>
+                        <m:jc m:val="centerGroup"/>
+                      </m:oMathParaPr>
+                      <m:oMath xmlns:m="http://schemas.openxmlformats.org/officeDocument/2006/math">
+                        <m:sSub>
+                          <m:sSubPr>
+                            <m:ctrlPr>
+                              <a:rPr kumimoji="1" lang="en-US" altLang="zh-CN" b="1" i="1" smtClean="0">
+                                <a:latin typeface="Cambria Math" panose="02040503050406030204" pitchFamily="18" charset="0"/>
+                              </a:rPr>
+                            </m:ctrlPr>
+                          </m:sSubPr>
+                          <m:e>
+                            <m:r>
+                              <a:rPr kumimoji="1" lang="en-US" altLang="zh-CN" b="1" i="1" smtClean="0">
+                                <a:latin typeface="Cambria Math" panose="02040503050406030204" pitchFamily="18" charset="0"/>
+                              </a:rPr>
+                              <m:t>𝒄</m:t>
+                            </m:r>
+                          </m:e>
+                          <m:sub>
+                            <m:r>
+                              <a:rPr kumimoji="1" lang="en-US" altLang="zh-CN" b="1" i="1" smtClean="0">
+                                <a:latin typeface="Cambria Math" panose="02040503050406030204" pitchFamily="18" charset="0"/>
+                              </a:rPr>
+                              <m:t>𝟔</m:t>
+                            </m:r>
+                          </m:sub>
+                        </m:sSub>
+                      </m:oMath>
+                    </m:oMathPara>
+                  </a14:m>
+                  <a:endParaRPr lang="zh-CN" altLang="en-US" b="1" dirty="0"/>
+                </a:p>
+              </p:txBody>
+            </p:sp>
+          </mc:Choice>
+          <mc:Fallback xmlns="">
+            <p:sp>
+              <p:nvSpPr>
+                <p:cNvPr id="76" name="矩形 75">
+                  <a:extLst>
+                    <a:ext uri="{FF2B5EF4-FFF2-40B4-BE49-F238E27FC236}">
+                      <a16:creationId xmlns:a16="http://schemas.microsoft.com/office/drawing/2014/main" id="{F048D85B-CDA2-B148-A59A-B01EAB37D70A}"/>
+                    </a:ext>
+                  </a:extLst>
+                </p:cNvPr>
+                <p:cNvSpPr>
+                  <a:spLocks noRot="1" noChangeAspect="1" noMove="1" noResize="1" noEditPoints="1" noAdjustHandles="1" noChangeArrowheads="1" noChangeShapeType="1" noTextEdit="1"/>
+                </p:cNvSpPr>
+                <p:nvPr/>
+              </p:nvSpPr>
+              <p:spPr>
+                <a:xfrm>
+                  <a:off x="7280398" y="4804025"/>
+                  <a:ext cx="476348" cy="369332"/>
+                </a:xfrm>
+                <a:prstGeom prst="rect">
+                  <a:avLst/>
+                </a:prstGeom>
+                <a:blipFill>
+                  <a:blip r:embed="rId15"/>
+                  <a:stretch>
+                    <a:fillRect/>
+                  </a:stretch>
+                </a:blipFill>
+              </p:spPr>
+              <p:txBody>
+                <a:bodyPr/>
+                <a:lstStyle/>
+                <a:p>
+                  <a:r>
+                    <a:rPr lang="zh-CN" altLang="en-US">
+                      <a:noFill/>
+                    </a:rPr>
+                    <a:t> </a:t>
+                  </a:r>
+                </a:p>
+              </p:txBody>
+            </p:sp>
+          </mc:Fallback>
+        </mc:AlternateContent>
+        <mc:AlternateContent xmlns:mc="http://schemas.openxmlformats.org/markup-compatibility/2006" xmlns:a14="http://schemas.microsoft.com/office/drawing/2010/main">
+          <mc:Choice Requires="a14">
+            <p:sp>
+              <p:nvSpPr>
+                <p:cNvPr id="77" name="矩形 76">
+                  <a:extLst>
+                    <a:ext uri="{FF2B5EF4-FFF2-40B4-BE49-F238E27FC236}">
+                      <a16:creationId xmlns:a16="http://schemas.microsoft.com/office/drawing/2014/main" id="{0C827576-8B8E-4B4E-AA84-EFF278C554F7}"/>
+                    </a:ext>
+                  </a:extLst>
+                </p:cNvPr>
+                <p:cNvSpPr/>
+                <p:nvPr/>
+              </p:nvSpPr>
+              <p:spPr>
+                <a:xfrm>
+                  <a:off x="7828907" y="4809999"/>
+                  <a:ext cx="615810" cy="369332"/>
+                </a:xfrm>
+                <a:prstGeom prst="rect">
+                  <a:avLst/>
+                </a:prstGeom>
+              </p:spPr>
+              <p:txBody>
+                <a:bodyPr wrap="none">
+                  <a:spAutoFit/>
+                </a:bodyPr>
+                <a:lstStyle/>
+                <a:p>
+                  <a:pPr/>
+                  <a14:m>
+                    <m:oMathPara xmlns:m="http://schemas.openxmlformats.org/officeDocument/2006/math">
+                      <m:oMathParaPr>
+                        <m:jc m:val="centerGroup"/>
+                      </m:oMathParaPr>
+                      <m:oMath xmlns:m="http://schemas.openxmlformats.org/officeDocument/2006/math">
+                        <m:sSub>
+                          <m:sSubPr>
+                            <m:ctrlPr>
+                              <a:rPr kumimoji="1" lang="en-US" altLang="zh-CN" b="1" i="1" smtClean="0">
+                                <a:latin typeface="Cambria Math" panose="02040503050406030204" pitchFamily="18" charset="0"/>
+                              </a:rPr>
+                            </m:ctrlPr>
+                          </m:sSubPr>
+                          <m:e>
+                            <m:r>
+                              <a:rPr kumimoji="1" lang="zh-CN" altLang="en-US" b="1" i="1" smtClean="0">
+                                <a:latin typeface="Cambria Math" panose="02040503050406030204" pitchFamily="18" charset="0"/>
+                              </a:rPr>
+                              <m:t>  </m:t>
+                            </m:r>
+                            <m:r>
+                              <a:rPr kumimoji="1" lang="en-US" altLang="zh-CN" b="1" i="1" smtClean="0">
+                                <a:latin typeface="Cambria Math" panose="02040503050406030204" pitchFamily="18" charset="0"/>
+                              </a:rPr>
+                              <m:t>𝒄</m:t>
+                            </m:r>
+                          </m:e>
+                          <m:sub>
+                            <m:r>
+                              <a:rPr kumimoji="1" lang="en-US" altLang="zh-CN" b="1" i="1" smtClean="0">
+                                <a:latin typeface="Cambria Math" panose="02040503050406030204" pitchFamily="18" charset="0"/>
+                              </a:rPr>
+                              <m:t>𝟕</m:t>
+                            </m:r>
+                            <m:r>
+                              <a:rPr kumimoji="1" lang="zh-CN" altLang="en-US" b="1" i="1" smtClean="0">
+                                <a:latin typeface="Cambria Math" panose="02040503050406030204" pitchFamily="18" charset="0"/>
+                              </a:rPr>
+                              <m:t> </m:t>
+                            </m:r>
+                          </m:sub>
+                        </m:sSub>
+                      </m:oMath>
+                    </m:oMathPara>
+                  </a14:m>
+                  <a:endParaRPr lang="zh-CN" altLang="en-US" b="1" dirty="0"/>
+                </a:p>
+              </p:txBody>
+            </p:sp>
+          </mc:Choice>
+          <mc:Fallback xmlns="">
+            <p:sp>
+              <p:nvSpPr>
+                <p:cNvPr id="77" name="矩形 76">
+                  <a:extLst>
+                    <a:ext uri="{FF2B5EF4-FFF2-40B4-BE49-F238E27FC236}">
+                      <a16:creationId xmlns:a16="http://schemas.microsoft.com/office/drawing/2014/main" id="{0C827576-8B8E-4B4E-AA84-EFF278C554F7}"/>
+                    </a:ext>
+                  </a:extLst>
+                </p:cNvPr>
+                <p:cNvSpPr>
+                  <a:spLocks noRot="1" noChangeAspect="1" noMove="1" noResize="1" noEditPoints="1" noAdjustHandles="1" noChangeArrowheads="1" noChangeShapeType="1" noTextEdit="1"/>
+                </p:cNvSpPr>
+                <p:nvPr/>
+              </p:nvSpPr>
+              <p:spPr>
+                <a:xfrm>
+                  <a:off x="7828907" y="4809999"/>
+                  <a:ext cx="615810" cy="369332"/>
+                </a:xfrm>
+                <a:prstGeom prst="rect">
+                  <a:avLst/>
+                </a:prstGeom>
+                <a:blipFill>
+                  <a:blip r:embed="rId16"/>
+                  <a:stretch>
+                    <a:fillRect b="-13333"/>
+                  </a:stretch>
+                </a:blipFill>
+              </p:spPr>
+              <p:txBody>
+                <a:bodyPr/>
+                <a:lstStyle/>
+                <a:p>
+                  <a:r>
+                    <a:rPr lang="zh-CN" altLang="en-US">
+                      <a:noFill/>
+                    </a:rPr>
+                    <a:t> </a:t>
+                  </a:r>
+                </a:p>
+              </p:txBody>
+            </p:sp>
+          </mc:Fallback>
+        </mc:AlternateContent>
+        <p:cxnSp>
+          <p:nvCxnSpPr>
+            <p:cNvPr id="78" name="直线箭头连接符 77">
+              <a:extLst>
+                <a:ext uri="{FF2B5EF4-FFF2-40B4-BE49-F238E27FC236}">
+                  <a16:creationId xmlns:a16="http://schemas.microsoft.com/office/drawing/2014/main" id="{BEA82B5B-2F1F-C049-B5E9-9FD3E405D3B7}"/>
+                </a:ext>
+              </a:extLst>
+            </p:cNvPr>
+            <p:cNvCxnSpPr>
+              <a:cxnSpLocks/>
+              <a:stCxn id="17" idx="2"/>
+              <a:endCxn id="76" idx="0"/>
+            </p:cNvCxnSpPr>
+            <p:nvPr/>
+          </p:nvCxnSpPr>
+          <p:spPr>
+            <a:xfrm flipH="1">
+              <a:off x="7518572" y="4442313"/>
+              <a:ext cx="310335" cy="361712"/>
+            </a:xfrm>
+            <a:prstGeom prst="straightConnector1">
+              <a:avLst/>
+            </a:prstGeom>
+            <a:ln w="19050">
+              <a:solidFill>
+                <a:schemeClr val="tx1"/>
+              </a:solidFill>
+              <a:tailEnd type="triangle"/>
+            </a:ln>
+          </p:spPr>
+          <p:style>
+            <a:lnRef idx="1">
+              <a:schemeClr val="accent1"/>
+            </a:lnRef>
+            <a:fillRef idx="0">
+              <a:schemeClr val="accent1"/>
+            </a:fillRef>
+            <a:effectRef idx="0">
+              <a:schemeClr val="accent1"/>
+            </a:effectRef>
+            <a:fontRef idx="minor">
+              <a:schemeClr val="tx1"/>
+            </a:fontRef>
+          </p:style>
+        </p:cxnSp>
+        <p:cxnSp>
+          <p:nvCxnSpPr>
+            <p:cNvPr id="82" name="直线箭头连接符 81">
+              <a:extLst>
+                <a:ext uri="{FF2B5EF4-FFF2-40B4-BE49-F238E27FC236}">
+                  <a16:creationId xmlns:a16="http://schemas.microsoft.com/office/drawing/2014/main" id="{CBC108F3-3F0C-9145-ACDF-D9A3B451234C}"/>
+                </a:ext>
+              </a:extLst>
+            </p:cNvPr>
+            <p:cNvCxnSpPr>
+              <a:cxnSpLocks/>
+              <a:endCxn id="77" idx="0"/>
+            </p:cNvCxnSpPr>
+            <p:nvPr/>
+          </p:nvCxnSpPr>
+          <p:spPr>
+            <a:xfrm>
+              <a:off x="7834479" y="4459426"/>
+              <a:ext cx="302333" cy="350573"/>
+            </a:xfrm>
+            <a:prstGeom prst="straightConnector1">
+              <a:avLst/>
+            </a:prstGeom>
+            <a:ln w="19050">
+              <a:solidFill>
+                <a:schemeClr val="tx1"/>
+              </a:solidFill>
+              <a:tailEnd type="triangle"/>
+            </a:ln>
+          </p:spPr>
+          <p:style>
+            <a:lnRef idx="1">
+              <a:schemeClr val="accent1"/>
+            </a:lnRef>
+            <a:fillRef idx="0">
+              <a:schemeClr val="accent1"/>
+            </a:fillRef>
+            <a:effectRef idx="0">
+              <a:schemeClr val="accent1"/>
+            </a:effectRef>
+            <a:fontRef idx="minor">
+              <a:schemeClr val="tx1"/>
+            </a:fontRef>
+          </p:style>
+        </p:cxnSp>
+        <p:sp>
+          <p:nvSpPr>
+            <p:cNvPr id="88" name="文本框 87">
+              <a:extLst>
+                <a:ext uri="{FF2B5EF4-FFF2-40B4-BE49-F238E27FC236}">
+                  <a16:creationId xmlns:a16="http://schemas.microsoft.com/office/drawing/2014/main" id="{3FC67924-8639-1346-970F-56BC8037AAF9}"/>
+                </a:ext>
+              </a:extLst>
+            </p:cNvPr>
+            <p:cNvSpPr txBox="1"/>
+            <p:nvPr/>
+          </p:nvSpPr>
+          <p:spPr>
+            <a:xfrm>
+              <a:off x="4354655" y="2968407"/>
+              <a:ext cx="414601" cy="369332"/>
+            </a:xfrm>
+            <a:prstGeom prst="rect">
+              <a:avLst/>
+            </a:prstGeom>
+            <a:noFill/>
+          </p:spPr>
+          <p:txBody>
+            <a:bodyPr wrap="square" rtlCol="0">
+              <a:spAutoFit/>
+            </a:bodyPr>
+            <a:lstStyle/>
+            <a:p>
+              <a:r>
+                <a:rPr kumimoji="1" lang="en-US" altLang="zh-CN" b="1" dirty="0"/>
+                <a:t>1</a:t>
+              </a:r>
+              <a:endParaRPr kumimoji="1" lang="zh-CN" altLang="en-US" b="1" dirty="0"/>
+            </a:p>
+          </p:txBody>
+        </p:sp>
+        <p:sp>
+          <p:nvSpPr>
+            <p:cNvPr id="89" name="文本框 88">
+              <a:extLst>
+                <a:ext uri="{FF2B5EF4-FFF2-40B4-BE49-F238E27FC236}">
+                  <a16:creationId xmlns:a16="http://schemas.microsoft.com/office/drawing/2014/main" id="{08EAFE2F-4AD5-D741-B2A5-E3441C815A31}"/>
+                </a:ext>
+              </a:extLst>
+            </p:cNvPr>
+            <p:cNvSpPr txBox="1"/>
+            <p:nvPr/>
+          </p:nvSpPr>
+          <p:spPr>
+            <a:xfrm>
+              <a:off x="5194791" y="5179331"/>
+              <a:ext cx="414601" cy="369332"/>
+            </a:xfrm>
+            <a:prstGeom prst="rect">
+              <a:avLst/>
+            </a:prstGeom>
+            <a:noFill/>
+          </p:spPr>
+          <p:txBody>
+            <a:bodyPr wrap="square" rtlCol="0">
+              <a:spAutoFit/>
+            </a:bodyPr>
+            <a:lstStyle/>
+            <a:p>
+              <a:r>
+                <a:rPr kumimoji="1" lang="en-US" altLang="zh-CN" b="1" dirty="0"/>
+                <a:t>4</a:t>
+              </a:r>
+              <a:endParaRPr kumimoji="1" lang="zh-CN" altLang="en-US" b="1" dirty="0"/>
+            </a:p>
+          </p:txBody>
+        </p:sp>
+        <p:sp>
+          <p:nvSpPr>
+            <p:cNvPr id="90" name="文本框 89">
+              <a:extLst>
+                <a:ext uri="{FF2B5EF4-FFF2-40B4-BE49-F238E27FC236}">
+                  <a16:creationId xmlns:a16="http://schemas.microsoft.com/office/drawing/2014/main" id="{D7B02B10-CCF0-5C44-8642-450370F6AAEB}"/>
+                </a:ext>
+              </a:extLst>
+            </p:cNvPr>
+            <p:cNvSpPr txBox="1"/>
+            <p:nvPr/>
+          </p:nvSpPr>
+          <p:spPr>
+            <a:xfrm>
+              <a:off x="5886131" y="5180977"/>
+              <a:ext cx="414601" cy="369332"/>
+            </a:xfrm>
+            <a:prstGeom prst="rect">
+              <a:avLst/>
+            </a:prstGeom>
+            <a:noFill/>
+          </p:spPr>
+          <p:txBody>
+            <a:bodyPr wrap="square" rtlCol="0">
+              <a:spAutoFit/>
+            </a:bodyPr>
+            <a:lstStyle/>
+            <a:p>
+              <a:r>
+                <a:rPr kumimoji="1" lang="en-US" altLang="zh-CN" b="1" dirty="0"/>
+                <a:t>4</a:t>
+              </a:r>
+              <a:endParaRPr kumimoji="1" lang="zh-CN" altLang="en-US" b="1" dirty="0"/>
+            </a:p>
+          </p:txBody>
+        </p:sp>
+        <p:sp>
+          <p:nvSpPr>
+            <p:cNvPr id="91" name="文本框 90">
+              <a:extLst>
+                <a:ext uri="{FF2B5EF4-FFF2-40B4-BE49-F238E27FC236}">
+                  <a16:creationId xmlns:a16="http://schemas.microsoft.com/office/drawing/2014/main" id="{ADD7E0D9-A2DA-744B-BE5A-7982554FB15D}"/>
+                </a:ext>
+              </a:extLst>
+            </p:cNvPr>
+            <p:cNvSpPr txBox="1"/>
+            <p:nvPr/>
+          </p:nvSpPr>
+          <p:spPr>
+            <a:xfrm>
+              <a:off x="6400946" y="5179331"/>
+              <a:ext cx="414601" cy="369332"/>
+            </a:xfrm>
+            <a:prstGeom prst="rect">
+              <a:avLst/>
+            </a:prstGeom>
+            <a:noFill/>
+          </p:spPr>
+          <p:txBody>
+            <a:bodyPr wrap="square" rtlCol="0">
+              <a:spAutoFit/>
+            </a:bodyPr>
+            <a:lstStyle/>
+            <a:p>
+              <a:r>
+                <a:rPr kumimoji="1" lang="en-US" altLang="zh-CN" b="1" dirty="0"/>
+                <a:t>4</a:t>
+              </a:r>
+              <a:endParaRPr kumimoji="1" lang="zh-CN" altLang="en-US" b="1" dirty="0"/>
+            </a:p>
+          </p:txBody>
+        </p:sp>
+        <p:sp>
+          <p:nvSpPr>
+            <p:cNvPr id="92" name="文本框 91">
+              <a:extLst>
+                <a:ext uri="{FF2B5EF4-FFF2-40B4-BE49-F238E27FC236}">
+                  <a16:creationId xmlns:a16="http://schemas.microsoft.com/office/drawing/2014/main" id="{606F1F7A-2CCF-634E-B067-0F378F6ABEB4}"/>
+                </a:ext>
+              </a:extLst>
+            </p:cNvPr>
+            <p:cNvSpPr txBox="1"/>
+            <p:nvPr/>
+          </p:nvSpPr>
+          <p:spPr>
+            <a:xfrm>
+              <a:off x="7026216" y="5179331"/>
+              <a:ext cx="414601" cy="369332"/>
+            </a:xfrm>
+            <a:prstGeom prst="rect">
+              <a:avLst/>
+            </a:prstGeom>
+            <a:noFill/>
+          </p:spPr>
+          <p:txBody>
+            <a:bodyPr wrap="square" rtlCol="0">
+              <a:spAutoFit/>
+            </a:bodyPr>
+            <a:lstStyle/>
+            <a:p>
+              <a:r>
+                <a:rPr kumimoji="1" lang="en-US" altLang="zh-CN" b="1" dirty="0"/>
+                <a:t>4</a:t>
+              </a:r>
+              <a:endParaRPr kumimoji="1" lang="zh-CN" altLang="en-US" b="1" dirty="0"/>
+            </a:p>
+          </p:txBody>
+        </p:sp>
+        <p:sp>
+          <p:nvSpPr>
+            <p:cNvPr id="93" name="文本框 92">
+              <a:extLst>
+                <a:ext uri="{FF2B5EF4-FFF2-40B4-BE49-F238E27FC236}">
+                  <a16:creationId xmlns:a16="http://schemas.microsoft.com/office/drawing/2014/main" id="{4A63D80F-1C6F-E44D-9745-ACAB1CDC60BD}"/>
+                </a:ext>
+              </a:extLst>
+            </p:cNvPr>
+            <p:cNvSpPr txBox="1"/>
+            <p:nvPr/>
+          </p:nvSpPr>
+          <p:spPr>
+            <a:xfrm>
+              <a:off x="7391481" y="5179331"/>
+              <a:ext cx="414601" cy="369332"/>
+            </a:xfrm>
+            <a:prstGeom prst="rect">
+              <a:avLst/>
+            </a:prstGeom>
+            <a:noFill/>
+          </p:spPr>
+          <p:txBody>
+            <a:bodyPr wrap="square" rtlCol="0">
+              <a:spAutoFit/>
+            </a:bodyPr>
+            <a:lstStyle/>
+            <a:p>
+              <a:r>
+                <a:rPr kumimoji="1" lang="en-US" altLang="zh-CN" b="1" dirty="0"/>
+                <a:t>4</a:t>
+              </a:r>
+              <a:endParaRPr kumimoji="1" lang="zh-CN" altLang="en-US" b="1" dirty="0"/>
+            </a:p>
+          </p:txBody>
+        </p:sp>
+        <p:sp>
+          <p:nvSpPr>
+            <p:cNvPr id="94" name="文本框 93">
+              <a:extLst>
+                <a:ext uri="{FF2B5EF4-FFF2-40B4-BE49-F238E27FC236}">
+                  <a16:creationId xmlns:a16="http://schemas.microsoft.com/office/drawing/2014/main" id="{A01F72E8-6B86-9E42-B8D8-67BCBAF40196}"/>
+                </a:ext>
+              </a:extLst>
+            </p:cNvPr>
+            <p:cNvSpPr txBox="1"/>
+            <p:nvPr/>
+          </p:nvSpPr>
+          <p:spPr>
+            <a:xfrm>
+              <a:off x="8036443" y="5179331"/>
+              <a:ext cx="414601" cy="369332"/>
+            </a:xfrm>
+            <a:prstGeom prst="rect">
+              <a:avLst/>
+            </a:prstGeom>
+            <a:noFill/>
+          </p:spPr>
+          <p:txBody>
+            <a:bodyPr wrap="square" rtlCol="0">
+              <a:spAutoFit/>
+            </a:bodyPr>
+            <a:lstStyle/>
+            <a:p>
+              <a:r>
+                <a:rPr kumimoji="1" lang="en-US" altLang="zh-CN" b="1" dirty="0"/>
+                <a:t>4</a:t>
+              </a:r>
+              <a:endParaRPr kumimoji="1" lang="zh-CN" altLang="en-US" b="1" dirty="0"/>
+            </a:p>
+          </p:txBody>
+        </p:sp>
+        <p:sp>
+          <p:nvSpPr>
+            <p:cNvPr id="95" name="文本框 94">
+              <a:extLst>
+                <a:ext uri="{FF2B5EF4-FFF2-40B4-BE49-F238E27FC236}">
+                  <a16:creationId xmlns:a16="http://schemas.microsoft.com/office/drawing/2014/main" id="{6B5FB493-C60C-7E4A-B7C9-9AE5E40F6B28}"/>
+                </a:ext>
+              </a:extLst>
+            </p:cNvPr>
+            <p:cNvSpPr txBox="1"/>
+            <p:nvPr/>
+          </p:nvSpPr>
+          <p:spPr>
+            <a:xfrm>
+              <a:off x="8723374" y="4432735"/>
+              <a:ext cx="414601" cy="369332"/>
+            </a:xfrm>
+            <a:prstGeom prst="rect">
+              <a:avLst/>
+            </a:prstGeom>
+            <a:noFill/>
+          </p:spPr>
+          <p:txBody>
+            <a:bodyPr wrap="square" rtlCol="0">
+              <a:spAutoFit/>
+            </a:bodyPr>
+            <a:lstStyle/>
+            <a:p>
+              <a:r>
+                <a:rPr kumimoji="1" lang="en-US" altLang="zh-CN" b="1" dirty="0"/>
+                <a:t>3</a:t>
+              </a:r>
+              <a:endParaRPr kumimoji="1" lang="zh-CN" altLang="en-US" b="1" dirty="0"/>
+            </a:p>
+          </p:txBody>
+        </p:sp>
+      </p:grpSp>
+    </p:spTree>
+    <p:extLst>
+      <p:ext uri="{BB962C8B-B14F-4D97-AF65-F5344CB8AC3E}">
+        <p14:creationId xmlns:p14="http://schemas.microsoft.com/office/powerpoint/2010/main" val="3774564021"/>
+      </p:ext>
+    </p:extLst>
+  </p:cSld>
+  <p:clrMapOvr>
+    <a:masterClrMapping/>
+  </p:clrMapOvr>
+</p:sld>
+</file>
+
+<file path=ppt/slides/slide15.xml><?xml version="1.0" encoding="utf-8"?>
+<p:sld xmlns:a="http://schemas.openxmlformats.org/drawingml/2006/main" xmlns:r="http://schemas.openxmlformats.org/officeDocument/2006/relationships" xmlns:p="http://schemas.openxmlformats.org/presentationml/2006/main">
+  <p:cSld>
+    <p:spTree>
+      <p:nvGrpSpPr>
+        <p:cNvPr id="1" name=""/>
+        <p:cNvGrpSpPr/>
+        <p:nvPr/>
+      </p:nvGrpSpPr>
+      <p:grpSpPr>
+        <a:xfrm>
+          <a:off x="0" y="0"/>
+          <a:ext cx="0" cy="0"/>
+          <a:chOff x="0" y="0"/>
+          <a:chExt cx="0" cy="0"/>
+        </a:xfrm>
+      </p:grpSpPr>
+      <p:grpSp>
+        <p:nvGrpSpPr>
+          <p:cNvPr id="90" name="组合 89">
+            <a:extLst>
+              <a:ext uri="{FF2B5EF4-FFF2-40B4-BE49-F238E27FC236}">
+                <a16:creationId xmlns:a16="http://schemas.microsoft.com/office/drawing/2014/main" id="{94DF6CAA-1ACA-CF41-87A5-B8B7B1422D6C}"/>
+              </a:ext>
+            </a:extLst>
+          </p:cNvPr>
+          <p:cNvGrpSpPr/>
+          <p:nvPr/>
+        </p:nvGrpSpPr>
+        <p:grpSpPr>
+          <a:xfrm>
+            <a:off x="964097" y="924340"/>
+            <a:ext cx="10187608" cy="4422912"/>
+            <a:chOff x="964097" y="924340"/>
+            <a:chExt cx="10187608" cy="4422912"/>
+          </a:xfrm>
+        </p:grpSpPr>
+        <p:grpSp>
+          <p:nvGrpSpPr>
+            <p:cNvPr id="58" name="组合 57">
+              <a:extLst>
+                <a:ext uri="{FF2B5EF4-FFF2-40B4-BE49-F238E27FC236}">
+                  <a16:creationId xmlns:a16="http://schemas.microsoft.com/office/drawing/2014/main" id="{094401E0-45F3-754B-A6C5-649A41F08E9D}"/>
+                </a:ext>
+              </a:extLst>
+            </p:cNvPr>
+            <p:cNvGrpSpPr/>
+            <p:nvPr/>
+          </p:nvGrpSpPr>
+          <p:grpSpPr>
+            <a:xfrm>
+              <a:off x="964097" y="924340"/>
+              <a:ext cx="10187608" cy="4422912"/>
+              <a:chOff x="964097" y="924340"/>
+              <a:chExt cx="10187608" cy="4422912"/>
+            </a:xfrm>
+          </p:grpSpPr>
+          <p:sp>
+            <p:nvSpPr>
+              <p:cNvPr id="57" name="矩形 56">
+                <a:extLst>
+                  <a:ext uri="{FF2B5EF4-FFF2-40B4-BE49-F238E27FC236}">
+                    <a16:creationId xmlns:a16="http://schemas.microsoft.com/office/drawing/2014/main" id="{2B0113CF-9584-C641-82EA-7B179AFA05F5}"/>
+                  </a:ext>
+                </a:extLst>
+              </p:cNvPr>
+              <p:cNvSpPr/>
+              <p:nvPr/>
+            </p:nvSpPr>
+            <p:spPr>
+              <a:xfrm>
+                <a:off x="964097" y="924340"/>
+                <a:ext cx="10187608" cy="4422912"/>
+              </a:xfrm>
+              <a:prstGeom prst="rect">
+                <a:avLst/>
+              </a:prstGeom>
+              <a:solidFill>
+                <a:schemeClr val="bg1"/>
+              </a:solidFill>
+              <a:ln>
+                <a:noFill/>
+              </a:ln>
+            </p:spPr>
+            <p:style>
+              <a:lnRef idx="2">
+                <a:schemeClr val="accent1">
+                  <a:shade val="50000"/>
+                </a:schemeClr>
+              </a:lnRef>
+              <a:fillRef idx="1">
+                <a:schemeClr val="accent1"/>
+              </a:fillRef>
+              <a:effectRef idx="0">
+                <a:schemeClr val="accent1"/>
+              </a:effectRef>
+              <a:fontRef idx="minor">
+                <a:schemeClr val="lt1"/>
+              </a:fontRef>
+            </p:style>
+            <p:txBody>
+              <a:bodyPr rtlCol="0" anchor="ctr"/>
+              <a:lstStyle/>
+              <a:p>
+                <a:pPr algn="ctr"/>
+                <a:endParaRPr kumimoji="1" lang="zh-CN" altLang="en-US" dirty="0"/>
+              </a:p>
+            </p:txBody>
+          </p:sp>
+          <p:sp>
+            <p:nvSpPr>
+              <p:cNvPr id="4" name="椭圆 3">
+                <a:extLst>
+                  <a:ext uri="{FF2B5EF4-FFF2-40B4-BE49-F238E27FC236}">
+                    <a16:creationId xmlns:a16="http://schemas.microsoft.com/office/drawing/2014/main" id="{CAA60517-FB61-D847-852A-6D8C62487F1E}"/>
+                  </a:ext>
+                </a:extLst>
+              </p:cNvPr>
+              <p:cNvSpPr/>
+              <p:nvPr/>
+            </p:nvSpPr>
+            <p:spPr>
+              <a:xfrm>
+                <a:off x="4363656" y="2858947"/>
+                <a:ext cx="567160" cy="567160"/>
+              </a:xfrm>
+              <a:prstGeom prst="ellipse">
+                <a:avLst/>
+              </a:prstGeom>
+              <a:solidFill>
+                <a:schemeClr val="tx1">
+                  <a:lumMod val="65000"/>
+                  <a:lumOff val="35000"/>
+                </a:schemeClr>
+              </a:solidFill>
+              <a:ln w="57150">
+                <a:solidFill>
+                  <a:schemeClr val="tx1">
+                    <a:lumMod val="65000"/>
+                    <a:lumOff val="35000"/>
+                  </a:schemeClr>
+                </a:solidFill>
+              </a:ln>
+            </p:spPr>
+            <p:style>
+              <a:lnRef idx="2">
+                <a:schemeClr val="accent1">
+                  <a:shade val="50000"/>
+                </a:schemeClr>
+              </a:lnRef>
+              <a:fillRef idx="1">
+                <a:schemeClr val="accent1"/>
+              </a:fillRef>
+              <a:effectRef idx="0">
+                <a:schemeClr val="accent1"/>
+              </a:effectRef>
+              <a:fontRef idx="minor">
+                <a:schemeClr val="lt1"/>
+              </a:fontRef>
+            </p:style>
+            <p:txBody>
+              <a:bodyPr rtlCol="0" anchor="ctr"/>
+              <a:lstStyle/>
+              <a:p>
+                <a:pPr algn="ctr"/>
+                <a:r>
+                  <a:rPr kumimoji="1" lang="en-US" altLang="zh-CN" sz="2400" b="1" dirty="0">
+                    <a:latin typeface="Times New Roman" panose="02020603050405020304" pitchFamily="18" charset="0"/>
+                    <a:cs typeface="Times New Roman" panose="02020603050405020304" pitchFamily="18" charset="0"/>
+                  </a:rPr>
+                  <a:t>t</a:t>
+                </a:r>
+                <a:endParaRPr kumimoji="1" lang="zh-CN" altLang="en-US" sz="2400" b="1" dirty="0">
+                  <a:latin typeface="Times New Roman" panose="02020603050405020304" pitchFamily="18" charset="0"/>
+                  <a:cs typeface="Times New Roman" panose="02020603050405020304" pitchFamily="18" charset="0"/>
+                </a:endParaRPr>
+              </a:p>
+            </p:txBody>
+          </p:sp>
+          <p:sp>
+            <p:nvSpPr>
+              <p:cNvPr id="5" name="椭圆 4">
+                <a:extLst>
+                  <a:ext uri="{FF2B5EF4-FFF2-40B4-BE49-F238E27FC236}">
+                    <a16:creationId xmlns:a16="http://schemas.microsoft.com/office/drawing/2014/main" id="{6E770809-4692-3747-93E6-EE185B3C64AC}"/>
+                  </a:ext>
+                </a:extLst>
+              </p:cNvPr>
+              <p:cNvSpPr/>
+              <p:nvPr/>
+            </p:nvSpPr>
+            <p:spPr>
+              <a:xfrm>
+                <a:off x="6043915" y="2858947"/>
+                <a:ext cx="567160" cy="567160"/>
+              </a:xfrm>
+              <a:prstGeom prst="ellipse">
+                <a:avLst/>
+              </a:prstGeom>
+              <a:solidFill>
+                <a:schemeClr val="tx1">
+                  <a:lumMod val="65000"/>
+                  <a:lumOff val="35000"/>
+                </a:schemeClr>
+              </a:solidFill>
+              <a:ln w="57150">
+                <a:solidFill>
+                  <a:schemeClr val="tx1">
+                    <a:lumMod val="65000"/>
+                    <a:lumOff val="35000"/>
+                  </a:schemeClr>
+                </a:solidFill>
+              </a:ln>
+            </p:spPr>
+            <p:style>
+              <a:lnRef idx="2">
+                <a:schemeClr val="accent1">
+                  <a:shade val="50000"/>
+                </a:schemeClr>
+              </a:lnRef>
+              <a:fillRef idx="1">
+                <a:schemeClr val="accent1"/>
+              </a:fillRef>
+              <a:effectRef idx="0">
+                <a:schemeClr val="accent1"/>
+              </a:effectRef>
+              <a:fontRef idx="minor">
+                <a:schemeClr val="lt1"/>
+              </a:fontRef>
+            </p:style>
+            <p:txBody>
+              <a:bodyPr rtlCol="0" anchor="ctr"/>
+              <a:lstStyle/>
+              <a:p>
+                <a:pPr algn="ctr"/>
+                <a:r>
+                  <a:rPr kumimoji="1" lang="en-US" altLang="zh-CN" sz="2400" b="1" dirty="0">
+                    <a:latin typeface="Times New Roman" panose="02020603050405020304" pitchFamily="18" charset="0"/>
+                    <a:cs typeface="Times New Roman" panose="02020603050405020304" pitchFamily="18" charset="0"/>
+                  </a:rPr>
+                  <a:t>v</a:t>
+                </a:r>
+                <a:endParaRPr kumimoji="1" lang="zh-CN" altLang="en-US" sz="2400" b="1" dirty="0">
+                  <a:latin typeface="Times New Roman" panose="02020603050405020304" pitchFamily="18" charset="0"/>
+                  <a:cs typeface="Times New Roman" panose="02020603050405020304" pitchFamily="18" charset="0"/>
+                </a:endParaRPr>
+              </a:p>
+            </p:txBody>
+          </p:sp>
+          <p:sp>
+            <p:nvSpPr>
+              <p:cNvPr id="6" name="椭圆 5">
+                <a:extLst>
+                  <a:ext uri="{FF2B5EF4-FFF2-40B4-BE49-F238E27FC236}">
+                    <a16:creationId xmlns:a16="http://schemas.microsoft.com/office/drawing/2014/main" id="{DF519155-D03C-2B41-BD42-022670E1CA46}"/>
+                  </a:ext>
+                </a:extLst>
+              </p:cNvPr>
+              <p:cNvSpPr/>
+              <p:nvPr/>
+            </p:nvSpPr>
+            <p:spPr>
+              <a:xfrm>
+                <a:off x="6043915" y="4099367"/>
+                <a:ext cx="567160" cy="567160"/>
+              </a:xfrm>
+              <a:prstGeom prst="ellipse">
+                <a:avLst/>
+              </a:prstGeom>
+              <a:solidFill>
+                <a:schemeClr val="tx1">
+                  <a:lumMod val="65000"/>
+                  <a:lumOff val="35000"/>
+                </a:schemeClr>
+              </a:solidFill>
+              <a:ln w="57150">
+                <a:solidFill>
+                  <a:schemeClr val="tx1">
+                    <a:lumMod val="65000"/>
+                    <a:lumOff val="35000"/>
+                  </a:schemeClr>
+                </a:solidFill>
+              </a:ln>
+            </p:spPr>
+            <p:style>
+              <a:lnRef idx="2">
+                <a:schemeClr val="accent1">
+                  <a:shade val="50000"/>
+                </a:schemeClr>
+              </a:lnRef>
+              <a:fillRef idx="1">
+                <a:schemeClr val="accent1"/>
+              </a:fillRef>
+              <a:effectRef idx="0">
+                <a:schemeClr val="accent1"/>
+              </a:effectRef>
+              <a:fontRef idx="minor">
+                <a:schemeClr val="lt1"/>
+              </a:fontRef>
+            </p:style>
+            <p:txBody>
+              <a:bodyPr rtlCol="0" anchor="ctr"/>
+              <a:lstStyle/>
+              <a:p>
+                <a:pPr algn="ctr"/>
+                <a:r>
+                  <a:rPr kumimoji="1" lang="en-US" altLang="zh-CN" sz="1600" b="1" dirty="0">
+                    <a:latin typeface="Times New Roman" panose="02020603050405020304" pitchFamily="18" charset="0"/>
+                    <a:cs typeface="Times New Roman" panose="02020603050405020304" pitchFamily="18" charset="0"/>
+                  </a:rPr>
+                  <a:t>x5</a:t>
+                </a:r>
+                <a:endParaRPr kumimoji="1" lang="zh-CN" altLang="en-US" sz="1600" b="1" dirty="0">
+                  <a:latin typeface="Times New Roman" panose="02020603050405020304" pitchFamily="18" charset="0"/>
+                  <a:cs typeface="Times New Roman" panose="02020603050405020304" pitchFamily="18" charset="0"/>
+                </a:endParaRPr>
+              </a:p>
+            </p:txBody>
+          </p:sp>
+          <p:sp>
+            <p:nvSpPr>
+              <p:cNvPr id="7" name="椭圆 6">
+                <a:extLst>
+                  <a:ext uri="{FF2B5EF4-FFF2-40B4-BE49-F238E27FC236}">
+                    <a16:creationId xmlns:a16="http://schemas.microsoft.com/office/drawing/2014/main" id="{DF2E472E-F1DF-8A4B-9DCB-DBC489B61107}"/>
+                  </a:ext>
+                </a:extLst>
+              </p:cNvPr>
+              <p:cNvSpPr/>
+              <p:nvPr/>
+            </p:nvSpPr>
+            <p:spPr>
+              <a:xfrm>
+                <a:off x="6043915" y="1618527"/>
+                <a:ext cx="567160" cy="567160"/>
+              </a:xfrm>
+              <a:prstGeom prst="ellipse">
+                <a:avLst/>
+              </a:prstGeom>
+              <a:solidFill>
+                <a:schemeClr val="tx1">
+                  <a:lumMod val="65000"/>
+                  <a:lumOff val="35000"/>
+                </a:schemeClr>
+              </a:solidFill>
+              <a:ln w="57150">
+                <a:solidFill>
+                  <a:schemeClr val="tx1">
+                    <a:lumMod val="65000"/>
+                    <a:lumOff val="35000"/>
+                  </a:schemeClr>
+                </a:solidFill>
+              </a:ln>
+            </p:spPr>
+            <p:style>
+              <a:lnRef idx="2">
+                <a:schemeClr val="accent1">
+                  <a:shade val="50000"/>
+                </a:schemeClr>
+              </a:lnRef>
+              <a:fillRef idx="1">
+                <a:schemeClr val="accent1"/>
+              </a:fillRef>
+              <a:effectRef idx="0">
+                <a:schemeClr val="accent1"/>
+              </a:effectRef>
+              <a:fontRef idx="minor">
+                <a:schemeClr val="lt1"/>
+              </a:fontRef>
+            </p:style>
+            <p:txBody>
+              <a:bodyPr rtlCol="0" anchor="ctr"/>
+              <a:lstStyle/>
+              <a:p>
+                <a:pPr algn="ctr"/>
+                <a:r>
+                  <a:rPr kumimoji="1" lang="en-US" altLang="zh-CN" sz="1600" b="1" dirty="0">
+                    <a:latin typeface="Times New Roman" panose="02020603050405020304" pitchFamily="18" charset="0"/>
+                    <a:cs typeface="Times New Roman" panose="02020603050405020304" pitchFamily="18" charset="0"/>
+                  </a:rPr>
+                  <a:t>x1</a:t>
+                </a:r>
+                <a:endParaRPr kumimoji="1" lang="zh-CN" altLang="en-US" sz="1600" b="1" dirty="0">
+                  <a:latin typeface="Times New Roman" panose="02020603050405020304" pitchFamily="18" charset="0"/>
+                  <a:cs typeface="Times New Roman" panose="02020603050405020304" pitchFamily="18" charset="0"/>
+                </a:endParaRPr>
+              </a:p>
+            </p:txBody>
+          </p:sp>
+          <p:sp>
+            <p:nvSpPr>
+              <p:cNvPr id="8" name="椭圆 7">
+                <a:extLst>
+                  <a:ext uri="{FF2B5EF4-FFF2-40B4-BE49-F238E27FC236}">
+                    <a16:creationId xmlns:a16="http://schemas.microsoft.com/office/drawing/2014/main" id="{298C5648-C126-1E48-8E76-6ABFE9B3C677}"/>
+                  </a:ext>
+                </a:extLst>
+              </p:cNvPr>
+              <p:cNvSpPr/>
+              <p:nvPr/>
+            </p:nvSpPr>
+            <p:spPr>
+              <a:xfrm>
+                <a:off x="2816507" y="2858947"/>
+                <a:ext cx="567160" cy="567160"/>
+              </a:xfrm>
+              <a:prstGeom prst="ellipse">
+                <a:avLst/>
+              </a:prstGeom>
+              <a:solidFill>
+                <a:schemeClr val="tx1">
+                  <a:lumMod val="65000"/>
+                  <a:lumOff val="35000"/>
+                </a:schemeClr>
+              </a:solidFill>
+              <a:ln w="57150">
+                <a:solidFill>
+                  <a:schemeClr val="tx1">
+                    <a:lumMod val="65000"/>
+                    <a:lumOff val="35000"/>
+                  </a:schemeClr>
+                </a:solidFill>
+              </a:ln>
+            </p:spPr>
+            <p:style>
+              <a:lnRef idx="2">
+                <a:schemeClr val="accent1">
+                  <a:shade val="50000"/>
+                </a:schemeClr>
+              </a:lnRef>
+              <a:fillRef idx="1">
+                <a:schemeClr val="accent1"/>
+              </a:fillRef>
+              <a:effectRef idx="0">
+                <a:schemeClr val="accent1"/>
+              </a:effectRef>
+              <a:fontRef idx="minor">
+                <a:schemeClr val="lt1"/>
+              </a:fontRef>
+            </p:style>
+            <p:txBody>
+              <a:bodyPr rtlCol="0" anchor="ctr"/>
+              <a:lstStyle/>
+              <a:p>
+                <a:pPr algn="ctr"/>
+                <a:r>
+                  <a:rPr kumimoji="1" lang="en-US" altLang="zh-CN" sz="2400" b="1" dirty="0">
+                    <a:latin typeface="Times New Roman" panose="02020603050405020304" pitchFamily="18" charset="0"/>
+                    <a:cs typeface="Times New Roman" panose="02020603050405020304" pitchFamily="18" charset="0"/>
+                  </a:rPr>
+                  <a:t>b</a:t>
+                </a:r>
+                <a:endParaRPr kumimoji="1" lang="zh-CN" altLang="en-US" sz="2400" b="1" dirty="0">
+                  <a:latin typeface="Times New Roman" panose="02020603050405020304" pitchFamily="18" charset="0"/>
+                  <a:cs typeface="Times New Roman" panose="02020603050405020304" pitchFamily="18" charset="0"/>
+                </a:endParaRPr>
+              </a:p>
+            </p:txBody>
+          </p:sp>
+          <p:sp>
+            <p:nvSpPr>
+              <p:cNvPr id="9" name="椭圆 8">
+                <a:extLst>
+                  <a:ext uri="{FF2B5EF4-FFF2-40B4-BE49-F238E27FC236}">
+                    <a16:creationId xmlns:a16="http://schemas.microsoft.com/office/drawing/2014/main" id="{BF718F45-D9CB-2A4C-9B9D-A53A0549BCDE}"/>
+                  </a:ext>
+                </a:extLst>
+              </p:cNvPr>
+              <p:cNvSpPr/>
+              <p:nvPr/>
+            </p:nvSpPr>
+            <p:spPr>
+              <a:xfrm>
+                <a:off x="7724174" y="2858946"/>
+                <a:ext cx="567160" cy="567160"/>
+              </a:xfrm>
+              <a:prstGeom prst="ellipse">
+                <a:avLst/>
+              </a:prstGeom>
+              <a:solidFill>
+                <a:schemeClr val="tx1">
+                  <a:lumMod val="65000"/>
+                  <a:lumOff val="35000"/>
+                </a:schemeClr>
+              </a:solidFill>
+              <a:ln w="57150">
+                <a:solidFill>
+                  <a:schemeClr val="tx1">
+                    <a:lumMod val="65000"/>
+                    <a:lumOff val="35000"/>
+                  </a:schemeClr>
+                </a:solidFill>
+              </a:ln>
+            </p:spPr>
+            <p:style>
+              <a:lnRef idx="2">
+                <a:schemeClr val="accent1">
+                  <a:shade val="50000"/>
+                </a:schemeClr>
+              </a:lnRef>
+              <a:fillRef idx="1">
+                <a:schemeClr val="accent1"/>
+              </a:fillRef>
+              <a:effectRef idx="0">
+                <a:schemeClr val="accent1"/>
+              </a:effectRef>
+              <a:fontRef idx="minor">
+                <a:schemeClr val="lt1"/>
+              </a:fontRef>
+            </p:style>
+            <p:txBody>
+              <a:bodyPr rtlCol="0" anchor="ctr"/>
+              <a:lstStyle/>
+              <a:p>
+                <a:pPr algn="ctr"/>
+                <a:r>
+                  <a:rPr kumimoji="1" lang="en-US" altLang="zh-CN" sz="1600" b="1" dirty="0">
+                    <a:latin typeface="Times New Roman" panose="02020603050405020304" pitchFamily="18" charset="0"/>
+                    <a:cs typeface="Times New Roman" panose="02020603050405020304" pitchFamily="18" charset="0"/>
+                  </a:rPr>
+                  <a:t>x2</a:t>
+                </a:r>
+                <a:endParaRPr kumimoji="1" lang="zh-CN" altLang="en-US" sz="1600" b="1" dirty="0">
+                  <a:latin typeface="Times New Roman" panose="02020603050405020304" pitchFamily="18" charset="0"/>
+                  <a:cs typeface="Times New Roman" panose="02020603050405020304" pitchFamily="18" charset="0"/>
+                </a:endParaRPr>
+              </a:p>
+            </p:txBody>
+          </p:sp>
+          <p:cxnSp>
+            <p:nvCxnSpPr>
+              <p:cNvPr id="14" name="直线连接符 13">
+                <a:extLst>
+                  <a:ext uri="{FF2B5EF4-FFF2-40B4-BE49-F238E27FC236}">
+                    <a16:creationId xmlns:a16="http://schemas.microsoft.com/office/drawing/2014/main" id="{16A816D1-CB9F-DF49-B53A-CC1901145F43}"/>
+                  </a:ext>
+                </a:extLst>
+              </p:cNvPr>
+              <p:cNvCxnSpPr>
+                <a:stCxn id="4" idx="6"/>
+                <a:endCxn id="5" idx="2"/>
+              </p:cNvCxnSpPr>
+              <p:nvPr/>
+            </p:nvCxnSpPr>
+            <p:spPr>
+              <a:xfrm>
+                <a:off x="4930816" y="3142527"/>
+                <a:ext cx="1113099" cy="0"/>
+              </a:xfrm>
+              <a:prstGeom prst="line">
+                <a:avLst/>
+              </a:prstGeom>
+              <a:ln w="57150">
+                <a:solidFill>
+                  <a:schemeClr val="tx1">
+                    <a:lumMod val="65000"/>
+                    <a:lumOff val="35000"/>
+                  </a:schemeClr>
+                </a:solidFill>
+              </a:ln>
+            </p:spPr>
+            <p:style>
+              <a:lnRef idx="1">
+                <a:schemeClr val="accent1"/>
+              </a:lnRef>
+              <a:fillRef idx="0">
+                <a:schemeClr val="accent1"/>
+              </a:fillRef>
+              <a:effectRef idx="0">
+                <a:schemeClr val="accent1"/>
+              </a:effectRef>
+              <a:fontRef idx="minor">
+                <a:schemeClr val="tx1"/>
+              </a:fontRef>
+            </p:style>
+          </p:cxnSp>
+          <p:cxnSp>
+            <p:nvCxnSpPr>
+              <p:cNvPr id="16" name="直线连接符 15">
+                <a:extLst>
+                  <a:ext uri="{FF2B5EF4-FFF2-40B4-BE49-F238E27FC236}">
+                    <a16:creationId xmlns:a16="http://schemas.microsoft.com/office/drawing/2014/main" id="{2E1750C4-5D1E-054D-BB4A-C5DD3B347C9B}"/>
+                  </a:ext>
+                </a:extLst>
+              </p:cNvPr>
+              <p:cNvCxnSpPr>
+                <a:stCxn id="7" idx="4"/>
+              </p:cNvCxnSpPr>
+              <p:nvPr/>
+            </p:nvCxnSpPr>
+            <p:spPr>
+              <a:xfrm>
+                <a:off x="6327495" y="2185687"/>
+                <a:ext cx="0" cy="673260"/>
+              </a:xfrm>
+              <a:prstGeom prst="line">
+                <a:avLst/>
+              </a:prstGeom>
+              <a:ln w="57150">
+                <a:solidFill>
+                  <a:schemeClr val="tx1">
+                    <a:lumMod val="65000"/>
+                    <a:lumOff val="35000"/>
+                  </a:schemeClr>
+                </a:solidFill>
+              </a:ln>
+            </p:spPr>
+            <p:style>
+              <a:lnRef idx="1">
+                <a:schemeClr val="accent1"/>
+              </a:lnRef>
+              <a:fillRef idx="0">
+                <a:schemeClr val="accent1"/>
+              </a:fillRef>
+              <a:effectRef idx="0">
+                <a:schemeClr val="accent1"/>
+              </a:effectRef>
+              <a:fontRef idx="minor">
+                <a:schemeClr val="tx1"/>
+              </a:fontRef>
+            </p:style>
+          </p:cxnSp>
+          <p:cxnSp>
+            <p:nvCxnSpPr>
+              <p:cNvPr id="17" name="直线连接符 16">
+                <a:extLst>
+                  <a:ext uri="{FF2B5EF4-FFF2-40B4-BE49-F238E27FC236}">
+                    <a16:creationId xmlns:a16="http://schemas.microsoft.com/office/drawing/2014/main" id="{CF766A3E-53D0-B149-875C-AB63D38672FC}"/>
+                  </a:ext>
+                </a:extLst>
+              </p:cNvPr>
+              <p:cNvCxnSpPr>
+                <a:cxnSpLocks/>
+                <a:stCxn id="5" idx="4"/>
+                <a:endCxn id="6" idx="0"/>
+              </p:cNvCxnSpPr>
+              <p:nvPr/>
+            </p:nvCxnSpPr>
+            <p:spPr>
+              <a:xfrm>
+                <a:off x="6327495" y="3426107"/>
+                <a:ext cx="0" cy="673260"/>
+              </a:xfrm>
+              <a:prstGeom prst="line">
+                <a:avLst/>
+              </a:prstGeom>
+              <a:ln w="57150">
+                <a:solidFill>
+                  <a:schemeClr val="tx1">
+                    <a:lumMod val="65000"/>
+                    <a:lumOff val="35000"/>
+                  </a:schemeClr>
+                </a:solidFill>
+              </a:ln>
+            </p:spPr>
+            <p:style>
+              <a:lnRef idx="1">
+                <a:schemeClr val="accent1"/>
+              </a:lnRef>
+              <a:fillRef idx="0">
+                <a:schemeClr val="accent1"/>
+              </a:fillRef>
+              <a:effectRef idx="0">
+                <a:schemeClr val="accent1"/>
+              </a:effectRef>
+              <a:fontRef idx="minor">
+                <a:schemeClr val="tx1"/>
+              </a:fontRef>
+            </p:style>
+          </p:cxnSp>
+          <p:cxnSp>
+            <p:nvCxnSpPr>
+              <p:cNvPr id="21" name="直线连接符 20">
+                <a:extLst>
+                  <a:ext uri="{FF2B5EF4-FFF2-40B4-BE49-F238E27FC236}">
+                    <a16:creationId xmlns:a16="http://schemas.microsoft.com/office/drawing/2014/main" id="{C426C83C-876A-D743-94A3-C37AEA165CBF}"/>
+                  </a:ext>
+                </a:extLst>
+              </p:cNvPr>
+              <p:cNvCxnSpPr>
+                <a:cxnSpLocks/>
+                <a:stCxn id="5" idx="6"/>
+                <a:endCxn id="9" idx="2"/>
+              </p:cNvCxnSpPr>
+              <p:nvPr/>
+            </p:nvCxnSpPr>
+            <p:spPr>
+              <a:xfrm flipV="1">
+                <a:off x="6611075" y="3142526"/>
+                <a:ext cx="1113099" cy="1"/>
+              </a:xfrm>
+              <a:prstGeom prst="line">
+                <a:avLst/>
+              </a:prstGeom>
+              <a:ln w="57150">
+                <a:solidFill>
+                  <a:schemeClr val="tx1">
+                    <a:lumMod val="65000"/>
+                    <a:lumOff val="35000"/>
+                  </a:schemeClr>
+                </a:solidFill>
+              </a:ln>
+            </p:spPr>
+            <p:style>
+              <a:lnRef idx="1">
+                <a:schemeClr val="accent1"/>
+              </a:lnRef>
+              <a:fillRef idx="0">
+                <a:schemeClr val="accent1"/>
+              </a:fillRef>
+              <a:effectRef idx="0">
+                <a:schemeClr val="accent1"/>
+              </a:effectRef>
+              <a:fontRef idx="minor">
+                <a:schemeClr val="tx1"/>
+              </a:fontRef>
+            </p:style>
+          </p:cxnSp>
+          <p:cxnSp>
+            <p:nvCxnSpPr>
+              <p:cNvPr id="24" name="直线连接符 23">
+                <a:extLst>
+                  <a:ext uri="{FF2B5EF4-FFF2-40B4-BE49-F238E27FC236}">
+                    <a16:creationId xmlns:a16="http://schemas.microsoft.com/office/drawing/2014/main" id="{72E67A3E-5E5A-7940-9DE7-71A2D3427887}"/>
+                  </a:ext>
+                </a:extLst>
+              </p:cNvPr>
+              <p:cNvCxnSpPr>
+                <a:cxnSpLocks/>
+                <a:stCxn id="8" idx="6"/>
+                <a:endCxn id="4" idx="2"/>
+              </p:cNvCxnSpPr>
+              <p:nvPr/>
+            </p:nvCxnSpPr>
+            <p:spPr>
+              <a:xfrm>
+                <a:off x="3383667" y="3142527"/>
+                <a:ext cx="979989" cy="0"/>
+              </a:xfrm>
+              <a:prstGeom prst="line">
+                <a:avLst/>
+              </a:prstGeom>
+              <a:ln w="57150">
+                <a:solidFill>
+                  <a:schemeClr val="tx1">
+                    <a:lumMod val="65000"/>
+                    <a:lumOff val="35000"/>
+                  </a:schemeClr>
+                </a:solidFill>
+              </a:ln>
+            </p:spPr>
+            <p:style>
+              <a:lnRef idx="1">
+                <a:schemeClr val="accent1"/>
+              </a:lnRef>
+              <a:fillRef idx="0">
+                <a:schemeClr val="accent1"/>
+              </a:fillRef>
+              <a:effectRef idx="0">
+                <a:schemeClr val="accent1"/>
+              </a:effectRef>
+              <a:fontRef idx="minor">
+                <a:schemeClr val="tx1"/>
+              </a:fontRef>
+            </p:style>
+          </p:cxnSp>
+          <p:cxnSp>
+            <p:nvCxnSpPr>
+              <p:cNvPr id="27" name="直线连接符 26">
+                <a:extLst>
+                  <a:ext uri="{FF2B5EF4-FFF2-40B4-BE49-F238E27FC236}">
+                    <a16:creationId xmlns:a16="http://schemas.microsoft.com/office/drawing/2014/main" id="{C56D6168-7A9C-D340-9883-FD238E317EA2}"/>
+                  </a:ext>
+                </a:extLst>
+              </p:cNvPr>
+              <p:cNvCxnSpPr>
+                <a:cxnSpLocks/>
+                <a:stCxn id="4" idx="7"/>
+                <a:endCxn id="7" idx="3"/>
+              </p:cNvCxnSpPr>
+              <p:nvPr/>
+            </p:nvCxnSpPr>
+            <p:spPr>
+              <a:xfrm flipV="1">
+                <a:off x="4847757" y="2102628"/>
+                <a:ext cx="1279217" cy="839378"/>
+              </a:xfrm>
+              <a:prstGeom prst="line">
+                <a:avLst/>
+              </a:prstGeom>
+              <a:ln w="57150">
+                <a:solidFill>
+                  <a:schemeClr val="tx1">
+                    <a:lumMod val="65000"/>
+                    <a:lumOff val="35000"/>
+                  </a:schemeClr>
+                </a:solidFill>
+              </a:ln>
+            </p:spPr>
+            <p:style>
+              <a:lnRef idx="1">
+                <a:schemeClr val="accent1"/>
+              </a:lnRef>
+              <a:fillRef idx="0">
+                <a:schemeClr val="accent1"/>
+              </a:fillRef>
+              <a:effectRef idx="0">
+                <a:schemeClr val="accent1"/>
+              </a:effectRef>
+              <a:fontRef idx="minor">
+                <a:schemeClr val="tx1"/>
+              </a:fontRef>
+            </p:style>
+          </p:cxnSp>
+          <p:cxnSp>
+            <p:nvCxnSpPr>
+              <p:cNvPr id="30" name="直线连接符 29">
+                <a:extLst>
+                  <a:ext uri="{FF2B5EF4-FFF2-40B4-BE49-F238E27FC236}">
+                    <a16:creationId xmlns:a16="http://schemas.microsoft.com/office/drawing/2014/main" id="{AD631709-C483-9D4D-86F0-4C4923C306EE}"/>
+                  </a:ext>
+                </a:extLst>
+              </p:cNvPr>
+              <p:cNvCxnSpPr>
+                <a:cxnSpLocks/>
+                <a:stCxn id="4" idx="5"/>
+                <a:endCxn id="6" idx="1"/>
+              </p:cNvCxnSpPr>
+              <p:nvPr/>
+            </p:nvCxnSpPr>
+            <p:spPr>
+              <a:xfrm>
+                <a:off x="4847757" y="3343048"/>
+                <a:ext cx="1279217" cy="839378"/>
+              </a:xfrm>
+              <a:prstGeom prst="line">
+                <a:avLst/>
+              </a:prstGeom>
+              <a:ln w="57150">
+                <a:solidFill>
+                  <a:schemeClr val="tx1">
+                    <a:lumMod val="65000"/>
+                    <a:lumOff val="35000"/>
+                  </a:schemeClr>
+                </a:solidFill>
+              </a:ln>
+            </p:spPr>
+            <p:style>
+              <a:lnRef idx="1">
+                <a:schemeClr val="accent1"/>
+              </a:lnRef>
+              <a:fillRef idx="0">
+                <a:schemeClr val="accent1"/>
+              </a:fillRef>
+              <a:effectRef idx="0">
+                <a:schemeClr val="accent1"/>
+              </a:effectRef>
+              <a:fontRef idx="minor">
+                <a:schemeClr val="tx1"/>
+              </a:fontRef>
+            </p:style>
+          </p:cxnSp>
+          <p:cxnSp>
+            <p:nvCxnSpPr>
+              <p:cNvPr id="35" name="直线箭头连接符 34">
+                <a:extLst>
+                  <a:ext uri="{FF2B5EF4-FFF2-40B4-BE49-F238E27FC236}">
+                    <a16:creationId xmlns:a16="http://schemas.microsoft.com/office/drawing/2014/main" id="{4F2A778F-73F7-A947-902C-69F37AC6C705}"/>
+                  </a:ext>
+                </a:extLst>
+              </p:cNvPr>
+              <p:cNvCxnSpPr/>
+              <p:nvPr/>
+            </p:nvCxnSpPr>
+            <p:spPr>
+              <a:xfrm>
+                <a:off x="5127585" y="3042590"/>
+                <a:ext cx="775504" cy="0"/>
+              </a:xfrm>
+              <a:prstGeom prst="straightConnector1">
+                <a:avLst/>
+              </a:prstGeom>
+              <a:ln w="38100">
+                <a:solidFill>
+                  <a:schemeClr val="accent2">
+                    <a:lumMod val="75000"/>
+                  </a:schemeClr>
+                </a:solidFill>
+                <a:tailEnd type="triangle"/>
+              </a:ln>
+            </p:spPr>
+            <p:style>
+              <a:lnRef idx="1">
+                <a:schemeClr val="accent1"/>
+              </a:lnRef>
+              <a:fillRef idx="0">
+                <a:schemeClr val="accent1"/>
+              </a:fillRef>
+              <a:effectRef idx="0">
+                <a:schemeClr val="accent1"/>
+              </a:effectRef>
+              <a:fontRef idx="minor">
+                <a:schemeClr val="tx1"/>
+              </a:fontRef>
+            </p:style>
+          </p:cxnSp>
+          <p:cxnSp>
+            <p:nvCxnSpPr>
+              <p:cNvPr id="36" name="直线箭头连接符 35">
+                <a:extLst>
+                  <a:ext uri="{FF2B5EF4-FFF2-40B4-BE49-F238E27FC236}">
+                    <a16:creationId xmlns:a16="http://schemas.microsoft.com/office/drawing/2014/main" id="{4BBB2DF3-4DD4-B046-89A3-1B6D319AF415}"/>
+                  </a:ext>
+                </a:extLst>
+              </p:cNvPr>
+              <p:cNvCxnSpPr>
+                <a:cxnSpLocks/>
+              </p:cNvCxnSpPr>
+              <p:nvPr/>
+            </p:nvCxnSpPr>
+            <p:spPr>
+              <a:xfrm flipH="1">
+                <a:off x="5099613" y="3251608"/>
+                <a:ext cx="775504" cy="0"/>
+              </a:xfrm>
+              <a:prstGeom prst="straightConnector1">
+                <a:avLst/>
+              </a:prstGeom>
+              <a:ln w="38100">
+                <a:solidFill>
+                  <a:schemeClr val="accent2">
+                    <a:lumMod val="75000"/>
+                  </a:schemeClr>
+                </a:solidFill>
+                <a:tailEnd type="triangle"/>
+              </a:ln>
+            </p:spPr>
+            <p:style>
+              <a:lnRef idx="1">
+                <a:schemeClr val="accent1"/>
+              </a:lnRef>
+              <a:fillRef idx="0">
+                <a:schemeClr val="accent1"/>
+              </a:fillRef>
+              <a:effectRef idx="0">
+                <a:schemeClr val="accent1"/>
+              </a:effectRef>
+              <a:fontRef idx="minor">
+                <a:schemeClr val="tx1"/>
+              </a:fontRef>
+            </p:style>
+          </p:cxnSp>
+          <p:cxnSp>
+            <p:nvCxnSpPr>
+              <p:cNvPr id="41" name="直线箭头连接符 40">
+                <a:extLst>
+                  <a:ext uri="{FF2B5EF4-FFF2-40B4-BE49-F238E27FC236}">
+                    <a16:creationId xmlns:a16="http://schemas.microsoft.com/office/drawing/2014/main" id="{B60BBA8E-C29C-B346-85FC-9EEAD9AA136C}"/>
+                  </a:ext>
+                </a:extLst>
+              </p:cNvPr>
+              <p:cNvCxnSpPr>
+                <a:cxnSpLocks/>
+              </p:cNvCxnSpPr>
+              <p:nvPr/>
+            </p:nvCxnSpPr>
+            <p:spPr>
+              <a:xfrm flipH="1">
+                <a:off x="5005986" y="2286365"/>
+                <a:ext cx="597276" cy="409687"/>
+              </a:xfrm>
+              <a:prstGeom prst="straightConnector1">
+                <a:avLst/>
+              </a:prstGeom>
+              <a:ln w="38100">
+                <a:solidFill>
+                  <a:schemeClr val="accent2">
+                    <a:lumMod val="75000"/>
+                  </a:schemeClr>
+                </a:solidFill>
+                <a:tailEnd type="triangle"/>
+              </a:ln>
+            </p:spPr>
+            <p:style>
+              <a:lnRef idx="1">
+                <a:schemeClr val="accent1"/>
+              </a:lnRef>
+              <a:fillRef idx="0">
+                <a:schemeClr val="accent1"/>
+              </a:fillRef>
+              <a:effectRef idx="0">
+                <a:schemeClr val="accent1"/>
+              </a:effectRef>
+              <a:fontRef idx="minor">
+                <a:schemeClr val="tx1"/>
+              </a:fontRef>
+            </p:style>
+          </p:cxnSp>
+          <p:cxnSp>
+            <p:nvCxnSpPr>
+              <p:cNvPr id="44" name="直线箭头连接符 43">
+                <a:extLst>
+                  <a:ext uri="{FF2B5EF4-FFF2-40B4-BE49-F238E27FC236}">
+                    <a16:creationId xmlns:a16="http://schemas.microsoft.com/office/drawing/2014/main" id="{0FB5292B-10F2-7847-9662-CC8A78555CD5}"/>
+                  </a:ext>
+                </a:extLst>
+              </p:cNvPr>
+              <p:cNvCxnSpPr>
+                <a:cxnSpLocks/>
+              </p:cNvCxnSpPr>
+              <p:nvPr/>
+            </p:nvCxnSpPr>
+            <p:spPr>
+              <a:xfrm flipV="1">
+                <a:off x="5200021" y="2457905"/>
+                <a:ext cx="574688" cy="415217"/>
+              </a:xfrm>
+              <a:prstGeom prst="straightConnector1">
+                <a:avLst/>
+              </a:prstGeom>
+              <a:ln w="38100">
+                <a:solidFill>
+                  <a:schemeClr val="accent2">
+                    <a:lumMod val="75000"/>
+                  </a:schemeClr>
+                </a:solidFill>
+                <a:tailEnd type="triangle"/>
+              </a:ln>
+            </p:spPr>
+            <p:style>
+              <a:lnRef idx="1">
+                <a:schemeClr val="accent1"/>
+              </a:lnRef>
+              <a:fillRef idx="0">
+                <a:schemeClr val="accent1"/>
+              </a:fillRef>
+              <a:effectRef idx="0">
+                <a:schemeClr val="accent1"/>
+              </a:effectRef>
+              <a:fontRef idx="minor">
+                <a:schemeClr val="tx1"/>
+              </a:fontRef>
+            </p:style>
+          </p:cxnSp>
+          <p:cxnSp>
+            <p:nvCxnSpPr>
+              <p:cNvPr id="47" name="直线箭头连接符 46">
+                <a:extLst>
+                  <a:ext uri="{FF2B5EF4-FFF2-40B4-BE49-F238E27FC236}">
+                    <a16:creationId xmlns:a16="http://schemas.microsoft.com/office/drawing/2014/main" id="{4F1A2A8F-D09A-F242-8628-B7EDEA244BC8}"/>
+                  </a:ext>
+                </a:extLst>
+              </p:cNvPr>
+              <p:cNvCxnSpPr>
+                <a:cxnSpLocks/>
+              </p:cNvCxnSpPr>
+              <p:nvPr/>
+            </p:nvCxnSpPr>
+            <p:spPr>
+              <a:xfrm>
+                <a:off x="5050710" y="3634636"/>
+                <a:ext cx="594671" cy="384375"/>
+              </a:xfrm>
+              <a:prstGeom prst="straightConnector1">
+                <a:avLst/>
+              </a:prstGeom>
+              <a:ln w="38100">
+                <a:solidFill>
+                  <a:schemeClr val="accent2">
+                    <a:lumMod val="75000"/>
+                  </a:schemeClr>
+                </a:solidFill>
+                <a:tailEnd type="triangle"/>
+              </a:ln>
+            </p:spPr>
+            <p:style>
+              <a:lnRef idx="1">
+                <a:schemeClr val="accent1"/>
+              </a:lnRef>
+              <a:fillRef idx="0">
+                <a:schemeClr val="accent1"/>
+              </a:fillRef>
+              <a:effectRef idx="0">
+                <a:schemeClr val="accent1"/>
+              </a:effectRef>
+              <a:fontRef idx="minor">
+                <a:schemeClr val="tx1"/>
+              </a:fontRef>
+            </p:style>
+          </p:cxnSp>
+          <p:sp>
+            <p:nvSpPr>
+              <p:cNvPr id="51" name="文本框 50">
+                <a:extLst>
+                  <a:ext uri="{FF2B5EF4-FFF2-40B4-BE49-F238E27FC236}">
+                    <a16:creationId xmlns:a16="http://schemas.microsoft.com/office/drawing/2014/main" id="{6B08DB5D-4AA3-C44B-8933-24136BAA137C}"/>
+                  </a:ext>
+                </a:extLst>
+              </p:cNvPr>
+              <p:cNvSpPr txBox="1"/>
+              <p:nvPr/>
+            </p:nvSpPr>
+            <p:spPr>
+              <a:xfrm>
+                <a:off x="5346116" y="2764418"/>
+                <a:ext cx="282498" cy="307777"/>
+              </a:xfrm>
+              <a:prstGeom prst="rect">
+                <a:avLst/>
+              </a:prstGeom>
+              <a:noFill/>
+            </p:spPr>
+            <p:txBody>
+              <a:bodyPr wrap="square" rtlCol="0">
+                <a:spAutoFit/>
+              </a:bodyPr>
+              <a:lstStyle/>
+              <a:p>
+                <a:r>
+                  <a:rPr kumimoji="1" lang="en-US" altLang="zh-CN" sz="1400" b="1" dirty="0"/>
+                  <a:t>1</a:t>
+                </a:r>
+                <a:endParaRPr kumimoji="1" lang="zh-CN" altLang="en-US" sz="1400" b="1" dirty="0"/>
+              </a:p>
+            </p:txBody>
+          </p:sp>
+          <p:sp>
+            <p:nvSpPr>
+              <p:cNvPr id="52" name="文本框 51">
+                <a:extLst>
+                  <a:ext uri="{FF2B5EF4-FFF2-40B4-BE49-F238E27FC236}">
+                    <a16:creationId xmlns:a16="http://schemas.microsoft.com/office/drawing/2014/main" id="{7F7B464C-EE17-7840-8DAD-B0AF103A50E3}"/>
+                  </a:ext>
+                </a:extLst>
+              </p:cNvPr>
+              <p:cNvSpPr txBox="1"/>
+              <p:nvPr/>
+            </p:nvSpPr>
+            <p:spPr>
+              <a:xfrm>
+                <a:off x="5362883" y="3272231"/>
+                <a:ext cx="282498" cy="307777"/>
+              </a:xfrm>
+              <a:prstGeom prst="rect">
+                <a:avLst/>
+              </a:prstGeom>
+              <a:noFill/>
+            </p:spPr>
+            <p:txBody>
+              <a:bodyPr wrap="square" rtlCol="0">
+                <a:spAutoFit/>
+              </a:bodyPr>
+              <a:lstStyle/>
+              <a:p>
+                <a:r>
+                  <a:rPr kumimoji="1" lang="en-US" altLang="zh-CN" sz="1400" b="1" dirty="0"/>
+                  <a:t>2</a:t>
+                </a:r>
+                <a:endParaRPr kumimoji="1" lang="zh-CN" altLang="en-US" sz="1400" b="1" dirty="0"/>
+              </a:p>
+            </p:txBody>
+          </p:sp>
+          <p:sp>
+            <p:nvSpPr>
+              <p:cNvPr id="53" name="文本框 52">
+                <a:extLst>
+                  <a:ext uri="{FF2B5EF4-FFF2-40B4-BE49-F238E27FC236}">
+                    <a16:creationId xmlns:a16="http://schemas.microsoft.com/office/drawing/2014/main" id="{3F2B52C1-FED7-294E-BFA7-287146754ECA}"/>
+                  </a:ext>
+                </a:extLst>
+              </p:cNvPr>
+              <p:cNvSpPr txBox="1"/>
+              <p:nvPr/>
+            </p:nvSpPr>
+            <p:spPr>
+              <a:xfrm>
+                <a:off x="5576610" y="2557226"/>
+                <a:ext cx="282498" cy="307777"/>
+              </a:xfrm>
+              <a:prstGeom prst="rect">
+                <a:avLst/>
+              </a:prstGeom>
+              <a:noFill/>
+            </p:spPr>
+            <p:txBody>
+              <a:bodyPr wrap="square" rtlCol="0">
+                <a:spAutoFit/>
+              </a:bodyPr>
+              <a:lstStyle/>
+              <a:p>
+                <a:r>
+                  <a:rPr kumimoji="1" lang="en-US" altLang="zh-CN" sz="1400" b="1" dirty="0"/>
+                  <a:t>3</a:t>
+                </a:r>
+                <a:endParaRPr kumimoji="1" lang="zh-CN" altLang="en-US" sz="1400" b="1" dirty="0"/>
+              </a:p>
+            </p:txBody>
+          </p:sp>
+          <p:sp>
+            <p:nvSpPr>
+              <p:cNvPr id="54" name="文本框 53">
+                <a:extLst>
+                  <a:ext uri="{FF2B5EF4-FFF2-40B4-BE49-F238E27FC236}">
+                    <a16:creationId xmlns:a16="http://schemas.microsoft.com/office/drawing/2014/main" id="{396890A5-A189-2641-9FFA-529EF8182057}"/>
+                  </a:ext>
+                </a:extLst>
+              </p:cNvPr>
+              <p:cNvSpPr txBox="1"/>
+              <p:nvPr/>
+            </p:nvSpPr>
+            <p:spPr>
+              <a:xfrm>
+                <a:off x="5129635" y="2196295"/>
+                <a:ext cx="282498" cy="307777"/>
+              </a:xfrm>
+              <a:prstGeom prst="rect">
+                <a:avLst/>
+              </a:prstGeom>
+              <a:noFill/>
+            </p:spPr>
+            <p:txBody>
+              <a:bodyPr wrap="square" rtlCol="0">
+                <a:spAutoFit/>
+              </a:bodyPr>
+              <a:lstStyle/>
+              <a:p>
+                <a:r>
+                  <a:rPr kumimoji="1" lang="en-US" altLang="zh-CN" sz="1400" b="1" dirty="0"/>
+                  <a:t>4</a:t>
+                </a:r>
+                <a:endParaRPr kumimoji="1" lang="zh-CN" altLang="en-US" sz="1400" b="1" dirty="0"/>
+              </a:p>
+            </p:txBody>
+          </p:sp>
+          <p:sp>
+            <p:nvSpPr>
+              <p:cNvPr id="55" name="文本框 54">
+                <a:extLst>
+                  <a:ext uri="{FF2B5EF4-FFF2-40B4-BE49-F238E27FC236}">
+                    <a16:creationId xmlns:a16="http://schemas.microsoft.com/office/drawing/2014/main" id="{BD6B5767-8FAC-1249-B9CA-23CBAF68C18B}"/>
+                  </a:ext>
+                </a:extLst>
+              </p:cNvPr>
+              <p:cNvSpPr txBox="1"/>
+              <p:nvPr/>
+            </p:nvSpPr>
+            <p:spPr>
+              <a:xfrm>
+                <a:off x="5163338" y="3851776"/>
+                <a:ext cx="282498" cy="307777"/>
+              </a:xfrm>
+              <a:prstGeom prst="rect">
+                <a:avLst/>
+              </a:prstGeom>
+              <a:noFill/>
+            </p:spPr>
+            <p:txBody>
+              <a:bodyPr wrap="square" rtlCol="0">
+                <a:spAutoFit/>
+              </a:bodyPr>
+              <a:lstStyle/>
+              <a:p>
+                <a:r>
+                  <a:rPr kumimoji="1" lang="en-US" altLang="zh-CN" sz="1400" b="1" dirty="0"/>
+                  <a:t>5</a:t>
+                </a:r>
+                <a:endParaRPr kumimoji="1" lang="zh-CN" altLang="en-US" sz="1400" b="1" dirty="0"/>
+              </a:p>
+            </p:txBody>
+          </p:sp>
+        </p:grpSp>
+        <p:cxnSp>
+          <p:nvCxnSpPr>
+            <p:cNvPr id="59" name="直线连接符 58">
+              <a:extLst>
+                <a:ext uri="{FF2B5EF4-FFF2-40B4-BE49-F238E27FC236}">
+                  <a16:creationId xmlns:a16="http://schemas.microsoft.com/office/drawing/2014/main" id="{52AFAF32-D58F-5141-8365-9AAE6AC80AC9}"/>
+                </a:ext>
+              </a:extLst>
+            </p:cNvPr>
+            <p:cNvCxnSpPr>
+              <a:cxnSpLocks/>
+            </p:cNvCxnSpPr>
+            <p:nvPr/>
+          </p:nvCxnSpPr>
+          <p:spPr>
+            <a:xfrm>
+              <a:off x="2548641" y="2557226"/>
+              <a:ext cx="351576" cy="352120"/>
+            </a:xfrm>
+            <a:prstGeom prst="line">
+              <a:avLst/>
+            </a:prstGeom>
+            <a:ln w="57150">
+              <a:solidFill>
+                <a:schemeClr val="tx1">
+                  <a:lumMod val="65000"/>
+                  <a:lumOff val="35000"/>
+                </a:schemeClr>
+              </a:solidFill>
+            </a:ln>
+          </p:spPr>
+          <p:style>
+            <a:lnRef idx="1">
+              <a:schemeClr val="accent1"/>
+            </a:lnRef>
+            <a:fillRef idx="0">
+              <a:schemeClr val="accent1"/>
+            </a:fillRef>
+            <a:effectRef idx="0">
+              <a:schemeClr val="accent1"/>
+            </a:effectRef>
+            <a:fontRef idx="minor">
+              <a:schemeClr val="tx1"/>
+            </a:fontRef>
+          </p:style>
+        </p:cxnSp>
+        <p:cxnSp>
+          <p:nvCxnSpPr>
+            <p:cNvPr id="62" name="直线连接符 61">
+              <a:extLst>
+                <a:ext uri="{FF2B5EF4-FFF2-40B4-BE49-F238E27FC236}">
+                  <a16:creationId xmlns:a16="http://schemas.microsoft.com/office/drawing/2014/main" id="{32701A55-8C6A-F346-B75B-14C1CC02E310}"/>
+                </a:ext>
+              </a:extLst>
+            </p:cNvPr>
+            <p:cNvCxnSpPr>
+              <a:cxnSpLocks/>
+            </p:cNvCxnSpPr>
+            <p:nvPr/>
+          </p:nvCxnSpPr>
+          <p:spPr>
+            <a:xfrm>
+              <a:off x="2342217" y="3181965"/>
+              <a:ext cx="474290" cy="0"/>
+            </a:xfrm>
+            <a:prstGeom prst="line">
+              <a:avLst/>
+            </a:prstGeom>
+            <a:ln w="57150">
+              <a:solidFill>
+                <a:schemeClr val="tx1">
+                  <a:lumMod val="65000"/>
+                  <a:lumOff val="35000"/>
+                </a:schemeClr>
+              </a:solidFill>
+            </a:ln>
+          </p:spPr>
+          <p:style>
+            <a:lnRef idx="1">
+              <a:schemeClr val="accent1"/>
+            </a:lnRef>
+            <a:fillRef idx="0">
+              <a:schemeClr val="accent1"/>
+            </a:fillRef>
+            <a:effectRef idx="0">
+              <a:schemeClr val="accent1"/>
+            </a:effectRef>
+            <a:fontRef idx="minor">
+              <a:schemeClr val="tx1"/>
+            </a:fontRef>
+          </p:style>
+        </p:cxnSp>
+        <p:cxnSp>
+          <p:nvCxnSpPr>
+            <p:cNvPr id="67" name="直线连接符 66">
+              <a:extLst>
+                <a:ext uri="{FF2B5EF4-FFF2-40B4-BE49-F238E27FC236}">
+                  <a16:creationId xmlns:a16="http://schemas.microsoft.com/office/drawing/2014/main" id="{357F14FB-5F1E-4949-87DF-751CE74C1694}"/>
+                </a:ext>
+              </a:extLst>
+            </p:cNvPr>
+            <p:cNvCxnSpPr>
+              <a:cxnSpLocks/>
+              <a:stCxn id="8" idx="3"/>
+            </p:cNvCxnSpPr>
+            <p:nvPr/>
+          </p:nvCxnSpPr>
+          <p:spPr>
+            <a:xfrm flipH="1">
+              <a:off x="2532928" y="3343048"/>
+              <a:ext cx="366638" cy="384780"/>
+            </a:xfrm>
+            <a:prstGeom prst="line">
+              <a:avLst/>
+            </a:prstGeom>
+            <a:ln w="57150">
+              <a:solidFill>
+                <a:schemeClr val="tx1">
+                  <a:lumMod val="65000"/>
+                  <a:lumOff val="35000"/>
+                </a:schemeClr>
+              </a:solidFill>
+            </a:ln>
+          </p:spPr>
+          <p:style>
+            <a:lnRef idx="1">
+              <a:schemeClr val="accent1"/>
+            </a:lnRef>
+            <a:fillRef idx="0">
+              <a:schemeClr val="accent1"/>
+            </a:fillRef>
+            <a:effectRef idx="0">
+              <a:schemeClr val="accent1"/>
+            </a:effectRef>
+            <a:fontRef idx="minor">
+              <a:schemeClr val="tx1"/>
+            </a:fontRef>
+          </p:style>
+        </p:cxnSp>
+        <p:cxnSp>
+          <p:nvCxnSpPr>
+            <p:cNvPr id="71" name="直线连接符 70">
+              <a:extLst>
+                <a:ext uri="{FF2B5EF4-FFF2-40B4-BE49-F238E27FC236}">
+                  <a16:creationId xmlns:a16="http://schemas.microsoft.com/office/drawing/2014/main" id="{59A9218C-B47C-C743-BB63-270C26C698E2}"/>
+                </a:ext>
+              </a:extLst>
+            </p:cNvPr>
+            <p:cNvCxnSpPr>
+              <a:cxnSpLocks/>
+              <a:stCxn id="7" idx="7"/>
+            </p:cNvCxnSpPr>
+            <p:nvPr/>
+          </p:nvCxnSpPr>
+          <p:spPr>
+            <a:xfrm flipV="1">
+              <a:off x="6528016" y="1329857"/>
+              <a:ext cx="429375" cy="371729"/>
+            </a:xfrm>
+            <a:prstGeom prst="line">
+              <a:avLst/>
+            </a:prstGeom>
+            <a:ln w="57150">
+              <a:solidFill>
+                <a:schemeClr val="tx1">
+                  <a:lumMod val="65000"/>
+                  <a:lumOff val="35000"/>
+                </a:schemeClr>
+              </a:solidFill>
+            </a:ln>
+          </p:spPr>
+          <p:style>
+            <a:lnRef idx="1">
+              <a:schemeClr val="accent1"/>
+            </a:lnRef>
+            <a:fillRef idx="0">
+              <a:schemeClr val="accent1"/>
+            </a:fillRef>
+            <a:effectRef idx="0">
+              <a:schemeClr val="accent1"/>
+            </a:effectRef>
+            <a:fontRef idx="minor">
+              <a:schemeClr val="tx1"/>
+            </a:fontRef>
+          </p:style>
+        </p:cxnSp>
+        <p:cxnSp>
+          <p:nvCxnSpPr>
+            <p:cNvPr id="72" name="直线连接符 71">
+              <a:extLst>
+                <a:ext uri="{FF2B5EF4-FFF2-40B4-BE49-F238E27FC236}">
+                  <a16:creationId xmlns:a16="http://schemas.microsoft.com/office/drawing/2014/main" id="{10A9AF8D-7924-C442-A291-4BE3D57DE69A}"/>
+                </a:ext>
+              </a:extLst>
+            </p:cNvPr>
+            <p:cNvCxnSpPr>
+              <a:cxnSpLocks/>
+              <a:endCxn id="7" idx="0"/>
+            </p:cNvCxnSpPr>
+            <p:nvPr/>
+          </p:nvCxnSpPr>
+          <p:spPr>
+            <a:xfrm>
+              <a:off x="6327495" y="1075191"/>
+              <a:ext cx="0" cy="543336"/>
+            </a:xfrm>
+            <a:prstGeom prst="line">
+              <a:avLst/>
+            </a:prstGeom>
+            <a:ln w="57150">
+              <a:solidFill>
+                <a:schemeClr val="tx1">
+                  <a:lumMod val="65000"/>
+                  <a:lumOff val="35000"/>
+                </a:schemeClr>
+              </a:solidFill>
+            </a:ln>
+          </p:spPr>
+          <p:style>
+            <a:lnRef idx="1">
+              <a:schemeClr val="accent1"/>
+            </a:lnRef>
+            <a:fillRef idx="0">
+              <a:schemeClr val="accent1"/>
+            </a:fillRef>
+            <a:effectRef idx="0">
+              <a:schemeClr val="accent1"/>
+            </a:effectRef>
+            <a:fontRef idx="minor">
+              <a:schemeClr val="tx1"/>
+            </a:fontRef>
+          </p:style>
+        </p:cxnSp>
+        <p:cxnSp>
+          <p:nvCxnSpPr>
+            <p:cNvPr id="73" name="直线连接符 72">
+              <a:extLst>
+                <a:ext uri="{FF2B5EF4-FFF2-40B4-BE49-F238E27FC236}">
+                  <a16:creationId xmlns:a16="http://schemas.microsoft.com/office/drawing/2014/main" id="{92DEC06E-780B-114B-95D3-4806BA026DEB}"/>
+                </a:ext>
+              </a:extLst>
+            </p:cNvPr>
+            <p:cNvCxnSpPr>
+              <a:cxnSpLocks/>
+              <a:stCxn id="7" idx="1"/>
+            </p:cNvCxnSpPr>
+            <p:nvPr/>
+          </p:nvCxnSpPr>
+          <p:spPr>
+            <a:xfrm flipH="1" flipV="1">
+              <a:off x="5657613" y="1329857"/>
+              <a:ext cx="469361" cy="371729"/>
+            </a:xfrm>
+            <a:prstGeom prst="line">
+              <a:avLst/>
+            </a:prstGeom>
+            <a:ln w="57150">
+              <a:solidFill>
+                <a:schemeClr val="tx1">
+                  <a:lumMod val="65000"/>
+                  <a:lumOff val="35000"/>
+                </a:schemeClr>
+              </a:solidFill>
+            </a:ln>
+          </p:spPr>
+          <p:style>
+            <a:lnRef idx="1">
+              <a:schemeClr val="accent1"/>
+            </a:lnRef>
+            <a:fillRef idx="0">
+              <a:schemeClr val="accent1"/>
+            </a:fillRef>
+            <a:effectRef idx="0">
+              <a:schemeClr val="accent1"/>
+            </a:effectRef>
+            <a:fontRef idx="minor">
+              <a:schemeClr val="tx1"/>
+            </a:fontRef>
+          </p:style>
+        </p:cxnSp>
+        <p:cxnSp>
+          <p:nvCxnSpPr>
+            <p:cNvPr id="80" name="直线连接符 79">
+              <a:extLst>
+                <a:ext uri="{FF2B5EF4-FFF2-40B4-BE49-F238E27FC236}">
+                  <a16:creationId xmlns:a16="http://schemas.microsoft.com/office/drawing/2014/main" id="{0E55F03C-B3DF-4543-AE10-6D4E1030505F}"/>
+                </a:ext>
+              </a:extLst>
+            </p:cNvPr>
+            <p:cNvCxnSpPr>
+              <a:cxnSpLocks/>
+            </p:cNvCxnSpPr>
+            <p:nvPr/>
+          </p:nvCxnSpPr>
+          <p:spPr>
+            <a:xfrm>
+              <a:off x="6477492" y="4644551"/>
+              <a:ext cx="429375" cy="371729"/>
+            </a:xfrm>
+            <a:prstGeom prst="line">
+              <a:avLst/>
+            </a:prstGeom>
+            <a:ln w="57150">
+              <a:solidFill>
+                <a:schemeClr val="tx1">
+                  <a:lumMod val="65000"/>
+                  <a:lumOff val="35000"/>
+                </a:schemeClr>
+              </a:solidFill>
+            </a:ln>
+          </p:spPr>
+          <p:style>
+            <a:lnRef idx="1">
+              <a:schemeClr val="accent1"/>
+            </a:lnRef>
+            <a:fillRef idx="0">
+              <a:schemeClr val="accent1"/>
+            </a:fillRef>
+            <a:effectRef idx="0">
+              <a:schemeClr val="accent1"/>
+            </a:effectRef>
+            <a:fontRef idx="minor">
+              <a:schemeClr val="tx1"/>
+            </a:fontRef>
+          </p:style>
+        </p:cxnSp>
+        <p:cxnSp>
+          <p:nvCxnSpPr>
+            <p:cNvPr id="81" name="直线连接符 80">
+              <a:extLst>
+                <a:ext uri="{FF2B5EF4-FFF2-40B4-BE49-F238E27FC236}">
+                  <a16:creationId xmlns:a16="http://schemas.microsoft.com/office/drawing/2014/main" id="{9796D601-4D49-8B40-9334-714D7179E7C4}"/>
+                </a:ext>
+              </a:extLst>
+            </p:cNvPr>
+            <p:cNvCxnSpPr>
+              <a:cxnSpLocks/>
+            </p:cNvCxnSpPr>
+            <p:nvPr/>
+          </p:nvCxnSpPr>
+          <p:spPr>
+            <a:xfrm flipV="1">
+              <a:off x="6309169" y="4696880"/>
+              <a:ext cx="0" cy="543336"/>
+            </a:xfrm>
+            <a:prstGeom prst="line">
+              <a:avLst/>
+            </a:prstGeom>
+            <a:ln w="57150">
+              <a:solidFill>
+                <a:schemeClr val="tx1">
+                  <a:lumMod val="65000"/>
+                  <a:lumOff val="35000"/>
+                </a:schemeClr>
+              </a:solidFill>
+            </a:ln>
+          </p:spPr>
+          <p:style>
+            <a:lnRef idx="1">
+              <a:schemeClr val="accent1"/>
+            </a:lnRef>
+            <a:fillRef idx="0">
+              <a:schemeClr val="accent1"/>
+            </a:fillRef>
+            <a:effectRef idx="0">
+              <a:schemeClr val="accent1"/>
+            </a:effectRef>
+            <a:fontRef idx="minor">
+              <a:schemeClr val="tx1"/>
+            </a:fontRef>
+          </p:style>
+        </p:cxnSp>
+        <p:cxnSp>
+          <p:nvCxnSpPr>
+            <p:cNvPr id="82" name="直线连接符 81">
+              <a:extLst>
+                <a:ext uri="{FF2B5EF4-FFF2-40B4-BE49-F238E27FC236}">
+                  <a16:creationId xmlns:a16="http://schemas.microsoft.com/office/drawing/2014/main" id="{9CF601A7-BA6C-CD48-AB86-6080D9371B98}"/>
+                </a:ext>
+              </a:extLst>
+            </p:cNvPr>
+            <p:cNvCxnSpPr>
+              <a:cxnSpLocks/>
+            </p:cNvCxnSpPr>
+            <p:nvPr/>
+          </p:nvCxnSpPr>
+          <p:spPr>
+            <a:xfrm flipH="1">
+              <a:off x="5694695" y="4644552"/>
+              <a:ext cx="469361" cy="371729"/>
+            </a:xfrm>
+            <a:prstGeom prst="line">
+              <a:avLst/>
+            </a:prstGeom>
+            <a:ln w="57150">
+              <a:solidFill>
+                <a:schemeClr val="tx1">
+                  <a:lumMod val="65000"/>
+                  <a:lumOff val="35000"/>
+                </a:schemeClr>
+              </a:solidFill>
+            </a:ln>
+          </p:spPr>
+          <p:style>
+            <a:lnRef idx="1">
+              <a:schemeClr val="accent1"/>
+            </a:lnRef>
+            <a:fillRef idx="0">
+              <a:schemeClr val="accent1"/>
+            </a:fillRef>
+            <a:effectRef idx="0">
+              <a:schemeClr val="accent1"/>
+            </a:effectRef>
+            <a:fontRef idx="minor">
+              <a:schemeClr val="tx1"/>
+            </a:fontRef>
+          </p:style>
+        </p:cxnSp>
+        <p:cxnSp>
+          <p:nvCxnSpPr>
+            <p:cNvPr id="83" name="直线连接符 82">
+              <a:extLst>
+                <a:ext uri="{FF2B5EF4-FFF2-40B4-BE49-F238E27FC236}">
+                  <a16:creationId xmlns:a16="http://schemas.microsoft.com/office/drawing/2014/main" id="{4F719381-8DA5-AE4A-A0EF-BB88DA7A7DB5}"/>
+                </a:ext>
+              </a:extLst>
+            </p:cNvPr>
+            <p:cNvCxnSpPr>
+              <a:cxnSpLocks/>
+            </p:cNvCxnSpPr>
+            <p:nvPr/>
+          </p:nvCxnSpPr>
+          <p:spPr>
+            <a:xfrm flipH="1">
+              <a:off x="8224640" y="2557226"/>
+              <a:ext cx="568460" cy="384780"/>
+            </a:xfrm>
+            <a:prstGeom prst="line">
+              <a:avLst/>
+            </a:prstGeom>
+            <a:ln w="57150">
+              <a:solidFill>
+                <a:schemeClr val="tx1">
+                  <a:lumMod val="65000"/>
+                  <a:lumOff val="35000"/>
+                </a:schemeClr>
+              </a:solidFill>
+            </a:ln>
+          </p:spPr>
+          <p:style>
+            <a:lnRef idx="1">
+              <a:schemeClr val="accent1"/>
+            </a:lnRef>
+            <a:fillRef idx="0">
+              <a:schemeClr val="accent1"/>
+            </a:fillRef>
+            <a:effectRef idx="0">
+              <a:schemeClr val="accent1"/>
+            </a:effectRef>
+            <a:fontRef idx="minor">
+              <a:schemeClr val="tx1"/>
+            </a:fontRef>
+          </p:style>
+        </p:cxnSp>
+        <p:cxnSp>
+          <p:nvCxnSpPr>
+            <p:cNvPr id="84" name="直线连接符 83">
+              <a:extLst>
+                <a:ext uri="{FF2B5EF4-FFF2-40B4-BE49-F238E27FC236}">
+                  <a16:creationId xmlns:a16="http://schemas.microsoft.com/office/drawing/2014/main" id="{BD2AE23F-2C9B-D440-B00A-4EA8A4FFF95A}"/>
+                </a:ext>
+              </a:extLst>
+            </p:cNvPr>
+            <p:cNvCxnSpPr>
+              <a:cxnSpLocks/>
+            </p:cNvCxnSpPr>
+            <p:nvPr/>
+          </p:nvCxnSpPr>
+          <p:spPr>
+            <a:xfrm flipH="1">
+              <a:off x="8318810" y="3142526"/>
+              <a:ext cx="474290" cy="0"/>
+            </a:xfrm>
+            <a:prstGeom prst="line">
+              <a:avLst/>
+            </a:prstGeom>
+            <a:ln w="57150">
+              <a:solidFill>
+                <a:schemeClr val="tx1">
+                  <a:lumMod val="65000"/>
+                  <a:lumOff val="35000"/>
+                </a:schemeClr>
+              </a:solidFill>
+            </a:ln>
+          </p:spPr>
+          <p:style>
+            <a:lnRef idx="1">
+              <a:schemeClr val="accent1"/>
+            </a:lnRef>
+            <a:fillRef idx="0">
+              <a:schemeClr val="accent1"/>
+            </a:fillRef>
+            <a:effectRef idx="0">
+              <a:schemeClr val="accent1"/>
+            </a:effectRef>
+            <a:fontRef idx="minor">
+              <a:schemeClr val="tx1"/>
+            </a:fontRef>
+          </p:style>
+        </p:cxnSp>
+        <p:cxnSp>
+          <p:nvCxnSpPr>
+            <p:cNvPr id="85" name="直线连接符 84">
+              <a:extLst>
+                <a:ext uri="{FF2B5EF4-FFF2-40B4-BE49-F238E27FC236}">
+                  <a16:creationId xmlns:a16="http://schemas.microsoft.com/office/drawing/2014/main" id="{5D8FA94D-2DA3-0D41-956B-0044625E015E}"/>
+                </a:ext>
+              </a:extLst>
+            </p:cNvPr>
+            <p:cNvCxnSpPr>
+              <a:cxnSpLocks/>
+            </p:cNvCxnSpPr>
+            <p:nvPr/>
+          </p:nvCxnSpPr>
+          <p:spPr>
+            <a:xfrm>
+              <a:off x="8224640" y="3343047"/>
+              <a:ext cx="450690" cy="370493"/>
+            </a:xfrm>
+            <a:prstGeom prst="line">
+              <a:avLst/>
+            </a:prstGeom>
+            <a:ln w="57150">
+              <a:solidFill>
+                <a:schemeClr val="tx1">
+                  <a:lumMod val="65000"/>
+                  <a:lumOff val="35000"/>
+                </a:schemeClr>
+              </a:solidFill>
+            </a:ln>
+          </p:spPr>
+          <p:style>
+            <a:lnRef idx="1">
+              <a:schemeClr val="accent1"/>
+            </a:lnRef>
+            <a:fillRef idx="0">
+              <a:schemeClr val="accent1"/>
+            </a:fillRef>
+            <a:effectRef idx="0">
+              <a:schemeClr val="accent1"/>
+            </a:effectRef>
+            <a:fontRef idx="minor">
+              <a:schemeClr val="tx1"/>
+            </a:fontRef>
+          </p:style>
+        </p:cxnSp>
+      </p:grpSp>
+    </p:spTree>
+    <p:extLst>
+      <p:ext uri="{BB962C8B-B14F-4D97-AF65-F5344CB8AC3E}">
+        <p14:creationId xmlns:p14="http://schemas.microsoft.com/office/powerpoint/2010/main" val="2176554467"/>
       </p:ext>
     </p:extLst>
   </p:cSld>

--- a/pictures.pptx
+++ b/pictures.pptx
@@ -5,7 +5,7 @@
     <p:sldMasterId id="2147483648" r:id="rId1"/>
   </p:sldMasterIdLst>
   <p:notesMasterIdLst>
-    <p:notesMasterId r:id="rId17"/>
+    <p:notesMasterId r:id="rId18"/>
   </p:notesMasterIdLst>
   <p:sldIdLst>
     <p:sldId id="263" r:id="rId2"/>
@@ -23,6 +23,7 @@
     <p:sldId id="275" r:id="rId14"/>
     <p:sldId id="276" r:id="rId15"/>
     <p:sldId id="277" r:id="rId16"/>
+    <p:sldId id="278" r:id="rId17"/>
   </p:sldIdLst>
   <p:sldSz cx="12192000" cy="6858000"/>
   <p:notesSz cx="6858000" cy="9144000"/>
@@ -211,7 +212,7 @@
           <a:p>
             <a:fld id="{86B3B155-2483-6F47-A0CD-700458558B73}" type="datetimeFigureOut">
               <a:rPr kumimoji="1" lang="zh-CN" altLang="en-US" smtClean="0"/>
-              <a:t>2020/1/30</a:t>
+              <a:t>2020/2/16</a:t>
             </a:fld>
             <a:endParaRPr kumimoji="1" lang="zh-CN" altLang="en-US"/>
           </a:p>
@@ -684,7 +685,7 @@
           <a:p>
             <a:fld id="{51C7FA66-BD2E-F245-985F-19D6B65945E5}" type="datetimeFigureOut">
               <a:rPr kumimoji="1" lang="zh-CN" altLang="en-US" smtClean="0"/>
-              <a:t>2020/1/30</a:t>
+              <a:t>2020/2/16</a:t>
             </a:fld>
             <a:endParaRPr kumimoji="1" lang="zh-CN" altLang="en-US"/>
           </a:p>
@@ -857,7 +858,7 @@
           <a:p>
             <a:fld id="{51C7FA66-BD2E-F245-985F-19D6B65945E5}" type="datetimeFigureOut">
               <a:rPr kumimoji="1" lang="zh-CN" altLang="en-US" smtClean="0"/>
-              <a:t>2020/1/30</a:t>
+              <a:t>2020/2/16</a:t>
             </a:fld>
             <a:endParaRPr kumimoji="1" lang="zh-CN" altLang="en-US"/>
           </a:p>
@@ -1040,7 +1041,7 @@
           <a:p>
             <a:fld id="{51C7FA66-BD2E-F245-985F-19D6B65945E5}" type="datetimeFigureOut">
               <a:rPr kumimoji="1" lang="zh-CN" altLang="en-US" smtClean="0"/>
-              <a:t>2020/1/30</a:t>
+              <a:t>2020/2/16</a:t>
             </a:fld>
             <a:endParaRPr kumimoji="1" lang="zh-CN" altLang="en-US"/>
           </a:p>
@@ -1213,7 +1214,7 @@
           <a:p>
             <a:fld id="{51C7FA66-BD2E-F245-985F-19D6B65945E5}" type="datetimeFigureOut">
               <a:rPr kumimoji="1" lang="zh-CN" altLang="en-US" smtClean="0"/>
-              <a:t>2020/1/30</a:t>
+              <a:t>2020/2/16</a:t>
             </a:fld>
             <a:endParaRPr kumimoji="1" lang="zh-CN" altLang="en-US"/>
           </a:p>
@@ -1491,7 +1492,7 @@
           <a:p>
             <a:fld id="{51C7FA66-BD2E-F245-985F-19D6B65945E5}" type="datetimeFigureOut">
               <a:rPr kumimoji="1" lang="zh-CN" altLang="en-US" smtClean="0"/>
-              <a:t>2020/1/30</a:t>
+              <a:t>2020/2/16</a:t>
             </a:fld>
             <a:endParaRPr kumimoji="1" lang="zh-CN" altLang="en-US"/>
           </a:p>
@@ -1706,7 +1707,7 @@
           <a:p>
             <a:fld id="{51C7FA66-BD2E-F245-985F-19D6B65945E5}" type="datetimeFigureOut">
               <a:rPr kumimoji="1" lang="zh-CN" altLang="en-US" smtClean="0"/>
-              <a:t>2020/1/30</a:t>
+              <a:t>2020/2/16</a:t>
             </a:fld>
             <a:endParaRPr kumimoji="1" lang="zh-CN" altLang="en-US"/>
           </a:p>
@@ -2074,7 +2075,7 @@
           <a:p>
             <a:fld id="{51C7FA66-BD2E-F245-985F-19D6B65945E5}" type="datetimeFigureOut">
               <a:rPr kumimoji="1" lang="zh-CN" altLang="en-US" smtClean="0"/>
-              <a:t>2020/1/30</a:t>
+              <a:t>2020/2/16</a:t>
             </a:fld>
             <a:endParaRPr kumimoji="1" lang="zh-CN" altLang="en-US"/>
           </a:p>
@@ -2215,7 +2216,7 @@
           <a:p>
             <a:fld id="{51C7FA66-BD2E-F245-985F-19D6B65945E5}" type="datetimeFigureOut">
               <a:rPr kumimoji="1" lang="zh-CN" altLang="en-US" smtClean="0"/>
-              <a:t>2020/1/30</a:t>
+              <a:t>2020/2/16</a:t>
             </a:fld>
             <a:endParaRPr kumimoji="1" lang="zh-CN" altLang="en-US"/>
           </a:p>
@@ -2328,7 +2329,7 @@
           <a:p>
             <a:fld id="{51C7FA66-BD2E-F245-985F-19D6B65945E5}" type="datetimeFigureOut">
               <a:rPr kumimoji="1" lang="zh-CN" altLang="en-US" smtClean="0"/>
-              <a:t>2020/1/30</a:t>
+              <a:t>2020/2/16</a:t>
             </a:fld>
             <a:endParaRPr kumimoji="1" lang="zh-CN" altLang="en-US"/>
           </a:p>
@@ -2617,7 +2618,7 @@
           <a:p>
             <a:fld id="{51C7FA66-BD2E-F245-985F-19D6B65945E5}" type="datetimeFigureOut">
               <a:rPr kumimoji="1" lang="zh-CN" altLang="en-US" smtClean="0"/>
-              <a:t>2020/1/30</a:t>
+              <a:t>2020/2/16</a:t>
             </a:fld>
             <a:endParaRPr kumimoji="1" lang="zh-CN" altLang="en-US"/>
           </a:p>
@@ -2908,7 +2909,7 @@
           <a:p>
             <a:fld id="{51C7FA66-BD2E-F245-985F-19D6B65945E5}" type="datetimeFigureOut">
               <a:rPr kumimoji="1" lang="zh-CN" altLang="en-US" smtClean="0"/>
-              <a:t>2020/1/30</a:t>
+              <a:t>2020/2/16</a:t>
             </a:fld>
             <a:endParaRPr kumimoji="1" lang="zh-CN" altLang="en-US"/>
           </a:p>
@@ -3124,7 +3125,7 @@
           <a:p>
             <a:fld id="{51C7FA66-BD2E-F245-985F-19D6B65945E5}" type="datetimeFigureOut">
               <a:rPr kumimoji="1" lang="zh-CN" altLang="en-US" smtClean="0"/>
-              <a:t>2020/1/30</a:t>
+              <a:t>2020/2/16</a:t>
             </a:fld>
             <a:endParaRPr kumimoji="1" lang="zh-CN" altLang="en-US"/>
           </a:p>
@@ -14456,6 +14457,1945 @@
 </p:sld>
 </file>
 
+<file path=ppt/slides/slide16.xml><?xml version="1.0" encoding="utf-8"?>
+<p:sld xmlns:a="http://schemas.openxmlformats.org/drawingml/2006/main" xmlns:r="http://schemas.openxmlformats.org/officeDocument/2006/relationships" xmlns:p="http://schemas.openxmlformats.org/presentationml/2006/main">
+  <p:cSld>
+    <p:spTree>
+      <p:nvGrpSpPr>
+        <p:cNvPr id="1" name=""/>
+        <p:cNvGrpSpPr/>
+        <p:nvPr/>
+      </p:nvGrpSpPr>
+      <p:grpSpPr>
+        <a:xfrm>
+          <a:off x="0" y="0"/>
+          <a:ext cx="0" cy="0"/>
+          <a:chOff x="0" y="0"/>
+          <a:chExt cx="0" cy="0"/>
+        </a:xfrm>
+      </p:grpSpPr>
+      <p:grpSp>
+        <p:nvGrpSpPr>
+          <p:cNvPr id="43" name="组合 42">
+            <a:extLst>
+              <a:ext uri="{FF2B5EF4-FFF2-40B4-BE49-F238E27FC236}">
+                <a16:creationId xmlns:a16="http://schemas.microsoft.com/office/drawing/2014/main" id="{7764CE23-CD06-3547-AB2F-811209498B8E}"/>
+              </a:ext>
+            </a:extLst>
+          </p:cNvPr>
+          <p:cNvGrpSpPr/>
+          <p:nvPr/>
+        </p:nvGrpSpPr>
+        <p:grpSpPr>
+          <a:xfrm>
+            <a:off x="1696935" y="642551"/>
+            <a:ext cx="4014799" cy="3015049"/>
+            <a:chOff x="1696935" y="642551"/>
+            <a:chExt cx="4014799" cy="3015049"/>
+          </a:xfrm>
+        </p:grpSpPr>
+        <p:sp>
+          <p:nvSpPr>
+            <p:cNvPr id="42" name="矩形 41">
+              <a:extLst>
+                <a:ext uri="{FF2B5EF4-FFF2-40B4-BE49-F238E27FC236}">
+                  <a16:creationId xmlns:a16="http://schemas.microsoft.com/office/drawing/2014/main" id="{821ABC75-B830-CB49-836A-442E761CF9B2}"/>
+                </a:ext>
+              </a:extLst>
+            </p:cNvPr>
+            <p:cNvSpPr/>
+            <p:nvPr/>
+          </p:nvSpPr>
+          <p:spPr>
+            <a:xfrm>
+              <a:off x="1696935" y="642551"/>
+              <a:ext cx="4014799" cy="3015049"/>
+            </a:xfrm>
+            <a:prstGeom prst="rect">
+              <a:avLst/>
+            </a:prstGeom>
+            <a:solidFill>
+              <a:schemeClr val="bg1"/>
+            </a:solidFill>
+            <a:ln>
+              <a:noFill/>
+            </a:ln>
+          </p:spPr>
+          <p:style>
+            <a:lnRef idx="2">
+              <a:schemeClr val="accent1">
+                <a:shade val="50000"/>
+              </a:schemeClr>
+            </a:lnRef>
+            <a:fillRef idx="1">
+              <a:schemeClr val="accent1"/>
+            </a:fillRef>
+            <a:effectRef idx="0">
+              <a:schemeClr val="accent1"/>
+            </a:effectRef>
+            <a:fontRef idx="minor">
+              <a:schemeClr val="lt1"/>
+            </a:fontRef>
+          </p:style>
+          <p:txBody>
+            <a:bodyPr rtlCol="0" anchor="ctr"/>
+            <a:lstStyle/>
+            <a:p>
+              <a:pPr algn="ctr"/>
+              <a:endParaRPr kumimoji="1" lang="zh-CN" altLang="en-US"/>
+            </a:p>
+          </p:txBody>
+        </p:sp>
+        <p:cxnSp>
+          <p:nvCxnSpPr>
+            <p:cNvPr id="5" name="直线箭头连接符 4">
+              <a:extLst>
+                <a:ext uri="{FF2B5EF4-FFF2-40B4-BE49-F238E27FC236}">
+                  <a16:creationId xmlns:a16="http://schemas.microsoft.com/office/drawing/2014/main" id="{08EBB214-5004-CD4C-A515-27AAF77A65F3}"/>
+                </a:ext>
+              </a:extLst>
+            </p:cNvPr>
+            <p:cNvCxnSpPr>
+              <a:cxnSpLocks/>
+            </p:cNvCxnSpPr>
+            <p:nvPr/>
+          </p:nvCxnSpPr>
+          <p:spPr>
+            <a:xfrm>
+              <a:off x="2045970" y="3200400"/>
+              <a:ext cx="3486150" cy="0"/>
+            </a:xfrm>
+            <a:prstGeom prst="straightConnector1">
+              <a:avLst/>
+            </a:prstGeom>
+            <a:ln w="28575">
+              <a:solidFill>
+                <a:schemeClr val="accent1"/>
+              </a:solidFill>
+              <a:tailEnd type="triangle"/>
+            </a:ln>
+          </p:spPr>
+          <p:style>
+            <a:lnRef idx="1">
+              <a:schemeClr val="accent1"/>
+            </a:lnRef>
+            <a:fillRef idx="0">
+              <a:schemeClr val="accent1"/>
+            </a:fillRef>
+            <a:effectRef idx="0">
+              <a:schemeClr val="accent1"/>
+            </a:effectRef>
+            <a:fontRef idx="minor">
+              <a:schemeClr val="tx1"/>
+            </a:fontRef>
+          </p:style>
+        </p:cxnSp>
+        <p:cxnSp>
+          <p:nvCxnSpPr>
+            <p:cNvPr id="7" name="直线箭头连接符 6">
+              <a:extLst>
+                <a:ext uri="{FF2B5EF4-FFF2-40B4-BE49-F238E27FC236}">
+                  <a16:creationId xmlns:a16="http://schemas.microsoft.com/office/drawing/2014/main" id="{99ECCEAE-4A62-0F41-8FDC-485005CADD84}"/>
+                </a:ext>
+              </a:extLst>
+            </p:cNvPr>
+            <p:cNvCxnSpPr>
+              <a:cxnSpLocks/>
+            </p:cNvCxnSpPr>
+            <p:nvPr/>
+          </p:nvCxnSpPr>
+          <p:spPr>
+            <a:xfrm flipV="1">
+              <a:off x="2056164" y="823784"/>
+              <a:ext cx="0" cy="2376617"/>
+            </a:xfrm>
+            <a:prstGeom prst="straightConnector1">
+              <a:avLst/>
+            </a:prstGeom>
+            <a:ln w="28575">
+              <a:solidFill>
+                <a:schemeClr val="accent1"/>
+              </a:solidFill>
+              <a:tailEnd type="triangle"/>
+            </a:ln>
+          </p:spPr>
+          <p:style>
+            <a:lnRef idx="1">
+              <a:schemeClr val="accent1"/>
+            </a:lnRef>
+            <a:fillRef idx="0">
+              <a:schemeClr val="accent1"/>
+            </a:fillRef>
+            <a:effectRef idx="0">
+              <a:schemeClr val="accent1"/>
+            </a:effectRef>
+            <a:fontRef idx="minor">
+              <a:schemeClr val="tx1"/>
+            </a:fontRef>
+          </p:style>
+        </p:cxnSp>
+        <p:cxnSp>
+          <p:nvCxnSpPr>
+            <p:cNvPr id="11" name="直线连接符 10">
+              <a:extLst>
+                <a:ext uri="{FF2B5EF4-FFF2-40B4-BE49-F238E27FC236}">
+                  <a16:creationId xmlns:a16="http://schemas.microsoft.com/office/drawing/2014/main" id="{70558E85-D1BF-A743-9B55-0791DAA9E48D}"/>
+                </a:ext>
+              </a:extLst>
+            </p:cNvPr>
+            <p:cNvCxnSpPr/>
+            <p:nvPr/>
+          </p:nvCxnSpPr>
+          <p:spPr>
+            <a:xfrm flipV="1">
+              <a:off x="2503714" y="1839686"/>
+              <a:ext cx="0" cy="1360714"/>
+            </a:xfrm>
+            <a:prstGeom prst="line">
+              <a:avLst/>
+            </a:prstGeom>
+            <a:ln w="28575">
+              <a:solidFill>
+                <a:schemeClr val="accent4">
+                  <a:lumMod val="75000"/>
+                </a:schemeClr>
+              </a:solidFill>
+            </a:ln>
+          </p:spPr>
+          <p:style>
+            <a:lnRef idx="1">
+              <a:schemeClr val="accent1"/>
+            </a:lnRef>
+            <a:fillRef idx="0">
+              <a:schemeClr val="accent1"/>
+            </a:fillRef>
+            <a:effectRef idx="0">
+              <a:schemeClr val="accent1"/>
+            </a:effectRef>
+            <a:fontRef idx="minor">
+              <a:schemeClr val="tx1"/>
+            </a:fontRef>
+          </p:style>
+        </p:cxnSp>
+        <p:cxnSp>
+          <p:nvCxnSpPr>
+            <p:cNvPr id="12" name="直线连接符 11">
+              <a:extLst>
+                <a:ext uri="{FF2B5EF4-FFF2-40B4-BE49-F238E27FC236}">
+                  <a16:creationId xmlns:a16="http://schemas.microsoft.com/office/drawing/2014/main" id="{3231B5D1-E7F0-5545-A365-2CFC2635CF48}"/>
+                </a:ext>
+              </a:extLst>
+            </p:cNvPr>
+            <p:cNvCxnSpPr>
+              <a:cxnSpLocks/>
+            </p:cNvCxnSpPr>
+            <p:nvPr/>
+          </p:nvCxnSpPr>
+          <p:spPr>
+            <a:xfrm flipV="1">
+              <a:off x="2950028" y="2275114"/>
+              <a:ext cx="0" cy="925286"/>
+            </a:xfrm>
+            <a:prstGeom prst="line">
+              <a:avLst/>
+            </a:prstGeom>
+            <a:ln w="28575">
+              <a:solidFill>
+                <a:srgbClr val="92D050"/>
+              </a:solidFill>
+            </a:ln>
+          </p:spPr>
+          <p:style>
+            <a:lnRef idx="1">
+              <a:schemeClr val="accent1"/>
+            </a:lnRef>
+            <a:fillRef idx="0">
+              <a:schemeClr val="accent1"/>
+            </a:fillRef>
+            <a:effectRef idx="0">
+              <a:schemeClr val="accent1"/>
+            </a:effectRef>
+            <a:fontRef idx="minor">
+              <a:schemeClr val="tx1"/>
+            </a:fontRef>
+          </p:style>
+        </p:cxnSp>
+        <p:cxnSp>
+          <p:nvCxnSpPr>
+            <p:cNvPr id="14" name="直线连接符 13">
+              <a:extLst>
+                <a:ext uri="{FF2B5EF4-FFF2-40B4-BE49-F238E27FC236}">
+                  <a16:creationId xmlns:a16="http://schemas.microsoft.com/office/drawing/2014/main" id="{86EC603E-7766-7948-B39E-88448166CB62}"/>
+                </a:ext>
+              </a:extLst>
+            </p:cNvPr>
+            <p:cNvCxnSpPr>
+              <a:cxnSpLocks/>
+            </p:cNvCxnSpPr>
+            <p:nvPr/>
+          </p:nvCxnSpPr>
+          <p:spPr>
+            <a:xfrm flipV="1">
+              <a:off x="3396342" y="1295400"/>
+              <a:ext cx="0" cy="1905000"/>
+            </a:xfrm>
+            <a:prstGeom prst="line">
+              <a:avLst/>
+            </a:prstGeom>
+            <a:ln w="28575">
+              <a:solidFill>
+                <a:srgbClr val="FFC000"/>
+              </a:solidFill>
+            </a:ln>
+          </p:spPr>
+          <p:style>
+            <a:lnRef idx="1">
+              <a:schemeClr val="accent1"/>
+            </a:lnRef>
+            <a:fillRef idx="0">
+              <a:schemeClr val="accent1"/>
+            </a:fillRef>
+            <a:effectRef idx="0">
+              <a:schemeClr val="accent1"/>
+            </a:effectRef>
+            <a:fontRef idx="minor">
+              <a:schemeClr val="tx1"/>
+            </a:fontRef>
+          </p:style>
+        </p:cxnSp>
+        <p:cxnSp>
+          <p:nvCxnSpPr>
+            <p:cNvPr id="16" name="直线连接符 15">
+              <a:extLst>
+                <a:ext uri="{FF2B5EF4-FFF2-40B4-BE49-F238E27FC236}">
+                  <a16:creationId xmlns:a16="http://schemas.microsoft.com/office/drawing/2014/main" id="{1C56AA60-4494-EF48-AC33-5C10F3AEFD77}"/>
+                </a:ext>
+              </a:extLst>
+            </p:cNvPr>
+            <p:cNvCxnSpPr>
+              <a:cxnSpLocks/>
+            </p:cNvCxnSpPr>
+            <p:nvPr/>
+          </p:nvCxnSpPr>
+          <p:spPr>
+            <a:xfrm flipV="1">
+              <a:off x="3853543" y="1719943"/>
+              <a:ext cx="0" cy="1480457"/>
+            </a:xfrm>
+            <a:prstGeom prst="line">
+              <a:avLst/>
+            </a:prstGeom>
+            <a:ln w="28575">
+              <a:solidFill>
+                <a:schemeClr val="accent2"/>
+              </a:solidFill>
+            </a:ln>
+          </p:spPr>
+          <p:style>
+            <a:lnRef idx="1">
+              <a:schemeClr val="accent1"/>
+            </a:lnRef>
+            <a:fillRef idx="0">
+              <a:schemeClr val="accent1"/>
+            </a:fillRef>
+            <a:effectRef idx="0">
+              <a:schemeClr val="accent1"/>
+            </a:effectRef>
+            <a:fontRef idx="minor">
+              <a:schemeClr val="tx1"/>
+            </a:fontRef>
+          </p:style>
+        </p:cxnSp>
+        <p:cxnSp>
+          <p:nvCxnSpPr>
+            <p:cNvPr id="18" name="直线连接符 17">
+              <a:extLst>
+                <a:ext uri="{FF2B5EF4-FFF2-40B4-BE49-F238E27FC236}">
+                  <a16:creationId xmlns:a16="http://schemas.microsoft.com/office/drawing/2014/main" id="{7EFC0CE4-73FB-2A4F-BE74-71C0C2064E75}"/>
+                </a:ext>
+              </a:extLst>
+            </p:cNvPr>
+            <p:cNvCxnSpPr>
+              <a:cxnSpLocks/>
+            </p:cNvCxnSpPr>
+            <p:nvPr/>
+          </p:nvCxnSpPr>
+          <p:spPr>
+            <a:xfrm flipV="1">
+              <a:off x="4299857" y="1959429"/>
+              <a:ext cx="0" cy="1240973"/>
+            </a:xfrm>
+            <a:prstGeom prst="line">
+              <a:avLst/>
+            </a:prstGeom>
+            <a:ln w="28575">
+              <a:solidFill>
+                <a:srgbClr val="7030A0"/>
+              </a:solidFill>
+            </a:ln>
+          </p:spPr>
+          <p:style>
+            <a:lnRef idx="1">
+              <a:schemeClr val="accent1"/>
+            </a:lnRef>
+            <a:fillRef idx="0">
+              <a:schemeClr val="accent1"/>
+            </a:fillRef>
+            <a:effectRef idx="0">
+              <a:schemeClr val="accent1"/>
+            </a:effectRef>
+            <a:fontRef idx="minor">
+              <a:schemeClr val="tx1"/>
+            </a:fontRef>
+          </p:style>
+        </p:cxnSp>
+        <p:cxnSp>
+          <p:nvCxnSpPr>
+            <p:cNvPr id="21" name="直线连接符 20">
+              <a:extLst>
+                <a:ext uri="{FF2B5EF4-FFF2-40B4-BE49-F238E27FC236}">
+                  <a16:creationId xmlns:a16="http://schemas.microsoft.com/office/drawing/2014/main" id="{26FC9CAC-D1A6-5544-8823-9BD1915A2FB8}"/>
+                </a:ext>
+              </a:extLst>
+            </p:cNvPr>
+            <p:cNvCxnSpPr>
+              <a:cxnSpLocks/>
+            </p:cNvCxnSpPr>
+            <p:nvPr/>
+          </p:nvCxnSpPr>
+          <p:spPr>
+            <a:xfrm flipV="1">
+              <a:off x="4746171" y="1499286"/>
+              <a:ext cx="0" cy="1701115"/>
+            </a:xfrm>
+            <a:prstGeom prst="line">
+              <a:avLst/>
+            </a:prstGeom>
+            <a:ln w="28575">
+              <a:solidFill>
+                <a:schemeClr val="bg2">
+                  <a:lumMod val="50000"/>
+                </a:schemeClr>
+              </a:solidFill>
+            </a:ln>
+          </p:spPr>
+          <p:style>
+            <a:lnRef idx="1">
+              <a:schemeClr val="accent1"/>
+            </a:lnRef>
+            <a:fillRef idx="0">
+              <a:schemeClr val="accent1"/>
+            </a:fillRef>
+            <a:effectRef idx="0">
+              <a:schemeClr val="accent1"/>
+            </a:effectRef>
+            <a:fontRef idx="minor">
+              <a:schemeClr val="tx1"/>
+            </a:fontRef>
+          </p:style>
+        </p:cxnSp>
+        <p:sp>
+          <p:nvSpPr>
+            <p:cNvPr id="23" name="文本框 22">
+              <a:extLst>
+                <a:ext uri="{FF2B5EF4-FFF2-40B4-BE49-F238E27FC236}">
+                  <a16:creationId xmlns:a16="http://schemas.microsoft.com/office/drawing/2014/main" id="{BC5F81D6-B584-AA46-BDA9-B70445F52EB1}"/>
+                </a:ext>
+              </a:extLst>
+            </p:cNvPr>
+            <p:cNvSpPr txBox="1"/>
+            <p:nvPr/>
+          </p:nvSpPr>
+          <p:spPr>
+            <a:xfrm>
+              <a:off x="5352505" y="3200399"/>
+              <a:ext cx="359229" cy="369332"/>
+            </a:xfrm>
+            <a:prstGeom prst="rect">
+              <a:avLst/>
+            </a:prstGeom>
+            <a:noFill/>
+          </p:spPr>
+          <p:txBody>
+            <a:bodyPr wrap="square" rtlCol="0">
+              <a:spAutoFit/>
+            </a:bodyPr>
+            <a:lstStyle/>
+            <a:p>
+              <a:r>
+                <a:rPr kumimoji="1" lang="en-US" altLang="zh-CN" dirty="0">
+                  <a:latin typeface="Times New Roman" panose="02020603050405020304" pitchFamily="18" charset="0"/>
+                  <a:cs typeface="Times New Roman" panose="02020603050405020304" pitchFamily="18" charset="0"/>
+                </a:rPr>
+                <a:t>x</a:t>
+              </a:r>
+              <a:endParaRPr kumimoji="1" lang="zh-CN" altLang="en-US" dirty="0">
+                <a:latin typeface="Times New Roman" panose="02020603050405020304" pitchFamily="18" charset="0"/>
+                <a:cs typeface="Times New Roman" panose="02020603050405020304" pitchFamily="18" charset="0"/>
+              </a:endParaRPr>
+            </a:p>
+          </p:txBody>
+        </p:sp>
+        <p:sp>
+          <p:nvSpPr>
+            <p:cNvPr id="24" name="文本框 23">
+              <a:extLst>
+                <a:ext uri="{FF2B5EF4-FFF2-40B4-BE49-F238E27FC236}">
+                  <a16:creationId xmlns:a16="http://schemas.microsoft.com/office/drawing/2014/main" id="{50AC8F90-6341-CD4D-8C54-EAEC20867450}"/>
+                </a:ext>
+              </a:extLst>
+            </p:cNvPr>
+            <p:cNvSpPr txBox="1"/>
+            <p:nvPr/>
+          </p:nvSpPr>
+          <p:spPr>
+            <a:xfrm>
+              <a:off x="1696935" y="722135"/>
+              <a:ext cx="359229" cy="369332"/>
+            </a:xfrm>
+            <a:prstGeom prst="rect">
+              <a:avLst/>
+            </a:prstGeom>
+            <a:noFill/>
+          </p:spPr>
+          <p:txBody>
+            <a:bodyPr wrap="square" rtlCol="0">
+              <a:spAutoFit/>
+            </a:bodyPr>
+            <a:lstStyle/>
+            <a:p>
+              <a:r>
+                <a:rPr kumimoji="1" lang="en-US" altLang="zh-CN" dirty="0">
+                  <a:latin typeface="Times New Roman" panose="02020603050405020304" pitchFamily="18" charset="0"/>
+                  <a:cs typeface="Times New Roman" panose="02020603050405020304" pitchFamily="18" charset="0"/>
+                </a:rPr>
+                <a:t>y</a:t>
+              </a:r>
+              <a:endParaRPr kumimoji="1" lang="zh-CN" altLang="en-US" dirty="0">
+                <a:latin typeface="Times New Roman" panose="02020603050405020304" pitchFamily="18" charset="0"/>
+                <a:cs typeface="Times New Roman" panose="02020603050405020304" pitchFamily="18" charset="0"/>
+              </a:endParaRPr>
+            </a:p>
+          </p:txBody>
+        </p:sp>
+        <mc:AlternateContent xmlns:mc="http://schemas.openxmlformats.org/markup-compatibility/2006">
+          <mc:Choice xmlns:a14="http://schemas.microsoft.com/office/drawing/2010/main" Requires="a14">
+            <p:sp>
+              <p:nvSpPr>
+                <p:cNvPr id="25" name="文本框 24">
+                  <a:extLst>
+                    <a:ext uri="{FF2B5EF4-FFF2-40B4-BE49-F238E27FC236}">
+                      <a16:creationId xmlns:a16="http://schemas.microsoft.com/office/drawing/2014/main" id="{4759021D-8600-E140-9816-38037511A2FD}"/>
+                    </a:ext>
+                  </a:extLst>
+                </p:cNvPr>
+                <p:cNvSpPr txBox="1"/>
+                <p:nvPr/>
+              </p:nvSpPr>
+              <p:spPr>
+                <a:xfrm>
+                  <a:off x="2300601" y="3200399"/>
+                  <a:ext cx="415879" cy="369332"/>
+                </a:xfrm>
+                <a:prstGeom prst="rect">
+                  <a:avLst/>
+                </a:prstGeom>
+                <a:noFill/>
+              </p:spPr>
+              <p:txBody>
+                <a:bodyPr wrap="square" rtlCol="0">
+                  <a:spAutoFit/>
+                </a:bodyPr>
+                <a:lstStyle/>
+                <a:p>
+                  <a14:m>
+                    <m:oMathPara xmlns:m="http://schemas.openxmlformats.org/officeDocument/2006/math">
+                      <m:oMathParaPr>
+                        <m:jc m:val="centerGroup"/>
+                      </m:oMathParaPr>
+                      <m:oMath xmlns:m="http://schemas.openxmlformats.org/officeDocument/2006/math">
+                        <m:sSub>
+                          <m:sSubPr>
+                            <m:ctrlPr>
+                              <a:rPr kumimoji="1" lang="en-US" altLang="zh-CN" b="0" i="1" smtClean="0">
+                                <a:latin typeface="Cambria Math" panose="02040503050406030204" pitchFamily="18" charset="0"/>
+                              </a:rPr>
+                            </m:ctrlPr>
+                          </m:sSubPr>
+                          <m:e>
+                            <m:r>
+                              <a:rPr kumimoji="1" lang="en-US" altLang="zh-CN" b="0" i="1" smtClean="0">
+                                <a:latin typeface="Cambria Math" panose="02040503050406030204" pitchFamily="18" charset="0"/>
+                              </a:rPr>
+                              <m:t>𝑤</m:t>
+                            </m:r>
+                          </m:e>
+                          <m:sub>
+                            <m:r>
+                              <a:rPr kumimoji="1" lang="en-US" altLang="zh-CN" b="0" i="1" smtClean="0">
+                                <a:latin typeface="Cambria Math" panose="02040503050406030204" pitchFamily="18" charset="0"/>
+                              </a:rPr>
+                              <m:t>1</m:t>
+                            </m:r>
+                          </m:sub>
+                        </m:sSub>
+                      </m:oMath>
+                    </m:oMathPara>
+                  </a14:m>
+                  <a:endParaRPr kumimoji="1" lang="en-US" altLang="zh-CN" b="0" dirty="0"/>
+                </a:p>
+              </p:txBody>
+            </p:sp>
+          </mc:Choice>
+          <mc:Fallback>
+            <p:sp>
+              <p:nvSpPr>
+                <p:cNvPr id="25" name="文本框 24">
+                  <a:extLst>
+                    <a:ext uri="{FF2B5EF4-FFF2-40B4-BE49-F238E27FC236}">
+                      <a16:creationId xmlns:a16="http://schemas.microsoft.com/office/drawing/2014/main" id="{4759021D-8600-E140-9816-38037511A2FD}"/>
+                    </a:ext>
+                  </a:extLst>
+                </p:cNvPr>
+                <p:cNvSpPr txBox="1">
+                  <a:spLocks noRot="1" noChangeAspect="1" noMove="1" noResize="1" noEditPoints="1" noAdjustHandles="1" noChangeArrowheads="1" noChangeShapeType="1" noTextEdit="1"/>
+                </p:cNvSpPr>
+                <p:nvPr/>
+              </p:nvSpPr>
+              <p:spPr>
+                <a:xfrm>
+                  <a:off x="2300601" y="3200399"/>
+                  <a:ext cx="415879" cy="369332"/>
+                </a:xfrm>
+                <a:prstGeom prst="rect">
+                  <a:avLst/>
+                </a:prstGeom>
+                <a:blipFill>
+                  <a:blip r:embed="rId2"/>
+                  <a:stretch>
+                    <a:fillRect/>
+                  </a:stretch>
+                </a:blipFill>
+              </p:spPr>
+              <p:txBody>
+                <a:bodyPr/>
+                <a:lstStyle/>
+                <a:p>
+                  <a:r>
+                    <a:rPr lang="zh-CN" altLang="en-US">
+                      <a:noFill/>
+                    </a:rPr>
+                    <a:t> </a:t>
+                  </a:r>
+                </a:p>
+              </p:txBody>
+            </p:sp>
+          </mc:Fallback>
+        </mc:AlternateContent>
+        <mc:AlternateContent xmlns:mc="http://schemas.openxmlformats.org/markup-compatibility/2006">
+          <mc:Choice xmlns:a14="http://schemas.microsoft.com/office/drawing/2010/main" Requires="a14">
+            <p:sp>
+              <p:nvSpPr>
+                <p:cNvPr id="26" name="文本框 25">
+                  <a:extLst>
+                    <a:ext uri="{FF2B5EF4-FFF2-40B4-BE49-F238E27FC236}">
+                      <a16:creationId xmlns:a16="http://schemas.microsoft.com/office/drawing/2014/main" id="{2C1EB5DD-9872-D647-B585-562158DFCF08}"/>
+                    </a:ext>
+                  </a:extLst>
+                </p:cNvPr>
+                <p:cNvSpPr txBox="1"/>
+                <p:nvPr/>
+              </p:nvSpPr>
+              <p:spPr>
+                <a:xfrm>
+                  <a:off x="2773905" y="3200399"/>
+                  <a:ext cx="415879" cy="369332"/>
+                </a:xfrm>
+                <a:prstGeom prst="rect">
+                  <a:avLst/>
+                </a:prstGeom>
+                <a:noFill/>
+              </p:spPr>
+              <p:txBody>
+                <a:bodyPr wrap="square" rtlCol="0">
+                  <a:spAutoFit/>
+                </a:bodyPr>
+                <a:lstStyle/>
+                <a:p>
+                  <a14:m>
+                    <m:oMathPara xmlns:m="http://schemas.openxmlformats.org/officeDocument/2006/math">
+                      <m:oMathParaPr>
+                        <m:jc m:val="centerGroup"/>
+                      </m:oMathParaPr>
+                      <m:oMath xmlns:m="http://schemas.openxmlformats.org/officeDocument/2006/math">
+                        <m:sSub>
+                          <m:sSubPr>
+                            <m:ctrlPr>
+                              <a:rPr kumimoji="1" lang="en-US" altLang="zh-CN" b="0" i="1" smtClean="0">
+                                <a:latin typeface="Cambria Math" panose="02040503050406030204" pitchFamily="18" charset="0"/>
+                              </a:rPr>
+                            </m:ctrlPr>
+                          </m:sSubPr>
+                          <m:e>
+                            <m:r>
+                              <a:rPr kumimoji="1" lang="en-US" altLang="zh-CN" b="0" i="1" smtClean="0">
+                                <a:latin typeface="Cambria Math" panose="02040503050406030204" pitchFamily="18" charset="0"/>
+                              </a:rPr>
+                              <m:t>𝑤</m:t>
+                            </m:r>
+                          </m:e>
+                          <m:sub>
+                            <m:r>
+                              <a:rPr kumimoji="1" lang="en-US" altLang="zh-CN" b="0" i="1" smtClean="0">
+                                <a:latin typeface="Cambria Math" panose="02040503050406030204" pitchFamily="18" charset="0"/>
+                              </a:rPr>
+                              <m:t>2</m:t>
+                            </m:r>
+                          </m:sub>
+                        </m:sSub>
+                      </m:oMath>
+                    </m:oMathPara>
+                  </a14:m>
+                  <a:endParaRPr kumimoji="1" lang="en-US" altLang="zh-CN" b="0" dirty="0"/>
+                </a:p>
+              </p:txBody>
+            </p:sp>
+          </mc:Choice>
+          <mc:Fallback>
+            <p:sp>
+              <p:nvSpPr>
+                <p:cNvPr id="26" name="文本框 25">
+                  <a:extLst>
+                    <a:ext uri="{FF2B5EF4-FFF2-40B4-BE49-F238E27FC236}">
+                      <a16:creationId xmlns:a16="http://schemas.microsoft.com/office/drawing/2014/main" id="{2C1EB5DD-9872-D647-B585-562158DFCF08}"/>
+                    </a:ext>
+                  </a:extLst>
+                </p:cNvPr>
+                <p:cNvSpPr txBox="1">
+                  <a:spLocks noRot="1" noChangeAspect="1" noMove="1" noResize="1" noEditPoints="1" noAdjustHandles="1" noChangeArrowheads="1" noChangeShapeType="1" noTextEdit="1"/>
+                </p:cNvSpPr>
+                <p:nvPr/>
+              </p:nvSpPr>
+              <p:spPr>
+                <a:xfrm>
+                  <a:off x="2773905" y="3200399"/>
+                  <a:ext cx="415879" cy="369332"/>
+                </a:xfrm>
+                <a:prstGeom prst="rect">
+                  <a:avLst/>
+                </a:prstGeom>
+                <a:blipFill>
+                  <a:blip r:embed="rId3"/>
+                  <a:stretch>
+                    <a:fillRect/>
+                  </a:stretch>
+                </a:blipFill>
+              </p:spPr>
+              <p:txBody>
+                <a:bodyPr/>
+                <a:lstStyle/>
+                <a:p>
+                  <a:r>
+                    <a:rPr lang="zh-CN" altLang="en-US">
+                      <a:noFill/>
+                    </a:rPr>
+                    <a:t> </a:t>
+                  </a:r>
+                </a:p>
+              </p:txBody>
+            </p:sp>
+          </mc:Fallback>
+        </mc:AlternateContent>
+        <mc:AlternateContent xmlns:mc="http://schemas.openxmlformats.org/markup-compatibility/2006">
+          <mc:Choice xmlns:a14="http://schemas.microsoft.com/office/drawing/2010/main" Requires="a14">
+            <p:sp>
+              <p:nvSpPr>
+                <p:cNvPr id="27" name="文本框 26">
+                  <a:extLst>
+                    <a:ext uri="{FF2B5EF4-FFF2-40B4-BE49-F238E27FC236}">
+                      <a16:creationId xmlns:a16="http://schemas.microsoft.com/office/drawing/2014/main" id="{08F822F5-7AFC-6141-B3B6-2857508AD16D}"/>
+                    </a:ext>
+                  </a:extLst>
+                </p:cNvPr>
+                <p:cNvSpPr txBox="1"/>
+                <p:nvPr/>
+              </p:nvSpPr>
+              <p:spPr>
+                <a:xfrm>
+                  <a:off x="3204115" y="3200399"/>
+                  <a:ext cx="415879" cy="369332"/>
+                </a:xfrm>
+                <a:prstGeom prst="rect">
+                  <a:avLst/>
+                </a:prstGeom>
+                <a:noFill/>
+              </p:spPr>
+              <p:txBody>
+                <a:bodyPr wrap="square" rtlCol="0">
+                  <a:spAutoFit/>
+                </a:bodyPr>
+                <a:lstStyle/>
+                <a:p>
+                  <a14:m>
+                    <m:oMathPara xmlns:m="http://schemas.openxmlformats.org/officeDocument/2006/math">
+                      <m:oMathParaPr>
+                        <m:jc m:val="centerGroup"/>
+                      </m:oMathParaPr>
+                      <m:oMath xmlns:m="http://schemas.openxmlformats.org/officeDocument/2006/math">
+                        <m:sSub>
+                          <m:sSubPr>
+                            <m:ctrlPr>
+                              <a:rPr kumimoji="1" lang="en-US" altLang="zh-CN" b="0" i="1" smtClean="0">
+                                <a:latin typeface="Cambria Math" panose="02040503050406030204" pitchFamily="18" charset="0"/>
+                              </a:rPr>
+                            </m:ctrlPr>
+                          </m:sSubPr>
+                          <m:e>
+                            <m:r>
+                              <a:rPr kumimoji="1" lang="en-US" altLang="zh-CN" b="0" i="1" smtClean="0">
+                                <a:latin typeface="Cambria Math" panose="02040503050406030204" pitchFamily="18" charset="0"/>
+                              </a:rPr>
+                              <m:t>𝑤</m:t>
+                            </m:r>
+                          </m:e>
+                          <m:sub>
+                            <m:r>
+                              <a:rPr kumimoji="1" lang="en-US" altLang="zh-CN" b="0" i="1" smtClean="0">
+                                <a:latin typeface="Cambria Math" panose="02040503050406030204" pitchFamily="18" charset="0"/>
+                              </a:rPr>
+                              <m:t>3</m:t>
+                            </m:r>
+                          </m:sub>
+                        </m:sSub>
+                      </m:oMath>
+                    </m:oMathPara>
+                  </a14:m>
+                  <a:endParaRPr kumimoji="1" lang="en-US" altLang="zh-CN" b="0" dirty="0"/>
+                </a:p>
+              </p:txBody>
+            </p:sp>
+          </mc:Choice>
+          <mc:Fallback>
+            <p:sp>
+              <p:nvSpPr>
+                <p:cNvPr id="27" name="文本框 26">
+                  <a:extLst>
+                    <a:ext uri="{FF2B5EF4-FFF2-40B4-BE49-F238E27FC236}">
+                      <a16:creationId xmlns:a16="http://schemas.microsoft.com/office/drawing/2014/main" id="{08F822F5-7AFC-6141-B3B6-2857508AD16D}"/>
+                    </a:ext>
+                  </a:extLst>
+                </p:cNvPr>
+                <p:cNvSpPr txBox="1">
+                  <a:spLocks noRot="1" noChangeAspect="1" noMove="1" noResize="1" noEditPoints="1" noAdjustHandles="1" noChangeArrowheads="1" noChangeShapeType="1" noTextEdit="1"/>
+                </p:cNvSpPr>
+                <p:nvPr/>
+              </p:nvSpPr>
+              <p:spPr>
+                <a:xfrm>
+                  <a:off x="3204115" y="3200399"/>
+                  <a:ext cx="415879" cy="369332"/>
+                </a:xfrm>
+                <a:prstGeom prst="rect">
+                  <a:avLst/>
+                </a:prstGeom>
+                <a:blipFill>
+                  <a:blip r:embed="rId4"/>
+                  <a:stretch>
+                    <a:fillRect/>
+                  </a:stretch>
+                </a:blipFill>
+              </p:spPr>
+              <p:txBody>
+                <a:bodyPr/>
+                <a:lstStyle/>
+                <a:p>
+                  <a:r>
+                    <a:rPr lang="zh-CN" altLang="en-US">
+                      <a:noFill/>
+                    </a:rPr>
+                    <a:t> </a:t>
+                  </a:r>
+                </a:p>
+              </p:txBody>
+            </p:sp>
+          </mc:Fallback>
+        </mc:AlternateContent>
+        <mc:AlternateContent xmlns:mc="http://schemas.openxmlformats.org/markup-compatibility/2006">
+          <mc:Choice xmlns:a14="http://schemas.microsoft.com/office/drawing/2010/main" Requires="a14">
+            <p:sp>
+              <p:nvSpPr>
+                <p:cNvPr id="28" name="文本框 27">
+                  <a:extLst>
+                    <a:ext uri="{FF2B5EF4-FFF2-40B4-BE49-F238E27FC236}">
+                      <a16:creationId xmlns:a16="http://schemas.microsoft.com/office/drawing/2014/main" id="{F042020C-7F53-8540-9F12-D59B47A9063C}"/>
+                    </a:ext>
+                  </a:extLst>
+                </p:cNvPr>
+                <p:cNvSpPr txBox="1"/>
+                <p:nvPr/>
+              </p:nvSpPr>
+              <p:spPr>
+                <a:xfrm>
+                  <a:off x="3677419" y="3200399"/>
+                  <a:ext cx="415879" cy="369332"/>
+                </a:xfrm>
+                <a:prstGeom prst="rect">
+                  <a:avLst/>
+                </a:prstGeom>
+                <a:noFill/>
+              </p:spPr>
+              <p:txBody>
+                <a:bodyPr wrap="square" rtlCol="0">
+                  <a:spAutoFit/>
+                </a:bodyPr>
+                <a:lstStyle/>
+                <a:p>
+                  <a14:m>
+                    <m:oMathPara xmlns:m="http://schemas.openxmlformats.org/officeDocument/2006/math">
+                      <m:oMathParaPr>
+                        <m:jc m:val="centerGroup"/>
+                      </m:oMathParaPr>
+                      <m:oMath xmlns:m="http://schemas.openxmlformats.org/officeDocument/2006/math">
+                        <m:sSub>
+                          <m:sSubPr>
+                            <m:ctrlPr>
+                              <a:rPr kumimoji="1" lang="en-US" altLang="zh-CN" b="0" i="1" smtClean="0">
+                                <a:latin typeface="Cambria Math" panose="02040503050406030204" pitchFamily="18" charset="0"/>
+                              </a:rPr>
+                            </m:ctrlPr>
+                          </m:sSubPr>
+                          <m:e>
+                            <m:r>
+                              <a:rPr kumimoji="1" lang="en-US" altLang="zh-CN" b="0" i="1" smtClean="0">
+                                <a:latin typeface="Cambria Math" panose="02040503050406030204" pitchFamily="18" charset="0"/>
+                              </a:rPr>
+                              <m:t>𝑤</m:t>
+                            </m:r>
+                          </m:e>
+                          <m:sub>
+                            <m:r>
+                              <a:rPr kumimoji="1" lang="en-US" altLang="zh-CN" b="0" i="1" smtClean="0">
+                                <a:latin typeface="Cambria Math" panose="02040503050406030204" pitchFamily="18" charset="0"/>
+                              </a:rPr>
+                              <m:t>4</m:t>
+                            </m:r>
+                          </m:sub>
+                        </m:sSub>
+                      </m:oMath>
+                    </m:oMathPara>
+                  </a14:m>
+                  <a:endParaRPr kumimoji="1" lang="en-US" altLang="zh-CN" b="0" dirty="0"/>
+                </a:p>
+              </p:txBody>
+            </p:sp>
+          </mc:Choice>
+          <mc:Fallback>
+            <p:sp>
+              <p:nvSpPr>
+                <p:cNvPr id="28" name="文本框 27">
+                  <a:extLst>
+                    <a:ext uri="{FF2B5EF4-FFF2-40B4-BE49-F238E27FC236}">
+                      <a16:creationId xmlns:a16="http://schemas.microsoft.com/office/drawing/2014/main" id="{F042020C-7F53-8540-9F12-D59B47A9063C}"/>
+                    </a:ext>
+                  </a:extLst>
+                </p:cNvPr>
+                <p:cNvSpPr txBox="1">
+                  <a:spLocks noRot="1" noChangeAspect="1" noMove="1" noResize="1" noEditPoints="1" noAdjustHandles="1" noChangeArrowheads="1" noChangeShapeType="1" noTextEdit="1"/>
+                </p:cNvSpPr>
+                <p:nvPr/>
+              </p:nvSpPr>
+              <p:spPr>
+                <a:xfrm>
+                  <a:off x="3677419" y="3200399"/>
+                  <a:ext cx="415879" cy="369332"/>
+                </a:xfrm>
+                <a:prstGeom prst="rect">
+                  <a:avLst/>
+                </a:prstGeom>
+                <a:blipFill>
+                  <a:blip r:embed="rId5"/>
+                  <a:stretch>
+                    <a:fillRect/>
+                  </a:stretch>
+                </a:blipFill>
+              </p:spPr>
+              <p:txBody>
+                <a:bodyPr/>
+                <a:lstStyle/>
+                <a:p>
+                  <a:r>
+                    <a:rPr lang="zh-CN" altLang="en-US">
+                      <a:noFill/>
+                    </a:rPr>
+                    <a:t> </a:t>
+                  </a:r>
+                </a:p>
+              </p:txBody>
+            </p:sp>
+          </mc:Fallback>
+        </mc:AlternateContent>
+        <mc:AlternateContent xmlns:mc="http://schemas.openxmlformats.org/markup-compatibility/2006">
+          <mc:Choice xmlns:a14="http://schemas.microsoft.com/office/drawing/2010/main" Requires="a14">
+            <p:sp>
+              <p:nvSpPr>
+                <p:cNvPr id="29" name="文本框 28">
+                  <a:extLst>
+                    <a:ext uri="{FF2B5EF4-FFF2-40B4-BE49-F238E27FC236}">
+                      <a16:creationId xmlns:a16="http://schemas.microsoft.com/office/drawing/2014/main" id="{7C8DF0DD-EEB2-0049-9784-67618D90B7A6}"/>
+                    </a:ext>
+                  </a:extLst>
+                </p:cNvPr>
+                <p:cNvSpPr txBox="1"/>
+                <p:nvPr/>
+              </p:nvSpPr>
+              <p:spPr>
+                <a:xfrm>
+                  <a:off x="4120731" y="3200399"/>
+                  <a:ext cx="415879" cy="369332"/>
+                </a:xfrm>
+                <a:prstGeom prst="rect">
+                  <a:avLst/>
+                </a:prstGeom>
+                <a:noFill/>
+              </p:spPr>
+              <p:txBody>
+                <a:bodyPr wrap="square" rtlCol="0">
+                  <a:spAutoFit/>
+                </a:bodyPr>
+                <a:lstStyle/>
+                <a:p>
+                  <a14:m>
+                    <m:oMathPara xmlns:m="http://schemas.openxmlformats.org/officeDocument/2006/math">
+                      <m:oMathParaPr>
+                        <m:jc m:val="centerGroup"/>
+                      </m:oMathParaPr>
+                      <m:oMath xmlns:m="http://schemas.openxmlformats.org/officeDocument/2006/math">
+                        <m:sSub>
+                          <m:sSubPr>
+                            <m:ctrlPr>
+                              <a:rPr kumimoji="1" lang="en-US" altLang="zh-CN" b="0" i="1" smtClean="0">
+                                <a:latin typeface="Cambria Math" panose="02040503050406030204" pitchFamily="18" charset="0"/>
+                              </a:rPr>
+                            </m:ctrlPr>
+                          </m:sSubPr>
+                          <m:e>
+                            <m:r>
+                              <a:rPr kumimoji="1" lang="en-US" altLang="zh-CN" b="0" i="1" smtClean="0">
+                                <a:latin typeface="Cambria Math" panose="02040503050406030204" pitchFamily="18" charset="0"/>
+                              </a:rPr>
+                              <m:t>𝑤</m:t>
+                            </m:r>
+                          </m:e>
+                          <m:sub>
+                            <m:r>
+                              <a:rPr kumimoji="1" lang="en-US" altLang="zh-CN" b="0" i="1" smtClean="0">
+                                <a:latin typeface="Cambria Math" panose="02040503050406030204" pitchFamily="18" charset="0"/>
+                              </a:rPr>
+                              <m:t>5</m:t>
+                            </m:r>
+                          </m:sub>
+                        </m:sSub>
+                      </m:oMath>
+                    </m:oMathPara>
+                  </a14:m>
+                  <a:endParaRPr kumimoji="1" lang="en-US" altLang="zh-CN" b="0" dirty="0"/>
+                </a:p>
+              </p:txBody>
+            </p:sp>
+          </mc:Choice>
+          <mc:Fallback>
+            <p:sp>
+              <p:nvSpPr>
+                <p:cNvPr id="29" name="文本框 28">
+                  <a:extLst>
+                    <a:ext uri="{FF2B5EF4-FFF2-40B4-BE49-F238E27FC236}">
+                      <a16:creationId xmlns:a16="http://schemas.microsoft.com/office/drawing/2014/main" id="{7C8DF0DD-EEB2-0049-9784-67618D90B7A6}"/>
+                    </a:ext>
+                  </a:extLst>
+                </p:cNvPr>
+                <p:cNvSpPr txBox="1">
+                  <a:spLocks noRot="1" noChangeAspect="1" noMove="1" noResize="1" noEditPoints="1" noAdjustHandles="1" noChangeArrowheads="1" noChangeShapeType="1" noTextEdit="1"/>
+                </p:cNvSpPr>
+                <p:nvPr/>
+              </p:nvSpPr>
+              <p:spPr>
+                <a:xfrm>
+                  <a:off x="4120731" y="3200399"/>
+                  <a:ext cx="415879" cy="369332"/>
+                </a:xfrm>
+                <a:prstGeom prst="rect">
+                  <a:avLst/>
+                </a:prstGeom>
+                <a:blipFill>
+                  <a:blip r:embed="rId6"/>
+                  <a:stretch>
+                    <a:fillRect/>
+                  </a:stretch>
+                </a:blipFill>
+              </p:spPr>
+              <p:txBody>
+                <a:bodyPr/>
+                <a:lstStyle/>
+                <a:p>
+                  <a:r>
+                    <a:rPr lang="zh-CN" altLang="en-US">
+                      <a:noFill/>
+                    </a:rPr>
+                    <a:t> </a:t>
+                  </a:r>
+                </a:p>
+              </p:txBody>
+            </p:sp>
+          </mc:Fallback>
+        </mc:AlternateContent>
+        <mc:AlternateContent xmlns:mc="http://schemas.openxmlformats.org/markup-compatibility/2006">
+          <mc:Choice xmlns:a14="http://schemas.microsoft.com/office/drawing/2010/main" Requires="a14">
+            <p:sp>
+              <p:nvSpPr>
+                <p:cNvPr id="30" name="文本框 29">
+                  <a:extLst>
+                    <a:ext uri="{FF2B5EF4-FFF2-40B4-BE49-F238E27FC236}">
+                      <a16:creationId xmlns:a16="http://schemas.microsoft.com/office/drawing/2014/main" id="{97061DD2-9463-CF4E-A933-FE33DF215E12}"/>
+                    </a:ext>
+                  </a:extLst>
+                </p:cNvPr>
+                <p:cNvSpPr txBox="1"/>
+                <p:nvPr/>
+              </p:nvSpPr>
+              <p:spPr>
+                <a:xfrm>
+                  <a:off x="4594035" y="3200399"/>
+                  <a:ext cx="415879" cy="369332"/>
+                </a:xfrm>
+                <a:prstGeom prst="rect">
+                  <a:avLst/>
+                </a:prstGeom>
+                <a:noFill/>
+              </p:spPr>
+              <p:txBody>
+                <a:bodyPr wrap="square" rtlCol="0">
+                  <a:spAutoFit/>
+                </a:bodyPr>
+                <a:lstStyle/>
+                <a:p>
+                  <a14:m>
+                    <m:oMathPara xmlns:m="http://schemas.openxmlformats.org/officeDocument/2006/math">
+                      <m:oMathParaPr>
+                        <m:jc m:val="centerGroup"/>
+                      </m:oMathParaPr>
+                      <m:oMath xmlns:m="http://schemas.openxmlformats.org/officeDocument/2006/math">
+                        <m:sSub>
+                          <m:sSubPr>
+                            <m:ctrlPr>
+                              <a:rPr kumimoji="1" lang="en-US" altLang="zh-CN" b="0" i="1" smtClean="0">
+                                <a:latin typeface="Cambria Math" panose="02040503050406030204" pitchFamily="18" charset="0"/>
+                              </a:rPr>
+                            </m:ctrlPr>
+                          </m:sSubPr>
+                          <m:e>
+                            <m:r>
+                              <a:rPr kumimoji="1" lang="en-US" altLang="zh-CN" b="0" i="1" smtClean="0">
+                                <a:latin typeface="Cambria Math" panose="02040503050406030204" pitchFamily="18" charset="0"/>
+                              </a:rPr>
+                              <m:t>𝑤</m:t>
+                            </m:r>
+                          </m:e>
+                          <m:sub>
+                            <m:r>
+                              <a:rPr kumimoji="1" lang="en-US" altLang="zh-CN" b="0" i="1" smtClean="0">
+                                <a:latin typeface="Cambria Math" panose="02040503050406030204" pitchFamily="18" charset="0"/>
+                              </a:rPr>
+                              <m:t>6</m:t>
+                            </m:r>
+                          </m:sub>
+                        </m:sSub>
+                      </m:oMath>
+                    </m:oMathPara>
+                  </a14:m>
+                  <a:endParaRPr kumimoji="1" lang="en-US" altLang="zh-CN" b="0" dirty="0"/>
+                </a:p>
+              </p:txBody>
+            </p:sp>
+          </mc:Choice>
+          <mc:Fallback>
+            <p:sp>
+              <p:nvSpPr>
+                <p:cNvPr id="30" name="文本框 29">
+                  <a:extLst>
+                    <a:ext uri="{FF2B5EF4-FFF2-40B4-BE49-F238E27FC236}">
+                      <a16:creationId xmlns:a16="http://schemas.microsoft.com/office/drawing/2014/main" id="{97061DD2-9463-CF4E-A933-FE33DF215E12}"/>
+                    </a:ext>
+                  </a:extLst>
+                </p:cNvPr>
+                <p:cNvSpPr txBox="1">
+                  <a:spLocks noRot="1" noChangeAspect="1" noMove="1" noResize="1" noEditPoints="1" noAdjustHandles="1" noChangeArrowheads="1" noChangeShapeType="1" noTextEdit="1"/>
+                </p:cNvSpPr>
+                <p:nvPr/>
+              </p:nvSpPr>
+              <p:spPr>
+                <a:xfrm>
+                  <a:off x="4594035" y="3200399"/>
+                  <a:ext cx="415879" cy="369332"/>
+                </a:xfrm>
+                <a:prstGeom prst="rect">
+                  <a:avLst/>
+                </a:prstGeom>
+                <a:blipFill>
+                  <a:blip r:embed="rId7"/>
+                  <a:stretch>
+                    <a:fillRect/>
+                  </a:stretch>
+                </a:blipFill>
+              </p:spPr>
+              <p:txBody>
+                <a:bodyPr/>
+                <a:lstStyle/>
+                <a:p>
+                  <a:r>
+                    <a:rPr lang="zh-CN" altLang="en-US">
+                      <a:noFill/>
+                    </a:rPr>
+                    <a:t> </a:t>
+                  </a:r>
+                </a:p>
+              </p:txBody>
+            </p:sp>
+          </mc:Fallback>
+        </mc:AlternateContent>
+        <p:sp>
+          <p:nvSpPr>
+            <p:cNvPr id="31" name="文本框 30">
+              <a:extLst>
+                <a:ext uri="{FF2B5EF4-FFF2-40B4-BE49-F238E27FC236}">
+                  <a16:creationId xmlns:a16="http://schemas.microsoft.com/office/drawing/2014/main" id="{429A5A9B-2EA5-0841-A71E-47F67C7CEC60}"/>
+                </a:ext>
+              </a:extLst>
+            </p:cNvPr>
+            <p:cNvSpPr txBox="1"/>
+            <p:nvPr/>
+          </p:nvSpPr>
+          <p:spPr>
+            <a:xfrm>
+              <a:off x="5009914" y="1959429"/>
+              <a:ext cx="428367" cy="369332"/>
+            </a:xfrm>
+            <a:prstGeom prst="rect">
+              <a:avLst/>
+            </a:prstGeom>
+            <a:noFill/>
+          </p:spPr>
+          <p:txBody>
+            <a:bodyPr wrap="square" rtlCol="0">
+              <a:spAutoFit/>
+            </a:bodyPr>
+            <a:lstStyle/>
+            <a:p>
+              <a:r>
+                <a:rPr kumimoji="1" lang="en-US" altLang="zh-CN" b="1" dirty="0"/>
+                <a:t>…</a:t>
+              </a:r>
+              <a:endParaRPr kumimoji="1" lang="zh-CN" altLang="en-US" b="1" dirty="0"/>
+            </a:p>
+          </p:txBody>
+        </p:sp>
+        <mc:AlternateContent xmlns:mc="http://schemas.openxmlformats.org/markup-compatibility/2006">
+          <mc:Choice xmlns:a14="http://schemas.microsoft.com/office/drawing/2010/main" Requires="a14">
+            <p:sp>
+              <p:nvSpPr>
+                <p:cNvPr id="36" name="文本框 35">
+                  <a:extLst>
+                    <a:ext uri="{FF2B5EF4-FFF2-40B4-BE49-F238E27FC236}">
+                      <a16:creationId xmlns:a16="http://schemas.microsoft.com/office/drawing/2014/main" id="{98A312DB-B509-5F4C-85AD-7DF2F54E84B5}"/>
+                    </a:ext>
+                  </a:extLst>
+                </p:cNvPr>
+                <p:cNvSpPr txBox="1"/>
+                <p:nvPr/>
+              </p:nvSpPr>
+              <p:spPr>
+                <a:xfrm>
+                  <a:off x="2328823" y="1350611"/>
+                  <a:ext cx="415879" cy="369332"/>
+                </a:xfrm>
+                <a:prstGeom prst="rect">
+                  <a:avLst/>
+                </a:prstGeom>
+                <a:noFill/>
+              </p:spPr>
+              <p:txBody>
+                <a:bodyPr wrap="square" rtlCol="0">
+                  <a:spAutoFit/>
+                </a:bodyPr>
+                <a:lstStyle/>
+                <a:p>
+                  <a14:m>
+                    <m:oMathPara xmlns:m="http://schemas.openxmlformats.org/officeDocument/2006/math">
+                      <m:oMathParaPr>
+                        <m:jc m:val="centerGroup"/>
+                      </m:oMathParaPr>
+                      <m:oMath xmlns:m="http://schemas.openxmlformats.org/officeDocument/2006/math">
+                        <m:sSub>
+                          <m:sSubPr>
+                            <m:ctrlPr>
+                              <a:rPr kumimoji="1" lang="en-US" altLang="zh-CN" b="0" i="1" smtClean="0">
+                                <a:latin typeface="Cambria Math" panose="02040503050406030204" pitchFamily="18" charset="0"/>
+                              </a:rPr>
+                            </m:ctrlPr>
+                          </m:sSubPr>
+                          <m:e>
+                            <m:r>
+                              <a:rPr kumimoji="1" lang="en-US" altLang="zh-CN" b="0" i="1" smtClean="0">
+                                <a:latin typeface="Cambria Math" panose="02040503050406030204" pitchFamily="18" charset="0"/>
+                              </a:rPr>
+                              <m:t>𝐴</m:t>
+                            </m:r>
+                          </m:e>
+                          <m:sub>
+                            <m:r>
+                              <a:rPr kumimoji="1" lang="en-US" altLang="zh-CN" b="0" i="1" smtClean="0">
+                                <a:latin typeface="Cambria Math" panose="02040503050406030204" pitchFamily="18" charset="0"/>
+                              </a:rPr>
+                              <m:t>1</m:t>
+                            </m:r>
+                          </m:sub>
+                        </m:sSub>
+                      </m:oMath>
+                    </m:oMathPara>
+                  </a14:m>
+                  <a:endParaRPr kumimoji="1" lang="en-US" altLang="zh-CN" b="0" dirty="0"/>
+                </a:p>
+              </p:txBody>
+            </p:sp>
+          </mc:Choice>
+          <mc:Fallback>
+            <p:sp>
+              <p:nvSpPr>
+                <p:cNvPr id="36" name="文本框 35">
+                  <a:extLst>
+                    <a:ext uri="{FF2B5EF4-FFF2-40B4-BE49-F238E27FC236}">
+                      <a16:creationId xmlns:a16="http://schemas.microsoft.com/office/drawing/2014/main" id="{98A312DB-B509-5F4C-85AD-7DF2F54E84B5}"/>
+                    </a:ext>
+                  </a:extLst>
+                </p:cNvPr>
+                <p:cNvSpPr txBox="1">
+                  <a:spLocks noRot="1" noChangeAspect="1" noMove="1" noResize="1" noEditPoints="1" noAdjustHandles="1" noChangeArrowheads="1" noChangeShapeType="1" noTextEdit="1"/>
+                </p:cNvSpPr>
+                <p:nvPr/>
+              </p:nvSpPr>
+              <p:spPr>
+                <a:xfrm>
+                  <a:off x="2328823" y="1350611"/>
+                  <a:ext cx="415879" cy="369332"/>
+                </a:xfrm>
+                <a:prstGeom prst="rect">
+                  <a:avLst/>
+                </a:prstGeom>
+                <a:blipFill>
+                  <a:blip r:embed="rId8"/>
+                  <a:stretch>
+                    <a:fillRect/>
+                  </a:stretch>
+                </a:blipFill>
+              </p:spPr>
+              <p:txBody>
+                <a:bodyPr/>
+                <a:lstStyle/>
+                <a:p>
+                  <a:r>
+                    <a:rPr lang="zh-CN" altLang="en-US">
+                      <a:noFill/>
+                    </a:rPr>
+                    <a:t> </a:t>
+                  </a:r>
+                </a:p>
+              </p:txBody>
+            </p:sp>
+          </mc:Fallback>
+        </mc:AlternateContent>
+        <mc:AlternateContent xmlns:mc="http://schemas.openxmlformats.org/markup-compatibility/2006">
+          <mc:Choice xmlns:a14="http://schemas.microsoft.com/office/drawing/2010/main" Requires="a14">
+            <p:sp>
+              <p:nvSpPr>
+                <p:cNvPr id="37" name="文本框 36">
+                  <a:extLst>
+                    <a:ext uri="{FF2B5EF4-FFF2-40B4-BE49-F238E27FC236}">
+                      <a16:creationId xmlns:a16="http://schemas.microsoft.com/office/drawing/2014/main" id="{478BE78C-0579-CE48-91EB-AFE6CD19CB1F}"/>
+                    </a:ext>
+                  </a:extLst>
+                </p:cNvPr>
+                <p:cNvSpPr txBox="1"/>
+                <p:nvPr/>
+              </p:nvSpPr>
+              <p:spPr>
+                <a:xfrm>
+                  <a:off x="2744702" y="1839686"/>
+                  <a:ext cx="415879" cy="369332"/>
+                </a:xfrm>
+                <a:prstGeom prst="rect">
+                  <a:avLst/>
+                </a:prstGeom>
+                <a:noFill/>
+              </p:spPr>
+              <p:txBody>
+                <a:bodyPr wrap="square" rtlCol="0">
+                  <a:spAutoFit/>
+                </a:bodyPr>
+                <a:lstStyle/>
+                <a:p>
+                  <a14:m>
+                    <m:oMathPara xmlns:m="http://schemas.openxmlformats.org/officeDocument/2006/math">
+                      <m:oMathParaPr>
+                        <m:jc m:val="centerGroup"/>
+                      </m:oMathParaPr>
+                      <m:oMath xmlns:m="http://schemas.openxmlformats.org/officeDocument/2006/math">
+                        <m:sSub>
+                          <m:sSubPr>
+                            <m:ctrlPr>
+                              <a:rPr kumimoji="1" lang="en-US" altLang="zh-CN" b="0" i="1" smtClean="0">
+                                <a:latin typeface="Cambria Math" panose="02040503050406030204" pitchFamily="18" charset="0"/>
+                              </a:rPr>
+                            </m:ctrlPr>
+                          </m:sSubPr>
+                          <m:e>
+                            <m:r>
+                              <a:rPr kumimoji="1" lang="en-US" altLang="zh-CN" b="0" i="1" smtClean="0">
+                                <a:latin typeface="Cambria Math" panose="02040503050406030204" pitchFamily="18" charset="0"/>
+                              </a:rPr>
+                              <m:t>𝐴</m:t>
+                            </m:r>
+                          </m:e>
+                          <m:sub>
+                            <m:r>
+                              <a:rPr kumimoji="1" lang="en-US" altLang="zh-CN" b="0" i="1" smtClean="0">
+                                <a:latin typeface="Cambria Math" panose="02040503050406030204" pitchFamily="18" charset="0"/>
+                              </a:rPr>
+                              <m:t>2</m:t>
+                            </m:r>
+                          </m:sub>
+                        </m:sSub>
+                      </m:oMath>
+                    </m:oMathPara>
+                  </a14:m>
+                  <a:endParaRPr kumimoji="1" lang="en-US" altLang="zh-CN" b="0" dirty="0"/>
+                </a:p>
+              </p:txBody>
+            </p:sp>
+          </mc:Choice>
+          <mc:Fallback>
+            <p:sp>
+              <p:nvSpPr>
+                <p:cNvPr id="37" name="文本框 36">
+                  <a:extLst>
+                    <a:ext uri="{FF2B5EF4-FFF2-40B4-BE49-F238E27FC236}">
+                      <a16:creationId xmlns:a16="http://schemas.microsoft.com/office/drawing/2014/main" id="{478BE78C-0579-CE48-91EB-AFE6CD19CB1F}"/>
+                    </a:ext>
+                  </a:extLst>
+                </p:cNvPr>
+                <p:cNvSpPr txBox="1">
+                  <a:spLocks noRot="1" noChangeAspect="1" noMove="1" noResize="1" noEditPoints="1" noAdjustHandles="1" noChangeArrowheads="1" noChangeShapeType="1" noTextEdit="1"/>
+                </p:cNvSpPr>
+                <p:nvPr/>
+              </p:nvSpPr>
+              <p:spPr>
+                <a:xfrm>
+                  <a:off x="2744702" y="1839686"/>
+                  <a:ext cx="415879" cy="369332"/>
+                </a:xfrm>
+                <a:prstGeom prst="rect">
+                  <a:avLst/>
+                </a:prstGeom>
+                <a:blipFill>
+                  <a:blip r:embed="rId9"/>
+                  <a:stretch>
+                    <a:fillRect/>
+                  </a:stretch>
+                </a:blipFill>
+              </p:spPr>
+              <p:txBody>
+                <a:bodyPr/>
+                <a:lstStyle/>
+                <a:p>
+                  <a:r>
+                    <a:rPr lang="zh-CN" altLang="en-US">
+                      <a:noFill/>
+                    </a:rPr>
+                    <a:t> </a:t>
+                  </a:r>
+                </a:p>
+              </p:txBody>
+            </p:sp>
+          </mc:Fallback>
+        </mc:AlternateContent>
+        <mc:AlternateContent xmlns:mc="http://schemas.openxmlformats.org/markup-compatibility/2006">
+          <mc:Choice xmlns:a14="http://schemas.microsoft.com/office/drawing/2010/main" Requires="a14">
+            <p:sp>
+              <p:nvSpPr>
+                <p:cNvPr id="38" name="文本框 37">
+                  <a:extLst>
+                    <a:ext uri="{FF2B5EF4-FFF2-40B4-BE49-F238E27FC236}">
+                      <a16:creationId xmlns:a16="http://schemas.microsoft.com/office/drawing/2014/main" id="{EA8D2E53-3D34-0642-8E5E-F6B56815C4C8}"/>
+                    </a:ext>
+                  </a:extLst>
+                </p:cNvPr>
+                <p:cNvSpPr txBox="1"/>
+                <p:nvPr/>
+              </p:nvSpPr>
+              <p:spPr>
+                <a:xfrm>
+                  <a:off x="3221662" y="873505"/>
+                  <a:ext cx="415879" cy="369332"/>
+                </a:xfrm>
+                <a:prstGeom prst="rect">
+                  <a:avLst/>
+                </a:prstGeom>
+                <a:noFill/>
+              </p:spPr>
+              <p:txBody>
+                <a:bodyPr wrap="square" rtlCol="0">
+                  <a:spAutoFit/>
+                </a:bodyPr>
+                <a:lstStyle/>
+                <a:p>
+                  <a14:m>
+                    <m:oMathPara xmlns:m="http://schemas.openxmlformats.org/officeDocument/2006/math">
+                      <m:oMathParaPr>
+                        <m:jc m:val="centerGroup"/>
+                      </m:oMathParaPr>
+                      <m:oMath xmlns:m="http://schemas.openxmlformats.org/officeDocument/2006/math">
+                        <m:sSub>
+                          <m:sSubPr>
+                            <m:ctrlPr>
+                              <a:rPr kumimoji="1" lang="en-US" altLang="zh-CN" b="0" i="1" smtClean="0">
+                                <a:latin typeface="Cambria Math" panose="02040503050406030204" pitchFamily="18" charset="0"/>
+                              </a:rPr>
+                            </m:ctrlPr>
+                          </m:sSubPr>
+                          <m:e>
+                            <m:r>
+                              <a:rPr kumimoji="1" lang="en-US" altLang="zh-CN" b="0" i="1" smtClean="0">
+                                <a:latin typeface="Cambria Math" panose="02040503050406030204" pitchFamily="18" charset="0"/>
+                              </a:rPr>
+                              <m:t>𝐴</m:t>
+                            </m:r>
+                          </m:e>
+                          <m:sub>
+                            <m:r>
+                              <a:rPr kumimoji="1" lang="en-US" altLang="zh-CN" b="0" i="1" smtClean="0">
+                                <a:latin typeface="Cambria Math" panose="02040503050406030204" pitchFamily="18" charset="0"/>
+                              </a:rPr>
+                              <m:t>3</m:t>
+                            </m:r>
+                          </m:sub>
+                        </m:sSub>
+                      </m:oMath>
+                    </m:oMathPara>
+                  </a14:m>
+                  <a:endParaRPr kumimoji="1" lang="en-US" altLang="zh-CN" b="0" dirty="0"/>
+                </a:p>
+              </p:txBody>
+            </p:sp>
+          </mc:Choice>
+          <mc:Fallback>
+            <p:sp>
+              <p:nvSpPr>
+                <p:cNvPr id="38" name="文本框 37">
+                  <a:extLst>
+                    <a:ext uri="{FF2B5EF4-FFF2-40B4-BE49-F238E27FC236}">
+                      <a16:creationId xmlns:a16="http://schemas.microsoft.com/office/drawing/2014/main" id="{EA8D2E53-3D34-0642-8E5E-F6B56815C4C8}"/>
+                    </a:ext>
+                  </a:extLst>
+                </p:cNvPr>
+                <p:cNvSpPr txBox="1">
+                  <a:spLocks noRot="1" noChangeAspect="1" noMove="1" noResize="1" noEditPoints="1" noAdjustHandles="1" noChangeArrowheads="1" noChangeShapeType="1" noTextEdit="1"/>
+                </p:cNvSpPr>
+                <p:nvPr/>
+              </p:nvSpPr>
+              <p:spPr>
+                <a:xfrm>
+                  <a:off x="3221662" y="873505"/>
+                  <a:ext cx="415879" cy="369332"/>
+                </a:xfrm>
+                <a:prstGeom prst="rect">
+                  <a:avLst/>
+                </a:prstGeom>
+                <a:blipFill>
+                  <a:blip r:embed="rId10"/>
+                  <a:stretch>
+                    <a:fillRect/>
+                  </a:stretch>
+                </a:blipFill>
+              </p:spPr>
+              <p:txBody>
+                <a:bodyPr/>
+                <a:lstStyle/>
+                <a:p>
+                  <a:r>
+                    <a:rPr lang="zh-CN" altLang="en-US">
+                      <a:noFill/>
+                    </a:rPr>
+                    <a:t> </a:t>
+                  </a:r>
+                </a:p>
+              </p:txBody>
+            </p:sp>
+          </mc:Fallback>
+        </mc:AlternateContent>
+        <mc:AlternateContent xmlns:mc="http://schemas.openxmlformats.org/markup-compatibility/2006">
+          <mc:Choice xmlns:a14="http://schemas.microsoft.com/office/drawing/2010/main" Requires="a14">
+            <p:sp>
+              <p:nvSpPr>
+                <p:cNvPr id="39" name="文本框 38">
+                  <a:extLst>
+                    <a:ext uri="{FF2B5EF4-FFF2-40B4-BE49-F238E27FC236}">
+                      <a16:creationId xmlns:a16="http://schemas.microsoft.com/office/drawing/2014/main" id="{00004B70-BF69-7744-9516-351598A43E8F}"/>
+                    </a:ext>
+                  </a:extLst>
+                </p:cNvPr>
+                <p:cNvSpPr txBox="1"/>
+                <p:nvPr/>
+              </p:nvSpPr>
+              <p:spPr>
+                <a:xfrm>
+                  <a:off x="3677419" y="1295400"/>
+                  <a:ext cx="415879" cy="369332"/>
+                </a:xfrm>
+                <a:prstGeom prst="rect">
+                  <a:avLst/>
+                </a:prstGeom>
+                <a:noFill/>
+              </p:spPr>
+              <p:txBody>
+                <a:bodyPr wrap="square" rtlCol="0">
+                  <a:spAutoFit/>
+                </a:bodyPr>
+                <a:lstStyle/>
+                <a:p>
+                  <a14:m>
+                    <m:oMathPara xmlns:m="http://schemas.openxmlformats.org/officeDocument/2006/math">
+                      <m:oMathParaPr>
+                        <m:jc m:val="centerGroup"/>
+                      </m:oMathParaPr>
+                      <m:oMath xmlns:m="http://schemas.openxmlformats.org/officeDocument/2006/math">
+                        <m:sSub>
+                          <m:sSubPr>
+                            <m:ctrlPr>
+                              <a:rPr kumimoji="1" lang="en-US" altLang="zh-CN" b="0" i="1" smtClean="0">
+                                <a:latin typeface="Cambria Math" panose="02040503050406030204" pitchFamily="18" charset="0"/>
+                              </a:rPr>
+                            </m:ctrlPr>
+                          </m:sSubPr>
+                          <m:e>
+                            <m:r>
+                              <a:rPr kumimoji="1" lang="en-US" altLang="zh-CN" b="0" i="1" smtClean="0">
+                                <a:latin typeface="Cambria Math" panose="02040503050406030204" pitchFamily="18" charset="0"/>
+                              </a:rPr>
+                              <m:t>𝐴</m:t>
+                            </m:r>
+                          </m:e>
+                          <m:sub>
+                            <m:r>
+                              <a:rPr kumimoji="1" lang="en-US" altLang="zh-CN" b="0" i="1" smtClean="0">
+                                <a:latin typeface="Cambria Math" panose="02040503050406030204" pitchFamily="18" charset="0"/>
+                              </a:rPr>
+                              <m:t>4</m:t>
+                            </m:r>
+                          </m:sub>
+                        </m:sSub>
+                      </m:oMath>
+                    </m:oMathPara>
+                  </a14:m>
+                  <a:endParaRPr kumimoji="1" lang="en-US" altLang="zh-CN" b="0" dirty="0"/>
+                </a:p>
+              </p:txBody>
+            </p:sp>
+          </mc:Choice>
+          <mc:Fallback>
+            <p:sp>
+              <p:nvSpPr>
+                <p:cNvPr id="39" name="文本框 38">
+                  <a:extLst>
+                    <a:ext uri="{FF2B5EF4-FFF2-40B4-BE49-F238E27FC236}">
+                      <a16:creationId xmlns:a16="http://schemas.microsoft.com/office/drawing/2014/main" id="{00004B70-BF69-7744-9516-351598A43E8F}"/>
+                    </a:ext>
+                  </a:extLst>
+                </p:cNvPr>
+                <p:cNvSpPr txBox="1">
+                  <a:spLocks noRot="1" noChangeAspect="1" noMove="1" noResize="1" noEditPoints="1" noAdjustHandles="1" noChangeArrowheads="1" noChangeShapeType="1" noTextEdit="1"/>
+                </p:cNvSpPr>
+                <p:nvPr/>
+              </p:nvSpPr>
+              <p:spPr>
+                <a:xfrm>
+                  <a:off x="3677419" y="1295400"/>
+                  <a:ext cx="415879" cy="369332"/>
+                </a:xfrm>
+                <a:prstGeom prst="rect">
+                  <a:avLst/>
+                </a:prstGeom>
+                <a:blipFill>
+                  <a:blip r:embed="rId11"/>
+                  <a:stretch>
+                    <a:fillRect/>
+                  </a:stretch>
+                </a:blipFill>
+              </p:spPr>
+              <p:txBody>
+                <a:bodyPr/>
+                <a:lstStyle/>
+                <a:p>
+                  <a:r>
+                    <a:rPr lang="zh-CN" altLang="en-US">
+                      <a:noFill/>
+                    </a:rPr>
+                    <a:t> </a:t>
+                  </a:r>
+                </a:p>
+              </p:txBody>
+            </p:sp>
+          </mc:Fallback>
+        </mc:AlternateContent>
+        <mc:AlternateContent xmlns:mc="http://schemas.openxmlformats.org/markup-compatibility/2006">
+          <mc:Choice xmlns:a14="http://schemas.microsoft.com/office/drawing/2010/main" Requires="a14">
+            <p:sp>
+              <p:nvSpPr>
+                <p:cNvPr id="40" name="文本框 39">
+                  <a:extLst>
+                    <a:ext uri="{FF2B5EF4-FFF2-40B4-BE49-F238E27FC236}">
+                      <a16:creationId xmlns:a16="http://schemas.microsoft.com/office/drawing/2014/main" id="{13EEB6B5-AC8C-D449-B91A-64D56A4265C5}"/>
+                    </a:ext>
+                  </a:extLst>
+                </p:cNvPr>
+                <p:cNvSpPr txBox="1"/>
+                <p:nvPr/>
+              </p:nvSpPr>
+              <p:spPr>
+                <a:xfrm>
+                  <a:off x="4134619" y="1573621"/>
+                  <a:ext cx="415879" cy="369332"/>
+                </a:xfrm>
+                <a:prstGeom prst="rect">
+                  <a:avLst/>
+                </a:prstGeom>
+                <a:noFill/>
+              </p:spPr>
+              <p:txBody>
+                <a:bodyPr wrap="square" rtlCol="0">
+                  <a:spAutoFit/>
+                </a:bodyPr>
+                <a:lstStyle/>
+                <a:p>
+                  <a14:m>
+                    <m:oMathPara xmlns:m="http://schemas.openxmlformats.org/officeDocument/2006/math">
+                      <m:oMathParaPr>
+                        <m:jc m:val="centerGroup"/>
+                      </m:oMathParaPr>
+                      <m:oMath xmlns:m="http://schemas.openxmlformats.org/officeDocument/2006/math">
+                        <m:sSub>
+                          <m:sSubPr>
+                            <m:ctrlPr>
+                              <a:rPr kumimoji="1" lang="en-US" altLang="zh-CN" b="0" i="1" smtClean="0">
+                                <a:latin typeface="Cambria Math" panose="02040503050406030204" pitchFamily="18" charset="0"/>
+                              </a:rPr>
+                            </m:ctrlPr>
+                          </m:sSubPr>
+                          <m:e>
+                            <m:r>
+                              <a:rPr kumimoji="1" lang="en-US" altLang="zh-CN" b="0" i="1" smtClean="0">
+                                <a:latin typeface="Cambria Math" panose="02040503050406030204" pitchFamily="18" charset="0"/>
+                              </a:rPr>
+                              <m:t>𝐴</m:t>
+                            </m:r>
+                          </m:e>
+                          <m:sub>
+                            <m:r>
+                              <a:rPr kumimoji="1" lang="en-US" altLang="zh-CN" b="0" i="1" smtClean="0">
+                                <a:latin typeface="Cambria Math" panose="02040503050406030204" pitchFamily="18" charset="0"/>
+                              </a:rPr>
+                              <m:t>5</m:t>
+                            </m:r>
+                          </m:sub>
+                        </m:sSub>
+                      </m:oMath>
+                    </m:oMathPara>
+                  </a14:m>
+                  <a:endParaRPr kumimoji="1" lang="en-US" altLang="zh-CN" b="0" dirty="0"/>
+                </a:p>
+              </p:txBody>
+            </p:sp>
+          </mc:Choice>
+          <mc:Fallback>
+            <p:sp>
+              <p:nvSpPr>
+                <p:cNvPr id="40" name="文本框 39">
+                  <a:extLst>
+                    <a:ext uri="{FF2B5EF4-FFF2-40B4-BE49-F238E27FC236}">
+                      <a16:creationId xmlns:a16="http://schemas.microsoft.com/office/drawing/2014/main" id="{13EEB6B5-AC8C-D449-B91A-64D56A4265C5}"/>
+                    </a:ext>
+                  </a:extLst>
+                </p:cNvPr>
+                <p:cNvSpPr txBox="1">
+                  <a:spLocks noRot="1" noChangeAspect="1" noMove="1" noResize="1" noEditPoints="1" noAdjustHandles="1" noChangeArrowheads="1" noChangeShapeType="1" noTextEdit="1"/>
+                </p:cNvSpPr>
+                <p:nvPr/>
+              </p:nvSpPr>
+              <p:spPr>
+                <a:xfrm>
+                  <a:off x="4134619" y="1573621"/>
+                  <a:ext cx="415879" cy="369332"/>
+                </a:xfrm>
+                <a:prstGeom prst="rect">
+                  <a:avLst/>
+                </a:prstGeom>
+                <a:blipFill>
+                  <a:blip r:embed="rId12"/>
+                  <a:stretch>
+                    <a:fillRect/>
+                  </a:stretch>
+                </a:blipFill>
+              </p:spPr>
+              <p:txBody>
+                <a:bodyPr/>
+                <a:lstStyle/>
+                <a:p>
+                  <a:r>
+                    <a:rPr lang="zh-CN" altLang="en-US">
+                      <a:noFill/>
+                    </a:rPr>
+                    <a:t> </a:t>
+                  </a:r>
+                </a:p>
+              </p:txBody>
+            </p:sp>
+          </mc:Fallback>
+        </mc:AlternateContent>
+        <mc:AlternateContent xmlns:mc="http://schemas.openxmlformats.org/markup-compatibility/2006">
+          <mc:Choice xmlns:a14="http://schemas.microsoft.com/office/drawing/2010/main" Requires="a14">
+            <p:sp>
+              <p:nvSpPr>
+                <p:cNvPr id="41" name="文本框 40">
+                  <a:extLst>
+                    <a:ext uri="{FF2B5EF4-FFF2-40B4-BE49-F238E27FC236}">
+                      <a16:creationId xmlns:a16="http://schemas.microsoft.com/office/drawing/2014/main" id="{CB3CD1D5-CB02-EB42-B74C-6134FDB66219}"/>
+                    </a:ext>
+                  </a:extLst>
+                </p:cNvPr>
+                <p:cNvSpPr txBox="1"/>
+                <p:nvPr/>
+              </p:nvSpPr>
+              <p:spPr>
+                <a:xfrm>
+                  <a:off x="4592996" y="1082935"/>
+                  <a:ext cx="415879" cy="369332"/>
+                </a:xfrm>
+                <a:prstGeom prst="rect">
+                  <a:avLst/>
+                </a:prstGeom>
+                <a:noFill/>
+              </p:spPr>
+              <p:txBody>
+                <a:bodyPr wrap="square" rtlCol="0">
+                  <a:spAutoFit/>
+                </a:bodyPr>
+                <a:lstStyle/>
+                <a:p>
+                  <a14:m>
+                    <m:oMathPara xmlns:m="http://schemas.openxmlformats.org/officeDocument/2006/math">
+                      <m:oMathParaPr>
+                        <m:jc m:val="centerGroup"/>
+                      </m:oMathParaPr>
+                      <m:oMath xmlns:m="http://schemas.openxmlformats.org/officeDocument/2006/math">
+                        <m:sSub>
+                          <m:sSubPr>
+                            <m:ctrlPr>
+                              <a:rPr kumimoji="1" lang="en-US" altLang="zh-CN" b="0" i="1" smtClean="0">
+                                <a:latin typeface="Cambria Math" panose="02040503050406030204" pitchFamily="18" charset="0"/>
+                              </a:rPr>
+                            </m:ctrlPr>
+                          </m:sSubPr>
+                          <m:e>
+                            <m:r>
+                              <a:rPr kumimoji="1" lang="en-US" altLang="zh-CN" b="0" i="1" smtClean="0">
+                                <a:latin typeface="Cambria Math" panose="02040503050406030204" pitchFamily="18" charset="0"/>
+                              </a:rPr>
+                              <m:t>𝐴</m:t>
+                            </m:r>
+                          </m:e>
+                          <m:sub>
+                            <m:r>
+                              <a:rPr kumimoji="1" lang="en-US" altLang="zh-CN" b="0" i="1" smtClean="0">
+                                <a:latin typeface="Cambria Math" panose="02040503050406030204" pitchFamily="18" charset="0"/>
+                              </a:rPr>
+                              <m:t>6</m:t>
+                            </m:r>
+                          </m:sub>
+                        </m:sSub>
+                      </m:oMath>
+                    </m:oMathPara>
+                  </a14:m>
+                  <a:endParaRPr kumimoji="1" lang="en-US" altLang="zh-CN" b="0" dirty="0"/>
+                </a:p>
+              </p:txBody>
+            </p:sp>
+          </mc:Choice>
+          <mc:Fallback>
+            <p:sp>
+              <p:nvSpPr>
+                <p:cNvPr id="41" name="文本框 40">
+                  <a:extLst>
+                    <a:ext uri="{FF2B5EF4-FFF2-40B4-BE49-F238E27FC236}">
+                      <a16:creationId xmlns:a16="http://schemas.microsoft.com/office/drawing/2014/main" id="{CB3CD1D5-CB02-EB42-B74C-6134FDB66219}"/>
+                    </a:ext>
+                  </a:extLst>
+                </p:cNvPr>
+                <p:cNvSpPr txBox="1">
+                  <a:spLocks noRot="1" noChangeAspect="1" noMove="1" noResize="1" noEditPoints="1" noAdjustHandles="1" noChangeArrowheads="1" noChangeShapeType="1" noTextEdit="1"/>
+                </p:cNvSpPr>
+                <p:nvPr/>
+              </p:nvSpPr>
+              <p:spPr>
+                <a:xfrm>
+                  <a:off x="4592996" y="1082935"/>
+                  <a:ext cx="415879" cy="369332"/>
+                </a:xfrm>
+                <a:prstGeom prst="rect">
+                  <a:avLst/>
+                </a:prstGeom>
+                <a:blipFill>
+                  <a:blip r:embed="rId13"/>
+                  <a:stretch>
+                    <a:fillRect/>
+                  </a:stretch>
+                </a:blipFill>
+              </p:spPr>
+              <p:txBody>
+                <a:bodyPr/>
+                <a:lstStyle/>
+                <a:p>
+                  <a:r>
+                    <a:rPr lang="zh-CN" altLang="en-US">
+                      <a:noFill/>
+                    </a:rPr>
+                    <a:t> </a:t>
+                  </a:r>
+                </a:p>
+              </p:txBody>
+            </p:sp>
+          </mc:Fallback>
+        </mc:AlternateContent>
+      </p:grpSp>
+    </p:spTree>
+    <p:extLst>
+      <p:ext uri="{BB962C8B-B14F-4D97-AF65-F5344CB8AC3E}">
+        <p14:creationId xmlns:p14="http://schemas.microsoft.com/office/powerpoint/2010/main" val="3560995364"/>
+      </p:ext>
+    </p:extLst>
+  </p:cSld>
+  <p:clrMapOvr>
+    <a:masterClrMapping/>
+  </p:clrMapOvr>
+</p:sld>
+</file>
+
 <file path=ppt/slides/slide2.xml><?xml version="1.0" encoding="utf-8"?>
 <p:sld xmlns:a="http://schemas.openxmlformats.org/drawingml/2006/main" xmlns:r="http://schemas.openxmlformats.org/officeDocument/2006/relationships" xmlns:p="http://schemas.openxmlformats.org/presentationml/2006/main">
   <p:cSld>

--- a/pictures.pptx
+++ b/pictures.pptx
@@ -5,7 +5,7 @@
     <p:sldMasterId id="2147483648" r:id="rId1"/>
   </p:sldMasterIdLst>
   <p:notesMasterIdLst>
-    <p:notesMasterId r:id="rId18"/>
+    <p:notesMasterId r:id="rId19"/>
   </p:notesMasterIdLst>
   <p:sldIdLst>
     <p:sldId id="263" r:id="rId2"/>
@@ -24,6 +24,7 @@
     <p:sldId id="276" r:id="rId15"/>
     <p:sldId id="277" r:id="rId16"/>
     <p:sldId id="278" r:id="rId17"/>
+    <p:sldId id="279" r:id="rId18"/>
   </p:sldIdLst>
   <p:sldSz cx="12192000" cy="6858000"/>
   <p:notesSz cx="6858000" cy="9144000"/>
@@ -212,7 +213,7 @@
           <a:p>
             <a:fld id="{86B3B155-2483-6F47-A0CD-700458558B73}" type="datetimeFigureOut">
               <a:rPr kumimoji="1" lang="zh-CN" altLang="en-US" smtClean="0"/>
-              <a:t>2020/2/16</a:t>
+              <a:t>2020/2/25</a:t>
             </a:fld>
             <a:endParaRPr kumimoji="1" lang="zh-CN" altLang="en-US"/>
           </a:p>
@@ -685,7 +686,7 @@
           <a:p>
             <a:fld id="{51C7FA66-BD2E-F245-985F-19D6B65945E5}" type="datetimeFigureOut">
               <a:rPr kumimoji="1" lang="zh-CN" altLang="en-US" smtClean="0"/>
-              <a:t>2020/2/16</a:t>
+              <a:t>2020/2/25</a:t>
             </a:fld>
             <a:endParaRPr kumimoji="1" lang="zh-CN" altLang="en-US"/>
           </a:p>
@@ -858,7 +859,7 @@
           <a:p>
             <a:fld id="{51C7FA66-BD2E-F245-985F-19D6B65945E5}" type="datetimeFigureOut">
               <a:rPr kumimoji="1" lang="zh-CN" altLang="en-US" smtClean="0"/>
-              <a:t>2020/2/16</a:t>
+              <a:t>2020/2/25</a:t>
             </a:fld>
             <a:endParaRPr kumimoji="1" lang="zh-CN" altLang="en-US"/>
           </a:p>
@@ -1041,7 +1042,7 @@
           <a:p>
             <a:fld id="{51C7FA66-BD2E-F245-985F-19D6B65945E5}" type="datetimeFigureOut">
               <a:rPr kumimoji="1" lang="zh-CN" altLang="en-US" smtClean="0"/>
-              <a:t>2020/2/16</a:t>
+              <a:t>2020/2/25</a:t>
             </a:fld>
             <a:endParaRPr kumimoji="1" lang="zh-CN" altLang="en-US"/>
           </a:p>
@@ -1214,7 +1215,7 @@
           <a:p>
             <a:fld id="{51C7FA66-BD2E-F245-985F-19D6B65945E5}" type="datetimeFigureOut">
               <a:rPr kumimoji="1" lang="zh-CN" altLang="en-US" smtClean="0"/>
-              <a:t>2020/2/16</a:t>
+              <a:t>2020/2/25</a:t>
             </a:fld>
             <a:endParaRPr kumimoji="1" lang="zh-CN" altLang="en-US"/>
           </a:p>
@@ -1492,7 +1493,7 @@
           <a:p>
             <a:fld id="{51C7FA66-BD2E-F245-985F-19D6B65945E5}" type="datetimeFigureOut">
               <a:rPr kumimoji="1" lang="zh-CN" altLang="en-US" smtClean="0"/>
-              <a:t>2020/2/16</a:t>
+              <a:t>2020/2/25</a:t>
             </a:fld>
             <a:endParaRPr kumimoji="1" lang="zh-CN" altLang="en-US"/>
           </a:p>
@@ -1707,7 +1708,7 @@
           <a:p>
             <a:fld id="{51C7FA66-BD2E-F245-985F-19D6B65945E5}" type="datetimeFigureOut">
               <a:rPr kumimoji="1" lang="zh-CN" altLang="en-US" smtClean="0"/>
-              <a:t>2020/2/16</a:t>
+              <a:t>2020/2/25</a:t>
             </a:fld>
             <a:endParaRPr kumimoji="1" lang="zh-CN" altLang="en-US"/>
           </a:p>
@@ -2075,7 +2076,7 @@
           <a:p>
             <a:fld id="{51C7FA66-BD2E-F245-985F-19D6B65945E5}" type="datetimeFigureOut">
               <a:rPr kumimoji="1" lang="zh-CN" altLang="en-US" smtClean="0"/>
-              <a:t>2020/2/16</a:t>
+              <a:t>2020/2/25</a:t>
             </a:fld>
             <a:endParaRPr kumimoji="1" lang="zh-CN" altLang="en-US"/>
           </a:p>
@@ -2216,7 +2217,7 @@
           <a:p>
             <a:fld id="{51C7FA66-BD2E-F245-985F-19D6B65945E5}" type="datetimeFigureOut">
               <a:rPr kumimoji="1" lang="zh-CN" altLang="en-US" smtClean="0"/>
-              <a:t>2020/2/16</a:t>
+              <a:t>2020/2/25</a:t>
             </a:fld>
             <a:endParaRPr kumimoji="1" lang="zh-CN" altLang="en-US"/>
           </a:p>
@@ -2329,7 +2330,7 @@
           <a:p>
             <a:fld id="{51C7FA66-BD2E-F245-985F-19D6B65945E5}" type="datetimeFigureOut">
               <a:rPr kumimoji="1" lang="zh-CN" altLang="en-US" smtClean="0"/>
-              <a:t>2020/2/16</a:t>
+              <a:t>2020/2/25</a:t>
             </a:fld>
             <a:endParaRPr kumimoji="1" lang="zh-CN" altLang="en-US"/>
           </a:p>
@@ -2618,7 +2619,7 @@
           <a:p>
             <a:fld id="{51C7FA66-BD2E-F245-985F-19D6B65945E5}" type="datetimeFigureOut">
               <a:rPr kumimoji="1" lang="zh-CN" altLang="en-US" smtClean="0"/>
-              <a:t>2020/2/16</a:t>
+              <a:t>2020/2/25</a:t>
             </a:fld>
             <a:endParaRPr kumimoji="1" lang="zh-CN" altLang="en-US"/>
           </a:p>
@@ -2909,7 +2910,7 @@
           <a:p>
             <a:fld id="{51C7FA66-BD2E-F245-985F-19D6B65945E5}" type="datetimeFigureOut">
               <a:rPr kumimoji="1" lang="zh-CN" altLang="en-US" smtClean="0"/>
-              <a:t>2020/2/16</a:t>
+              <a:t>2020/2/25</a:t>
             </a:fld>
             <a:endParaRPr kumimoji="1" lang="zh-CN" altLang="en-US"/>
           </a:p>
@@ -3125,7 +3126,7 @@
           <a:p>
             <a:fld id="{51C7FA66-BD2E-F245-985F-19D6B65945E5}" type="datetimeFigureOut">
               <a:rPr kumimoji="1" lang="zh-CN" altLang="en-US" smtClean="0"/>
-              <a:t>2020/2/16</a:t>
+              <a:t>2020/2/25</a:t>
             </a:fld>
             <a:endParaRPr kumimoji="1" lang="zh-CN" altLang="en-US"/>
           </a:p>
@@ -14474,1919 +14475,2898 @@
           <a:chExt cx="0" cy="0"/>
         </a:xfrm>
       </p:grpSpPr>
-      <p:grpSp>
-        <p:nvGrpSpPr>
-          <p:cNvPr id="43" name="组合 42">
+      <p:sp>
+        <p:nvSpPr>
+          <p:cNvPr id="42" name="矩形 41">
             <a:extLst>
               <a:ext uri="{FF2B5EF4-FFF2-40B4-BE49-F238E27FC236}">
-                <a16:creationId xmlns:a16="http://schemas.microsoft.com/office/drawing/2014/main" id="{7764CE23-CD06-3547-AB2F-811209498B8E}"/>
+                <a16:creationId xmlns:a16="http://schemas.microsoft.com/office/drawing/2014/main" id="{821ABC75-B830-CB49-836A-442E761CF9B2}"/>
               </a:ext>
             </a:extLst>
           </p:cNvPr>
-          <p:cNvGrpSpPr/>
+          <p:cNvSpPr/>
           <p:nvPr/>
-        </p:nvGrpSpPr>
-        <p:grpSpPr>
+        </p:nvSpPr>
+        <p:spPr>
           <a:xfrm>
-            <a:off x="1696935" y="642551"/>
+            <a:off x="6109670" y="1232930"/>
             <a:ext cx="4014799" cy="3015049"/>
-            <a:chOff x="1696935" y="642551"/>
-            <a:chExt cx="4014799" cy="3015049"/>
           </a:xfrm>
-        </p:grpSpPr>
-        <p:sp>
-          <p:nvSpPr>
-            <p:cNvPr id="42" name="矩形 41">
-              <a:extLst>
-                <a:ext uri="{FF2B5EF4-FFF2-40B4-BE49-F238E27FC236}">
-                  <a16:creationId xmlns:a16="http://schemas.microsoft.com/office/drawing/2014/main" id="{821ABC75-B830-CB49-836A-442E761CF9B2}"/>
-                </a:ext>
-              </a:extLst>
-            </p:cNvPr>
-            <p:cNvSpPr/>
-            <p:nvPr/>
-          </p:nvSpPr>
-          <p:spPr>
-            <a:xfrm>
-              <a:off x="1696935" y="642551"/>
-              <a:ext cx="4014799" cy="3015049"/>
-            </a:xfrm>
-            <a:prstGeom prst="rect">
-              <a:avLst/>
-            </a:prstGeom>
+          <a:prstGeom prst="rect">
+            <a:avLst/>
+          </a:prstGeom>
+          <a:solidFill>
+            <a:schemeClr val="bg1"/>
+          </a:solidFill>
+          <a:ln>
+            <a:noFill/>
+          </a:ln>
+        </p:spPr>
+        <p:style>
+          <a:lnRef idx="2">
+            <a:schemeClr val="accent1">
+              <a:shade val="50000"/>
+            </a:schemeClr>
+          </a:lnRef>
+          <a:fillRef idx="1">
+            <a:schemeClr val="accent1"/>
+          </a:fillRef>
+          <a:effectRef idx="0">
+            <a:schemeClr val="accent1"/>
+          </a:effectRef>
+          <a:fontRef idx="minor">
+            <a:schemeClr val="lt1"/>
+          </a:fontRef>
+        </p:style>
+        <p:txBody>
+          <a:bodyPr rtlCol="0" anchor="ctr"/>
+          <a:lstStyle/>
+          <a:p>
+            <a:pPr algn="ctr"/>
+            <a:endParaRPr kumimoji="1" lang="zh-CN" altLang="en-US"/>
+          </a:p>
+        </p:txBody>
+      </p:sp>
+      <p:cxnSp>
+        <p:nvCxnSpPr>
+          <p:cNvPr id="5" name="直线箭头连接符 4">
+            <a:extLst>
+              <a:ext uri="{FF2B5EF4-FFF2-40B4-BE49-F238E27FC236}">
+                <a16:creationId xmlns:a16="http://schemas.microsoft.com/office/drawing/2014/main" id="{08EBB214-5004-CD4C-A515-27AAF77A65F3}"/>
+              </a:ext>
+            </a:extLst>
+          </p:cNvPr>
+          <p:cNvCxnSpPr>
+            <a:cxnSpLocks/>
+          </p:cNvCxnSpPr>
+          <p:nvPr/>
+        </p:nvCxnSpPr>
+        <p:spPr>
+          <a:xfrm>
+            <a:off x="6458705" y="3790779"/>
+            <a:ext cx="3486150" cy="0"/>
+          </a:xfrm>
+          <a:prstGeom prst="straightConnector1">
+            <a:avLst/>
+          </a:prstGeom>
+          <a:ln w="28575">
             <a:solidFill>
-              <a:schemeClr val="bg1"/>
+              <a:schemeClr val="accent1"/>
             </a:solidFill>
-            <a:ln>
-              <a:noFill/>
-            </a:ln>
-          </p:spPr>
-          <p:style>
-            <a:lnRef idx="2">
-              <a:schemeClr val="accent1">
-                <a:shade val="50000"/>
+            <a:tailEnd type="triangle"/>
+          </a:ln>
+        </p:spPr>
+        <p:style>
+          <a:lnRef idx="1">
+            <a:schemeClr val="accent1"/>
+          </a:lnRef>
+          <a:fillRef idx="0">
+            <a:schemeClr val="accent1"/>
+          </a:fillRef>
+          <a:effectRef idx="0">
+            <a:schemeClr val="accent1"/>
+          </a:effectRef>
+          <a:fontRef idx="minor">
+            <a:schemeClr val="tx1"/>
+          </a:fontRef>
+        </p:style>
+      </p:cxnSp>
+      <p:cxnSp>
+        <p:nvCxnSpPr>
+          <p:cNvPr id="7" name="直线箭头连接符 6">
+            <a:extLst>
+              <a:ext uri="{FF2B5EF4-FFF2-40B4-BE49-F238E27FC236}">
+                <a16:creationId xmlns:a16="http://schemas.microsoft.com/office/drawing/2014/main" id="{99ECCEAE-4A62-0F41-8FDC-485005CADD84}"/>
+              </a:ext>
+            </a:extLst>
+          </p:cNvPr>
+          <p:cNvCxnSpPr>
+            <a:cxnSpLocks/>
+          </p:cNvCxnSpPr>
+          <p:nvPr/>
+        </p:nvCxnSpPr>
+        <p:spPr>
+          <a:xfrm flipV="1">
+            <a:off x="6468899" y="1414163"/>
+            <a:ext cx="0" cy="2376617"/>
+          </a:xfrm>
+          <a:prstGeom prst="straightConnector1">
+            <a:avLst/>
+          </a:prstGeom>
+          <a:ln w="28575">
+            <a:solidFill>
+              <a:schemeClr val="accent1"/>
+            </a:solidFill>
+            <a:tailEnd type="triangle"/>
+          </a:ln>
+        </p:spPr>
+        <p:style>
+          <a:lnRef idx="1">
+            <a:schemeClr val="accent1"/>
+          </a:lnRef>
+          <a:fillRef idx="0">
+            <a:schemeClr val="accent1"/>
+          </a:fillRef>
+          <a:effectRef idx="0">
+            <a:schemeClr val="accent1"/>
+          </a:effectRef>
+          <a:fontRef idx="minor">
+            <a:schemeClr val="tx1"/>
+          </a:fontRef>
+        </p:style>
+      </p:cxnSp>
+      <p:cxnSp>
+        <p:nvCxnSpPr>
+          <p:cNvPr id="11" name="直线连接符 10">
+            <a:extLst>
+              <a:ext uri="{FF2B5EF4-FFF2-40B4-BE49-F238E27FC236}">
+                <a16:creationId xmlns:a16="http://schemas.microsoft.com/office/drawing/2014/main" id="{70558E85-D1BF-A743-9B55-0791DAA9E48D}"/>
+              </a:ext>
+            </a:extLst>
+          </p:cNvPr>
+          <p:cNvCxnSpPr/>
+          <p:nvPr/>
+        </p:nvCxnSpPr>
+        <p:spPr>
+          <a:xfrm flipV="1">
+            <a:off x="6916449" y="2430065"/>
+            <a:ext cx="0" cy="1360714"/>
+          </a:xfrm>
+          <a:prstGeom prst="line">
+            <a:avLst/>
+          </a:prstGeom>
+          <a:ln w="28575">
+            <a:solidFill>
+              <a:schemeClr val="accent4">
+                <a:lumMod val="75000"/>
               </a:schemeClr>
-            </a:lnRef>
-            <a:fillRef idx="1">
-              <a:schemeClr val="accent1"/>
-            </a:fillRef>
-            <a:effectRef idx="0">
-              <a:schemeClr val="accent1"/>
-            </a:effectRef>
-            <a:fontRef idx="minor">
-              <a:schemeClr val="lt1"/>
-            </a:fontRef>
-          </p:style>
-          <p:txBody>
-            <a:bodyPr rtlCol="0" anchor="ctr"/>
-            <a:lstStyle/>
-            <a:p>
-              <a:pPr algn="ctr"/>
-              <a:endParaRPr kumimoji="1" lang="zh-CN" altLang="en-US"/>
-            </a:p>
-          </p:txBody>
-        </p:sp>
-        <p:cxnSp>
-          <p:nvCxnSpPr>
-            <p:cNvPr id="5" name="直线箭头连接符 4">
-              <a:extLst>
-                <a:ext uri="{FF2B5EF4-FFF2-40B4-BE49-F238E27FC236}">
-                  <a16:creationId xmlns:a16="http://schemas.microsoft.com/office/drawing/2014/main" id="{08EBB214-5004-CD4C-A515-27AAF77A65F3}"/>
-                </a:ext>
-              </a:extLst>
-            </p:cNvPr>
-            <p:cNvCxnSpPr>
-              <a:cxnSpLocks/>
-            </p:cNvCxnSpPr>
-            <p:nvPr/>
-          </p:nvCxnSpPr>
-          <p:spPr>
-            <a:xfrm>
-              <a:off x="2045970" y="3200400"/>
-              <a:ext cx="3486150" cy="0"/>
-            </a:xfrm>
-            <a:prstGeom prst="straightConnector1">
-              <a:avLst/>
-            </a:prstGeom>
-            <a:ln w="28575">
-              <a:solidFill>
-                <a:schemeClr val="accent1"/>
-              </a:solidFill>
-              <a:tailEnd type="triangle"/>
-            </a:ln>
-          </p:spPr>
-          <p:style>
-            <a:lnRef idx="1">
-              <a:schemeClr val="accent1"/>
-            </a:lnRef>
-            <a:fillRef idx="0">
-              <a:schemeClr val="accent1"/>
-            </a:fillRef>
-            <a:effectRef idx="0">
-              <a:schemeClr val="accent1"/>
-            </a:effectRef>
-            <a:fontRef idx="minor">
-              <a:schemeClr val="tx1"/>
-            </a:fontRef>
-          </p:style>
-        </p:cxnSp>
-        <p:cxnSp>
-          <p:nvCxnSpPr>
-            <p:cNvPr id="7" name="直线箭头连接符 6">
-              <a:extLst>
-                <a:ext uri="{FF2B5EF4-FFF2-40B4-BE49-F238E27FC236}">
-                  <a16:creationId xmlns:a16="http://schemas.microsoft.com/office/drawing/2014/main" id="{99ECCEAE-4A62-0F41-8FDC-485005CADD84}"/>
-                </a:ext>
-              </a:extLst>
-            </p:cNvPr>
-            <p:cNvCxnSpPr>
-              <a:cxnSpLocks/>
-            </p:cNvCxnSpPr>
-            <p:nvPr/>
-          </p:nvCxnSpPr>
-          <p:spPr>
-            <a:xfrm flipV="1">
-              <a:off x="2056164" y="823784"/>
-              <a:ext cx="0" cy="2376617"/>
-            </a:xfrm>
-            <a:prstGeom prst="straightConnector1">
-              <a:avLst/>
-            </a:prstGeom>
-            <a:ln w="28575">
-              <a:solidFill>
-                <a:schemeClr val="accent1"/>
-              </a:solidFill>
-              <a:tailEnd type="triangle"/>
-            </a:ln>
-          </p:spPr>
-          <p:style>
-            <a:lnRef idx="1">
-              <a:schemeClr val="accent1"/>
-            </a:lnRef>
-            <a:fillRef idx="0">
-              <a:schemeClr val="accent1"/>
-            </a:fillRef>
-            <a:effectRef idx="0">
-              <a:schemeClr val="accent1"/>
-            </a:effectRef>
-            <a:fontRef idx="minor">
-              <a:schemeClr val="tx1"/>
-            </a:fontRef>
-          </p:style>
-        </p:cxnSp>
-        <p:cxnSp>
-          <p:nvCxnSpPr>
-            <p:cNvPr id="11" name="直线连接符 10">
-              <a:extLst>
-                <a:ext uri="{FF2B5EF4-FFF2-40B4-BE49-F238E27FC236}">
-                  <a16:creationId xmlns:a16="http://schemas.microsoft.com/office/drawing/2014/main" id="{70558E85-D1BF-A743-9B55-0791DAA9E48D}"/>
-                </a:ext>
-              </a:extLst>
-            </p:cNvPr>
-            <p:cNvCxnSpPr/>
-            <p:nvPr/>
-          </p:nvCxnSpPr>
-          <p:spPr>
-            <a:xfrm flipV="1">
-              <a:off x="2503714" y="1839686"/>
-              <a:ext cx="0" cy="1360714"/>
-            </a:xfrm>
-            <a:prstGeom prst="line">
-              <a:avLst/>
-            </a:prstGeom>
-            <a:ln w="28575">
-              <a:solidFill>
-                <a:schemeClr val="accent4">
-                  <a:lumMod val="75000"/>
-                </a:schemeClr>
-              </a:solidFill>
-            </a:ln>
-          </p:spPr>
-          <p:style>
-            <a:lnRef idx="1">
-              <a:schemeClr val="accent1"/>
-            </a:lnRef>
-            <a:fillRef idx="0">
-              <a:schemeClr val="accent1"/>
-            </a:fillRef>
-            <a:effectRef idx="0">
-              <a:schemeClr val="accent1"/>
-            </a:effectRef>
-            <a:fontRef idx="minor">
-              <a:schemeClr val="tx1"/>
-            </a:fontRef>
-          </p:style>
-        </p:cxnSp>
-        <p:cxnSp>
-          <p:nvCxnSpPr>
-            <p:cNvPr id="12" name="直线连接符 11">
-              <a:extLst>
-                <a:ext uri="{FF2B5EF4-FFF2-40B4-BE49-F238E27FC236}">
-                  <a16:creationId xmlns:a16="http://schemas.microsoft.com/office/drawing/2014/main" id="{3231B5D1-E7F0-5545-A365-2CFC2635CF48}"/>
-                </a:ext>
-              </a:extLst>
-            </p:cNvPr>
-            <p:cNvCxnSpPr>
-              <a:cxnSpLocks/>
-            </p:cNvCxnSpPr>
-            <p:nvPr/>
-          </p:nvCxnSpPr>
-          <p:spPr>
-            <a:xfrm flipV="1">
-              <a:off x="2950028" y="2275114"/>
-              <a:ext cx="0" cy="925286"/>
-            </a:xfrm>
-            <a:prstGeom prst="line">
-              <a:avLst/>
-            </a:prstGeom>
-            <a:ln w="28575">
-              <a:solidFill>
-                <a:srgbClr val="92D050"/>
-              </a:solidFill>
-            </a:ln>
-          </p:spPr>
-          <p:style>
-            <a:lnRef idx="1">
-              <a:schemeClr val="accent1"/>
-            </a:lnRef>
-            <a:fillRef idx="0">
-              <a:schemeClr val="accent1"/>
-            </a:fillRef>
-            <a:effectRef idx="0">
-              <a:schemeClr val="accent1"/>
-            </a:effectRef>
-            <a:fontRef idx="minor">
-              <a:schemeClr val="tx1"/>
-            </a:fontRef>
-          </p:style>
-        </p:cxnSp>
-        <p:cxnSp>
-          <p:nvCxnSpPr>
-            <p:cNvPr id="14" name="直线连接符 13">
-              <a:extLst>
-                <a:ext uri="{FF2B5EF4-FFF2-40B4-BE49-F238E27FC236}">
-                  <a16:creationId xmlns:a16="http://schemas.microsoft.com/office/drawing/2014/main" id="{86EC603E-7766-7948-B39E-88448166CB62}"/>
-                </a:ext>
-              </a:extLst>
-            </p:cNvPr>
-            <p:cNvCxnSpPr>
-              <a:cxnSpLocks/>
-            </p:cNvCxnSpPr>
-            <p:nvPr/>
-          </p:nvCxnSpPr>
-          <p:spPr>
-            <a:xfrm flipV="1">
-              <a:off x="3396342" y="1295400"/>
-              <a:ext cx="0" cy="1905000"/>
-            </a:xfrm>
-            <a:prstGeom prst="line">
-              <a:avLst/>
-            </a:prstGeom>
-            <a:ln w="28575">
-              <a:solidFill>
-                <a:srgbClr val="FFC000"/>
-              </a:solidFill>
-            </a:ln>
-          </p:spPr>
-          <p:style>
-            <a:lnRef idx="1">
-              <a:schemeClr val="accent1"/>
-            </a:lnRef>
-            <a:fillRef idx="0">
-              <a:schemeClr val="accent1"/>
-            </a:fillRef>
-            <a:effectRef idx="0">
-              <a:schemeClr val="accent1"/>
-            </a:effectRef>
-            <a:fontRef idx="minor">
-              <a:schemeClr val="tx1"/>
-            </a:fontRef>
-          </p:style>
-        </p:cxnSp>
-        <p:cxnSp>
-          <p:nvCxnSpPr>
-            <p:cNvPr id="16" name="直线连接符 15">
-              <a:extLst>
-                <a:ext uri="{FF2B5EF4-FFF2-40B4-BE49-F238E27FC236}">
-                  <a16:creationId xmlns:a16="http://schemas.microsoft.com/office/drawing/2014/main" id="{1C56AA60-4494-EF48-AC33-5C10F3AEFD77}"/>
-                </a:ext>
-              </a:extLst>
-            </p:cNvPr>
-            <p:cNvCxnSpPr>
-              <a:cxnSpLocks/>
-            </p:cNvCxnSpPr>
-            <p:nvPr/>
-          </p:nvCxnSpPr>
-          <p:spPr>
-            <a:xfrm flipV="1">
-              <a:off x="3853543" y="1719943"/>
-              <a:ext cx="0" cy="1480457"/>
-            </a:xfrm>
-            <a:prstGeom prst="line">
-              <a:avLst/>
-            </a:prstGeom>
-            <a:ln w="28575">
-              <a:solidFill>
-                <a:schemeClr val="accent2"/>
-              </a:solidFill>
-            </a:ln>
-          </p:spPr>
-          <p:style>
-            <a:lnRef idx="1">
-              <a:schemeClr val="accent1"/>
-            </a:lnRef>
-            <a:fillRef idx="0">
-              <a:schemeClr val="accent1"/>
-            </a:fillRef>
-            <a:effectRef idx="0">
-              <a:schemeClr val="accent1"/>
-            </a:effectRef>
-            <a:fontRef idx="minor">
-              <a:schemeClr val="tx1"/>
-            </a:fontRef>
-          </p:style>
-        </p:cxnSp>
-        <p:cxnSp>
-          <p:nvCxnSpPr>
-            <p:cNvPr id="18" name="直线连接符 17">
-              <a:extLst>
-                <a:ext uri="{FF2B5EF4-FFF2-40B4-BE49-F238E27FC236}">
-                  <a16:creationId xmlns:a16="http://schemas.microsoft.com/office/drawing/2014/main" id="{7EFC0CE4-73FB-2A4F-BE74-71C0C2064E75}"/>
-                </a:ext>
-              </a:extLst>
-            </p:cNvPr>
-            <p:cNvCxnSpPr>
-              <a:cxnSpLocks/>
-            </p:cNvCxnSpPr>
-            <p:nvPr/>
-          </p:nvCxnSpPr>
-          <p:spPr>
-            <a:xfrm flipV="1">
-              <a:off x="4299857" y="1959429"/>
-              <a:ext cx="0" cy="1240973"/>
-            </a:xfrm>
-            <a:prstGeom prst="line">
-              <a:avLst/>
-            </a:prstGeom>
-            <a:ln w="28575">
-              <a:solidFill>
-                <a:srgbClr val="7030A0"/>
-              </a:solidFill>
-            </a:ln>
-          </p:spPr>
-          <p:style>
-            <a:lnRef idx="1">
-              <a:schemeClr val="accent1"/>
-            </a:lnRef>
-            <a:fillRef idx="0">
-              <a:schemeClr val="accent1"/>
-            </a:fillRef>
-            <a:effectRef idx="0">
-              <a:schemeClr val="accent1"/>
-            </a:effectRef>
-            <a:fontRef idx="minor">
-              <a:schemeClr val="tx1"/>
-            </a:fontRef>
-          </p:style>
-        </p:cxnSp>
-        <p:cxnSp>
-          <p:nvCxnSpPr>
-            <p:cNvPr id="21" name="直线连接符 20">
-              <a:extLst>
-                <a:ext uri="{FF2B5EF4-FFF2-40B4-BE49-F238E27FC236}">
-                  <a16:creationId xmlns:a16="http://schemas.microsoft.com/office/drawing/2014/main" id="{26FC9CAC-D1A6-5544-8823-9BD1915A2FB8}"/>
-                </a:ext>
-              </a:extLst>
-            </p:cNvPr>
-            <p:cNvCxnSpPr>
-              <a:cxnSpLocks/>
-            </p:cNvCxnSpPr>
-            <p:nvPr/>
-          </p:nvCxnSpPr>
-          <p:spPr>
-            <a:xfrm flipV="1">
-              <a:off x="4746171" y="1499286"/>
-              <a:ext cx="0" cy="1701115"/>
-            </a:xfrm>
-            <a:prstGeom prst="line">
-              <a:avLst/>
-            </a:prstGeom>
-            <a:ln w="28575">
-              <a:solidFill>
-                <a:schemeClr val="bg2">
-                  <a:lumMod val="50000"/>
-                </a:schemeClr>
-              </a:solidFill>
-            </a:ln>
-          </p:spPr>
-          <p:style>
-            <a:lnRef idx="1">
-              <a:schemeClr val="accent1"/>
-            </a:lnRef>
-            <a:fillRef idx="0">
-              <a:schemeClr val="accent1"/>
-            </a:fillRef>
-            <a:effectRef idx="0">
-              <a:schemeClr val="accent1"/>
-            </a:effectRef>
-            <a:fontRef idx="minor">
-              <a:schemeClr val="tx1"/>
-            </a:fontRef>
-          </p:style>
-        </p:cxnSp>
-        <p:sp>
-          <p:nvSpPr>
-            <p:cNvPr id="23" name="文本框 22">
-              <a:extLst>
-                <a:ext uri="{FF2B5EF4-FFF2-40B4-BE49-F238E27FC236}">
-                  <a16:creationId xmlns:a16="http://schemas.microsoft.com/office/drawing/2014/main" id="{BC5F81D6-B584-AA46-BDA9-B70445F52EB1}"/>
-                </a:ext>
-              </a:extLst>
-            </p:cNvPr>
-            <p:cNvSpPr txBox="1"/>
-            <p:nvPr/>
-          </p:nvSpPr>
-          <p:spPr>
-            <a:xfrm>
-              <a:off x="5352505" y="3200399"/>
-              <a:ext cx="359229" cy="369332"/>
-            </a:xfrm>
-            <a:prstGeom prst="rect">
-              <a:avLst/>
-            </a:prstGeom>
-            <a:noFill/>
-          </p:spPr>
-          <p:txBody>
-            <a:bodyPr wrap="square" rtlCol="0">
-              <a:spAutoFit/>
-            </a:bodyPr>
-            <a:lstStyle/>
-            <a:p>
-              <a:r>
-                <a:rPr kumimoji="1" lang="en-US" altLang="zh-CN" dirty="0">
-                  <a:latin typeface="Times New Roman" panose="02020603050405020304" pitchFamily="18" charset="0"/>
-                  <a:cs typeface="Times New Roman" panose="02020603050405020304" pitchFamily="18" charset="0"/>
-                </a:rPr>
-                <a:t>x</a:t>
-              </a:r>
-              <a:endParaRPr kumimoji="1" lang="zh-CN" altLang="en-US" dirty="0">
+            </a:solidFill>
+          </a:ln>
+        </p:spPr>
+        <p:style>
+          <a:lnRef idx="1">
+            <a:schemeClr val="accent1"/>
+          </a:lnRef>
+          <a:fillRef idx="0">
+            <a:schemeClr val="accent1"/>
+          </a:fillRef>
+          <a:effectRef idx="0">
+            <a:schemeClr val="accent1"/>
+          </a:effectRef>
+          <a:fontRef idx="minor">
+            <a:schemeClr val="tx1"/>
+          </a:fontRef>
+        </p:style>
+      </p:cxnSp>
+      <p:cxnSp>
+        <p:nvCxnSpPr>
+          <p:cNvPr id="12" name="直线连接符 11">
+            <a:extLst>
+              <a:ext uri="{FF2B5EF4-FFF2-40B4-BE49-F238E27FC236}">
+                <a16:creationId xmlns:a16="http://schemas.microsoft.com/office/drawing/2014/main" id="{3231B5D1-E7F0-5545-A365-2CFC2635CF48}"/>
+              </a:ext>
+            </a:extLst>
+          </p:cNvPr>
+          <p:cNvCxnSpPr>
+            <a:cxnSpLocks/>
+          </p:cNvCxnSpPr>
+          <p:nvPr/>
+        </p:nvCxnSpPr>
+        <p:spPr>
+          <a:xfrm flipV="1">
+            <a:off x="7362763" y="2865493"/>
+            <a:ext cx="0" cy="925286"/>
+          </a:xfrm>
+          <a:prstGeom prst="line">
+            <a:avLst/>
+          </a:prstGeom>
+          <a:ln w="28575">
+            <a:solidFill>
+              <a:srgbClr val="92D050"/>
+            </a:solidFill>
+          </a:ln>
+        </p:spPr>
+        <p:style>
+          <a:lnRef idx="1">
+            <a:schemeClr val="accent1"/>
+          </a:lnRef>
+          <a:fillRef idx="0">
+            <a:schemeClr val="accent1"/>
+          </a:fillRef>
+          <a:effectRef idx="0">
+            <a:schemeClr val="accent1"/>
+          </a:effectRef>
+          <a:fontRef idx="minor">
+            <a:schemeClr val="tx1"/>
+          </a:fontRef>
+        </p:style>
+      </p:cxnSp>
+      <p:cxnSp>
+        <p:nvCxnSpPr>
+          <p:cNvPr id="14" name="直线连接符 13">
+            <a:extLst>
+              <a:ext uri="{FF2B5EF4-FFF2-40B4-BE49-F238E27FC236}">
+                <a16:creationId xmlns:a16="http://schemas.microsoft.com/office/drawing/2014/main" id="{86EC603E-7766-7948-B39E-88448166CB62}"/>
+              </a:ext>
+            </a:extLst>
+          </p:cNvPr>
+          <p:cNvCxnSpPr>
+            <a:cxnSpLocks/>
+          </p:cNvCxnSpPr>
+          <p:nvPr/>
+        </p:nvCxnSpPr>
+        <p:spPr>
+          <a:xfrm flipV="1">
+            <a:off x="7809077" y="1885779"/>
+            <a:ext cx="0" cy="1905000"/>
+          </a:xfrm>
+          <a:prstGeom prst="line">
+            <a:avLst/>
+          </a:prstGeom>
+          <a:ln w="28575">
+            <a:solidFill>
+              <a:srgbClr val="FFC000"/>
+            </a:solidFill>
+          </a:ln>
+        </p:spPr>
+        <p:style>
+          <a:lnRef idx="1">
+            <a:schemeClr val="accent1"/>
+          </a:lnRef>
+          <a:fillRef idx="0">
+            <a:schemeClr val="accent1"/>
+          </a:fillRef>
+          <a:effectRef idx="0">
+            <a:schemeClr val="accent1"/>
+          </a:effectRef>
+          <a:fontRef idx="minor">
+            <a:schemeClr val="tx1"/>
+          </a:fontRef>
+        </p:style>
+      </p:cxnSp>
+      <p:cxnSp>
+        <p:nvCxnSpPr>
+          <p:cNvPr id="16" name="直线连接符 15">
+            <a:extLst>
+              <a:ext uri="{FF2B5EF4-FFF2-40B4-BE49-F238E27FC236}">
+                <a16:creationId xmlns:a16="http://schemas.microsoft.com/office/drawing/2014/main" id="{1C56AA60-4494-EF48-AC33-5C10F3AEFD77}"/>
+              </a:ext>
+            </a:extLst>
+          </p:cNvPr>
+          <p:cNvCxnSpPr>
+            <a:cxnSpLocks/>
+          </p:cNvCxnSpPr>
+          <p:nvPr/>
+        </p:nvCxnSpPr>
+        <p:spPr>
+          <a:xfrm flipV="1">
+            <a:off x="8266278" y="2310322"/>
+            <a:ext cx="0" cy="1480457"/>
+          </a:xfrm>
+          <a:prstGeom prst="line">
+            <a:avLst/>
+          </a:prstGeom>
+          <a:ln w="28575">
+            <a:solidFill>
+              <a:schemeClr val="accent2"/>
+            </a:solidFill>
+          </a:ln>
+        </p:spPr>
+        <p:style>
+          <a:lnRef idx="1">
+            <a:schemeClr val="accent1"/>
+          </a:lnRef>
+          <a:fillRef idx="0">
+            <a:schemeClr val="accent1"/>
+          </a:fillRef>
+          <a:effectRef idx="0">
+            <a:schemeClr val="accent1"/>
+          </a:effectRef>
+          <a:fontRef idx="minor">
+            <a:schemeClr val="tx1"/>
+          </a:fontRef>
+        </p:style>
+      </p:cxnSp>
+      <p:cxnSp>
+        <p:nvCxnSpPr>
+          <p:cNvPr id="18" name="直线连接符 17">
+            <a:extLst>
+              <a:ext uri="{FF2B5EF4-FFF2-40B4-BE49-F238E27FC236}">
+                <a16:creationId xmlns:a16="http://schemas.microsoft.com/office/drawing/2014/main" id="{7EFC0CE4-73FB-2A4F-BE74-71C0C2064E75}"/>
+              </a:ext>
+            </a:extLst>
+          </p:cNvPr>
+          <p:cNvCxnSpPr>
+            <a:cxnSpLocks/>
+          </p:cNvCxnSpPr>
+          <p:nvPr/>
+        </p:nvCxnSpPr>
+        <p:spPr>
+          <a:xfrm flipV="1">
+            <a:off x="8712592" y="2549808"/>
+            <a:ext cx="0" cy="1240973"/>
+          </a:xfrm>
+          <a:prstGeom prst="line">
+            <a:avLst/>
+          </a:prstGeom>
+          <a:ln w="28575">
+            <a:solidFill>
+              <a:srgbClr val="7030A0"/>
+            </a:solidFill>
+          </a:ln>
+        </p:spPr>
+        <p:style>
+          <a:lnRef idx="1">
+            <a:schemeClr val="accent1"/>
+          </a:lnRef>
+          <a:fillRef idx="0">
+            <a:schemeClr val="accent1"/>
+          </a:fillRef>
+          <a:effectRef idx="0">
+            <a:schemeClr val="accent1"/>
+          </a:effectRef>
+          <a:fontRef idx="minor">
+            <a:schemeClr val="tx1"/>
+          </a:fontRef>
+        </p:style>
+      </p:cxnSp>
+      <p:cxnSp>
+        <p:nvCxnSpPr>
+          <p:cNvPr id="21" name="直线连接符 20">
+            <a:extLst>
+              <a:ext uri="{FF2B5EF4-FFF2-40B4-BE49-F238E27FC236}">
+                <a16:creationId xmlns:a16="http://schemas.microsoft.com/office/drawing/2014/main" id="{26FC9CAC-D1A6-5544-8823-9BD1915A2FB8}"/>
+              </a:ext>
+            </a:extLst>
+          </p:cNvPr>
+          <p:cNvCxnSpPr>
+            <a:cxnSpLocks/>
+          </p:cNvCxnSpPr>
+          <p:nvPr/>
+        </p:nvCxnSpPr>
+        <p:spPr>
+          <a:xfrm flipV="1">
+            <a:off x="9158906" y="2089665"/>
+            <a:ext cx="0" cy="1701115"/>
+          </a:xfrm>
+          <a:prstGeom prst="line">
+            <a:avLst/>
+          </a:prstGeom>
+          <a:ln w="28575">
+            <a:solidFill>
+              <a:schemeClr val="bg2">
+                <a:lumMod val="50000"/>
+              </a:schemeClr>
+            </a:solidFill>
+          </a:ln>
+        </p:spPr>
+        <p:style>
+          <a:lnRef idx="1">
+            <a:schemeClr val="accent1"/>
+          </a:lnRef>
+          <a:fillRef idx="0">
+            <a:schemeClr val="accent1"/>
+          </a:fillRef>
+          <a:effectRef idx="0">
+            <a:schemeClr val="accent1"/>
+          </a:effectRef>
+          <a:fontRef idx="minor">
+            <a:schemeClr val="tx1"/>
+          </a:fontRef>
+        </p:style>
+      </p:cxnSp>
+      <p:sp>
+        <p:nvSpPr>
+          <p:cNvPr id="23" name="文本框 22">
+            <a:extLst>
+              <a:ext uri="{FF2B5EF4-FFF2-40B4-BE49-F238E27FC236}">
+                <a16:creationId xmlns:a16="http://schemas.microsoft.com/office/drawing/2014/main" id="{BC5F81D6-B584-AA46-BDA9-B70445F52EB1}"/>
+              </a:ext>
+            </a:extLst>
+          </p:cNvPr>
+          <p:cNvSpPr txBox="1"/>
+          <p:nvPr/>
+        </p:nvSpPr>
+        <p:spPr>
+          <a:xfrm>
+            <a:off x="9765240" y="3790778"/>
+            <a:ext cx="359229" cy="369332"/>
+          </a:xfrm>
+          <a:prstGeom prst="rect">
+            <a:avLst/>
+          </a:prstGeom>
+          <a:noFill/>
+        </p:spPr>
+        <p:txBody>
+          <a:bodyPr wrap="square" rtlCol="0">
+            <a:spAutoFit/>
+          </a:bodyPr>
+          <a:lstStyle/>
+          <a:p>
+            <a:r>
+              <a:rPr kumimoji="1" lang="en-US" altLang="zh-CN" dirty="0">
                 <a:latin typeface="Times New Roman" panose="02020603050405020304" pitchFamily="18" charset="0"/>
                 <a:cs typeface="Times New Roman" panose="02020603050405020304" pitchFamily="18" charset="0"/>
-              </a:endParaRPr>
-            </a:p>
-          </p:txBody>
-        </p:sp>
-        <p:sp>
-          <p:nvSpPr>
-            <p:cNvPr id="24" name="文本框 23">
-              <a:extLst>
-                <a:ext uri="{FF2B5EF4-FFF2-40B4-BE49-F238E27FC236}">
-                  <a16:creationId xmlns:a16="http://schemas.microsoft.com/office/drawing/2014/main" id="{50AC8F90-6341-CD4D-8C54-EAEC20867450}"/>
-                </a:ext>
-              </a:extLst>
-            </p:cNvPr>
-            <p:cNvSpPr txBox="1"/>
-            <p:nvPr/>
-          </p:nvSpPr>
-          <p:spPr>
-            <a:xfrm>
-              <a:off x="1696935" y="722135"/>
-              <a:ext cx="359229" cy="369332"/>
-            </a:xfrm>
-            <a:prstGeom prst="rect">
-              <a:avLst/>
-            </a:prstGeom>
-            <a:noFill/>
-          </p:spPr>
-          <p:txBody>
-            <a:bodyPr wrap="square" rtlCol="0">
-              <a:spAutoFit/>
-            </a:bodyPr>
-            <a:lstStyle/>
-            <a:p>
-              <a:r>
-                <a:rPr kumimoji="1" lang="en-US" altLang="zh-CN" dirty="0">
-                  <a:latin typeface="Times New Roman" panose="02020603050405020304" pitchFamily="18" charset="0"/>
-                  <a:cs typeface="Times New Roman" panose="02020603050405020304" pitchFamily="18" charset="0"/>
-                </a:rPr>
-                <a:t>y</a:t>
-              </a:r>
-              <a:endParaRPr kumimoji="1" lang="zh-CN" altLang="en-US" dirty="0">
+              </a:rPr>
+              <a:t>x</a:t>
+            </a:r>
+            <a:endParaRPr kumimoji="1" lang="zh-CN" altLang="en-US" dirty="0">
+              <a:latin typeface="Times New Roman" panose="02020603050405020304" pitchFamily="18" charset="0"/>
+              <a:cs typeface="Times New Roman" panose="02020603050405020304" pitchFamily="18" charset="0"/>
+            </a:endParaRPr>
+          </a:p>
+        </p:txBody>
+      </p:sp>
+      <p:sp>
+        <p:nvSpPr>
+          <p:cNvPr id="24" name="文本框 23">
+            <a:extLst>
+              <a:ext uri="{FF2B5EF4-FFF2-40B4-BE49-F238E27FC236}">
+                <a16:creationId xmlns:a16="http://schemas.microsoft.com/office/drawing/2014/main" id="{50AC8F90-6341-CD4D-8C54-EAEC20867450}"/>
+              </a:ext>
+            </a:extLst>
+          </p:cNvPr>
+          <p:cNvSpPr txBox="1"/>
+          <p:nvPr/>
+        </p:nvSpPr>
+        <p:spPr>
+          <a:xfrm>
+            <a:off x="6109670" y="1312514"/>
+            <a:ext cx="359229" cy="369332"/>
+          </a:xfrm>
+          <a:prstGeom prst="rect">
+            <a:avLst/>
+          </a:prstGeom>
+          <a:noFill/>
+        </p:spPr>
+        <p:txBody>
+          <a:bodyPr wrap="square" rtlCol="0">
+            <a:spAutoFit/>
+          </a:bodyPr>
+          <a:lstStyle/>
+          <a:p>
+            <a:r>
+              <a:rPr kumimoji="1" lang="en-US" altLang="zh-CN" dirty="0">
                 <a:latin typeface="Times New Roman" panose="02020603050405020304" pitchFamily="18" charset="0"/>
                 <a:cs typeface="Times New Roman" panose="02020603050405020304" pitchFamily="18" charset="0"/>
-              </a:endParaRPr>
-            </a:p>
-          </p:txBody>
-        </p:sp>
-        <mc:AlternateContent xmlns:mc="http://schemas.openxmlformats.org/markup-compatibility/2006">
-          <mc:Choice xmlns:a14="http://schemas.microsoft.com/office/drawing/2010/main" Requires="a14">
-            <p:sp>
-              <p:nvSpPr>
-                <p:cNvPr id="25" name="文本框 24">
-                  <a:extLst>
-                    <a:ext uri="{FF2B5EF4-FFF2-40B4-BE49-F238E27FC236}">
-                      <a16:creationId xmlns:a16="http://schemas.microsoft.com/office/drawing/2014/main" id="{4759021D-8600-E140-9816-38037511A2FD}"/>
-                    </a:ext>
-                  </a:extLst>
-                </p:cNvPr>
-                <p:cNvSpPr txBox="1"/>
-                <p:nvPr/>
-              </p:nvSpPr>
-              <p:spPr>
-                <a:xfrm>
-                  <a:off x="2300601" y="3200399"/>
-                  <a:ext cx="415879" cy="369332"/>
-                </a:xfrm>
-                <a:prstGeom prst="rect">
-                  <a:avLst/>
-                </a:prstGeom>
-                <a:noFill/>
-              </p:spPr>
-              <p:txBody>
-                <a:bodyPr wrap="square" rtlCol="0">
-                  <a:spAutoFit/>
-                </a:bodyPr>
-                <a:lstStyle/>
-                <a:p>
-                  <a14:m>
-                    <m:oMathPara xmlns:m="http://schemas.openxmlformats.org/officeDocument/2006/math">
-                      <m:oMathParaPr>
-                        <m:jc m:val="centerGroup"/>
-                      </m:oMathParaPr>
-                      <m:oMath xmlns:m="http://schemas.openxmlformats.org/officeDocument/2006/math">
-                        <m:sSub>
-                          <m:sSubPr>
-                            <m:ctrlPr>
-                              <a:rPr kumimoji="1" lang="en-US" altLang="zh-CN" b="0" i="1" smtClean="0">
-                                <a:latin typeface="Cambria Math" panose="02040503050406030204" pitchFamily="18" charset="0"/>
-                              </a:rPr>
-                            </m:ctrlPr>
-                          </m:sSubPr>
-                          <m:e>
-                            <m:r>
-                              <a:rPr kumimoji="1" lang="en-US" altLang="zh-CN" b="0" i="1" smtClean="0">
-                                <a:latin typeface="Cambria Math" panose="02040503050406030204" pitchFamily="18" charset="0"/>
-                              </a:rPr>
-                              <m:t>𝑤</m:t>
-                            </m:r>
-                          </m:e>
-                          <m:sub>
-                            <m:r>
-                              <a:rPr kumimoji="1" lang="en-US" altLang="zh-CN" b="0" i="1" smtClean="0">
-                                <a:latin typeface="Cambria Math" panose="02040503050406030204" pitchFamily="18" charset="0"/>
-                              </a:rPr>
-                              <m:t>1</m:t>
-                            </m:r>
-                          </m:sub>
-                        </m:sSub>
-                      </m:oMath>
-                    </m:oMathPara>
-                  </a14:m>
-                  <a:endParaRPr kumimoji="1" lang="en-US" altLang="zh-CN" b="0" dirty="0"/>
-                </a:p>
-              </p:txBody>
-            </p:sp>
-          </mc:Choice>
-          <mc:Fallback>
-            <p:sp>
-              <p:nvSpPr>
-                <p:cNvPr id="25" name="文本框 24">
-                  <a:extLst>
-                    <a:ext uri="{FF2B5EF4-FFF2-40B4-BE49-F238E27FC236}">
-                      <a16:creationId xmlns:a16="http://schemas.microsoft.com/office/drawing/2014/main" id="{4759021D-8600-E140-9816-38037511A2FD}"/>
-                    </a:ext>
-                  </a:extLst>
-                </p:cNvPr>
-                <p:cNvSpPr txBox="1">
-                  <a:spLocks noRot="1" noChangeAspect="1" noMove="1" noResize="1" noEditPoints="1" noAdjustHandles="1" noChangeArrowheads="1" noChangeShapeType="1" noTextEdit="1"/>
-                </p:cNvSpPr>
-                <p:nvPr/>
-              </p:nvSpPr>
-              <p:spPr>
-                <a:xfrm>
-                  <a:off x="2300601" y="3200399"/>
-                  <a:ext cx="415879" cy="369332"/>
-                </a:xfrm>
-                <a:prstGeom prst="rect">
-                  <a:avLst/>
-                </a:prstGeom>
-                <a:blipFill>
-                  <a:blip r:embed="rId2"/>
-                  <a:stretch>
-                    <a:fillRect/>
-                  </a:stretch>
-                </a:blipFill>
-              </p:spPr>
-              <p:txBody>
-                <a:bodyPr/>
-                <a:lstStyle/>
-                <a:p>
-                  <a:r>
-                    <a:rPr lang="zh-CN" altLang="en-US">
-                      <a:noFill/>
-                    </a:rPr>
-                    <a:t> </a:t>
-                  </a:r>
-                </a:p>
-              </p:txBody>
-            </p:sp>
-          </mc:Fallback>
-        </mc:AlternateContent>
-        <mc:AlternateContent xmlns:mc="http://schemas.openxmlformats.org/markup-compatibility/2006">
-          <mc:Choice xmlns:a14="http://schemas.microsoft.com/office/drawing/2010/main" Requires="a14">
-            <p:sp>
-              <p:nvSpPr>
-                <p:cNvPr id="26" name="文本框 25">
-                  <a:extLst>
-                    <a:ext uri="{FF2B5EF4-FFF2-40B4-BE49-F238E27FC236}">
-                      <a16:creationId xmlns:a16="http://schemas.microsoft.com/office/drawing/2014/main" id="{2C1EB5DD-9872-D647-B585-562158DFCF08}"/>
-                    </a:ext>
-                  </a:extLst>
-                </p:cNvPr>
-                <p:cNvSpPr txBox="1"/>
-                <p:nvPr/>
-              </p:nvSpPr>
-              <p:spPr>
-                <a:xfrm>
-                  <a:off x="2773905" y="3200399"/>
-                  <a:ext cx="415879" cy="369332"/>
-                </a:xfrm>
-                <a:prstGeom prst="rect">
-                  <a:avLst/>
-                </a:prstGeom>
-                <a:noFill/>
-              </p:spPr>
-              <p:txBody>
-                <a:bodyPr wrap="square" rtlCol="0">
-                  <a:spAutoFit/>
-                </a:bodyPr>
-                <a:lstStyle/>
-                <a:p>
-                  <a14:m>
-                    <m:oMathPara xmlns:m="http://schemas.openxmlformats.org/officeDocument/2006/math">
-                      <m:oMathParaPr>
-                        <m:jc m:val="centerGroup"/>
-                      </m:oMathParaPr>
-                      <m:oMath xmlns:m="http://schemas.openxmlformats.org/officeDocument/2006/math">
-                        <m:sSub>
-                          <m:sSubPr>
-                            <m:ctrlPr>
-                              <a:rPr kumimoji="1" lang="en-US" altLang="zh-CN" b="0" i="1" smtClean="0">
-                                <a:latin typeface="Cambria Math" panose="02040503050406030204" pitchFamily="18" charset="0"/>
-                              </a:rPr>
-                            </m:ctrlPr>
-                          </m:sSubPr>
-                          <m:e>
-                            <m:r>
-                              <a:rPr kumimoji="1" lang="en-US" altLang="zh-CN" b="0" i="1" smtClean="0">
-                                <a:latin typeface="Cambria Math" panose="02040503050406030204" pitchFamily="18" charset="0"/>
-                              </a:rPr>
-                              <m:t>𝑤</m:t>
-                            </m:r>
-                          </m:e>
-                          <m:sub>
-                            <m:r>
-                              <a:rPr kumimoji="1" lang="en-US" altLang="zh-CN" b="0" i="1" smtClean="0">
-                                <a:latin typeface="Cambria Math" panose="02040503050406030204" pitchFamily="18" charset="0"/>
-                              </a:rPr>
-                              <m:t>2</m:t>
-                            </m:r>
-                          </m:sub>
-                        </m:sSub>
-                      </m:oMath>
-                    </m:oMathPara>
-                  </a14:m>
-                  <a:endParaRPr kumimoji="1" lang="en-US" altLang="zh-CN" b="0" dirty="0"/>
-                </a:p>
-              </p:txBody>
-            </p:sp>
-          </mc:Choice>
-          <mc:Fallback>
-            <p:sp>
-              <p:nvSpPr>
-                <p:cNvPr id="26" name="文本框 25">
-                  <a:extLst>
-                    <a:ext uri="{FF2B5EF4-FFF2-40B4-BE49-F238E27FC236}">
-                      <a16:creationId xmlns:a16="http://schemas.microsoft.com/office/drawing/2014/main" id="{2C1EB5DD-9872-D647-B585-562158DFCF08}"/>
-                    </a:ext>
-                  </a:extLst>
-                </p:cNvPr>
-                <p:cNvSpPr txBox="1">
-                  <a:spLocks noRot="1" noChangeAspect="1" noMove="1" noResize="1" noEditPoints="1" noAdjustHandles="1" noChangeArrowheads="1" noChangeShapeType="1" noTextEdit="1"/>
-                </p:cNvSpPr>
-                <p:nvPr/>
-              </p:nvSpPr>
-              <p:spPr>
-                <a:xfrm>
-                  <a:off x="2773905" y="3200399"/>
-                  <a:ext cx="415879" cy="369332"/>
-                </a:xfrm>
-                <a:prstGeom prst="rect">
-                  <a:avLst/>
-                </a:prstGeom>
-                <a:blipFill>
-                  <a:blip r:embed="rId3"/>
-                  <a:stretch>
-                    <a:fillRect/>
-                  </a:stretch>
-                </a:blipFill>
-              </p:spPr>
-              <p:txBody>
-                <a:bodyPr/>
-                <a:lstStyle/>
-                <a:p>
-                  <a:r>
-                    <a:rPr lang="zh-CN" altLang="en-US">
-                      <a:noFill/>
-                    </a:rPr>
-                    <a:t> </a:t>
-                  </a:r>
-                </a:p>
-              </p:txBody>
-            </p:sp>
-          </mc:Fallback>
-        </mc:AlternateContent>
-        <mc:AlternateContent xmlns:mc="http://schemas.openxmlformats.org/markup-compatibility/2006">
-          <mc:Choice xmlns:a14="http://schemas.microsoft.com/office/drawing/2010/main" Requires="a14">
-            <p:sp>
-              <p:nvSpPr>
-                <p:cNvPr id="27" name="文本框 26">
-                  <a:extLst>
-                    <a:ext uri="{FF2B5EF4-FFF2-40B4-BE49-F238E27FC236}">
-                      <a16:creationId xmlns:a16="http://schemas.microsoft.com/office/drawing/2014/main" id="{08F822F5-7AFC-6141-B3B6-2857508AD16D}"/>
-                    </a:ext>
-                  </a:extLst>
-                </p:cNvPr>
-                <p:cNvSpPr txBox="1"/>
-                <p:nvPr/>
-              </p:nvSpPr>
-              <p:spPr>
-                <a:xfrm>
-                  <a:off x="3204115" y="3200399"/>
-                  <a:ext cx="415879" cy="369332"/>
-                </a:xfrm>
-                <a:prstGeom prst="rect">
-                  <a:avLst/>
-                </a:prstGeom>
-                <a:noFill/>
-              </p:spPr>
-              <p:txBody>
-                <a:bodyPr wrap="square" rtlCol="0">
-                  <a:spAutoFit/>
-                </a:bodyPr>
-                <a:lstStyle/>
-                <a:p>
-                  <a14:m>
-                    <m:oMathPara xmlns:m="http://schemas.openxmlformats.org/officeDocument/2006/math">
-                      <m:oMathParaPr>
-                        <m:jc m:val="centerGroup"/>
-                      </m:oMathParaPr>
-                      <m:oMath xmlns:m="http://schemas.openxmlformats.org/officeDocument/2006/math">
-                        <m:sSub>
-                          <m:sSubPr>
-                            <m:ctrlPr>
-                              <a:rPr kumimoji="1" lang="en-US" altLang="zh-CN" b="0" i="1" smtClean="0">
-                                <a:latin typeface="Cambria Math" panose="02040503050406030204" pitchFamily="18" charset="0"/>
-                              </a:rPr>
-                            </m:ctrlPr>
-                          </m:sSubPr>
-                          <m:e>
-                            <m:r>
-                              <a:rPr kumimoji="1" lang="en-US" altLang="zh-CN" b="0" i="1" smtClean="0">
-                                <a:latin typeface="Cambria Math" panose="02040503050406030204" pitchFamily="18" charset="0"/>
-                              </a:rPr>
-                              <m:t>𝑤</m:t>
-                            </m:r>
-                          </m:e>
-                          <m:sub>
-                            <m:r>
-                              <a:rPr kumimoji="1" lang="en-US" altLang="zh-CN" b="0" i="1" smtClean="0">
-                                <a:latin typeface="Cambria Math" panose="02040503050406030204" pitchFamily="18" charset="0"/>
-                              </a:rPr>
-                              <m:t>3</m:t>
-                            </m:r>
-                          </m:sub>
-                        </m:sSub>
-                      </m:oMath>
-                    </m:oMathPara>
-                  </a14:m>
-                  <a:endParaRPr kumimoji="1" lang="en-US" altLang="zh-CN" b="0" dirty="0"/>
-                </a:p>
-              </p:txBody>
-            </p:sp>
-          </mc:Choice>
-          <mc:Fallback>
-            <p:sp>
-              <p:nvSpPr>
-                <p:cNvPr id="27" name="文本框 26">
-                  <a:extLst>
-                    <a:ext uri="{FF2B5EF4-FFF2-40B4-BE49-F238E27FC236}">
-                      <a16:creationId xmlns:a16="http://schemas.microsoft.com/office/drawing/2014/main" id="{08F822F5-7AFC-6141-B3B6-2857508AD16D}"/>
-                    </a:ext>
-                  </a:extLst>
-                </p:cNvPr>
-                <p:cNvSpPr txBox="1">
-                  <a:spLocks noRot="1" noChangeAspect="1" noMove="1" noResize="1" noEditPoints="1" noAdjustHandles="1" noChangeArrowheads="1" noChangeShapeType="1" noTextEdit="1"/>
-                </p:cNvSpPr>
-                <p:nvPr/>
-              </p:nvSpPr>
-              <p:spPr>
-                <a:xfrm>
-                  <a:off x="3204115" y="3200399"/>
-                  <a:ext cx="415879" cy="369332"/>
-                </a:xfrm>
-                <a:prstGeom prst="rect">
-                  <a:avLst/>
-                </a:prstGeom>
-                <a:blipFill>
-                  <a:blip r:embed="rId4"/>
-                  <a:stretch>
-                    <a:fillRect/>
-                  </a:stretch>
-                </a:blipFill>
-              </p:spPr>
-              <p:txBody>
-                <a:bodyPr/>
-                <a:lstStyle/>
-                <a:p>
-                  <a:r>
-                    <a:rPr lang="zh-CN" altLang="en-US">
-                      <a:noFill/>
-                    </a:rPr>
-                    <a:t> </a:t>
-                  </a:r>
-                </a:p>
-              </p:txBody>
-            </p:sp>
-          </mc:Fallback>
-        </mc:AlternateContent>
-        <mc:AlternateContent xmlns:mc="http://schemas.openxmlformats.org/markup-compatibility/2006">
-          <mc:Choice xmlns:a14="http://schemas.microsoft.com/office/drawing/2010/main" Requires="a14">
-            <p:sp>
-              <p:nvSpPr>
-                <p:cNvPr id="28" name="文本框 27">
-                  <a:extLst>
-                    <a:ext uri="{FF2B5EF4-FFF2-40B4-BE49-F238E27FC236}">
-                      <a16:creationId xmlns:a16="http://schemas.microsoft.com/office/drawing/2014/main" id="{F042020C-7F53-8540-9F12-D59B47A9063C}"/>
-                    </a:ext>
-                  </a:extLst>
-                </p:cNvPr>
-                <p:cNvSpPr txBox="1"/>
-                <p:nvPr/>
-              </p:nvSpPr>
-              <p:spPr>
-                <a:xfrm>
-                  <a:off x="3677419" y="3200399"/>
-                  <a:ext cx="415879" cy="369332"/>
-                </a:xfrm>
-                <a:prstGeom prst="rect">
-                  <a:avLst/>
-                </a:prstGeom>
-                <a:noFill/>
-              </p:spPr>
-              <p:txBody>
-                <a:bodyPr wrap="square" rtlCol="0">
-                  <a:spAutoFit/>
-                </a:bodyPr>
-                <a:lstStyle/>
-                <a:p>
-                  <a14:m>
-                    <m:oMathPara xmlns:m="http://schemas.openxmlformats.org/officeDocument/2006/math">
-                      <m:oMathParaPr>
-                        <m:jc m:val="centerGroup"/>
-                      </m:oMathParaPr>
-                      <m:oMath xmlns:m="http://schemas.openxmlformats.org/officeDocument/2006/math">
-                        <m:sSub>
-                          <m:sSubPr>
-                            <m:ctrlPr>
-                              <a:rPr kumimoji="1" lang="en-US" altLang="zh-CN" b="0" i="1" smtClean="0">
-                                <a:latin typeface="Cambria Math" panose="02040503050406030204" pitchFamily="18" charset="0"/>
-                              </a:rPr>
-                            </m:ctrlPr>
-                          </m:sSubPr>
-                          <m:e>
-                            <m:r>
-                              <a:rPr kumimoji="1" lang="en-US" altLang="zh-CN" b="0" i="1" smtClean="0">
-                                <a:latin typeface="Cambria Math" panose="02040503050406030204" pitchFamily="18" charset="0"/>
-                              </a:rPr>
-                              <m:t>𝑤</m:t>
-                            </m:r>
-                          </m:e>
-                          <m:sub>
-                            <m:r>
-                              <a:rPr kumimoji="1" lang="en-US" altLang="zh-CN" b="0" i="1" smtClean="0">
-                                <a:latin typeface="Cambria Math" panose="02040503050406030204" pitchFamily="18" charset="0"/>
-                              </a:rPr>
-                              <m:t>4</m:t>
-                            </m:r>
-                          </m:sub>
-                        </m:sSub>
-                      </m:oMath>
-                    </m:oMathPara>
-                  </a14:m>
-                  <a:endParaRPr kumimoji="1" lang="en-US" altLang="zh-CN" b="0" dirty="0"/>
-                </a:p>
-              </p:txBody>
-            </p:sp>
-          </mc:Choice>
-          <mc:Fallback>
-            <p:sp>
-              <p:nvSpPr>
-                <p:cNvPr id="28" name="文本框 27">
-                  <a:extLst>
-                    <a:ext uri="{FF2B5EF4-FFF2-40B4-BE49-F238E27FC236}">
-                      <a16:creationId xmlns:a16="http://schemas.microsoft.com/office/drawing/2014/main" id="{F042020C-7F53-8540-9F12-D59B47A9063C}"/>
-                    </a:ext>
-                  </a:extLst>
-                </p:cNvPr>
-                <p:cNvSpPr txBox="1">
-                  <a:spLocks noRot="1" noChangeAspect="1" noMove="1" noResize="1" noEditPoints="1" noAdjustHandles="1" noChangeArrowheads="1" noChangeShapeType="1" noTextEdit="1"/>
-                </p:cNvSpPr>
-                <p:nvPr/>
-              </p:nvSpPr>
-              <p:spPr>
-                <a:xfrm>
-                  <a:off x="3677419" y="3200399"/>
-                  <a:ext cx="415879" cy="369332"/>
-                </a:xfrm>
-                <a:prstGeom prst="rect">
-                  <a:avLst/>
-                </a:prstGeom>
-                <a:blipFill>
-                  <a:blip r:embed="rId5"/>
-                  <a:stretch>
-                    <a:fillRect/>
-                  </a:stretch>
-                </a:blipFill>
-              </p:spPr>
-              <p:txBody>
-                <a:bodyPr/>
-                <a:lstStyle/>
-                <a:p>
-                  <a:r>
-                    <a:rPr lang="zh-CN" altLang="en-US">
-                      <a:noFill/>
-                    </a:rPr>
-                    <a:t> </a:t>
-                  </a:r>
-                </a:p>
-              </p:txBody>
-            </p:sp>
-          </mc:Fallback>
-        </mc:AlternateContent>
-        <mc:AlternateContent xmlns:mc="http://schemas.openxmlformats.org/markup-compatibility/2006">
-          <mc:Choice xmlns:a14="http://schemas.microsoft.com/office/drawing/2010/main" Requires="a14">
-            <p:sp>
-              <p:nvSpPr>
-                <p:cNvPr id="29" name="文本框 28">
-                  <a:extLst>
-                    <a:ext uri="{FF2B5EF4-FFF2-40B4-BE49-F238E27FC236}">
-                      <a16:creationId xmlns:a16="http://schemas.microsoft.com/office/drawing/2014/main" id="{7C8DF0DD-EEB2-0049-9784-67618D90B7A6}"/>
-                    </a:ext>
-                  </a:extLst>
-                </p:cNvPr>
-                <p:cNvSpPr txBox="1"/>
-                <p:nvPr/>
-              </p:nvSpPr>
-              <p:spPr>
-                <a:xfrm>
-                  <a:off x="4120731" y="3200399"/>
-                  <a:ext cx="415879" cy="369332"/>
-                </a:xfrm>
-                <a:prstGeom prst="rect">
-                  <a:avLst/>
-                </a:prstGeom>
-                <a:noFill/>
-              </p:spPr>
-              <p:txBody>
-                <a:bodyPr wrap="square" rtlCol="0">
-                  <a:spAutoFit/>
-                </a:bodyPr>
-                <a:lstStyle/>
-                <a:p>
-                  <a14:m>
-                    <m:oMathPara xmlns:m="http://schemas.openxmlformats.org/officeDocument/2006/math">
-                      <m:oMathParaPr>
-                        <m:jc m:val="centerGroup"/>
-                      </m:oMathParaPr>
-                      <m:oMath xmlns:m="http://schemas.openxmlformats.org/officeDocument/2006/math">
-                        <m:sSub>
-                          <m:sSubPr>
-                            <m:ctrlPr>
-                              <a:rPr kumimoji="1" lang="en-US" altLang="zh-CN" b="0" i="1" smtClean="0">
-                                <a:latin typeface="Cambria Math" panose="02040503050406030204" pitchFamily="18" charset="0"/>
-                              </a:rPr>
-                            </m:ctrlPr>
-                          </m:sSubPr>
-                          <m:e>
-                            <m:r>
-                              <a:rPr kumimoji="1" lang="en-US" altLang="zh-CN" b="0" i="1" smtClean="0">
-                                <a:latin typeface="Cambria Math" panose="02040503050406030204" pitchFamily="18" charset="0"/>
-                              </a:rPr>
-                              <m:t>𝑤</m:t>
-                            </m:r>
-                          </m:e>
-                          <m:sub>
-                            <m:r>
-                              <a:rPr kumimoji="1" lang="en-US" altLang="zh-CN" b="0" i="1" smtClean="0">
-                                <a:latin typeface="Cambria Math" panose="02040503050406030204" pitchFamily="18" charset="0"/>
-                              </a:rPr>
-                              <m:t>5</m:t>
-                            </m:r>
-                          </m:sub>
-                        </m:sSub>
-                      </m:oMath>
-                    </m:oMathPara>
-                  </a14:m>
-                  <a:endParaRPr kumimoji="1" lang="en-US" altLang="zh-CN" b="0" dirty="0"/>
-                </a:p>
-              </p:txBody>
-            </p:sp>
-          </mc:Choice>
-          <mc:Fallback>
-            <p:sp>
-              <p:nvSpPr>
-                <p:cNvPr id="29" name="文本框 28">
-                  <a:extLst>
-                    <a:ext uri="{FF2B5EF4-FFF2-40B4-BE49-F238E27FC236}">
-                      <a16:creationId xmlns:a16="http://schemas.microsoft.com/office/drawing/2014/main" id="{7C8DF0DD-EEB2-0049-9784-67618D90B7A6}"/>
-                    </a:ext>
-                  </a:extLst>
-                </p:cNvPr>
-                <p:cNvSpPr txBox="1">
-                  <a:spLocks noRot="1" noChangeAspect="1" noMove="1" noResize="1" noEditPoints="1" noAdjustHandles="1" noChangeArrowheads="1" noChangeShapeType="1" noTextEdit="1"/>
-                </p:cNvSpPr>
-                <p:nvPr/>
-              </p:nvSpPr>
-              <p:spPr>
-                <a:xfrm>
-                  <a:off x="4120731" y="3200399"/>
-                  <a:ext cx="415879" cy="369332"/>
-                </a:xfrm>
-                <a:prstGeom prst="rect">
-                  <a:avLst/>
-                </a:prstGeom>
-                <a:blipFill>
-                  <a:blip r:embed="rId6"/>
-                  <a:stretch>
-                    <a:fillRect/>
-                  </a:stretch>
-                </a:blipFill>
-              </p:spPr>
-              <p:txBody>
-                <a:bodyPr/>
-                <a:lstStyle/>
-                <a:p>
-                  <a:r>
-                    <a:rPr lang="zh-CN" altLang="en-US">
-                      <a:noFill/>
-                    </a:rPr>
-                    <a:t> </a:t>
-                  </a:r>
-                </a:p>
-              </p:txBody>
-            </p:sp>
-          </mc:Fallback>
-        </mc:AlternateContent>
-        <mc:AlternateContent xmlns:mc="http://schemas.openxmlformats.org/markup-compatibility/2006">
-          <mc:Choice xmlns:a14="http://schemas.microsoft.com/office/drawing/2010/main" Requires="a14">
-            <p:sp>
-              <p:nvSpPr>
-                <p:cNvPr id="30" name="文本框 29">
-                  <a:extLst>
-                    <a:ext uri="{FF2B5EF4-FFF2-40B4-BE49-F238E27FC236}">
-                      <a16:creationId xmlns:a16="http://schemas.microsoft.com/office/drawing/2014/main" id="{97061DD2-9463-CF4E-A933-FE33DF215E12}"/>
-                    </a:ext>
-                  </a:extLst>
-                </p:cNvPr>
-                <p:cNvSpPr txBox="1"/>
-                <p:nvPr/>
-              </p:nvSpPr>
-              <p:spPr>
-                <a:xfrm>
-                  <a:off x="4594035" y="3200399"/>
-                  <a:ext cx="415879" cy="369332"/>
-                </a:xfrm>
-                <a:prstGeom prst="rect">
-                  <a:avLst/>
-                </a:prstGeom>
-                <a:noFill/>
-              </p:spPr>
-              <p:txBody>
-                <a:bodyPr wrap="square" rtlCol="0">
-                  <a:spAutoFit/>
-                </a:bodyPr>
-                <a:lstStyle/>
-                <a:p>
-                  <a14:m>
-                    <m:oMathPara xmlns:m="http://schemas.openxmlformats.org/officeDocument/2006/math">
-                      <m:oMathParaPr>
-                        <m:jc m:val="centerGroup"/>
-                      </m:oMathParaPr>
-                      <m:oMath xmlns:m="http://schemas.openxmlformats.org/officeDocument/2006/math">
-                        <m:sSub>
-                          <m:sSubPr>
-                            <m:ctrlPr>
-                              <a:rPr kumimoji="1" lang="en-US" altLang="zh-CN" b="0" i="1" smtClean="0">
-                                <a:latin typeface="Cambria Math" panose="02040503050406030204" pitchFamily="18" charset="0"/>
-                              </a:rPr>
-                            </m:ctrlPr>
-                          </m:sSubPr>
-                          <m:e>
-                            <m:r>
-                              <a:rPr kumimoji="1" lang="en-US" altLang="zh-CN" b="0" i="1" smtClean="0">
-                                <a:latin typeface="Cambria Math" panose="02040503050406030204" pitchFamily="18" charset="0"/>
-                              </a:rPr>
-                              <m:t>𝑤</m:t>
-                            </m:r>
-                          </m:e>
-                          <m:sub>
-                            <m:r>
-                              <a:rPr kumimoji="1" lang="en-US" altLang="zh-CN" b="0" i="1" smtClean="0">
-                                <a:latin typeface="Cambria Math" panose="02040503050406030204" pitchFamily="18" charset="0"/>
-                              </a:rPr>
-                              <m:t>6</m:t>
-                            </m:r>
-                          </m:sub>
-                        </m:sSub>
-                      </m:oMath>
-                    </m:oMathPara>
-                  </a14:m>
-                  <a:endParaRPr kumimoji="1" lang="en-US" altLang="zh-CN" b="0" dirty="0"/>
-                </a:p>
-              </p:txBody>
-            </p:sp>
-          </mc:Choice>
-          <mc:Fallback>
-            <p:sp>
-              <p:nvSpPr>
-                <p:cNvPr id="30" name="文本框 29">
-                  <a:extLst>
-                    <a:ext uri="{FF2B5EF4-FFF2-40B4-BE49-F238E27FC236}">
-                      <a16:creationId xmlns:a16="http://schemas.microsoft.com/office/drawing/2014/main" id="{97061DD2-9463-CF4E-A933-FE33DF215E12}"/>
-                    </a:ext>
-                  </a:extLst>
-                </p:cNvPr>
-                <p:cNvSpPr txBox="1">
-                  <a:spLocks noRot="1" noChangeAspect="1" noMove="1" noResize="1" noEditPoints="1" noAdjustHandles="1" noChangeArrowheads="1" noChangeShapeType="1" noTextEdit="1"/>
-                </p:cNvSpPr>
-                <p:nvPr/>
-              </p:nvSpPr>
-              <p:spPr>
-                <a:xfrm>
-                  <a:off x="4594035" y="3200399"/>
-                  <a:ext cx="415879" cy="369332"/>
-                </a:xfrm>
-                <a:prstGeom prst="rect">
-                  <a:avLst/>
-                </a:prstGeom>
-                <a:blipFill>
-                  <a:blip r:embed="rId7"/>
-                  <a:stretch>
-                    <a:fillRect/>
-                  </a:stretch>
-                </a:blipFill>
-              </p:spPr>
-              <p:txBody>
-                <a:bodyPr/>
-                <a:lstStyle/>
-                <a:p>
-                  <a:r>
-                    <a:rPr lang="zh-CN" altLang="en-US">
-                      <a:noFill/>
-                    </a:rPr>
-                    <a:t> </a:t>
-                  </a:r>
-                </a:p>
-              </p:txBody>
-            </p:sp>
-          </mc:Fallback>
-        </mc:AlternateContent>
-        <p:sp>
-          <p:nvSpPr>
-            <p:cNvPr id="31" name="文本框 30">
-              <a:extLst>
-                <a:ext uri="{FF2B5EF4-FFF2-40B4-BE49-F238E27FC236}">
-                  <a16:creationId xmlns:a16="http://schemas.microsoft.com/office/drawing/2014/main" id="{429A5A9B-2EA5-0841-A71E-47F67C7CEC60}"/>
-                </a:ext>
-              </a:extLst>
-            </p:cNvPr>
-            <p:cNvSpPr txBox="1"/>
-            <p:nvPr/>
-          </p:nvSpPr>
-          <p:spPr>
-            <a:xfrm>
-              <a:off x="5009914" y="1959429"/>
-              <a:ext cx="428367" cy="369332"/>
-            </a:xfrm>
-            <a:prstGeom prst="rect">
-              <a:avLst/>
-            </a:prstGeom>
-            <a:noFill/>
-          </p:spPr>
-          <p:txBody>
-            <a:bodyPr wrap="square" rtlCol="0">
-              <a:spAutoFit/>
-            </a:bodyPr>
-            <a:lstStyle/>
-            <a:p>
-              <a:r>
-                <a:rPr kumimoji="1" lang="en-US" altLang="zh-CN" b="1" dirty="0"/>
-                <a:t>…</a:t>
-              </a:r>
-              <a:endParaRPr kumimoji="1" lang="zh-CN" altLang="en-US" b="1" dirty="0"/>
-            </a:p>
-          </p:txBody>
-        </p:sp>
-        <mc:AlternateContent xmlns:mc="http://schemas.openxmlformats.org/markup-compatibility/2006">
-          <mc:Choice xmlns:a14="http://schemas.microsoft.com/office/drawing/2010/main" Requires="a14">
-            <p:sp>
-              <p:nvSpPr>
-                <p:cNvPr id="36" name="文本框 35">
-                  <a:extLst>
-                    <a:ext uri="{FF2B5EF4-FFF2-40B4-BE49-F238E27FC236}">
-                      <a16:creationId xmlns:a16="http://schemas.microsoft.com/office/drawing/2014/main" id="{98A312DB-B509-5F4C-85AD-7DF2F54E84B5}"/>
-                    </a:ext>
-                  </a:extLst>
-                </p:cNvPr>
-                <p:cNvSpPr txBox="1"/>
-                <p:nvPr/>
-              </p:nvSpPr>
-              <p:spPr>
-                <a:xfrm>
-                  <a:off x="2328823" y="1350611"/>
-                  <a:ext cx="415879" cy="369332"/>
-                </a:xfrm>
-                <a:prstGeom prst="rect">
-                  <a:avLst/>
-                </a:prstGeom>
-                <a:noFill/>
-              </p:spPr>
-              <p:txBody>
-                <a:bodyPr wrap="square" rtlCol="0">
-                  <a:spAutoFit/>
-                </a:bodyPr>
-                <a:lstStyle/>
-                <a:p>
-                  <a14:m>
-                    <m:oMathPara xmlns:m="http://schemas.openxmlformats.org/officeDocument/2006/math">
-                      <m:oMathParaPr>
-                        <m:jc m:val="centerGroup"/>
-                      </m:oMathParaPr>
-                      <m:oMath xmlns:m="http://schemas.openxmlformats.org/officeDocument/2006/math">
-                        <m:sSub>
-                          <m:sSubPr>
-                            <m:ctrlPr>
-                              <a:rPr kumimoji="1" lang="en-US" altLang="zh-CN" b="0" i="1" smtClean="0">
-                                <a:latin typeface="Cambria Math" panose="02040503050406030204" pitchFamily="18" charset="0"/>
-                              </a:rPr>
-                            </m:ctrlPr>
-                          </m:sSubPr>
-                          <m:e>
-                            <m:r>
-                              <a:rPr kumimoji="1" lang="en-US" altLang="zh-CN" b="0" i="1" smtClean="0">
-                                <a:latin typeface="Cambria Math" panose="02040503050406030204" pitchFamily="18" charset="0"/>
-                              </a:rPr>
-                              <m:t>𝐴</m:t>
-                            </m:r>
-                          </m:e>
-                          <m:sub>
-                            <m:r>
-                              <a:rPr kumimoji="1" lang="en-US" altLang="zh-CN" b="0" i="1" smtClean="0">
-                                <a:latin typeface="Cambria Math" panose="02040503050406030204" pitchFamily="18" charset="0"/>
-                              </a:rPr>
-                              <m:t>1</m:t>
-                            </m:r>
-                          </m:sub>
-                        </m:sSub>
-                      </m:oMath>
-                    </m:oMathPara>
-                  </a14:m>
-                  <a:endParaRPr kumimoji="1" lang="en-US" altLang="zh-CN" b="0" dirty="0"/>
-                </a:p>
-              </p:txBody>
-            </p:sp>
-          </mc:Choice>
-          <mc:Fallback>
-            <p:sp>
-              <p:nvSpPr>
-                <p:cNvPr id="36" name="文本框 35">
-                  <a:extLst>
-                    <a:ext uri="{FF2B5EF4-FFF2-40B4-BE49-F238E27FC236}">
-                      <a16:creationId xmlns:a16="http://schemas.microsoft.com/office/drawing/2014/main" id="{98A312DB-B509-5F4C-85AD-7DF2F54E84B5}"/>
-                    </a:ext>
-                  </a:extLst>
-                </p:cNvPr>
-                <p:cNvSpPr txBox="1">
-                  <a:spLocks noRot="1" noChangeAspect="1" noMove="1" noResize="1" noEditPoints="1" noAdjustHandles="1" noChangeArrowheads="1" noChangeShapeType="1" noTextEdit="1"/>
-                </p:cNvSpPr>
-                <p:nvPr/>
-              </p:nvSpPr>
-              <p:spPr>
-                <a:xfrm>
-                  <a:off x="2328823" y="1350611"/>
-                  <a:ext cx="415879" cy="369332"/>
-                </a:xfrm>
-                <a:prstGeom prst="rect">
-                  <a:avLst/>
-                </a:prstGeom>
-                <a:blipFill>
-                  <a:blip r:embed="rId8"/>
-                  <a:stretch>
-                    <a:fillRect/>
-                  </a:stretch>
-                </a:blipFill>
-              </p:spPr>
-              <p:txBody>
-                <a:bodyPr/>
-                <a:lstStyle/>
-                <a:p>
-                  <a:r>
-                    <a:rPr lang="zh-CN" altLang="en-US">
-                      <a:noFill/>
-                    </a:rPr>
-                    <a:t> </a:t>
-                  </a:r>
-                </a:p>
-              </p:txBody>
-            </p:sp>
-          </mc:Fallback>
-        </mc:AlternateContent>
-        <mc:AlternateContent xmlns:mc="http://schemas.openxmlformats.org/markup-compatibility/2006">
-          <mc:Choice xmlns:a14="http://schemas.microsoft.com/office/drawing/2010/main" Requires="a14">
-            <p:sp>
-              <p:nvSpPr>
-                <p:cNvPr id="37" name="文本框 36">
-                  <a:extLst>
-                    <a:ext uri="{FF2B5EF4-FFF2-40B4-BE49-F238E27FC236}">
-                      <a16:creationId xmlns:a16="http://schemas.microsoft.com/office/drawing/2014/main" id="{478BE78C-0579-CE48-91EB-AFE6CD19CB1F}"/>
-                    </a:ext>
-                  </a:extLst>
-                </p:cNvPr>
-                <p:cNvSpPr txBox="1"/>
-                <p:nvPr/>
-              </p:nvSpPr>
-              <p:spPr>
-                <a:xfrm>
-                  <a:off x="2744702" y="1839686"/>
-                  <a:ext cx="415879" cy="369332"/>
-                </a:xfrm>
-                <a:prstGeom prst="rect">
-                  <a:avLst/>
-                </a:prstGeom>
-                <a:noFill/>
-              </p:spPr>
-              <p:txBody>
-                <a:bodyPr wrap="square" rtlCol="0">
-                  <a:spAutoFit/>
-                </a:bodyPr>
-                <a:lstStyle/>
-                <a:p>
-                  <a14:m>
-                    <m:oMathPara xmlns:m="http://schemas.openxmlformats.org/officeDocument/2006/math">
-                      <m:oMathParaPr>
-                        <m:jc m:val="centerGroup"/>
-                      </m:oMathParaPr>
-                      <m:oMath xmlns:m="http://schemas.openxmlformats.org/officeDocument/2006/math">
-                        <m:sSub>
-                          <m:sSubPr>
-                            <m:ctrlPr>
-                              <a:rPr kumimoji="1" lang="en-US" altLang="zh-CN" b="0" i="1" smtClean="0">
-                                <a:latin typeface="Cambria Math" panose="02040503050406030204" pitchFamily="18" charset="0"/>
-                              </a:rPr>
-                            </m:ctrlPr>
-                          </m:sSubPr>
-                          <m:e>
-                            <m:r>
-                              <a:rPr kumimoji="1" lang="en-US" altLang="zh-CN" b="0" i="1" smtClean="0">
-                                <a:latin typeface="Cambria Math" panose="02040503050406030204" pitchFamily="18" charset="0"/>
-                              </a:rPr>
-                              <m:t>𝐴</m:t>
-                            </m:r>
-                          </m:e>
-                          <m:sub>
-                            <m:r>
-                              <a:rPr kumimoji="1" lang="en-US" altLang="zh-CN" b="0" i="1" smtClean="0">
-                                <a:latin typeface="Cambria Math" panose="02040503050406030204" pitchFamily="18" charset="0"/>
-                              </a:rPr>
-                              <m:t>2</m:t>
-                            </m:r>
-                          </m:sub>
-                        </m:sSub>
-                      </m:oMath>
-                    </m:oMathPara>
-                  </a14:m>
-                  <a:endParaRPr kumimoji="1" lang="en-US" altLang="zh-CN" b="0" dirty="0"/>
-                </a:p>
-              </p:txBody>
-            </p:sp>
-          </mc:Choice>
-          <mc:Fallback>
-            <p:sp>
-              <p:nvSpPr>
-                <p:cNvPr id="37" name="文本框 36">
-                  <a:extLst>
-                    <a:ext uri="{FF2B5EF4-FFF2-40B4-BE49-F238E27FC236}">
-                      <a16:creationId xmlns:a16="http://schemas.microsoft.com/office/drawing/2014/main" id="{478BE78C-0579-CE48-91EB-AFE6CD19CB1F}"/>
-                    </a:ext>
-                  </a:extLst>
-                </p:cNvPr>
-                <p:cNvSpPr txBox="1">
-                  <a:spLocks noRot="1" noChangeAspect="1" noMove="1" noResize="1" noEditPoints="1" noAdjustHandles="1" noChangeArrowheads="1" noChangeShapeType="1" noTextEdit="1"/>
-                </p:cNvSpPr>
-                <p:nvPr/>
-              </p:nvSpPr>
-              <p:spPr>
-                <a:xfrm>
-                  <a:off x="2744702" y="1839686"/>
-                  <a:ext cx="415879" cy="369332"/>
-                </a:xfrm>
-                <a:prstGeom prst="rect">
-                  <a:avLst/>
-                </a:prstGeom>
-                <a:blipFill>
-                  <a:blip r:embed="rId9"/>
-                  <a:stretch>
-                    <a:fillRect/>
-                  </a:stretch>
-                </a:blipFill>
-              </p:spPr>
-              <p:txBody>
-                <a:bodyPr/>
-                <a:lstStyle/>
-                <a:p>
-                  <a:r>
-                    <a:rPr lang="zh-CN" altLang="en-US">
-                      <a:noFill/>
-                    </a:rPr>
-                    <a:t> </a:t>
-                  </a:r>
-                </a:p>
-              </p:txBody>
-            </p:sp>
-          </mc:Fallback>
-        </mc:AlternateContent>
-        <mc:AlternateContent xmlns:mc="http://schemas.openxmlformats.org/markup-compatibility/2006">
-          <mc:Choice xmlns:a14="http://schemas.microsoft.com/office/drawing/2010/main" Requires="a14">
-            <p:sp>
-              <p:nvSpPr>
-                <p:cNvPr id="38" name="文本框 37">
-                  <a:extLst>
-                    <a:ext uri="{FF2B5EF4-FFF2-40B4-BE49-F238E27FC236}">
-                      <a16:creationId xmlns:a16="http://schemas.microsoft.com/office/drawing/2014/main" id="{EA8D2E53-3D34-0642-8E5E-F6B56815C4C8}"/>
-                    </a:ext>
-                  </a:extLst>
-                </p:cNvPr>
-                <p:cNvSpPr txBox="1"/>
-                <p:nvPr/>
-              </p:nvSpPr>
-              <p:spPr>
-                <a:xfrm>
-                  <a:off x="3221662" y="873505"/>
-                  <a:ext cx="415879" cy="369332"/>
-                </a:xfrm>
-                <a:prstGeom prst="rect">
-                  <a:avLst/>
-                </a:prstGeom>
-                <a:noFill/>
-              </p:spPr>
-              <p:txBody>
-                <a:bodyPr wrap="square" rtlCol="0">
-                  <a:spAutoFit/>
-                </a:bodyPr>
-                <a:lstStyle/>
-                <a:p>
-                  <a14:m>
-                    <m:oMathPara xmlns:m="http://schemas.openxmlformats.org/officeDocument/2006/math">
-                      <m:oMathParaPr>
-                        <m:jc m:val="centerGroup"/>
-                      </m:oMathParaPr>
-                      <m:oMath xmlns:m="http://schemas.openxmlformats.org/officeDocument/2006/math">
-                        <m:sSub>
-                          <m:sSubPr>
-                            <m:ctrlPr>
-                              <a:rPr kumimoji="1" lang="en-US" altLang="zh-CN" b="0" i="1" smtClean="0">
-                                <a:latin typeface="Cambria Math" panose="02040503050406030204" pitchFamily="18" charset="0"/>
-                              </a:rPr>
-                            </m:ctrlPr>
-                          </m:sSubPr>
-                          <m:e>
-                            <m:r>
-                              <a:rPr kumimoji="1" lang="en-US" altLang="zh-CN" b="0" i="1" smtClean="0">
-                                <a:latin typeface="Cambria Math" panose="02040503050406030204" pitchFamily="18" charset="0"/>
-                              </a:rPr>
-                              <m:t>𝐴</m:t>
-                            </m:r>
-                          </m:e>
-                          <m:sub>
-                            <m:r>
-                              <a:rPr kumimoji="1" lang="en-US" altLang="zh-CN" b="0" i="1" smtClean="0">
-                                <a:latin typeface="Cambria Math" panose="02040503050406030204" pitchFamily="18" charset="0"/>
-                              </a:rPr>
-                              <m:t>3</m:t>
-                            </m:r>
-                          </m:sub>
-                        </m:sSub>
-                      </m:oMath>
-                    </m:oMathPara>
-                  </a14:m>
-                  <a:endParaRPr kumimoji="1" lang="en-US" altLang="zh-CN" b="0" dirty="0"/>
-                </a:p>
-              </p:txBody>
-            </p:sp>
-          </mc:Choice>
-          <mc:Fallback>
-            <p:sp>
-              <p:nvSpPr>
-                <p:cNvPr id="38" name="文本框 37">
-                  <a:extLst>
-                    <a:ext uri="{FF2B5EF4-FFF2-40B4-BE49-F238E27FC236}">
-                      <a16:creationId xmlns:a16="http://schemas.microsoft.com/office/drawing/2014/main" id="{EA8D2E53-3D34-0642-8E5E-F6B56815C4C8}"/>
-                    </a:ext>
-                  </a:extLst>
-                </p:cNvPr>
-                <p:cNvSpPr txBox="1">
-                  <a:spLocks noRot="1" noChangeAspect="1" noMove="1" noResize="1" noEditPoints="1" noAdjustHandles="1" noChangeArrowheads="1" noChangeShapeType="1" noTextEdit="1"/>
-                </p:cNvSpPr>
-                <p:nvPr/>
-              </p:nvSpPr>
-              <p:spPr>
-                <a:xfrm>
-                  <a:off x="3221662" y="873505"/>
-                  <a:ext cx="415879" cy="369332"/>
-                </a:xfrm>
-                <a:prstGeom prst="rect">
-                  <a:avLst/>
-                </a:prstGeom>
-                <a:blipFill>
-                  <a:blip r:embed="rId10"/>
-                  <a:stretch>
-                    <a:fillRect/>
-                  </a:stretch>
-                </a:blipFill>
-              </p:spPr>
-              <p:txBody>
-                <a:bodyPr/>
-                <a:lstStyle/>
-                <a:p>
-                  <a:r>
-                    <a:rPr lang="zh-CN" altLang="en-US">
-                      <a:noFill/>
-                    </a:rPr>
-                    <a:t> </a:t>
-                  </a:r>
-                </a:p>
-              </p:txBody>
-            </p:sp>
-          </mc:Fallback>
-        </mc:AlternateContent>
-        <mc:AlternateContent xmlns:mc="http://schemas.openxmlformats.org/markup-compatibility/2006">
-          <mc:Choice xmlns:a14="http://schemas.microsoft.com/office/drawing/2010/main" Requires="a14">
-            <p:sp>
-              <p:nvSpPr>
-                <p:cNvPr id="39" name="文本框 38">
-                  <a:extLst>
-                    <a:ext uri="{FF2B5EF4-FFF2-40B4-BE49-F238E27FC236}">
-                      <a16:creationId xmlns:a16="http://schemas.microsoft.com/office/drawing/2014/main" id="{00004B70-BF69-7744-9516-351598A43E8F}"/>
-                    </a:ext>
-                  </a:extLst>
-                </p:cNvPr>
-                <p:cNvSpPr txBox="1"/>
-                <p:nvPr/>
-              </p:nvSpPr>
-              <p:spPr>
-                <a:xfrm>
-                  <a:off x="3677419" y="1295400"/>
-                  <a:ext cx="415879" cy="369332"/>
-                </a:xfrm>
-                <a:prstGeom prst="rect">
-                  <a:avLst/>
-                </a:prstGeom>
-                <a:noFill/>
-              </p:spPr>
-              <p:txBody>
-                <a:bodyPr wrap="square" rtlCol="0">
-                  <a:spAutoFit/>
-                </a:bodyPr>
-                <a:lstStyle/>
-                <a:p>
-                  <a14:m>
-                    <m:oMathPara xmlns:m="http://schemas.openxmlformats.org/officeDocument/2006/math">
-                      <m:oMathParaPr>
-                        <m:jc m:val="centerGroup"/>
-                      </m:oMathParaPr>
-                      <m:oMath xmlns:m="http://schemas.openxmlformats.org/officeDocument/2006/math">
-                        <m:sSub>
-                          <m:sSubPr>
-                            <m:ctrlPr>
-                              <a:rPr kumimoji="1" lang="en-US" altLang="zh-CN" b="0" i="1" smtClean="0">
-                                <a:latin typeface="Cambria Math" panose="02040503050406030204" pitchFamily="18" charset="0"/>
-                              </a:rPr>
-                            </m:ctrlPr>
-                          </m:sSubPr>
-                          <m:e>
-                            <m:r>
-                              <a:rPr kumimoji="1" lang="en-US" altLang="zh-CN" b="0" i="1" smtClean="0">
-                                <a:latin typeface="Cambria Math" panose="02040503050406030204" pitchFamily="18" charset="0"/>
-                              </a:rPr>
-                              <m:t>𝐴</m:t>
-                            </m:r>
-                          </m:e>
-                          <m:sub>
-                            <m:r>
-                              <a:rPr kumimoji="1" lang="en-US" altLang="zh-CN" b="0" i="1" smtClean="0">
-                                <a:latin typeface="Cambria Math" panose="02040503050406030204" pitchFamily="18" charset="0"/>
-                              </a:rPr>
-                              <m:t>4</m:t>
-                            </m:r>
-                          </m:sub>
-                        </m:sSub>
-                      </m:oMath>
-                    </m:oMathPara>
-                  </a14:m>
-                  <a:endParaRPr kumimoji="1" lang="en-US" altLang="zh-CN" b="0" dirty="0"/>
-                </a:p>
-              </p:txBody>
-            </p:sp>
-          </mc:Choice>
-          <mc:Fallback>
-            <p:sp>
-              <p:nvSpPr>
-                <p:cNvPr id="39" name="文本框 38">
-                  <a:extLst>
-                    <a:ext uri="{FF2B5EF4-FFF2-40B4-BE49-F238E27FC236}">
-                      <a16:creationId xmlns:a16="http://schemas.microsoft.com/office/drawing/2014/main" id="{00004B70-BF69-7744-9516-351598A43E8F}"/>
-                    </a:ext>
-                  </a:extLst>
-                </p:cNvPr>
-                <p:cNvSpPr txBox="1">
-                  <a:spLocks noRot="1" noChangeAspect="1" noMove="1" noResize="1" noEditPoints="1" noAdjustHandles="1" noChangeArrowheads="1" noChangeShapeType="1" noTextEdit="1"/>
-                </p:cNvSpPr>
-                <p:nvPr/>
-              </p:nvSpPr>
-              <p:spPr>
-                <a:xfrm>
-                  <a:off x="3677419" y="1295400"/>
-                  <a:ext cx="415879" cy="369332"/>
-                </a:xfrm>
-                <a:prstGeom prst="rect">
-                  <a:avLst/>
-                </a:prstGeom>
-                <a:blipFill>
-                  <a:blip r:embed="rId11"/>
-                  <a:stretch>
-                    <a:fillRect/>
-                  </a:stretch>
-                </a:blipFill>
-              </p:spPr>
-              <p:txBody>
-                <a:bodyPr/>
-                <a:lstStyle/>
-                <a:p>
-                  <a:r>
-                    <a:rPr lang="zh-CN" altLang="en-US">
-                      <a:noFill/>
-                    </a:rPr>
-                    <a:t> </a:t>
-                  </a:r>
-                </a:p>
-              </p:txBody>
-            </p:sp>
-          </mc:Fallback>
-        </mc:AlternateContent>
-        <mc:AlternateContent xmlns:mc="http://schemas.openxmlformats.org/markup-compatibility/2006">
-          <mc:Choice xmlns:a14="http://schemas.microsoft.com/office/drawing/2010/main" Requires="a14">
-            <p:sp>
-              <p:nvSpPr>
-                <p:cNvPr id="40" name="文本框 39">
-                  <a:extLst>
-                    <a:ext uri="{FF2B5EF4-FFF2-40B4-BE49-F238E27FC236}">
-                      <a16:creationId xmlns:a16="http://schemas.microsoft.com/office/drawing/2014/main" id="{13EEB6B5-AC8C-D449-B91A-64D56A4265C5}"/>
-                    </a:ext>
-                  </a:extLst>
-                </p:cNvPr>
-                <p:cNvSpPr txBox="1"/>
-                <p:nvPr/>
-              </p:nvSpPr>
-              <p:spPr>
-                <a:xfrm>
-                  <a:off x="4134619" y="1573621"/>
-                  <a:ext cx="415879" cy="369332"/>
-                </a:xfrm>
-                <a:prstGeom prst="rect">
-                  <a:avLst/>
-                </a:prstGeom>
-                <a:noFill/>
-              </p:spPr>
-              <p:txBody>
-                <a:bodyPr wrap="square" rtlCol="0">
-                  <a:spAutoFit/>
-                </a:bodyPr>
-                <a:lstStyle/>
-                <a:p>
-                  <a14:m>
-                    <m:oMathPara xmlns:m="http://schemas.openxmlformats.org/officeDocument/2006/math">
-                      <m:oMathParaPr>
-                        <m:jc m:val="centerGroup"/>
-                      </m:oMathParaPr>
-                      <m:oMath xmlns:m="http://schemas.openxmlformats.org/officeDocument/2006/math">
-                        <m:sSub>
-                          <m:sSubPr>
-                            <m:ctrlPr>
-                              <a:rPr kumimoji="1" lang="en-US" altLang="zh-CN" b="0" i="1" smtClean="0">
-                                <a:latin typeface="Cambria Math" panose="02040503050406030204" pitchFamily="18" charset="0"/>
-                              </a:rPr>
-                            </m:ctrlPr>
-                          </m:sSubPr>
-                          <m:e>
-                            <m:r>
-                              <a:rPr kumimoji="1" lang="en-US" altLang="zh-CN" b="0" i="1" smtClean="0">
-                                <a:latin typeface="Cambria Math" panose="02040503050406030204" pitchFamily="18" charset="0"/>
-                              </a:rPr>
-                              <m:t>𝐴</m:t>
-                            </m:r>
-                          </m:e>
-                          <m:sub>
-                            <m:r>
-                              <a:rPr kumimoji="1" lang="en-US" altLang="zh-CN" b="0" i="1" smtClean="0">
-                                <a:latin typeface="Cambria Math" panose="02040503050406030204" pitchFamily="18" charset="0"/>
-                              </a:rPr>
-                              <m:t>5</m:t>
-                            </m:r>
-                          </m:sub>
-                        </m:sSub>
-                      </m:oMath>
-                    </m:oMathPara>
-                  </a14:m>
-                  <a:endParaRPr kumimoji="1" lang="en-US" altLang="zh-CN" b="0" dirty="0"/>
-                </a:p>
-              </p:txBody>
-            </p:sp>
-          </mc:Choice>
-          <mc:Fallback>
-            <p:sp>
-              <p:nvSpPr>
-                <p:cNvPr id="40" name="文本框 39">
-                  <a:extLst>
-                    <a:ext uri="{FF2B5EF4-FFF2-40B4-BE49-F238E27FC236}">
-                      <a16:creationId xmlns:a16="http://schemas.microsoft.com/office/drawing/2014/main" id="{13EEB6B5-AC8C-D449-B91A-64D56A4265C5}"/>
-                    </a:ext>
-                  </a:extLst>
-                </p:cNvPr>
-                <p:cNvSpPr txBox="1">
-                  <a:spLocks noRot="1" noChangeAspect="1" noMove="1" noResize="1" noEditPoints="1" noAdjustHandles="1" noChangeArrowheads="1" noChangeShapeType="1" noTextEdit="1"/>
-                </p:cNvSpPr>
-                <p:nvPr/>
-              </p:nvSpPr>
-              <p:spPr>
-                <a:xfrm>
-                  <a:off x="4134619" y="1573621"/>
-                  <a:ext cx="415879" cy="369332"/>
-                </a:xfrm>
-                <a:prstGeom prst="rect">
-                  <a:avLst/>
-                </a:prstGeom>
-                <a:blipFill>
-                  <a:blip r:embed="rId12"/>
-                  <a:stretch>
-                    <a:fillRect/>
-                  </a:stretch>
-                </a:blipFill>
-              </p:spPr>
-              <p:txBody>
-                <a:bodyPr/>
-                <a:lstStyle/>
-                <a:p>
-                  <a:r>
-                    <a:rPr lang="zh-CN" altLang="en-US">
-                      <a:noFill/>
-                    </a:rPr>
-                    <a:t> </a:t>
-                  </a:r>
-                </a:p>
-              </p:txBody>
-            </p:sp>
-          </mc:Fallback>
-        </mc:AlternateContent>
-        <mc:AlternateContent xmlns:mc="http://schemas.openxmlformats.org/markup-compatibility/2006">
-          <mc:Choice xmlns:a14="http://schemas.microsoft.com/office/drawing/2010/main" Requires="a14">
-            <p:sp>
-              <p:nvSpPr>
-                <p:cNvPr id="41" name="文本框 40">
-                  <a:extLst>
-                    <a:ext uri="{FF2B5EF4-FFF2-40B4-BE49-F238E27FC236}">
-                      <a16:creationId xmlns:a16="http://schemas.microsoft.com/office/drawing/2014/main" id="{CB3CD1D5-CB02-EB42-B74C-6134FDB66219}"/>
-                    </a:ext>
-                  </a:extLst>
-                </p:cNvPr>
-                <p:cNvSpPr txBox="1"/>
-                <p:nvPr/>
-              </p:nvSpPr>
-              <p:spPr>
-                <a:xfrm>
-                  <a:off x="4592996" y="1082935"/>
-                  <a:ext cx="415879" cy="369332"/>
-                </a:xfrm>
-                <a:prstGeom prst="rect">
-                  <a:avLst/>
-                </a:prstGeom>
-                <a:noFill/>
-              </p:spPr>
-              <p:txBody>
-                <a:bodyPr wrap="square" rtlCol="0">
-                  <a:spAutoFit/>
-                </a:bodyPr>
-                <a:lstStyle/>
-                <a:p>
-                  <a14:m>
-                    <m:oMathPara xmlns:m="http://schemas.openxmlformats.org/officeDocument/2006/math">
-                      <m:oMathParaPr>
-                        <m:jc m:val="centerGroup"/>
-                      </m:oMathParaPr>
-                      <m:oMath xmlns:m="http://schemas.openxmlformats.org/officeDocument/2006/math">
-                        <m:sSub>
-                          <m:sSubPr>
-                            <m:ctrlPr>
-                              <a:rPr kumimoji="1" lang="en-US" altLang="zh-CN" b="0" i="1" smtClean="0">
-                                <a:latin typeface="Cambria Math" panose="02040503050406030204" pitchFamily="18" charset="0"/>
-                              </a:rPr>
-                            </m:ctrlPr>
-                          </m:sSubPr>
-                          <m:e>
-                            <m:r>
-                              <a:rPr kumimoji="1" lang="en-US" altLang="zh-CN" b="0" i="1" smtClean="0">
-                                <a:latin typeface="Cambria Math" panose="02040503050406030204" pitchFamily="18" charset="0"/>
-                              </a:rPr>
-                              <m:t>𝐴</m:t>
-                            </m:r>
-                          </m:e>
-                          <m:sub>
-                            <m:r>
-                              <a:rPr kumimoji="1" lang="en-US" altLang="zh-CN" b="0" i="1" smtClean="0">
-                                <a:latin typeface="Cambria Math" panose="02040503050406030204" pitchFamily="18" charset="0"/>
-                              </a:rPr>
-                              <m:t>6</m:t>
-                            </m:r>
-                          </m:sub>
-                        </m:sSub>
-                      </m:oMath>
-                    </m:oMathPara>
-                  </a14:m>
-                  <a:endParaRPr kumimoji="1" lang="en-US" altLang="zh-CN" b="0" dirty="0"/>
-                </a:p>
-              </p:txBody>
-            </p:sp>
-          </mc:Choice>
-          <mc:Fallback>
-            <p:sp>
-              <p:nvSpPr>
-                <p:cNvPr id="41" name="文本框 40">
-                  <a:extLst>
-                    <a:ext uri="{FF2B5EF4-FFF2-40B4-BE49-F238E27FC236}">
-                      <a16:creationId xmlns:a16="http://schemas.microsoft.com/office/drawing/2014/main" id="{CB3CD1D5-CB02-EB42-B74C-6134FDB66219}"/>
-                    </a:ext>
-                  </a:extLst>
-                </p:cNvPr>
-                <p:cNvSpPr txBox="1">
-                  <a:spLocks noRot="1" noChangeAspect="1" noMove="1" noResize="1" noEditPoints="1" noAdjustHandles="1" noChangeArrowheads="1" noChangeShapeType="1" noTextEdit="1"/>
-                </p:cNvSpPr>
-                <p:nvPr/>
-              </p:nvSpPr>
-              <p:spPr>
-                <a:xfrm>
-                  <a:off x="4592996" y="1082935"/>
-                  <a:ext cx="415879" cy="369332"/>
-                </a:xfrm>
-                <a:prstGeom prst="rect">
-                  <a:avLst/>
-                </a:prstGeom>
-                <a:blipFill>
-                  <a:blip r:embed="rId13"/>
-                  <a:stretch>
-                    <a:fillRect/>
-                  </a:stretch>
-                </a:blipFill>
-              </p:spPr>
-              <p:txBody>
-                <a:bodyPr/>
-                <a:lstStyle/>
-                <a:p>
-                  <a:r>
-                    <a:rPr lang="zh-CN" altLang="en-US">
-                      <a:noFill/>
-                    </a:rPr>
-                    <a:t> </a:t>
-                  </a:r>
-                </a:p>
-              </p:txBody>
-            </p:sp>
-          </mc:Fallback>
-        </mc:AlternateContent>
-      </p:grpSp>
+              </a:rPr>
+              <a:t>y</a:t>
+            </a:r>
+            <a:endParaRPr kumimoji="1" lang="zh-CN" altLang="en-US" dirty="0">
+              <a:latin typeface="Times New Roman" panose="02020603050405020304" pitchFamily="18" charset="0"/>
+              <a:cs typeface="Times New Roman" panose="02020603050405020304" pitchFamily="18" charset="0"/>
+            </a:endParaRPr>
+          </a:p>
+        </p:txBody>
+      </p:sp>
+      <mc:AlternateContent xmlns:mc="http://schemas.openxmlformats.org/markup-compatibility/2006" xmlns:a14="http://schemas.microsoft.com/office/drawing/2010/main">
+        <mc:Choice Requires="a14">
+          <p:sp>
+            <p:nvSpPr>
+              <p:cNvPr id="25" name="文本框 24">
+                <a:extLst>
+                  <a:ext uri="{FF2B5EF4-FFF2-40B4-BE49-F238E27FC236}">
+                    <a16:creationId xmlns:a16="http://schemas.microsoft.com/office/drawing/2014/main" id="{4759021D-8600-E140-9816-38037511A2FD}"/>
+                  </a:ext>
+                </a:extLst>
+              </p:cNvPr>
+              <p:cNvSpPr txBox="1"/>
+              <p:nvPr/>
+            </p:nvSpPr>
+            <p:spPr>
+              <a:xfrm>
+                <a:off x="6713336" y="3790778"/>
+                <a:ext cx="415879" cy="369332"/>
+              </a:xfrm>
+              <a:prstGeom prst="rect">
+                <a:avLst/>
+              </a:prstGeom>
+              <a:noFill/>
+            </p:spPr>
+            <p:txBody>
+              <a:bodyPr wrap="square" rtlCol="0">
+                <a:spAutoFit/>
+              </a:bodyPr>
+              <a:lstStyle/>
+              <a:p>
+                <a:pPr/>
+                <a14:m>
+                  <m:oMathPara xmlns:m="http://schemas.openxmlformats.org/officeDocument/2006/math">
+                    <m:oMathParaPr>
+                      <m:jc m:val="centerGroup"/>
+                    </m:oMathParaPr>
+                    <m:oMath xmlns:m="http://schemas.openxmlformats.org/officeDocument/2006/math">
+                      <m:sSub>
+                        <m:sSubPr>
+                          <m:ctrlPr>
+                            <a:rPr kumimoji="1" lang="en-US" altLang="zh-CN" b="0" i="1" smtClean="0">
+                              <a:latin typeface="Cambria Math" panose="02040503050406030204" pitchFamily="18" charset="0"/>
+                            </a:rPr>
+                          </m:ctrlPr>
+                        </m:sSubPr>
+                        <m:e>
+                          <m:r>
+                            <a:rPr kumimoji="1" lang="en-US" altLang="zh-CN" b="0" i="1" smtClean="0">
+                              <a:latin typeface="Cambria Math" panose="02040503050406030204" pitchFamily="18" charset="0"/>
+                            </a:rPr>
+                            <m:t>𝑤</m:t>
+                          </m:r>
+                        </m:e>
+                        <m:sub>
+                          <m:r>
+                            <a:rPr kumimoji="1" lang="en-US" altLang="zh-CN" b="0" i="1" smtClean="0">
+                              <a:latin typeface="Cambria Math" panose="02040503050406030204" pitchFamily="18" charset="0"/>
+                            </a:rPr>
+                            <m:t>1</m:t>
+                          </m:r>
+                        </m:sub>
+                      </m:sSub>
+                    </m:oMath>
+                  </m:oMathPara>
+                </a14:m>
+                <a:endParaRPr kumimoji="1" lang="en-US" altLang="zh-CN" b="0" dirty="0"/>
+              </a:p>
+            </p:txBody>
+          </p:sp>
+        </mc:Choice>
+        <mc:Fallback xmlns="">
+          <p:sp>
+            <p:nvSpPr>
+              <p:cNvPr id="25" name="文本框 24">
+                <a:extLst>
+                  <a:ext uri="{FF2B5EF4-FFF2-40B4-BE49-F238E27FC236}">
+                    <a16:creationId xmlns:a16="http://schemas.microsoft.com/office/drawing/2014/main" id="{4759021D-8600-E140-9816-38037511A2FD}"/>
+                  </a:ext>
+                </a:extLst>
+              </p:cNvPr>
+              <p:cNvSpPr txBox="1">
+                <a:spLocks noRot="1" noChangeAspect="1" noMove="1" noResize="1" noEditPoints="1" noAdjustHandles="1" noChangeArrowheads="1" noChangeShapeType="1" noTextEdit="1"/>
+              </p:cNvSpPr>
+              <p:nvPr/>
+            </p:nvSpPr>
+            <p:spPr>
+              <a:xfrm>
+                <a:off x="6713336" y="3790778"/>
+                <a:ext cx="415879" cy="369332"/>
+              </a:xfrm>
+              <a:prstGeom prst="rect">
+                <a:avLst/>
+              </a:prstGeom>
+              <a:blipFill>
+                <a:blip r:embed="rId2"/>
+                <a:stretch>
+                  <a:fillRect/>
+                </a:stretch>
+              </a:blipFill>
+            </p:spPr>
+            <p:txBody>
+              <a:bodyPr/>
+              <a:lstStyle/>
+              <a:p>
+                <a:r>
+                  <a:rPr lang="zh-CN" altLang="en-US">
+                    <a:noFill/>
+                  </a:rPr>
+                  <a:t> </a:t>
+                </a:r>
+              </a:p>
+            </p:txBody>
+          </p:sp>
+        </mc:Fallback>
+      </mc:AlternateContent>
+      <mc:AlternateContent xmlns:mc="http://schemas.openxmlformats.org/markup-compatibility/2006" xmlns:a14="http://schemas.microsoft.com/office/drawing/2010/main">
+        <mc:Choice Requires="a14">
+          <p:sp>
+            <p:nvSpPr>
+              <p:cNvPr id="26" name="文本框 25">
+                <a:extLst>
+                  <a:ext uri="{FF2B5EF4-FFF2-40B4-BE49-F238E27FC236}">
+                    <a16:creationId xmlns:a16="http://schemas.microsoft.com/office/drawing/2014/main" id="{2C1EB5DD-9872-D647-B585-562158DFCF08}"/>
+                  </a:ext>
+                </a:extLst>
+              </p:cNvPr>
+              <p:cNvSpPr txBox="1"/>
+              <p:nvPr/>
+            </p:nvSpPr>
+            <p:spPr>
+              <a:xfrm>
+                <a:off x="7186640" y="3790778"/>
+                <a:ext cx="415879" cy="369332"/>
+              </a:xfrm>
+              <a:prstGeom prst="rect">
+                <a:avLst/>
+              </a:prstGeom>
+              <a:noFill/>
+            </p:spPr>
+            <p:txBody>
+              <a:bodyPr wrap="square" rtlCol="0">
+                <a:spAutoFit/>
+              </a:bodyPr>
+              <a:lstStyle/>
+              <a:p>
+                <a:pPr/>
+                <a14:m>
+                  <m:oMathPara xmlns:m="http://schemas.openxmlformats.org/officeDocument/2006/math">
+                    <m:oMathParaPr>
+                      <m:jc m:val="centerGroup"/>
+                    </m:oMathParaPr>
+                    <m:oMath xmlns:m="http://schemas.openxmlformats.org/officeDocument/2006/math">
+                      <m:sSub>
+                        <m:sSubPr>
+                          <m:ctrlPr>
+                            <a:rPr kumimoji="1" lang="en-US" altLang="zh-CN" b="0" i="1" smtClean="0">
+                              <a:latin typeface="Cambria Math" panose="02040503050406030204" pitchFamily="18" charset="0"/>
+                            </a:rPr>
+                          </m:ctrlPr>
+                        </m:sSubPr>
+                        <m:e>
+                          <m:r>
+                            <a:rPr kumimoji="1" lang="en-US" altLang="zh-CN" b="0" i="1" smtClean="0">
+                              <a:latin typeface="Cambria Math" panose="02040503050406030204" pitchFamily="18" charset="0"/>
+                            </a:rPr>
+                            <m:t>𝑤</m:t>
+                          </m:r>
+                        </m:e>
+                        <m:sub>
+                          <m:r>
+                            <a:rPr kumimoji="1" lang="en-US" altLang="zh-CN" b="0" i="1" smtClean="0">
+                              <a:latin typeface="Cambria Math" panose="02040503050406030204" pitchFamily="18" charset="0"/>
+                            </a:rPr>
+                            <m:t>2</m:t>
+                          </m:r>
+                        </m:sub>
+                      </m:sSub>
+                    </m:oMath>
+                  </m:oMathPara>
+                </a14:m>
+                <a:endParaRPr kumimoji="1" lang="en-US" altLang="zh-CN" b="0" dirty="0"/>
+              </a:p>
+            </p:txBody>
+          </p:sp>
+        </mc:Choice>
+        <mc:Fallback xmlns="">
+          <p:sp>
+            <p:nvSpPr>
+              <p:cNvPr id="26" name="文本框 25">
+                <a:extLst>
+                  <a:ext uri="{FF2B5EF4-FFF2-40B4-BE49-F238E27FC236}">
+                    <a16:creationId xmlns:a16="http://schemas.microsoft.com/office/drawing/2014/main" id="{2C1EB5DD-9872-D647-B585-562158DFCF08}"/>
+                  </a:ext>
+                </a:extLst>
+              </p:cNvPr>
+              <p:cNvSpPr txBox="1">
+                <a:spLocks noRot="1" noChangeAspect="1" noMove="1" noResize="1" noEditPoints="1" noAdjustHandles="1" noChangeArrowheads="1" noChangeShapeType="1" noTextEdit="1"/>
+              </p:cNvSpPr>
+              <p:nvPr/>
+            </p:nvSpPr>
+            <p:spPr>
+              <a:xfrm>
+                <a:off x="7186640" y="3790778"/>
+                <a:ext cx="415879" cy="369332"/>
+              </a:xfrm>
+              <a:prstGeom prst="rect">
+                <a:avLst/>
+              </a:prstGeom>
+              <a:blipFill>
+                <a:blip r:embed="rId3"/>
+                <a:stretch>
+                  <a:fillRect/>
+                </a:stretch>
+              </a:blipFill>
+            </p:spPr>
+            <p:txBody>
+              <a:bodyPr/>
+              <a:lstStyle/>
+              <a:p>
+                <a:r>
+                  <a:rPr lang="zh-CN" altLang="en-US">
+                    <a:noFill/>
+                  </a:rPr>
+                  <a:t> </a:t>
+                </a:r>
+              </a:p>
+            </p:txBody>
+          </p:sp>
+        </mc:Fallback>
+      </mc:AlternateContent>
+      <mc:AlternateContent xmlns:mc="http://schemas.openxmlformats.org/markup-compatibility/2006" xmlns:a14="http://schemas.microsoft.com/office/drawing/2010/main">
+        <mc:Choice Requires="a14">
+          <p:sp>
+            <p:nvSpPr>
+              <p:cNvPr id="27" name="文本框 26">
+                <a:extLst>
+                  <a:ext uri="{FF2B5EF4-FFF2-40B4-BE49-F238E27FC236}">
+                    <a16:creationId xmlns:a16="http://schemas.microsoft.com/office/drawing/2014/main" id="{08F822F5-7AFC-6141-B3B6-2857508AD16D}"/>
+                  </a:ext>
+                </a:extLst>
+              </p:cNvPr>
+              <p:cNvSpPr txBox="1"/>
+              <p:nvPr/>
+            </p:nvSpPr>
+            <p:spPr>
+              <a:xfrm>
+                <a:off x="7616850" y="3790778"/>
+                <a:ext cx="415879" cy="369332"/>
+              </a:xfrm>
+              <a:prstGeom prst="rect">
+                <a:avLst/>
+              </a:prstGeom>
+              <a:noFill/>
+            </p:spPr>
+            <p:txBody>
+              <a:bodyPr wrap="square" rtlCol="0">
+                <a:spAutoFit/>
+              </a:bodyPr>
+              <a:lstStyle/>
+              <a:p>
+                <a:pPr/>
+                <a14:m>
+                  <m:oMathPara xmlns:m="http://schemas.openxmlformats.org/officeDocument/2006/math">
+                    <m:oMathParaPr>
+                      <m:jc m:val="centerGroup"/>
+                    </m:oMathParaPr>
+                    <m:oMath xmlns:m="http://schemas.openxmlformats.org/officeDocument/2006/math">
+                      <m:sSub>
+                        <m:sSubPr>
+                          <m:ctrlPr>
+                            <a:rPr kumimoji="1" lang="en-US" altLang="zh-CN" b="0" i="1" smtClean="0">
+                              <a:latin typeface="Cambria Math" panose="02040503050406030204" pitchFamily="18" charset="0"/>
+                            </a:rPr>
+                          </m:ctrlPr>
+                        </m:sSubPr>
+                        <m:e>
+                          <m:r>
+                            <a:rPr kumimoji="1" lang="en-US" altLang="zh-CN" b="0" i="1" smtClean="0">
+                              <a:latin typeface="Cambria Math" panose="02040503050406030204" pitchFamily="18" charset="0"/>
+                            </a:rPr>
+                            <m:t>𝑤</m:t>
+                          </m:r>
+                        </m:e>
+                        <m:sub>
+                          <m:r>
+                            <a:rPr kumimoji="1" lang="en-US" altLang="zh-CN" b="0" i="1" smtClean="0">
+                              <a:latin typeface="Cambria Math" panose="02040503050406030204" pitchFamily="18" charset="0"/>
+                            </a:rPr>
+                            <m:t>3</m:t>
+                          </m:r>
+                        </m:sub>
+                      </m:sSub>
+                    </m:oMath>
+                  </m:oMathPara>
+                </a14:m>
+                <a:endParaRPr kumimoji="1" lang="en-US" altLang="zh-CN" b="0" dirty="0"/>
+              </a:p>
+            </p:txBody>
+          </p:sp>
+        </mc:Choice>
+        <mc:Fallback xmlns="">
+          <p:sp>
+            <p:nvSpPr>
+              <p:cNvPr id="27" name="文本框 26">
+                <a:extLst>
+                  <a:ext uri="{FF2B5EF4-FFF2-40B4-BE49-F238E27FC236}">
+                    <a16:creationId xmlns:a16="http://schemas.microsoft.com/office/drawing/2014/main" id="{08F822F5-7AFC-6141-B3B6-2857508AD16D}"/>
+                  </a:ext>
+                </a:extLst>
+              </p:cNvPr>
+              <p:cNvSpPr txBox="1">
+                <a:spLocks noRot="1" noChangeAspect="1" noMove="1" noResize="1" noEditPoints="1" noAdjustHandles="1" noChangeArrowheads="1" noChangeShapeType="1" noTextEdit="1"/>
+              </p:cNvSpPr>
+              <p:nvPr/>
+            </p:nvSpPr>
+            <p:spPr>
+              <a:xfrm>
+                <a:off x="7616850" y="3790778"/>
+                <a:ext cx="415879" cy="369332"/>
+              </a:xfrm>
+              <a:prstGeom prst="rect">
+                <a:avLst/>
+              </a:prstGeom>
+              <a:blipFill>
+                <a:blip r:embed="rId4"/>
+                <a:stretch>
+                  <a:fillRect/>
+                </a:stretch>
+              </a:blipFill>
+            </p:spPr>
+            <p:txBody>
+              <a:bodyPr/>
+              <a:lstStyle/>
+              <a:p>
+                <a:r>
+                  <a:rPr lang="zh-CN" altLang="en-US">
+                    <a:noFill/>
+                  </a:rPr>
+                  <a:t> </a:t>
+                </a:r>
+              </a:p>
+            </p:txBody>
+          </p:sp>
+        </mc:Fallback>
+      </mc:AlternateContent>
+      <mc:AlternateContent xmlns:mc="http://schemas.openxmlformats.org/markup-compatibility/2006" xmlns:a14="http://schemas.microsoft.com/office/drawing/2010/main">
+        <mc:Choice Requires="a14">
+          <p:sp>
+            <p:nvSpPr>
+              <p:cNvPr id="28" name="文本框 27">
+                <a:extLst>
+                  <a:ext uri="{FF2B5EF4-FFF2-40B4-BE49-F238E27FC236}">
+                    <a16:creationId xmlns:a16="http://schemas.microsoft.com/office/drawing/2014/main" id="{F042020C-7F53-8540-9F12-D59B47A9063C}"/>
+                  </a:ext>
+                </a:extLst>
+              </p:cNvPr>
+              <p:cNvSpPr txBox="1"/>
+              <p:nvPr/>
+            </p:nvSpPr>
+            <p:spPr>
+              <a:xfrm>
+                <a:off x="8090154" y="3790778"/>
+                <a:ext cx="415879" cy="369332"/>
+              </a:xfrm>
+              <a:prstGeom prst="rect">
+                <a:avLst/>
+              </a:prstGeom>
+              <a:noFill/>
+            </p:spPr>
+            <p:txBody>
+              <a:bodyPr wrap="square" rtlCol="0">
+                <a:spAutoFit/>
+              </a:bodyPr>
+              <a:lstStyle/>
+              <a:p>
+                <a:pPr/>
+                <a14:m>
+                  <m:oMathPara xmlns:m="http://schemas.openxmlformats.org/officeDocument/2006/math">
+                    <m:oMathParaPr>
+                      <m:jc m:val="centerGroup"/>
+                    </m:oMathParaPr>
+                    <m:oMath xmlns:m="http://schemas.openxmlformats.org/officeDocument/2006/math">
+                      <m:sSub>
+                        <m:sSubPr>
+                          <m:ctrlPr>
+                            <a:rPr kumimoji="1" lang="en-US" altLang="zh-CN" b="0" i="1" smtClean="0">
+                              <a:latin typeface="Cambria Math" panose="02040503050406030204" pitchFamily="18" charset="0"/>
+                            </a:rPr>
+                          </m:ctrlPr>
+                        </m:sSubPr>
+                        <m:e>
+                          <m:r>
+                            <a:rPr kumimoji="1" lang="en-US" altLang="zh-CN" b="0" i="1" smtClean="0">
+                              <a:latin typeface="Cambria Math" panose="02040503050406030204" pitchFamily="18" charset="0"/>
+                            </a:rPr>
+                            <m:t>𝑤</m:t>
+                          </m:r>
+                        </m:e>
+                        <m:sub>
+                          <m:r>
+                            <a:rPr kumimoji="1" lang="en-US" altLang="zh-CN" b="0" i="1" smtClean="0">
+                              <a:latin typeface="Cambria Math" panose="02040503050406030204" pitchFamily="18" charset="0"/>
+                            </a:rPr>
+                            <m:t>4</m:t>
+                          </m:r>
+                        </m:sub>
+                      </m:sSub>
+                    </m:oMath>
+                  </m:oMathPara>
+                </a14:m>
+                <a:endParaRPr kumimoji="1" lang="en-US" altLang="zh-CN" b="0" dirty="0"/>
+              </a:p>
+            </p:txBody>
+          </p:sp>
+        </mc:Choice>
+        <mc:Fallback xmlns="">
+          <p:sp>
+            <p:nvSpPr>
+              <p:cNvPr id="28" name="文本框 27">
+                <a:extLst>
+                  <a:ext uri="{FF2B5EF4-FFF2-40B4-BE49-F238E27FC236}">
+                    <a16:creationId xmlns:a16="http://schemas.microsoft.com/office/drawing/2014/main" id="{F042020C-7F53-8540-9F12-D59B47A9063C}"/>
+                  </a:ext>
+                </a:extLst>
+              </p:cNvPr>
+              <p:cNvSpPr txBox="1">
+                <a:spLocks noRot="1" noChangeAspect="1" noMove="1" noResize="1" noEditPoints="1" noAdjustHandles="1" noChangeArrowheads="1" noChangeShapeType="1" noTextEdit="1"/>
+              </p:cNvSpPr>
+              <p:nvPr/>
+            </p:nvSpPr>
+            <p:spPr>
+              <a:xfrm>
+                <a:off x="8090154" y="3790778"/>
+                <a:ext cx="415879" cy="369332"/>
+              </a:xfrm>
+              <a:prstGeom prst="rect">
+                <a:avLst/>
+              </a:prstGeom>
+              <a:blipFill>
+                <a:blip r:embed="rId5"/>
+                <a:stretch>
+                  <a:fillRect/>
+                </a:stretch>
+              </a:blipFill>
+            </p:spPr>
+            <p:txBody>
+              <a:bodyPr/>
+              <a:lstStyle/>
+              <a:p>
+                <a:r>
+                  <a:rPr lang="zh-CN" altLang="en-US">
+                    <a:noFill/>
+                  </a:rPr>
+                  <a:t> </a:t>
+                </a:r>
+              </a:p>
+            </p:txBody>
+          </p:sp>
+        </mc:Fallback>
+      </mc:AlternateContent>
+      <mc:AlternateContent xmlns:mc="http://schemas.openxmlformats.org/markup-compatibility/2006" xmlns:a14="http://schemas.microsoft.com/office/drawing/2010/main">
+        <mc:Choice Requires="a14">
+          <p:sp>
+            <p:nvSpPr>
+              <p:cNvPr id="29" name="文本框 28">
+                <a:extLst>
+                  <a:ext uri="{FF2B5EF4-FFF2-40B4-BE49-F238E27FC236}">
+                    <a16:creationId xmlns:a16="http://schemas.microsoft.com/office/drawing/2014/main" id="{7C8DF0DD-EEB2-0049-9784-67618D90B7A6}"/>
+                  </a:ext>
+                </a:extLst>
+              </p:cNvPr>
+              <p:cNvSpPr txBox="1"/>
+              <p:nvPr/>
+            </p:nvSpPr>
+            <p:spPr>
+              <a:xfrm>
+                <a:off x="8533466" y="3790778"/>
+                <a:ext cx="415879" cy="369332"/>
+              </a:xfrm>
+              <a:prstGeom prst="rect">
+                <a:avLst/>
+              </a:prstGeom>
+              <a:noFill/>
+            </p:spPr>
+            <p:txBody>
+              <a:bodyPr wrap="square" rtlCol="0">
+                <a:spAutoFit/>
+              </a:bodyPr>
+              <a:lstStyle/>
+              <a:p>
+                <a:pPr/>
+                <a14:m>
+                  <m:oMathPara xmlns:m="http://schemas.openxmlformats.org/officeDocument/2006/math">
+                    <m:oMathParaPr>
+                      <m:jc m:val="centerGroup"/>
+                    </m:oMathParaPr>
+                    <m:oMath xmlns:m="http://schemas.openxmlformats.org/officeDocument/2006/math">
+                      <m:sSub>
+                        <m:sSubPr>
+                          <m:ctrlPr>
+                            <a:rPr kumimoji="1" lang="en-US" altLang="zh-CN" b="0" i="1" smtClean="0">
+                              <a:latin typeface="Cambria Math" panose="02040503050406030204" pitchFamily="18" charset="0"/>
+                            </a:rPr>
+                          </m:ctrlPr>
+                        </m:sSubPr>
+                        <m:e>
+                          <m:r>
+                            <a:rPr kumimoji="1" lang="en-US" altLang="zh-CN" b="0" i="1" smtClean="0">
+                              <a:latin typeface="Cambria Math" panose="02040503050406030204" pitchFamily="18" charset="0"/>
+                            </a:rPr>
+                            <m:t>𝑤</m:t>
+                          </m:r>
+                        </m:e>
+                        <m:sub>
+                          <m:r>
+                            <a:rPr kumimoji="1" lang="en-US" altLang="zh-CN" b="0" i="1" smtClean="0">
+                              <a:latin typeface="Cambria Math" panose="02040503050406030204" pitchFamily="18" charset="0"/>
+                            </a:rPr>
+                            <m:t>5</m:t>
+                          </m:r>
+                        </m:sub>
+                      </m:sSub>
+                    </m:oMath>
+                  </m:oMathPara>
+                </a14:m>
+                <a:endParaRPr kumimoji="1" lang="en-US" altLang="zh-CN" b="0" dirty="0"/>
+              </a:p>
+            </p:txBody>
+          </p:sp>
+        </mc:Choice>
+        <mc:Fallback xmlns="">
+          <p:sp>
+            <p:nvSpPr>
+              <p:cNvPr id="29" name="文本框 28">
+                <a:extLst>
+                  <a:ext uri="{FF2B5EF4-FFF2-40B4-BE49-F238E27FC236}">
+                    <a16:creationId xmlns:a16="http://schemas.microsoft.com/office/drawing/2014/main" id="{7C8DF0DD-EEB2-0049-9784-67618D90B7A6}"/>
+                  </a:ext>
+                </a:extLst>
+              </p:cNvPr>
+              <p:cNvSpPr txBox="1">
+                <a:spLocks noRot="1" noChangeAspect="1" noMove="1" noResize="1" noEditPoints="1" noAdjustHandles="1" noChangeArrowheads="1" noChangeShapeType="1" noTextEdit="1"/>
+              </p:cNvSpPr>
+              <p:nvPr/>
+            </p:nvSpPr>
+            <p:spPr>
+              <a:xfrm>
+                <a:off x="8533466" y="3790778"/>
+                <a:ext cx="415879" cy="369332"/>
+              </a:xfrm>
+              <a:prstGeom prst="rect">
+                <a:avLst/>
+              </a:prstGeom>
+              <a:blipFill>
+                <a:blip r:embed="rId6"/>
+                <a:stretch>
+                  <a:fillRect/>
+                </a:stretch>
+              </a:blipFill>
+            </p:spPr>
+            <p:txBody>
+              <a:bodyPr/>
+              <a:lstStyle/>
+              <a:p>
+                <a:r>
+                  <a:rPr lang="zh-CN" altLang="en-US">
+                    <a:noFill/>
+                  </a:rPr>
+                  <a:t> </a:t>
+                </a:r>
+              </a:p>
+            </p:txBody>
+          </p:sp>
+        </mc:Fallback>
+      </mc:AlternateContent>
+      <mc:AlternateContent xmlns:mc="http://schemas.openxmlformats.org/markup-compatibility/2006" xmlns:a14="http://schemas.microsoft.com/office/drawing/2010/main">
+        <mc:Choice Requires="a14">
+          <p:sp>
+            <p:nvSpPr>
+              <p:cNvPr id="30" name="文本框 29">
+                <a:extLst>
+                  <a:ext uri="{FF2B5EF4-FFF2-40B4-BE49-F238E27FC236}">
+                    <a16:creationId xmlns:a16="http://schemas.microsoft.com/office/drawing/2014/main" id="{97061DD2-9463-CF4E-A933-FE33DF215E12}"/>
+                  </a:ext>
+                </a:extLst>
+              </p:cNvPr>
+              <p:cNvSpPr txBox="1"/>
+              <p:nvPr/>
+            </p:nvSpPr>
+            <p:spPr>
+              <a:xfrm>
+                <a:off x="9006770" y="3790778"/>
+                <a:ext cx="415879" cy="369332"/>
+              </a:xfrm>
+              <a:prstGeom prst="rect">
+                <a:avLst/>
+              </a:prstGeom>
+              <a:noFill/>
+            </p:spPr>
+            <p:txBody>
+              <a:bodyPr wrap="square" rtlCol="0">
+                <a:spAutoFit/>
+              </a:bodyPr>
+              <a:lstStyle/>
+              <a:p>
+                <a:pPr/>
+                <a14:m>
+                  <m:oMathPara xmlns:m="http://schemas.openxmlformats.org/officeDocument/2006/math">
+                    <m:oMathParaPr>
+                      <m:jc m:val="centerGroup"/>
+                    </m:oMathParaPr>
+                    <m:oMath xmlns:m="http://schemas.openxmlformats.org/officeDocument/2006/math">
+                      <m:sSub>
+                        <m:sSubPr>
+                          <m:ctrlPr>
+                            <a:rPr kumimoji="1" lang="en-US" altLang="zh-CN" b="0" i="1" smtClean="0">
+                              <a:latin typeface="Cambria Math" panose="02040503050406030204" pitchFamily="18" charset="0"/>
+                            </a:rPr>
+                          </m:ctrlPr>
+                        </m:sSubPr>
+                        <m:e>
+                          <m:r>
+                            <a:rPr kumimoji="1" lang="en-US" altLang="zh-CN" b="0" i="1" smtClean="0">
+                              <a:latin typeface="Cambria Math" panose="02040503050406030204" pitchFamily="18" charset="0"/>
+                            </a:rPr>
+                            <m:t>𝑤</m:t>
+                          </m:r>
+                        </m:e>
+                        <m:sub>
+                          <m:r>
+                            <a:rPr kumimoji="1" lang="en-US" altLang="zh-CN" b="0" i="1" smtClean="0">
+                              <a:latin typeface="Cambria Math" panose="02040503050406030204" pitchFamily="18" charset="0"/>
+                            </a:rPr>
+                            <m:t>6</m:t>
+                          </m:r>
+                        </m:sub>
+                      </m:sSub>
+                    </m:oMath>
+                  </m:oMathPara>
+                </a14:m>
+                <a:endParaRPr kumimoji="1" lang="en-US" altLang="zh-CN" b="0" dirty="0"/>
+              </a:p>
+            </p:txBody>
+          </p:sp>
+        </mc:Choice>
+        <mc:Fallback xmlns="">
+          <p:sp>
+            <p:nvSpPr>
+              <p:cNvPr id="30" name="文本框 29">
+                <a:extLst>
+                  <a:ext uri="{FF2B5EF4-FFF2-40B4-BE49-F238E27FC236}">
+                    <a16:creationId xmlns:a16="http://schemas.microsoft.com/office/drawing/2014/main" id="{97061DD2-9463-CF4E-A933-FE33DF215E12}"/>
+                  </a:ext>
+                </a:extLst>
+              </p:cNvPr>
+              <p:cNvSpPr txBox="1">
+                <a:spLocks noRot="1" noChangeAspect="1" noMove="1" noResize="1" noEditPoints="1" noAdjustHandles="1" noChangeArrowheads="1" noChangeShapeType="1" noTextEdit="1"/>
+              </p:cNvSpPr>
+              <p:nvPr/>
+            </p:nvSpPr>
+            <p:spPr>
+              <a:xfrm>
+                <a:off x="9006770" y="3790778"/>
+                <a:ext cx="415879" cy="369332"/>
+              </a:xfrm>
+              <a:prstGeom prst="rect">
+                <a:avLst/>
+              </a:prstGeom>
+              <a:blipFill>
+                <a:blip r:embed="rId7"/>
+                <a:stretch>
+                  <a:fillRect/>
+                </a:stretch>
+              </a:blipFill>
+            </p:spPr>
+            <p:txBody>
+              <a:bodyPr/>
+              <a:lstStyle/>
+              <a:p>
+                <a:r>
+                  <a:rPr lang="zh-CN" altLang="en-US">
+                    <a:noFill/>
+                  </a:rPr>
+                  <a:t> </a:t>
+                </a:r>
+              </a:p>
+            </p:txBody>
+          </p:sp>
+        </mc:Fallback>
+      </mc:AlternateContent>
+      <p:sp>
+        <p:nvSpPr>
+          <p:cNvPr id="31" name="文本框 30">
+            <a:extLst>
+              <a:ext uri="{FF2B5EF4-FFF2-40B4-BE49-F238E27FC236}">
+                <a16:creationId xmlns:a16="http://schemas.microsoft.com/office/drawing/2014/main" id="{429A5A9B-2EA5-0841-A71E-47F67C7CEC60}"/>
+              </a:ext>
+            </a:extLst>
+          </p:cNvPr>
+          <p:cNvSpPr txBox="1"/>
+          <p:nvPr/>
+        </p:nvSpPr>
+        <p:spPr>
+          <a:xfrm>
+            <a:off x="9422649" y="2549808"/>
+            <a:ext cx="428367" cy="369332"/>
+          </a:xfrm>
+          <a:prstGeom prst="rect">
+            <a:avLst/>
+          </a:prstGeom>
+          <a:noFill/>
+        </p:spPr>
+        <p:txBody>
+          <a:bodyPr wrap="square" rtlCol="0">
+            <a:spAutoFit/>
+          </a:bodyPr>
+          <a:lstStyle/>
+          <a:p>
+            <a:r>
+              <a:rPr kumimoji="1" lang="en-US" altLang="zh-CN" b="1" dirty="0"/>
+              <a:t>…</a:t>
+            </a:r>
+            <a:endParaRPr kumimoji="1" lang="zh-CN" altLang="en-US" b="1" dirty="0"/>
+          </a:p>
+        </p:txBody>
+      </p:sp>
+      <mc:AlternateContent xmlns:mc="http://schemas.openxmlformats.org/markup-compatibility/2006" xmlns:a14="http://schemas.microsoft.com/office/drawing/2010/main">
+        <mc:Choice Requires="a14">
+          <p:sp>
+            <p:nvSpPr>
+              <p:cNvPr id="36" name="文本框 35">
+                <a:extLst>
+                  <a:ext uri="{FF2B5EF4-FFF2-40B4-BE49-F238E27FC236}">
+                    <a16:creationId xmlns:a16="http://schemas.microsoft.com/office/drawing/2014/main" id="{98A312DB-B509-5F4C-85AD-7DF2F54E84B5}"/>
+                  </a:ext>
+                </a:extLst>
+              </p:cNvPr>
+              <p:cNvSpPr txBox="1"/>
+              <p:nvPr/>
+            </p:nvSpPr>
+            <p:spPr>
+              <a:xfrm>
+                <a:off x="6741558" y="1940990"/>
+                <a:ext cx="415879" cy="369332"/>
+              </a:xfrm>
+              <a:prstGeom prst="rect">
+                <a:avLst/>
+              </a:prstGeom>
+              <a:noFill/>
+            </p:spPr>
+            <p:txBody>
+              <a:bodyPr wrap="square" rtlCol="0">
+                <a:spAutoFit/>
+              </a:bodyPr>
+              <a:lstStyle/>
+              <a:p>
+                <a:pPr/>
+                <a14:m>
+                  <m:oMathPara xmlns:m="http://schemas.openxmlformats.org/officeDocument/2006/math">
+                    <m:oMathParaPr>
+                      <m:jc m:val="centerGroup"/>
+                    </m:oMathParaPr>
+                    <m:oMath xmlns:m="http://schemas.openxmlformats.org/officeDocument/2006/math">
+                      <m:sSub>
+                        <m:sSubPr>
+                          <m:ctrlPr>
+                            <a:rPr kumimoji="1" lang="en-US" altLang="zh-CN" b="0" i="1" smtClean="0">
+                              <a:latin typeface="Cambria Math" panose="02040503050406030204" pitchFamily="18" charset="0"/>
+                            </a:rPr>
+                          </m:ctrlPr>
+                        </m:sSubPr>
+                        <m:e>
+                          <m:r>
+                            <a:rPr kumimoji="1" lang="en-US" altLang="zh-CN" b="0" i="1" smtClean="0">
+                              <a:latin typeface="Cambria Math" panose="02040503050406030204" pitchFamily="18" charset="0"/>
+                            </a:rPr>
+                            <m:t>𝐴</m:t>
+                          </m:r>
+                        </m:e>
+                        <m:sub>
+                          <m:r>
+                            <a:rPr kumimoji="1" lang="en-US" altLang="zh-CN" b="0" i="1" smtClean="0">
+                              <a:latin typeface="Cambria Math" panose="02040503050406030204" pitchFamily="18" charset="0"/>
+                            </a:rPr>
+                            <m:t>1</m:t>
+                          </m:r>
+                        </m:sub>
+                      </m:sSub>
+                    </m:oMath>
+                  </m:oMathPara>
+                </a14:m>
+                <a:endParaRPr kumimoji="1" lang="en-US" altLang="zh-CN" b="0" dirty="0"/>
+              </a:p>
+            </p:txBody>
+          </p:sp>
+        </mc:Choice>
+        <mc:Fallback xmlns="">
+          <p:sp>
+            <p:nvSpPr>
+              <p:cNvPr id="36" name="文本框 35">
+                <a:extLst>
+                  <a:ext uri="{FF2B5EF4-FFF2-40B4-BE49-F238E27FC236}">
+                    <a16:creationId xmlns:a16="http://schemas.microsoft.com/office/drawing/2014/main" id="{98A312DB-B509-5F4C-85AD-7DF2F54E84B5}"/>
+                  </a:ext>
+                </a:extLst>
+              </p:cNvPr>
+              <p:cNvSpPr txBox="1">
+                <a:spLocks noRot="1" noChangeAspect="1" noMove="1" noResize="1" noEditPoints="1" noAdjustHandles="1" noChangeArrowheads="1" noChangeShapeType="1" noTextEdit="1"/>
+              </p:cNvSpPr>
+              <p:nvPr/>
+            </p:nvSpPr>
+            <p:spPr>
+              <a:xfrm>
+                <a:off x="6741558" y="1940990"/>
+                <a:ext cx="415879" cy="369332"/>
+              </a:xfrm>
+              <a:prstGeom prst="rect">
+                <a:avLst/>
+              </a:prstGeom>
+              <a:blipFill>
+                <a:blip r:embed="rId8"/>
+                <a:stretch>
+                  <a:fillRect/>
+                </a:stretch>
+              </a:blipFill>
+            </p:spPr>
+            <p:txBody>
+              <a:bodyPr/>
+              <a:lstStyle/>
+              <a:p>
+                <a:r>
+                  <a:rPr lang="zh-CN" altLang="en-US">
+                    <a:noFill/>
+                  </a:rPr>
+                  <a:t> </a:t>
+                </a:r>
+              </a:p>
+            </p:txBody>
+          </p:sp>
+        </mc:Fallback>
+      </mc:AlternateContent>
+      <mc:AlternateContent xmlns:mc="http://schemas.openxmlformats.org/markup-compatibility/2006" xmlns:a14="http://schemas.microsoft.com/office/drawing/2010/main">
+        <mc:Choice Requires="a14">
+          <p:sp>
+            <p:nvSpPr>
+              <p:cNvPr id="37" name="文本框 36">
+                <a:extLst>
+                  <a:ext uri="{FF2B5EF4-FFF2-40B4-BE49-F238E27FC236}">
+                    <a16:creationId xmlns:a16="http://schemas.microsoft.com/office/drawing/2014/main" id="{478BE78C-0579-CE48-91EB-AFE6CD19CB1F}"/>
+                  </a:ext>
+                </a:extLst>
+              </p:cNvPr>
+              <p:cNvSpPr txBox="1"/>
+              <p:nvPr/>
+            </p:nvSpPr>
+            <p:spPr>
+              <a:xfrm>
+                <a:off x="7157437" y="2430065"/>
+                <a:ext cx="415879" cy="369332"/>
+              </a:xfrm>
+              <a:prstGeom prst="rect">
+                <a:avLst/>
+              </a:prstGeom>
+              <a:noFill/>
+            </p:spPr>
+            <p:txBody>
+              <a:bodyPr wrap="square" rtlCol="0">
+                <a:spAutoFit/>
+              </a:bodyPr>
+              <a:lstStyle/>
+              <a:p>
+                <a:pPr/>
+                <a14:m>
+                  <m:oMathPara xmlns:m="http://schemas.openxmlformats.org/officeDocument/2006/math">
+                    <m:oMathParaPr>
+                      <m:jc m:val="centerGroup"/>
+                    </m:oMathParaPr>
+                    <m:oMath xmlns:m="http://schemas.openxmlformats.org/officeDocument/2006/math">
+                      <m:sSub>
+                        <m:sSubPr>
+                          <m:ctrlPr>
+                            <a:rPr kumimoji="1" lang="en-US" altLang="zh-CN" b="0" i="1" smtClean="0">
+                              <a:latin typeface="Cambria Math" panose="02040503050406030204" pitchFamily="18" charset="0"/>
+                            </a:rPr>
+                          </m:ctrlPr>
+                        </m:sSubPr>
+                        <m:e>
+                          <m:r>
+                            <a:rPr kumimoji="1" lang="en-US" altLang="zh-CN" b="0" i="1" smtClean="0">
+                              <a:latin typeface="Cambria Math" panose="02040503050406030204" pitchFamily="18" charset="0"/>
+                            </a:rPr>
+                            <m:t>𝐴</m:t>
+                          </m:r>
+                        </m:e>
+                        <m:sub>
+                          <m:r>
+                            <a:rPr kumimoji="1" lang="en-US" altLang="zh-CN" b="0" i="1" smtClean="0">
+                              <a:latin typeface="Cambria Math" panose="02040503050406030204" pitchFamily="18" charset="0"/>
+                            </a:rPr>
+                            <m:t>2</m:t>
+                          </m:r>
+                        </m:sub>
+                      </m:sSub>
+                    </m:oMath>
+                  </m:oMathPara>
+                </a14:m>
+                <a:endParaRPr kumimoji="1" lang="en-US" altLang="zh-CN" b="0" dirty="0"/>
+              </a:p>
+            </p:txBody>
+          </p:sp>
+        </mc:Choice>
+        <mc:Fallback xmlns="">
+          <p:sp>
+            <p:nvSpPr>
+              <p:cNvPr id="37" name="文本框 36">
+                <a:extLst>
+                  <a:ext uri="{FF2B5EF4-FFF2-40B4-BE49-F238E27FC236}">
+                    <a16:creationId xmlns:a16="http://schemas.microsoft.com/office/drawing/2014/main" id="{478BE78C-0579-CE48-91EB-AFE6CD19CB1F}"/>
+                  </a:ext>
+                </a:extLst>
+              </p:cNvPr>
+              <p:cNvSpPr txBox="1">
+                <a:spLocks noRot="1" noChangeAspect="1" noMove="1" noResize="1" noEditPoints="1" noAdjustHandles="1" noChangeArrowheads="1" noChangeShapeType="1" noTextEdit="1"/>
+              </p:cNvSpPr>
+              <p:nvPr/>
+            </p:nvSpPr>
+            <p:spPr>
+              <a:xfrm>
+                <a:off x="7157437" y="2430065"/>
+                <a:ext cx="415879" cy="369332"/>
+              </a:xfrm>
+              <a:prstGeom prst="rect">
+                <a:avLst/>
+              </a:prstGeom>
+              <a:blipFill>
+                <a:blip r:embed="rId9"/>
+                <a:stretch>
+                  <a:fillRect/>
+                </a:stretch>
+              </a:blipFill>
+            </p:spPr>
+            <p:txBody>
+              <a:bodyPr/>
+              <a:lstStyle/>
+              <a:p>
+                <a:r>
+                  <a:rPr lang="zh-CN" altLang="en-US">
+                    <a:noFill/>
+                  </a:rPr>
+                  <a:t> </a:t>
+                </a:r>
+              </a:p>
+            </p:txBody>
+          </p:sp>
+        </mc:Fallback>
+      </mc:AlternateContent>
+      <mc:AlternateContent xmlns:mc="http://schemas.openxmlformats.org/markup-compatibility/2006" xmlns:a14="http://schemas.microsoft.com/office/drawing/2010/main">
+        <mc:Choice Requires="a14">
+          <p:sp>
+            <p:nvSpPr>
+              <p:cNvPr id="38" name="文本框 37">
+                <a:extLst>
+                  <a:ext uri="{FF2B5EF4-FFF2-40B4-BE49-F238E27FC236}">
+                    <a16:creationId xmlns:a16="http://schemas.microsoft.com/office/drawing/2014/main" id="{EA8D2E53-3D34-0642-8E5E-F6B56815C4C8}"/>
+                  </a:ext>
+                </a:extLst>
+              </p:cNvPr>
+              <p:cNvSpPr txBox="1"/>
+              <p:nvPr/>
+            </p:nvSpPr>
+            <p:spPr>
+              <a:xfrm>
+                <a:off x="7634397" y="1463884"/>
+                <a:ext cx="415879" cy="369332"/>
+              </a:xfrm>
+              <a:prstGeom prst="rect">
+                <a:avLst/>
+              </a:prstGeom>
+              <a:noFill/>
+            </p:spPr>
+            <p:txBody>
+              <a:bodyPr wrap="square" rtlCol="0">
+                <a:spAutoFit/>
+              </a:bodyPr>
+              <a:lstStyle/>
+              <a:p>
+                <a:pPr/>
+                <a14:m>
+                  <m:oMathPara xmlns:m="http://schemas.openxmlformats.org/officeDocument/2006/math">
+                    <m:oMathParaPr>
+                      <m:jc m:val="centerGroup"/>
+                    </m:oMathParaPr>
+                    <m:oMath xmlns:m="http://schemas.openxmlformats.org/officeDocument/2006/math">
+                      <m:sSub>
+                        <m:sSubPr>
+                          <m:ctrlPr>
+                            <a:rPr kumimoji="1" lang="en-US" altLang="zh-CN" b="0" i="1" smtClean="0">
+                              <a:latin typeface="Cambria Math" panose="02040503050406030204" pitchFamily="18" charset="0"/>
+                            </a:rPr>
+                          </m:ctrlPr>
+                        </m:sSubPr>
+                        <m:e>
+                          <m:r>
+                            <a:rPr kumimoji="1" lang="en-US" altLang="zh-CN" b="0" i="1" smtClean="0">
+                              <a:latin typeface="Cambria Math" panose="02040503050406030204" pitchFamily="18" charset="0"/>
+                            </a:rPr>
+                            <m:t>𝐴</m:t>
+                          </m:r>
+                        </m:e>
+                        <m:sub>
+                          <m:r>
+                            <a:rPr kumimoji="1" lang="en-US" altLang="zh-CN" b="0" i="1" smtClean="0">
+                              <a:latin typeface="Cambria Math" panose="02040503050406030204" pitchFamily="18" charset="0"/>
+                            </a:rPr>
+                            <m:t>3</m:t>
+                          </m:r>
+                        </m:sub>
+                      </m:sSub>
+                    </m:oMath>
+                  </m:oMathPara>
+                </a14:m>
+                <a:endParaRPr kumimoji="1" lang="en-US" altLang="zh-CN" b="0" dirty="0"/>
+              </a:p>
+            </p:txBody>
+          </p:sp>
+        </mc:Choice>
+        <mc:Fallback xmlns="">
+          <p:sp>
+            <p:nvSpPr>
+              <p:cNvPr id="38" name="文本框 37">
+                <a:extLst>
+                  <a:ext uri="{FF2B5EF4-FFF2-40B4-BE49-F238E27FC236}">
+                    <a16:creationId xmlns:a16="http://schemas.microsoft.com/office/drawing/2014/main" id="{EA8D2E53-3D34-0642-8E5E-F6B56815C4C8}"/>
+                  </a:ext>
+                </a:extLst>
+              </p:cNvPr>
+              <p:cNvSpPr txBox="1">
+                <a:spLocks noRot="1" noChangeAspect="1" noMove="1" noResize="1" noEditPoints="1" noAdjustHandles="1" noChangeArrowheads="1" noChangeShapeType="1" noTextEdit="1"/>
+              </p:cNvSpPr>
+              <p:nvPr/>
+            </p:nvSpPr>
+            <p:spPr>
+              <a:xfrm>
+                <a:off x="7634397" y="1463884"/>
+                <a:ext cx="415879" cy="369332"/>
+              </a:xfrm>
+              <a:prstGeom prst="rect">
+                <a:avLst/>
+              </a:prstGeom>
+              <a:blipFill>
+                <a:blip r:embed="rId10"/>
+                <a:stretch>
+                  <a:fillRect/>
+                </a:stretch>
+              </a:blipFill>
+            </p:spPr>
+            <p:txBody>
+              <a:bodyPr/>
+              <a:lstStyle/>
+              <a:p>
+                <a:r>
+                  <a:rPr lang="zh-CN" altLang="en-US">
+                    <a:noFill/>
+                  </a:rPr>
+                  <a:t> </a:t>
+                </a:r>
+              </a:p>
+            </p:txBody>
+          </p:sp>
+        </mc:Fallback>
+      </mc:AlternateContent>
+      <mc:AlternateContent xmlns:mc="http://schemas.openxmlformats.org/markup-compatibility/2006" xmlns:a14="http://schemas.microsoft.com/office/drawing/2010/main">
+        <mc:Choice Requires="a14">
+          <p:sp>
+            <p:nvSpPr>
+              <p:cNvPr id="39" name="文本框 38">
+                <a:extLst>
+                  <a:ext uri="{FF2B5EF4-FFF2-40B4-BE49-F238E27FC236}">
+                    <a16:creationId xmlns:a16="http://schemas.microsoft.com/office/drawing/2014/main" id="{00004B70-BF69-7744-9516-351598A43E8F}"/>
+                  </a:ext>
+                </a:extLst>
+              </p:cNvPr>
+              <p:cNvSpPr txBox="1"/>
+              <p:nvPr/>
+            </p:nvSpPr>
+            <p:spPr>
+              <a:xfrm>
+                <a:off x="8090154" y="1885779"/>
+                <a:ext cx="415879" cy="369332"/>
+              </a:xfrm>
+              <a:prstGeom prst="rect">
+                <a:avLst/>
+              </a:prstGeom>
+              <a:noFill/>
+            </p:spPr>
+            <p:txBody>
+              <a:bodyPr wrap="square" rtlCol="0">
+                <a:spAutoFit/>
+              </a:bodyPr>
+              <a:lstStyle/>
+              <a:p>
+                <a:pPr/>
+                <a14:m>
+                  <m:oMathPara xmlns:m="http://schemas.openxmlformats.org/officeDocument/2006/math">
+                    <m:oMathParaPr>
+                      <m:jc m:val="centerGroup"/>
+                    </m:oMathParaPr>
+                    <m:oMath xmlns:m="http://schemas.openxmlformats.org/officeDocument/2006/math">
+                      <m:sSub>
+                        <m:sSubPr>
+                          <m:ctrlPr>
+                            <a:rPr kumimoji="1" lang="en-US" altLang="zh-CN" b="0" i="1" smtClean="0">
+                              <a:latin typeface="Cambria Math" panose="02040503050406030204" pitchFamily="18" charset="0"/>
+                            </a:rPr>
+                          </m:ctrlPr>
+                        </m:sSubPr>
+                        <m:e>
+                          <m:r>
+                            <a:rPr kumimoji="1" lang="en-US" altLang="zh-CN" b="0" i="1" smtClean="0">
+                              <a:latin typeface="Cambria Math" panose="02040503050406030204" pitchFamily="18" charset="0"/>
+                            </a:rPr>
+                            <m:t>𝐴</m:t>
+                          </m:r>
+                        </m:e>
+                        <m:sub>
+                          <m:r>
+                            <a:rPr kumimoji="1" lang="en-US" altLang="zh-CN" b="0" i="1" smtClean="0">
+                              <a:latin typeface="Cambria Math" panose="02040503050406030204" pitchFamily="18" charset="0"/>
+                            </a:rPr>
+                            <m:t>4</m:t>
+                          </m:r>
+                        </m:sub>
+                      </m:sSub>
+                    </m:oMath>
+                  </m:oMathPara>
+                </a14:m>
+                <a:endParaRPr kumimoji="1" lang="en-US" altLang="zh-CN" b="0" dirty="0"/>
+              </a:p>
+            </p:txBody>
+          </p:sp>
+        </mc:Choice>
+        <mc:Fallback xmlns="">
+          <p:sp>
+            <p:nvSpPr>
+              <p:cNvPr id="39" name="文本框 38">
+                <a:extLst>
+                  <a:ext uri="{FF2B5EF4-FFF2-40B4-BE49-F238E27FC236}">
+                    <a16:creationId xmlns:a16="http://schemas.microsoft.com/office/drawing/2014/main" id="{00004B70-BF69-7744-9516-351598A43E8F}"/>
+                  </a:ext>
+                </a:extLst>
+              </p:cNvPr>
+              <p:cNvSpPr txBox="1">
+                <a:spLocks noRot="1" noChangeAspect="1" noMove="1" noResize="1" noEditPoints="1" noAdjustHandles="1" noChangeArrowheads="1" noChangeShapeType="1" noTextEdit="1"/>
+              </p:cNvSpPr>
+              <p:nvPr/>
+            </p:nvSpPr>
+            <p:spPr>
+              <a:xfrm>
+                <a:off x="8090154" y="1885779"/>
+                <a:ext cx="415879" cy="369332"/>
+              </a:xfrm>
+              <a:prstGeom prst="rect">
+                <a:avLst/>
+              </a:prstGeom>
+              <a:blipFill>
+                <a:blip r:embed="rId11"/>
+                <a:stretch>
+                  <a:fillRect/>
+                </a:stretch>
+              </a:blipFill>
+            </p:spPr>
+            <p:txBody>
+              <a:bodyPr/>
+              <a:lstStyle/>
+              <a:p>
+                <a:r>
+                  <a:rPr lang="zh-CN" altLang="en-US">
+                    <a:noFill/>
+                  </a:rPr>
+                  <a:t> </a:t>
+                </a:r>
+              </a:p>
+            </p:txBody>
+          </p:sp>
+        </mc:Fallback>
+      </mc:AlternateContent>
+      <mc:AlternateContent xmlns:mc="http://schemas.openxmlformats.org/markup-compatibility/2006" xmlns:a14="http://schemas.microsoft.com/office/drawing/2010/main">
+        <mc:Choice Requires="a14">
+          <p:sp>
+            <p:nvSpPr>
+              <p:cNvPr id="40" name="文本框 39">
+                <a:extLst>
+                  <a:ext uri="{FF2B5EF4-FFF2-40B4-BE49-F238E27FC236}">
+                    <a16:creationId xmlns:a16="http://schemas.microsoft.com/office/drawing/2014/main" id="{13EEB6B5-AC8C-D449-B91A-64D56A4265C5}"/>
+                  </a:ext>
+                </a:extLst>
+              </p:cNvPr>
+              <p:cNvSpPr txBox="1"/>
+              <p:nvPr/>
+            </p:nvSpPr>
+            <p:spPr>
+              <a:xfrm>
+                <a:off x="8547354" y="2164000"/>
+                <a:ext cx="415879" cy="369332"/>
+              </a:xfrm>
+              <a:prstGeom prst="rect">
+                <a:avLst/>
+              </a:prstGeom>
+              <a:noFill/>
+            </p:spPr>
+            <p:txBody>
+              <a:bodyPr wrap="square" rtlCol="0">
+                <a:spAutoFit/>
+              </a:bodyPr>
+              <a:lstStyle/>
+              <a:p>
+                <a:pPr/>
+                <a14:m>
+                  <m:oMathPara xmlns:m="http://schemas.openxmlformats.org/officeDocument/2006/math">
+                    <m:oMathParaPr>
+                      <m:jc m:val="centerGroup"/>
+                    </m:oMathParaPr>
+                    <m:oMath xmlns:m="http://schemas.openxmlformats.org/officeDocument/2006/math">
+                      <m:sSub>
+                        <m:sSubPr>
+                          <m:ctrlPr>
+                            <a:rPr kumimoji="1" lang="en-US" altLang="zh-CN" b="0" i="1" smtClean="0">
+                              <a:latin typeface="Cambria Math" panose="02040503050406030204" pitchFamily="18" charset="0"/>
+                            </a:rPr>
+                          </m:ctrlPr>
+                        </m:sSubPr>
+                        <m:e>
+                          <m:r>
+                            <a:rPr kumimoji="1" lang="en-US" altLang="zh-CN" b="0" i="1" smtClean="0">
+                              <a:latin typeface="Cambria Math" panose="02040503050406030204" pitchFamily="18" charset="0"/>
+                            </a:rPr>
+                            <m:t>𝐴</m:t>
+                          </m:r>
+                        </m:e>
+                        <m:sub>
+                          <m:r>
+                            <a:rPr kumimoji="1" lang="en-US" altLang="zh-CN" b="0" i="1" smtClean="0">
+                              <a:latin typeface="Cambria Math" panose="02040503050406030204" pitchFamily="18" charset="0"/>
+                            </a:rPr>
+                            <m:t>5</m:t>
+                          </m:r>
+                        </m:sub>
+                      </m:sSub>
+                    </m:oMath>
+                  </m:oMathPara>
+                </a14:m>
+                <a:endParaRPr kumimoji="1" lang="en-US" altLang="zh-CN" b="0" dirty="0"/>
+              </a:p>
+            </p:txBody>
+          </p:sp>
+        </mc:Choice>
+        <mc:Fallback xmlns="">
+          <p:sp>
+            <p:nvSpPr>
+              <p:cNvPr id="40" name="文本框 39">
+                <a:extLst>
+                  <a:ext uri="{FF2B5EF4-FFF2-40B4-BE49-F238E27FC236}">
+                    <a16:creationId xmlns:a16="http://schemas.microsoft.com/office/drawing/2014/main" id="{13EEB6B5-AC8C-D449-B91A-64D56A4265C5}"/>
+                  </a:ext>
+                </a:extLst>
+              </p:cNvPr>
+              <p:cNvSpPr txBox="1">
+                <a:spLocks noRot="1" noChangeAspect="1" noMove="1" noResize="1" noEditPoints="1" noAdjustHandles="1" noChangeArrowheads="1" noChangeShapeType="1" noTextEdit="1"/>
+              </p:cNvSpPr>
+              <p:nvPr/>
+            </p:nvSpPr>
+            <p:spPr>
+              <a:xfrm>
+                <a:off x="8547354" y="2164000"/>
+                <a:ext cx="415879" cy="369332"/>
+              </a:xfrm>
+              <a:prstGeom prst="rect">
+                <a:avLst/>
+              </a:prstGeom>
+              <a:blipFill>
+                <a:blip r:embed="rId12"/>
+                <a:stretch>
+                  <a:fillRect/>
+                </a:stretch>
+              </a:blipFill>
+            </p:spPr>
+            <p:txBody>
+              <a:bodyPr/>
+              <a:lstStyle/>
+              <a:p>
+                <a:r>
+                  <a:rPr lang="zh-CN" altLang="en-US">
+                    <a:noFill/>
+                  </a:rPr>
+                  <a:t> </a:t>
+                </a:r>
+              </a:p>
+            </p:txBody>
+          </p:sp>
+        </mc:Fallback>
+      </mc:AlternateContent>
+      <mc:AlternateContent xmlns:mc="http://schemas.openxmlformats.org/markup-compatibility/2006" xmlns:a14="http://schemas.microsoft.com/office/drawing/2010/main">
+        <mc:Choice Requires="a14">
+          <p:sp>
+            <p:nvSpPr>
+              <p:cNvPr id="41" name="文本框 40">
+                <a:extLst>
+                  <a:ext uri="{FF2B5EF4-FFF2-40B4-BE49-F238E27FC236}">
+                    <a16:creationId xmlns:a16="http://schemas.microsoft.com/office/drawing/2014/main" id="{CB3CD1D5-CB02-EB42-B74C-6134FDB66219}"/>
+                  </a:ext>
+                </a:extLst>
+              </p:cNvPr>
+              <p:cNvSpPr txBox="1"/>
+              <p:nvPr/>
+            </p:nvSpPr>
+            <p:spPr>
+              <a:xfrm>
+                <a:off x="9005731" y="1673314"/>
+                <a:ext cx="415879" cy="369332"/>
+              </a:xfrm>
+              <a:prstGeom prst="rect">
+                <a:avLst/>
+              </a:prstGeom>
+              <a:noFill/>
+            </p:spPr>
+            <p:txBody>
+              <a:bodyPr wrap="square" rtlCol="0">
+                <a:spAutoFit/>
+              </a:bodyPr>
+              <a:lstStyle/>
+              <a:p>
+                <a:pPr/>
+                <a14:m>
+                  <m:oMathPara xmlns:m="http://schemas.openxmlformats.org/officeDocument/2006/math">
+                    <m:oMathParaPr>
+                      <m:jc m:val="centerGroup"/>
+                    </m:oMathParaPr>
+                    <m:oMath xmlns:m="http://schemas.openxmlformats.org/officeDocument/2006/math">
+                      <m:sSub>
+                        <m:sSubPr>
+                          <m:ctrlPr>
+                            <a:rPr kumimoji="1" lang="en-US" altLang="zh-CN" b="0" i="1" smtClean="0">
+                              <a:latin typeface="Cambria Math" panose="02040503050406030204" pitchFamily="18" charset="0"/>
+                            </a:rPr>
+                          </m:ctrlPr>
+                        </m:sSubPr>
+                        <m:e>
+                          <m:r>
+                            <a:rPr kumimoji="1" lang="en-US" altLang="zh-CN" b="0" i="1" smtClean="0">
+                              <a:latin typeface="Cambria Math" panose="02040503050406030204" pitchFamily="18" charset="0"/>
+                            </a:rPr>
+                            <m:t>𝐴</m:t>
+                          </m:r>
+                        </m:e>
+                        <m:sub>
+                          <m:r>
+                            <a:rPr kumimoji="1" lang="en-US" altLang="zh-CN" b="0" i="1" smtClean="0">
+                              <a:latin typeface="Cambria Math" panose="02040503050406030204" pitchFamily="18" charset="0"/>
+                            </a:rPr>
+                            <m:t>6</m:t>
+                          </m:r>
+                        </m:sub>
+                      </m:sSub>
+                    </m:oMath>
+                  </m:oMathPara>
+                </a14:m>
+                <a:endParaRPr kumimoji="1" lang="en-US" altLang="zh-CN" b="0" dirty="0"/>
+              </a:p>
+            </p:txBody>
+          </p:sp>
+        </mc:Choice>
+        <mc:Fallback xmlns="">
+          <p:sp>
+            <p:nvSpPr>
+              <p:cNvPr id="41" name="文本框 40">
+                <a:extLst>
+                  <a:ext uri="{FF2B5EF4-FFF2-40B4-BE49-F238E27FC236}">
+                    <a16:creationId xmlns:a16="http://schemas.microsoft.com/office/drawing/2014/main" id="{CB3CD1D5-CB02-EB42-B74C-6134FDB66219}"/>
+                  </a:ext>
+                </a:extLst>
+              </p:cNvPr>
+              <p:cNvSpPr txBox="1">
+                <a:spLocks noRot="1" noChangeAspect="1" noMove="1" noResize="1" noEditPoints="1" noAdjustHandles="1" noChangeArrowheads="1" noChangeShapeType="1" noTextEdit="1"/>
+              </p:cNvSpPr>
+              <p:nvPr/>
+            </p:nvSpPr>
+            <p:spPr>
+              <a:xfrm>
+                <a:off x="9005731" y="1673314"/>
+                <a:ext cx="415879" cy="369332"/>
+              </a:xfrm>
+              <a:prstGeom prst="rect">
+                <a:avLst/>
+              </a:prstGeom>
+              <a:blipFill>
+                <a:blip r:embed="rId13"/>
+                <a:stretch>
+                  <a:fillRect/>
+                </a:stretch>
+              </a:blipFill>
+            </p:spPr>
+            <p:txBody>
+              <a:bodyPr/>
+              <a:lstStyle/>
+              <a:p>
+                <a:r>
+                  <a:rPr lang="zh-CN" altLang="en-US">
+                    <a:noFill/>
+                  </a:rPr>
+                  <a:t> </a:t>
+                </a:r>
+              </a:p>
+            </p:txBody>
+          </p:sp>
+        </mc:Fallback>
+      </mc:AlternateContent>
+      <p:pic>
+        <p:nvPicPr>
+          <p:cNvPr id="52" name="图片 51">
+            <a:extLst>
+              <a:ext uri="{FF2B5EF4-FFF2-40B4-BE49-F238E27FC236}">
+                <a16:creationId xmlns:a16="http://schemas.microsoft.com/office/drawing/2014/main" id="{322ADA10-D2C4-4149-9064-5845D93DF2A3}"/>
+              </a:ext>
+            </a:extLst>
+          </p:cNvPr>
+          <p:cNvPicPr>
+            <a:picLocks noChangeAspect="1"/>
+          </p:cNvPicPr>
+          <p:nvPr/>
+        </p:nvPicPr>
+        <p:blipFill>
+          <a:blip r:embed="rId14"/>
+          <a:stretch>
+            <a:fillRect/>
+          </a:stretch>
+        </p:blipFill>
+        <p:spPr>
+          <a:xfrm>
+            <a:off x="1161616" y="1248898"/>
+            <a:ext cx="4438899" cy="2971151"/>
+          </a:xfrm>
+          <a:prstGeom prst="rect">
+            <a:avLst/>
+          </a:prstGeom>
+        </p:spPr>
+      </p:pic>
     </p:spTree>
     <p:extLst>
       <p:ext uri="{BB962C8B-B14F-4D97-AF65-F5344CB8AC3E}">
         <p14:creationId xmlns:p14="http://schemas.microsoft.com/office/powerpoint/2010/main" val="3560995364"/>
+      </p:ext>
+    </p:extLst>
+  </p:cSld>
+  <p:clrMapOvr>
+    <a:masterClrMapping/>
+  </p:clrMapOvr>
+</p:sld>
+</file>
+
+<file path=ppt/slides/slide17.xml><?xml version="1.0" encoding="utf-8"?>
+<p:sld xmlns:a="http://schemas.openxmlformats.org/drawingml/2006/main" xmlns:r="http://schemas.openxmlformats.org/officeDocument/2006/relationships" xmlns:p="http://schemas.openxmlformats.org/presentationml/2006/main">
+  <p:cSld>
+    <p:spTree>
+      <p:nvGrpSpPr>
+        <p:cNvPr id="1" name=""/>
+        <p:cNvGrpSpPr/>
+        <p:nvPr/>
+      </p:nvGrpSpPr>
+      <p:grpSpPr>
+        <a:xfrm>
+          <a:off x="0" y="0"/>
+          <a:ext cx="0" cy="0"/>
+          <a:chOff x="0" y="0"/>
+          <a:chExt cx="0" cy="0"/>
+        </a:xfrm>
+      </p:grpSpPr>
+      <p:cxnSp>
+        <p:nvCxnSpPr>
+          <p:cNvPr id="4" name="直线箭头连接符 3">
+            <a:extLst>
+              <a:ext uri="{FF2B5EF4-FFF2-40B4-BE49-F238E27FC236}">
+                <a16:creationId xmlns:a16="http://schemas.microsoft.com/office/drawing/2014/main" id="{2F9B01E2-F5B8-5340-B88F-A88F1A594170}"/>
+              </a:ext>
+            </a:extLst>
+          </p:cNvPr>
+          <p:cNvCxnSpPr>
+            <a:cxnSpLocks/>
+          </p:cNvCxnSpPr>
+          <p:nvPr/>
+        </p:nvCxnSpPr>
+        <p:spPr>
+          <a:xfrm flipV="1">
+            <a:off x="2823965" y="4076527"/>
+            <a:ext cx="2895983" cy="2"/>
+          </a:xfrm>
+          <a:prstGeom prst="straightConnector1">
+            <a:avLst/>
+          </a:prstGeom>
+          <a:ln w="28575">
+            <a:solidFill>
+              <a:schemeClr val="accent1"/>
+            </a:solidFill>
+            <a:tailEnd type="triangle"/>
+          </a:ln>
+        </p:spPr>
+        <p:style>
+          <a:lnRef idx="1">
+            <a:schemeClr val="accent1"/>
+          </a:lnRef>
+          <a:fillRef idx="0">
+            <a:schemeClr val="accent1"/>
+          </a:fillRef>
+          <a:effectRef idx="0">
+            <a:schemeClr val="accent1"/>
+          </a:effectRef>
+          <a:fontRef idx="minor">
+            <a:schemeClr val="tx1"/>
+          </a:fontRef>
+        </p:style>
+      </p:cxnSp>
+      <p:cxnSp>
+        <p:nvCxnSpPr>
+          <p:cNvPr id="5" name="直线箭头连接符 4">
+            <a:extLst>
+              <a:ext uri="{FF2B5EF4-FFF2-40B4-BE49-F238E27FC236}">
+                <a16:creationId xmlns:a16="http://schemas.microsoft.com/office/drawing/2014/main" id="{5AE25C6C-F79A-EC44-B536-70E98B562C2E}"/>
+              </a:ext>
+            </a:extLst>
+          </p:cNvPr>
+          <p:cNvCxnSpPr>
+            <a:cxnSpLocks/>
+          </p:cNvCxnSpPr>
+          <p:nvPr/>
+        </p:nvCxnSpPr>
+        <p:spPr>
+          <a:xfrm flipV="1">
+            <a:off x="2834159" y="2042556"/>
+            <a:ext cx="0" cy="2033975"/>
+          </a:xfrm>
+          <a:prstGeom prst="straightConnector1">
+            <a:avLst/>
+          </a:prstGeom>
+          <a:ln w="28575">
+            <a:solidFill>
+              <a:schemeClr val="accent1"/>
+            </a:solidFill>
+            <a:tailEnd type="triangle"/>
+          </a:ln>
+        </p:spPr>
+        <p:style>
+          <a:lnRef idx="1">
+            <a:schemeClr val="accent1"/>
+          </a:lnRef>
+          <a:fillRef idx="0">
+            <a:schemeClr val="accent1"/>
+          </a:fillRef>
+          <a:effectRef idx="0">
+            <a:schemeClr val="accent1"/>
+          </a:effectRef>
+          <a:fontRef idx="minor">
+            <a:schemeClr val="tx1"/>
+          </a:fontRef>
+        </p:style>
+      </p:cxnSp>
+      <p:sp>
+        <p:nvSpPr>
+          <p:cNvPr id="6" name="文本框 5">
+            <a:extLst>
+              <a:ext uri="{FF2B5EF4-FFF2-40B4-BE49-F238E27FC236}">
+                <a16:creationId xmlns:a16="http://schemas.microsoft.com/office/drawing/2014/main" id="{8DC165F3-F4A7-EB49-96CA-F66A8E7DBE41}"/>
+              </a:ext>
+            </a:extLst>
+          </p:cNvPr>
+          <p:cNvSpPr txBox="1"/>
+          <p:nvPr/>
+        </p:nvSpPr>
+        <p:spPr>
+          <a:xfrm>
+            <a:off x="5520658" y="4041493"/>
+            <a:ext cx="359229" cy="369332"/>
+          </a:xfrm>
+          <a:prstGeom prst="rect">
+            <a:avLst/>
+          </a:prstGeom>
+          <a:noFill/>
+        </p:spPr>
+        <p:txBody>
+          <a:bodyPr wrap="square" rtlCol="0">
+            <a:spAutoFit/>
+          </a:bodyPr>
+          <a:lstStyle/>
+          <a:p>
+            <a:r>
+              <a:rPr kumimoji="1" lang="en-US" altLang="zh-CN" dirty="0">
+                <a:latin typeface="Times New Roman" panose="02020603050405020304" pitchFamily="18" charset="0"/>
+                <a:cs typeface="Times New Roman" panose="02020603050405020304" pitchFamily="18" charset="0"/>
+              </a:rPr>
+              <a:t>x</a:t>
+            </a:r>
+            <a:endParaRPr kumimoji="1" lang="zh-CN" altLang="en-US" dirty="0">
+              <a:latin typeface="Times New Roman" panose="02020603050405020304" pitchFamily="18" charset="0"/>
+              <a:cs typeface="Times New Roman" panose="02020603050405020304" pitchFamily="18" charset="0"/>
+            </a:endParaRPr>
+          </a:p>
+        </p:txBody>
+      </p:sp>
+      <p:sp>
+        <p:nvSpPr>
+          <p:cNvPr id="7" name="文本框 6">
+            <a:extLst>
+              <a:ext uri="{FF2B5EF4-FFF2-40B4-BE49-F238E27FC236}">
+                <a16:creationId xmlns:a16="http://schemas.microsoft.com/office/drawing/2014/main" id="{AD61C8FA-B28E-034D-A193-E904DF56B931}"/>
+              </a:ext>
+            </a:extLst>
+          </p:cNvPr>
+          <p:cNvSpPr txBox="1"/>
+          <p:nvPr/>
+        </p:nvSpPr>
+        <p:spPr>
+          <a:xfrm>
+            <a:off x="2485125" y="1903454"/>
+            <a:ext cx="359229" cy="369332"/>
+          </a:xfrm>
+          <a:prstGeom prst="rect">
+            <a:avLst/>
+          </a:prstGeom>
+          <a:noFill/>
+        </p:spPr>
+        <p:txBody>
+          <a:bodyPr wrap="square" rtlCol="0">
+            <a:spAutoFit/>
+          </a:bodyPr>
+          <a:lstStyle/>
+          <a:p>
+            <a:r>
+              <a:rPr kumimoji="1" lang="en-US" altLang="zh-CN" dirty="0">
+                <a:latin typeface="Times New Roman" panose="02020603050405020304" pitchFamily="18" charset="0"/>
+                <a:cs typeface="Times New Roman" panose="02020603050405020304" pitchFamily="18" charset="0"/>
+              </a:rPr>
+              <a:t>y</a:t>
+            </a:r>
+            <a:endParaRPr kumimoji="1" lang="zh-CN" altLang="en-US" dirty="0">
+              <a:latin typeface="Times New Roman" panose="02020603050405020304" pitchFamily="18" charset="0"/>
+              <a:cs typeface="Times New Roman" panose="02020603050405020304" pitchFamily="18" charset="0"/>
+            </a:endParaRPr>
+          </a:p>
+        </p:txBody>
+      </p:sp>
+      <p:sp>
+        <p:nvSpPr>
+          <p:cNvPr id="8" name="矩形 7">
+            <a:extLst>
+              <a:ext uri="{FF2B5EF4-FFF2-40B4-BE49-F238E27FC236}">
+                <a16:creationId xmlns:a16="http://schemas.microsoft.com/office/drawing/2014/main" id="{83A752CD-612D-B548-B183-E2FE95A9632C}"/>
+              </a:ext>
+            </a:extLst>
+          </p:cNvPr>
+          <p:cNvSpPr/>
+          <p:nvPr/>
+        </p:nvSpPr>
+        <p:spPr>
+          <a:xfrm>
+            <a:off x="2844354" y="2457450"/>
+            <a:ext cx="365760" cy="1619078"/>
+          </a:xfrm>
+          <a:prstGeom prst="rect">
+            <a:avLst/>
+          </a:prstGeom>
+          <a:ln w="28575">
+            <a:solidFill>
+              <a:schemeClr val="tx1"/>
+            </a:solidFill>
+          </a:ln>
+        </p:spPr>
+        <p:style>
+          <a:lnRef idx="2">
+            <a:schemeClr val="accent1">
+              <a:shade val="50000"/>
+            </a:schemeClr>
+          </a:lnRef>
+          <a:fillRef idx="1">
+            <a:schemeClr val="accent1"/>
+          </a:fillRef>
+          <a:effectRef idx="0">
+            <a:schemeClr val="accent1"/>
+          </a:effectRef>
+          <a:fontRef idx="minor">
+            <a:schemeClr val="lt1"/>
+          </a:fontRef>
+        </p:style>
+        <p:txBody>
+          <a:bodyPr rtlCol="0" anchor="ctr"/>
+          <a:lstStyle/>
+          <a:p>
+            <a:pPr algn="ctr"/>
+            <a:endParaRPr kumimoji="1" lang="zh-CN" altLang="en-US"/>
+          </a:p>
+        </p:txBody>
+      </p:sp>
+      <p:sp>
+        <p:nvSpPr>
+          <p:cNvPr id="9" name="矩形 8">
+            <a:extLst>
+              <a:ext uri="{FF2B5EF4-FFF2-40B4-BE49-F238E27FC236}">
+                <a16:creationId xmlns:a16="http://schemas.microsoft.com/office/drawing/2014/main" id="{38B462AE-3103-D844-BEA6-C6CD7B6F012B}"/>
+              </a:ext>
+            </a:extLst>
+          </p:cNvPr>
+          <p:cNvSpPr/>
+          <p:nvPr/>
+        </p:nvSpPr>
+        <p:spPr>
+          <a:xfrm>
+            <a:off x="3213297" y="2936630"/>
+            <a:ext cx="365760" cy="1139897"/>
+          </a:xfrm>
+          <a:prstGeom prst="rect">
+            <a:avLst/>
+          </a:prstGeom>
+          <a:ln w="28575">
+            <a:solidFill>
+              <a:schemeClr val="tx1"/>
+            </a:solidFill>
+          </a:ln>
+        </p:spPr>
+        <p:style>
+          <a:lnRef idx="2">
+            <a:schemeClr val="accent1">
+              <a:shade val="50000"/>
+            </a:schemeClr>
+          </a:lnRef>
+          <a:fillRef idx="1">
+            <a:schemeClr val="accent1"/>
+          </a:fillRef>
+          <a:effectRef idx="0">
+            <a:schemeClr val="accent1"/>
+          </a:effectRef>
+          <a:fontRef idx="minor">
+            <a:schemeClr val="lt1"/>
+          </a:fontRef>
+        </p:style>
+        <p:txBody>
+          <a:bodyPr rtlCol="0" anchor="ctr"/>
+          <a:lstStyle/>
+          <a:p>
+            <a:pPr algn="ctr"/>
+            <a:endParaRPr kumimoji="1" lang="zh-CN" altLang="en-US"/>
+          </a:p>
+        </p:txBody>
+      </p:sp>
+      <p:sp>
+        <p:nvSpPr>
+          <p:cNvPr id="10" name="矩形 9">
+            <a:extLst>
+              <a:ext uri="{FF2B5EF4-FFF2-40B4-BE49-F238E27FC236}">
+                <a16:creationId xmlns:a16="http://schemas.microsoft.com/office/drawing/2014/main" id="{6BA1378B-1180-404D-A9A7-40D52406EB8E}"/>
+              </a:ext>
+            </a:extLst>
+          </p:cNvPr>
+          <p:cNvSpPr/>
+          <p:nvPr/>
+        </p:nvSpPr>
+        <p:spPr>
+          <a:xfrm>
+            <a:off x="3579057" y="3622431"/>
+            <a:ext cx="365760" cy="454096"/>
+          </a:xfrm>
+          <a:prstGeom prst="rect">
+            <a:avLst/>
+          </a:prstGeom>
+          <a:ln w="28575">
+            <a:solidFill>
+              <a:schemeClr val="tx1"/>
+            </a:solidFill>
+          </a:ln>
+        </p:spPr>
+        <p:style>
+          <a:lnRef idx="2">
+            <a:schemeClr val="accent1">
+              <a:shade val="50000"/>
+            </a:schemeClr>
+          </a:lnRef>
+          <a:fillRef idx="1">
+            <a:schemeClr val="accent1"/>
+          </a:fillRef>
+          <a:effectRef idx="0">
+            <a:schemeClr val="accent1"/>
+          </a:effectRef>
+          <a:fontRef idx="minor">
+            <a:schemeClr val="lt1"/>
+          </a:fontRef>
+        </p:style>
+        <p:txBody>
+          <a:bodyPr rtlCol="0" anchor="ctr"/>
+          <a:lstStyle/>
+          <a:p>
+            <a:pPr algn="ctr"/>
+            <a:endParaRPr kumimoji="1" lang="zh-CN" altLang="en-US"/>
+          </a:p>
+        </p:txBody>
+      </p:sp>
+      <p:sp>
+        <p:nvSpPr>
+          <p:cNvPr id="11" name="矩形 10">
+            <a:extLst>
+              <a:ext uri="{FF2B5EF4-FFF2-40B4-BE49-F238E27FC236}">
+                <a16:creationId xmlns:a16="http://schemas.microsoft.com/office/drawing/2014/main" id="{4359081E-023F-DF42-9F93-4D9EF98AA225}"/>
+              </a:ext>
+            </a:extLst>
+          </p:cNvPr>
+          <p:cNvSpPr/>
+          <p:nvPr/>
+        </p:nvSpPr>
+        <p:spPr>
+          <a:xfrm>
+            <a:off x="3944817" y="3859823"/>
+            <a:ext cx="365760" cy="216704"/>
+          </a:xfrm>
+          <a:prstGeom prst="rect">
+            <a:avLst/>
+          </a:prstGeom>
+          <a:ln w="28575">
+            <a:solidFill>
+              <a:schemeClr val="tx1"/>
+            </a:solidFill>
+          </a:ln>
+        </p:spPr>
+        <p:style>
+          <a:lnRef idx="2">
+            <a:schemeClr val="accent1">
+              <a:shade val="50000"/>
+            </a:schemeClr>
+          </a:lnRef>
+          <a:fillRef idx="1">
+            <a:schemeClr val="accent1"/>
+          </a:fillRef>
+          <a:effectRef idx="0">
+            <a:schemeClr val="accent1"/>
+          </a:effectRef>
+          <a:fontRef idx="minor">
+            <a:schemeClr val="lt1"/>
+          </a:fontRef>
+        </p:style>
+        <p:txBody>
+          <a:bodyPr rtlCol="0" anchor="ctr"/>
+          <a:lstStyle/>
+          <a:p>
+            <a:pPr algn="ctr"/>
+            <a:endParaRPr kumimoji="1" lang="zh-CN" altLang="en-US"/>
+          </a:p>
+        </p:txBody>
+      </p:sp>
+      <p:sp>
+        <p:nvSpPr>
+          <p:cNvPr id="12" name="矩形 11">
+            <a:extLst>
+              <a:ext uri="{FF2B5EF4-FFF2-40B4-BE49-F238E27FC236}">
+                <a16:creationId xmlns:a16="http://schemas.microsoft.com/office/drawing/2014/main" id="{548C2AF0-73E3-B84E-8F0A-6D4FFE6F4C39}"/>
+              </a:ext>
+            </a:extLst>
+          </p:cNvPr>
+          <p:cNvSpPr/>
+          <p:nvPr/>
+        </p:nvSpPr>
+        <p:spPr>
+          <a:xfrm>
+            <a:off x="4306138" y="2637693"/>
+            <a:ext cx="365760" cy="1438834"/>
+          </a:xfrm>
+          <a:prstGeom prst="rect">
+            <a:avLst/>
+          </a:prstGeom>
+          <a:ln w="28575">
+            <a:solidFill>
+              <a:schemeClr val="tx1"/>
+            </a:solidFill>
+          </a:ln>
+        </p:spPr>
+        <p:style>
+          <a:lnRef idx="2">
+            <a:schemeClr val="accent1">
+              <a:shade val="50000"/>
+            </a:schemeClr>
+          </a:lnRef>
+          <a:fillRef idx="1">
+            <a:schemeClr val="accent1"/>
+          </a:fillRef>
+          <a:effectRef idx="0">
+            <a:schemeClr val="accent1"/>
+          </a:effectRef>
+          <a:fontRef idx="minor">
+            <a:schemeClr val="lt1"/>
+          </a:fontRef>
+        </p:style>
+        <p:txBody>
+          <a:bodyPr rtlCol="0" anchor="ctr"/>
+          <a:lstStyle/>
+          <a:p>
+            <a:pPr algn="ctr"/>
+            <a:endParaRPr kumimoji="1" lang="zh-CN" altLang="en-US"/>
+          </a:p>
+        </p:txBody>
+      </p:sp>
+      <p:sp>
+        <p:nvSpPr>
+          <p:cNvPr id="13" name="矩形 12">
+            <a:extLst>
+              <a:ext uri="{FF2B5EF4-FFF2-40B4-BE49-F238E27FC236}">
+                <a16:creationId xmlns:a16="http://schemas.microsoft.com/office/drawing/2014/main" id="{5C12DD9B-6640-8546-A970-E100A5A77D27}"/>
+              </a:ext>
+            </a:extLst>
+          </p:cNvPr>
+          <p:cNvSpPr/>
+          <p:nvPr/>
+        </p:nvSpPr>
+        <p:spPr>
+          <a:xfrm>
+            <a:off x="3977359" y="3622431"/>
+            <a:ext cx="296237" cy="205650"/>
+          </a:xfrm>
+          <a:prstGeom prst="rect">
+            <a:avLst/>
+          </a:prstGeom>
+          <a:solidFill>
+            <a:schemeClr val="accent2"/>
+          </a:solidFill>
+          <a:ln w="28575">
+            <a:solidFill>
+              <a:schemeClr val="accent2"/>
+            </a:solidFill>
+          </a:ln>
+        </p:spPr>
+        <p:style>
+          <a:lnRef idx="2">
+            <a:schemeClr val="accent1">
+              <a:shade val="50000"/>
+            </a:schemeClr>
+          </a:lnRef>
+          <a:fillRef idx="1">
+            <a:schemeClr val="accent1"/>
+          </a:fillRef>
+          <a:effectRef idx="0">
+            <a:schemeClr val="accent1"/>
+          </a:effectRef>
+          <a:fontRef idx="minor">
+            <a:schemeClr val="lt1"/>
+          </a:fontRef>
+        </p:style>
+        <p:txBody>
+          <a:bodyPr rtlCol="0" anchor="ctr"/>
+          <a:lstStyle/>
+          <a:p>
+            <a:pPr algn="ctr"/>
+            <a:endParaRPr kumimoji="1" lang="zh-CN" altLang="en-US"/>
+          </a:p>
+        </p:txBody>
+      </p:sp>
+      <p:sp>
+        <p:nvSpPr>
+          <p:cNvPr id="14" name="矩形 13">
+            <a:extLst>
+              <a:ext uri="{FF2B5EF4-FFF2-40B4-BE49-F238E27FC236}">
+                <a16:creationId xmlns:a16="http://schemas.microsoft.com/office/drawing/2014/main" id="{6EE6A077-A662-B74A-8ED0-F135EAC7684D}"/>
+              </a:ext>
+            </a:extLst>
+          </p:cNvPr>
+          <p:cNvSpPr/>
+          <p:nvPr/>
+        </p:nvSpPr>
+        <p:spPr>
+          <a:xfrm>
+            <a:off x="3609860" y="2936630"/>
+            <a:ext cx="663736" cy="653836"/>
+          </a:xfrm>
+          <a:prstGeom prst="rect">
+            <a:avLst/>
+          </a:prstGeom>
+          <a:solidFill>
+            <a:srgbClr val="92D050"/>
+          </a:solidFill>
+          <a:ln w="28575">
+            <a:solidFill>
+              <a:srgbClr val="92D050"/>
+            </a:solidFill>
+          </a:ln>
+        </p:spPr>
+        <p:style>
+          <a:lnRef idx="2">
+            <a:schemeClr val="accent1">
+              <a:shade val="50000"/>
+            </a:schemeClr>
+          </a:lnRef>
+          <a:fillRef idx="1">
+            <a:schemeClr val="accent1"/>
+          </a:fillRef>
+          <a:effectRef idx="0">
+            <a:schemeClr val="accent1"/>
+          </a:effectRef>
+          <a:fontRef idx="minor">
+            <a:schemeClr val="lt1"/>
+          </a:fontRef>
+        </p:style>
+        <p:txBody>
+          <a:bodyPr rtlCol="0" anchor="ctr"/>
+          <a:lstStyle/>
+          <a:p>
+            <a:pPr algn="ctr"/>
+            <a:endParaRPr kumimoji="1" lang="zh-CN" altLang="en-US"/>
+          </a:p>
+        </p:txBody>
+      </p:sp>
+      <p:sp>
+        <p:nvSpPr>
+          <p:cNvPr id="15" name="矩形 14">
+            <a:extLst>
+              <a:ext uri="{FF2B5EF4-FFF2-40B4-BE49-F238E27FC236}">
+                <a16:creationId xmlns:a16="http://schemas.microsoft.com/office/drawing/2014/main" id="{F9E8F084-5A2D-014A-BD64-AF73937CBA39}"/>
+              </a:ext>
+            </a:extLst>
+          </p:cNvPr>
+          <p:cNvSpPr/>
+          <p:nvPr/>
+        </p:nvSpPr>
+        <p:spPr>
+          <a:xfrm>
+            <a:off x="3242656" y="2637693"/>
+            <a:ext cx="1030939" cy="267278"/>
+          </a:xfrm>
+          <a:prstGeom prst="rect">
+            <a:avLst/>
+          </a:prstGeom>
+          <a:solidFill>
+            <a:srgbClr val="00B0F0"/>
+          </a:solidFill>
+          <a:ln w="28575">
+            <a:solidFill>
+              <a:srgbClr val="00B0F0"/>
+            </a:solidFill>
+          </a:ln>
+        </p:spPr>
+        <p:style>
+          <a:lnRef idx="2">
+            <a:schemeClr val="accent1">
+              <a:shade val="50000"/>
+            </a:schemeClr>
+          </a:lnRef>
+          <a:fillRef idx="1">
+            <a:schemeClr val="accent1"/>
+          </a:fillRef>
+          <a:effectRef idx="0">
+            <a:schemeClr val="accent1"/>
+          </a:effectRef>
+          <a:fontRef idx="minor">
+            <a:schemeClr val="lt1"/>
+          </a:fontRef>
+        </p:style>
+        <p:txBody>
+          <a:bodyPr rtlCol="0" anchor="ctr"/>
+          <a:lstStyle/>
+          <a:p>
+            <a:pPr algn="ctr"/>
+            <a:endParaRPr kumimoji="1" lang="zh-CN" altLang="en-US"/>
+          </a:p>
+        </p:txBody>
+      </p:sp>
+      <p:sp>
+        <p:nvSpPr>
+          <p:cNvPr id="18" name="矩形 17">
+            <a:extLst>
+              <a:ext uri="{FF2B5EF4-FFF2-40B4-BE49-F238E27FC236}">
+                <a16:creationId xmlns:a16="http://schemas.microsoft.com/office/drawing/2014/main" id="{DA52C1D3-ED9D-1241-BC03-C0BC9CE0E4FB}"/>
+              </a:ext>
+            </a:extLst>
+          </p:cNvPr>
+          <p:cNvSpPr/>
+          <p:nvPr/>
+        </p:nvSpPr>
+        <p:spPr>
+          <a:xfrm>
+            <a:off x="4675081" y="3285506"/>
+            <a:ext cx="365760" cy="791019"/>
+          </a:xfrm>
+          <a:prstGeom prst="rect">
+            <a:avLst/>
+          </a:prstGeom>
+          <a:ln w="28575">
+            <a:solidFill>
+              <a:schemeClr val="tx1"/>
+            </a:solidFill>
+          </a:ln>
+        </p:spPr>
+        <p:style>
+          <a:lnRef idx="2">
+            <a:schemeClr val="accent1">
+              <a:shade val="50000"/>
+            </a:schemeClr>
+          </a:lnRef>
+          <a:fillRef idx="1">
+            <a:schemeClr val="accent1"/>
+          </a:fillRef>
+          <a:effectRef idx="0">
+            <a:schemeClr val="accent1"/>
+          </a:effectRef>
+          <a:fontRef idx="minor">
+            <a:schemeClr val="lt1"/>
+          </a:fontRef>
+        </p:style>
+        <p:txBody>
+          <a:bodyPr rtlCol="0" anchor="ctr"/>
+          <a:lstStyle/>
+          <a:p>
+            <a:pPr algn="ctr"/>
+            <a:endParaRPr kumimoji="1" lang="zh-CN" altLang="en-US"/>
+          </a:p>
+        </p:txBody>
+      </p:sp>
+      <p:sp>
+        <p:nvSpPr>
+          <p:cNvPr id="19" name="文本框 18">
+            <a:extLst>
+              <a:ext uri="{FF2B5EF4-FFF2-40B4-BE49-F238E27FC236}">
+                <a16:creationId xmlns:a16="http://schemas.microsoft.com/office/drawing/2014/main" id="{8F47DBA4-84EA-C242-B301-E51F3C4B918B}"/>
+              </a:ext>
+            </a:extLst>
+          </p:cNvPr>
+          <p:cNvSpPr txBox="1"/>
+          <p:nvPr/>
+        </p:nvSpPr>
+        <p:spPr>
+          <a:xfrm>
+            <a:off x="5163977" y="3540590"/>
+            <a:ext cx="356681" cy="369332"/>
+          </a:xfrm>
+          <a:prstGeom prst="rect">
+            <a:avLst/>
+          </a:prstGeom>
+          <a:noFill/>
+        </p:spPr>
+        <p:txBody>
+          <a:bodyPr wrap="square" rtlCol="0">
+            <a:spAutoFit/>
+          </a:bodyPr>
+          <a:lstStyle/>
+          <a:p>
+            <a:r>
+              <a:rPr kumimoji="1" lang="en-US" altLang="zh-CN" b="1" dirty="0"/>
+              <a:t>…</a:t>
+            </a:r>
+            <a:endParaRPr kumimoji="1" lang="zh-CN" altLang="en-US" b="1" dirty="0"/>
+          </a:p>
+        </p:txBody>
+      </p:sp>
+      <p:sp>
+        <p:nvSpPr>
+          <p:cNvPr id="20" name="文本框 19">
+            <a:extLst>
+              <a:ext uri="{FF2B5EF4-FFF2-40B4-BE49-F238E27FC236}">
+                <a16:creationId xmlns:a16="http://schemas.microsoft.com/office/drawing/2014/main" id="{7E9ABA52-6F16-6940-82A9-28AFC33C1D24}"/>
+              </a:ext>
+            </a:extLst>
+          </p:cNvPr>
+          <p:cNvSpPr txBox="1"/>
+          <p:nvPr/>
+        </p:nvSpPr>
+        <p:spPr>
+          <a:xfrm>
+            <a:off x="3883724" y="3607748"/>
+            <a:ext cx="326870" cy="215444"/>
+          </a:xfrm>
+          <a:prstGeom prst="rect">
+            <a:avLst/>
+          </a:prstGeom>
+          <a:noFill/>
+        </p:spPr>
+        <p:txBody>
+          <a:bodyPr wrap="square" rtlCol="0">
+            <a:spAutoFit/>
+          </a:bodyPr>
+          <a:lstStyle/>
+          <a:p>
+            <a:r>
+              <a:rPr kumimoji="1" lang="en-US" altLang="zh-CN" sz="800" dirty="0">
+                <a:latin typeface="Times New Roman" panose="02020603050405020304" pitchFamily="18" charset="0"/>
+                <a:cs typeface="Times New Roman" panose="02020603050405020304" pitchFamily="18" charset="0"/>
+              </a:rPr>
+              <a:t>d1</a:t>
+            </a:r>
+            <a:endParaRPr kumimoji="1" lang="zh-CN" altLang="en-US" sz="800" dirty="0">
+              <a:latin typeface="Times New Roman" panose="02020603050405020304" pitchFamily="18" charset="0"/>
+              <a:cs typeface="Times New Roman" panose="02020603050405020304" pitchFamily="18" charset="0"/>
+            </a:endParaRPr>
+          </a:p>
+        </p:txBody>
+      </p:sp>
+      <p:sp>
+        <p:nvSpPr>
+          <p:cNvPr id="21" name="文本框 20">
+            <a:extLst>
+              <a:ext uri="{FF2B5EF4-FFF2-40B4-BE49-F238E27FC236}">
+                <a16:creationId xmlns:a16="http://schemas.microsoft.com/office/drawing/2014/main" id="{A1F20090-7814-7E4A-ADCA-409765C64222}"/>
+              </a:ext>
+            </a:extLst>
+          </p:cNvPr>
+          <p:cNvSpPr txBox="1"/>
+          <p:nvPr/>
+        </p:nvSpPr>
+        <p:spPr>
+          <a:xfrm>
+            <a:off x="3997519" y="3681015"/>
+            <a:ext cx="359780" cy="215444"/>
+          </a:xfrm>
+          <a:prstGeom prst="rect">
+            <a:avLst/>
+          </a:prstGeom>
+          <a:noFill/>
+        </p:spPr>
+        <p:txBody>
+          <a:bodyPr wrap="square" rtlCol="0">
+            <a:spAutoFit/>
+          </a:bodyPr>
+          <a:lstStyle/>
+          <a:p>
+            <a:r>
+              <a:rPr kumimoji="1" lang="en-US" altLang="zh-CN" sz="800" dirty="0">
+                <a:latin typeface="Times New Roman" panose="02020603050405020304" pitchFamily="18" charset="0"/>
+                <a:cs typeface="Times New Roman" panose="02020603050405020304" pitchFamily="18" charset="0"/>
+              </a:rPr>
+              <a:t>v1</a:t>
+            </a:r>
+            <a:endParaRPr kumimoji="1" lang="zh-CN" altLang="en-US" sz="800" dirty="0">
+              <a:latin typeface="Times New Roman" panose="02020603050405020304" pitchFamily="18" charset="0"/>
+              <a:cs typeface="Times New Roman" panose="02020603050405020304" pitchFamily="18" charset="0"/>
+            </a:endParaRPr>
+          </a:p>
+        </p:txBody>
+      </p:sp>
+      <p:sp>
+        <p:nvSpPr>
+          <p:cNvPr id="22" name="文本框 21">
+            <a:extLst>
+              <a:ext uri="{FF2B5EF4-FFF2-40B4-BE49-F238E27FC236}">
+                <a16:creationId xmlns:a16="http://schemas.microsoft.com/office/drawing/2014/main" id="{0A6E1585-6399-C44C-B75B-9F4EC48D2D93}"/>
+              </a:ext>
+            </a:extLst>
+          </p:cNvPr>
+          <p:cNvSpPr txBox="1"/>
+          <p:nvPr/>
+        </p:nvSpPr>
+        <p:spPr>
+          <a:xfrm>
+            <a:off x="3517964" y="3136249"/>
+            <a:ext cx="323687" cy="215444"/>
+          </a:xfrm>
+          <a:prstGeom prst="rect">
+            <a:avLst/>
+          </a:prstGeom>
+          <a:noFill/>
+        </p:spPr>
+        <p:txBody>
+          <a:bodyPr wrap="square" rtlCol="0">
+            <a:spAutoFit/>
+          </a:bodyPr>
+          <a:lstStyle/>
+          <a:p>
+            <a:r>
+              <a:rPr kumimoji="1" lang="en-US" altLang="zh-CN" sz="800" dirty="0">
+                <a:latin typeface="Times New Roman" panose="02020603050405020304" pitchFamily="18" charset="0"/>
+                <a:cs typeface="Times New Roman" panose="02020603050405020304" pitchFamily="18" charset="0"/>
+              </a:rPr>
+              <a:t>d2</a:t>
+            </a:r>
+            <a:endParaRPr kumimoji="1" lang="zh-CN" altLang="en-US" sz="800" dirty="0">
+              <a:latin typeface="Times New Roman" panose="02020603050405020304" pitchFamily="18" charset="0"/>
+              <a:cs typeface="Times New Roman" panose="02020603050405020304" pitchFamily="18" charset="0"/>
+            </a:endParaRPr>
+          </a:p>
+        </p:txBody>
+      </p:sp>
+      <p:sp>
+        <p:nvSpPr>
+          <p:cNvPr id="23" name="文本框 22">
+            <a:extLst>
+              <a:ext uri="{FF2B5EF4-FFF2-40B4-BE49-F238E27FC236}">
+                <a16:creationId xmlns:a16="http://schemas.microsoft.com/office/drawing/2014/main" id="{1D2E6D8B-A519-3446-9039-5F323393FF18}"/>
+              </a:ext>
+            </a:extLst>
+          </p:cNvPr>
+          <p:cNvSpPr txBox="1"/>
+          <p:nvPr/>
+        </p:nvSpPr>
+        <p:spPr>
+          <a:xfrm>
+            <a:off x="3844834" y="3424264"/>
+            <a:ext cx="307036" cy="215444"/>
+          </a:xfrm>
+          <a:prstGeom prst="rect">
+            <a:avLst/>
+          </a:prstGeom>
+          <a:noFill/>
+        </p:spPr>
+        <p:txBody>
+          <a:bodyPr wrap="square" rtlCol="0">
+            <a:spAutoFit/>
+          </a:bodyPr>
+          <a:lstStyle/>
+          <a:p>
+            <a:r>
+              <a:rPr kumimoji="1" lang="en-US" altLang="zh-CN" sz="800" dirty="0">
+                <a:latin typeface="Times New Roman" panose="02020603050405020304" pitchFamily="18" charset="0"/>
+                <a:cs typeface="Times New Roman" panose="02020603050405020304" pitchFamily="18" charset="0"/>
+              </a:rPr>
+              <a:t>v2</a:t>
+            </a:r>
+            <a:endParaRPr kumimoji="1" lang="zh-CN" altLang="en-US" sz="800" dirty="0">
+              <a:latin typeface="Times New Roman" panose="02020603050405020304" pitchFamily="18" charset="0"/>
+              <a:cs typeface="Times New Roman" panose="02020603050405020304" pitchFamily="18" charset="0"/>
+            </a:endParaRPr>
+          </a:p>
+        </p:txBody>
+      </p:sp>
+      <p:sp>
+        <p:nvSpPr>
+          <p:cNvPr id="24" name="文本框 23">
+            <a:extLst>
+              <a:ext uri="{FF2B5EF4-FFF2-40B4-BE49-F238E27FC236}">
+                <a16:creationId xmlns:a16="http://schemas.microsoft.com/office/drawing/2014/main" id="{692FB71E-3B41-9E43-ACF4-9A29B7D79D91}"/>
+              </a:ext>
+            </a:extLst>
+          </p:cNvPr>
+          <p:cNvSpPr txBox="1"/>
+          <p:nvPr/>
+        </p:nvSpPr>
+        <p:spPr>
+          <a:xfrm>
+            <a:off x="3159825" y="2663610"/>
+            <a:ext cx="323687" cy="215444"/>
+          </a:xfrm>
+          <a:prstGeom prst="rect">
+            <a:avLst/>
+          </a:prstGeom>
+          <a:noFill/>
+        </p:spPr>
+        <p:txBody>
+          <a:bodyPr wrap="square" rtlCol="0">
+            <a:spAutoFit/>
+          </a:bodyPr>
+          <a:lstStyle/>
+          <a:p>
+            <a:r>
+              <a:rPr kumimoji="1" lang="en-US" altLang="zh-CN" sz="800" dirty="0">
+                <a:latin typeface="Times New Roman" panose="02020603050405020304" pitchFamily="18" charset="0"/>
+                <a:cs typeface="Times New Roman" panose="02020603050405020304" pitchFamily="18" charset="0"/>
+              </a:rPr>
+              <a:t>d3</a:t>
+            </a:r>
+            <a:endParaRPr kumimoji="1" lang="zh-CN" altLang="en-US" sz="800" dirty="0">
+              <a:latin typeface="Times New Roman" panose="02020603050405020304" pitchFamily="18" charset="0"/>
+              <a:cs typeface="Times New Roman" panose="02020603050405020304" pitchFamily="18" charset="0"/>
+            </a:endParaRPr>
+          </a:p>
+        </p:txBody>
+      </p:sp>
+      <p:sp>
+        <p:nvSpPr>
+          <p:cNvPr id="25" name="文本框 24">
+            <a:extLst>
+              <a:ext uri="{FF2B5EF4-FFF2-40B4-BE49-F238E27FC236}">
+                <a16:creationId xmlns:a16="http://schemas.microsoft.com/office/drawing/2014/main" id="{00604CC2-1E7D-D64B-82CB-31FD6A5494BE}"/>
+              </a:ext>
+            </a:extLst>
+          </p:cNvPr>
+          <p:cNvSpPr txBox="1"/>
+          <p:nvPr/>
+        </p:nvSpPr>
+        <p:spPr>
+          <a:xfrm>
+            <a:off x="3623148" y="2745606"/>
+            <a:ext cx="307036" cy="215444"/>
+          </a:xfrm>
+          <a:prstGeom prst="rect">
+            <a:avLst/>
+          </a:prstGeom>
+          <a:noFill/>
+        </p:spPr>
+        <p:txBody>
+          <a:bodyPr wrap="square" rtlCol="0">
+            <a:spAutoFit/>
+          </a:bodyPr>
+          <a:lstStyle/>
+          <a:p>
+            <a:r>
+              <a:rPr kumimoji="1" lang="en-US" altLang="zh-CN" sz="800" dirty="0">
+                <a:latin typeface="Times New Roman" panose="02020603050405020304" pitchFamily="18" charset="0"/>
+                <a:cs typeface="Times New Roman" panose="02020603050405020304" pitchFamily="18" charset="0"/>
+              </a:rPr>
+              <a:t>v3</a:t>
+            </a:r>
+            <a:endParaRPr kumimoji="1" lang="zh-CN" altLang="en-US" sz="800" dirty="0">
+              <a:latin typeface="Times New Roman" panose="02020603050405020304" pitchFamily="18" charset="0"/>
+              <a:cs typeface="Times New Roman" panose="02020603050405020304" pitchFamily="18" charset="0"/>
+            </a:endParaRPr>
+          </a:p>
+        </p:txBody>
+      </p:sp>
+    </p:spTree>
+    <p:extLst>
+      <p:ext uri="{BB962C8B-B14F-4D97-AF65-F5344CB8AC3E}">
+        <p14:creationId xmlns:p14="http://schemas.microsoft.com/office/powerpoint/2010/main" val="3937186597"/>
       </p:ext>
     </p:extLst>
   </p:cSld>

--- a/pictures.pptx
+++ b/pictures.pptx
@@ -5,7 +5,7 @@
     <p:sldMasterId id="2147483648" r:id="rId1"/>
   </p:sldMasterIdLst>
   <p:notesMasterIdLst>
-    <p:notesMasterId r:id="rId19"/>
+    <p:notesMasterId r:id="rId21"/>
   </p:notesMasterIdLst>
   <p:sldIdLst>
     <p:sldId id="263" r:id="rId2"/>
@@ -25,6 +25,8 @@
     <p:sldId id="277" r:id="rId16"/>
     <p:sldId id="278" r:id="rId17"/>
     <p:sldId id="279" r:id="rId18"/>
+    <p:sldId id="256" r:id="rId19"/>
+    <p:sldId id="257" r:id="rId20"/>
   </p:sldIdLst>
   <p:sldSz cx="12192000" cy="6858000"/>
   <p:notesSz cx="6858000" cy="9144000"/>
@@ -213,7 +215,7 @@
           <a:p>
             <a:fld id="{86B3B155-2483-6F47-A0CD-700458558B73}" type="datetimeFigureOut">
               <a:rPr kumimoji="1" lang="zh-CN" altLang="en-US" smtClean="0"/>
-              <a:t>2020/2/25</a:t>
+              <a:t>2020/6/14</a:t>
             </a:fld>
             <a:endParaRPr kumimoji="1" lang="zh-CN" altLang="en-US"/>
           </a:p>
@@ -686,7 +688,7 @@
           <a:p>
             <a:fld id="{51C7FA66-BD2E-F245-985F-19D6B65945E5}" type="datetimeFigureOut">
               <a:rPr kumimoji="1" lang="zh-CN" altLang="en-US" smtClean="0"/>
-              <a:t>2020/2/25</a:t>
+              <a:t>2020/6/14</a:t>
             </a:fld>
             <a:endParaRPr kumimoji="1" lang="zh-CN" altLang="en-US"/>
           </a:p>
@@ -859,7 +861,7 @@
           <a:p>
             <a:fld id="{51C7FA66-BD2E-F245-985F-19D6B65945E5}" type="datetimeFigureOut">
               <a:rPr kumimoji="1" lang="zh-CN" altLang="en-US" smtClean="0"/>
-              <a:t>2020/2/25</a:t>
+              <a:t>2020/6/14</a:t>
             </a:fld>
             <a:endParaRPr kumimoji="1" lang="zh-CN" altLang="en-US"/>
           </a:p>
@@ -1042,7 +1044,7 @@
           <a:p>
             <a:fld id="{51C7FA66-BD2E-F245-985F-19D6B65945E5}" type="datetimeFigureOut">
               <a:rPr kumimoji="1" lang="zh-CN" altLang="en-US" smtClean="0"/>
-              <a:t>2020/2/25</a:t>
+              <a:t>2020/6/14</a:t>
             </a:fld>
             <a:endParaRPr kumimoji="1" lang="zh-CN" altLang="en-US"/>
           </a:p>
@@ -1215,7 +1217,7 @@
           <a:p>
             <a:fld id="{51C7FA66-BD2E-F245-985F-19D6B65945E5}" type="datetimeFigureOut">
               <a:rPr kumimoji="1" lang="zh-CN" altLang="en-US" smtClean="0"/>
-              <a:t>2020/2/25</a:t>
+              <a:t>2020/6/14</a:t>
             </a:fld>
             <a:endParaRPr kumimoji="1" lang="zh-CN" altLang="en-US"/>
           </a:p>
@@ -1493,7 +1495,7 @@
           <a:p>
             <a:fld id="{51C7FA66-BD2E-F245-985F-19D6B65945E5}" type="datetimeFigureOut">
               <a:rPr kumimoji="1" lang="zh-CN" altLang="en-US" smtClean="0"/>
-              <a:t>2020/2/25</a:t>
+              <a:t>2020/6/14</a:t>
             </a:fld>
             <a:endParaRPr kumimoji="1" lang="zh-CN" altLang="en-US"/>
           </a:p>
@@ -1708,7 +1710,7 @@
           <a:p>
             <a:fld id="{51C7FA66-BD2E-F245-985F-19D6B65945E5}" type="datetimeFigureOut">
               <a:rPr kumimoji="1" lang="zh-CN" altLang="en-US" smtClean="0"/>
-              <a:t>2020/2/25</a:t>
+              <a:t>2020/6/14</a:t>
             </a:fld>
             <a:endParaRPr kumimoji="1" lang="zh-CN" altLang="en-US"/>
           </a:p>
@@ -2076,7 +2078,7 @@
           <a:p>
             <a:fld id="{51C7FA66-BD2E-F245-985F-19D6B65945E5}" type="datetimeFigureOut">
               <a:rPr kumimoji="1" lang="zh-CN" altLang="en-US" smtClean="0"/>
-              <a:t>2020/2/25</a:t>
+              <a:t>2020/6/14</a:t>
             </a:fld>
             <a:endParaRPr kumimoji="1" lang="zh-CN" altLang="en-US"/>
           </a:p>
@@ -2217,7 +2219,7 @@
           <a:p>
             <a:fld id="{51C7FA66-BD2E-F245-985F-19D6B65945E5}" type="datetimeFigureOut">
               <a:rPr kumimoji="1" lang="zh-CN" altLang="en-US" smtClean="0"/>
-              <a:t>2020/2/25</a:t>
+              <a:t>2020/6/14</a:t>
             </a:fld>
             <a:endParaRPr kumimoji="1" lang="zh-CN" altLang="en-US"/>
           </a:p>
@@ -2330,7 +2332,7 @@
           <a:p>
             <a:fld id="{51C7FA66-BD2E-F245-985F-19D6B65945E5}" type="datetimeFigureOut">
               <a:rPr kumimoji="1" lang="zh-CN" altLang="en-US" smtClean="0"/>
-              <a:t>2020/2/25</a:t>
+              <a:t>2020/6/14</a:t>
             </a:fld>
             <a:endParaRPr kumimoji="1" lang="zh-CN" altLang="en-US"/>
           </a:p>
@@ -2619,7 +2621,7 @@
           <a:p>
             <a:fld id="{51C7FA66-BD2E-F245-985F-19D6B65945E5}" type="datetimeFigureOut">
               <a:rPr kumimoji="1" lang="zh-CN" altLang="en-US" smtClean="0"/>
-              <a:t>2020/2/25</a:t>
+              <a:t>2020/6/14</a:t>
             </a:fld>
             <a:endParaRPr kumimoji="1" lang="zh-CN" altLang="en-US"/>
           </a:p>
@@ -2910,7 +2912,7 @@
           <a:p>
             <a:fld id="{51C7FA66-BD2E-F245-985F-19D6B65945E5}" type="datetimeFigureOut">
               <a:rPr kumimoji="1" lang="zh-CN" altLang="en-US" smtClean="0"/>
-              <a:t>2020/2/25</a:t>
+              <a:t>2020/6/14</a:t>
             </a:fld>
             <a:endParaRPr kumimoji="1" lang="zh-CN" altLang="en-US"/>
           </a:p>
@@ -3126,7 +3128,7 @@
           <a:p>
             <a:fld id="{51C7FA66-BD2E-F245-985F-19D6B65945E5}" type="datetimeFigureOut">
               <a:rPr kumimoji="1" lang="zh-CN" altLang="en-US" smtClean="0"/>
-              <a:t>2020/2/25</a:t>
+              <a:t>2020/6/14</a:t>
             </a:fld>
             <a:endParaRPr kumimoji="1" lang="zh-CN" altLang="en-US"/>
           </a:p>
@@ -16435,938 +16437,6323 @@
           <a:chExt cx="0" cy="0"/>
         </a:xfrm>
       </p:grpSpPr>
-      <p:cxnSp>
-        <p:nvCxnSpPr>
-          <p:cNvPr id="4" name="直线箭头连接符 3">
+      <p:grpSp>
+        <p:nvGrpSpPr>
+          <p:cNvPr id="27" name="组合 26">
             <a:extLst>
               <a:ext uri="{FF2B5EF4-FFF2-40B4-BE49-F238E27FC236}">
-                <a16:creationId xmlns:a16="http://schemas.microsoft.com/office/drawing/2014/main" id="{2F9B01E2-F5B8-5340-B88F-A88F1A594170}"/>
+                <a16:creationId xmlns:a16="http://schemas.microsoft.com/office/drawing/2014/main" id="{7017C5A2-08F0-F446-AB2D-DCA0D2A7C02D}"/>
               </a:ext>
             </a:extLst>
           </p:cNvPr>
-          <p:cNvCxnSpPr>
-            <a:cxnSpLocks/>
-          </p:cNvCxnSpPr>
+          <p:cNvGrpSpPr/>
           <p:nvPr/>
-        </p:nvCxnSpPr>
-        <p:spPr>
-          <a:xfrm flipV="1">
-            <a:off x="2823965" y="4076527"/>
-            <a:ext cx="2895983" cy="2"/>
+        </p:nvGrpSpPr>
+        <p:grpSpPr>
+          <a:xfrm>
+            <a:off x="2349500" y="1816100"/>
+            <a:ext cx="3663950" cy="2774950"/>
+            <a:chOff x="2349500" y="1816100"/>
+            <a:chExt cx="3663950" cy="2774950"/>
           </a:xfrm>
-          <a:prstGeom prst="straightConnector1">
-            <a:avLst/>
-          </a:prstGeom>
-          <a:ln w="28575">
+        </p:grpSpPr>
+        <p:sp>
+          <p:nvSpPr>
+            <p:cNvPr id="26" name="矩形 25">
+              <a:extLst>
+                <a:ext uri="{FF2B5EF4-FFF2-40B4-BE49-F238E27FC236}">
+                  <a16:creationId xmlns:a16="http://schemas.microsoft.com/office/drawing/2014/main" id="{2D205FEA-A085-C047-AE17-A13928F62C4E}"/>
+                </a:ext>
+              </a:extLst>
+            </p:cNvPr>
+            <p:cNvSpPr/>
+            <p:nvPr/>
+          </p:nvSpPr>
+          <p:spPr>
+            <a:xfrm>
+              <a:off x="2349500" y="1816100"/>
+              <a:ext cx="3663950" cy="2774950"/>
+            </a:xfrm>
+            <a:prstGeom prst="rect">
+              <a:avLst/>
+            </a:prstGeom>
             <a:solidFill>
-              <a:schemeClr val="accent1"/>
+              <a:schemeClr val="bg1"/>
             </a:solidFill>
-            <a:tailEnd type="triangle"/>
-          </a:ln>
-        </p:spPr>
-        <p:style>
-          <a:lnRef idx="1">
-            <a:schemeClr val="accent1"/>
-          </a:lnRef>
-          <a:fillRef idx="0">
-            <a:schemeClr val="accent1"/>
-          </a:fillRef>
-          <a:effectRef idx="0">
-            <a:schemeClr val="accent1"/>
-          </a:effectRef>
-          <a:fontRef idx="minor">
-            <a:schemeClr val="tx1"/>
-          </a:fontRef>
-        </p:style>
-      </p:cxnSp>
-      <p:cxnSp>
-        <p:nvCxnSpPr>
-          <p:cNvPr id="5" name="直线箭头连接符 4">
-            <a:extLst>
-              <a:ext uri="{FF2B5EF4-FFF2-40B4-BE49-F238E27FC236}">
-                <a16:creationId xmlns:a16="http://schemas.microsoft.com/office/drawing/2014/main" id="{5AE25C6C-F79A-EC44-B536-70E98B562C2E}"/>
-              </a:ext>
-            </a:extLst>
-          </p:cNvPr>
-          <p:cNvCxnSpPr>
-            <a:cxnSpLocks/>
-          </p:cNvCxnSpPr>
-          <p:nvPr/>
-        </p:nvCxnSpPr>
-        <p:spPr>
-          <a:xfrm flipV="1">
-            <a:off x="2834159" y="2042556"/>
-            <a:ext cx="0" cy="2033975"/>
-          </a:xfrm>
-          <a:prstGeom prst="straightConnector1">
-            <a:avLst/>
-          </a:prstGeom>
-          <a:ln w="28575">
-            <a:solidFill>
-              <a:schemeClr val="accent1"/>
-            </a:solidFill>
-            <a:tailEnd type="triangle"/>
-          </a:ln>
-        </p:spPr>
-        <p:style>
-          <a:lnRef idx="1">
-            <a:schemeClr val="accent1"/>
-          </a:lnRef>
-          <a:fillRef idx="0">
-            <a:schemeClr val="accent1"/>
-          </a:fillRef>
-          <a:effectRef idx="0">
-            <a:schemeClr val="accent1"/>
-          </a:effectRef>
-          <a:fontRef idx="minor">
-            <a:schemeClr val="tx1"/>
-          </a:fontRef>
-        </p:style>
-      </p:cxnSp>
-      <p:sp>
-        <p:nvSpPr>
-          <p:cNvPr id="6" name="文本框 5">
-            <a:extLst>
-              <a:ext uri="{FF2B5EF4-FFF2-40B4-BE49-F238E27FC236}">
-                <a16:creationId xmlns:a16="http://schemas.microsoft.com/office/drawing/2014/main" id="{8DC165F3-F4A7-EB49-96CA-F66A8E7DBE41}"/>
-              </a:ext>
-            </a:extLst>
-          </p:cNvPr>
-          <p:cNvSpPr txBox="1"/>
-          <p:nvPr/>
-        </p:nvSpPr>
-        <p:spPr>
-          <a:xfrm>
-            <a:off x="5520658" y="4041493"/>
-            <a:ext cx="359229" cy="369332"/>
-          </a:xfrm>
-          <a:prstGeom prst="rect">
-            <a:avLst/>
-          </a:prstGeom>
-          <a:noFill/>
-        </p:spPr>
-        <p:txBody>
-          <a:bodyPr wrap="square" rtlCol="0">
-            <a:spAutoFit/>
-          </a:bodyPr>
-          <a:lstStyle/>
-          <a:p>
-            <a:r>
-              <a:rPr kumimoji="1" lang="en-US" altLang="zh-CN" dirty="0">
+            <a:ln>
+              <a:solidFill>
+                <a:schemeClr val="bg1"/>
+              </a:solidFill>
+            </a:ln>
+          </p:spPr>
+          <p:style>
+            <a:lnRef idx="2">
+              <a:schemeClr val="accent1">
+                <a:shade val="50000"/>
+              </a:schemeClr>
+            </a:lnRef>
+            <a:fillRef idx="1">
+              <a:schemeClr val="accent1"/>
+            </a:fillRef>
+            <a:effectRef idx="0">
+              <a:schemeClr val="accent1"/>
+            </a:effectRef>
+            <a:fontRef idx="minor">
+              <a:schemeClr val="lt1"/>
+            </a:fontRef>
+          </p:style>
+          <p:txBody>
+            <a:bodyPr rtlCol="0" anchor="ctr"/>
+            <a:lstStyle/>
+            <a:p>
+              <a:pPr algn="ctr"/>
+              <a:endParaRPr kumimoji="1" lang="zh-CN" altLang="en-US"/>
+            </a:p>
+          </p:txBody>
+        </p:sp>
+        <p:cxnSp>
+          <p:nvCxnSpPr>
+            <p:cNvPr id="4" name="直线箭头连接符 3">
+              <a:extLst>
+                <a:ext uri="{FF2B5EF4-FFF2-40B4-BE49-F238E27FC236}">
+                  <a16:creationId xmlns:a16="http://schemas.microsoft.com/office/drawing/2014/main" id="{2F9B01E2-F5B8-5340-B88F-A88F1A594170}"/>
+                </a:ext>
+              </a:extLst>
+            </p:cNvPr>
+            <p:cNvCxnSpPr>
+              <a:cxnSpLocks/>
+            </p:cNvCxnSpPr>
+            <p:nvPr/>
+          </p:nvCxnSpPr>
+          <p:spPr>
+            <a:xfrm flipV="1">
+              <a:off x="2823965" y="4076527"/>
+              <a:ext cx="2895983" cy="2"/>
+            </a:xfrm>
+            <a:prstGeom prst="straightConnector1">
+              <a:avLst/>
+            </a:prstGeom>
+            <a:ln w="28575">
+              <a:solidFill>
+                <a:schemeClr val="accent1"/>
+              </a:solidFill>
+              <a:tailEnd type="triangle"/>
+            </a:ln>
+          </p:spPr>
+          <p:style>
+            <a:lnRef idx="1">
+              <a:schemeClr val="accent1"/>
+            </a:lnRef>
+            <a:fillRef idx="0">
+              <a:schemeClr val="accent1"/>
+            </a:fillRef>
+            <a:effectRef idx="0">
+              <a:schemeClr val="accent1"/>
+            </a:effectRef>
+            <a:fontRef idx="minor">
+              <a:schemeClr val="tx1"/>
+            </a:fontRef>
+          </p:style>
+        </p:cxnSp>
+        <p:cxnSp>
+          <p:nvCxnSpPr>
+            <p:cNvPr id="5" name="直线箭头连接符 4">
+              <a:extLst>
+                <a:ext uri="{FF2B5EF4-FFF2-40B4-BE49-F238E27FC236}">
+                  <a16:creationId xmlns:a16="http://schemas.microsoft.com/office/drawing/2014/main" id="{5AE25C6C-F79A-EC44-B536-70E98B562C2E}"/>
+                </a:ext>
+              </a:extLst>
+            </p:cNvPr>
+            <p:cNvCxnSpPr>
+              <a:cxnSpLocks/>
+            </p:cNvCxnSpPr>
+            <p:nvPr/>
+          </p:nvCxnSpPr>
+          <p:spPr>
+            <a:xfrm flipV="1">
+              <a:off x="2834159" y="2042556"/>
+              <a:ext cx="0" cy="2033975"/>
+            </a:xfrm>
+            <a:prstGeom prst="straightConnector1">
+              <a:avLst/>
+            </a:prstGeom>
+            <a:ln w="28575">
+              <a:solidFill>
+                <a:schemeClr val="accent1"/>
+              </a:solidFill>
+              <a:tailEnd type="triangle"/>
+            </a:ln>
+          </p:spPr>
+          <p:style>
+            <a:lnRef idx="1">
+              <a:schemeClr val="accent1"/>
+            </a:lnRef>
+            <a:fillRef idx="0">
+              <a:schemeClr val="accent1"/>
+            </a:fillRef>
+            <a:effectRef idx="0">
+              <a:schemeClr val="accent1"/>
+            </a:effectRef>
+            <a:fontRef idx="minor">
+              <a:schemeClr val="tx1"/>
+            </a:fontRef>
+          </p:style>
+        </p:cxnSp>
+        <p:sp>
+          <p:nvSpPr>
+            <p:cNvPr id="6" name="文本框 5">
+              <a:extLst>
+                <a:ext uri="{FF2B5EF4-FFF2-40B4-BE49-F238E27FC236}">
+                  <a16:creationId xmlns:a16="http://schemas.microsoft.com/office/drawing/2014/main" id="{8DC165F3-F4A7-EB49-96CA-F66A8E7DBE41}"/>
+                </a:ext>
+              </a:extLst>
+            </p:cNvPr>
+            <p:cNvSpPr txBox="1"/>
+            <p:nvPr/>
+          </p:nvSpPr>
+          <p:spPr>
+            <a:xfrm>
+              <a:off x="5520658" y="4041493"/>
+              <a:ext cx="359229" cy="369332"/>
+            </a:xfrm>
+            <a:prstGeom prst="rect">
+              <a:avLst/>
+            </a:prstGeom>
+            <a:noFill/>
+          </p:spPr>
+          <p:txBody>
+            <a:bodyPr wrap="square" rtlCol="0">
+              <a:spAutoFit/>
+            </a:bodyPr>
+            <a:lstStyle/>
+            <a:p>
+              <a:r>
+                <a:rPr kumimoji="1" lang="en-US" altLang="zh-CN" dirty="0">
+                  <a:latin typeface="Times New Roman" panose="02020603050405020304" pitchFamily="18" charset="0"/>
+                  <a:cs typeface="Times New Roman" panose="02020603050405020304" pitchFamily="18" charset="0"/>
+                </a:rPr>
+                <a:t>x</a:t>
+              </a:r>
+              <a:endParaRPr kumimoji="1" lang="zh-CN" altLang="en-US" dirty="0">
                 <a:latin typeface="Times New Roman" panose="02020603050405020304" pitchFamily="18" charset="0"/>
                 <a:cs typeface="Times New Roman" panose="02020603050405020304" pitchFamily="18" charset="0"/>
-              </a:rPr>
-              <a:t>x</a:t>
-            </a:r>
-            <a:endParaRPr kumimoji="1" lang="zh-CN" altLang="en-US" dirty="0">
-              <a:latin typeface="Times New Roman" panose="02020603050405020304" pitchFamily="18" charset="0"/>
-              <a:cs typeface="Times New Roman" panose="02020603050405020304" pitchFamily="18" charset="0"/>
-            </a:endParaRPr>
-          </a:p>
-        </p:txBody>
-      </p:sp>
-      <p:sp>
-        <p:nvSpPr>
-          <p:cNvPr id="7" name="文本框 6">
-            <a:extLst>
-              <a:ext uri="{FF2B5EF4-FFF2-40B4-BE49-F238E27FC236}">
-                <a16:creationId xmlns:a16="http://schemas.microsoft.com/office/drawing/2014/main" id="{AD61C8FA-B28E-034D-A193-E904DF56B931}"/>
-              </a:ext>
-            </a:extLst>
-          </p:cNvPr>
-          <p:cNvSpPr txBox="1"/>
-          <p:nvPr/>
-        </p:nvSpPr>
-        <p:spPr>
-          <a:xfrm>
-            <a:off x="2485125" y="1903454"/>
-            <a:ext cx="359229" cy="369332"/>
-          </a:xfrm>
-          <a:prstGeom prst="rect">
-            <a:avLst/>
-          </a:prstGeom>
-          <a:noFill/>
-        </p:spPr>
-        <p:txBody>
-          <a:bodyPr wrap="square" rtlCol="0">
-            <a:spAutoFit/>
-          </a:bodyPr>
-          <a:lstStyle/>
-          <a:p>
-            <a:r>
-              <a:rPr kumimoji="1" lang="en-US" altLang="zh-CN" dirty="0">
+              </a:endParaRPr>
+            </a:p>
+          </p:txBody>
+        </p:sp>
+        <p:sp>
+          <p:nvSpPr>
+            <p:cNvPr id="7" name="文本框 6">
+              <a:extLst>
+                <a:ext uri="{FF2B5EF4-FFF2-40B4-BE49-F238E27FC236}">
+                  <a16:creationId xmlns:a16="http://schemas.microsoft.com/office/drawing/2014/main" id="{AD61C8FA-B28E-034D-A193-E904DF56B931}"/>
+                </a:ext>
+              </a:extLst>
+            </p:cNvPr>
+            <p:cNvSpPr txBox="1"/>
+            <p:nvPr/>
+          </p:nvSpPr>
+          <p:spPr>
+            <a:xfrm>
+              <a:off x="2485125" y="1903454"/>
+              <a:ext cx="359229" cy="369332"/>
+            </a:xfrm>
+            <a:prstGeom prst="rect">
+              <a:avLst/>
+            </a:prstGeom>
+            <a:noFill/>
+          </p:spPr>
+          <p:txBody>
+            <a:bodyPr wrap="square" rtlCol="0">
+              <a:spAutoFit/>
+            </a:bodyPr>
+            <a:lstStyle/>
+            <a:p>
+              <a:r>
+                <a:rPr kumimoji="1" lang="en-US" altLang="zh-CN" dirty="0">
+                  <a:latin typeface="Times New Roman" panose="02020603050405020304" pitchFamily="18" charset="0"/>
+                  <a:cs typeface="Times New Roman" panose="02020603050405020304" pitchFamily="18" charset="0"/>
+                </a:rPr>
+                <a:t>y</a:t>
+              </a:r>
+              <a:endParaRPr kumimoji="1" lang="zh-CN" altLang="en-US" dirty="0">
                 <a:latin typeface="Times New Roman" panose="02020603050405020304" pitchFamily="18" charset="0"/>
                 <a:cs typeface="Times New Roman" panose="02020603050405020304" pitchFamily="18" charset="0"/>
-              </a:rPr>
-              <a:t>y</a:t>
-            </a:r>
-            <a:endParaRPr kumimoji="1" lang="zh-CN" altLang="en-US" dirty="0">
-              <a:latin typeface="Times New Roman" panose="02020603050405020304" pitchFamily="18" charset="0"/>
-              <a:cs typeface="Times New Roman" panose="02020603050405020304" pitchFamily="18" charset="0"/>
-            </a:endParaRPr>
-          </a:p>
-        </p:txBody>
-      </p:sp>
-      <p:sp>
-        <p:nvSpPr>
-          <p:cNvPr id="8" name="矩形 7">
-            <a:extLst>
-              <a:ext uri="{FF2B5EF4-FFF2-40B4-BE49-F238E27FC236}">
-                <a16:creationId xmlns:a16="http://schemas.microsoft.com/office/drawing/2014/main" id="{83A752CD-612D-B548-B183-E2FE95A9632C}"/>
-              </a:ext>
-            </a:extLst>
-          </p:cNvPr>
-          <p:cNvSpPr/>
-          <p:nvPr/>
-        </p:nvSpPr>
-        <p:spPr>
-          <a:xfrm>
-            <a:off x="2844354" y="2457450"/>
-            <a:ext cx="365760" cy="1619078"/>
-          </a:xfrm>
-          <a:prstGeom prst="rect">
-            <a:avLst/>
-          </a:prstGeom>
-          <a:ln w="28575">
-            <a:solidFill>
-              <a:schemeClr val="tx1"/>
-            </a:solidFill>
-          </a:ln>
-        </p:spPr>
-        <p:style>
-          <a:lnRef idx="2">
-            <a:schemeClr val="accent1">
-              <a:shade val="50000"/>
-            </a:schemeClr>
-          </a:lnRef>
-          <a:fillRef idx="1">
-            <a:schemeClr val="accent1"/>
-          </a:fillRef>
-          <a:effectRef idx="0">
-            <a:schemeClr val="accent1"/>
-          </a:effectRef>
-          <a:fontRef idx="minor">
-            <a:schemeClr val="lt1"/>
-          </a:fontRef>
-        </p:style>
-        <p:txBody>
-          <a:bodyPr rtlCol="0" anchor="ctr"/>
-          <a:lstStyle/>
-          <a:p>
-            <a:pPr algn="ctr"/>
-            <a:endParaRPr kumimoji="1" lang="zh-CN" altLang="en-US"/>
-          </a:p>
-        </p:txBody>
-      </p:sp>
-      <p:sp>
-        <p:nvSpPr>
-          <p:cNvPr id="9" name="矩形 8">
-            <a:extLst>
-              <a:ext uri="{FF2B5EF4-FFF2-40B4-BE49-F238E27FC236}">
-                <a16:creationId xmlns:a16="http://schemas.microsoft.com/office/drawing/2014/main" id="{38B462AE-3103-D844-BEA6-C6CD7B6F012B}"/>
-              </a:ext>
-            </a:extLst>
-          </p:cNvPr>
-          <p:cNvSpPr/>
-          <p:nvPr/>
-        </p:nvSpPr>
-        <p:spPr>
-          <a:xfrm>
-            <a:off x="3213297" y="2936630"/>
-            <a:ext cx="365760" cy="1139897"/>
-          </a:xfrm>
-          <a:prstGeom prst="rect">
-            <a:avLst/>
-          </a:prstGeom>
-          <a:ln w="28575">
-            <a:solidFill>
-              <a:schemeClr val="tx1"/>
-            </a:solidFill>
-          </a:ln>
-        </p:spPr>
-        <p:style>
-          <a:lnRef idx="2">
-            <a:schemeClr val="accent1">
-              <a:shade val="50000"/>
-            </a:schemeClr>
-          </a:lnRef>
-          <a:fillRef idx="1">
-            <a:schemeClr val="accent1"/>
-          </a:fillRef>
-          <a:effectRef idx="0">
-            <a:schemeClr val="accent1"/>
-          </a:effectRef>
-          <a:fontRef idx="minor">
-            <a:schemeClr val="lt1"/>
-          </a:fontRef>
-        </p:style>
-        <p:txBody>
-          <a:bodyPr rtlCol="0" anchor="ctr"/>
-          <a:lstStyle/>
-          <a:p>
-            <a:pPr algn="ctr"/>
-            <a:endParaRPr kumimoji="1" lang="zh-CN" altLang="en-US"/>
-          </a:p>
-        </p:txBody>
-      </p:sp>
-      <p:sp>
-        <p:nvSpPr>
-          <p:cNvPr id="10" name="矩形 9">
-            <a:extLst>
-              <a:ext uri="{FF2B5EF4-FFF2-40B4-BE49-F238E27FC236}">
-                <a16:creationId xmlns:a16="http://schemas.microsoft.com/office/drawing/2014/main" id="{6BA1378B-1180-404D-A9A7-40D52406EB8E}"/>
-              </a:ext>
-            </a:extLst>
-          </p:cNvPr>
-          <p:cNvSpPr/>
-          <p:nvPr/>
-        </p:nvSpPr>
-        <p:spPr>
-          <a:xfrm>
-            <a:off x="3579057" y="3622431"/>
-            <a:ext cx="365760" cy="454096"/>
-          </a:xfrm>
-          <a:prstGeom prst="rect">
-            <a:avLst/>
-          </a:prstGeom>
-          <a:ln w="28575">
-            <a:solidFill>
-              <a:schemeClr val="tx1"/>
-            </a:solidFill>
-          </a:ln>
-        </p:spPr>
-        <p:style>
-          <a:lnRef idx="2">
-            <a:schemeClr val="accent1">
-              <a:shade val="50000"/>
-            </a:schemeClr>
-          </a:lnRef>
-          <a:fillRef idx="1">
-            <a:schemeClr val="accent1"/>
-          </a:fillRef>
-          <a:effectRef idx="0">
-            <a:schemeClr val="accent1"/>
-          </a:effectRef>
-          <a:fontRef idx="minor">
-            <a:schemeClr val="lt1"/>
-          </a:fontRef>
-        </p:style>
-        <p:txBody>
-          <a:bodyPr rtlCol="0" anchor="ctr"/>
-          <a:lstStyle/>
-          <a:p>
-            <a:pPr algn="ctr"/>
-            <a:endParaRPr kumimoji="1" lang="zh-CN" altLang="en-US"/>
-          </a:p>
-        </p:txBody>
-      </p:sp>
-      <p:sp>
-        <p:nvSpPr>
-          <p:cNvPr id="11" name="矩形 10">
-            <a:extLst>
-              <a:ext uri="{FF2B5EF4-FFF2-40B4-BE49-F238E27FC236}">
-                <a16:creationId xmlns:a16="http://schemas.microsoft.com/office/drawing/2014/main" id="{4359081E-023F-DF42-9F93-4D9EF98AA225}"/>
-              </a:ext>
-            </a:extLst>
-          </p:cNvPr>
-          <p:cNvSpPr/>
-          <p:nvPr/>
-        </p:nvSpPr>
-        <p:spPr>
-          <a:xfrm>
-            <a:off x="3944817" y="3859823"/>
-            <a:ext cx="365760" cy="216704"/>
-          </a:xfrm>
-          <a:prstGeom prst="rect">
-            <a:avLst/>
-          </a:prstGeom>
-          <a:ln w="28575">
-            <a:solidFill>
-              <a:schemeClr val="tx1"/>
-            </a:solidFill>
-          </a:ln>
-        </p:spPr>
-        <p:style>
-          <a:lnRef idx="2">
-            <a:schemeClr val="accent1">
-              <a:shade val="50000"/>
-            </a:schemeClr>
-          </a:lnRef>
-          <a:fillRef idx="1">
-            <a:schemeClr val="accent1"/>
-          </a:fillRef>
-          <a:effectRef idx="0">
-            <a:schemeClr val="accent1"/>
-          </a:effectRef>
-          <a:fontRef idx="minor">
-            <a:schemeClr val="lt1"/>
-          </a:fontRef>
-        </p:style>
-        <p:txBody>
-          <a:bodyPr rtlCol="0" anchor="ctr"/>
-          <a:lstStyle/>
-          <a:p>
-            <a:pPr algn="ctr"/>
-            <a:endParaRPr kumimoji="1" lang="zh-CN" altLang="en-US"/>
-          </a:p>
-        </p:txBody>
-      </p:sp>
-      <p:sp>
-        <p:nvSpPr>
-          <p:cNvPr id="12" name="矩形 11">
-            <a:extLst>
-              <a:ext uri="{FF2B5EF4-FFF2-40B4-BE49-F238E27FC236}">
-                <a16:creationId xmlns:a16="http://schemas.microsoft.com/office/drawing/2014/main" id="{548C2AF0-73E3-B84E-8F0A-6D4FFE6F4C39}"/>
-              </a:ext>
-            </a:extLst>
-          </p:cNvPr>
-          <p:cNvSpPr/>
-          <p:nvPr/>
-        </p:nvSpPr>
-        <p:spPr>
-          <a:xfrm>
-            <a:off x="4306138" y="2637693"/>
-            <a:ext cx="365760" cy="1438834"/>
-          </a:xfrm>
-          <a:prstGeom prst="rect">
-            <a:avLst/>
-          </a:prstGeom>
-          <a:ln w="28575">
-            <a:solidFill>
-              <a:schemeClr val="tx1"/>
-            </a:solidFill>
-          </a:ln>
-        </p:spPr>
-        <p:style>
-          <a:lnRef idx="2">
-            <a:schemeClr val="accent1">
-              <a:shade val="50000"/>
-            </a:schemeClr>
-          </a:lnRef>
-          <a:fillRef idx="1">
-            <a:schemeClr val="accent1"/>
-          </a:fillRef>
-          <a:effectRef idx="0">
-            <a:schemeClr val="accent1"/>
-          </a:effectRef>
-          <a:fontRef idx="minor">
-            <a:schemeClr val="lt1"/>
-          </a:fontRef>
-        </p:style>
-        <p:txBody>
-          <a:bodyPr rtlCol="0" anchor="ctr"/>
-          <a:lstStyle/>
-          <a:p>
-            <a:pPr algn="ctr"/>
-            <a:endParaRPr kumimoji="1" lang="zh-CN" altLang="en-US"/>
-          </a:p>
-        </p:txBody>
-      </p:sp>
-      <p:sp>
-        <p:nvSpPr>
-          <p:cNvPr id="13" name="矩形 12">
-            <a:extLst>
-              <a:ext uri="{FF2B5EF4-FFF2-40B4-BE49-F238E27FC236}">
-                <a16:creationId xmlns:a16="http://schemas.microsoft.com/office/drawing/2014/main" id="{5C12DD9B-6640-8546-A970-E100A5A77D27}"/>
-              </a:ext>
-            </a:extLst>
-          </p:cNvPr>
-          <p:cNvSpPr/>
-          <p:nvPr/>
-        </p:nvSpPr>
-        <p:spPr>
-          <a:xfrm>
-            <a:off x="3977359" y="3622431"/>
-            <a:ext cx="296237" cy="205650"/>
-          </a:xfrm>
-          <a:prstGeom prst="rect">
-            <a:avLst/>
-          </a:prstGeom>
-          <a:solidFill>
-            <a:schemeClr val="accent2"/>
-          </a:solidFill>
-          <a:ln w="28575">
+              </a:endParaRPr>
+            </a:p>
+          </p:txBody>
+        </p:sp>
+        <p:sp>
+          <p:nvSpPr>
+            <p:cNvPr id="8" name="矩形 7">
+              <a:extLst>
+                <a:ext uri="{FF2B5EF4-FFF2-40B4-BE49-F238E27FC236}">
+                  <a16:creationId xmlns:a16="http://schemas.microsoft.com/office/drawing/2014/main" id="{83A752CD-612D-B548-B183-E2FE95A9632C}"/>
+                </a:ext>
+              </a:extLst>
+            </p:cNvPr>
+            <p:cNvSpPr/>
+            <p:nvPr/>
+          </p:nvSpPr>
+          <p:spPr>
+            <a:xfrm>
+              <a:off x="2844354" y="2457450"/>
+              <a:ext cx="365760" cy="1619078"/>
+            </a:xfrm>
+            <a:prstGeom prst="rect">
+              <a:avLst/>
+            </a:prstGeom>
+            <a:ln w="28575">
+              <a:solidFill>
+                <a:schemeClr val="tx1"/>
+              </a:solidFill>
+            </a:ln>
+          </p:spPr>
+          <p:style>
+            <a:lnRef idx="2">
+              <a:schemeClr val="accent1">
+                <a:shade val="50000"/>
+              </a:schemeClr>
+            </a:lnRef>
+            <a:fillRef idx="1">
+              <a:schemeClr val="accent1"/>
+            </a:fillRef>
+            <a:effectRef idx="0">
+              <a:schemeClr val="accent1"/>
+            </a:effectRef>
+            <a:fontRef idx="minor">
+              <a:schemeClr val="lt1"/>
+            </a:fontRef>
+          </p:style>
+          <p:txBody>
+            <a:bodyPr rtlCol="0" anchor="ctr"/>
+            <a:lstStyle/>
+            <a:p>
+              <a:pPr algn="ctr"/>
+              <a:endParaRPr kumimoji="1" lang="zh-CN" altLang="en-US"/>
+            </a:p>
+          </p:txBody>
+        </p:sp>
+        <p:sp>
+          <p:nvSpPr>
+            <p:cNvPr id="9" name="矩形 8">
+              <a:extLst>
+                <a:ext uri="{FF2B5EF4-FFF2-40B4-BE49-F238E27FC236}">
+                  <a16:creationId xmlns:a16="http://schemas.microsoft.com/office/drawing/2014/main" id="{38B462AE-3103-D844-BEA6-C6CD7B6F012B}"/>
+                </a:ext>
+              </a:extLst>
+            </p:cNvPr>
+            <p:cNvSpPr/>
+            <p:nvPr/>
+          </p:nvSpPr>
+          <p:spPr>
+            <a:xfrm>
+              <a:off x="3213297" y="2936630"/>
+              <a:ext cx="365760" cy="1139897"/>
+            </a:xfrm>
+            <a:prstGeom prst="rect">
+              <a:avLst/>
+            </a:prstGeom>
+            <a:ln w="28575">
+              <a:solidFill>
+                <a:schemeClr val="tx1"/>
+              </a:solidFill>
+            </a:ln>
+          </p:spPr>
+          <p:style>
+            <a:lnRef idx="2">
+              <a:schemeClr val="accent1">
+                <a:shade val="50000"/>
+              </a:schemeClr>
+            </a:lnRef>
+            <a:fillRef idx="1">
+              <a:schemeClr val="accent1"/>
+            </a:fillRef>
+            <a:effectRef idx="0">
+              <a:schemeClr val="accent1"/>
+            </a:effectRef>
+            <a:fontRef idx="minor">
+              <a:schemeClr val="lt1"/>
+            </a:fontRef>
+          </p:style>
+          <p:txBody>
+            <a:bodyPr rtlCol="0" anchor="ctr"/>
+            <a:lstStyle/>
+            <a:p>
+              <a:pPr algn="ctr"/>
+              <a:endParaRPr kumimoji="1" lang="zh-CN" altLang="en-US"/>
+            </a:p>
+          </p:txBody>
+        </p:sp>
+        <p:sp>
+          <p:nvSpPr>
+            <p:cNvPr id="10" name="矩形 9">
+              <a:extLst>
+                <a:ext uri="{FF2B5EF4-FFF2-40B4-BE49-F238E27FC236}">
+                  <a16:creationId xmlns:a16="http://schemas.microsoft.com/office/drawing/2014/main" id="{6BA1378B-1180-404D-A9A7-40D52406EB8E}"/>
+                </a:ext>
+              </a:extLst>
+            </p:cNvPr>
+            <p:cNvSpPr/>
+            <p:nvPr/>
+          </p:nvSpPr>
+          <p:spPr>
+            <a:xfrm>
+              <a:off x="3579057" y="3622431"/>
+              <a:ext cx="365760" cy="454096"/>
+            </a:xfrm>
+            <a:prstGeom prst="rect">
+              <a:avLst/>
+            </a:prstGeom>
+            <a:ln w="28575">
+              <a:solidFill>
+                <a:schemeClr val="tx1"/>
+              </a:solidFill>
+            </a:ln>
+          </p:spPr>
+          <p:style>
+            <a:lnRef idx="2">
+              <a:schemeClr val="accent1">
+                <a:shade val="50000"/>
+              </a:schemeClr>
+            </a:lnRef>
+            <a:fillRef idx="1">
+              <a:schemeClr val="accent1"/>
+            </a:fillRef>
+            <a:effectRef idx="0">
+              <a:schemeClr val="accent1"/>
+            </a:effectRef>
+            <a:fontRef idx="minor">
+              <a:schemeClr val="lt1"/>
+            </a:fontRef>
+          </p:style>
+          <p:txBody>
+            <a:bodyPr rtlCol="0" anchor="ctr"/>
+            <a:lstStyle/>
+            <a:p>
+              <a:pPr algn="ctr"/>
+              <a:endParaRPr kumimoji="1" lang="zh-CN" altLang="en-US"/>
+            </a:p>
+          </p:txBody>
+        </p:sp>
+        <p:sp>
+          <p:nvSpPr>
+            <p:cNvPr id="11" name="矩形 10">
+              <a:extLst>
+                <a:ext uri="{FF2B5EF4-FFF2-40B4-BE49-F238E27FC236}">
+                  <a16:creationId xmlns:a16="http://schemas.microsoft.com/office/drawing/2014/main" id="{4359081E-023F-DF42-9F93-4D9EF98AA225}"/>
+                </a:ext>
+              </a:extLst>
+            </p:cNvPr>
+            <p:cNvSpPr/>
+            <p:nvPr/>
+          </p:nvSpPr>
+          <p:spPr>
+            <a:xfrm>
+              <a:off x="3944817" y="3859823"/>
+              <a:ext cx="365760" cy="216704"/>
+            </a:xfrm>
+            <a:prstGeom prst="rect">
+              <a:avLst/>
+            </a:prstGeom>
+            <a:ln w="28575">
+              <a:solidFill>
+                <a:schemeClr val="tx1"/>
+              </a:solidFill>
+            </a:ln>
+          </p:spPr>
+          <p:style>
+            <a:lnRef idx="2">
+              <a:schemeClr val="accent1">
+                <a:shade val="50000"/>
+              </a:schemeClr>
+            </a:lnRef>
+            <a:fillRef idx="1">
+              <a:schemeClr val="accent1"/>
+            </a:fillRef>
+            <a:effectRef idx="0">
+              <a:schemeClr val="accent1"/>
+            </a:effectRef>
+            <a:fontRef idx="minor">
+              <a:schemeClr val="lt1"/>
+            </a:fontRef>
+          </p:style>
+          <p:txBody>
+            <a:bodyPr rtlCol="0" anchor="ctr"/>
+            <a:lstStyle/>
+            <a:p>
+              <a:pPr algn="ctr"/>
+              <a:endParaRPr kumimoji="1" lang="zh-CN" altLang="en-US"/>
+            </a:p>
+          </p:txBody>
+        </p:sp>
+        <p:sp>
+          <p:nvSpPr>
+            <p:cNvPr id="12" name="矩形 11">
+              <a:extLst>
+                <a:ext uri="{FF2B5EF4-FFF2-40B4-BE49-F238E27FC236}">
+                  <a16:creationId xmlns:a16="http://schemas.microsoft.com/office/drawing/2014/main" id="{548C2AF0-73E3-B84E-8F0A-6D4FFE6F4C39}"/>
+                </a:ext>
+              </a:extLst>
+            </p:cNvPr>
+            <p:cNvSpPr/>
+            <p:nvPr/>
+          </p:nvSpPr>
+          <p:spPr>
+            <a:xfrm>
+              <a:off x="4306138" y="2637693"/>
+              <a:ext cx="365760" cy="1438834"/>
+            </a:xfrm>
+            <a:prstGeom prst="rect">
+              <a:avLst/>
+            </a:prstGeom>
+            <a:ln w="28575">
+              <a:solidFill>
+                <a:schemeClr val="tx1"/>
+              </a:solidFill>
+            </a:ln>
+          </p:spPr>
+          <p:style>
+            <a:lnRef idx="2">
+              <a:schemeClr val="accent1">
+                <a:shade val="50000"/>
+              </a:schemeClr>
+            </a:lnRef>
+            <a:fillRef idx="1">
+              <a:schemeClr val="accent1"/>
+            </a:fillRef>
+            <a:effectRef idx="0">
+              <a:schemeClr val="accent1"/>
+            </a:effectRef>
+            <a:fontRef idx="minor">
+              <a:schemeClr val="lt1"/>
+            </a:fontRef>
+          </p:style>
+          <p:txBody>
+            <a:bodyPr rtlCol="0" anchor="ctr"/>
+            <a:lstStyle/>
+            <a:p>
+              <a:pPr algn="ctr"/>
+              <a:endParaRPr kumimoji="1" lang="zh-CN" altLang="en-US"/>
+            </a:p>
+          </p:txBody>
+        </p:sp>
+        <p:sp>
+          <p:nvSpPr>
+            <p:cNvPr id="13" name="矩形 12">
+              <a:extLst>
+                <a:ext uri="{FF2B5EF4-FFF2-40B4-BE49-F238E27FC236}">
+                  <a16:creationId xmlns:a16="http://schemas.microsoft.com/office/drawing/2014/main" id="{5C12DD9B-6640-8546-A970-E100A5A77D27}"/>
+                </a:ext>
+              </a:extLst>
+            </p:cNvPr>
+            <p:cNvSpPr/>
+            <p:nvPr/>
+          </p:nvSpPr>
+          <p:spPr>
+            <a:xfrm>
+              <a:off x="3977359" y="3622431"/>
+              <a:ext cx="296237" cy="205650"/>
+            </a:xfrm>
+            <a:prstGeom prst="rect">
+              <a:avLst/>
+            </a:prstGeom>
             <a:solidFill>
               <a:schemeClr val="accent2"/>
             </a:solidFill>
-          </a:ln>
-        </p:spPr>
-        <p:style>
-          <a:lnRef idx="2">
-            <a:schemeClr val="accent1">
-              <a:shade val="50000"/>
-            </a:schemeClr>
-          </a:lnRef>
-          <a:fillRef idx="1">
-            <a:schemeClr val="accent1"/>
-          </a:fillRef>
-          <a:effectRef idx="0">
-            <a:schemeClr val="accent1"/>
-          </a:effectRef>
-          <a:fontRef idx="minor">
-            <a:schemeClr val="lt1"/>
-          </a:fontRef>
-        </p:style>
-        <p:txBody>
-          <a:bodyPr rtlCol="0" anchor="ctr"/>
-          <a:lstStyle/>
-          <a:p>
-            <a:pPr algn="ctr"/>
-            <a:endParaRPr kumimoji="1" lang="zh-CN" altLang="en-US"/>
-          </a:p>
-        </p:txBody>
-      </p:sp>
-      <p:sp>
-        <p:nvSpPr>
-          <p:cNvPr id="14" name="矩形 13">
-            <a:extLst>
-              <a:ext uri="{FF2B5EF4-FFF2-40B4-BE49-F238E27FC236}">
-                <a16:creationId xmlns:a16="http://schemas.microsoft.com/office/drawing/2014/main" id="{6EE6A077-A662-B74A-8ED0-F135EAC7684D}"/>
-              </a:ext>
-            </a:extLst>
-          </p:cNvPr>
-          <p:cNvSpPr/>
-          <p:nvPr/>
-        </p:nvSpPr>
-        <p:spPr>
-          <a:xfrm>
-            <a:off x="3609860" y="2936630"/>
-            <a:ext cx="663736" cy="653836"/>
-          </a:xfrm>
-          <a:prstGeom prst="rect">
-            <a:avLst/>
-          </a:prstGeom>
-          <a:solidFill>
-            <a:srgbClr val="92D050"/>
-          </a:solidFill>
-          <a:ln w="28575">
+            <a:ln w="28575">
+              <a:solidFill>
+                <a:schemeClr val="accent2"/>
+              </a:solidFill>
+            </a:ln>
+          </p:spPr>
+          <p:style>
+            <a:lnRef idx="2">
+              <a:schemeClr val="accent1">
+                <a:shade val="50000"/>
+              </a:schemeClr>
+            </a:lnRef>
+            <a:fillRef idx="1">
+              <a:schemeClr val="accent1"/>
+            </a:fillRef>
+            <a:effectRef idx="0">
+              <a:schemeClr val="accent1"/>
+            </a:effectRef>
+            <a:fontRef idx="minor">
+              <a:schemeClr val="lt1"/>
+            </a:fontRef>
+          </p:style>
+          <p:txBody>
+            <a:bodyPr rtlCol="0" anchor="ctr"/>
+            <a:lstStyle/>
+            <a:p>
+              <a:pPr algn="ctr"/>
+              <a:endParaRPr kumimoji="1" lang="zh-CN" altLang="en-US"/>
+            </a:p>
+          </p:txBody>
+        </p:sp>
+        <p:sp>
+          <p:nvSpPr>
+            <p:cNvPr id="14" name="矩形 13">
+              <a:extLst>
+                <a:ext uri="{FF2B5EF4-FFF2-40B4-BE49-F238E27FC236}">
+                  <a16:creationId xmlns:a16="http://schemas.microsoft.com/office/drawing/2014/main" id="{6EE6A077-A662-B74A-8ED0-F135EAC7684D}"/>
+                </a:ext>
+              </a:extLst>
+            </p:cNvPr>
+            <p:cNvSpPr/>
+            <p:nvPr/>
+          </p:nvSpPr>
+          <p:spPr>
+            <a:xfrm>
+              <a:off x="3609860" y="2936630"/>
+              <a:ext cx="663736" cy="653836"/>
+            </a:xfrm>
+            <a:prstGeom prst="rect">
+              <a:avLst/>
+            </a:prstGeom>
             <a:solidFill>
               <a:srgbClr val="92D050"/>
             </a:solidFill>
-          </a:ln>
-        </p:spPr>
-        <p:style>
-          <a:lnRef idx="2">
-            <a:schemeClr val="accent1">
-              <a:shade val="50000"/>
-            </a:schemeClr>
-          </a:lnRef>
-          <a:fillRef idx="1">
-            <a:schemeClr val="accent1"/>
-          </a:fillRef>
-          <a:effectRef idx="0">
-            <a:schemeClr val="accent1"/>
-          </a:effectRef>
-          <a:fontRef idx="minor">
-            <a:schemeClr val="lt1"/>
-          </a:fontRef>
-        </p:style>
-        <p:txBody>
-          <a:bodyPr rtlCol="0" anchor="ctr"/>
-          <a:lstStyle/>
-          <a:p>
-            <a:pPr algn="ctr"/>
-            <a:endParaRPr kumimoji="1" lang="zh-CN" altLang="en-US"/>
-          </a:p>
-        </p:txBody>
-      </p:sp>
-      <p:sp>
-        <p:nvSpPr>
-          <p:cNvPr id="15" name="矩形 14">
-            <a:extLst>
-              <a:ext uri="{FF2B5EF4-FFF2-40B4-BE49-F238E27FC236}">
-                <a16:creationId xmlns:a16="http://schemas.microsoft.com/office/drawing/2014/main" id="{F9E8F084-5A2D-014A-BD64-AF73937CBA39}"/>
-              </a:ext>
-            </a:extLst>
-          </p:cNvPr>
-          <p:cNvSpPr/>
-          <p:nvPr/>
-        </p:nvSpPr>
-        <p:spPr>
-          <a:xfrm>
-            <a:off x="3242656" y="2637693"/>
-            <a:ext cx="1030939" cy="267278"/>
-          </a:xfrm>
-          <a:prstGeom prst="rect">
-            <a:avLst/>
-          </a:prstGeom>
-          <a:solidFill>
-            <a:srgbClr val="00B0F0"/>
-          </a:solidFill>
-          <a:ln w="28575">
+            <a:ln w="28575">
+              <a:solidFill>
+                <a:srgbClr val="92D050"/>
+              </a:solidFill>
+            </a:ln>
+          </p:spPr>
+          <p:style>
+            <a:lnRef idx="2">
+              <a:schemeClr val="accent1">
+                <a:shade val="50000"/>
+              </a:schemeClr>
+            </a:lnRef>
+            <a:fillRef idx="1">
+              <a:schemeClr val="accent1"/>
+            </a:fillRef>
+            <a:effectRef idx="0">
+              <a:schemeClr val="accent1"/>
+            </a:effectRef>
+            <a:fontRef idx="minor">
+              <a:schemeClr val="lt1"/>
+            </a:fontRef>
+          </p:style>
+          <p:txBody>
+            <a:bodyPr rtlCol="0" anchor="ctr"/>
+            <a:lstStyle/>
+            <a:p>
+              <a:pPr algn="ctr"/>
+              <a:endParaRPr kumimoji="1" lang="zh-CN" altLang="en-US"/>
+            </a:p>
+          </p:txBody>
+        </p:sp>
+        <p:sp>
+          <p:nvSpPr>
+            <p:cNvPr id="15" name="矩形 14">
+              <a:extLst>
+                <a:ext uri="{FF2B5EF4-FFF2-40B4-BE49-F238E27FC236}">
+                  <a16:creationId xmlns:a16="http://schemas.microsoft.com/office/drawing/2014/main" id="{F9E8F084-5A2D-014A-BD64-AF73937CBA39}"/>
+                </a:ext>
+              </a:extLst>
+            </p:cNvPr>
+            <p:cNvSpPr/>
+            <p:nvPr/>
+          </p:nvSpPr>
+          <p:spPr>
+            <a:xfrm>
+              <a:off x="3242656" y="2637693"/>
+              <a:ext cx="1030939" cy="267278"/>
+            </a:xfrm>
+            <a:prstGeom prst="rect">
+              <a:avLst/>
+            </a:prstGeom>
             <a:solidFill>
               <a:srgbClr val="00B0F0"/>
             </a:solidFill>
-          </a:ln>
-        </p:spPr>
-        <p:style>
-          <a:lnRef idx="2">
-            <a:schemeClr val="accent1">
-              <a:shade val="50000"/>
-            </a:schemeClr>
-          </a:lnRef>
-          <a:fillRef idx="1">
-            <a:schemeClr val="accent1"/>
-          </a:fillRef>
-          <a:effectRef idx="0">
-            <a:schemeClr val="accent1"/>
-          </a:effectRef>
-          <a:fontRef idx="minor">
-            <a:schemeClr val="lt1"/>
-          </a:fontRef>
-        </p:style>
-        <p:txBody>
-          <a:bodyPr rtlCol="0" anchor="ctr"/>
-          <a:lstStyle/>
-          <a:p>
-            <a:pPr algn="ctr"/>
-            <a:endParaRPr kumimoji="1" lang="zh-CN" altLang="en-US"/>
-          </a:p>
-        </p:txBody>
-      </p:sp>
-      <p:sp>
-        <p:nvSpPr>
-          <p:cNvPr id="18" name="矩形 17">
-            <a:extLst>
-              <a:ext uri="{FF2B5EF4-FFF2-40B4-BE49-F238E27FC236}">
-                <a16:creationId xmlns:a16="http://schemas.microsoft.com/office/drawing/2014/main" id="{DA52C1D3-ED9D-1241-BC03-C0BC9CE0E4FB}"/>
-              </a:ext>
-            </a:extLst>
-          </p:cNvPr>
-          <p:cNvSpPr/>
-          <p:nvPr/>
-        </p:nvSpPr>
-        <p:spPr>
-          <a:xfrm>
-            <a:off x="4675081" y="3285506"/>
-            <a:ext cx="365760" cy="791019"/>
-          </a:xfrm>
-          <a:prstGeom prst="rect">
-            <a:avLst/>
-          </a:prstGeom>
-          <a:ln w="28575">
-            <a:solidFill>
-              <a:schemeClr val="tx1"/>
-            </a:solidFill>
-          </a:ln>
-        </p:spPr>
-        <p:style>
-          <a:lnRef idx="2">
-            <a:schemeClr val="accent1">
-              <a:shade val="50000"/>
-            </a:schemeClr>
-          </a:lnRef>
-          <a:fillRef idx="1">
-            <a:schemeClr val="accent1"/>
-          </a:fillRef>
-          <a:effectRef idx="0">
-            <a:schemeClr val="accent1"/>
-          </a:effectRef>
-          <a:fontRef idx="minor">
-            <a:schemeClr val="lt1"/>
-          </a:fontRef>
-        </p:style>
-        <p:txBody>
-          <a:bodyPr rtlCol="0" anchor="ctr"/>
-          <a:lstStyle/>
-          <a:p>
-            <a:pPr algn="ctr"/>
-            <a:endParaRPr kumimoji="1" lang="zh-CN" altLang="en-US"/>
-          </a:p>
-        </p:txBody>
-      </p:sp>
-      <p:sp>
-        <p:nvSpPr>
-          <p:cNvPr id="19" name="文本框 18">
-            <a:extLst>
-              <a:ext uri="{FF2B5EF4-FFF2-40B4-BE49-F238E27FC236}">
-                <a16:creationId xmlns:a16="http://schemas.microsoft.com/office/drawing/2014/main" id="{8F47DBA4-84EA-C242-B301-E51F3C4B918B}"/>
-              </a:ext>
-            </a:extLst>
-          </p:cNvPr>
-          <p:cNvSpPr txBox="1"/>
-          <p:nvPr/>
-        </p:nvSpPr>
-        <p:spPr>
-          <a:xfrm>
-            <a:off x="5163977" y="3540590"/>
-            <a:ext cx="356681" cy="369332"/>
-          </a:xfrm>
-          <a:prstGeom prst="rect">
-            <a:avLst/>
-          </a:prstGeom>
-          <a:noFill/>
-        </p:spPr>
-        <p:txBody>
-          <a:bodyPr wrap="square" rtlCol="0">
-            <a:spAutoFit/>
-          </a:bodyPr>
-          <a:lstStyle/>
-          <a:p>
-            <a:r>
-              <a:rPr kumimoji="1" lang="en-US" altLang="zh-CN" b="1" dirty="0"/>
-              <a:t>…</a:t>
-            </a:r>
-            <a:endParaRPr kumimoji="1" lang="zh-CN" altLang="en-US" b="1" dirty="0"/>
-          </a:p>
-        </p:txBody>
-      </p:sp>
-      <p:sp>
-        <p:nvSpPr>
-          <p:cNvPr id="20" name="文本框 19">
-            <a:extLst>
-              <a:ext uri="{FF2B5EF4-FFF2-40B4-BE49-F238E27FC236}">
-                <a16:creationId xmlns:a16="http://schemas.microsoft.com/office/drawing/2014/main" id="{7E9ABA52-6F16-6940-82A9-28AFC33C1D24}"/>
-              </a:ext>
-            </a:extLst>
-          </p:cNvPr>
-          <p:cNvSpPr txBox="1"/>
-          <p:nvPr/>
-        </p:nvSpPr>
-        <p:spPr>
-          <a:xfrm>
-            <a:off x="3883724" y="3607748"/>
-            <a:ext cx="326870" cy="215444"/>
-          </a:xfrm>
-          <a:prstGeom prst="rect">
-            <a:avLst/>
-          </a:prstGeom>
-          <a:noFill/>
-        </p:spPr>
-        <p:txBody>
-          <a:bodyPr wrap="square" rtlCol="0">
-            <a:spAutoFit/>
-          </a:bodyPr>
-          <a:lstStyle/>
-          <a:p>
-            <a:r>
-              <a:rPr kumimoji="1" lang="en-US" altLang="zh-CN" sz="800" dirty="0">
+            <a:ln w="28575">
+              <a:solidFill>
+                <a:srgbClr val="00B0F0"/>
+              </a:solidFill>
+            </a:ln>
+          </p:spPr>
+          <p:style>
+            <a:lnRef idx="2">
+              <a:schemeClr val="accent1">
+                <a:shade val="50000"/>
+              </a:schemeClr>
+            </a:lnRef>
+            <a:fillRef idx="1">
+              <a:schemeClr val="accent1"/>
+            </a:fillRef>
+            <a:effectRef idx="0">
+              <a:schemeClr val="accent1"/>
+            </a:effectRef>
+            <a:fontRef idx="minor">
+              <a:schemeClr val="lt1"/>
+            </a:fontRef>
+          </p:style>
+          <p:txBody>
+            <a:bodyPr rtlCol="0" anchor="ctr"/>
+            <a:lstStyle/>
+            <a:p>
+              <a:pPr algn="ctr"/>
+              <a:endParaRPr kumimoji="1" lang="zh-CN" altLang="en-US"/>
+            </a:p>
+          </p:txBody>
+        </p:sp>
+        <p:sp>
+          <p:nvSpPr>
+            <p:cNvPr id="18" name="矩形 17">
+              <a:extLst>
+                <a:ext uri="{FF2B5EF4-FFF2-40B4-BE49-F238E27FC236}">
+                  <a16:creationId xmlns:a16="http://schemas.microsoft.com/office/drawing/2014/main" id="{DA52C1D3-ED9D-1241-BC03-C0BC9CE0E4FB}"/>
+                </a:ext>
+              </a:extLst>
+            </p:cNvPr>
+            <p:cNvSpPr/>
+            <p:nvPr/>
+          </p:nvSpPr>
+          <p:spPr>
+            <a:xfrm>
+              <a:off x="4675081" y="3285506"/>
+              <a:ext cx="365760" cy="791019"/>
+            </a:xfrm>
+            <a:prstGeom prst="rect">
+              <a:avLst/>
+            </a:prstGeom>
+            <a:ln w="28575">
+              <a:solidFill>
+                <a:schemeClr val="tx1"/>
+              </a:solidFill>
+            </a:ln>
+          </p:spPr>
+          <p:style>
+            <a:lnRef idx="2">
+              <a:schemeClr val="accent1">
+                <a:shade val="50000"/>
+              </a:schemeClr>
+            </a:lnRef>
+            <a:fillRef idx="1">
+              <a:schemeClr val="accent1"/>
+            </a:fillRef>
+            <a:effectRef idx="0">
+              <a:schemeClr val="accent1"/>
+            </a:effectRef>
+            <a:fontRef idx="minor">
+              <a:schemeClr val="lt1"/>
+            </a:fontRef>
+          </p:style>
+          <p:txBody>
+            <a:bodyPr rtlCol="0" anchor="ctr"/>
+            <a:lstStyle/>
+            <a:p>
+              <a:pPr algn="ctr"/>
+              <a:endParaRPr kumimoji="1" lang="zh-CN" altLang="en-US"/>
+            </a:p>
+          </p:txBody>
+        </p:sp>
+        <p:sp>
+          <p:nvSpPr>
+            <p:cNvPr id="19" name="文本框 18">
+              <a:extLst>
+                <a:ext uri="{FF2B5EF4-FFF2-40B4-BE49-F238E27FC236}">
+                  <a16:creationId xmlns:a16="http://schemas.microsoft.com/office/drawing/2014/main" id="{8F47DBA4-84EA-C242-B301-E51F3C4B918B}"/>
+                </a:ext>
+              </a:extLst>
+            </p:cNvPr>
+            <p:cNvSpPr txBox="1"/>
+            <p:nvPr/>
+          </p:nvSpPr>
+          <p:spPr>
+            <a:xfrm>
+              <a:off x="5163977" y="3540590"/>
+              <a:ext cx="356681" cy="369332"/>
+            </a:xfrm>
+            <a:prstGeom prst="rect">
+              <a:avLst/>
+            </a:prstGeom>
+            <a:noFill/>
+          </p:spPr>
+          <p:txBody>
+            <a:bodyPr wrap="square" rtlCol="0">
+              <a:spAutoFit/>
+            </a:bodyPr>
+            <a:lstStyle/>
+            <a:p>
+              <a:r>
+                <a:rPr kumimoji="1" lang="en-US" altLang="zh-CN" b="1" dirty="0"/>
+                <a:t>…</a:t>
+              </a:r>
+              <a:endParaRPr kumimoji="1" lang="zh-CN" altLang="en-US" b="1" dirty="0"/>
+            </a:p>
+          </p:txBody>
+        </p:sp>
+        <p:sp>
+          <p:nvSpPr>
+            <p:cNvPr id="20" name="文本框 19">
+              <a:extLst>
+                <a:ext uri="{FF2B5EF4-FFF2-40B4-BE49-F238E27FC236}">
+                  <a16:creationId xmlns:a16="http://schemas.microsoft.com/office/drawing/2014/main" id="{7E9ABA52-6F16-6940-82A9-28AFC33C1D24}"/>
+                </a:ext>
+              </a:extLst>
+            </p:cNvPr>
+            <p:cNvSpPr txBox="1"/>
+            <p:nvPr/>
+          </p:nvSpPr>
+          <p:spPr>
+            <a:xfrm>
+              <a:off x="3883724" y="3607748"/>
+              <a:ext cx="326870" cy="215444"/>
+            </a:xfrm>
+            <a:prstGeom prst="rect">
+              <a:avLst/>
+            </a:prstGeom>
+            <a:noFill/>
+          </p:spPr>
+          <p:txBody>
+            <a:bodyPr wrap="square" rtlCol="0">
+              <a:spAutoFit/>
+            </a:bodyPr>
+            <a:lstStyle/>
+            <a:p>
+              <a:r>
+                <a:rPr kumimoji="1" lang="en-US" altLang="zh-CN" sz="800" dirty="0">
+                  <a:latin typeface="Times New Roman" panose="02020603050405020304" pitchFamily="18" charset="0"/>
+                  <a:cs typeface="Times New Roman" panose="02020603050405020304" pitchFamily="18" charset="0"/>
+                </a:rPr>
+                <a:t>v1</a:t>
+              </a:r>
+              <a:endParaRPr kumimoji="1" lang="zh-CN" altLang="en-US" sz="800" dirty="0">
                 <a:latin typeface="Times New Roman" panose="02020603050405020304" pitchFamily="18" charset="0"/>
                 <a:cs typeface="Times New Roman" panose="02020603050405020304" pitchFamily="18" charset="0"/>
-              </a:rPr>
-              <a:t>d1</a:t>
-            </a:r>
-            <a:endParaRPr kumimoji="1" lang="zh-CN" altLang="en-US" sz="800" dirty="0">
-              <a:latin typeface="Times New Roman" panose="02020603050405020304" pitchFamily="18" charset="0"/>
-              <a:cs typeface="Times New Roman" panose="02020603050405020304" pitchFamily="18" charset="0"/>
-            </a:endParaRPr>
-          </a:p>
-        </p:txBody>
-      </p:sp>
-      <p:sp>
-        <p:nvSpPr>
-          <p:cNvPr id="21" name="文本框 20">
-            <a:extLst>
-              <a:ext uri="{FF2B5EF4-FFF2-40B4-BE49-F238E27FC236}">
-                <a16:creationId xmlns:a16="http://schemas.microsoft.com/office/drawing/2014/main" id="{A1F20090-7814-7E4A-ADCA-409765C64222}"/>
-              </a:ext>
-            </a:extLst>
-          </p:cNvPr>
-          <p:cNvSpPr txBox="1"/>
-          <p:nvPr/>
-        </p:nvSpPr>
-        <p:spPr>
-          <a:xfrm>
-            <a:off x="3997519" y="3681015"/>
-            <a:ext cx="359780" cy="215444"/>
-          </a:xfrm>
-          <a:prstGeom prst="rect">
-            <a:avLst/>
-          </a:prstGeom>
-          <a:noFill/>
-        </p:spPr>
-        <p:txBody>
-          <a:bodyPr wrap="square" rtlCol="0">
-            <a:spAutoFit/>
-          </a:bodyPr>
-          <a:lstStyle/>
-          <a:p>
-            <a:r>
-              <a:rPr kumimoji="1" lang="en-US" altLang="zh-CN" sz="800" dirty="0">
+              </a:endParaRPr>
+            </a:p>
+          </p:txBody>
+        </p:sp>
+        <p:sp>
+          <p:nvSpPr>
+            <p:cNvPr id="21" name="文本框 20">
+              <a:extLst>
+                <a:ext uri="{FF2B5EF4-FFF2-40B4-BE49-F238E27FC236}">
+                  <a16:creationId xmlns:a16="http://schemas.microsoft.com/office/drawing/2014/main" id="{A1F20090-7814-7E4A-ADCA-409765C64222}"/>
+                </a:ext>
+              </a:extLst>
+            </p:cNvPr>
+            <p:cNvSpPr txBox="1"/>
+            <p:nvPr/>
+          </p:nvSpPr>
+          <p:spPr>
+            <a:xfrm>
+              <a:off x="3997519" y="3681015"/>
+              <a:ext cx="359780" cy="215444"/>
+            </a:xfrm>
+            <a:prstGeom prst="rect">
+              <a:avLst/>
+            </a:prstGeom>
+            <a:noFill/>
+          </p:spPr>
+          <p:txBody>
+            <a:bodyPr wrap="square" rtlCol="0">
+              <a:spAutoFit/>
+            </a:bodyPr>
+            <a:lstStyle/>
+            <a:p>
+              <a:r>
+                <a:rPr kumimoji="1" lang="en-US" altLang="zh-CN" sz="800" dirty="0">
+                  <a:latin typeface="Times New Roman" panose="02020603050405020304" pitchFamily="18" charset="0"/>
+                  <a:cs typeface="Times New Roman" panose="02020603050405020304" pitchFamily="18" charset="0"/>
+                </a:rPr>
+                <a:t>d1</a:t>
+              </a:r>
+              <a:endParaRPr kumimoji="1" lang="zh-CN" altLang="en-US" sz="800" dirty="0">
                 <a:latin typeface="Times New Roman" panose="02020603050405020304" pitchFamily="18" charset="0"/>
                 <a:cs typeface="Times New Roman" panose="02020603050405020304" pitchFamily="18" charset="0"/>
-              </a:rPr>
-              <a:t>v1</a:t>
-            </a:r>
-            <a:endParaRPr kumimoji="1" lang="zh-CN" altLang="en-US" sz="800" dirty="0">
-              <a:latin typeface="Times New Roman" panose="02020603050405020304" pitchFamily="18" charset="0"/>
-              <a:cs typeface="Times New Roman" panose="02020603050405020304" pitchFamily="18" charset="0"/>
-            </a:endParaRPr>
-          </a:p>
-        </p:txBody>
-      </p:sp>
-      <p:sp>
-        <p:nvSpPr>
-          <p:cNvPr id="22" name="文本框 21">
-            <a:extLst>
-              <a:ext uri="{FF2B5EF4-FFF2-40B4-BE49-F238E27FC236}">
-                <a16:creationId xmlns:a16="http://schemas.microsoft.com/office/drawing/2014/main" id="{0A6E1585-6399-C44C-B75B-9F4EC48D2D93}"/>
-              </a:ext>
-            </a:extLst>
-          </p:cNvPr>
-          <p:cNvSpPr txBox="1"/>
-          <p:nvPr/>
-        </p:nvSpPr>
-        <p:spPr>
-          <a:xfrm>
-            <a:off x="3517964" y="3136249"/>
-            <a:ext cx="323687" cy="215444"/>
-          </a:xfrm>
-          <a:prstGeom prst="rect">
-            <a:avLst/>
-          </a:prstGeom>
-          <a:noFill/>
-        </p:spPr>
-        <p:txBody>
-          <a:bodyPr wrap="square" rtlCol="0">
-            <a:spAutoFit/>
-          </a:bodyPr>
-          <a:lstStyle/>
-          <a:p>
-            <a:r>
-              <a:rPr kumimoji="1" lang="en-US" altLang="zh-CN" sz="800" dirty="0">
+              </a:endParaRPr>
+            </a:p>
+          </p:txBody>
+        </p:sp>
+        <p:sp>
+          <p:nvSpPr>
+            <p:cNvPr id="22" name="文本框 21">
+              <a:extLst>
+                <a:ext uri="{FF2B5EF4-FFF2-40B4-BE49-F238E27FC236}">
+                  <a16:creationId xmlns:a16="http://schemas.microsoft.com/office/drawing/2014/main" id="{0A6E1585-6399-C44C-B75B-9F4EC48D2D93}"/>
+                </a:ext>
+              </a:extLst>
+            </p:cNvPr>
+            <p:cNvSpPr txBox="1"/>
+            <p:nvPr/>
+          </p:nvSpPr>
+          <p:spPr>
+            <a:xfrm>
+              <a:off x="3517964" y="3136249"/>
+              <a:ext cx="323687" cy="215444"/>
+            </a:xfrm>
+            <a:prstGeom prst="rect">
+              <a:avLst/>
+            </a:prstGeom>
+            <a:noFill/>
+          </p:spPr>
+          <p:txBody>
+            <a:bodyPr wrap="square" rtlCol="0">
+              <a:spAutoFit/>
+            </a:bodyPr>
+            <a:lstStyle/>
+            <a:p>
+              <a:r>
+                <a:rPr kumimoji="1" lang="en-US" altLang="zh-CN" sz="800" dirty="0">
+                  <a:latin typeface="Times New Roman" panose="02020603050405020304" pitchFamily="18" charset="0"/>
+                  <a:cs typeface="Times New Roman" panose="02020603050405020304" pitchFamily="18" charset="0"/>
+                </a:rPr>
+                <a:t>v2</a:t>
+              </a:r>
+              <a:endParaRPr kumimoji="1" lang="zh-CN" altLang="en-US" sz="800" dirty="0">
                 <a:latin typeface="Times New Roman" panose="02020603050405020304" pitchFamily="18" charset="0"/>
                 <a:cs typeface="Times New Roman" panose="02020603050405020304" pitchFamily="18" charset="0"/>
-              </a:rPr>
-              <a:t>d2</a:t>
-            </a:r>
-            <a:endParaRPr kumimoji="1" lang="zh-CN" altLang="en-US" sz="800" dirty="0">
-              <a:latin typeface="Times New Roman" panose="02020603050405020304" pitchFamily="18" charset="0"/>
-              <a:cs typeface="Times New Roman" panose="02020603050405020304" pitchFamily="18" charset="0"/>
-            </a:endParaRPr>
-          </a:p>
-        </p:txBody>
-      </p:sp>
-      <p:sp>
-        <p:nvSpPr>
-          <p:cNvPr id="23" name="文本框 22">
-            <a:extLst>
-              <a:ext uri="{FF2B5EF4-FFF2-40B4-BE49-F238E27FC236}">
-                <a16:creationId xmlns:a16="http://schemas.microsoft.com/office/drawing/2014/main" id="{1D2E6D8B-A519-3446-9039-5F323393FF18}"/>
-              </a:ext>
-            </a:extLst>
-          </p:cNvPr>
-          <p:cNvSpPr txBox="1"/>
-          <p:nvPr/>
-        </p:nvSpPr>
-        <p:spPr>
-          <a:xfrm>
-            <a:off x="3844834" y="3424264"/>
-            <a:ext cx="307036" cy="215444"/>
-          </a:xfrm>
-          <a:prstGeom prst="rect">
-            <a:avLst/>
-          </a:prstGeom>
-          <a:noFill/>
-        </p:spPr>
-        <p:txBody>
-          <a:bodyPr wrap="square" rtlCol="0">
-            <a:spAutoFit/>
-          </a:bodyPr>
-          <a:lstStyle/>
-          <a:p>
-            <a:r>
-              <a:rPr kumimoji="1" lang="en-US" altLang="zh-CN" sz="800" dirty="0">
+              </a:endParaRPr>
+            </a:p>
+          </p:txBody>
+        </p:sp>
+        <p:sp>
+          <p:nvSpPr>
+            <p:cNvPr id="23" name="文本框 22">
+              <a:extLst>
+                <a:ext uri="{FF2B5EF4-FFF2-40B4-BE49-F238E27FC236}">
+                  <a16:creationId xmlns:a16="http://schemas.microsoft.com/office/drawing/2014/main" id="{1D2E6D8B-A519-3446-9039-5F323393FF18}"/>
+                </a:ext>
+              </a:extLst>
+            </p:cNvPr>
+            <p:cNvSpPr txBox="1"/>
+            <p:nvPr/>
+          </p:nvSpPr>
+          <p:spPr>
+            <a:xfrm>
+              <a:off x="3844834" y="3424264"/>
+              <a:ext cx="307036" cy="215444"/>
+            </a:xfrm>
+            <a:prstGeom prst="rect">
+              <a:avLst/>
+            </a:prstGeom>
+            <a:noFill/>
+          </p:spPr>
+          <p:txBody>
+            <a:bodyPr wrap="square" rtlCol="0">
+              <a:spAutoFit/>
+            </a:bodyPr>
+            <a:lstStyle/>
+            <a:p>
+              <a:r>
+                <a:rPr kumimoji="1" lang="en-US" altLang="zh-CN" sz="800" dirty="0">
+                  <a:latin typeface="Times New Roman" panose="02020603050405020304" pitchFamily="18" charset="0"/>
+                  <a:cs typeface="Times New Roman" panose="02020603050405020304" pitchFamily="18" charset="0"/>
+                </a:rPr>
+                <a:t>d2</a:t>
+              </a:r>
+              <a:endParaRPr kumimoji="1" lang="zh-CN" altLang="en-US" sz="800" dirty="0">
                 <a:latin typeface="Times New Roman" panose="02020603050405020304" pitchFamily="18" charset="0"/>
                 <a:cs typeface="Times New Roman" panose="02020603050405020304" pitchFamily="18" charset="0"/>
-              </a:rPr>
-              <a:t>v2</a:t>
-            </a:r>
-            <a:endParaRPr kumimoji="1" lang="zh-CN" altLang="en-US" sz="800" dirty="0">
-              <a:latin typeface="Times New Roman" panose="02020603050405020304" pitchFamily="18" charset="0"/>
-              <a:cs typeface="Times New Roman" panose="02020603050405020304" pitchFamily="18" charset="0"/>
-            </a:endParaRPr>
-          </a:p>
-        </p:txBody>
-      </p:sp>
-      <p:sp>
-        <p:nvSpPr>
-          <p:cNvPr id="24" name="文本框 23">
-            <a:extLst>
-              <a:ext uri="{FF2B5EF4-FFF2-40B4-BE49-F238E27FC236}">
-                <a16:creationId xmlns:a16="http://schemas.microsoft.com/office/drawing/2014/main" id="{692FB71E-3B41-9E43-ACF4-9A29B7D79D91}"/>
-              </a:ext>
-            </a:extLst>
-          </p:cNvPr>
-          <p:cNvSpPr txBox="1"/>
-          <p:nvPr/>
-        </p:nvSpPr>
-        <p:spPr>
-          <a:xfrm>
-            <a:off x="3159825" y="2663610"/>
-            <a:ext cx="323687" cy="215444"/>
-          </a:xfrm>
-          <a:prstGeom prst="rect">
-            <a:avLst/>
-          </a:prstGeom>
-          <a:noFill/>
-        </p:spPr>
-        <p:txBody>
-          <a:bodyPr wrap="square" rtlCol="0">
-            <a:spAutoFit/>
-          </a:bodyPr>
-          <a:lstStyle/>
-          <a:p>
-            <a:r>
-              <a:rPr kumimoji="1" lang="en-US" altLang="zh-CN" sz="800" dirty="0">
+              </a:endParaRPr>
+            </a:p>
+          </p:txBody>
+        </p:sp>
+        <p:sp>
+          <p:nvSpPr>
+            <p:cNvPr id="24" name="文本框 23">
+              <a:extLst>
+                <a:ext uri="{FF2B5EF4-FFF2-40B4-BE49-F238E27FC236}">
+                  <a16:creationId xmlns:a16="http://schemas.microsoft.com/office/drawing/2014/main" id="{692FB71E-3B41-9E43-ACF4-9A29B7D79D91}"/>
+                </a:ext>
+              </a:extLst>
+            </p:cNvPr>
+            <p:cNvSpPr txBox="1"/>
+            <p:nvPr/>
+          </p:nvSpPr>
+          <p:spPr>
+            <a:xfrm>
+              <a:off x="3159825" y="2663610"/>
+              <a:ext cx="323687" cy="215444"/>
+            </a:xfrm>
+            <a:prstGeom prst="rect">
+              <a:avLst/>
+            </a:prstGeom>
+            <a:noFill/>
+          </p:spPr>
+          <p:txBody>
+            <a:bodyPr wrap="square" rtlCol="0">
+              <a:spAutoFit/>
+            </a:bodyPr>
+            <a:lstStyle/>
+            <a:p>
+              <a:r>
+                <a:rPr kumimoji="1" lang="en-US" altLang="zh-CN" sz="800" dirty="0">
+                  <a:latin typeface="Times New Roman" panose="02020603050405020304" pitchFamily="18" charset="0"/>
+                  <a:cs typeface="Times New Roman" panose="02020603050405020304" pitchFamily="18" charset="0"/>
+                </a:rPr>
+                <a:t>v3</a:t>
+              </a:r>
+              <a:endParaRPr kumimoji="1" lang="zh-CN" altLang="en-US" sz="800" dirty="0">
                 <a:latin typeface="Times New Roman" panose="02020603050405020304" pitchFamily="18" charset="0"/>
                 <a:cs typeface="Times New Roman" panose="02020603050405020304" pitchFamily="18" charset="0"/>
-              </a:rPr>
-              <a:t>d3</a:t>
-            </a:r>
-            <a:endParaRPr kumimoji="1" lang="zh-CN" altLang="en-US" sz="800" dirty="0">
-              <a:latin typeface="Times New Roman" panose="02020603050405020304" pitchFamily="18" charset="0"/>
-              <a:cs typeface="Times New Roman" panose="02020603050405020304" pitchFamily="18" charset="0"/>
-            </a:endParaRPr>
-          </a:p>
-        </p:txBody>
-      </p:sp>
-      <p:sp>
-        <p:nvSpPr>
-          <p:cNvPr id="25" name="文本框 24">
-            <a:extLst>
-              <a:ext uri="{FF2B5EF4-FFF2-40B4-BE49-F238E27FC236}">
-                <a16:creationId xmlns:a16="http://schemas.microsoft.com/office/drawing/2014/main" id="{00604CC2-1E7D-D64B-82CB-31FD6A5494BE}"/>
-              </a:ext>
-            </a:extLst>
-          </p:cNvPr>
-          <p:cNvSpPr txBox="1"/>
-          <p:nvPr/>
-        </p:nvSpPr>
-        <p:spPr>
-          <a:xfrm>
-            <a:off x="3623148" y="2745606"/>
-            <a:ext cx="307036" cy="215444"/>
-          </a:xfrm>
-          <a:prstGeom prst="rect">
-            <a:avLst/>
-          </a:prstGeom>
-          <a:noFill/>
-        </p:spPr>
-        <p:txBody>
-          <a:bodyPr wrap="square" rtlCol="0">
-            <a:spAutoFit/>
-          </a:bodyPr>
-          <a:lstStyle/>
-          <a:p>
-            <a:r>
-              <a:rPr kumimoji="1" lang="en-US" altLang="zh-CN" sz="800" dirty="0">
+              </a:endParaRPr>
+            </a:p>
+          </p:txBody>
+        </p:sp>
+        <p:sp>
+          <p:nvSpPr>
+            <p:cNvPr id="25" name="文本框 24">
+              <a:extLst>
+                <a:ext uri="{FF2B5EF4-FFF2-40B4-BE49-F238E27FC236}">
+                  <a16:creationId xmlns:a16="http://schemas.microsoft.com/office/drawing/2014/main" id="{00604CC2-1E7D-D64B-82CB-31FD6A5494BE}"/>
+                </a:ext>
+              </a:extLst>
+            </p:cNvPr>
+            <p:cNvSpPr txBox="1"/>
+            <p:nvPr/>
+          </p:nvSpPr>
+          <p:spPr>
+            <a:xfrm>
+              <a:off x="3623148" y="2745606"/>
+              <a:ext cx="307036" cy="215444"/>
+            </a:xfrm>
+            <a:prstGeom prst="rect">
+              <a:avLst/>
+            </a:prstGeom>
+            <a:noFill/>
+          </p:spPr>
+          <p:txBody>
+            <a:bodyPr wrap="square" rtlCol="0">
+              <a:spAutoFit/>
+            </a:bodyPr>
+            <a:lstStyle/>
+            <a:p>
+              <a:r>
+                <a:rPr kumimoji="1" lang="en-US" altLang="zh-CN" sz="800" dirty="0">
+                  <a:latin typeface="Times New Roman" panose="02020603050405020304" pitchFamily="18" charset="0"/>
+                  <a:cs typeface="Times New Roman" panose="02020603050405020304" pitchFamily="18" charset="0"/>
+                </a:rPr>
+                <a:t>d3</a:t>
+              </a:r>
+              <a:endParaRPr kumimoji="1" lang="zh-CN" altLang="en-US" sz="800" dirty="0">
                 <a:latin typeface="Times New Roman" panose="02020603050405020304" pitchFamily="18" charset="0"/>
                 <a:cs typeface="Times New Roman" panose="02020603050405020304" pitchFamily="18" charset="0"/>
-              </a:rPr>
-              <a:t>v3</a:t>
-            </a:r>
-            <a:endParaRPr kumimoji="1" lang="zh-CN" altLang="en-US" sz="800" dirty="0">
-              <a:latin typeface="Times New Roman" panose="02020603050405020304" pitchFamily="18" charset="0"/>
-              <a:cs typeface="Times New Roman" panose="02020603050405020304" pitchFamily="18" charset="0"/>
-            </a:endParaRPr>
-          </a:p>
-        </p:txBody>
-      </p:sp>
+              </a:endParaRPr>
+            </a:p>
+          </p:txBody>
+        </p:sp>
+      </p:grpSp>
     </p:spTree>
     <p:extLst>
       <p:ext uri="{BB962C8B-B14F-4D97-AF65-F5344CB8AC3E}">
         <p14:creationId xmlns:p14="http://schemas.microsoft.com/office/powerpoint/2010/main" val="3937186597"/>
+      </p:ext>
+    </p:extLst>
+  </p:cSld>
+  <p:clrMapOvr>
+    <a:masterClrMapping/>
+  </p:clrMapOvr>
+</p:sld>
+</file>
+
+<file path=ppt/slides/slide18.xml><?xml version="1.0" encoding="utf-8"?>
+<p:sld xmlns:a="http://schemas.openxmlformats.org/drawingml/2006/main" xmlns:r="http://schemas.openxmlformats.org/officeDocument/2006/relationships" xmlns:p="http://schemas.openxmlformats.org/presentationml/2006/main">
+  <p:cSld>
+    <p:spTree>
+      <p:nvGrpSpPr>
+        <p:cNvPr id="1" name=""/>
+        <p:cNvGrpSpPr/>
+        <p:nvPr/>
+      </p:nvGrpSpPr>
+      <p:grpSpPr>
+        <a:xfrm>
+          <a:off x="0" y="0"/>
+          <a:ext cx="0" cy="0"/>
+          <a:chOff x="0" y="0"/>
+          <a:chExt cx="0" cy="0"/>
+        </a:xfrm>
+      </p:grpSpPr>
+      <p:grpSp>
+        <p:nvGrpSpPr>
+          <p:cNvPr id="61" name="组合 60">
+            <a:extLst>
+              <a:ext uri="{FF2B5EF4-FFF2-40B4-BE49-F238E27FC236}">
+                <a16:creationId xmlns:a16="http://schemas.microsoft.com/office/drawing/2014/main" id="{1F7F8232-B53E-9045-83E8-8F95324A04AA}"/>
+              </a:ext>
+            </a:extLst>
+          </p:cNvPr>
+          <p:cNvGrpSpPr/>
+          <p:nvPr/>
+        </p:nvGrpSpPr>
+        <p:grpSpPr>
+          <a:xfrm>
+            <a:off x="643467" y="1083733"/>
+            <a:ext cx="10938933" cy="4515556"/>
+            <a:chOff x="643467" y="1083733"/>
+            <a:chExt cx="10938933" cy="4515556"/>
+          </a:xfrm>
+        </p:grpSpPr>
+        <p:sp>
+          <p:nvSpPr>
+            <p:cNvPr id="60" name="矩形 59">
+              <a:extLst>
+                <a:ext uri="{FF2B5EF4-FFF2-40B4-BE49-F238E27FC236}">
+                  <a16:creationId xmlns:a16="http://schemas.microsoft.com/office/drawing/2014/main" id="{CB159B0C-7572-4C47-A114-00454ED313B0}"/>
+                </a:ext>
+              </a:extLst>
+            </p:cNvPr>
+            <p:cNvSpPr/>
+            <p:nvPr/>
+          </p:nvSpPr>
+          <p:spPr>
+            <a:xfrm>
+              <a:off x="643467" y="1083733"/>
+              <a:ext cx="10938933" cy="4515556"/>
+            </a:xfrm>
+            <a:prstGeom prst="rect">
+              <a:avLst/>
+            </a:prstGeom>
+            <a:solidFill>
+              <a:schemeClr val="bg1"/>
+            </a:solidFill>
+            <a:ln>
+              <a:solidFill>
+                <a:schemeClr val="tx1"/>
+              </a:solidFill>
+            </a:ln>
+          </p:spPr>
+          <p:style>
+            <a:lnRef idx="2">
+              <a:schemeClr val="accent1">
+                <a:shade val="50000"/>
+              </a:schemeClr>
+            </a:lnRef>
+            <a:fillRef idx="1">
+              <a:schemeClr val="accent1"/>
+            </a:fillRef>
+            <a:effectRef idx="0">
+              <a:schemeClr val="accent1"/>
+            </a:effectRef>
+            <a:fontRef idx="minor">
+              <a:schemeClr val="lt1"/>
+            </a:fontRef>
+          </p:style>
+          <p:txBody>
+            <a:bodyPr rtlCol="0" anchor="ctr"/>
+            <a:lstStyle/>
+            <a:p>
+              <a:pPr algn="ctr"/>
+              <a:endParaRPr kumimoji="1" lang="zh-CN" altLang="en-US"/>
+            </a:p>
+          </p:txBody>
+        </p:sp>
+        <p:sp>
+          <p:nvSpPr>
+            <p:cNvPr id="5" name="圆角矩形 4">
+              <a:extLst>
+                <a:ext uri="{FF2B5EF4-FFF2-40B4-BE49-F238E27FC236}">
+                  <a16:creationId xmlns:a16="http://schemas.microsoft.com/office/drawing/2014/main" id="{80FEC996-2768-6442-A42A-2AE6DC449A60}"/>
+                </a:ext>
+              </a:extLst>
+            </p:cNvPr>
+            <p:cNvSpPr/>
+            <p:nvPr/>
+          </p:nvSpPr>
+          <p:spPr>
+            <a:xfrm>
+              <a:off x="3389489" y="1298223"/>
+              <a:ext cx="1100668" cy="462844"/>
+            </a:xfrm>
+            <a:prstGeom prst="roundRect">
+              <a:avLst/>
+            </a:prstGeom>
+            <a:solidFill>
+              <a:schemeClr val="accent5"/>
+            </a:solidFill>
+            <a:effectLst>
+              <a:outerShdw blurRad="50800" dist="38100" dir="2700000" algn="tl" rotWithShape="0">
+                <a:prstClr val="black">
+                  <a:alpha val="40000"/>
+                </a:prstClr>
+              </a:outerShdw>
+            </a:effectLst>
+          </p:spPr>
+          <p:style>
+            <a:lnRef idx="2">
+              <a:schemeClr val="accent1">
+                <a:shade val="50000"/>
+              </a:schemeClr>
+            </a:lnRef>
+            <a:fillRef idx="1">
+              <a:schemeClr val="accent1"/>
+            </a:fillRef>
+            <a:effectRef idx="0">
+              <a:schemeClr val="accent1"/>
+            </a:effectRef>
+            <a:fontRef idx="minor">
+              <a:schemeClr val="lt1"/>
+            </a:fontRef>
+          </p:style>
+          <p:txBody>
+            <a:bodyPr rtlCol="0" anchor="ctr"/>
+            <a:lstStyle/>
+            <a:p>
+              <a:pPr algn="ctr"/>
+              <a:r>
+                <a:rPr kumimoji="1" lang="en-US" altLang="zh-CN" sz="1400" b="1" dirty="0"/>
+                <a:t>Sim</a:t>
+              </a:r>
+              <a:r>
+                <a:rPr kumimoji="1" lang="zh-CN" altLang="en-US" sz="1400" b="1" dirty="0"/>
+                <a:t> </a:t>
+              </a:r>
+              <a:r>
+                <a:rPr kumimoji="1" lang="en-US" altLang="zh-CN" sz="1400" b="1" dirty="0"/>
+                <a:t>User</a:t>
+              </a:r>
+              <a:r>
+                <a:rPr kumimoji="1" lang="zh-CN" altLang="en-US" sz="1400" b="1" dirty="0"/>
+                <a:t> </a:t>
+              </a:r>
+              <a:r>
+                <a:rPr kumimoji="1" lang="en-US" altLang="zh-CN" sz="1400" b="1" dirty="0"/>
+                <a:t>1</a:t>
+              </a:r>
+              <a:endParaRPr kumimoji="1" lang="zh-CN" altLang="en-US" sz="1400" b="1" dirty="0"/>
+            </a:p>
+          </p:txBody>
+        </p:sp>
+        <p:sp>
+          <p:nvSpPr>
+            <p:cNvPr id="6" name="圆角矩形 5">
+              <a:extLst>
+                <a:ext uri="{FF2B5EF4-FFF2-40B4-BE49-F238E27FC236}">
+                  <a16:creationId xmlns:a16="http://schemas.microsoft.com/office/drawing/2014/main" id="{41F38596-04CC-694A-87F4-B63F4C4264D0}"/>
+                </a:ext>
+              </a:extLst>
+            </p:cNvPr>
+            <p:cNvSpPr/>
+            <p:nvPr/>
+          </p:nvSpPr>
+          <p:spPr>
+            <a:xfrm>
+              <a:off x="3389489" y="2071512"/>
+              <a:ext cx="1100668" cy="462844"/>
+            </a:xfrm>
+            <a:prstGeom prst="roundRect">
+              <a:avLst/>
+            </a:prstGeom>
+            <a:solidFill>
+              <a:schemeClr val="accent4"/>
+            </a:solidFill>
+            <a:effectLst>
+              <a:outerShdw blurRad="50800" dist="38100" dir="2700000" algn="tl" rotWithShape="0">
+                <a:prstClr val="black">
+                  <a:alpha val="40000"/>
+                </a:prstClr>
+              </a:outerShdw>
+            </a:effectLst>
+          </p:spPr>
+          <p:style>
+            <a:lnRef idx="2">
+              <a:schemeClr val="accent1">
+                <a:shade val="50000"/>
+              </a:schemeClr>
+            </a:lnRef>
+            <a:fillRef idx="1">
+              <a:schemeClr val="accent1"/>
+            </a:fillRef>
+            <a:effectRef idx="0">
+              <a:schemeClr val="accent1"/>
+            </a:effectRef>
+            <a:fontRef idx="minor">
+              <a:schemeClr val="lt1"/>
+            </a:fontRef>
+          </p:style>
+          <p:txBody>
+            <a:bodyPr rtlCol="0" anchor="ctr"/>
+            <a:lstStyle/>
+            <a:p>
+              <a:pPr algn="ctr"/>
+              <a:r>
+                <a:rPr kumimoji="1" lang="en-US" altLang="zh-CN" sz="1400" b="1" dirty="0"/>
+                <a:t>Sim</a:t>
+              </a:r>
+              <a:r>
+                <a:rPr kumimoji="1" lang="zh-CN" altLang="en-US" sz="1400" b="1" dirty="0"/>
+                <a:t> </a:t>
+              </a:r>
+              <a:r>
+                <a:rPr kumimoji="1" lang="en-US" altLang="zh-CN" sz="1400" b="1" dirty="0"/>
+                <a:t>User</a:t>
+              </a:r>
+              <a:r>
+                <a:rPr kumimoji="1" lang="zh-CN" altLang="en-US" sz="1400" b="1" dirty="0"/>
+                <a:t> </a:t>
+              </a:r>
+              <a:r>
+                <a:rPr kumimoji="1" lang="en-US" altLang="zh-CN" sz="1400" b="1" dirty="0"/>
+                <a:t>2</a:t>
+              </a:r>
+              <a:endParaRPr kumimoji="1" lang="zh-CN" altLang="en-US" sz="1400" b="1" dirty="0"/>
+            </a:p>
+          </p:txBody>
+        </p:sp>
+        <p:sp>
+          <p:nvSpPr>
+            <p:cNvPr id="7" name="圆角矩形 6">
+              <a:extLst>
+                <a:ext uri="{FF2B5EF4-FFF2-40B4-BE49-F238E27FC236}">
+                  <a16:creationId xmlns:a16="http://schemas.microsoft.com/office/drawing/2014/main" id="{B1B4ADB2-AB61-DD45-93FD-B73D61C304EC}"/>
+                </a:ext>
+              </a:extLst>
+            </p:cNvPr>
+            <p:cNvSpPr/>
+            <p:nvPr/>
+          </p:nvSpPr>
+          <p:spPr>
+            <a:xfrm>
+              <a:off x="3389489" y="2901245"/>
+              <a:ext cx="1100668" cy="462844"/>
+            </a:xfrm>
+            <a:prstGeom prst="roundRect">
+              <a:avLst/>
+            </a:prstGeom>
+            <a:solidFill>
+              <a:srgbClr val="00B050"/>
+            </a:solidFill>
+            <a:effectLst>
+              <a:outerShdw blurRad="50800" dist="38100" dir="2700000" algn="tl" rotWithShape="0">
+                <a:prstClr val="black">
+                  <a:alpha val="40000"/>
+                </a:prstClr>
+              </a:outerShdw>
+            </a:effectLst>
+          </p:spPr>
+          <p:style>
+            <a:lnRef idx="2">
+              <a:schemeClr val="accent1">
+                <a:shade val="50000"/>
+              </a:schemeClr>
+            </a:lnRef>
+            <a:fillRef idx="1">
+              <a:schemeClr val="accent1"/>
+            </a:fillRef>
+            <a:effectRef idx="0">
+              <a:schemeClr val="accent1"/>
+            </a:effectRef>
+            <a:fontRef idx="minor">
+              <a:schemeClr val="lt1"/>
+            </a:fontRef>
+          </p:style>
+          <p:txBody>
+            <a:bodyPr rtlCol="0" anchor="ctr"/>
+            <a:lstStyle/>
+            <a:p>
+              <a:pPr algn="ctr"/>
+              <a:r>
+                <a:rPr kumimoji="1" lang="en-US" altLang="zh-CN" sz="1400" b="1" dirty="0"/>
+                <a:t>…</a:t>
+              </a:r>
+              <a:endParaRPr kumimoji="1" lang="zh-CN" altLang="en-US" sz="1400" b="1" dirty="0"/>
+            </a:p>
+          </p:txBody>
+        </p:sp>
+        <p:sp>
+          <p:nvSpPr>
+            <p:cNvPr id="8" name="圆角矩形 7">
+              <a:extLst>
+                <a:ext uri="{FF2B5EF4-FFF2-40B4-BE49-F238E27FC236}">
+                  <a16:creationId xmlns:a16="http://schemas.microsoft.com/office/drawing/2014/main" id="{BC0B3D1A-D49B-A340-8240-8CD79870FED6}"/>
+                </a:ext>
+              </a:extLst>
+            </p:cNvPr>
+            <p:cNvSpPr/>
+            <p:nvPr/>
+          </p:nvSpPr>
+          <p:spPr>
+            <a:xfrm>
+              <a:off x="3389489" y="3730978"/>
+              <a:ext cx="1100668" cy="462844"/>
+            </a:xfrm>
+            <a:prstGeom prst="roundRect">
+              <a:avLst/>
+            </a:prstGeom>
+            <a:solidFill>
+              <a:schemeClr val="accent4">
+                <a:lumMod val="75000"/>
+              </a:schemeClr>
+            </a:solidFill>
+            <a:effectLst>
+              <a:outerShdw blurRad="50800" dist="38100" dir="2700000" algn="tl" rotWithShape="0">
+                <a:prstClr val="black">
+                  <a:alpha val="40000"/>
+                </a:prstClr>
+              </a:outerShdw>
+            </a:effectLst>
+          </p:spPr>
+          <p:style>
+            <a:lnRef idx="2">
+              <a:schemeClr val="accent1">
+                <a:shade val="50000"/>
+              </a:schemeClr>
+            </a:lnRef>
+            <a:fillRef idx="1">
+              <a:schemeClr val="accent1"/>
+            </a:fillRef>
+            <a:effectRef idx="0">
+              <a:schemeClr val="accent1"/>
+            </a:effectRef>
+            <a:fontRef idx="minor">
+              <a:schemeClr val="lt1"/>
+            </a:fontRef>
+          </p:style>
+          <p:txBody>
+            <a:bodyPr rtlCol="0" anchor="ctr"/>
+            <a:lstStyle/>
+            <a:p>
+              <a:pPr algn="ctr"/>
+              <a:r>
+                <a:rPr kumimoji="1" lang="en-US" altLang="zh-CN" sz="1400" b="1" dirty="0"/>
+                <a:t>Sim</a:t>
+              </a:r>
+              <a:r>
+                <a:rPr kumimoji="1" lang="zh-CN" altLang="en-US" sz="1400" b="1" dirty="0"/>
+                <a:t> </a:t>
+              </a:r>
+              <a:r>
+                <a:rPr kumimoji="1" lang="en-US" altLang="zh-CN" sz="1400" b="1" dirty="0"/>
+                <a:t>User</a:t>
+              </a:r>
+              <a:r>
+                <a:rPr kumimoji="1" lang="zh-CN" altLang="en-US" sz="1400" b="1" dirty="0"/>
+                <a:t> </a:t>
+              </a:r>
+              <a:r>
+                <a:rPr kumimoji="1" lang="en-US" altLang="zh-CN" sz="1400" b="1" dirty="0"/>
+                <a:t>M-1</a:t>
+              </a:r>
+              <a:endParaRPr kumimoji="1" lang="zh-CN" altLang="en-US" sz="1400" b="1" dirty="0"/>
+            </a:p>
+          </p:txBody>
+        </p:sp>
+        <p:sp>
+          <p:nvSpPr>
+            <p:cNvPr id="9" name="圆角矩形 8">
+              <a:extLst>
+                <a:ext uri="{FF2B5EF4-FFF2-40B4-BE49-F238E27FC236}">
+                  <a16:creationId xmlns:a16="http://schemas.microsoft.com/office/drawing/2014/main" id="{21ED276E-60AB-0149-93EA-B9A0B32153CA}"/>
+                </a:ext>
+              </a:extLst>
+            </p:cNvPr>
+            <p:cNvSpPr/>
+            <p:nvPr/>
+          </p:nvSpPr>
+          <p:spPr>
+            <a:xfrm>
+              <a:off x="3389489" y="4504267"/>
+              <a:ext cx="1100668" cy="462844"/>
+            </a:xfrm>
+            <a:prstGeom prst="roundRect">
+              <a:avLst/>
+            </a:prstGeom>
+            <a:solidFill>
+              <a:srgbClr val="92D050"/>
+            </a:solidFill>
+            <a:effectLst>
+              <a:outerShdw blurRad="50800" dist="38100" dir="2700000" algn="tl" rotWithShape="0">
+                <a:prstClr val="black">
+                  <a:alpha val="40000"/>
+                </a:prstClr>
+              </a:outerShdw>
+            </a:effectLst>
+          </p:spPr>
+          <p:style>
+            <a:lnRef idx="2">
+              <a:schemeClr val="accent1">
+                <a:shade val="50000"/>
+              </a:schemeClr>
+            </a:lnRef>
+            <a:fillRef idx="1">
+              <a:schemeClr val="accent1"/>
+            </a:fillRef>
+            <a:effectRef idx="0">
+              <a:schemeClr val="accent1"/>
+            </a:effectRef>
+            <a:fontRef idx="minor">
+              <a:schemeClr val="lt1"/>
+            </a:fontRef>
+          </p:style>
+          <p:txBody>
+            <a:bodyPr rtlCol="0" anchor="ctr"/>
+            <a:lstStyle/>
+            <a:p>
+              <a:pPr algn="ctr"/>
+              <a:r>
+                <a:rPr kumimoji="1" lang="en-US" altLang="zh-CN" sz="1400" b="1" dirty="0"/>
+                <a:t>Sim</a:t>
+              </a:r>
+              <a:r>
+                <a:rPr kumimoji="1" lang="zh-CN" altLang="en-US" sz="1400" b="1" dirty="0"/>
+                <a:t> </a:t>
+              </a:r>
+              <a:r>
+                <a:rPr kumimoji="1" lang="en-US" altLang="zh-CN" sz="1400" b="1" dirty="0"/>
+                <a:t>User</a:t>
+              </a:r>
+              <a:r>
+                <a:rPr kumimoji="1" lang="zh-CN" altLang="en-US" sz="1400" b="1" dirty="0"/>
+                <a:t> </a:t>
+              </a:r>
+              <a:r>
+                <a:rPr kumimoji="1" lang="en-US" altLang="zh-CN" sz="1400" b="1" dirty="0"/>
+                <a:t>M</a:t>
+              </a:r>
+              <a:endParaRPr kumimoji="1" lang="zh-CN" altLang="en-US" sz="1400" b="1" dirty="0"/>
+            </a:p>
+          </p:txBody>
+        </p:sp>
+        <p:sp>
+          <p:nvSpPr>
+            <p:cNvPr id="11" name="圆角矩形 10">
+              <a:extLst>
+                <a:ext uri="{FF2B5EF4-FFF2-40B4-BE49-F238E27FC236}">
+                  <a16:creationId xmlns:a16="http://schemas.microsoft.com/office/drawing/2014/main" id="{700AEA64-8755-9E4A-A9DD-AFA73E69D4A1}"/>
+                </a:ext>
+              </a:extLst>
+            </p:cNvPr>
+            <p:cNvSpPr/>
+            <p:nvPr/>
+          </p:nvSpPr>
+          <p:spPr>
+            <a:xfrm>
+              <a:off x="790222" y="2912533"/>
+              <a:ext cx="1100668" cy="462844"/>
+            </a:xfrm>
+            <a:prstGeom prst="roundRect">
+              <a:avLst/>
+            </a:prstGeom>
+            <a:solidFill>
+              <a:schemeClr val="accent2"/>
+            </a:solidFill>
+            <a:effectLst>
+              <a:outerShdw blurRad="50800" dist="38100" dir="2700000" algn="tl" rotWithShape="0">
+                <a:prstClr val="black">
+                  <a:alpha val="40000"/>
+                </a:prstClr>
+              </a:outerShdw>
+            </a:effectLst>
+          </p:spPr>
+          <p:style>
+            <a:lnRef idx="2">
+              <a:schemeClr val="accent1">
+                <a:shade val="50000"/>
+              </a:schemeClr>
+            </a:lnRef>
+            <a:fillRef idx="1">
+              <a:schemeClr val="accent1"/>
+            </a:fillRef>
+            <a:effectRef idx="0">
+              <a:schemeClr val="accent1"/>
+            </a:effectRef>
+            <a:fontRef idx="minor">
+              <a:schemeClr val="lt1"/>
+            </a:fontRef>
+          </p:style>
+          <p:txBody>
+            <a:bodyPr rtlCol="0" anchor="ctr"/>
+            <a:lstStyle/>
+            <a:p>
+              <a:pPr algn="ctr"/>
+              <a:r>
+                <a:rPr kumimoji="1" lang="en-US" altLang="zh-CN" sz="1400" b="1" dirty="0"/>
+                <a:t>Input</a:t>
+              </a:r>
+              <a:r>
+                <a:rPr kumimoji="1" lang="zh-CN" altLang="en-US" sz="1400" b="1" dirty="0"/>
+                <a:t> </a:t>
+              </a:r>
+              <a:r>
+                <a:rPr kumimoji="1" lang="en-US" altLang="zh-CN" sz="1400" b="1" dirty="0"/>
+                <a:t>User</a:t>
+              </a:r>
+              <a:endParaRPr kumimoji="1" lang="zh-CN" altLang="en-US" sz="1400" b="1" dirty="0"/>
+            </a:p>
+          </p:txBody>
+        </p:sp>
+        <p:sp>
+          <p:nvSpPr>
+            <p:cNvPr id="12" name="右箭头 11">
+              <a:extLst>
+                <a:ext uri="{FF2B5EF4-FFF2-40B4-BE49-F238E27FC236}">
+                  <a16:creationId xmlns:a16="http://schemas.microsoft.com/office/drawing/2014/main" id="{935815F9-5EE1-EF44-946A-29702FE85808}"/>
+                </a:ext>
+              </a:extLst>
+            </p:cNvPr>
+            <p:cNvSpPr/>
+            <p:nvPr/>
+          </p:nvSpPr>
+          <p:spPr>
+            <a:xfrm>
+              <a:off x="2139244" y="2943577"/>
+              <a:ext cx="886177" cy="400756"/>
+            </a:xfrm>
+            <a:prstGeom prst="rightArrow">
+              <a:avLst/>
+            </a:prstGeom>
+            <a:solidFill>
+              <a:schemeClr val="accent3"/>
+            </a:solidFill>
+            <a:effectLst>
+              <a:outerShdw blurRad="50800" dist="38100" dir="2700000" algn="tl" rotWithShape="0">
+                <a:prstClr val="black">
+                  <a:alpha val="40000"/>
+                </a:prstClr>
+              </a:outerShdw>
+            </a:effectLst>
+          </p:spPr>
+          <p:style>
+            <a:lnRef idx="2">
+              <a:schemeClr val="accent1">
+                <a:shade val="50000"/>
+              </a:schemeClr>
+            </a:lnRef>
+            <a:fillRef idx="1">
+              <a:schemeClr val="accent1"/>
+            </a:fillRef>
+            <a:effectRef idx="0">
+              <a:schemeClr val="accent1"/>
+            </a:effectRef>
+            <a:fontRef idx="minor">
+              <a:schemeClr val="lt1"/>
+            </a:fontRef>
+          </p:style>
+          <p:txBody>
+            <a:bodyPr rtlCol="0" anchor="ctr"/>
+            <a:lstStyle/>
+            <a:p>
+              <a:pPr algn="ctr"/>
+              <a:endParaRPr kumimoji="1" lang="zh-CN" altLang="en-US"/>
+            </a:p>
+          </p:txBody>
+        </p:sp>
+        <p:sp>
+          <p:nvSpPr>
+            <p:cNvPr id="14" name="文本框 13">
+              <a:extLst>
+                <a:ext uri="{FF2B5EF4-FFF2-40B4-BE49-F238E27FC236}">
+                  <a16:creationId xmlns:a16="http://schemas.microsoft.com/office/drawing/2014/main" id="{C975D76F-B539-0B4B-BACD-0803AA49F904}"/>
+                </a:ext>
+              </a:extLst>
+            </p:cNvPr>
+            <p:cNvSpPr txBox="1"/>
+            <p:nvPr/>
+          </p:nvSpPr>
+          <p:spPr>
+            <a:xfrm>
+              <a:off x="2882901" y="5128342"/>
+              <a:ext cx="2113843" cy="369332"/>
+            </a:xfrm>
+            <a:prstGeom prst="rect">
+              <a:avLst/>
+            </a:prstGeom>
+            <a:noFill/>
+          </p:spPr>
+          <p:txBody>
+            <a:bodyPr wrap="square" rtlCol="0">
+              <a:spAutoFit/>
+            </a:bodyPr>
+            <a:lstStyle/>
+            <a:p>
+              <a:r>
+                <a:rPr kumimoji="1" lang="en-US" altLang="zh-CN" b="1" dirty="0"/>
+                <a:t>User</a:t>
+              </a:r>
+              <a:r>
+                <a:rPr kumimoji="1" lang="zh-CN" altLang="en-US" b="1" dirty="0"/>
+                <a:t> </a:t>
+              </a:r>
+              <a:r>
+                <a:rPr kumimoji="1" lang="en-US" altLang="zh-CN" b="1" dirty="0"/>
+                <a:t>Sim</a:t>
+              </a:r>
+              <a:r>
+                <a:rPr kumimoji="1" lang="zh-CN" altLang="en-US" b="1" dirty="0"/>
+                <a:t> </a:t>
+              </a:r>
+              <a:r>
+                <a:rPr kumimoji="1" lang="en-US" altLang="zh-CN" b="1" dirty="0"/>
+                <a:t>Matrix</a:t>
+              </a:r>
+              <a:endParaRPr kumimoji="1" lang="zh-CN" altLang="en-US" b="1" dirty="0"/>
+            </a:p>
+          </p:txBody>
+        </p:sp>
+        <p:sp>
+          <p:nvSpPr>
+            <p:cNvPr id="15" name="椭圆 14">
+              <a:extLst>
+                <a:ext uri="{FF2B5EF4-FFF2-40B4-BE49-F238E27FC236}">
+                  <a16:creationId xmlns:a16="http://schemas.microsoft.com/office/drawing/2014/main" id="{B3909EF9-E096-3C41-92AC-8FB0BDA037E8}"/>
+                </a:ext>
+              </a:extLst>
+            </p:cNvPr>
+            <p:cNvSpPr/>
+            <p:nvPr/>
+          </p:nvSpPr>
+          <p:spPr>
+            <a:xfrm>
+              <a:off x="4842934" y="1332090"/>
+              <a:ext cx="428977" cy="428977"/>
+            </a:xfrm>
+            <a:prstGeom prst="ellipse">
+              <a:avLst/>
+            </a:prstGeom>
+            <a:solidFill>
+              <a:srgbClr val="5B9CD5"/>
+            </a:solidFill>
+            <a:effectLst>
+              <a:outerShdw blurRad="50800" dist="38100" dir="2700000" algn="tl" rotWithShape="0">
+                <a:prstClr val="black">
+                  <a:alpha val="40000"/>
+                </a:prstClr>
+              </a:outerShdw>
+            </a:effectLst>
+          </p:spPr>
+          <p:style>
+            <a:lnRef idx="2">
+              <a:schemeClr val="accent1">
+                <a:shade val="50000"/>
+              </a:schemeClr>
+            </a:lnRef>
+            <a:fillRef idx="1">
+              <a:schemeClr val="accent1"/>
+            </a:fillRef>
+            <a:effectRef idx="0">
+              <a:schemeClr val="accent1"/>
+            </a:effectRef>
+            <a:fontRef idx="minor">
+              <a:schemeClr val="lt1"/>
+            </a:fontRef>
+          </p:style>
+          <p:txBody>
+            <a:bodyPr rtlCol="0" anchor="ctr"/>
+            <a:lstStyle/>
+            <a:p>
+              <a:pPr algn="ctr"/>
+              <a:r>
+                <a:rPr kumimoji="1" lang="en-US" altLang="zh-CN" sz="1400" dirty="0"/>
+                <a:t>1</a:t>
+              </a:r>
+              <a:endParaRPr kumimoji="1" lang="zh-CN" altLang="en-US" sz="1400" dirty="0"/>
+            </a:p>
+          </p:txBody>
+        </p:sp>
+        <p:sp>
+          <p:nvSpPr>
+            <p:cNvPr id="16" name="椭圆 15">
+              <a:extLst>
+                <a:ext uri="{FF2B5EF4-FFF2-40B4-BE49-F238E27FC236}">
+                  <a16:creationId xmlns:a16="http://schemas.microsoft.com/office/drawing/2014/main" id="{B2E09339-7985-6648-A9CB-CA778212B62E}"/>
+                </a:ext>
+              </a:extLst>
+            </p:cNvPr>
+            <p:cNvSpPr/>
+            <p:nvPr/>
+          </p:nvSpPr>
+          <p:spPr>
+            <a:xfrm>
+              <a:off x="5410199" y="1332089"/>
+              <a:ext cx="428977" cy="428977"/>
+            </a:xfrm>
+            <a:prstGeom prst="ellipse">
+              <a:avLst/>
+            </a:prstGeom>
+            <a:solidFill>
+              <a:srgbClr val="5B9CD5"/>
+            </a:solidFill>
+            <a:effectLst>
+              <a:outerShdw blurRad="50800" dist="38100" dir="2700000" algn="tl" rotWithShape="0">
+                <a:prstClr val="black">
+                  <a:alpha val="40000"/>
+                </a:prstClr>
+              </a:outerShdw>
+            </a:effectLst>
+          </p:spPr>
+          <p:style>
+            <a:lnRef idx="2">
+              <a:schemeClr val="accent1">
+                <a:shade val="50000"/>
+              </a:schemeClr>
+            </a:lnRef>
+            <a:fillRef idx="1">
+              <a:schemeClr val="accent1"/>
+            </a:fillRef>
+            <a:effectRef idx="0">
+              <a:schemeClr val="accent1"/>
+            </a:effectRef>
+            <a:fontRef idx="minor">
+              <a:schemeClr val="lt1"/>
+            </a:fontRef>
+          </p:style>
+          <p:txBody>
+            <a:bodyPr rtlCol="0" anchor="ctr"/>
+            <a:lstStyle/>
+            <a:p>
+              <a:pPr algn="ctr"/>
+              <a:r>
+                <a:rPr kumimoji="1" lang="en-US" altLang="zh-CN" sz="1400" dirty="0"/>
+                <a:t>2</a:t>
+              </a:r>
+              <a:endParaRPr kumimoji="1" lang="zh-CN" altLang="en-US" sz="1400" dirty="0"/>
+            </a:p>
+          </p:txBody>
+        </p:sp>
+        <p:sp>
+          <p:nvSpPr>
+            <p:cNvPr id="17" name="椭圆 16">
+              <a:extLst>
+                <a:ext uri="{FF2B5EF4-FFF2-40B4-BE49-F238E27FC236}">
+                  <a16:creationId xmlns:a16="http://schemas.microsoft.com/office/drawing/2014/main" id="{65024C3C-770E-F442-9832-FB4B6BCA71D6}"/>
+                </a:ext>
+              </a:extLst>
+            </p:cNvPr>
+            <p:cNvSpPr/>
+            <p:nvPr/>
+          </p:nvSpPr>
+          <p:spPr>
+            <a:xfrm>
+              <a:off x="5977464" y="1332089"/>
+              <a:ext cx="428977" cy="428977"/>
+            </a:xfrm>
+            <a:prstGeom prst="ellipse">
+              <a:avLst/>
+            </a:prstGeom>
+            <a:solidFill>
+              <a:srgbClr val="5B9CD5"/>
+            </a:solidFill>
+            <a:effectLst>
+              <a:outerShdw blurRad="50800" dist="38100" dir="2700000" algn="tl" rotWithShape="0">
+                <a:prstClr val="black">
+                  <a:alpha val="40000"/>
+                </a:prstClr>
+              </a:outerShdw>
+            </a:effectLst>
+          </p:spPr>
+          <p:style>
+            <a:lnRef idx="2">
+              <a:schemeClr val="accent1">
+                <a:shade val="50000"/>
+              </a:schemeClr>
+            </a:lnRef>
+            <a:fillRef idx="1">
+              <a:schemeClr val="accent1"/>
+            </a:fillRef>
+            <a:effectRef idx="0">
+              <a:schemeClr val="accent1"/>
+            </a:effectRef>
+            <a:fontRef idx="minor">
+              <a:schemeClr val="lt1"/>
+            </a:fontRef>
+          </p:style>
+          <p:txBody>
+            <a:bodyPr rtlCol="0" anchor="ctr"/>
+            <a:lstStyle/>
+            <a:p>
+              <a:pPr algn="ctr"/>
+              <a:r>
+                <a:rPr kumimoji="1" lang="en-US" altLang="zh-CN" sz="1400" dirty="0"/>
+                <a:t>…</a:t>
+              </a:r>
+              <a:endParaRPr kumimoji="1" lang="zh-CN" altLang="en-US" sz="1400" dirty="0"/>
+            </a:p>
+          </p:txBody>
+        </p:sp>
+        <p:sp>
+          <p:nvSpPr>
+            <p:cNvPr id="18" name="椭圆 17">
+              <a:extLst>
+                <a:ext uri="{FF2B5EF4-FFF2-40B4-BE49-F238E27FC236}">
+                  <a16:creationId xmlns:a16="http://schemas.microsoft.com/office/drawing/2014/main" id="{0FAA51D3-57AB-D441-9F04-DAAAA8F66E45}"/>
+                </a:ext>
+              </a:extLst>
+            </p:cNvPr>
+            <p:cNvSpPr/>
+            <p:nvPr/>
+          </p:nvSpPr>
+          <p:spPr>
+            <a:xfrm>
+              <a:off x="6558839" y="1332090"/>
+              <a:ext cx="428977" cy="428977"/>
+            </a:xfrm>
+            <a:prstGeom prst="ellipse">
+              <a:avLst/>
+            </a:prstGeom>
+            <a:solidFill>
+              <a:srgbClr val="5B9CD5"/>
+            </a:solidFill>
+            <a:effectLst>
+              <a:outerShdw blurRad="50800" dist="38100" dir="2700000" algn="tl" rotWithShape="0">
+                <a:prstClr val="black">
+                  <a:alpha val="40000"/>
+                </a:prstClr>
+              </a:outerShdw>
+            </a:effectLst>
+          </p:spPr>
+          <p:style>
+            <a:lnRef idx="2">
+              <a:schemeClr val="accent1">
+                <a:shade val="50000"/>
+              </a:schemeClr>
+            </a:lnRef>
+            <a:fillRef idx="1">
+              <a:schemeClr val="accent1"/>
+            </a:fillRef>
+            <a:effectRef idx="0">
+              <a:schemeClr val="accent1"/>
+            </a:effectRef>
+            <a:fontRef idx="minor">
+              <a:schemeClr val="lt1"/>
+            </a:fontRef>
+          </p:style>
+          <p:txBody>
+            <a:bodyPr rtlCol="0" anchor="ctr"/>
+            <a:lstStyle/>
+            <a:p>
+              <a:pPr algn="ctr"/>
+              <a:endParaRPr kumimoji="1" lang="zh-CN" altLang="en-US" sz="1400" dirty="0"/>
+            </a:p>
+          </p:txBody>
+        </p:sp>
+        <p:sp>
+          <p:nvSpPr>
+            <p:cNvPr id="19" name="椭圆 18">
+              <a:extLst>
+                <a:ext uri="{FF2B5EF4-FFF2-40B4-BE49-F238E27FC236}">
+                  <a16:creationId xmlns:a16="http://schemas.microsoft.com/office/drawing/2014/main" id="{62531F78-F45B-8F46-B68B-9D81063B3721}"/>
+                </a:ext>
+              </a:extLst>
+            </p:cNvPr>
+            <p:cNvSpPr/>
+            <p:nvPr/>
+          </p:nvSpPr>
+          <p:spPr>
+            <a:xfrm>
+              <a:off x="7126104" y="1332089"/>
+              <a:ext cx="428977" cy="428977"/>
+            </a:xfrm>
+            <a:prstGeom prst="ellipse">
+              <a:avLst/>
+            </a:prstGeom>
+            <a:solidFill>
+              <a:srgbClr val="5B9CD5"/>
+            </a:solidFill>
+            <a:effectLst>
+              <a:outerShdw blurRad="50800" dist="38100" dir="2700000" algn="tl" rotWithShape="0">
+                <a:prstClr val="black">
+                  <a:alpha val="40000"/>
+                </a:prstClr>
+              </a:outerShdw>
+            </a:effectLst>
+          </p:spPr>
+          <p:style>
+            <a:lnRef idx="2">
+              <a:schemeClr val="accent1">
+                <a:shade val="50000"/>
+              </a:schemeClr>
+            </a:lnRef>
+            <a:fillRef idx="1">
+              <a:schemeClr val="accent1"/>
+            </a:fillRef>
+            <a:effectRef idx="0">
+              <a:schemeClr val="accent1"/>
+            </a:effectRef>
+            <a:fontRef idx="minor">
+              <a:schemeClr val="lt1"/>
+            </a:fontRef>
+          </p:style>
+          <p:txBody>
+            <a:bodyPr rtlCol="0" anchor="ctr"/>
+            <a:lstStyle/>
+            <a:p>
+              <a:pPr algn="ctr"/>
+              <a:endParaRPr kumimoji="1" lang="zh-CN" altLang="en-US" sz="1400" dirty="0"/>
+            </a:p>
+          </p:txBody>
+        </p:sp>
+        <p:sp>
+          <p:nvSpPr>
+            <p:cNvPr id="20" name="椭圆 19">
+              <a:extLst>
+                <a:ext uri="{FF2B5EF4-FFF2-40B4-BE49-F238E27FC236}">
+                  <a16:creationId xmlns:a16="http://schemas.microsoft.com/office/drawing/2014/main" id="{A83F32D7-4FD4-EB45-BA07-46E0F0A0D309}"/>
+                </a:ext>
+              </a:extLst>
+            </p:cNvPr>
+            <p:cNvSpPr/>
+            <p:nvPr/>
+          </p:nvSpPr>
+          <p:spPr>
+            <a:xfrm>
+              <a:off x="4842934" y="2071513"/>
+              <a:ext cx="428977" cy="428977"/>
+            </a:xfrm>
+            <a:prstGeom prst="ellipse">
+              <a:avLst/>
+            </a:prstGeom>
+            <a:solidFill>
+              <a:schemeClr val="accent4">
+                <a:lumMod val="60000"/>
+                <a:lumOff val="40000"/>
+              </a:schemeClr>
+            </a:solidFill>
+            <a:effectLst>
+              <a:outerShdw blurRad="50800" dist="38100" dir="2700000" algn="tl" rotWithShape="0">
+                <a:prstClr val="black">
+                  <a:alpha val="40000"/>
+                </a:prstClr>
+              </a:outerShdw>
+            </a:effectLst>
+          </p:spPr>
+          <p:style>
+            <a:lnRef idx="2">
+              <a:schemeClr val="accent1">
+                <a:shade val="50000"/>
+              </a:schemeClr>
+            </a:lnRef>
+            <a:fillRef idx="1">
+              <a:schemeClr val="accent1"/>
+            </a:fillRef>
+            <a:effectRef idx="0">
+              <a:schemeClr val="accent1"/>
+            </a:effectRef>
+            <a:fontRef idx="minor">
+              <a:schemeClr val="lt1"/>
+            </a:fontRef>
+          </p:style>
+          <p:txBody>
+            <a:bodyPr rtlCol="0" anchor="ctr"/>
+            <a:lstStyle/>
+            <a:p>
+              <a:pPr algn="ctr"/>
+              <a:r>
+                <a:rPr kumimoji="1" lang="en-US" altLang="zh-CN" sz="1400" dirty="0"/>
+                <a:t>1</a:t>
+              </a:r>
+              <a:endParaRPr kumimoji="1" lang="zh-CN" altLang="en-US" sz="1400" dirty="0"/>
+            </a:p>
+          </p:txBody>
+        </p:sp>
+        <p:sp>
+          <p:nvSpPr>
+            <p:cNvPr id="21" name="椭圆 20">
+              <a:extLst>
+                <a:ext uri="{FF2B5EF4-FFF2-40B4-BE49-F238E27FC236}">
+                  <a16:creationId xmlns:a16="http://schemas.microsoft.com/office/drawing/2014/main" id="{0DAD732B-2EE8-2846-8B99-FB498232CBD1}"/>
+                </a:ext>
+              </a:extLst>
+            </p:cNvPr>
+            <p:cNvSpPr/>
+            <p:nvPr/>
+          </p:nvSpPr>
+          <p:spPr>
+            <a:xfrm>
+              <a:off x="5410199" y="2071512"/>
+              <a:ext cx="428977" cy="428977"/>
+            </a:xfrm>
+            <a:prstGeom prst="ellipse">
+              <a:avLst/>
+            </a:prstGeom>
+            <a:solidFill>
+              <a:schemeClr val="accent4">
+                <a:lumMod val="60000"/>
+                <a:lumOff val="40000"/>
+              </a:schemeClr>
+            </a:solidFill>
+            <a:effectLst>
+              <a:outerShdw blurRad="50800" dist="38100" dir="2700000" algn="tl" rotWithShape="0">
+                <a:prstClr val="black">
+                  <a:alpha val="40000"/>
+                </a:prstClr>
+              </a:outerShdw>
+            </a:effectLst>
+          </p:spPr>
+          <p:style>
+            <a:lnRef idx="2">
+              <a:schemeClr val="accent1">
+                <a:shade val="50000"/>
+              </a:schemeClr>
+            </a:lnRef>
+            <a:fillRef idx="1">
+              <a:schemeClr val="accent1"/>
+            </a:fillRef>
+            <a:effectRef idx="0">
+              <a:schemeClr val="accent1"/>
+            </a:effectRef>
+            <a:fontRef idx="minor">
+              <a:schemeClr val="lt1"/>
+            </a:fontRef>
+          </p:style>
+          <p:txBody>
+            <a:bodyPr rtlCol="0" anchor="ctr"/>
+            <a:lstStyle/>
+            <a:p>
+              <a:pPr algn="ctr"/>
+              <a:r>
+                <a:rPr kumimoji="1" lang="en-US" altLang="zh-CN" sz="1400" dirty="0"/>
+                <a:t>2</a:t>
+              </a:r>
+              <a:endParaRPr kumimoji="1" lang="zh-CN" altLang="en-US" sz="1400" dirty="0"/>
+            </a:p>
+          </p:txBody>
+        </p:sp>
+        <p:sp>
+          <p:nvSpPr>
+            <p:cNvPr id="22" name="椭圆 21">
+              <a:extLst>
+                <a:ext uri="{FF2B5EF4-FFF2-40B4-BE49-F238E27FC236}">
+                  <a16:creationId xmlns:a16="http://schemas.microsoft.com/office/drawing/2014/main" id="{B5EDB6F5-DF7C-0A44-A31B-3CAFA7BDB8CE}"/>
+                </a:ext>
+              </a:extLst>
+            </p:cNvPr>
+            <p:cNvSpPr/>
+            <p:nvPr/>
+          </p:nvSpPr>
+          <p:spPr>
+            <a:xfrm>
+              <a:off x="5977464" y="2071512"/>
+              <a:ext cx="428977" cy="428977"/>
+            </a:xfrm>
+            <a:prstGeom prst="ellipse">
+              <a:avLst/>
+            </a:prstGeom>
+            <a:solidFill>
+              <a:schemeClr val="accent4">
+                <a:lumMod val="60000"/>
+                <a:lumOff val="40000"/>
+              </a:schemeClr>
+            </a:solidFill>
+            <a:effectLst>
+              <a:outerShdw blurRad="50800" dist="38100" dir="2700000" algn="tl" rotWithShape="0">
+                <a:prstClr val="black">
+                  <a:alpha val="40000"/>
+                </a:prstClr>
+              </a:outerShdw>
+            </a:effectLst>
+          </p:spPr>
+          <p:style>
+            <a:lnRef idx="2">
+              <a:schemeClr val="accent1">
+                <a:shade val="50000"/>
+              </a:schemeClr>
+            </a:lnRef>
+            <a:fillRef idx="1">
+              <a:schemeClr val="accent1"/>
+            </a:fillRef>
+            <a:effectRef idx="0">
+              <a:schemeClr val="accent1"/>
+            </a:effectRef>
+            <a:fontRef idx="minor">
+              <a:schemeClr val="lt1"/>
+            </a:fontRef>
+          </p:style>
+          <p:txBody>
+            <a:bodyPr rtlCol="0" anchor="ctr"/>
+            <a:lstStyle/>
+            <a:p>
+              <a:pPr algn="ctr"/>
+              <a:r>
+                <a:rPr kumimoji="1" lang="en-US" altLang="zh-CN" sz="1400" dirty="0"/>
+                <a:t>…</a:t>
+              </a:r>
+              <a:endParaRPr kumimoji="1" lang="zh-CN" altLang="en-US" sz="1400" dirty="0"/>
+            </a:p>
+          </p:txBody>
+        </p:sp>
+        <p:sp>
+          <p:nvSpPr>
+            <p:cNvPr id="23" name="椭圆 22">
+              <a:extLst>
+                <a:ext uri="{FF2B5EF4-FFF2-40B4-BE49-F238E27FC236}">
+                  <a16:creationId xmlns:a16="http://schemas.microsoft.com/office/drawing/2014/main" id="{41F341B1-D2AD-AE4F-9BDA-222BFEF2F0E9}"/>
+                </a:ext>
+              </a:extLst>
+            </p:cNvPr>
+            <p:cNvSpPr/>
+            <p:nvPr/>
+          </p:nvSpPr>
+          <p:spPr>
+            <a:xfrm>
+              <a:off x="6558839" y="2071513"/>
+              <a:ext cx="428977" cy="428977"/>
+            </a:xfrm>
+            <a:prstGeom prst="ellipse">
+              <a:avLst/>
+            </a:prstGeom>
+            <a:solidFill>
+              <a:schemeClr val="accent4">
+                <a:lumMod val="60000"/>
+                <a:lumOff val="40000"/>
+              </a:schemeClr>
+            </a:solidFill>
+            <a:effectLst>
+              <a:outerShdw blurRad="50800" dist="38100" dir="2700000" algn="tl" rotWithShape="0">
+                <a:prstClr val="black">
+                  <a:alpha val="40000"/>
+                </a:prstClr>
+              </a:outerShdw>
+            </a:effectLst>
+          </p:spPr>
+          <p:style>
+            <a:lnRef idx="2">
+              <a:schemeClr val="accent1">
+                <a:shade val="50000"/>
+              </a:schemeClr>
+            </a:lnRef>
+            <a:fillRef idx="1">
+              <a:schemeClr val="accent1"/>
+            </a:fillRef>
+            <a:effectRef idx="0">
+              <a:schemeClr val="accent1"/>
+            </a:effectRef>
+            <a:fontRef idx="minor">
+              <a:schemeClr val="lt1"/>
+            </a:fontRef>
+          </p:style>
+          <p:txBody>
+            <a:bodyPr rtlCol="0" anchor="ctr"/>
+            <a:lstStyle/>
+            <a:p>
+              <a:pPr algn="ctr"/>
+              <a:endParaRPr kumimoji="1" lang="zh-CN" altLang="en-US" sz="1400" dirty="0"/>
+            </a:p>
+          </p:txBody>
+        </p:sp>
+        <p:sp>
+          <p:nvSpPr>
+            <p:cNvPr id="24" name="椭圆 23">
+              <a:extLst>
+                <a:ext uri="{FF2B5EF4-FFF2-40B4-BE49-F238E27FC236}">
+                  <a16:creationId xmlns:a16="http://schemas.microsoft.com/office/drawing/2014/main" id="{5E17C576-09B4-454E-8115-880ECB278BE1}"/>
+                </a:ext>
+              </a:extLst>
+            </p:cNvPr>
+            <p:cNvSpPr/>
+            <p:nvPr/>
+          </p:nvSpPr>
+          <p:spPr>
+            <a:xfrm>
+              <a:off x="7126104" y="2071512"/>
+              <a:ext cx="428977" cy="428977"/>
+            </a:xfrm>
+            <a:prstGeom prst="ellipse">
+              <a:avLst/>
+            </a:prstGeom>
+            <a:solidFill>
+              <a:schemeClr val="accent4">
+                <a:lumMod val="60000"/>
+                <a:lumOff val="40000"/>
+              </a:schemeClr>
+            </a:solidFill>
+            <a:effectLst>
+              <a:outerShdw blurRad="50800" dist="38100" dir="2700000" algn="tl" rotWithShape="0">
+                <a:prstClr val="black">
+                  <a:alpha val="40000"/>
+                </a:prstClr>
+              </a:outerShdw>
+            </a:effectLst>
+          </p:spPr>
+          <p:style>
+            <a:lnRef idx="2">
+              <a:schemeClr val="accent1">
+                <a:shade val="50000"/>
+              </a:schemeClr>
+            </a:lnRef>
+            <a:fillRef idx="1">
+              <a:schemeClr val="accent1"/>
+            </a:fillRef>
+            <a:effectRef idx="0">
+              <a:schemeClr val="accent1"/>
+            </a:effectRef>
+            <a:fontRef idx="minor">
+              <a:schemeClr val="lt1"/>
+            </a:fontRef>
+          </p:style>
+          <p:txBody>
+            <a:bodyPr rtlCol="0" anchor="ctr"/>
+            <a:lstStyle/>
+            <a:p>
+              <a:pPr algn="ctr"/>
+              <a:endParaRPr kumimoji="1" lang="zh-CN" altLang="en-US" sz="1400" dirty="0"/>
+            </a:p>
+          </p:txBody>
+        </p:sp>
+        <p:sp>
+          <p:nvSpPr>
+            <p:cNvPr id="30" name="椭圆 29">
+              <a:extLst>
+                <a:ext uri="{FF2B5EF4-FFF2-40B4-BE49-F238E27FC236}">
+                  <a16:creationId xmlns:a16="http://schemas.microsoft.com/office/drawing/2014/main" id="{D49696FF-4119-B84F-9191-B6A0FB2E6C0D}"/>
+                </a:ext>
+              </a:extLst>
+            </p:cNvPr>
+            <p:cNvSpPr/>
+            <p:nvPr/>
+          </p:nvSpPr>
+          <p:spPr>
+            <a:xfrm>
+              <a:off x="4842934" y="2912533"/>
+              <a:ext cx="428977" cy="428977"/>
+            </a:xfrm>
+            <a:prstGeom prst="ellipse">
+              <a:avLst/>
+            </a:prstGeom>
+            <a:solidFill>
+              <a:srgbClr val="00B050"/>
+            </a:solidFill>
+            <a:effectLst>
+              <a:outerShdw blurRad="50800" dist="38100" dir="2700000" algn="tl" rotWithShape="0">
+                <a:prstClr val="black">
+                  <a:alpha val="40000"/>
+                </a:prstClr>
+              </a:outerShdw>
+            </a:effectLst>
+          </p:spPr>
+          <p:style>
+            <a:lnRef idx="2">
+              <a:schemeClr val="accent1">
+                <a:shade val="50000"/>
+              </a:schemeClr>
+            </a:lnRef>
+            <a:fillRef idx="1">
+              <a:schemeClr val="accent1"/>
+            </a:fillRef>
+            <a:effectRef idx="0">
+              <a:schemeClr val="accent1"/>
+            </a:effectRef>
+            <a:fontRef idx="minor">
+              <a:schemeClr val="lt1"/>
+            </a:fontRef>
+          </p:style>
+          <p:txBody>
+            <a:bodyPr rtlCol="0" anchor="ctr"/>
+            <a:lstStyle/>
+            <a:p>
+              <a:pPr algn="ctr"/>
+              <a:r>
+                <a:rPr kumimoji="1" lang="en-US" altLang="zh-CN" sz="1400" dirty="0"/>
+                <a:t>1</a:t>
+              </a:r>
+              <a:endParaRPr kumimoji="1" lang="zh-CN" altLang="en-US" sz="1400" dirty="0"/>
+            </a:p>
+          </p:txBody>
+        </p:sp>
+        <p:sp>
+          <p:nvSpPr>
+            <p:cNvPr id="31" name="椭圆 30">
+              <a:extLst>
+                <a:ext uri="{FF2B5EF4-FFF2-40B4-BE49-F238E27FC236}">
+                  <a16:creationId xmlns:a16="http://schemas.microsoft.com/office/drawing/2014/main" id="{1E813EE4-0ACB-9945-BF0F-D2ADD81C2D69}"/>
+                </a:ext>
+              </a:extLst>
+            </p:cNvPr>
+            <p:cNvSpPr/>
+            <p:nvPr/>
+          </p:nvSpPr>
+          <p:spPr>
+            <a:xfrm>
+              <a:off x="5410199" y="2912532"/>
+              <a:ext cx="428977" cy="428977"/>
+            </a:xfrm>
+            <a:prstGeom prst="ellipse">
+              <a:avLst/>
+            </a:prstGeom>
+            <a:solidFill>
+              <a:srgbClr val="00B050"/>
+            </a:solidFill>
+            <a:effectLst>
+              <a:outerShdw blurRad="50800" dist="38100" dir="2700000" algn="tl" rotWithShape="0">
+                <a:prstClr val="black">
+                  <a:alpha val="40000"/>
+                </a:prstClr>
+              </a:outerShdw>
+            </a:effectLst>
+          </p:spPr>
+          <p:style>
+            <a:lnRef idx="2">
+              <a:schemeClr val="accent1">
+                <a:shade val="50000"/>
+              </a:schemeClr>
+            </a:lnRef>
+            <a:fillRef idx="1">
+              <a:schemeClr val="accent1"/>
+            </a:fillRef>
+            <a:effectRef idx="0">
+              <a:schemeClr val="accent1"/>
+            </a:effectRef>
+            <a:fontRef idx="minor">
+              <a:schemeClr val="lt1"/>
+            </a:fontRef>
+          </p:style>
+          <p:txBody>
+            <a:bodyPr rtlCol="0" anchor="ctr"/>
+            <a:lstStyle/>
+            <a:p>
+              <a:pPr algn="ctr"/>
+              <a:r>
+                <a:rPr kumimoji="1" lang="en-US" altLang="zh-CN" sz="1400" dirty="0"/>
+                <a:t>2</a:t>
+              </a:r>
+              <a:endParaRPr kumimoji="1" lang="zh-CN" altLang="en-US" sz="1400" dirty="0"/>
+            </a:p>
+          </p:txBody>
+        </p:sp>
+        <p:sp>
+          <p:nvSpPr>
+            <p:cNvPr id="32" name="椭圆 31">
+              <a:extLst>
+                <a:ext uri="{FF2B5EF4-FFF2-40B4-BE49-F238E27FC236}">
+                  <a16:creationId xmlns:a16="http://schemas.microsoft.com/office/drawing/2014/main" id="{5D06AD8C-80D0-FE4F-9160-4BFC5AC4E006}"/>
+                </a:ext>
+              </a:extLst>
+            </p:cNvPr>
+            <p:cNvSpPr/>
+            <p:nvPr/>
+          </p:nvSpPr>
+          <p:spPr>
+            <a:xfrm>
+              <a:off x="5977464" y="2912532"/>
+              <a:ext cx="428977" cy="428977"/>
+            </a:xfrm>
+            <a:prstGeom prst="ellipse">
+              <a:avLst/>
+            </a:prstGeom>
+            <a:solidFill>
+              <a:srgbClr val="00B050"/>
+            </a:solidFill>
+            <a:effectLst>
+              <a:outerShdw blurRad="50800" dist="38100" dir="2700000" algn="tl" rotWithShape="0">
+                <a:prstClr val="black">
+                  <a:alpha val="40000"/>
+                </a:prstClr>
+              </a:outerShdw>
+            </a:effectLst>
+          </p:spPr>
+          <p:style>
+            <a:lnRef idx="2">
+              <a:schemeClr val="accent1">
+                <a:shade val="50000"/>
+              </a:schemeClr>
+            </a:lnRef>
+            <a:fillRef idx="1">
+              <a:schemeClr val="accent1"/>
+            </a:fillRef>
+            <a:effectRef idx="0">
+              <a:schemeClr val="accent1"/>
+            </a:effectRef>
+            <a:fontRef idx="minor">
+              <a:schemeClr val="lt1"/>
+            </a:fontRef>
+          </p:style>
+          <p:txBody>
+            <a:bodyPr rtlCol="0" anchor="ctr"/>
+            <a:lstStyle/>
+            <a:p>
+              <a:pPr algn="ctr"/>
+              <a:r>
+                <a:rPr kumimoji="1" lang="en-US" altLang="zh-CN" sz="1400" dirty="0"/>
+                <a:t>…</a:t>
+              </a:r>
+              <a:endParaRPr kumimoji="1" lang="zh-CN" altLang="en-US" sz="1400" dirty="0"/>
+            </a:p>
+          </p:txBody>
+        </p:sp>
+        <p:sp>
+          <p:nvSpPr>
+            <p:cNvPr id="33" name="椭圆 32">
+              <a:extLst>
+                <a:ext uri="{FF2B5EF4-FFF2-40B4-BE49-F238E27FC236}">
+                  <a16:creationId xmlns:a16="http://schemas.microsoft.com/office/drawing/2014/main" id="{C67CDF64-8634-6C48-98CB-146C6CFDB50F}"/>
+                </a:ext>
+              </a:extLst>
+            </p:cNvPr>
+            <p:cNvSpPr/>
+            <p:nvPr/>
+          </p:nvSpPr>
+          <p:spPr>
+            <a:xfrm>
+              <a:off x="6558839" y="2912533"/>
+              <a:ext cx="428977" cy="428977"/>
+            </a:xfrm>
+            <a:prstGeom prst="ellipse">
+              <a:avLst/>
+            </a:prstGeom>
+            <a:solidFill>
+              <a:srgbClr val="00B050"/>
+            </a:solidFill>
+            <a:effectLst>
+              <a:outerShdw blurRad="50800" dist="38100" dir="2700000" algn="tl" rotWithShape="0">
+                <a:prstClr val="black">
+                  <a:alpha val="40000"/>
+                </a:prstClr>
+              </a:outerShdw>
+            </a:effectLst>
+          </p:spPr>
+          <p:style>
+            <a:lnRef idx="2">
+              <a:schemeClr val="accent1">
+                <a:shade val="50000"/>
+              </a:schemeClr>
+            </a:lnRef>
+            <a:fillRef idx="1">
+              <a:schemeClr val="accent1"/>
+            </a:fillRef>
+            <a:effectRef idx="0">
+              <a:schemeClr val="accent1"/>
+            </a:effectRef>
+            <a:fontRef idx="minor">
+              <a:schemeClr val="lt1"/>
+            </a:fontRef>
+          </p:style>
+          <p:txBody>
+            <a:bodyPr rtlCol="0" anchor="ctr"/>
+            <a:lstStyle/>
+            <a:p>
+              <a:pPr algn="ctr"/>
+              <a:endParaRPr kumimoji="1" lang="zh-CN" altLang="en-US" sz="1400" dirty="0"/>
+            </a:p>
+          </p:txBody>
+        </p:sp>
+        <p:sp>
+          <p:nvSpPr>
+            <p:cNvPr id="34" name="椭圆 33">
+              <a:extLst>
+                <a:ext uri="{FF2B5EF4-FFF2-40B4-BE49-F238E27FC236}">
+                  <a16:creationId xmlns:a16="http://schemas.microsoft.com/office/drawing/2014/main" id="{17D3CF09-E6C9-814E-B969-D6FDD9975ED4}"/>
+                </a:ext>
+              </a:extLst>
+            </p:cNvPr>
+            <p:cNvSpPr/>
+            <p:nvPr/>
+          </p:nvSpPr>
+          <p:spPr>
+            <a:xfrm>
+              <a:off x="7126104" y="2912532"/>
+              <a:ext cx="428977" cy="428977"/>
+            </a:xfrm>
+            <a:prstGeom prst="ellipse">
+              <a:avLst/>
+            </a:prstGeom>
+            <a:solidFill>
+              <a:srgbClr val="00B050"/>
+            </a:solidFill>
+            <a:effectLst>
+              <a:outerShdw blurRad="50800" dist="38100" dir="2700000" algn="tl" rotWithShape="0">
+                <a:prstClr val="black">
+                  <a:alpha val="40000"/>
+                </a:prstClr>
+              </a:outerShdw>
+            </a:effectLst>
+          </p:spPr>
+          <p:style>
+            <a:lnRef idx="2">
+              <a:schemeClr val="accent1">
+                <a:shade val="50000"/>
+              </a:schemeClr>
+            </a:lnRef>
+            <a:fillRef idx="1">
+              <a:schemeClr val="accent1"/>
+            </a:fillRef>
+            <a:effectRef idx="0">
+              <a:schemeClr val="accent1"/>
+            </a:effectRef>
+            <a:fontRef idx="minor">
+              <a:schemeClr val="lt1"/>
+            </a:fontRef>
+          </p:style>
+          <p:txBody>
+            <a:bodyPr rtlCol="0" anchor="ctr"/>
+            <a:lstStyle/>
+            <a:p>
+              <a:pPr algn="ctr"/>
+              <a:endParaRPr kumimoji="1" lang="zh-CN" altLang="en-US" sz="1400" dirty="0"/>
+            </a:p>
+          </p:txBody>
+        </p:sp>
+        <p:sp>
+          <p:nvSpPr>
+            <p:cNvPr id="35" name="椭圆 34">
+              <a:extLst>
+                <a:ext uri="{FF2B5EF4-FFF2-40B4-BE49-F238E27FC236}">
+                  <a16:creationId xmlns:a16="http://schemas.microsoft.com/office/drawing/2014/main" id="{0B4D0C80-E6F8-D741-A4BE-A1568E7C8F2C}"/>
+                </a:ext>
+              </a:extLst>
+            </p:cNvPr>
+            <p:cNvSpPr/>
+            <p:nvPr/>
+          </p:nvSpPr>
+          <p:spPr>
+            <a:xfrm>
+              <a:off x="4842934" y="3719690"/>
+              <a:ext cx="428977" cy="428977"/>
+            </a:xfrm>
+            <a:prstGeom prst="ellipse">
+              <a:avLst/>
+            </a:prstGeom>
+            <a:solidFill>
+              <a:schemeClr val="accent4">
+                <a:lumMod val="75000"/>
+              </a:schemeClr>
+            </a:solidFill>
+            <a:effectLst>
+              <a:outerShdw blurRad="50800" dist="38100" dir="2700000" algn="tl" rotWithShape="0">
+                <a:prstClr val="black">
+                  <a:alpha val="40000"/>
+                </a:prstClr>
+              </a:outerShdw>
+            </a:effectLst>
+          </p:spPr>
+          <p:style>
+            <a:lnRef idx="2">
+              <a:schemeClr val="accent1">
+                <a:shade val="50000"/>
+              </a:schemeClr>
+            </a:lnRef>
+            <a:fillRef idx="1">
+              <a:schemeClr val="accent1"/>
+            </a:fillRef>
+            <a:effectRef idx="0">
+              <a:schemeClr val="accent1"/>
+            </a:effectRef>
+            <a:fontRef idx="minor">
+              <a:schemeClr val="lt1"/>
+            </a:fontRef>
+          </p:style>
+          <p:txBody>
+            <a:bodyPr rtlCol="0" anchor="ctr"/>
+            <a:lstStyle/>
+            <a:p>
+              <a:pPr algn="ctr"/>
+              <a:r>
+                <a:rPr kumimoji="1" lang="en-US" altLang="zh-CN" sz="1400" dirty="0"/>
+                <a:t>1</a:t>
+              </a:r>
+              <a:endParaRPr kumimoji="1" lang="zh-CN" altLang="en-US" sz="1400" dirty="0"/>
+            </a:p>
+          </p:txBody>
+        </p:sp>
+        <p:sp>
+          <p:nvSpPr>
+            <p:cNvPr id="36" name="椭圆 35">
+              <a:extLst>
+                <a:ext uri="{FF2B5EF4-FFF2-40B4-BE49-F238E27FC236}">
+                  <a16:creationId xmlns:a16="http://schemas.microsoft.com/office/drawing/2014/main" id="{0BFAF357-03C9-D140-96DD-217B1DE2790E}"/>
+                </a:ext>
+              </a:extLst>
+            </p:cNvPr>
+            <p:cNvSpPr/>
+            <p:nvPr/>
+          </p:nvSpPr>
+          <p:spPr>
+            <a:xfrm>
+              <a:off x="5410199" y="3719689"/>
+              <a:ext cx="428977" cy="428977"/>
+            </a:xfrm>
+            <a:prstGeom prst="ellipse">
+              <a:avLst/>
+            </a:prstGeom>
+            <a:solidFill>
+              <a:schemeClr val="accent4">
+                <a:lumMod val="75000"/>
+              </a:schemeClr>
+            </a:solidFill>
+            <a:effectLst>
+              <a:outerShdw blurRad="50800" dist="38100" dir="2700000" algn="tl" rotWithShape="0">
+                <a:prstClr val="black">
+                  <a:alpha val="40000"/>
+                </a:prstClr>
+              </a:outerShdw>
+            </a:effectLst>
+          </p:spPr>
+          <p:style>
+            <a:lnRef idx="2">
+              <a:schemeClr val="accent1">
+                <a:shade val="50000"/>
+              </a:schemeClr>
+            </a:lnRef>
+            <a:fillRef idx="1">
+              <a:schemeClr val="accent1"/>
+            </a:fillRef>
+            <a:effectRef idx="0">
+              <a:schemeClr val="accent1"/>
+            </a:effectRef>
+            <a:fontRef idx="minor">
+              <a:schemeClr val="lt1"/>
+            </a:fontRef>
+          </p:style>
+          <p:txBody>
+            <a:bodyPr rtlCol="0" anchor="ctr"/>
+            <a:lstStyle/>
+            <a:p>
+              <a:pPr algn="ctr"/>
+              <a:r>
+                <a:rPr kumimoji="1" lang="en-US" altLang="zh-CN" sz="1400" dirty="0"/>
+                <a:t>2</a:t>
+              </a:r>
+              <a:endParaRPr kumimoji="1" lang="zh-CN" altLang="en-US" sz="1400" dirty="0"/>
+            </a:p>
+          </p:txBody>
+        </p:sp>
+        <p:sp>
+          <p:nvSpPr>
+            <p:cNvPr id="37" name="椭圆 36">
+              <a:extLst>
+                <a:ext uri="{FF2B5EF4-FFF2-40B4-BE49-F238E27FC236}">
+                  <a16:creationId xmlns:a16="http://schemas.microsoft.com/office/drawing/2014/main" id="{0DCE10D7-060D-314C-A37E-5EA5483E8B82}"/>
+                </a:ext>
+              </a:extLst>
+            </p:cNvPr>
+            <p:cNvSpPr/>
+            <p:nvPr/>
+          </p:nvSpPr>
+          <p:spPr>
+            <a:xfrm>
+              <a:off x="5977464" y="3719689"/>
+              <a:ext cx="428977" cy="428977"/>
+            </a:xfrm>
+            <a:prstGeom prst="ellipse">
+              <a:avLst/>
+            </a:prstGeom>
+            <a:solidFill>
+              <a:schemeClr val="accent4">
+                <a:lumMod val="75000"/>
+              </a:schemeClr>
+            </a:solidFill>
+            <a:effectLst>
+              <a:outerShdw blurRad="50800" dist="38100" dir="2700000" algn="tl" rotWithShape="0">
+                <a:prstClr val="black">
+                  <a:alpha val="40000"/>
+                </a:prstClr>
+              </a:outerShdw>
+            </a:effectLst>
+          </p:spPr>
+          <p:style>
+            <a:lnRef idx="2">
+              <a:schemeClr val="accent1">
+                <a:shade val="50000"/>
+              </a:schemeClr>
+            </a:lnRef>
+            <a:fillRef idx="1">
+              <a:schemeClr val="accent1"/>
+            </a:fillRef>
+            <a:effectRef idx="0">
+              <a:schemeClr val="accent1"/>
+            </a:effectRef>
+            <a:fontRef idx="minor">
+              <a:schemeClr val="lt1"/>
+            </a:fontRef>
+          </p:style>
+          <p:txBody>
+            <a:bodyPr rtlCol="0" anchor="ctr"/>
+            <a:lstStyle/>
+            <a:p>
+              <a:pPr algn="ctr"/>
+              <a:r>
+                <a:rPr kumimoji="1" lang="en-US" altLang="zh-CN" sz="1400" dirty="0"/>
+                <a:t>…</a:t>
+              </a:r>
+              <a:endParaRPr kumimoji="1" lang="zh-CN" altLang="en-US" sz="1400" dirty="0"/>
+            </a:p>
+          </p:txBody>
+        </p:sp>
+        <p:sp>
+          <p:nvSpPr>
+            <p:cNvPr id="38" name="椭圆 37">
+              <a:extLst>
+                <a:ext uri="{FF2B5EF4-FFF2-40B4-BE49-F238E27FC236}">
+                  <a16:creationId xmlns:a16="http://schemas.microsoft.com/office/drawing/2014/main" id="{55EFFF62-448A-DF45-B320-720608922290}"/>
+                </a:ext>
+              </a:extLst>
+            </p:cNvPr>
+            <p:cNvSpPr/>
+            <p:nvPr/>
+          </p:nvSpPr>
+          <p:spPr>
+            <a:xfrm>
+              <a:off x="6558839" y="3719690"/>
+              <a:ext cx="428977" cy="428977"/>
+            </a:xfrm>
+            <a:prstGeom prst="ellipse">
+              <a:avLst/>
+            </a:prstGeom>
+            <a:solidFill>
+              <a:schemeClr val="accent4">
+                <a:lumMod val="75000"/>
+              </a:schemeClr>
+            </a:solidFill>
+            <a:effectLst>
+              <a:outerShdw blurRad="50800" dist="38100" dir="2700000" algn="tl" rotWithShape="0">
+                <a:prstClr val="black">
+                  <a:alpha val="40000"/>
+                </a:prstClr>
+              </a:outerShdw>
+            </a:effectLst>
+          </p:spPr>
+          <p:style>
+            <a:lnRef idx="2">
+              <a:schemeClr val="accent1">
+                <a:shade val="50000"/>
+              </a:schemeClr>
+            </a:lnRef>
+            <a:fillRef idx="1">
+              <a:schemeClr val="accent1"/>
+            </a:fillRef>
+            <a:effectRef idx="0">
+              <a:schemeClr val="accent1"/>
+            </a:effectRef>
+            <a:fontRef idx="minor">
+              <a:schemeClr val="lt1"/>
+            </a:fontRef>
+          </p:style>
+          <p:txBody>
+            <a:bodyPr rtlCol="0" anchor="ctr"/>
+            <a:lstStyle/>
+            <a:p>
+              <a:pPr algn="ctr"/>
+              <a:endParaRPr kumimoji="1" lang="zh-CN" altLang="en-US" sz="1400" dirty="0"/>
+            </a:p>
+          </p:txBody>
+        </p:sp>
+        <p:sp>
+          <p:nvSpPr>
+            <p:cNvPr id="39" name="椭圆 38">
+              <a:extLst>
+                <a:ext uri="{FF2B5EF4-FFF2-40B4-BE49-F238E27FC236}">
+                  <a16:creationId xmlns:a16="http://schemas.microsoft.com/office/drawing/2014/main" id="{77A57D8E-C549-4248-812B-D7F7902F61A9}"/>
+                </a:ext>
+              </a:extLst>
+            </p:cNvPr>
+            <p:cNvSpPr/>
+            <p:nvPr/>
+          </p:nvSpPr>
+          <p:spPr>
+            <a:xfrm>
+              <a:off x="7126104" y="3719689"/>
+              <a:ext cx="428977" cy="428977"/>
+            </a:xfrm>
+            <a:prstGeom prst="ellipse">
+              <a:avLst/>
+            </a:prstGeom>
+            <a:solidFill>
+              <a:schemeClr val="accent4">
+                <a:lumMod val="75000"/>
+              </a:schemeClr>
+            </a:solidFill>
+            <a:effectLst>
+              <a:outerShdw blurRad="50800" dist="38100" dir="2700000" algn="tl" rotWithShape="0">
+                <a:prstClr val="black">
+                  <a:alpha val="40000"/>
+                </a:prstClr>
+              </a:outerShdw>
+            </a:effectLst>
+          </p:spPr>
+          <p:style>
+            <a:lnRef idx="2">
+              <a:schemeClr val="accent1">
+                <a:shade val="50000"/>
+              </a:schemeClr>
+            </a:lnRef>
+            <a:fillRef idx="1">
+              <a:schemeClr val="accent1"/>
+            </a:fillRef>
+            <a:effectRef idx="0">
+              <a:schemeClr val="accent1"/>
+            </a:effectRef>
+            <a:fontRef idx="minor">
+              <a:schemeClr val="lt1"/>
+            </a:fontRef>
+          </p:style>
+          <p:txBody>
+            <a:bodyPr rtlCol="0" anchor="ctr"/>
+            <a:lstStyle/>
+            <a:p>
+              <a:pPr algn="ctr"/>
+              <a:endParaRPr kumimoji="1" lang="zh-CN" altLang="en-US" sz="1400" dirty="0"/>
+            </a:p>
+          </p:txBody>
+        </p:sp>
+        <p:sp>
+          <p:nvSpPr>
+            <p:cNvPr id="45" name="椭圆 44">
+              <a:extLst>
+                <a:ext uri="{FF2B5EF4-FFF2-40B4-BE49-F238E27FC236}">
+                  <a16:creationId xmlns:a16="http://schemas.microsoft.com/office/drawing/2014/main" id="{8E49B0E1-CC40-3145-A834-EE063BDEC09F}"/>
+                </a:ext>
+              </a:extLst>
+            </p:cNvPr>
+            <p:cNvSpPr/>
+            <p:nvPr/>
+          </p:nvSpPr>
+          <p:spPr>
+            <a:xfrm>
+              <a:off x="4842934" y="4509908"/>
+              <a:ext cx="428977" cy="428977"/>
+            </a:xfrm>
+            <a:prstGeom prst="ellipse">
+              <a:avLst/>
+            </a:prstGeom>
+            <a:solidFill>
+              <a:srgbClr val="92D050"/>
+            </a:solidFill>
+            <a:effectLst>
+              <a:outerShdw blurRad="50800" dist="38100" dir="2700000" algn="tl" rotWithShape="0">
+                <a:prstClr val="black">
+                  <a:alpha val="40000"/>
+                </a:prstClr>
+              </a:outerShdw>
+            </a:effectLst>
+          </p:spPr>
+          <p:style>
+            <a:lnRef idx="2">
+              <a:schemeClr val="accent1">
+                <a:shade val="50000"/>
+              </a:schemeClr>
+            </a:lnRef>
+            <a:fillRef idx="1">
+              <a:schemeClr val="accent1"/>
+            </a:fillRef>
+            <a:effectRef idx="0">
+              <a:schemeClr val="accent1"/>
+            </a:effectRef>
+            <a:fontRef idx="minor">
+              <a:schemeClr val="lt1"/>
+            </a:fontRef>
+          </p:style>
+          <p:txBody>
+            <a:bodyPr rtlCol="0" anchor="ctr"/>
+            <a:lstStyle/>
+            <a:p>
+              <a:pPr algn="ctr"/>
+              <a:r>
+                <a:rPr kumimoji="1" lang="en-US" altLang="zh-CN" sz="1400" dirty="0"/>
+                <a:t>1</a:t>
+              </a:r>
+              <a:endParaRPr kumimoji="1" lang="zh-CN" altLang="en-US" sz="1400" dirty="0"/>
+            </a:p>
+          </p:txBody>
+        </p:sp>
+        <p:sp>
+          <p:nvSpPr>
+            <p:cNvPr id="46" name="椭圆 45">
+              <a:extLst>
+                <a:ext uri="{FF2B5EF4-FFF2-40B4-BE49-F238E27FC236}">
+                  <a16:creationId xmlns:a16="http://schemas.microsoft.com/office/drawing/2014/main" id="{9F1D4257-A870-A54B-B97D-E7CC5E735E06}"/>
+                </a:ext>
+              </a:extLst>
+            </p:cNvPr>
+            <p:cNvSpPr/>
+            <p:nvPr/>
+          </p:nvSpPr>
+          <p:spPr>
+            <a:xfrm>
+              <a:off x="5410199" y="4509907"/>
+              <a:ext cx="428977" cy="428977"/>
+            </a:xfrm>
+            <a:prstGeom prst="ellipse">
+              <a:avLst/>
+            </a:prstGeom>
+            <a:solidFill>
+              <a:srgbClr val="92D050"/>
+            </a:solidFill>
+            <a:effectLst>
+              <a:outerShdw blurRad="50800" dist="38100" dir="2700000" algn="tl" rotWithShape="0">
+                <a:prstClr val="black">
+                  <a:alpha val="40000"/>
+                </a:prstClr>
+              </a:outerShdw>
+            </a:effectLst>
+          </p:spPr>
+          <p:style>
+            <a:lnRef idx="2">
+              <a:schemeClr val="accent1">
+                <a:shade val="50000"/>
+              </a:schemeClr>
+            </a:lnRef>
+            <a:fillRef idx="1">
+              <a:schemeClr val="accent1"/>
+            </a:fillRef>
+            <a:effectRef idx="0">
+              <a:schemeClr val="accent1"/>
+            </a:effectRef>
+            <a:fontRef idx="minor">
+              <a:schemeClr val="lt1"/>
+            </a:fontRef>
+          </p:style>
+          <p:txBody>
+            <a:bodyPr rtlCol="0" anchor="ctr"/>
+            <a:lstStyle/>
+            <a:p>
+              <a:pPr algn="ctr"/>
+              <a:r>
+                <a:rPr kumimoji="1" lang="en-US" altLang="zh-CN" sz="1400" dirty="0"/>
+                <a:t>2</a:t>
+              </a:r>
+              <a:endParaRPr kumimoji="1" lang="zh-CN" altLang="en-US" sz="1400" dirty="0"/>
+            </a:p>
+          </p:txBody>
+        </p:sp>
+        <p:sp>
+          <p:nvSpPr>
+            <p:cNvPr id="47" name="椭圆 46">
+              <a:extLst>
+                <a:ext uri="{FF2B5EF4-FFF2-40B4-BE49-F238E27FC236}">
+                  <a16:creationId xmlns:a16="http://schemas.microsoft.com/office/drawing/2014/main" id="{7B222A34-6BE6-BD4C-861F-CE6EEF7C5B23}"/>
+                </a:ext>
+              </a:extLst>
+            </p:cNvPr>
+            <p:cNvSpPr/>
+            <p:nvPr/>
+          </p:nvSpPr>
+          <p:spPr>
+            <a:xfrm>
+              <a:off x="5977464" y="4509907"/>
+              <a:ext cx="428977" cy="428977"/>
+            </a:xfrm>
+            <a:prstGeom prst="ellipse">
+              <a:avLst/>
+            </a:prstGeom>
+            <a:solidFill>
+              <a:srgbClr val="92D050"/>
+            </a:solidFill>
+            <a:effectLst>
+              <a:outerShdw blurRad="50800" dist="38100" dir="2700000" algn="tl" rotWithShape="0">
+                <a:prstClr val="black">
+                  <a:alpha val="40000"/>
+                </a:prstClr>
+              </a:outerShdw>
+            </a:effectLst>
+          </p:spPr>
+          <p:style>
+            <a:lnRef idx="2">
+              <a:schemeClr val="accent1">
+                <a:shade val="50000"/>
+              </a:schemeClr>
+            </a:lnRef>
+            <a:fillRef idx="1">
+              <a:schemeClr val="accent1"/>
+            </a:fillRef>
+            <a:effectRef idx="0">
+              <a:schemeClr val="accent1"/>
+            </a:effectRef>
+            <a:fontRef idx="minor">
+              <a:schemeClr val="lt1"/>
+            </a:fontRef>
+          </p:style>
+          <p:txBody>
+            <a:bodyPr rtlCol="0" anchor="ctr"/>
+            <a:lstStyle/>
+            <a:p>
+              <a:pPr algn="ctr"/>
+              <a:r>
+                <a:rPr kumimoji="1" lang="en-US" altLang="zh-CN" sz="1400" dirty="0"/>
+                <a:t>…</a:t>
+              </a:r>
+              <a:endParaRPr kumimoji="1" lang="zh-CN" altLang="en-US" sz="1400" dirty="0"/>
+            </a:p>
+          </p:txBody>
+        </p:sp>
+        <p:sp>
+          <p:nvSpPr>
+            <p:cNvPr id="48" name="椭圆 47">
+              <a:extLst>
+                <a:ext uri="{FF2B5EF4-FFF2-40B4-BE49-F238E27FC236}">
+                  <a16:creationId xmlns:a16="http://schemas.microsoft.com/office/drawing/2014/main" id="{F7B25FFB-2AE4-8449-95B8-FBD89BE34583}"/>
+                </a:ext>
+              </a:extLst>
+            </p:cNvPr>
+            <p:cNvSpPr/>
+            <p:nvPr/>
+          </p:nvSpPr>
+          <p:spPr>
+            <a:xfrm>
+              <a:off x="6558839" y="4509908"/>
+              <a:ext cx="428977" cy="428977"/>
+            </a:xfrm>
+            <a:prstGeom prst="ellipse">
+              <a:avLst/>
+            </a:prstGeom>
+            <a:solidFill>
+              <a:srgbClr val="92D050"/>
+            </a:solidFill>
+            <a:effectLst>
+              <a:outerShdw blurRad="50800" dist="38100" dir="2700000" algn="tl" rotWithShape="0">
+                <a:prstClr val="black">
+                  <a:alpha val="40000"/>
+                </a:prstClr>
+              </a:outerShdw>
+            </a:effectLst>
+          </p:spPr>
+          <p:style>
+            <a:lnRef idx="2">
+              <a:schemeClr val="accent1">
+                <a:shade val="50000"/>
+              </a:schemeClr>
+            </a:lnRef>
+            <a:fillRef idx="1">
+              <a:schemeClr val="accent1"/>
+            </a:fillRef>
+            <a:effectRef idx="0">
+              <a:schemeClr val="accent1"/>
+            </a:effectRef>
+            <a:fontRef idx="minor">
+              <a:schemeClr val="lt1"/>
+            </a:fontRef>
+          </p:style>
+          <p:txBody>
+            <a:bodyPr rtlCol="0" anchor="ctr"/>
+            <a:lstStyle/>
+            <a:p>
+              <a:pPr algn="ctr"/>
+              <a:endParaRPr kumimoji="1" lang="zh-CN" altLang="en-US" sz="1400" dirty="0"/>
+            </a:p>
+          </p:txBody>
+        </p:sp>
+        <p:sp>
+          <p:nvSpPr>
+            <p:cNvPr id="49" name="椭圆 48">
+              <a:extLst>
+                <a:ext uri="{FF2B5EF4-FFF2-40B4-BE49-F238E27FC236}">
+                  <a16:creationId xmlns:a16="http://schemas.microsoft.com/office/drawing/2014/main" id="{C42B85A9-FB6F-D246-9D3D-59CE402C7149}"/>
+                </a:ext>
+              </a:extLst>
+            </p:cNvPr>
+            <p:cNvSpPr/>
+            <p:nvPr/>
+          </p:nvSpPr>
+          <p:spPr>
+            <a:xfrm>
+              <a:off x="7126104" y="4509907"/>
+              <a:ext cx="428977" cy="428977"/>
+            </a:xfrm>
+            <a:prstGeom prst="ellipse">
+              <a:avLst/>
+            </a:prstGeom>
+            <a:solidFill>
+              <a:srgbClr val="92D050"/>
+            </a:solidFill>
+            <a:effectLst>
+              <a:outerShdw blurRad="50800" dist="38100" dir="2700000" algn="tl" rotWithShape="0">
+                <a:prstClr val="black">
+                  <a:alpha val="40000"/>
+                </a:prstClr>
+              </a:outerShdw>
+            </a:effectLst>
+          </p:spPr>
+          <p:style>
+            <a:lnRef idx="2">
+              <a:schemeClr val="accent1">
+                <a:shade val="50000"/>
+              </a:schemeClr>
+            </a:lnRef>
+            <a:fillRef idx="1">
+              <a:schemeClr val="accent1"/>
+            </a:fillRef>
+            <a:effectRef idx="0">
+              <a:schemeClr val="accent1"/>
+            </a:effectRef>
+            <a:fontRef idx="minor">
+              <a:schemeClr val="lt1"/>
+            </a:fontRef>
+          </p:style>
+          <p:txBody>
+            <a:bodyPr rtlCol="0" anchor="ctr"/>
+            <a:lstStyle/>
+            <a:p>
+              <a:pPr algn="ctr"/>
+              <a:endParaRPr kumimoji="1" lang="zh-CN" altLang="en-US" sz="1400" dirty="0"/>
+            </a:p>
+          </p:txBody>
+        </p:sp>
+        <p:sp>
+          <p:nvSpPr>
+            <p:cNvPr id="50" name="右箭头 49">
+              <a:extLst>
+                <a:ext uri="{FF2B5EF4-FFF2-40B4-BE49-F238E27FC236}">
+                  <a16:creationId xmlns:a16="http://schemas.microsoft.com/office/drawing/2014/main" id="{01EFF7BF-141E-6644-979B-43B73E491957}"/>
+                </a:ext>
+              </a:extLst>
+            </p:cNvPr>
+            <p:cNvSpPr/>
+            <p:nvPr/>
+          </p:nvSpPr>
+          <p:spPr>
+            <a:xfrm>
+              <a:off x="7831655" y="2946398"/>
+              <a:ext cx="886177" cy="400756"/>
+            </a:xfrm>
+            <a:prstGeom prst="rightArrow">
+              <a:avLst/>
+            </a:prstGeom>
+            <a:solidFill>
+              <a:schemeClr val="accent3"/>
+            </a:solidFill>
+            <a:effectLst>
+              <a:outerShdw blurRad="50800" dist="38100" dir="2700000" algn="tl" rotWithShape="0">
+                <a:prstClr val="black">
+                  <a:alpha val="40000"/>
+                </a:prstClr>
+              </a:outerShdw>
+            </a:effectLst>
+          </p:spPr>
+          <p:style>
+            <a:lnRef idx="2">
+              <a:schemeClr val="accent1">
+                <a:shade val="50000"/>
+              </a:schemeClr>
+            </a:lnRef>
+            <a:fillRef idx="1">
+              <a:schemeClr val="accent1"/>
+            </a:fillRef>
+            <a:effectRef idx="0">
+              <a:schemeClr val="accent1"/>
+            </a:effectRef>
+            <a:fontRef idx="minor">
+              <a:schemeClr val="lt1"/>
+            </a:fontRef>
+          </p:style>
+          <p:txBody>
+            <a:bodyPr rtlCol="0" anchor="ctr"/>
+            <a:lstStyle/>
+            <a:p>
+              <a:pPr algn="ctr"/>
+              <a:endParaRPr kumimoji="1" lang="zh-CN" altLang="en-US"/>
+            </a:p>
+          </p:txBody>
+        </p:sp>
+        <p:sp>
+          <p:nvSpPr>
+            <p:cNvPr id="51" name="椭圆 50">
+              <a:extLst>
+                <a:ext uri="{FF2B5EF4-FFF2-40B4-BE49-F238E27FC236}">
+                  <a16:creationId xmlns:a16="http://schemas.microsoft.com/office/drawing/2014/main" id="{A676C3B8-3F71-8C4C-9520-D7B05C822E0C}"/>
+                </a:ext>
+              </a:extLst>
+            </p:cNvPr>
+            <p:cNvSpPr/>
+            <p:nvPr/>
+          </p:nvSpPr>
+          <p:spPr>
+            <a:xfrm>
+              <a:off x="9547560" y="2250543"/>
+              <a:ext cx="428977" cy="428977"/>
+            </a:xfrm>
+            <a:prstGeom prst="ellipse">
+              <a:avLst/>
+            </a:prstGeom>
+            <a:solidFill>
+              <a:srgbClr val="5B9CD5"/>
+            </a:solidFill>
+            <a:effectLst>
+              <a:outerShdw blurRad="50800" dist="38100" dir="2700000" algn="tl" rotWithShape="0">
+                <a:prstClr val="black">
+                  <a:alpha val="40000"/>
+                </a:prstClr>
+              </a:outerShdw>
+            </a:effectLst>
+          </p:spPr>
+          <p:style>
+            <a:lnRef idx="2">
+              <a:schemeClr val="accent1">
+                <a:shade val="50000"/>
+              </a:schemeClr>
+            </a:lnRef>
+            <a:fillRef idx="1">
+              <a:schemeClr val="accent1"/>
+            </a:fillRef>
+            <a:effectRef idx="0">
+              <a:schemeClr val="accent1"/>
+            </a:effectRef>
+            <a:fontRef idx="minor">
+              <a:schemeClr val="lt1"/>
+            </a:fontRef>
+          </p:style>
+          <p:txBody>
+            <a:bodyPr rtlCol="0" anchor="ctr"/>
+            <a:lstStyle/>
+            <a:p>
+              <a:pPr algn="ctr"/>
+              <a:r>
+                <a:rPr kumimoji="1" lang="en-US" altLang="zh-CN" sz="1400" dirty="0"/>
+                <a:t>1</a:t>
+              </a:r>
+              <a:endParaRPr kumimoji="1" lang="zh-CN" altLang="en-US" sz="1400" dirty="0"/>
+            </a:p>
+          </p:txBody>
+        </p:sp>
+        <p:sp>
+          <p:nvSpPr>
+            <p:cNvPr id="52" name="椭圆 51">
+              <a:extLst>
+                <a:ext uri="{FF2B5EF4-FFF2-40B4-BE49-F238E27FC236}">
+                  <a16:creationId xmlns:a16="http://schemas.microsoft.com/office/drawing/2014/main" id="{9B39994C-3A60-1344-B143-883C9CFA46DE}"/>
+                </a:ext>
+              </a:extLst>
+            </p:cNvPr>
+            <p:cNvSpPr/>
+            <p:nvPr/>
+          </p:nvSpPr>
+          <p:spPr>
+            <a:xfrm>
+              <a:off x="10329314" y="2250542"/>
+              <a:ext cx="428977" cy="428977"/>
+            </a:xfrm>
+            <a:prstGeom prst="ellipse">
+              <a:avLst/>
+            </a:prstGeom>
+            <a:solidFill>
+              <a:schemeClr val="accent4">
+                <a:lumMod val="60000"/>
+                <a:lumOff val="40000"/>
+              </a:schemeClr>
+            </a:solidFill>
+            <a:effectLst>
+              <a:outerShdw blurRad="50800" dist="38100" dir="2700000" algn="tl" rotWithShape="0">
+                <a:prstClr val="black">
+                  <a:alpha val="40000"/>
+                </a:prstClr>
+              </a:outerShdw>
+            </a:effectLst>
+          </p:spPr>
+          <p:style>
+            <a:lnRef idx="2">
+              <a:schemeClr val="accent1">
+                <a:shade val="50000"/>
+              </a:schemeClr>
+            </a:lnRef>
+            <a:fillRef idx="1">
+              <a:schemeClr val="accent1"/>
+            </a:fillRef>
+            <a:effectRef idx="0">
+              <a:schemeClr val="accent1"/>
+            </a:effectRef>
+            <a:fontRef idx="minor">
+              <a:schemeClr val="lt1"/>
+            </a:fontRef>
+          </p:style>
+          <p:txBody>
+            <a:bodyPr rtlCol="0" anchor="ctr"/>
+            <a:lstStyle/>
+            <a:p>
+              <a:pPr algn="ctr"/>
+              <a:r>
+                <a:rPr kumimoji="1" lang="en-US" altLang="zh-CN" sz="1400" dirty="0"/>
+                <a:t>1</a:t>
+              </a:r>
+              <a:endParaRPr kumimoji="1" lang="zh-CN" altLang="en-US" sz="1400" dirty="0"/>
+            </a:p>
+          </p:txBody>
+        </p:sp>
+        <p:sp>
+          <p:nvSpPr>
+            <p:cNvPr id="53" name="椭圆 52">
+              <a:extLst>
+                <a:ext uri="{FF2B5EF4-FFF2-40B4-BE49-F238E27FC236}">
+                  <a16:creationId xmlns:a16="http://schemas.microsoft.com/office/drawing/2014/main" id="{25ADDCC6-9DBC-C243-96B5-BF35E693E935}"/>
+                </a:ext>
+              </a:extLst>
+            </p:cNvPr>
+            <p:cNvSpPr/>
+            <p:nvPr/>
+          </p:nvSpPr>
+          <p:spPr>
+            <a:xfrm>
+              <a:off x="9059299" y="2961742"/>
+              <a:ext cx="428977" cy="428977"/>
+            </a:xfrm>
+            <a:prstGeom prst="ellipse">
+              <a:avLst/>
+            </a:prstGeom>
+            <a:solidFill>
+              <a:srgbClr val="00B050"/>
+            </a:solidFill>
+            <a:effectLst>
+              <a:outerShdw blurRad="50800" dist="38100" dir="2700000" algn="tl" rotWithShape="0">
+                <a:prstClr val="black">
+                  <a:alpha val="40000"/>
+                </a:prstClr>
+              </a:outerShdw>
+            </a:effectLst>
+          </p:spPr>
+          <p:style>
+            <a:lnRef idx="2">
+              <a:schemeClr val="accent1">
+                <a:shade val="50000"/>
+              </a:schemeClr>
+            </a:lnRef>
+            <a:fillRef idx="1">
+              <a:schemeClr val="accent1"/>
+            </a:fillRef>
+            <a:effectRef idx="0">
+              <a:schemeClr val="accent1"/>
+            </a:effectRef>
+            <a:fontRef idx="minor">
+              <a:schemeClr val="lt1"/>
+            </a:fontRef>
+          </p:style>
+          <p:txBody>
+            <a:bodyPr rtlCol="0" anchor="ctr"/>
+            <a:lstStyle/>
+            <a:p>
+              <a:pPr algn="ctr"/>
+              <a:r>
+                <a:rPr kumimoji="1" lang="en-US" altLang="zh-CN" sz="1400" dirty="0"/>
+                <a:t>1</a:t>
+              </a:r>
+              <a:endParaRPr kumimoji="1" lang="zh-CN" altLang="en-US" sz="1400" dirty="0"/>
+            </a:p>
+          </p:txBody>
+        </p:sp>
+        <p:sp>
+          <p:nvSpPr>
+            <p:cNvPr id="54" name="椭圆 53">
+              <a:extLst>
+                <a:ext uri="{FF2B5EF4-FFF2-40B4-BE49-F238E27FC236}">
+                  <a16:creationId xmlns:a16="http://schemas.microsoft.com/office/drawing/2014/main" id="{0E07B0E4-6A56-B146-AB3F-557DAC8A8FDD}"/>
+                </a:ext>
+              </a:extLst>
+            </p:cNvPr>
+            <p:cNvSpPr/>
+            <p:nvPr/>
+          </p:nvSpPr>
+          <p:spPr>
+            <a:xfrm>
+              <a:off x="10010368" y="2973033"/>
+              <a:ext cx="428977" cy="428977"/>
+            </a:xfrm>
+            <a:prstGeom prst="ellipse">
+              <a:avLst/>
+            </a:prstGeom>
+            <a:solidFill>
+              <a:schemeClr val="accent4">
+                <a:lumMod val="75000"/>
+              </a:schemeClr>
+            </a:solidFill>
+            <a:effectLst>
+              <a:outerShdw blurRad="50800" dist="38100" dir="2700000" algn="tl" rotWithShape="0">
+                <a:prstClr val="black">
+                  <a:alpha val="40000"/>
+                </a:prstClr>
+              </a:outerShdw>
+            </a:effectLst>
+          </p:spPr>
+          <p:style>
+            <a:lnRef idx="2">
+              <a:schemeClr val="accent1">
+                <a:shade val="50000"/>
+              </a:schemeClr>
+            </a:lnRef>
+            <a:fillRef idx="1">
+              <a:schemeClr val="accent1"/>
+            </a:fillRef>
+            <a:effectRef idx="0">
+              <a:schemeClr val="accent1"/>
+            </a:effectRef>
+            <a:fontRef idx="minor">
+              <a:schemeClr val="lt1"/>
+            </a:fontRef>
+          </p:style>
+          <p:txBody>
+            <a:bodyPr rtlCol="0" anchor="ctr"/>
+            <a:lstStyle/>
+            <a:p>
+              <a:pPr algn="ctr"/>
+              <a:r>
+                <a:rPr kumimoji="1" lang="en-US" altLang="zh-CN" sz="1400" dirty="0"/>
+                <a:t>1</a:t>
+              </a:r>
+              <a:endParaRPr kumimoji="1" lang="zh-CN" altLang="en-US" sz="1400" dirty="0"/>
+            </a:p>
+          </p:txBody>
+        </p:sp>
+        <p:sp>
+          <p:nvSpPr>
+            <p:cNvPr id="55" name="椭圆 54">
+              <a:extLst>
+                <a:ext uri="{FF2B5EF4-FFF2-40B4-BE49-F238E27FC236}">
+                  <a16:creationId xmlns:a16="http://schemas.microsoft.com/office/drawing/2014/main" id="{09801FF4-DB0F-5240-8CAC-21BAB2A87A49}"/>
+                </a:ext>
+              </a:extLst>
+            </p:cNvPr>
+            <p:cNvSpPr/>
+            <p:nvPr/>
+          </p:nvSpPr>
+          <p:spPr>
+            <a:xfrm>
+              <a:off x="10975583" y="2980270"/>
+              <a:ext cx="428977" cy="428977"/>
+            </a:xfrm>
+            <a:prstGeom prst="ellipse">
+              <a:avLst/>
+            </a:prstGeom>
+            <a:solidFill>
+              <a:srgbClr val="92D050"/>
+            </a:solidFill>
+            <a:effectLst>
+              <a:outerShdw blurRad="50800" dist="38100" dir="2700000" algn="tl" rotWithShape="0">
+                <a:prstClr val="black">
+                  <a:alpha val="40000"/>
+                </a:prstClr>
+              </a:outerShdw>
+            </a:effectLst>
+          </p:spPr>
+          <p:style>
+            <a:lnRef idx="2">
+              <a:schemeClr val="accent1">
+                <a:shade val="50000"/>
+              </a:schemeClr>
+            </a:lnRef>
+            <a:fillRef idx="1">
+              <a:schemeClr val="accent1"/>
+            </a:fillRef>
+            <a:effectRef idx="0">
+              <a:schemeClr val="accent1"/>
+            </a:effectRef>
+            <a:fontRef idx="minor">
+              <a:schemeClr val="lt1"/>
+            </a:fontRef>
+          </p:style>
+          <p:txBody>
+            <a:bodyPr rtlCol="0" anchor="ctr"/>
+            <a:lstStyle/>
+            <a:p>
+              <a:pPr algn="ctr"/>
+              <a:r>
+                <a:rPr kumimoji="1" lang="en-US" altLang="zh-CN" sz="1400" dirty="0"/>
+                <a:t>1</a:t>
+              </a:r>
+              <a:endParaRPr kumimoji="1" lang="zh-CN" altLang="en-US" sz="1400" dirty="0"/>
+            </a:p>
+          </p:txBody>
+        </p:sp>
+        <p:sp>
+          <p:nvSpPr>
+            <p:cNvPr id="56" name="椭圆 55">
+              <a:extLst>
+                <a:ext uri="{FF2B5EF4-FFF2-40B4-BE49-F238E27FC236}">
+                  <a16:creationId xmlns:a16="http://schemas.microsoft.com/office/drawing/2014/main" id="{9AF4BAB5-38E7-C845-960E-8DDFD0AE0187}"/>
+                </a:ext>
+              </a:extLst>
+            </p:cNvPr>
+            <p:cNvSpPr/>
+            <p:nvPr/>
+          </p:nvSpPr>
+          <p:spPr>
+            <a:xfrm>
+              <a:off x="9547559" y="3781782"/>
+              <a:ext cx="428977" cy="428977"/>
+            </a:xfrm>
+            <a:prstGeom prst="ellipse">
+              <a:avLst/>
+            </a:prstGeom>
+            <a:solidFill>
+              <a:srgbClr val="5B9CD5"/>
+            </a:solidFill>
+            <a:effectLst>
+              <a:outerShdw blurRad="50800" dist="38100" dir="2700000" algn="tl" rotWithShape="0">
+                <a:prstClr val="black">
+                  <a:alpha val="40000"/>
+                </a:prstClr>
+              </a:outerShdw>
+            </a:effectLst>
+          </p:spPr>
+          <p:style>
+            <a:lnRef idx="2">
+              <a:schemeClr val="accent1">
+                <a:shade val="50000"/>
+              </a:schemeClr>
+            </a:lnRef>
+            <a:fillRef idx="1">
+              <a:schemeClr val="accent1"/>
+            </a:fillRef>
+            <a:effectRef idx="0">
+              <a:schemeClr val="accent1"/>
+            </a:effectRef>
+            <a:fontRef idx="minor">
+              <a:schemeClr val="lt1"/>
+            </a:fontRef>
+          </p:style>
+          <p:txBody>
+            <a:bodyPr rtlCol="0" anchor="ctr"/>
+            <a:lstStyle/>
+            <a:p>
+              <a:pPr algn="ctr"/>
+              <a:r>
+                <a:rPr kumimoji="1" lang="en-US" altLang="zh-CN" sz="1400" dirty="0"/>
+                <a:t>2</a:t>
+              </a:r>
+              <a:endParaRPr kumimoji="1" lang="zh-CN" altLang="en-US" sz="1400" dirty="0"/>
+            </a:p>
+          </p:txBody>
+        </p:sp>
+        <p:sp>
+          <p:nvSpPr>
+            <p:cNvPr id="58" name="椭圆 57">
+              <a:extLst>
+                <a:ext uri="{FF2B5EF4-FFF2-40B4-BE49-F238E27FC236}">
+                  <a16:creationId xmlns:a16="http://schemas.microsoft.com/office/drawing/2014/main" id="{B383225A-0F7E-6C41-A5A1-1D8A973911DC}"/>
+                </a:ext>
+              </a:extLst>
+            </p:cNvPr>
+            <p:cNvSpPr/>
+            <p:nvPr/>
+          </p:nvSpPr>
+          <p:spPr>
+            <a:xfrm>
+              <a:off x="10439345" y="3793067"/>
+              <a:ext cx="428977" cy="428977"/>
+            </a:xfrm>
+            <a:prstGeom prst="ellipse">
+              <a:avLst/>
+            </a:prstGeom>
+            <a:solidFill>
+              <a:srgbClr val="00B050"/>
+            </a:solidFill>
+            <a:effectLst>
+              <a:outerShdw blurRad="50800" dist="38100" dir="2700000" algn="tl" rotWithShape="0">
+                <a:prstClr val="black">
+                  <a:alpha val="40000"/>
+                </a:prstClr>
+              </a:outerShdw>
+            </a:effectLst>
+          </p:spPr>
+          <p:style>
+            <a:lnRef idx="2">
+              <a:schemeClr val="accent1">
+                <a:shade val="50000"/>
+              </a:schemeClr>
+            </a:lnRef>
+            <a:fillRef idx="1">
+              <a:schemeClr val="accent1"/>
+            </a:fillRef>
+            <a:effectRef idx="0">
+              <a:schemeClr val="accent1"/>
+            </a:effectRef>
+            <a:fontRef idx="minor">
+              <a:schemeClr val="lt1"/>
+            </a:fontRef>
+          </p:style>
+          <p:txBody>
+            <a:bodyPr rtlCol="0" anchor="ctr"/>
+            <a:lstStyle/>
+            <a:p>
+              <a:pPr algn="ctr"/>
+              <a:r>
+                <a:rPr kumimoji="1" lang="en-US" altLang="zh-CN" sz="1400" dirty="0"/>
+                <a:t>2</a:t>
+              </a:r>
+              <a:endParaRPr kumimoji="1" lang="zh-CN" altLang="en-US" sz="1400" dirty="0"/>
+            </a:p>
+          </p:txBody>
+        </p:sp>
+        <p:sp>
+          <p:nvSpPr>
+            <p:cNvPr id="59" name="文本框 58">
+              <a:extLst>
+                <a:ext uri="{FF2B5EF4-FFF2-40B4-BE49-F238E27FC236}">
+                  <a16:creationId xmlns:a16="http://schemas.microsoft.com/office/drawing/2014/main" id="{CE23ECA8-5F23-5B42-903F-AB49E6C9534C}"/>
+                </a:ext>
+              </a:extLst>
+            </p:cNvPr>
+            <p:cNvSpPr txBox="1"/>
+            <p:nvPr/>
+          </p:nvSpPr>
+          <p:spPr>
+            <a:xfrm>
+              <a:off x="9592695" y="5115460"/>
+              <a:ext cx="1761066" cy="369332"/>
+            </a:xfrm>
+            <a:prstGeom prst="rect">
+              <a:avLst/>
+            </a:prstGeom>
+            <a:noFill/>
+          </p:spPr>
+          <p:txBody>
+            <a:bodyPr wrap="square" rtlCol="0">
+              <a:spAutoFit/>
+            </a:bodyPr>
+            <a:lstStyle/>
+            <a:p>
+              <a:r>
+                <a:rPr kumimoji="1" lang="en-US" altLang="zh-CN" b="1" dirty="0"/>
+                <a:t>Rec</a:t>
+              </a:r>
+              <a:r>
+                <a:rPr kumimoji="1" lang="zh-CN" altLang="en-US" b="1" dirty="0"/>
+                <a:t> </a:t>
+              </a:r>
+              <a:r>
+                <a:rPr kumimoji="1" lang="en-US" altLang="zh-CN" b="1" dirty="0"/>
+                <a:t>List</a:t>
+              </a:r>
+              <a:endParaRPr kumimoji="1" lang="zh-CN" altLang="en-US" b="1" dirty="0"/>
+            </a:p>
+          </p:txBody>
+        </p:sp>
+      </p:grpSp>
+    </p:spTree>
+    <p:extLst>
+      <p:ext uri="{BB962C8B-B14F-4D97-AF65-F5344CB8AC3E}">
+        <p14:creationId xmlns:p14="http://schemas.microsoft.com/office/powerpoint/2010/main" val="4208537054"/>
+      </p:ext>
+    </p:extLst>
+  </p:cSld>
+  <p:clrMapOvr>
+    <a:masterClrMapping/>
+  </p:clrMapOvr>
+</p:sld>
+</file>
+
+<file path=ppt/slides/slide19.xml><?xml version="1.0" encoding="utf-8"?>
+<p:sld xmlns:a="http://schemas.openxmlformats.org/drawingml/2006/main" xmlns:r="http://schemas.openxmlformats.org/officeDocument/2006/relationships" xmlns:p="http://schemas.openxmlformats.org/presentationml/2006/main">
+  <p:cSld>
+    <p:spTree>
+      <p:nvGrpSpPr>
+        <p:cNvPr id="1" name=""/>
+        <p:cNvGrpSpPr/>
+        <p:nvPr/>
+      </p:nvGrpSpPr>
+      <p:grpSpPr>
+        <a:xfrm>
+          <a:off x="0" y="0"/>
+          <a:ext cx="0" cy="0"/>
+          <a:chOff x="0" y="0"/>
+          <a:chExt cx="0" cy="0"/>
+        </a:xfrm>
+      </p:grpSpPr>
+      <p:grpSp>
+        <p:nvGrpSpPr>
+          <p:cNvPr id="48" name="组合 47">
+            <a:extLst>
+              <a:ext uri="{FF2B5EF4-FFF2-40B4-BE49-F238E27FC236}">
+                <a16:creationId xmlns:a16="http://schemas.microsoft.com/office/drawing/2014/main" id="{69A58AB2-B56B-A14F-A6BB-032541BEE840}"/>
+              </a:ext>
+            </a:extLst>
+          </p:cNvPr>
+          <p:cNvGrpSpPr/>
+          <p:nvPr/>
+        </p:nvGrpSpPr>
+        <p:grpSpPr>
+          <a:xfrm>
+            <a:off x="643467" y="1083733"/>
+            <a:ext cx="10938933" cy="4515556"/>
+            <a:chOff x="643467" y="1083733"/>
+            <a:chExt cx="10938933" cy="4515556"/>
+          </a:xfrm>
+        </p:grpSpPr>
+        <p:sp>
+          <p:nvSpPr>
+            <p:cNvPr id="47" name="矩形 46">
+              <a:extLst>
+                <a:ext uri="{FF2B5EF4-FFF2-40B4-BE49-F238E27FC236}">
+                  <a16:creationId xmlns:a16="http://schemas.microsoft.com/office/drawing/2014/main" id="{24AE00A0-CFDA-4042-82E6-6CA0D2EDEE12}"/>
+                </a:ext>
+              </a:extLst>
+            </p:cNvPr>
+            <p:cNvSpPr/>
+            <p:nvPr/>
+          </p:nvSpPr>
+          <p:spPr>
+            <a:xfrm>
+              <a:off x="643467" y="1083733"/>
+              <a:ext cx="10938933" cy="4515556"/>
+            </a:xfrm>
+            <a:prstGeom prst="rect">
+              <a:avLst/>
+            </a:prstGeom>
+            <a:solidFill>
+              <a:schemeClr val="bg1"/>
+            </a:solidFill>
+            <a:ln>
+              <a:solidFill>
+                <a:schemeClr val="tx1"/>
+              </a:solidFill>
+            </a:ln>
+          </p:spPr>
+          <p:style>
+            <a:lnRef idx="2">
+              <a:schemeClr val="accent1">
+                <a:shade val="50000"/>
+              </a:schemeClr>
+            </a:lnRef>
+            <a:fillRef idx="1">
+              <a:schemeClr val="accent1"/>
+            </a:fillRef>
+            <a:effectRef idx="0">
+              <a:schemeClr val="accent1"/>
+            </a:effectRef>
+            <a:fontRef idx="minor">
+              <a:schemeClr val="lt1"/>
+            </a:fontRef>
+          </p:style>
+          <p:txBody>
+            <a:bodyPr rtlCol="0" anchor="ctr"/>
+            <a:lstStyle/>
+            <a:p>
+              <a:pPr algn="ctr"/>
+              <a:endParaRPr kumimoji="1" lang="zh-CN" altLang="en-US"/>
+            </a:p>
+          </p:txBody>
+        </p:sp>
+        <p:sp>
+          <p:nvSpPr>
+            <p:cNvPr id="4" name="圆角矩形 3">
+              <a:extLst>
+                <a:ext uri="{FF2B5EF4-FFF2-40B4-BE49-F238E27FC236}">
+                  <a16:creationId xmlns:a16="http://schemas.microsoft.com/office/drawing/2014/main" id="{29538AC6-75C2-CF41-B526-4E09900B81D3}"/>
+                </a:ext>
+              </a:extLst>
+            </p:cNvPr>
+            <p:cNvSpPr/>
+            <p:nvPr/>
+          </p:nvSpPr>
+          <p:spPr>
+            <a:xfrm>
+              <a:off x="2243667" y="1298222"/>
+              <a:ext cx="1100668" cy="462844"/>
+            </a:xfrm>
+            <a:prstGeom prst="roundRect">
+              <a:avLst/>
+            </a:prstGeom>
+            <a:solidFill>
+              <a:schemeClr val="accent5"/>
+            </a:solidFill>
+            <a:effectLst>
+              <a:outerShdw blurRad="50800" dist="38100" dir="2700000" algn="tl" rotWithShape="0">
+                <a:prstClr val="black">
+                  <a:alpha val="40000"/>
+                </a:prstClr>
+              </a:outerShdw>
+            </a:effectLst>
+          </p:spPr>
+          <p:style>
+            <a:lnRef idx="2">
+              <a:schemeClr val="accent1">
+                <a:shade val="50000"/>
+              </a:schemeClr>
+            </a:lnRef>
+            <a:fillRef idx="1">
+              <a:schemeClr val="accent1"/>
+            </a:fillRef>
+            <a:effectRef idx="0">
+              <a:schemeClr val="accent1"/>
+            </a:effectRef>
+            <a:fontRef idx="minor">
+              <a:schemeClr val="lt1"/>
+            </a:fontRef>
+          </p:style>
+          <p:txBody>
+            <a:bodyPr rtlCol="0" anchor="ctr"/>
+            <a:lstStyle/>
+            <a:p>
+              <a:pPr algn="ctr"/>
+              <a:r>
+                <a:rPr kumimoji="1" lang="en-US" altLang="zh-CN" sz="1400" b="1" dirty="0"/>
+                <a:t>Item</a:t>
+              </a:r>
+              <a:r>
+                <a:rPr kumimoji="1" lang="zh-CN" altLang="en-US" sz="1400" b="1" dirty="0"/>
+                <a:t> </a:t>
+              </a:r>
+              <a:r>
+                <a:rPr kumimoji="1" lang="en-US" altLang="zh-CN" sz="1400" b="1" dirty="0"/>
+                <a:t>1</a:t>
+              </a:r>
+              <a:endParaRPr kumimoji="1" lang="zh-CN" altLang="en-US" sz="1400" b="1" dirty="0"/>
+            </a:p>
+          </p:txBody>
+        </p:sp>
+        <p:sp>
+          <p:nvSpPr>
+            <p:cNvPr id="5" name="圆角矩形 4">
+              <a:extLst>
+                <a:ext uri="{FF2B5EF4-FFF2-40B4-BE49-F238E27FC236}">
+                  <a16:creationId xmlns:a16="http://schemas.microsoft.com/office/drawing/2014/main" id="{9E3ADF6F-93F1-9F46-9B68-B53A3E43B514}"/>
+                </a:ext>
+              </a:extLst>
+            </p:cNvPr>
+            <p:cNvSpPr/>
+            <p:nvPr/>
+          </p:nvSpPr>
+          <p:spPr>
+            <a:xfrm>
+              <a:off x="2243667" y="2071511"/>
+              <a:ext cx="1100668" cy="462844"/>
+            </a:xfrm>
+            <a:prstGeom prst="roundRect">
+              <a:avLst/>
+            </a:prstGeom>
+            <a:solidFill>
+              <a:schemeClr val="accent4"/>
+            </a:solidFill>
+            <a:effectLst>
+              <a:outerShdw blurRad="50800" dist="38100" dir="2700000" algn="tl" rotWithShape="0">
+                <a:prstClr val="black">
+                  <a:alpha val="40000"/>
+                </a:prstClr>
+              </a:outerShdw>
+            </a:effectLst>
+          </p:spPr>
+          <p:style>
+            <a:lnRef idx="2">
+              <a:schemeClr val="accent1">
+                <a:shade val="50000"/>
+              </a:schemeClr>
+            </a:lnRef>
+            <a:fillRef idx="1">
+              <a:schemeClr val="accent1"/>
+            </a:fillRef>
+            <a:effectRef idx="0">
+              <a:schemeClr val="accent1"/>
+            </a:effectRef>
+            <a:fontRef idx="minor">
+              <a:schemeClr val="lt1"/>
+            </a:fontRef>
+          </p:style>
+          <p:txBody>
+            <a:bodyPr rtlCol="0" anchor="ctr"/>
+            <a:lstStyle/>
+            <a:p>
+              <a:pPr algn="ctr"/>
+              <a:r>
+                <a:rPr kumimoji="1" lang="en-US" altLang="zh-CN" sz="1400" b="1" dirty="0"/>
+                <a:t>Item 2</a:t>
+              </a:r>
+              <a:endParaRPr kumimoji="1" lang="zh-CN" altLang="en-US" sz="1400" b="1" dirty="0"/>
+            </a:p>
+          </p:txBody>
+        </p:sp>
+        <p:sp>
+          <p:nvSpPr>
+            <p:cNvPr id="6" name="圆角矩形 5">
+              <a:extLst>
+                <a:ext uri="{FF2B5EF4-FFF2-40B4-BE49-F238E27FC236}">
+                  <a16:creationId xmlns:a16="http://schemas.microsoft.com/office/drawing/2014/main" id="{99A68BCB-E0B9-A34C-A656-FE319EA0052A}"/>
+                </a:ext>
+              </a:extLst>
+            </p:cNvPr>
+            <p:cNvSpPr/>
+            <p:nvPr/>
+          </p:nvSpPr>
+          <p:spPr>
+            <a:xfrm>
+              <a:off x="2243667" y="2901244"/>
+              <a:ext cx="1100668" cy="462844"/>
+            </a:xfrm>
+            <a:prstGeom prst="roundRect">
+              <a:avLst/>
+            </a:prstGeom>
+            <a:solidFill>
+              <a:srgbClr val="00B050"/>
+            </a:solidFill>
+            <a:effectLst>
+              <a:outerShdw blurRad="50800" dist="38100" dir="2700000" algn="tl" rotWithShape="0">
+                <a:prstClr val="black">
+                  <a:alpha val="40000"/>
+                </a:prstClr>
+              </a:outerShdw>
+            </a:effectLst>
+          </p:spPr>
+          <p:style>
+            <a:lnRef idx="2">
+              <a:schemeClr val="accent1">
+                <a:shade val="50000"/>
+              </a:schemeClr>
+            </a:lnRef>
+            <a:fillRef idx="1">
+              <a:schemeClr val="accent1"/>
+            </a:fillRef>
+            <a:effectRef idx="0">
+              <a:schemeClr val="accent1"/>
+            </a:effectRef>
+            <a:fontRef idx="minor">
+              <a:schemeClr val="lt1"/>
+            </a:fontRef>
+          </p:style>
+          <p:txBody>
+            <a:bodyPr rtlCol="0" anchor="ctr"/>
+            <a:lstStyle/>
+            <a:p>
+              <a:pPr algn="ctr"/>
+              <a:r>
+                <a:rPr kumimoji="1" lang="en-US" altLang="zh-CN" sz="1400" b="1" dirty="0"/>
+                <a:t>…</a:t>
+              </a:r>
+              <a:endParaRPr kumimoji="1" lang="zh-CN" altLang="en-US" sz="1400" b="1" dirty="0"/>
+            </a:p>
+          </p:txBody>
+        </p:sp>
+        <p:sp>
+          <p:nvSpPr>
+            <p:cNvPr id="7" name="圆角矩形 6">
+              <a:extLst>
+                <a:ext uri="{FF2B5EF4-FFF2-40B4-BE49-F238E27FC236}">
+                  <a16:creationId xmlns:a16="http://schemas.microsoft.com/office/drawing/2014/main" id="{1FAF36E7-8636-D848-847E-193217F9392A}"/>
+                </a:ext>
+              </a:extLst>
+            </p:cNvPr>
+            <p:cNvSpPr/>
+            <p:nvPr/>
+          </p:nvSpPr>
+          <p:spPr>
+            <a:xfrm>
+              <a:off x="2243667" y="3730977"/>
+              <a:ext cx="1100668" cy="462844"/>
+            </a:xfrm>
+            <a:prstGeom prst="roundRect">
+              <a:avLst/>
+            </a:prstGeom>
+            <a:solidFill>
+              <a:schemeClr val="accent4">
+                <a:lumMod val="75000"/>
+              </a:schemeClr>
+            </a:solidFill>
+            <a:effectLst>
+              <a:outerShdw blurRad="50800" dist="38100" dir="2700000" algn="tl" rotWithShape="0">
+                <a:prstClr val="black">
+                  <a:alpha val="40000"/>
+                </a:prstClr>
+              </a:outerShdw>
+            </a:effectLst>
+          </p:spPr>
+          <p:style>
+            <a:lnRef idx="2">
+              <a:schemeClr val="accent1">
+                <a:shade val="50000"/>
+              </a:schemeClr>
+            </a:lnRef>
+            <a:fillRef idx="1">
+              <a:schemeClr val="accent1"/>
+            </a:fillRef>
+            <a:effectRef idx="0">
+              <a:schemeClr val="accent1"/>
+            </a:effectRef>
+            <a:fontRef idx="minor">
+              <a:schemeClr val="lt1"/>
+            </a:fontRef>
+          </p:style>
+          <p:txBody>
+            <a:bodyPr rtlCol="0" anchor="ctr"/>
+            <a:lstStyle/>
+            <a:p>
+              <a:pPr algn="ctr"/>
+              <a:r>
+                <a:rPr kumimoji="1" lang="en-US" altLang="zh-CN" sz="1400" b="1" dirty="0"/>
+                <a:t>Item N-1</a:t>
+              </a:r>
+              <a:endParaRPr kumimoji="1" lang="zh-CN" altLang="en-US" sz="1400" b="1" dirty="0"/>
+            </a:p>
+          </p:txBody>
+        </p:sp>
+        <p:sp>
+          <p:nvSpPr>
+            <p:cNvPr id="8" name="圆角矩形 7">
+              <a:extLst>
+                <a:ext uri="{FF2B5EF4-FFF2-40B4-BE49-F238E27FC236}">
+                  <a16:creationId xmlns:a16="http://schemas.microsoft.com/office/drawing/2014/main" id="{0DA69A06-6F65-8C43-BE88-21FDD43B4740}"/>
+                </a:ext>
+              </a:extLst>
+            </p:cNvPr>
+            <p:cNvSpPr/>
+            <p:nvPr/>
+          </p:nvSpPr>
+          <p:spPr>
+            <a:xfrm>
+              <a:off x="2243667" y="4504266"/>
+              <a:ext cx="1100668" cy="462844"/>
+            </a:xfrm>
+            <a:prstGeom prst="roundRect">
+              <a:avLst/>
+            </a:prstGeom>
+            <a:solidFill>
+              <a:srgbClr val="92D050"/>
+            </a:solidFill>
+            <a:effectLst>
+              <a:outerShdw blurRad="50800" dist="38100" dir="2700000" algn="tl" rotWithShape="0">
+                <a:prstClr val="black">
+                  <a:alpha val="40000"/>
+                </a:prstClr>
+              </a:outerShdw>
+            </a:effectLst>
+          </p:spPr>
+          <p:style>
+            <a:lnRef idx="2">
+              <a:schemeClr val="accent1">
+                <a:shade val="50000"/>
+              </a:schemeClr>
+            </a:lnRef>
+            <a:fillRef idx="1">
+              <a:schemeClr val="accent1"/>
+            </a:fillRef>
+            <a:effectRef idx="0">
+              <a:schemeClr val="accent1"/>
+            </a:effectRef>
+            <a:fontRef idx="minor">
+              <a:schemeClr val="lt1"/>
+            </a:fontRef>
+          </p:style>
+          <p:txBody>
+            <a:bodyPr rtlCol="0" anchor="ctr"/>
+            <a:lstStyle/>
+            <a:p>
+              <a:pPr algn="ctr"/>
+              <a:r>
+                <a:rPr kumimoji="1" lang="en-US" altLang="zh-CN" sz="1400" b="1" dirty="0"/>
+                <a:t>Item N</a:t>
+              </a:r>
+              <a:endParaRPr kumimoji="1" lang="zh-CN" altLang="en-US" sz="1400" b="1" dirty="0"/>
+            </a:p>
+          </p:txBody>
+        </p:sp>
+        <p:sp>
+          <p:nvSpPr>
+            <p:cNvPr id="9" name="圆角矩形 8">
+              <a:extLst>
+                <a:ext uri="{FF2B5EF4-FFF2-40B4-BE49-F238E27FC236}">
+                  <a16:creationId xmlns:a16="http://schemas.microsoft.com/office/drawing/2014/main" id="{E1CBD41A-9619-1D45-8601-DE1349C76AF5}"/>
+                </a:ext>
+              </a:extLst>
+            </p:cNvPr>
+            <p:cNvSpPr/>
+            <p:nvPr/>
+          </p:nvSpPr>
+          <p:spPr>
+            <a:xfrm>
+              <a:off x="790222" y="2912533"/>
+              <a:ext cx="1100668" cy="462844"/>
+            </a:xfrm>
+            <a:prstGeom prst="roundRect">
+              <a:avLst/>
+            </a:prstGeom>
+            <a:solidFill>
+              <a:schemeClr val="accent2"/>
+            </a:solidFill>
+            <a:effectLst>
+              <a:outerShdw blurRad="50800" dist="38100" dir="2700000" algn="tl" rotWithShape="0">
+                <a:prstClr val="black">
+                  <a:alpha val="40000"/>
+                </a:prstClr>
+              </a:outerShdw>
+            </a:effectLst>
+          </p:spPr>
+          <p:style>
+            <a:lnRef idx="2">
+              <a:schemeClr val="accent1">
+                <a:shade val="50000"/>
+              </a:schemeClr>
+            </a:lnRef>
+            <a:fillRef idx="1">
+              <a:schemeClr val="accent1"/>
+            </a:fillRef>
+            <a:effectRef idx="0">
+              <a:schemeClr val="accent1"/>
+            </a:effectRef>
+            <a:fontRef idx="minor">
+              <a:schemeClr val="lt1"/>
+            </a:fontRef>
+          </p:style>
+          <p:txBody>
+            <a:bodyPr rtlCol="0" anchor="ctr"/>
+            <a:lstStyle/>
+            <a:p>
+              <a:pPr algn="ctr"/>
+              <a:r>
+                <a:rPr kumimoji="1" lang="en-US" altLang="zh-CN" sz="1400" b="1" dirty="0"/>
+                <a:t>Input</a:t>
+              </a:r>
+              <a:r>
+                <a:rPr kumimoji="1" lang="zh-CN" altLang="en-US" sz="1400" b="1" dirty="0"/>
+                <a:t> </a:t>
+              </a:r>
+              <a:r>
+                <a:rPr kumimoji="1" lang="en-US" altLang="zh-CN" sz="1400" b="1" dirty="0"/>
+                <a:t>User</a:t>
+              </a:r>
+              <a:endParaRPr kumimoji="1" lang="zh-CN" altLang="en-US" sz="1400" b="1" dirty="0"/>
+            </a:p>
+          </p:txBody>
+        </p:sp>
+        <p:sp>
+          <p:nvSpPr>
+            <p:cNvPr id="10" name="右箭头 9">
+              <a:extLst>
+                <a:ext uri="{FF2B5EF4-FFF2-40B4-BE49-F238E27FC236}">
+                  <a16:creationId xmlns:a16="http://schemas.microsoft.com/office/drawing/2014/main" id="{C796BEE9-DDE6-4D48-AA51-063EAB6C4841}"/>
+                </a:ext>
+              </a:extLst>
+            </p:cNvPr>
+            <p:cNvSpPr/>
+            <p:nvPr/>
+          </p:nvSpPr>
+          <p:spPr>
+            <a:xfrm>
+              <a:off x="3659014" y="2927873"/>
+              <a:ext cx="886177" cy="400756"/>
+            </a:xfrm>
+            <a:prstGeom prst="rightArrow">
+              <a:avLst/>
+            </a:prstGeom>
+            <a:solidFill>
+              <a:schemeClr val="accent3"/>
+            </a:solidFill>
+            <a:effectLst>
+              <a:outerShdw blurRad="50800" dist="38100" dir="2700000" algn="tl" rotWithShape="0">
+                <a:prstClr val="black">
+                  <a:alpha val="40000"/>
+                </a:prstClr>
+              </a:outerShdw>
+            </a:effectLst>
+          </p:spPr>
+          <p:style>
+            <a:lnRef idx="2">
+              <a:schemeClr val="accent1">
+                <a:shade val="50000"/>
+              </a:schemeClr>
+            </a:lnRef>
+            <a:fillRef idx="1">
+              <a:schemeClr val="accent1"/>
+            </a:fillRef>
+            <a:effectRef idx="0">
+              <a:schemeClr val="accent1"/>
+            </a:effectRef>
+            <a:fontRef idx="minor">
+              <a:schemeClr val="lt1"/>
+            </a:fontRef>
+          </p:style>
+          <p:txBody>
+            <a:bodyPr rtlCol="0" anchor="ctr"/>
+            <a:lstStyle/>
+            <a:p>
+              <a:pPr algn="ctr"/>
+              <a:endParaRPr kumimoji="1" lang="zh-CN" altLang="en-US"/>
+            </a:p>
+          </p:txBody>
+        </p:sp>
+        <p:sp>
+          <p:nvSpPr>
+            <p:cNvPr id="11" name="文本框 10">
+              <a:extLst>
+                <a:ext uri="{FF2B5EF4-FFF2-40B4-BE49-F238E27FC236}">
+                  <a16:creationId xmlns:a16="http://schemas.microsoft.com/office/drawing/2014/main" id="{2145A5DE-B6C5-F14D-B57D-5D153E40127C}"/>
+                </a:ext>
+              </a:extLst>
+            </p:cNvPr>
+            <p:cNvSpPr txBox="1"/>
+            <p:nvPr/>
+          </p:nvSpPr>
+          <p:spPr>
+            <a:xfrm>
+              <a:off x="5226743" y="5133978"/>
+              <a:ext cx="2113843" cy="369332"/>
+            </a:xfrm>
+            <a:prstGeom prst="rect">
+              <a:avLst/>
+            </a:prstGeom>
+            <a:noFill/>
+          </p:spPr>
+          <p:txBody>
+            <a:bodyPr wrap="square" rtlCol="0">
+              <a:spAutoFit/>
+            </a:bodyPr>
+            <a:lstStyle/>
+            <a:p>
+              <a:r>
+                <a:rPr kumimoji="1" lang="en-US" altLang="zh-CN" b="1" dirty="0"/>
+                <a:t>Item</a:t>
+              </a:r>
+              <a:r>
+                <a:rPr kumimoji="1" lang="zh-CN" altLang="en-US" b="1" dirty="0"/>
+                <a:t> </a:t>
+              </a:r>
+              <a:r>
+                <a:rPr kumimoji="1" lang="en-US" altLang="zh-CN" b="1" dirty="0"/>
+                <a:t>Sim</a:t>
+              </a:r>
+              <a:r>
+                <a:rPr kumimoji="1" lang="zh-CN" altLang="en-US" b="1" dirty="0"/>
+                <a:t> </a:t>
+              </a:r>
+              <a:r>
+                <a:rPr kumimoji="1" lang="en-US" altLang="zh-CN" b="1" dirty="0"/>
+                <a:t>Matrix</a:t>
+              </a:r>
+              <a:endParaRPr kumimoji="1" lang="zh-CN" altLang="en-US" b="1" dirty="0"/>
+            </a:p>
+          </p:txBody>
+        </p:sp>
+        <p:sp>
+          <p:nvSpPr>
+            <p:cNvPr id="12" name="椭圆 11">
+              <a:extLst>
+                <a:ext uri="{FF2B5EF4-FFF2-40B4-BE49-F238E27FC236}">
+                  <a16:creationId xmlns:a16="http://schemas.microsoft.com/office/drawing/2014/main" id="{F17ED235-8397-2E42-851A-37C6ED7F0930}"/>
+                </a:ext>
+              </a:extLst>
+            </p:cNvPr>
+            <p:cNvSpPr/>
+            <p:nvPr/>
+          </p:nvSpPr>
+          <p:spPr>
+            <a:xfrm>
+              <a:off x="4842934" y="1332090"/>
+              <a:ext cx="428977" cy="428977"/>
+            </a:xfrm>
+            <a:prstGeom prst="ellipse">
+              <a:avLst/>
+            </a:prstGeom>
+            <a:solidFill>
+              <a:srgbClr val="5B9CD5"/>
+            </a:solidFill>
+            <a:effectLst>
+              <a:outerShdw blurRad="50800" dist="38100" dir="2700000" algn="tl" rotWithShape="0">
+                <a:prstClr val="black">
+                  <a:alpha val="40000"/>
+                </a:prstClr>
+              </a:outerShdw>
+            </a:effectLst>
+          </p:spPr>
+          <p:style>
+            <a:lnRef idx="2">
+              <a:schemeClr val="accent1">
+                <a:shade val="50000"/>
+              </a:schemeClr>
+            </a:lnRef>
+            <a:fillRef idx="1">
+              <a:schemeClr val="accent1"/>
+            </a:fillRef>
+            <a:effectRef idx="0">
+              <a:schemeClr val="accent1"/>
+            </a:effectRef>
+            <a:fontRef idx="minor">
+              <a:schemeClr val="lt1"/>
+            </a:fontRef>
+          </p:style>
+          <p:txBody>
+            <a:bodyPr rtlCol="0" anchor="ctr"/>
+            <a:lstStyle/>
+            <a:p>
+              <a:pPr algn="ctr"/>
+              <a:r>
+                <a:rPr kumimoji="1" lang="en-US" altLang="zh-CN" sz="1400" dirty="0"/>
+                <a:t>1</a:t>
+              </a:r>
+              <a:endParaRPr kumimoji="1" lang="zh-CN" altLang="en-US" sz="1400" dirty="0"/>
+            </a:p>
+          </p:txBody>
+        </p:sp>
+        <p:sp>
+          <p:nvSpPr>
+            <p:cNvPr id="13" name="椭圆 12">
+              <a:extLst>
+                <a:ext uri="{FF2B5EF4-FFF2-40B4-BE49-F238E27FC236}">
+                  <a16:creationId xmlns:a16="http://schemas.microsoft.com/office/drawing/2014/main" id="{FAE0780D-8A18-164F-A10D-CCE0C7CF1EB0}"/>
+                </a:ext>
+              </a:extLst>
+            </p:cNvPr>
+            <p:cNvSpPr/>
+            <p:nvPr/>
+          </p:nvSpPr>
+          <p:spPr>
+            <a:xfrm>
+              <a:off x="5410199" y="1332089"/>
+              <a:ext cx="428977" cy="428977"/>
+            </a:xfrm>
+            <a:prstGeom prst="ellipse">
+              <a:avLst/>
+            </a:prstGeom>
+            <a:solidFill>
+              <a:srgbClr val="5B9CD5"/>
+            </a:solidFill>
+            <a:effectLst>
+              <a:outerShdw blurRad="50800" dist="38100" dir="2700000" algn="tl" rotWithShape="0">
+                <a:prstClr val="black">
+                  <a:alpha val="40000"/>
+                </a:prstClr>
+              </a:outerShdw>
+            </a:effectLst>
+          </p:spPr>
+          <p:style>
+            <a:lnRef idx="2">
+              <a:schemeClr val="accent1">
+                <a:shade val="50000"/>
+              </a:schemeClr>
+            </a:lnRef>
+            <a:fillRef idx="1">
+              <a:schemeClr val="accent1"/>
+            </a:fillRef>
+            <a:effectRef idx="0">
+              <a:schemeClr val="accent1"/>
+            </a:effectRef>
+            <a:fontRef idx="minor">
+              <a:schemeClr val="lt1"/>
+            </a:fontRef>
+          </p:style>
+          <p:txBody>
+            <a:bodyPr rtlCol="0" anchor="ctr"/>
+            <a:lstStyle/>
+            <a:p>
+              <a:pPr algn="ctr"/>
+              <a:r>
+                <a:rPr kumimoji="1" lang="en-US" altLang="zh-CN" sz="1400" dirty="0"/>
+                <a:t>2</a:t>
+              </a:r>
+              <a:endParaRPr kumimoji="1" lang="zh-CN" altLang="en-US" sz="1400" dirty="0"/>
+            </a:p>
+          </p:txBody>
+        </p:sp>
+        <p:sp>
+          <p:nvSpPr>
+            <p:cNvPr id="14" name="椭圆 13">
+              <a:extLst>
+                <a:ext uri="{FF2B5EF4-FFF2-40B4-BE49-F238E27FC236}">
+                  <a16:creationId xmlns:a16="http://schemas.microsoft.com/office/drawing/2014/main" id="{744810C1-D4A2-6D4C-A66F-5B6D32F8C16A}"/>
+                </a:ext>
+              </a:extLst>
+            </p:cNvPr>
+            <p:cNvSpPr/>
+            <p:nvPr/>
+          </p:nvSpPr>
+          <p:spPr>
+            <a:xfrm>
+              <a:off x="5977464" y="1332089"/>
+              <a:ext cx="428977" cy="428977"/>
+            </a:xfrm>
+            <a:prstGeom prst="ellipse">
+              <a:avLst/>
+            </a:prstGeom>
+            <a:solidFill>
+              <a:srgbClr val="5B9CD5"/>
+            </a:solidFill>
+            <a:effectLst>
+              <a:outerShdw blurRad="50800" dist="38100" dir="2700000" algn="tl" rotWithShape="0">
+                <a:prstClr val="black">
+                  <a:alpha val="40000"/>
+                </a:prstClr>
+              </a:outerShdw>
+            </a:effectLst>
+          </p:spPr>
+          <p:style>
+            <a:lnRef idx="2">
+              <a:schemeClr val="accent1">
+                <a:shade val="50000"/>
+              </a:schemeClr>
+            </a:lnRef>
+            <a:fillRef idx="1">
+              <a:schemeClr val="accent1"/>
+            </a:fillRef>
+            <a:effectRef idx="0">
+              <a:schemeClr val="accent1"/>
+            </a:effectRef>
+            <a:fontRef idx="minor">
+              <a:schemeClr val="lt1"/>
+            </a:fontRef>
+          </p:style>
+          <p:txBody>
+            <a:bodyPr rtlCol="0" anchor="ctr"/>
+            <a:lstStyle/>
+            <a:p>
+              <a:pPr algn="ctr"/>
+              <a:r>
+                <a:rPr kumimoji="1" lang="en-US" altLang="zh-CN" sz="1400" dirty="0"/>
+                <a:t>…</a:t>
+              </a:r>
+              <a:endParaRPr kumimoji="1" lang="zh-CN" altLang="en-US" sz="1400" dirty="0"/>
+            </a:p>
+          </p:txBody>
+        </p:sp>
+        <p:sp>
+          <p:nvSpPr>
+            <p:cNvPr id="15" name="椭圆 14">
+              <a:extLst>
+                <a:ext uri="{FF2B5EF4-FFF2-40B4-BE49-F238E27FC236}">
+                  <a16:creationId xmlns:a16="http://schemas.microsoft.com/office/drawing/2014/main" id="{63491D00-1AAB-D845-96DE-352F1FA8A6B8}"/>
+                </a:ext>
+              </a:extLst>
+            </p:cNvPr>
+            <p:cNvSpPr/>
+            <p:nvPr/>
+          </p:nvSpPr>
+          <p:spPr>
+            <a:xfrm>
+              <a:off x="6558839" y="1332090"/>
+              <a:ext cx="428977" cy="428977"/>
+            </a:xfrm>
+            <a:prstGeom prst="ellipse">
+              <a:avLst/>
+            </a:prstGeom>
+            <a:solidFill>
+              <a:srgbClr val="5B9CD5"/>
+            </a:solidFill>
+            <a:effectLst>
+              <a:outerShdw blurRad="50800" dist="38100" dir="2700000" algn="tl" rotWithShape="0">
+                <a:prstClr val="black">
+                  <a:alpha val="40000"/>
+                </a:prstClr>
+              </a:outerShdw>
+            </a:effectLst>
+          </p:spPr>
+          <p:style>
+            <a:lnRef idx="2">
+              <a:schemeClr val="accent1">
+                <a:shade val="50000"/>
+              </a:schemeClr>
+            </a:lnRef>
+            <a:fillRef idx="1">
+              <a:schemeClr val="accent1"/>
+            </a:fillRef>
+            <a:effectRef idx="0">
+              <a:schemeClr val="accent1"/>
+            </a:effectRef>
+            <a:fontRef idx="minor">
+              <a:schemeClr val="lt1"/>
+            </a:fontRef>
+          </p:style>
+          <p:txBody>
+            <a:bodyPr rtlCol="0" anchor="ctr"/>
+            <a:lstStyle/>
+            <a:p>
+              <a:pPr algn="ctr"/>
+              <a:endParaRPr kumimoji="1" lang="zh-CN" altLang="en-US" sz="1400" dirty="0"/>
+            </a:p>
+          </p:txBody>
+        </p:sp>
+        <p:sp>
+          <p:nvSpPr>
+            <p:cNvPr id="16" name="椭圆 15">
+              <a:extLst>
+                <a:ext uri="{FF2B5EF4-FFF2-40B4-BE49-F238E27FC236}">
+                  <a16:creationId xmlns:a16="http://schemas.microsoft.com/office/drawing/2014/main" id="{2D6FC07B-19B9-B248-B8F2-C9E45C7D1343}"/>
+                </a:ext>
+              </a:extLst>
+            </p:cNvPr>
+            <p:cNvSpPr/>
+            <p:nvPr/>
+          </p:nvSpPr>
+          <p:spPr>
+            <a:xfrm>
+              <a:off x="7126104" y="1332089"/>
+              <a:ext cx="428977" cy="428977"/>
+            </a:xfrm>
+            <a:prstGeom prst="ellipse">
+              <a:avLst/>
+            </a:prstGeom>
+            <a:solidFill>
+              <a:srgbClr val="5B9CD5"/>
+            </a:solidFill>
+            <a:effectLst>
+              <a:outerShdw blurRad="50800" dist="38100" dir="2700000" algn="tl" rotWithShape="0">
+                <a:prstClr val="black">
+                  <a:alpha val="40000"/>
+                </a:prstClr>
+              </a:outerShdw>
+            </a:effectLst>
+          </p:spPr>
+          <p:style>
+            <a:lnRef idx="2">
+              <a:schemeClr val="accent1">
+                <a:shade val="50000"/>
+              </a:schemeClr>
+            </a:lnRef>
+            <a:fillRef idx="1">
+              <a:schemeClr val="accent1"/>
+            </a:fillRef>
+            <a:effectRef idx="0">
+              <a:schemeClr val="accent1"/>
+            </a:effectRef>
+            <a:fontRef idx="minor">
+              <a:schemeClr val="lt1"/>
+            </a:fontRef>
+          </p:style>
+          <p:txBody>
+            <a:bodyPr rtlCol="0" anchor="ctr"/>
+            <a:lstStyle/>
+            <a:p>
+              <a:pPr algn="ctr"/>
+              <a:endParaRPr kumimoji="1" lang="zh-CN" altLang="en-US" sz="1400" dirty="0"/>
+            </a:p>
+          </p:txBody>
+        </p:sp>
+        <p:sp>
+          <p:nvSpPr>
+            <p:cNvPr id="17" name="椭圆 16">
+              <a:extLst>
+                <a:ext uri="{FF2B5EF4-FFF2-40B4-BE49-F238E27FC236}">
+                  <a16:creationId xmlns:a16="http://schemas.microsoft.com/office/drawing/2014/main" id="{6229734D-8156-B74A-B905-3C3F60379CFD}"/>
+                </a:ext>
+              </a:extLst>
+            </p:cNvPr>
+            <p:cNvSpPr/>
+            <p:nvPr/>
+          </p:nvSpPr>
+          <p:spPr>
+            <a:xfrm>
+              <a:off x="4842934" y="2071513"/>
+              <a:ext cx="428977" cy="428977"/>
+            </a:xfrm>
+            <a:prstGeom prst="ellipse">
+              <a:avLst/>
+            </a:prstGeom>
+            <a:solidFill>
+              <a:schemeClr val="accent4">
+                <a:lumMod val="60000"/>
+                <a:lumOff val="40000"/>
+              </a:schemeClr>
+            </a:solidFill>
+            <a:effectLst>
+              <a:outerShdw blurRad="50800" dist="38100" dir="2700000" algn="tl" rotWithShape="0">
+                <a:prstClr val="black">
+                  <a:alpha val="40000"/>
+                </a:prstClr>
+              </a:outerShdw>
+            </a:effectLst>
+          </p:spPr>
+          <p:style>
+            <a:lnRef idx="2">
+              <a:schemeClr val="accent1">
+                <a:shade val="50000"/>
+              </a:schemeClr>
+            </a:lnRef>
+            <a:fillRef idx="1">
+              <a:schemeClr val="accent1"/>
+            </a:fillRef>
+            <a:effectRef idx="0">
+              <a:schemeClr val="accent1"/>
+            </a:effectRef>
+            <a:fontRef idx="minor">
+              <a:schemeClr val="lt1"/>
+            </a:fontRef>
+          </p:style>
+          <p:txBody>
+            <a:bodyPr rtlCol="0" anchor="ctr"/>
+            <a:lstStyle/>
+            <a:p>
+              <a:pPr algn="ctr"/>
+              <a:r>
+                <a:rPr kumimoji="1" lang="en-US" altLang="zh-CN" sz="1400" dirty="0"/>
+                <a:t>1</a:t>
+              </a:r>
+              <a:endParaRPr kumimoji="1" lang="zh-CN" altLang="en-US" sz="1400" dirty="0"/>
+            </a:p>
+          </p:txBody>
+        </p:sp>
+        <p:sp>
+          <p:nvSpPr>
+            <p:cNvPr id="18" name="椭圆 17">
+              <a:extLst>
+                <a:ext uri="{FF2B5EF4-FFF2-40B4-BE49-F238E27FC236}">
+                  <a16:creationId xmlns:a16="http://schemas.microsoft.com/office/drawing/2014/main" id="{E0FB3B39-54AC-FD4A-85F2-3368954C908A}"/>
+                </a:ext>
+              </a:extLst>
+            </p:cNvPr>
+            <p:cNvSpPr/>
+            <p:nvPr/>
+          </p:nvSpPr>
+          <p:spPr>
+            <a:xfrm>
+              <a:off x="5410199" y="2071512"/>
+              <a:ext cx="428977" cy="428977"/>
+            </a:xfrm>
+            <a:prstGeom prst="ellipse">
+              <a:avLst/>
+            </a:prstGeom>
+            <a:solidFill>
+              <a:schemeClr val="accent4">
+                <a:lumMod val="60000"/>
+                <a:lumOff val="40000"/>
+              </a:schemeClr>
+            </a:solidFill>
+            <a:effectLst>
+              <a:outerShdw blurRad="50800" dist="38100" dir="2700000" algn="tl" rotWithShape="0">
+                <a:prstClr val="black">
+                  <a:alpha val="40000"/>
+                </a:prstClr>
+              </a:outerShdw>
+            </a:effectLst>
+          </p:spPr>
+          <p:style>
+            <a:lnRef idx="2">
+              <a:schemeClr val="accent1">
+                <a:shade val="50000"/>
+              </a:schemeClr>
+            </a:lnRef>
+            <a:fillRef idx="1">
+              <a:schemeClr val="accent1"/>
+            </a:fillRef>
+            <a:effectRef idx="0">
+              <a:schemeClr val="accent1"/>
+            </a:effectRef>
+            <a:fontRef idx="minor">
+              <a:schemeClr val="lt1"/>
+            </a:fontRef>
+          </p:style>
+          <p:txBody>
+            <a:bodyPr rtlCol="0" anchor="ctr"/>
+            <a:lstStyle/>
+            <a:p>
+              <a:pPr algn="ctr"/>
+              <a:r>
+                <a:rPr kumimoji="1" lang="en-US" altLang="zh-CN" sz="1400" dirty="0"/>
+                <a:t>2</a:t>
+              </a:r>
+              <a:endParaRPr kumimoji="1" lang="zh-CN" altLang="en-US" sz="1400" dirty="0"/>
+            </a:p>
+          </p:txBody>
+        </p:sp>
+        <p:sp>
+          <p:nvSpPr>
+            <p:cNvPr id="19" name="椭圆 18">
+              <a:extLst>
+                <a:ext uri="{FF2B5EF4-FFF2-40B4-BE49-F238E27FC236}">
+                  <a16:creationId xmlns:a16="http://schemas.microsoft.com/office/drawing/2014/main" id="{81EE3A6F-BE53-C843-B89C-020249A9A3E1}"/>
+                </a:ext>
+              </a:extLst>
+            </p:cNvPr>
+            <p:cNvSpPr/>
+            <p:nvPr/>
+          </p:nvSpPr>
+          <p:spPr>
+            <a:xfrm>
+              <a:off x="5977464" y="2071512"/>
+              <a:ext cx="428977" cy="428977"/>
+            </a:xfrm>
+            <a:prstGeom prst="ellipse">
+              <a:avLst/>
+            </a:prstGeom>
+            <a:solidFill>
+              <a:schemeClr val="accent4">
+                <a:lumMod val="60000"/>
+                <a:lumOff val="40000"/>
+              </a:schemeClr>
+            </a:solidFill>
+            <a:effectLst>
+              <a:outerShdw blurRad="50800" dist="38100" dir="2700000" algn="tl" rotWithShape="0">
+                <a:prstClr val="black">
+                  <a:alpha val="40000"/>
+                </a:prstClr>
+              </a:outerShdw>
+            </a:effectLst>
+          </p:spPr>
+          <p:style>
+            <a:lnRef idx="2">
+              <a:schemeClr val="accent1">
+                <a:shade val="50000"/>
+              </a:schemeClr>
+            </a:lnRef>
+            <a:fillRef idx="1">
+              <a:schemeClr val="accent1"/>
+            </a:fillRef>
+            <a:effectRef idx="0">
+              <a:schemeClr val="accent1"/>
+            </a:effectRef>
+            <a:fontRef idx="minor">
+              <a:schemeClr val="lt1"/>
+            </a:fontRef>
+          </p:style>
+          <p:txBody>
+            <a:bodyPr rtlCol="0" anchor="ctr"/>
+            <a:lstStyle/>
+            <a:p>
+              <a:pPr algn="ctr"/>
+              <a:r>
+                <a:rPr kumimoji="1" lang="en-US" altLang="zh-CN" sz="1400" dirty="0"/>
+                <a:t>…</a:t>
+              </a:r>
+              <a:endParaRPr kumimoji="1" lang="zh-CN" altLang="en-US" sz="1400" dirty="0"/>
+            </a:p>
+          </p:txBody>
+        </p:sp>
+        <p:sp>
+          <p:nvSpPr>
+            <p:cNvPr id="20" name="椭圆 19">
+              <a:extLst>
+                <a:ext uri="{FF2B5EF4-FFF2-40B4-BE49-F238E27FC236}">
+                  <a16:creationId xmlns:a16="http://schemas.microsoft.com/office/drawing/2014/main" id="{4F5B782C-1D14-3547-9977-843DDE16476E}"/>
+                </a:ext>
+              </a:extLst>
+            </p:cNvPr>
+            <p:cNvSpPr/>
+            <p:nvPr/>
+          </p:nvSpPr>
+          <p:spPr>
+            <a:xfrm>
+              <a:off x="6558839" y="2071513"/>
+              <a:ext cx="428977" cy="428977"/>
+            </a:xfrm>
+            <a:prstGeom prst="ellipse">
+              <a:avLst/>
+            </a:prstGeom>
+            <a:solidFill>
+              <a:schemeClr val="accent4">
+                <a:lumMod val="60000"/>
+                <a:lumOff val="40000"/>
+              </a:schemeClr>
+            </a:solidFill>
+            <a:effectLst>
+              <a:outerShdw blurRad="50800" dist="38100" dir="2700000" algn="tl" rotWithShape="0">
+                <a:prstClr val="black">
+                  <a:alpha val="40000"/>
+                </a:prstClr>
+              </a:outerShdw>
+            </a:effectLst>
+          </p:spPr>
+          <p:style>
+            <a:lnRef idx="2">
+              <a:schemeClr val="accent1">
+                <a:shade val="50000"/>
+              </a:schemeClr>
+            </a:lnRef>
+            <a:fillRef idx="1">
+              <a:schemeClr val="accent1"/>
+            </a:fillRef>
+            <a:effectRef idx="0">
+              <a:schemeClr val="accent1"/>
+            </a:effectRef>
+            <a:fontRef idx="minor">
+              <a:schemeClr val="lt1"/>
+            </a:fontRef>
+          </p:style>
+          <p:txBody>
+            <a:bodyPr rtlCol="0" anchor="ctr"/>
+            <a:lstStyle/>
+            <a:p>
+              <a:pPr algn="ctr"/>
+              <a:endParaRPr kumimoji="1" lang="zh-CN" altLang="en-US" sz="1400" dirty="0"/>
+            </a:p>
+          </p:txBody>
+        </p:sp>
+        <p:sp>
+          <p:nvSpPr>
+            <p:cNvPr id="21" name="椭圆 20">
+              <a:extLst>
+                <a:ext uri="{FF2B5EF4-FFF2-40B4-BE49-F238E27FC236}">
+                  <a16:creationId xmlns:a16="http://schemas.microsoft.com/office/drawing/2014/main" id="{37F67A40-215E-E649-B80C-99F4E26BABB9}"/>
+                </a:ext>
+              </a:extLst>
+            </p:cNvPr>
+            <p:cNvSpPr/>
+            <p:nvPr/>
+          </p:nvSpPr>
+          <p:spPr>
+            <a:xfrm>
+              <a:off x="7126104" y="2071512"/>
+              <a:ext cx="428977" cy="428977"/>
+            </a:xfrm>
+            <a:prstGeom prst="ellipse">
+              <a:avLst/>
+            </a:prstGeom>
+            <a:solidFill>
+              <a:schemeClr val="accent4">
+                <a:lumMod val="60000"/>
+                <a:lumOff val="40000"/>
+              </a:schemeClr>
+            </a:solidFill>
+            <a:effectLst>
+              <a:outerShdw blurRad="50800" dist="38100" dir="2700000" algn="tl" rotWithShape="0">
+                <a:prstClr val="black">
+                  <a:alpha val="40000"/>
+                </a:prstClr>
+              </a:outerShdw>
+            </a:effectLst>
+          </p:spPr>
+          <p:style>
+            <a:lnRef idx="2">
+              <a:schemeClr val="accent1">
+                <a:shade val="50000"/>
+              </a:schemeClr>
+            </a:lnRef>
+            <a:fillRef idx="1">
+              <a:schemeClr val="accent1"/>
+            </a:fillRef>
+            <a:effectRef idx="0">
+              <a:schemeClr val="accent1"/>
+            </a:effectRef>
+            <a:fontRef idx="minor">
+              <a:schemeClr val="lt1"/>
+            </a:fontRef>
+          </p:style>
+          <p:txBody>
+            <a:bodyPr rtlCol="0" anchor="ctr"/>
+            <a:lstStyle/>
+            <a:p>
+              <a:pPr algn="ctr"/>
+              <a:endParaRPr kumimoji="1" lang="zh-CN" altLang="en-US" sz="1400" dirty="0"/>
+            </a:p>
+          </p:txBody>
+        </p:sp>
+        <p:sp>
+          <p:nvSpPr>
+            <p:cNvPr id="22" name="椭圆 21">
+              <a:extLst>
+                <a:ext uri="{FF2B5EF4-FFF2-40B4-BE49-F238E27FC236}">
+                  <a16:creationId xmlns:a16="http://schemas.microsoft.com/office/drawing/2014/main" id="{A5FBD913-8BA1-8843-A09F-8D48E15C3ABC}"/>
+                </a:ext>
+              </a:extLst>
+            </p:cNvPr>
+            <p:cNvSpPr/>
+            <p:nvPr/>
+          </p:nvSpPr>
+          <p:spPr>
+            <a:xfrm>
+              <a:off x="4842934" y="2912533"/>
+              <a:ext cx="428977" cy="428977"/>
+            </a:xfrm>
+            <a:prstGeom prst="ellipse">
+              <a:avLst/>
+            </a:prstGeom>
+            <a:solidFill>
+              <a:srgbClr val="00B050"/>
+            </a:solidFill>
+            <a:effectLst>
+              <a:outerShdw blurRad="50800" dist="38100" dir="2700000" algn="tl" rotWithShape="0">
+                <a:prstClr val="black">
+                  <a:alpha val="40000"/>
+                </a:prstClr>
+              </a:outerShdw>
+            </a:effectLst>
+          </p:spPr>
+          <p:style>
+            <a:lnRef idx="2">
+              <a:schemeClr val="accent1">
+                <a:shade val="50000"/>
+              </a:schemeClr>
+            </a:lnRef>
+            <a:fillRef idx="1">
+              <a:schemeClr val="accent1"/>
+            </a:fillRef>
+            <a:effectRef idx="0">
+              <a:schemeClr val="accent1"/>
+            </a:effectRef>
+            <a:fontRef idx="minor">
+              <a:schemeClr val="lt1"/>
+            </a:fontRef>
+          </p:style>
+          <p:txBody>
+            <a:bodyPr rtlCol="0" anchor="ctr"/>
+            <a:lstStyle/>
+            <a:p>
+              <a:pPr algn="ctr"/>
+              <a:r>
+                <a:rPr kumimoji="1" lang="en-US" altLang="zh-CN" sz="1400" dirty="0"/>
+                <a:t>1</a:t>
+              </a:r>
+              <a:endParaRPr kumimoji="1" lang="zh-CN" altLang="en-US" sz="1400" dirty="0"/>
+            </a:p>
+          </p:txBody>
+        </p:sp>
+        <p:sp>
+          <p:nvSpPr>
+            <p:cNvPr id="23" name="椭圆 22">
+              <a:extLst>
+                <a:ext uri="{FF2B5EF4-FFF2-40B4-BE49-F238E27FC236}">
+                  <a16:creationId xmlns:a16="http://schemas.microsoft.com/office/drawing/2014/main" id="{85B5E1CE-000F-D644-B74A-7BCB111F603C}"/>
+                </a:ext>
+              </a:extLst>
+            </p:cNvPr>
+            <p:cNvSpPr/>
+            <p:nvPr/>
+          </p:nvSpPr>
+          <p:spPr>
+            <a:xfrm>
+              <a:off x="5410199" y="2912532"/>
+              <a:ext cx="428977" cy="428977"/>
+            </a:xfrm>
+            <a:prstGeom prst="ellipse">
+              <a:avLst/>
+            </a:prstGeom>
+            <a:solidFill>
+              <a:srgbClr val="00B050"/>
+            </a:solidFill>
+            <a:effectLst>
+              <a:outerShdw blurRad="50800" dist="38100" dir="2700000" algn="tl" rotWithShape="0">
+                <a:prstClr val="black">
+                  <a:alpha val="40000"/>
+                </a:prstClr>
+              </a:outerShdw>
+            </a:effectLst>
+          </p:spPr>
+          <p:style>
+            <a:lnRef idx="2">
+              <a:schemeClr val="accent1">
+                <a:shade val="50000"/>
+              </a:schemeClr>
+            </a:lnRef>
+            <a:fillRef idx="1">
+              <a:schemeClr val="accent1"/>
+            </a:fillRef>
+            <a:effectRef idx="0">
+              <a:schemeClr val="accent1"/>
+            </a:effectRef>
+            <a:fontRef idx="minor">
+              <a:schemeClr val="lt1"/>
+            </a:fontRef>
+          </p:style>
+          <p:txBody>
+            <a:bodyPr rtlCol="0" anchor="ctr"/>
+            <a:lstStyle/>
+            <a:p>
+              <a:pPr algn="ctr"/>
+              <a:r>
+                <a:rPr kumimoji="1" lang="en-US" altLang="zh-CN" sz="1400" dirty="0"/>
+                <a:t>2</a:t>
+              </a:r>
+              <a:endParaRPr kumimoji="1" lang="zh-CN" altLang="en-US" sz="1400" dirty="0"/>
+            </a:p>
+          </p:txBody>
+        </p:sp>
+        <p:sp>
+          <p:nvSpPr>
+            <p:cNvPr id="24" name="椭圆 23">
+              <a:extLst>
+                <a:ext uri="{FF2B5EF4-FFF2-40B4-BE49-F238E27FC236}">
+                  <a16:creationId xmlns:a16="http://schemas.microsoft.com/office/drawing/2014/main" id="{F6EFD113-EDF6-B74C-A0AE-668E3A52DBFA}"/>
+                </a:ext>
+              </a:extLst>
+            </p:cNvPr>
+            <p:cNvSpPr/>
+            <p:nvPr/>
+          </p:nvSpPr>
+          <p:spPr>
+            <a:xfrm>
+              <a:off x="5977464" y="2912532"/>
+              <a:ext cx="428977" cy="428977"/>
+            </a:xfrm>
+            <a:prstGeom prst="ellipse">
+              <a:avLst/>
+            </a:prstGeom>
+            <a:solidFill>
+              <a:srgbClr val="00B050"/>
+            </a:solidFill>
+            <a:effectLst>
+              <a:outerShdw blurRad="50800" dist="38100" dir="2700000" algn="tl" rotWithShape="0">
+                <a:prstClr val="black">
+                  <a:alpha val="40000"/>
+                </a:prstClr>
+              </a:outerShdw>
+            </a:effectLst>
+          </p:spPr>
+          <p:style>
+            <a:lnRef idx="2">
+              <a:schemeClr val="accent1">
+                <a:shade val="50000"/>
+              </a:schemeClr>
+            </a:lnRef>
+            <a:fillRef idx="1">
+              <a:schemeClr val="accent1"/>
+            </a:fillRef>
+            <a:effectRef idx="0">
+              <a:schemeClr val="accent1"/>
+            </a:effectRef>
+            <a:fontRef idx="minor">
+              <a:schemeClr val="lt1"/>
+            </a:fontRef>
+          </p:style>
+          <p:txBody>
+            <a:bodyPr rtlCol="0" anchor="ctr"/>
+            <a:lstStyle/>
+            <a:p>
+              <a:pPr algn="ctr"/>
+              <a:r>
+                <a:rPr kumimoji="1" lang="en-US" altLang="zh-CN" sz="1400" dirty="0"/>
+                <a:t>…</a:t>
+              </a:r>
+              <a:endParaRPr kumimoji="1" lang="zh-CN" altLang="en-US" sz="1400" dirty="0"/>
+            </a:p>
+          </p:txBody>
+        </p:sp>
+        <p:sp>
+          <p:nvSpPr>
+            <p:cNvPr id="25" name="椭圆 24">
+              <a:extLst>
+                <a:ext uri="{FF2B5EF4-FFF2-40B4-BE49-F238E27FC236}">
+                  <a16:creationId xmlns:a16="http://schemas.microsoft.com/office/drawing/2014/main" id="{7693D715-3B6D-C845-94B5-E8C4877BB99E}"/>
+                </a:ext>
+              </a:extLst>
+            </p:cNvPr>
+            <p:cNvSpPr/>
+            <p:nvPr/>
+          </p:nvSpPr>
+          <p:spPr>
+            <a:xfrm>
+              <a:off x="6558839" y="2912533"/>
+              <a:ext cx="428977" cy="428977"/>
+            </a:xfrm>
+            <a:prstGeom prst="ellipse">
+              <a:avLst/>
+            </a:prstGeom>
+            <a:solidFill>
+              <a:srgbClr val="00B050"/>
+            </a:solidFill>
+            <a:effectLst>
+              <a:outerShdw blurRad="50800" dist="38100" dir="2700000" algn="tl" rotWithShape="0">
+                <a:prstClr val="black">
+                  <a:alpha val="40000"/>
+                </a:prstClr>
+              </a:outerShdw>
+            </a:effectLst>
+          </p:spPr>
+          <p:style>
+            <a:lnRef idx="2">
+              <a:schemeClr val="accent1">
+                <a:shade val="50000"/>
+              </a:schemeClr>
+            </a:lnRef>
+            <a:fillRef idx="1">
+              <a:schemeClr val="accent1"/>
+            </a:fillRef>
+            <a:effectRef idx="0">
+              <a:schemeClr val="accent1"/>
+            </a:effectRef>
+            <a:fontRef idx="minor">
+              <a:schemeClr val="lt1"/>
+            </a:fontRef>
+          </p:style>
+          <p:txBody>
+            <a:bodyPr rtlCol="0" anchor="ctr"/>
+            <a:lstStyle/>
+            <a:p>
+              <a:pPr algn="ctr"/>
+              <a:endParaRPr kumimoji="1" lang="zh-CN" altLang="en-US" sz="1400" dirty="0"/>
+            </a:p>
+          </p:txBody>
+        </p:sp>
+        <p:sp>
+          <p:nvSpPr>
+            <p:cNvPr id="26" name="椭圆 25">
+              <a:extLst>
+                <a:ext uri="{FF2B5EF4-FFF2-40B4-BE49-F238E27FC236}">
+                  <a16:creationId xmlns:a16="http://schemas.microsoft.com/office/drawing/2014/main" id="{096C9FC4-E499-C849-B454-0EC3A26A3B4A}"/>
+                </a:ext>
+              </a:extLst>
+            </p:cNvPr>
+            <p:cNvSpPr/>
+            <p:nvPr/>
+          </p:nvSpPr>
+          <p:spPr>
+            <a:xfrm>
+              <a:off x="7126104" y="2912532"/>
+              <a:ext cx="428977" cy="428977"/>
+            </a:xfrm>
+            <a:prstGeom prst="ellipse">
+              <a:avLst/>
+            </a:prstGeom>
+            <a:solidFill>
+              <a:srgbClr val="00B050"/>
+            </a:solidFill>
+            <a:effectLst>
+              <a:outerShdw blurRad="50800" dist="38100" dir="2700000" algn="tl" rotWithShape="0">
+                <a:prstClr val="black">
+                  <a:alpha val="40000"/>
+                </a:prstClr>
+              </a:outerShdw>
+            </a:effectLst>
+          </p:spPr>
+          <p:style>
+            <a:lnRef idx="2">
+              <a:schemeClr val="accent1">
+                <a:shade val="50000"/>
+              </a:schemeClr>
+            </a:lnRef>
+            <a:fillRef idx="1">
+              <a:schemeClr val="accent1"/>
+            </a:fillRef>
+            <a:effectRef idx="0">
+              <a:schemeClr val="accent1"/>
+            </a:effectRef>
+            <a:fontRef idx="minor">
+              <a:schemeClr val="lt1"/>
+            </a:fontRef>
+          </p:style>
+          <p:txBody>
+            <a:bodyPr rtlCol="0" anchor="ctr"/>
+            <a:lstStyle/>
+            <a:p>
+              <a:pPr algn="ctr"/>
+              <a:endParaRPr kumimoji="1" lang="zh-CN" altLang="en-US" sz="1400" dirty="0"/>
+            </a:p>
+          </p:txBody>
+        </p:sp>
+        <p:sp>
+          <p:nvSpPr>
+            <p:cNvPr id="27" name="椭圆 26">
+              <a:extLst>
+                <a:ext uri="{FF2B5EF4-FFF2-40B4-BE49-F238E27FC236}">
+                  <a16:creationId xmlns:a16="http://schemas.microsoft.com/office/drawing/2014/main" id="{F6FEB2DC-A7DD-AA4B-8711-2C4C12993024}"/>
+                </a:ext>
+              </a:extLst>
+            </p:cNvPr>
+            <p:cNvSpPr/>
+            <p:nvPr/>
+          </p:nvSpPr>
+          <p:spPr>
+            <a:xfrm>
+              <a:off x="4842934" y="3719690"/>
+              <a:ext cx="428977" cy="428977"/>
+            </a:xfrm>
+            <a:prstGeom prst="ellipse">
+              <a:avLst/>
+            </a:prstGeom>
+            <a:solidFill>
+              <a:schemeClr val="accent4">
+                <a:lumMod val="75000"/>
+              </a:schemeClr>
+            </a:solidFill>
+            <a:effectLst>
+              <a:outerShdw blurRad="50800" dist="38100" dir="2700000" algn="tl" rotWithShape="0">
+                <a:prstClr val="black">
+                  <a:alpha val="40000"/>
+                </a:prstClr>
+              </a:outerShdw>
+            </a:effectLst>
+          </p:spPr>
+          <p:style>
+            <a:lnRef idx="2">
+              <a:schemeClr val="accent1">
+                <a:shade val="50000"/>
+              </a:schemeClr>
+            </a:lnRef>
+            <a:fillRef idx="1">
+              <a:schemeClr val="accent1"/>
+            </a:fillRef>
+            <a:effectRef idx="0">
+              <a:schemeClr val="accent1"/>
+            </a:effectRef>
+            <a:fontRef idx="minor">
+              <a:schemeClr val="lt1"/>
+            </a:fontRef>
+          </p:style>
+          <p:txBody>
+            <a:bodyPr rtlCol="0" anchor="ctr"/>
+            <a:lstStyle/>
+            <a:p>
+              <a:pPr algn="ctr"/>
+              <a:r>
+                <a:rPr kumimoji="1" lang="en-US" altLang="zh-CN" sz="1400" dirty="0"/>
+                <a:t>1</a:t>
+              </a:r>
+              <a:endParaRPr kumimoji="1" lang="zh-CN" altLang="en-US" sz="1400" dirty="0"/>
+            </a:p>
+          </p:txBody>
+        </p:sp>
+        <p:sp>
+          <p:nvSpPr>
+            <p:cNvPr id="28" name="椭圆 27">
+              <a:extLst>
+                <a:ext uri="{FF2B5EF4-FFF2-40B4-BE49-F238E27FC236}">
+                  <a16:creationId xmlns:a16="http://schemas.microsoft.com/office/drawing/2014/main" id="{E390E727-1FBD-2140-8882-C236DDE4EBC4}"/>
+                </a:ext>
+              </a:extLst>
+            </p:cNvPr>
+            <p:cNvSpPr/>
+            <p:nvPr/>
+          </p:nvSpPr>
+          <p:spPr>
+            <a:xfrm>
+              <a:off x="5410199" y="3719689"/>
+              <a:ext cx="428977" cy="428977"/>
+            </a:xfrm>
+            <a:prstGeom prst="ellipse">
+              <a:avLst/>
+            </a:prstGeom>
+            <a:solidFill>
+              <a:schemeClr val="accent4">
+                <a:lumMod val="75000"/>
+              </a:schemeClr>
+            </a:solidFill>
+            <a:effectLst>
+              <a:outerShdw blurRad="50800" dist="38100" dir="2700000" algn="tl" rotWithShape="0">
+                <a:prstClr val="black">
+                  <a:alpha val="40000"/>
+                </a:prstClr>
+              </a:outerShdw>
+            </a:effectLst>
+          </p:spPr>
+          <p:style>
+            <a:lnRef idx="2">
+              <a:schemeClr val="accent1">
+                <a:shade val="50000"/>
+              </a:schemeClr>
+            </a:lnRef>
+            <a:fillRef idx="1">
+              <a:schemeClr val="accent1"/>
+            </a:fillRef>
+            <a:effectRef idx="0">
+              <a:schemeClr val="accent1"/>
+            </a:effectRef>
+            <a:fontRef idx="minor">
+              <a:schemeClr val="lt1"/>
+            </a:fontRef>
+          </p:style>
+          <p:txBody>
+            <a:bodyPr rtlCol="0" anchor="ctr"/>
+            <a:lstStyle/>
+            <a:p>
+              <a:pPr algn="ctr"/>
+              <a:r>
+                <a:rPr kumimoji="1" lang="en-US" altLang="zh-CN" sz="1400" dirty="0"/>
+                <a:t>2</a:t>
+              </a:r>
+              <a:endParaRPr kumimoji="1" lang="zh-CN" altLang="en-US" sz="1400" dirty="0"/>
+            </a:p>
+          </p:txBody>
+        </p:sp>
+        <p:sp>
+          <p:nvSpPr>
+            <p:cNvPr id="29" name="椭圆 28">
+              <a:extLst>
+                <a:ext uri="{FF2B5EF4-FFF2-40B4-BE49-F238E27FC236}">
+                  <a16:creationId xmlns:a16="http://schemas.microsoft.com/office/drawing/2014/main" id="{8C57FE58-69F2-0842-9E93-B08E664F526A}"/>
+                </a:ext>
+              </a:extLst>
+            </p:cNvPr>
+            <p:cNvSpPr/>
+            <p:nvPr/>
+          </p:nvSpPr>
+          <p:spPr>
+            <a:xfrm>
+              <a:off x="5977464" y="3719689"/>
+              <a:ext cx="428977" cy="428977"/>
+            </a:xfrm>
+            <a:prstGeom prst="ellipse">
+              <a:avLst/>
+            </a:prstGeom>
+            <a:solidFill>
+              <a:schemeClr val="accent4">
+                <a:lumMod val="75000"/>
+              </a:schemeClr>
+            </a:solidFill>
+            <a:effectLst>
+              <a:outerShdw blurRad="50800" dist="38100" dir="2700000" algn="tl" rotWithShape="0">
+                <a:prstClr val="black">
+                  <a:alpha val="40000"/>
+                </a:prstClr>
+              </a:outerShdw>
+            </a:effectLst>
+          </p:spPr>
+          <p:style>
+            <a:lnRef idx="2">
+              <a:schemeClr val="accent1">
+                <a:shade val="50000"/>
+              </a:schemeClr>
+            </a:lnRef>
+            <a:fillRef idx="1">
+              <a:schemeClr val="accent1"/>
+            </a:fillRef>
+            <a:effectRef idx="0">
+              <a:schemeClr val="accent1"/>
+            </a:effectRef>
+            <a:fontRef idx="minor">
+              <a:schemeClr val="lt1"/>
+            </a:fontRef>
+          </p:style>
+          <p:txBody>
+            <a:bodyPr rtlCol="0" anchor="ctr"/>
+            <a:lstStyle/>
+            <a:p>
+              <a:pPr algn="ctr"/>
+              <a:r>
+                <a:rPr kumimoji="1" lang="en-US" altLang="zh-CN" sz="1400" dirty="0"/>
+                <a:t>…</a:t>
+              </a:r>
+              <a:endParaRPr kumimoji="1" lang="zh-CN" altLang="en-US" sz="1400" dirty="0"/>
+            </a:p>
+          </p:txBody>
+        </p:sp>
+        <p:sp>
+          <p:nvSpPr>
+            <p:cNvPr id="30" name="椭圆 29">
+              <a:extLst>
+                <a:ext uri="{FF2B5EF4-FFF2-40B4-BE49-F238E27FC236}">
+                  <a16:creationId xmlns:a16="http://schemas.microsoft.com/office/drawing/2014/main" id="{F1433676-1B0C-EE46-ACCB-6EEFF5DA2410}"/>
+                </a:ext>
+              </a:extLst>
+            </p:cNvPr>
+            <p:cNvSpPr/>
+            <p:nvPr/>
+          </p:nvSpPr>
+          <p:spPr>
+            <a:xfrm>
+              <a:off x="6558839" y="3719690"/>
+              <a:ext cx="428977" cy="428977"/>
+            </a:xfrm>
+            <a:prstGeom prst="ellipse">
+              <a:avLst/>
+            </a:prstGeom>
+            <a:solidFill>
+              <a:schemeClr val="accent4">
+                <a:lumMod val="75000"/>
+              </a:schemeClr>
+            </a:solidFill>
+            <a:effectLst>
+              <a:outerShdw blurRad="50800" dist="38100" dir="2700000" algn="tl" rotWithShape="0">
+                <a:prstClr val="black">
+                  <a:alpha val="40000"/>
+                </a:prstClr>
+              </a:outerShdw>
+            </a:effectLst>
+          </p:spPr>
+          <p:style>
+            <a:lnRef idx="2">
+              <a:schemeClr val="accent1">
+                <a:shade val="50000"/>
+              </a:schemeClr>
+            </a:lnRef>
+            <a:fillRef idx="1">
+              <a:schemeClr val="accent1"/>
+            </a:fillRef>
+            <a:effectRef idx="0">
+              <a:schemeClr val="accent1"/>
+            </a:effectRef>
+            <a:fontRef idx="minor">
+              <a:schemeClr val="lt1"/>
+            </a:fontRef>
+          </p:style>
+          <p:txBody>
+            <a:bodyPr rtlCol="0" anchor="ctr"/>
+            <a:lstStyle/>
+            <a:p>
+              <a:pPr algn="ctr"/>
+              <a:endParaRPr kumimoji="1" lang="zh-CN" altLang="en-US" sz="1400" dirty="0"/>
+            </a:p>
+          </p:txBody>
+        </p:sp>
+        <p:sp>
+          <p:nvSpPr>
+            <p:cNvPr id="31" name="椭圆 30">
+              <a:extLst>
+                <a:ext uri="{FF2B5EF4-FFF2-40B4-BE49-F238E27FC236}">
+                  <a16:creationId xmlns:a16="http://schemas.microsoft.com/office/drawing/2014/main" id="{B88FAB6A-9EB1-F249-8E85-CD9CA9050220}"/>
+                </a:ext>
+              </a:extLst>
+            </p:cNvPr>
+            <p:cNvSpPr/>
+            <p:nvPr/>
+          </p:nvSpPr>
+          <p:spPr>
+            <a:xfrm>
+              <a:off x="7126104" y="3719689"/>
+              <a:ext cx="428977" cy="428977"/>
+            </a:xfrm>
+            <a:prstGeom prst="ellipse">
+              <a:avLst/>
+            </a:prstGeom>
+            <a:solidFill>
+              <a:schemeClr val="accent4">
+                <a:lumMod val="75000"/>
+              </a:schemeClr>
+            </a:solidFill>
+            <a:effectLst>
+              <a:outerShdw blurRad="50800" dist="38100" dir="2700000" algn="tl" rotWithShape="0">
+                <a:prstClr val="black">
+                  <a:alpha val="40000"/>
+                </a:prstClr>
+              </a:outerShdw>
+            </a:effectLst>
+          </p:spPr>
+          <p:style>
+            <a:lnRef idx="2">
+              <a:schemeClr val="accent1">
+                <a:shade val="50000"/>
+              </a:schemeClr>
+            </a:lnRef>
+            <a:fillRef idx="1">
+              <a:schemeClr val="accent1"/>
+            </a:fillRef>
+            <a:effectRef idx="0">
+              <a:schemeClr val="accent1"/>
+            </a:effectRef>
+            <a:fontRef idx="minor">
+              <a:schemeClr val="lt1"/>
+            </a:fontRef>
+          </p:style>
+          <p:txBody>
+            <a:bodyPr rtlCol="0" anchor="ctr"/>
+            <a:lstStyle/>
+            <a:p>
+              <a:pPr algn="ctr"/>
+              <a:endParaRPr kumimoji="1" lang="zh-CN" altLang="en-US" sz="1400" dirty="0"/>
+            </a:p>
+          </p:txBody>
+        </p:sp>
+        <p:sp>
+          <p:nvSpPr>
+            <p:cNvPr id="32" name="椭圆 31">
+              <a:extLst>
+                <a:ext uri="{FF2B5EF4-FFF2-40B4-BE49-F238E27FC236}">
+                  <a16:creationId xmlns:a16="http://schemas.microsoft.com/office/drawing/2014/main" id="{68E5C3F8-54C6-0748-AE9B-9D1AD834B7C0}"/>
+                </a:ext>
+              </a:extLst>
+            </p:cNvPr>
+            <p:cNvSpPr/>
+            <p:nvPr/>
+          </p:nvSpPr>
+          <p:spPr>
+            <a:xfrm>
+              <a:off x="4842934" y="4509908"/>
+              <a:ext cx="428977" cy="428977"/>
+            </a:xfrm>
+            <a:prstGeom prst="ellipse">
+              <a:avLst/>
+            </a:prstGeom>
+            <a:solidFill>
+              <a:srgbClr val="92D050"/>
+            </a:solidFill>
+            <a:effectLst>
+              <a:outerShdw blurRad="50800" dist="38100" dir="2700000" algn="tl" rotWithShape="0">
+                <a:prstClr val="black">
+                  <a:alpha val="40000"/>
+                </a:prstClr>
+              </a:outerShdw>
+            </a:effectLst>
+          </p:spPr>
+          <p:style>
+            <a:lnRef idx="2">
+              <a:schemeClr val="accent1">
+                <a:shade val="50000"/>
+              </a:schemeClr>
+            </a:lnRef>
+            <a:fillRef idx="1">
+              <a:schemeClr val="accent1"/>
+            </a:fillRef>
+            <a:effectRef idx="0">
+              <a:schemeClr val="accent1"/>
+            </a:effectRef>
+            <a:fontRef idx="minor">
+              <a:schemeClr val="lt1"/>
+            </a:fontRef>
+          </p:style>
+          <p:txBody>
+            <a:bodyPr rtlCol="0" anchor="ctr"/>
+            <a:lstStyle/>
+            <a:p>
+              <a:pPr algn="ctr"/>
+              <a:r>
+                <a:rPr kumimoji="1" lang="en-US" altLang="zh-CN" sz="1400" dirty="0"/>
+                <a:t>1</a:t>
+              </a:r>
+              <a:endParaRPr kumimoji="1" lang="zh-CN" altLang="en-US" sz="1400" dirty="0"/>
+            </a:p>
+          </p:txBody>
+        </p:sp>
+        <p:sp>
+          <p:nvSpPr>
+            <p:cNvPr id="33" name="椭圆 32">
+              <a:extLst>
+                <a:ext uri="{FF2B5EF4-FFF2-40B4-BE49-F238E27FC236}">
+                  <a16:creationId xmlns:a16="http://schemas.microsoft.com/office/drawing/2014/main" id="{2375A4A8-ACF2-244A-90FD-06226B49A49A}"/>
+                </a:ext>
+              </a:extLst>
+            </p:cNvPr>
+            <p:cNvSpPr/>
+            <p:nvPr/>
+          </p:nvSpPr>
+          <p:spPr>
+            <a:xfrm>
+              <a:off x="5410199" y="4509907"/>
+              <a:ext cx="428977" cy="428977"/>
+            </a:xfrm>
+            <a:prstGeom prst="ellipse">
+              <a:avLst/>
+            </a:prstGeom>
+            <a:solidFill>
+              <a:srgbClr val="92D050"/>
+            </a:solidFill>
+            <a:effectLst>
+              <a:outerShdw blurRad="50800" dist="38100" dir="2700000" algn="tl" rotWithShape="0">
+                <a:prstClr val="black">
+                  <a:alpha val="40000"/>
+                </a:prstClr>
+              </a:outerShdw>
+            </a:effectLst>
+          </p:spPr>
+          <p:style>
+            <a:lnRef idx="2">
+              <a:schemeClr val="accent1">
+                <a:shade val="50000"/>
+              </a:schemeClr>
+            </a:lnRef>
+            <a:fillRef idx="1">
+              <a:schemeClr val="accent1"/>
+            </a:fillRef>
+            <a:effectRef idx="0">
+              <a:schemeClr val="accent1"/>
+            </a:effectRef>
+            <a:fontRef idx="minor">
+              <a:schemeClr val="lt1"/>
+            </a:fontRef>
+          </p:style>
+          <p:txBody>
+            <a:bodyPr rtlCol="0" anchor="ctr"/>
+            <a:lstStyle/>
+            <a:p>
+              <a:pPr algn="ctr"/>
+              <a:r>
+                <a:rPr kumimoji="1" lang="en-US" altLang="zh-CN" sz="1400" dirty="0"/>
+                <a:t>2</a:t>
+              </a:r>
+              <a:endParaRPr kumimoji="1" lang="zh-CN" altLang="en-US" sz="1400" dirty="0"/>
+            </a:p>
+          </p:txBody>
+        </p:sp>
+        <p:sp>
+          <p:nvSpPr>
+            <p:cNvPr id="34" name="椭圆 33">
+              <a:extLst>
+                <a:ext uri="{FF2B5EF4-FFF2-40B4-BE49-F238E27FC236}">
+                  <a16:creationId xmlns:a16="http://schemas.microsoft.com/office/drawing/2014/main" id="{52F255A2-86E1-E74E-9601-F43F42D47392}"/>
+                </a:ext>
+              </a:extLst>
+            </p:cNvPr>
+            <p:cNvSpPr/>
+            <p:nvPr/>
+          </p:nvSpPr>
+          <p:spPr>
+            <a:xfrm>
+              <a:off x="5977464" y="4509907"/>
+              <a:ext cx="428977" cy="428977"/>
+            </a:xfrm>
+            <a:prstGeom prst="ellipse">
+              <a:avLst/>
+            </a:prstGeom>
+            <a:solidFill>
+              <a:srgbClr val="92D050"/>
+            </a:solidFill>
+            <a:effectLst>
+              <a:outerShdw blurRad="50800" dist="38100" dir="2700000" algn="tl" rotWithShape="0">
+                <a:prstClr val="black">
+                  <a:alpha val="40000"/>
+                </a:prstClr>
+              </a:outerShdw>
+            </a:effectLst>
+          </p:spPr>
+          <p:style>
+            <a:lnRef idx="2">
+              <a:schemeClr val="accent1">
+                <a:shade val="50000"/>
+              </a:schemeClr>
+            </a:lnRef>
+            <a:fillRef idx="1">
+              <a:schemeClr val="accent1"/>
+            </a:fillRef>
+            <a:effectRef idx="0">
+              <a:schemeClr val="accent1"/>
+            </a:effectRef>
+            <a:fontRef idx="minor">
+              <a:schemeClr val="lt1"/>
+            </a:fontRef>
+          </p:style>
+          <p:txBody>
+            <a:bodyPr rtlCol="0" anchor="ctr"/>
+            <a:lstStyle/>
+            <a:p>
+              <a:pPr algn="ctr"/>
+              <a:r>
+                <a:rPr kumimoji="1" lang="en-US" altLang="zh-CN" sz="1400" dirty="0"/>
+                <a:t>…</a:t>
+              </a:r>
+              <a:endParaRPr kumimoji="1" lang="zh-CN" altLang="en-US" sz="1400" dirty="0"/>
+            </a:p>
+          </p:txBody>
+        </p:sp>
+        <p:sp>
+          <p:nvSpPr>
+            <p:cNvPr id="35" name="椭圆 34">
+              <a:extLst>
+                <a:ext uri="{FF2B5EF4-FFF2-40B4-BE49-F238E27FC236}">
+                  <a16:creationId xmlns:a16="http://schemas.microsoft.com/office/drawing/2014/main" id="{44FD7869-39EF-0344-8826-0C8D9E1FF34B}"/>
+                </a:ext>
+              </a:extLst>
+            </p:cNvPr>
+            <p:cNvSpPr/>
+            <p:nvPr/>
+          </p:nvSpPr>
+          <p:spPr>
+            <a:xfrm>
+              <a:off x="6558839" y="4509908"/>
+              <a:ext cx="428977" cy="428977"/>
+            </a:xfrm>
+            <a:prstGeom prst="ellipse">
+              <a:avLst/>
+            </a:prstGeom>
+            <a:solidFill>
+              <a:srgbClr val="92D050"/>
+            </a:solidFill>
+            <a:effectLst>
+              <a:outerShdw blurRad="50800" dist="38100" dir="2700000" algn="tl" rotWithShape="0">
+                <a:prstClr val="black">
+                  <a:alpha val="40000"/>
+                </a:prstClr>
+              </a:outerShdw>
+            </a:effectLst>
+          </p:spPr>
+          <p:style>
+            <a:lnRef idx="2">
+              <a:schemeClr val="accent1">
+                <a:shade val="50000"/>
+              </a:schemeClr>
+            </a:lnRef>
+            <a:fillRef idx="1">
+              <a:schemeClr val="accent1"/>
+            </a:fillRef>
+            <a:effectRef idx="0">
+              <a:schemeClr val="accent1"/>
+            </a:effectRef>
+            <a:fontRef idx="minor">
+              <a:schemeClr val="lt1"/>
+            </a:fontRef>
+          </p:style>
+          <p:txBody>
+            <a:bodyPr rtlCol="0" anchor="ctr"/>
+            <a:lstStyle/>
+            <a:p>
+              <a:pPr algn="ctr"/>
+              <a:endParaRPr kumimoji="1" lang="zh-CN" altLang="en-US" sz="1400" dirty="0"/>
+            </a:p>
+          </p:txBody>
+        </p:sp>
+        <p:sp>
+          <p:nvSpPr>
+            <p:cNvPr id="36" name="椭圆 35">
+              <a:extLst>
+                <a:ext uri="{FF2B5EF4-FFF2-40B4-BE49-F238E27FC236}">
+                  <a16:creationId xmlns:a16="http://schemas.microsoft.com/office/drawing/2014/main" id="{1A55BE5C-9A11-B04F-8D37-811295538964}"/>
+                </a:ext>
+              </a:extLst>
+            </p:cNvPr>
+            <p:cNvSpPr/>
+            <p:nvPr/>
+          </p:nvSpPr>
+          <p:spPr>
+            <a:xfrm>
+              <a:off x="7126104" y="4509907"/>
+              <a:ext cx="428977" cy="428977"/>
+            </a:xfrm>
+            <a:prstGeom prst="ellipse">
+              <a:avLst/>
+            </a:prstGeom>
+            <a:solidFill>
+              <a:srgbClr val="92D050"/>
+            </a:solidFill>
+            <a:effectLst>
+              <a:outerShdw blurRad="50800" dist="38100" dir="2700000" algn="tl" rotWithShape="0">
+                <a:prstClr val="black">
+                  <a:alpha val="40000"/>
+                </a:prstClr>
+              </a:outerShdw>
+            </a:effectLst>
+          </p:spPr>
+          <p:style>
+            <a:lnRef idx="2">
+              <a:schemeClr val="accent1">
+                <a:shade val="50000"/>
+              </a:schemeClr>
+            </a:lnRef>
+            <a:fillRef idx="1">
+              <a:schemeClr val="accent1"/>
+            </a:fillRef>
+            <a:effectRef idx="0">
+              <a:schemeClr val="accent1"/>
+            </a:effectRef>
+            <a:fontRef idx="minor">
+              <a:schemeClr val="lt1"/>
+            </a:fontRef>
+          </p:style>
+          <p:txBody>
+            <a:bodyPr rtlCol="0" anchor="ctr"/>
+            <a:lstStyle/>
+            <a:p>
+              <a:pPr algn="ctr"/>
+              <a:endParaRPr kumimoji="1" lang="zh-CN" altLang="en-US" sz="1400" dirty="0"/>
+            </a:p>
+          </p:txBody>
+        </p:sp>
+        <p:sp>
+          <p:nvSpPr>
+            <p:cNvPr id="37" name="右箭头 36">
+              <a:extLst>
+                <a:ext uri="{FF2B5EF4-FFF2-40B4-BE49-F238E27FC236}">
+                  <a16:creationId xmlns:a16="http://schemas.microsoft.com/office/drawing/2014/main" id="{3975A0D2-5981-8349-A5CA-8647385E251A}"/>
+                </a:ext>
+              </a:extLst>
+            </p:cNvPr>
+            <p:cNvSpPr/>
+            <p:nvPr/>
+          </p:nvSpPr>
+          <p:spPr>
+            <a:xfrm>
+              <a:off x="7831655" y="2946398"/>
+              <a:ext cx="886177" cy="400756"/>
+            </a:xfrm>
+            <a:prstGeom prst="rightArrow">
+              <a:avLst/>
+            </a:prstGeom>
+            <a:solidFill>
+              <a:schemeClr val="accent3"/>
+            </a:solidFill>
+            <a:effectLst>
+              <a:outerShdw blurRad="50800" dist="38100" dir="2700000" algn="tl" rotWithShape="0">
+                <a:prstClr val="black">
+                  <a:alpha val="40000"/>
+                </a:prstClr>
+              </a:outerShdw>
+            </a:effectLst>
+          </p:spPr>
+          <p:style>
+            <a:lnRef idx="2">
+              <a:schemeClr val="accent1">
+                <a:shade val="50000"/>
+              </a:schemeClr>
+            </a:lnRef>
+            <a:fillRef idx="1">
+              <a:schemeClr val="accent1"/>
+            </a:fillRef>
+            <a:effectRef idx="0">
+              <a:schemeClr val="accent1"/>
+            </a:effectRef>
+            <a:fontRef idx="minor">
+              <a:schemeClr val="lt1"/>
+            </a:fontRef>
+          </p:style>
+          <p:txBody>
+            <a:bodyPr rtlCol="0" anchor="ctr"/>
+            <a:lstStyle/>
+            <a:p>
+              <a:pPr algn="ctr"/>
+              <a:endParaRPr kumimoji="1" lang="zh-CN" altLang="en-US"/>
+            </a:p>
+          </p:txBody>
+        </p:sp>
+        <p:sp>
+          <p:nvSpPr>
+            <p:cNvPr id="38" name="椭圆 37">
+              <a:extLst>
+                <a:ext uri="{FF2B5EF4-FFF2-40B4-BE49-F238E27FC236}">
+                  <a16:creationId xmlns:a16="http://schemas.microsoft.com/office/drawing/2014/main" id="{1991FC8B-6F67-AF4A-9581-581FFBE7E8CF}"/>
+                </a:ext>
+              </a:extLst>
+            </p:cNvPr>
+            <p:cNvSpPr/>
+            <p:nvPr/>
+          </p:nvSpPr>
+          <p:spPr>
+            <a:xfrm>
+              <a:off x="9547560" y="2250543"/>
+              <a:ext cx="428977" cy="428977"/>
+            </a:xfrm>
+            <a:prstGeom prst="ellipse">
+              <a:avLst/>
+            </a:prstGeom>
+            <a:solidFill>
+              <a:srgbClr val="5B9CD5"/>
+            </a:solidFill>
+            <a:effectLst>
+              <a:outerShdw blurRad="50800" dist="38100" dir="2700000" algn="tl" rotWithShape="0">
+                <a:prstClr val="black">
+                  <a:alpha val="40000"/>
+                </a:prstClr>
+              </a:outerShdw>
+            </a:effectLst>
+          </p:spPr>
+          <p:style>
+            <a:lnRef idx="2">
+              <a:schemeClr val="accent1">
+                <a:shade val="50000"/>
+              </a:schemeClr>
+            </a:lnRef>
+            <a:fillRef idx="1">
+              <a:schemeClr val="accent1"/>
+            </a:fillRef>
+            <a:effectRef idx="0">
+              <a:schemeClr val="accent1"/>
+            </a:effectRef>
+            <a:fontRef idx="minor">
+              <a:schemeClr val="lt1"/>
+            </a:fontRef>
+          </p:style>
+          <p:txBody>
+            <a:bodyPr rtlCol="0" anchor="ctr"/>
+            <a:lstStyle/>
+            <a:p>
+              <a:pPr algn="ctr"/>
+              <a:r>
+                <a:rPr kumimoji="1" lang="en-US" altLang="zh-CN" sz="1400" dirty="0"/>
+                <a:t>1</a:t>
+              </a:r>
+              <a:endParaRPr kumimoji="1" lang="zh-CN" altLang="en-US" sz="1400" dirty="0"/>
+            </a:p>
+          </p:txBody>
+        </p:sp>
+        <p:sp>
+          <p:nvSpPr>
+            <p:cNvPr id="39" name="椭圆 38">
+              <a:extLst>
+                <a:ext uri="{FF2B5EF4-FFF2-40B4-BE49-F238E27FC236}">
+                  <a16:creationId xmlns:a16="http://schemas.microsoft.com/office/drawing/2014/main" id="{504DE60E-384A-D84F-9864-F830DAF012DD}"/>
+                </a:ext>
+              </a:extLst>
+            </p:cNvPr>
+            <p:cNvSpPr/>
+            <p:nvPr/>
+          </p:nvSpPr>
+          <p:spPr>
+            <a:xfrm>
+              <a:off x="10329314" y="2250542"/>
+              <a:ext cx="428977" cy="428977"/>
+            </a:xfrm>
+            <a:prstGeom prst="ellipse">
+              <a:avLst/>
+            </a:prstGeom>
+            <a:solidFill>
+              <a:schemeClr val="accent4">
+                <a:lumMod val="60000"/>
+                <a:lumOff val="40000"/>
+              </a:schemeClr>
+            </a:solidFill>
+            <a:effectLst>
+              <a:outerShdw blurRad="50800" dist="38100" dir="2700000" algn="tl" rotWithShape="0">
+                <a:prstClr val="black">
+                  <a:alpha val="40000"/>
+                </a:prstClr>
+              </a:outerShdw>
+            </a:effectLst>
+          </p:spPr>
+          <p:style>
+            <a:lnRef idx="2">
+              <a:schemeClr val="accent1">
+                <a:shade val="50000"/>
+              </a:schemeClr>
+            </a:lnRef>
+            <a:fillRef idx="1">
+              <a:schemeClr val="accent1"/>
+            </a:fillRef>
+            <a:effectRef idx="0">
+              <a:schemeClr val="accent1"/>
+            </a:effectRef>
+            <a:fontRef idx="minor">
+              <a:schemeClr val="lt1"/>
+            </a:fontRef>
+          </p:style>
+          <p:txBody>
+            <a:bodyPr rtlCol="0" anchor="ctr"/>
+            <a:lstStyle/>
+            <a:p>
+              <a:pPr algn="ctr"/>
+              <a:r>
+                <a:rPr kumimoji="1" lang="en-US" altLang="zh-CN" sz="1400" dirty="0"/>
+                <a:t>1</a:t>
+              </a:r>
+              <a:endParaRPr kumimoji="1" lang="zh-CN" altLang="en-US" sz="1400" dirty="0"/>
+            </a:p>
+          </p:txBody>
+        </p:sp>
+        <p:sp>
+          <p:nvSpPr>
+            <p:cNvPr id="40" name="椭圆 39">
+              <a:extLst>
+                <a:ext uri="{FF2B5EF4-FFF2-40B4-BE49-F238E27FC236}">
+                  <a16:creationId xmlns:a16="http://schemas.microsoft.com/office/drawing/2014/main" id="{4354F012-DC97-814D-A998-72F04946991C}"/>
+                </a:ext>
+              </a:extLst>
+            </p:cNvPr>
+            <p:cNvSpPr/>
+            <p:nvPr/>
+          </p:nvSpPr>
+          <p:spPr>
+            <a:xfrm>
+              <a:off x="9059299" y="2961742"/>
+              <a:ext cx="428977" cy="428977"/>
+            </a:xfrm>
+            <a:prstGeom prst="ellipse">
+              <a:avLst/>
+            </a:prstGeom>
+            <a:solidFill>
+              <a:srgbClr val="00B050"/>
+            </a:solidFill>
+            <a:effectLst>
+              <a:outerShdw blurRad="50800" dist="38100" dir="2700000" algn="tl" rotWithShape="0">
+                <a:prstClr val="black">
+                  <a:alpha val="40000"/>
+                </a:prstClr>
+              </a:outerShdw>
+            </a:effectLst>
+          </p:spPr>
+          <p:style>
+            <a:lnRef idx="2">
+              <a:schemeClr val="accent1">
+                <a:shade val="50000"/>
+              </a:schemeClr>
+            </a:lnRef>
+            <a:fillRef idx="1">
+              <a:schemeClr val="accent1"/>
+            </a:fillRef>
+            <a:effectRef idx="0">
+              <a:schemeClr val="accent1"/>
+            </a:effectRef>
+            <a:fontRef idx="minor">
+              <a:schemeClr val="lt1"/>
+            </a:fontRef>
+          </p:style>
+          <p:txBody>
+            <a:bodyPr rtlCol="0" anchor="ctr"/>
+            <a:lstStyle/>
+            <a:p>
+              <a:pPr algn="ctr"/>
+              <a:r>
+                <a:rPr kumimoji="1" lang="en-US" altLang="zh-CN" sz="1400" dirty="0"/>
+                <a:t>1</a:t>
+              </a:r>
+              <a:endParaRPr kumimoji="1" lang="zh-CN" altLang="en-US" sz="1400" dirty="0"/>
+            </a:p>
+          </p:txBody>
+        </p:sp>
+        <p:sp>
+          <p:nvSpPr>
+            <p:cNvPr id="41" name="椭圆 40">
+              <a:extLst>
+                <a:ext uri="{FF2B5EF4-FFF2-40B4-BE49-F238E27FC236}">
+                  <a16:creationId xmlns:a16="http://schemas.microsoft.com/office/drawing/2014/main" id="{9F07C5EB-9B8F-D64B-B077-0C53F7F56096}"/>
+                </a:ext>
+              </a:extLst>
+            </p:cNvPr>
+            <p:cNvSpPr/>
+            <p:nvPr/>
+          </p:nvSpPr>
+          <p:spPr>
+            <a:xfrm>
+              <a:off x="10010368" y="2973033"/>
+              <a:ext cx="428977" cy="428977"/>
+            </a:xfrm>
+            <a:prstGeom prst="ellipse">
+              <a:avLst/>
+            </a:prstGeom>
+            <a:solidFill>
+              <a:schemeClr val="accent4">
+                <a:lumMod val="75000"/>
+              </a:schemeClr>
+            </a:solidFill>
+            <a:effectLst>
+              <a:outerShdw blurRad="50800" dist="38100" dir="2700000" algn="tl" rotWithShape="0">
+                <a:prstClr val="black">
+                  <a:alpha val="40000"/>
+                </a:prstClr>
+              </a:outerShdw>
+            </a:effectLst>
+          </p:spPr>
+          <p:style>
+            <a:lnRef idx="2">
+              <a:schemeClr val="accent1">
+                <a:shade val="50000"/>
+              </a:schemeClr>
+            </a:lnRef>
+            <a:fillRef idx="1">
+              <a:schemeClr val="accent1"/>
+            </a:fillRef>
+            <a:effectRef idx="0">
+              <a:schemeClr val="accent1"/>
+            </a:effectRef>
+            <a:fontRef idx="minor">
+              <a:schemeClr val="lt1"/>
+            </a:fontRef>
+          </p:style>
+          <p:txBody>
+            <a:bodyPr rtlCol="0" anchor="ctr"/>
+            <a:lstStyle/>
+            <a:p>
+              <a:pPr algn="ctr"/>
+              <a:r>
+                <a:rPr kumimoji="1" lang="en-US" altLang="zh-CN" sz="1400" dirty="0"/>
+                <a:t>1</a:t>
+              </a:r>
+              <a:endParaRPr kumimoji="1" lang="zh-CN" altLang="en-US" sz="1400" dirty="0"/>
+            </a:p>
+          </p:txBody>
+        </p:sp>
+        <p:sp>
+          <p:nvSpPr>
+            <p:cNvPr id="42" name="椭圆 41">
+              <a:extLst>
+                <a:ext uri="{FF2B5EF4-FFF2-40B4-BE49-F238E27FC236}">
+                  <a16:creationId xmlns:a16="http://schemas.microsoft.com/office/drawing/2014/main" id="{A8BE1116-2C66-B64C-A921-A04FB23B28CD}"/>
+                </a:ext>
+              </a:extLst>
+            </p:cNvPr>
+            <p:cNvSpPr/>
+            <p:nvPr/>
+          </p:nvSpPr>
+          <p:spPr>
+            <a:xfrm>
+              <a:off x="10975583" y="2980270"/>
+              <a:ext cx="428977" cy="428977"/>
+            </a:xfrm>
+            <a:prstGeom prst="ellipse">
+              <a:avLst/>
+            </a:prstGeom>
+            <a:solidFill>
+              <a:srgbClr val="92D050"/>
+            </a:solidFill>
+            <a:effectLst>
+              <a:outerShdw blurRad="50800" dist="38100" dir="2700000" algn="tl" rotWithShape="0">
+                <a:prstClr val="black">
+                  <a:alpha val="40000"/>
+                </a:prstClr>
+              </a:outerShdw>
+            </a:effectLst>
+          </p:spPr>
+          <p:style>
+            <a:lnRef idx="2">
+              <a:schemeClr val="accent1">
+                <a:shade val="50000"/>
+              </a:schemeClr>
+            </a:lnRef>
+            <a:fillRef idx="1">
+              <a:schemeClr val="accent1"/>
+            </a:fillRef>
+            <a:effectRef idx="0">
+              <a:schemeClr val="accent1"/>
+            </a:effectRef>
+            <a:fontRef idx="minor">
+              <a:schemeClr val="lt1"/>
+            </a:fontRef>
+          </p:style>
+          <p:txBody>
+            <a:bodyPr rtlCol="0" anchor="ctr"/>
+            <a:lstStyle/>
+            <a:p>
+              <a:pPr algn="ctr"/>
+              <a:r>
+                <a:rPr kumimoji="1" lang="en-US" altLang="zh-CN" sz="1400" dirty="0"/>
+                <a:t>1</a:t>
+              </a:r>
+              <a:endParaRPr kumimoji="1" lang="zh-CN" altLang="en-US" sz="1400" dirty="0"/>
+            </a:p>
+          </p:txBody>
+        </p:sp>
+        <p:sp>
+          <p:nvSpPr>
+            <p:cNvPr id="43" name="椭圆 42">
+              <a:extLst>
+                <a:ext uri="{FF2B5EF4-FFF2-40B4-BE49-F238E27FC236}">
+                  <a16:creationId xmlns:a16="http://schemas.microsoft.com/office/drawing/2014/main" id="{1E35564A-D4B1-7040-AC2D-B2D013689837}"/>
+                </a:ext>
+              </a:extLst>
+            </p:cNvPr>
+            <p:cNvSpPr/>
+            <p:nvPr/>
+          </p:nvSpPr>
+          <p:spPr>
+            <a:xfrm>
+              <a:off x="9547559" y="3781782"/>
+              <a:ext cx="428977" cy="428977"/>
+            </a:xfrm>
+            <a:prstGeom prst="ellipse">
+              <a:avLst/>
+            </a:prstGeom>
+            <a:solidFill>
+              <a:srgbClr val="5B9CD5"/>
+            </a:solidFill>
+            <a:effectLst>
+              <a:outerShdw blurRad="50800" dist="38100" dir="2700000" algn="tl" rotWithShape="0">
+                <a:prstClr val="black">
+                  <a:alpha val="40000"/>
+                </a:prstClr>
+              </a:outerShdw>
+            </a:effectLst>
+          </p:spPr>
+          <p:style>
+            <a:lnRef idx="2">
+              <a:schemeClr val="accent1">
+                <a:shade val="50000"/>
+              </a:schemeClr>
+            </a:lnRef>
+            <a:fillRef idx="1">
+              <a:schemeClr val="accent1"/>
+            </a:fillRef>
+            <a:effectRef idx="0">
+              <a:schemeClr val="accent1"/>
+            </a:effectRef>
+            <a:fontRef idx="minor">
+              <a:schemeClr val="lt1"/>
+            </a:fontRef>
+          </p:style>
+          <p:txBody>
+            <a:bodyPr rtlCol="0" anchor="ctr"/>
+            <a:lstStyle/>
+            <a:p>
+              <a:pPr algn="ctr"/>
+              <a:r>
+                <a:rPr kumimoji="1" lang="en-US" altLang="zh-CN" sz="1400" dirty="0"/>
+                <a:t>2</a:t>
+              </a:r>
+              <a:endParaRPr kumimoji="1" lang="zh-CN" altLang="en-US" sz="1400" dirty="0"/>
+            </a:p>
+          </p:txBody>
+        </p:sp>
+        <p:sp>
+          <p:nvSpPr>
+            <p:cNvPr id="44" name="椭圆 43">
+              <a:extLst>
+                <a:ext uri="{FF2B5EF4-FFF2-40B4-BE49-F238E27FC236}">
+                  <a16:creationId xmlns:a16="http://schemas.microsoft.com/office/drawing/2014/main" id="{18E9E2DC-479C-1142-98F0-AC1CE88AC33A}"/>
+                </a:ext>
+              </a:extLst>
+            </p:cNvPr>
+            <p:cNvSpPr/>
+            <p:nvPr/>
+          </p:nvSpPr>
+          <p:spPr>
+            <a:xfrm>
+              <a:off x="10439345" y="3793067"/>
+              <a:ext cx="428977" cy="428977"/>
+            </a:xfrm>
+            <a:prstGeom prst="ellipse">
+              <a:avLst/>
+            </a:prstGeom>
+            <a:solidFill>
+              <a:srgbClr val="00B050"/>
+            </a:solidFill>
+            <a:effectLst>
+              <a:outerShdw blurRad="50800" dist="38100" dir="2700000" algn="tl" rotWithShape="0">
+                <a:prstClr val="black">
+                  <a:alpha val="40000"/>
+                </a:prstClr>
+              </a:outerShdw>
+            </a:effectLst>
+          </p:spPr>
+          <p:style>
+            <a:lnRef idx="2">
+              <a:schemeClr val="accent1">
+                <a:shade val="50000"/>
+              </a:schemeClr>
+            </a:lnRef>
+            <a:fillRef idx="1">
+              <a:schemeClr val="accent1"/>
+            </a:fillRef>
+            <a:effectRef idx="0">
+              <a:schemeClr val="accent1"/>
+            </a:effectRef>
+            <a:fontRef idx="minor">
+              <a:schemeClr val="lt1"/>
+            </a:fontRef>
+          </p:style>
+          <p:txBody>
+            <a:bodyPr rtlCol="0" anchor="ctr"/>
+            <a:lstStyle/>
+            <a:p>
+              <a:pPr algn="ctr"/>
+              <a:r>
+                <a:rPr kumimoji="1" lang="en-US" altLang="zh-CN" sz="1400" dirty="0"/>
+                <a:t>2</a:t>
+              </a:r>
+              <a:endParaRPr kumimoji="1" lang="zh-CN" altLang="en-US" sz="1400" dirty="0"/>
+            </a:p>
+          </p:txBody>
+        </p:sp>
+        <p:sp>
+          <p:nvSpPr>
+            <p:cNvPr id="45" name="文本框 44">
+              <a:extLst>
+                <a:ext uri="{FF2B5EF4-FFF2-40B4-BE49-F238E27FC236}">
+                  <a16:creationId xmlns:a16="http://schemas.microsoft.com/office/drawing/2014/main" id="{E31F33A1-8A24-9E48-B8E1-A40BFF425281}"/>
+                </a:ext>
+              </a:extLst>
+            </p:cNvPr>
+            <p:cNvSpPr txBox="1"/>
+            <p:nvPr/>
+          </p:nvSpPr>
+          <p:spPr>
+            <a:xfrm>
+              <a:off x="9592695" y="5115460"/>
+              <a:ext cx="1761066" cy="369332"/>
+            </a:xfrm>
+            <a:prstGeom prst="rect">
+              <a:avLst/>
+            </a:prstGeom>
+            <a:noFill/>
+          </p:spPr>
+          <p:txBody>
+            <a:bodyPr wrap="square" rtlCol="0">
+              <a:spAutoFit/>
+            </a:bodyPr>
+            <a:lstStyle/>
+            <a:p>
+              <a:r>
+                <a:rPr kumimoji="1" lang="en-US" altLang="zh-CN" b="1" dirty="0"/>
+                <a:t>Rec</a:t>
+              </a:r>
+              <a:r>
+                <a:rPr kumimoji="1" lang="zh-CN" altLang="en-US" b="1" dirty="0"/>
+                <a:t> </a:t>
+              </a:r>
+              <a:r>
+                <a:rPr kumimoji="1" lang="en-US" altLang="zh-CN" b="1" dirty="0"/>
+                <a:t>List</a:t>
+              </a:r>
+              <a:endParaRPr kumimoji="1" lang="zh-CN" altLang="en-US" b="1" dirty="0"/>
+            </a:p>
+          </p:txBody>
+        </p:sp>
+        <p:sp>
+          <p:nvSpPr>
+            <p:cNvPr id="46" name="文本框 45">
+              <a:extLst>
+                <a:ext uri="{FF2B5EF4-FFF2-40B4-BE49-F238E27FC236}">
+                  <a16:creationId xmlns:a16="http://schemas.microsoft.com/office/drawing/2014/main" id="{CC21A8EA-F65F-994B-B13E-E63232753552}"/>
+                </a:ext>
+              </a:extLst>
+            </p:cNvPr>
+            <p:cNvSpPr txBox="1"/>
+            <p:nvPr/>
+          </p:nvSpPr>
+          <p:spPr>
+            <a:xfrm>
+              <a:off x="1737079" y="5092889"/>
+              <a:ext cx="2983511" cy="369332"/>
+            </a:xfrm>
+            <a:prstGeom prst="rect">
+              <a:avLst/>
+            </a:prstGeom>
+            <a:noFill/>
+          </p:spPr>
+          <p:txBody>
+            <a:bodyPr wrap="square" rtlCol="0">
+              <a:spAutoFit/>
+            </a:bodyPr>
+            <a:lstStyle/>
+            <a:p>
+              <a:r>
+                <a:rPr kumimoji="1" lang="en-US" altLang="zh-CN" b="1" dirty="0"/>
+                <a:t>Watched</a:t>
+              </a:r>
+              <a:r>
+                <a:rPr kumimoji="1" lang="zh-CN" altLang="en-US" b="1" dirty="0"/>
+                <a:t> </a:t>
+              </a:r>
+              <a:r>
+                <a:rPr kumimoji="1" lang="en-US" altLang="zh-CN" b="1" dirty="0"/>
+                <a:t>Item</a:t>
+              </a:r>
+              <a:r>
+                <a:rPr kumimoji="1" lang="zh-CN" altLang="en-US" b="1" dirty="0"/>
+                <a:t> </a:t>
+              </a:r>
+              <a:r>
+                <a:rPr kumimoji="1" lang="en-US" altLang="zh-CN" b="1" dirty="0"/>
+                <a:t>List</a:t>
+              </a:r>
+              <a:endParaRPr kumimoji="1" lang="zh-CN" altLang="en-US" b="1" dirty="0"/>
+            </a:p>
+          </p:txBody>
+        </p:sp>
+      </p:grpSp>
+    </p:spTree>
+    <p:extLst>
+      <p:ext uri="{BB962C8B-B14F-4D97-AF65-F5344CB8AC3E}">
+        <p14:creationId xmlns:p14="http://schemas.microsoft.com/office/powerpoint/2010/main" val="3624524822"/>
       </p:ext>
     </p:extLst>
   </p:cSld>

--- a/pictures.pptx
+++ b/pictures.pptx
@@ -16435,934 +16435,1009 @@
           <a:chExt cx="0" cy="0"/>
         </a:xfrm>
       </p:grpSpPr>
-      <p:cxnSp>
-        <p:nvCxnSpPr>
-          <p:cNvPr id="4" name="直线箭头连接符 3">
+      <p:grpSp>
+        <p:nvGrpSpPr>
+          <p:cNvPr id="27" name="组合 26">
             <a:extLst>
               <a:ext uri="{FF2B5EF4-FFF2-40B4-BE49-F238E27FC236}">
-                <a16:creationId xmlns:a16="http://schemas.microsoft.com/office/drawing/2014/main" id="{2F9B01E2-F5B8-5340-B88F-A88F1A594170}"/>
+                <a16:creationId xmlns:a16="http://schemas.microsoft.com/office/drawing/2014/main" id="{7017C5A2-08F0-F446-AB2D-DCA0D2A7C02D}"/>
               </a:ext>
             </a:extLst>
           </p:cNvPr>
-          <p:cNvCxnSpPr>
-            <a:cxnSpLocks/>
-          </p:cNvCxnSpPr>
+          <p:cNvGrpSpPr/>
           <p:nvPr/>
-        </p:nvCxnSpPr>
-        <p:spPr>
-          <a:xfrm flipV="1">
-            <a:off x="2823965" y="4076527"/>
-            <a:ext cx="2895983" cy="2"/>
+        </p:nvGrpSpPr>
+        <p:grpSpPr>
+          <a:xfrm>
+            <a:off x="2349500" y="1816100"/>
+            <a:ext cx="3663950" cy="2774950"/>
+            <a:chOff x="2349500" y="1816100"/>
+            <a:chExt cx="3663950" cy="2774950"/>
           </a:xfrm>
-          <a:prstGeom prst="straightConnector1">
-            <a:avLst/>
-          </a:prstGeom>
-          <a:ln w="28575">
+        </p:grpSpPr>
+        <p:sp>
+          <p:nvSpPr>
+            <p:cNvPr id="26" name="矩形 25">
+              <a:extLst>
+                <a:ext uri="{FF2B5EF4-FFF2-40B4-BE49-F238E27FC236}">
+                  <a16:creationId xmlns:a16="http://schemas.microsoft.com/office/drawing/2014/main" id="{2D205FEA-A085-C047-AE17-A13928F62C4E}"/>
+                </a:ext>
+              </a:extLst>
+            </p:cNvPr>
+            <p:cNvSpPr/>
+            <p:nvPr/>
+          </p:nvSpPr>
+          <p:spPr>
+            <a:xfrm>
+              <a:off x="2349500" y="1816100"/>
+              <a:ext cx="3663950" cy="2774950"/>
+            </a:xfrm>
+            <a:prstGeom prst="rect">
+              <a:avLst/>
+            </a:prstGeom>
             <a:solidFill>
+              <a:schemeClr val="bg1"/>
+            </a:solidFill>
+            <a:ln>
+              <a:solidFill>
+                <a:schemeClr val="bg1"/>
+              </a:solidFill>
+            </a:ln>
+          </p:spPr>
+          <p:style>
+            <a:lnRef idx="2">
+              <a:schemeClr val="accent1">
+                <a:shade val="50000"/>
+              </a:schemeClr>
+            </a:lnRef>
+            <a:fillRef idx="1">
               <a:schemeClr val="accent1"/>
-            </a:solidFill>
-            <a:tailEnd type="triangle"/>
-          </a:ln>
-        </p:spPr>
-        <p:style>
-          <a:lnRef idx="1">
-            <a:schemeClr val="accent1"/>
-          </a:lnRef>
-          <a:fillRef idx="0">
-            <a:schemeClr val="accent1"/>
-          </a:fillRef>
-          <a:effectRef idx="0">
-            <a:schemeClr val="accent1"/>
-          </a:effectRef>
-          <a:fontRef idx="minor">
-            <a:schemeClr val="tx1"/>
-          </a:fontRef>
-        </p:style>
-      </p:cxnSp>
-      <p:cxnSp>
-        <p:nvCxnSpPr>
-          <p:cNvPr id="5" name="直线箭头连接符 4">
-            <a:extLst>
-              <a:ext uri="{FF2B5EF4-FFF2-40B4-BE49-F238E27FC236}">
-                <a16:creationId xmlns:a16="http://schemas.microsoft.com/office/drawing/2014/main" id="{5AE25C6C-F79A-EC44-B536-70E98B562C2E}"/>
-              </a:ext>
-            </a:extLst>
-          </p:cNvPr>
-          <p:cNvCxnSpPr>
-            <a:cxnSpLocks/>
-          </p:cNvCxnSpPr>
-          <p:nvPr/>
-        </p:nvCxnSpPr>
-        <p:spPr>
-          <a:xfrm flipV="1">
-            <a:off x="2834159" y="2042556"/>
-            <a:ext cx="0" cy="2033975"/>
-          </a:xfrm>
-          <a:prstGeom prst="straightConnector1">
-            <a:avLst/>
-          </a:prstGeom>
-          <a:ln w="28575">
-            <a:solidFill>
+            </a:fillRef>
+            <a:effectRef idx="0">
               <a:schemeClr val="accent1"/>
-            </a:solidFill>
-            <a:tailEnd type="triangle"/>
-          </a:ln>
-        </p:spPr>
-        <p:style>
-          <a:lnRef idx="1">
-            <a:schemeClr val="accent1"/>
-          </a:lnRef>
-          <a:fillRef idx="0">
-            <a:schemeClr val="accent1"/>
-          </a:fillRef>
-          <a:effectRef idx="0">
-            <a:schemeClr val="accent1"/>
-          </a:effectRef>
-          <a:fontRef idx="minor">
-            <a:schemeClr val="tx1"/>
-          </a:fontRef>
-        </p:style>
-      </p:cxnSp>
-      <p:sp>
-        <p:nvSpPr>
-          <p:cNvPr id="6" name="文本框 5">
-            <a:extLst>
-              <a:ext uri="{FF2B5EF4-FFF2-40B4-BE49-F238E27FC236}">
-                <a16:creationId xmlns:a16="http://schemas.microsoft.com/office/drawing/2014/main" id="{8DC165F3-F4A7-EB49-96CA-F66A8E7DBE41}"/>
-              </a:ext>
-            </a:extLst>
-          </p:cNvPr>
-          <p:cNvSpPr txBox="1"/>
-          <p:nvPr/>
-        </p:nvSpPr>
-        <p:spPr>
-          <a:xfrm>
-            <a:off x="5520658" y="4041493"/>
-            <a:ext cx="359229" cy="369332"/>
-          </a:xfrm>
-          <a:prstGeom prst="rect">
-            <a:avLst/>
-          </a:prstGeom>
-          <a:noFill/>
-        </p:spPr>
-        <p:txBody>
-          <a:bodyPr wrap="square" rtlCol="0">
-            <a:spAutoFit/>
-          </a:bodyPr>
-          <a:lstStyle/>
-          <a:p>
-            <a:r>
-              <a:rPr kumimoji="1" lang="en-US" altLang="zh-CN" dirty="0">
+            </a:effectRef>
+            <a:fontRef idx="minor">
+              <a:schemeClr val="lt1"/>
+            </a:fontRef>
+          </p:style>
+          <p:txBody>
+            <a:bodyPr rtlCol="0" anchor="ctr"/>
+            <a:lstStyle/>
+            <a:p>
+              <a:pPr algn="ctr"/>
+              <a:endParaRPr kumimoji="1" lang="zh-CN" altLang="en-US"/>
+            </a:p>
+          </p:txBody>
+        </p:sp>
+        <p:cxnSp>
+          <p:nvCxnSpPr>
+            <p:cNvPr id="4" name="直线箭头连接符 3">
+              <a:extLst>
+                <a:ext uri="{FF2B5EF4-FFF2-40B4-BE49-F238E27FC236}">
+                  <a16:creationId xmlns:a16="http://schemas.microsoft.com/office/drawing/2014/main" id="{2F9B01E2-F5B8-5340-B88F-A88F1A594170}"/>
+                </a:ext>
+              </a:extLst>
+            </p:cNvPr>
+            <p:cNvCxnSpPr>
+              <a:cxnSpLocks/>
+            </p:cNvCxnSpPr>
+            <p:nvPr/>
+          </p:nvCxnSpPr>
+          <p:spPr>
+            <a:xfrm flipV="1">
+              <a:off x="2823965" y="4076527"/>
+              <a:ext cx="2895983" cy="2"/>
+            </a:xfrm>
+            <a:prstGeom prst="straightConnector1">
+              <a:avLst/>
+            </a:prstGeom>
+            <a:ln w="28575">
+              <a:solidFill>
+                <a:schemeClr val="accent1"/>
+              </a:solidFill>
+              <a:tailEnd type="triangle"/>
+            </a:ln>
+          </p:spPr>
+          <p:style>
+            <a:lnRef idx="1">
+              <a:schemeClr val="accent1"/>
+            </a:lnRef>
+            <a:fillRef idx="0">
+              <a:schemeClr val="accent1"/>
+            </a:fillRef>
+            <a:effectRef idx="0">
+              <a:schemeClr val="accent1"/>
+            </a:effectRef>
+            <a:fontRef idx="minor">
+              <a:schemeClr val="tx1"/>
+            </a:fontRef>
+          </p:style>
+        </p:cxnSp>
+        <p:cxnSp>
+          <p:nvCxnSpPr>
+            <p:cNvPr id="5" name="直线箭头连接符 4">
+              <a:extLst>
+                <a:ext uri="{FF2B5EF4-FFF2-40B4-BE49-F238E27FC236}">
+                  <a16:creationId xmlns:a16="http://schemas.microsoft.com/office/drawing/2014/main" id="{5AE25C6C-F79A-EC44-B536-70E98B562C2E}"/>
+                </a:ext>
+              </a:extLst>
+            </p:cNvPr>
+            <p:cNvCxnSpPr>
+              <a:cxnSpLocks/>
+            </p:cNvCxnSpPr>
+            <p:nvPr/>
+          </p:nvCxnSpPr>
+          <p:spPr>
+            <a:xfrm flipV="1">
+              <a:off x="2834159" y="2042556"/>
+              <a:ext cx="0" cy="2033975"/>
+            </a:xfrm>
+            <a:prstGeom prst="straightConnector1">
+              <a:avLst/>
+            </a:prstGeom>
+            <a:ln w="28575">
+              <a:solidFill>
+                <a:schemeClr val="accent1"/>
+              </a:solidFill>
+              <a:tailEnd type="triangle"/>
+            </a:ln>
+          </p:spPr>
+          <p:style>
+            <a:lnRef idx="1">
+              <a:schemeClr val="accent1"/>
+            </a:lnRef>
+            <a:fillRef idx="0">
+              <a:schemeClr val="accent1"/>
+            </a:fillRef>
+            <a:effectRef idx="0">
+              <a:schemeClr val="accent1"/>
+            </a:effectRef>
+            <a:fontRef idx="minor">
+              <a:schemeClr val="tx1"/>
+            </a:fontRef>
+          </p:style>
+        </p:cxnSp>
+        <p:sp>
+          <p:nvSpPr>
+            <p:cNvPr id="6" name="文本框 5">
+              <a:extLst>
+                <a:ext uri="{FF2B5EF4-FFF2-40B4-BE49-F238E27FC236}">
+                  <a16:creationId xmlns:a16="http://schemas.microsoft.com/office/drawing/2014/main" id="{8DC165F3-F4A7-EB49-96CA-F66A8E7DBE41}"/>
+                </a:ext>
+              </a:extLst>
+            </p:cNvPr>
+            <p:cNvSpPr txBox="1"/>
+            <p:nvPr/>
+          </p:nvSpPr>
+          <p:spPr>
+            <a:xfrm>
+              <a:off x="5520658" y="4041493"/>
+              <a:ext cx="359229" cy="369332"/>
+            </a:xfrm>
+            <a:prstGeom prst="rect">
+              <a:avLst/>
+            </a:prstGeom>
+            <a:noFill/>
+          </p:spPr>
+          <p:txBody>
+            <a:bodyPr wrap="square" rtlCol="0">
+              <a:spAutoFit/>
+            </a:bodyPr>
+            <a:lstStyle/>
+            <a:p>
+              <a:r>
+                <a:rPr kumimoji="1" lang="en-US" altLang="zh-CN" dirty="0">
+                  <a:latin typeface="Times New Roman" panose="02020603050405020304" pitchFamily="18" charset="0"/>
+                  <a:cs typeface="Times New Roman" panose="02020603050405020304" pitchFamily="18" charset="0"/>
+                </a:rPr>
+                <a:t>x</a:t>
+              </a:r>
+              <a:endParaRPr kumimoji="1" lang="zh-CN" altLang="en-US" dirty="0">
                 <a:latin typeface="Times New Roman" panose="02020603050405020304" pitchFamily="18" charset="0"/>
                 <a:cs typeface="Times New Roman" panose="02020603050405020304" pitchFamily="18" charset="0"/>
-              </a:rPr>
-              <a:t>x</a:t>
-            </a:r>
-            <a:endParaRPr kumimoji="1" lang="zh-CN" altLang="en-US" dirty="0">
-              <a:latin typeface="Times New Roman" panose="02020603050405020304" pitchFamily="18" charset="0"/>
-              <a:cs typeface="Times New Roman" panose="02020603050405020304" pitchFamily="18" charset="0"/>
-            </a:endParaRPr>
-          </a:p>
-        </p:txBody>
-      </p:sp>
-      <p:sp>
-        <p:nvSpPr>
-          <p:cNvPr id="7" name="文本框 6">
-            <a:extLst>
-              <a:ext uri="{FF2B5EF4-FFF2-40B4-BE49-F238E27FC236}">
-                <a16:creationId xmlns:a16="http://schemas.microsoft.com/office/drawing/2014/main" id="{AD61C8FA-B28E-034D-A193-E904DF56B931}"/>
-              </a:ext>
-            </a:extLst>
-          </p:cNvPr>
-          <p:cNvSpPr txBox="1"/>
-          <p:nvPr/>
-        </p:nvSpPr>
-        <p:spPr>
-          <a:xfrm>
-            <a:off x="2485125" y="1903454"/>
-            <a:ext cx="359229" cy="369332"/>
-          </a:xfrm>
-          <a:prstGeom prst="rect">
-            <a:avLst/>
-          </a:prstGeom>
-          <a:noFill/>
-        </p:spPr>
-        <p:txBody>
-          <a:bodyPr wrap="square" rtlCol="0">
-            <a:spAutoFit/>
-          </a:bodyPr>
-          <a:lstStyle/>
-          <a:p>
-            <a:r>
-              <a:rPr kumimoji="1" lang="en-US" altLang="zh-CN" dirty="0">
+              </a:endParaRPr>
+            </a:p>
+          </p:txBody>
+        </p:sp>
+        <p:sp>
+          <p:nvSpPr>
+            <p:cNvPr id="7" name="文本框 6">
+              <a:extLst>
+                <a:ext uri="{FF2B5EF4-FFF2-40B4-BE49-F238E27FC236}">
+                  <a16:creationId xmlns:a16="http://schemas.microsoft.com/office/drawing/2014/main" id="{AD61C8FA-B28E-034D-A193-E904DF56B931}"/>
+                </a:ext>
+              </a:extLst>
+            </p:cNvPr>
+            <p:cNvSpPr txBox="1"/>
+            <p:nvPr/>
+          </p:nvSpPr>
+          <p:spPr>
+            <a:xfrm>
+              <a:off x="2485125" y="1903454"/>
+              <a:ext cx="359229" cy="369332"/>
+            </a:xfrm>
+            <a:prstGeom prst="rect">
+              <a:avLst/>
+            </a:prstGeom>
+            <a:noFill/>
+          </p:spPr>
+          <p:txBody>
+            <a:bodyPr wrap="square" rtlCol="0">
+              <a:spAutoFit/>
+            </a:bodyPr>
+            <a:lstStyle/>
+            <a:p>
+              <a:r>
+                <a:rPr kumimoji="1" lang="en-US" altLang="zh-CN" dirty="0">
+                  <a:latin typeface="Times New Roman" panose="02020603050405020304" pitchFamily="18" charset="0"/>
+                  <a:cs typeface="Times New Roman" panose="02020603050405020304" pitchFamily="18" charset="0"/>
+                </a:rPr>
+                <a:t>y</a:t>
+              </a:r>
+              <a:endParaRPr kumimoji="1" lang="zh-CN" altLang="en-US" dirty="0">
                 <a:latin typeface="Times New Roman" panose="02020603050405020304" pitchFamily="18" charset="0"/>
                 <a:cs typeface="Times New Roman" panose="02020603050405020304" pitchFamily="18" charset="0"/>
-              </a:rPr>
-              <a:t>y</a:t>
-            </a:r>
-            <a:endParaRPr kumimoji="1" lang="zh-CN" altLang="en-US" dirty="0">
-              <a:latin typeface="Times New Roman" panose="02020603050405020304" pitchFamily="18" charset="0"/>
-              <a:cs typeface="Times New Roman" panose="02020603050405020304" pitchFamily="18" charset="0"/>
-            </a:endParaRPr>
-          </a:p>
-        </p:txBody>
-      </p:sp>
-      <p:sp>
-        <p:nvSpPr>
-          <p:cNvPr id="8" name="矩形 7">
-            <a:extLst>
-              <a:ext uri="{FF2B5EF4-FFF2-40B4-BE49-F238E27FC236}">
-                <a16:creationId xmlns:a16="http://schemas.microsoft.com/office/drawing/2014/main" id="{83A752CD-612D-B548-B183-E2FE95A9632C}"/>
-              </a:ext>
-            </a:extLst>
-          </p:cNvPr>
-          <p:cNvSpPr/>
-          <p:nvPr/>
-        </p:nvSpPr>
-        <p:spPr>
-          <a:xfrm>
-            <a:off x="2844354" y="2457450"/>
-            <a:ext cx="365760" cy="1619078"/>
-          </a:xfrm>
-          <a:prstGeom prst="rect">
-            <a:avLst/>
-          </a:prstGeom>
-          <a:ln w="28575">
-            <a:solidFill>
-              <a:schemeClr val="tx1"/>
-            </a:solidFill>
-          </a:ln>
-        </p:spPr>
-        <p:style>
-          <a:lnRef idx="2">
-            <a:schemeClr val="accent1">
-              <a:shade val="50000"/>
-            </a:schemeClr>
-          </a:lnRef>
-          <a:fillRef idx="1">
-            <a:schemeClr val="accent1"/>
-          </a:fillRef>
-          <a:effectRef idx="0">
-            <a:schemeClr val="accent1"/>
-          </a:effectRef>
-          <a:fontRef idx="minor">
-            <a:schemeClr val="lt1"/>
-          </a:fontRef>
-        </p:style>
-        <p:txBody>
-          <a:bodyPr rtlCol="0" anchor="ctr"/>
-          <a:lstStyle/>
-          <a:p>
-            <a:pPr algn="ctr"/>
-            <a:endParaRPr kumimoji="1" lang="zh-CN" altLang="en-US"/>
-          </a:p>
-        </p:txBody>
-      </p:sp>
-      <p:sp>
-        <p:nvSpPr>
-          <p:cNvPr id="9" name="矩形 8">
-            <a:extLst>
-              <a:ext uri="{FF2B5EF4-FFF2-40B4-BE49-F238E27FC236}">
-                <a16:creationId xmlns:a16="http://schemas.microsoft.com/office/drawing/2014/main" id="{38B462AE-3103-D844-BEA6-C6CD7B6F012B}"/>
-              </a:ext>
-            </a:extLst>
-          </p:cNvPr>
-          <p:cNvSpPr/>
-          <p:nvPr/>
-        </p:nvSpPr>
-        <p:spPr>
-          <a:xfrm>
-            <a:off x="3213297" y="2936630"/>
-            <a:ext cx="365760" cy="1139897"/>
-          </a:xfrm>
-          <a:prstGeom prst="rect">
-            <a:avLst/>
-          </a:prstGeom>
-          <a:ln w="28575">
-            <a:solidFill>
-              <a:schemeClr val="tx1"/>
-            </a:solidFill>
-          </a:ln>
-        </p:spPr>
-        <p:style>
-          <a:lnRef idx="2">
-            <a:schemeClr val="accent1">
-              <a:shade val="50000"/>
-            </a:schemeClr>
-          </a:lnRef>
-          <a:fillRef idx="1">
-            <a:schemeClr val="accent1"/>
-          </a:fillRef>
-          <a:effectRef idx="0">
-            <a:schemeClr val="accent1"/>
-          </a:effectRef>
-          <a:fontRef idx="minor">
-            <a:schemeClr val="lt1"/>
-          </a:fontRef>
-        </p:style>
-        <p:txBody>
-          <a:bodyPr rtlCol="0" anchor="ctr"/>
-          <a:lstStyle/>
-          <a:p>
-            <a:pPr algn="ctr"/>
-            <a:endParaRPr kumimoji="1" lang="zh-CN" altLang="en-US"/>
-          </a:p>
-        </p:txBody>
-      </p:sp>
-      <p:sp>
-        <p:nvSpPr>
-          <p:cNvPr id="10" name="矩形 9">
-            <a:extLst>
-              <a:ext uri="{FF2B5EF4-FFF2-40B4-BE49-F238E27FC236}">
-                <a16:creationId xmlns:a16="http://schemas.microsoft.com/office/drawing/2014/main" id="{6BA1378B-1180-404D-A9A7-40D52406EB8E}"/>
-              </a:ext>
-            </a:extLst>
-          </p:cNvPr>
-          <p:cNvSpPr/>
-          <p:nvPr/>
-        </p:nvSpPr>
-        <p:spPr>
-          <a:xfrm>
-            <a:off x="3579057" y="3622431"/>
-            <a:ext cx="365760" cy="454096"/>
-          </a:xfrm>
-          <a:prstGeom prst="rect">
-            <a:avLst/>
-          </a:prstGeom>
-          <a:ln w="28575">
-            <a:solidFill>
-              <a:schemeClr val="tx1"/>
-            </a:solidFill>
-          </a:ln>
-        </p:spPr>
-        <p:style>
-          <a:lnRef idx="2">
-            <a:schemeClr val="accent1">
-              <a:shade val="50000"/>
-            </a:schemeClr>
-          </a:lnRef>
-          <a:fillRef idx="1">
-            <a:schemeClr val="accent1"/>
-          </a:fillRef>
-          <a:effectRef idx="0">
-            <a:schemeClr val="accent1"/>
-          </a:effectRef>
-          <a:fontRef idx="minor">
-            <a:schemeClr val="lt1"/>
-          </a:fontRef>
-        </p:style>
-        <p:txBody>
-          <a:bodyPr rtlCol="0" anchor="ctr"/>
-          <a:lstStyle/>
-          <a:p>
-            <a:pPr algn="ctr"/>
-            <a:endParaRPr kumimoji="1" lang="zh-CN" altLang="en-US"/>
-          </a:p>
-        </p:txBody>
-      </p:sp>
-      <p:sp>
-        <p:nvSpPr>
-          <p:cNvPr id="11" name="矩形 10">
-            <a:extLst>
-              <a:ext uri="{FF2B5EF4-FFF2-40B4-BE49-F238E27FC236}">
-                <a16:creationId xmlns:a16="http://schemas.microsoft.com/office/drawing/2014/main" id="{4359081E-023F-DF42-9F93-4D9EF98AA225}"/>
-              </a:ext>
-            </a:extLst>
-          </p:cNvPr>
-          <p:cNvSpPr/>
-          <p:nvPr/>
-        </p:nvSpPr>
-        <p:spPr>
-          <a:xfrm>
-            <a:off x="3944817" y="3859823"/>
-            <a:ext cx="365760" cy="216704"/>
-          </a:xfrm>
-          <a:prstGeom prst="rect">
-            <a:avLst/>
-          </a:prstGeom>
-          <a:ln w="28575">
-            <a:solidFill>
-              <a:schemeClr val="tx1"/>
-            </a:solidFill>
-          </a:ln>
-        </p:spPr>
-        <p:style>
-          <a:lnRef idx="2">
-            <a:schemeClr val="accent1">
-              <a:shade val="50000"/>
-            </a:schemeClr>
-          </a:lnRef>
-          <a:fillRef idx="1">
-            <a:schemeClr val="accent1"/>
-          </a:fillRef>
-          <a:effectRef idx="0">
-            <a:schemeClr val="accent1"/>
-          </a:effectRef>
-          <a:fontRef idx="minor">
-            <a:schemeClr val="lt1"/>
-          </a:fontRef>
-        </p:style>
-        <p:txBody>
-          <a:bodyPr rtlCol="0" anchor="ctr"/>
-          <a:lstStyle/>
-          <a:p>
-            <a:pPr algn="ctr"/>
-            <a:endParaRPr kumimoji="1" lang="zh-CN" altLang="en-US"/>
-          </a:p>
-        </p:txBody>
-      </p:sp>
-      <p:sp>
-        <p:nvSpPr>
-          <p:cNvPr id="12" name="矩形 11">
-            <a:extLst>
-              <a:ext uri="{FF2B5EF4-FFF2-40B4-BE49-F238E27FC236}">
-                <a16:creationId xmlns:a16="http://schemas.microsoft.com/office/drawing/2014/main" id="{548C2AF0-73E3-B84E-8F0A-6D4FFE6F4C39}"/>
-              </a:ext>
-            </a:extLst>
-          </p:cNvPr>
-          <p:cNvSpPr/>
-          <p:nvPr/>
-        </p:nvSpPr>
-        <p:spPr>
-          <a:xfrm>
-            <a:off x="4306138" y="2637693"/>
-            <a:ext cx="365760" cy="1438834"/>
-          </a:xfrm>
-          <a:prstGeom prst="rect">
-            <a:avLst/>
-          </a:prstGeom>
-          <a:ln w="28575">
-            <a:solidFill>
-              <a:schemeClr val="tx1"/>
-            </a:solidFill>
-          </a:ln>
-        </p:spPr>
-        <p:style>
-          <a:lnRef idx="2">
-            <a:schemeClr val="accent1">
-              <a:shade val="50000"/>
-            </a:schemeClr>
-          </a:lnRef>
-          <a:fillRef idx="1">
-            <a:schemeClr val="accent1"/>
-          </a:fillRef>
-          <a:effectRef idx="0">
-            <a:schemeClr val="accent1"/>
-          </a:effectRef>
-          <a:fontRef idx="minor">
-            <a:schemeClr val="lt1"/>
-          </a:fontRef>
-        </p:style>
-        <p:txBody>
-          <a:bodyPr rtlCol="0" anchor="ctr"/>
-          <a:lstStyle/>
-          <a:p>
-            <a:pPr algn="ctr"/>
-            <a:endParaRPr kumimoji="1" lang="zh-CN" altLang="en-US"/>
-          </a:p>
-        </p:txBody>
-      </p:sp>
-      <p:sp>
-        <p:nvSpPr>
-          <p:cNvPr id="13" name="矩形 12">
-            <a:extLst>
-              <a:ext uri="{FF2B5EF4-FFF2-40B4-BE49-F238E27FC236}">
-                <a16:creationId xmlns:a16="http://schemas.microsoft.com/office/drawing/2014/main" id="{5C12DD9B-6640-8546-A970-E100A5A77D27}"/>
-              </a:ext>
-            </a:extLst>
-          </p:cNvPr>
-          <p:cNvSpPr/>
-          <p:nvPr/>
-        </p:nvSpPr>
-        <p:spPr>
-          <a:xfrm>
-            <a:off x="3977359" y="3622431"/>
-            <a:ext cx="296237" cy="205650"/>
-          </a:xfrm>
-          <a:prstGeom prst="rect">
-            <a:avLst/>
-          </a:prstGeom>
-          <a:solidFill>
-            <a:schemeClr val="accent2"/>
-          </a:solidFill>
-          <a:ln w="28575">
+              </a:endParaRPr>
+            </a:p>
+          </p:txBody>
+        </p:sp>
+        <p:sp>
+          <p:nvSpPr>
+            <p:cNvPr id="8" name="矩形 7">
+              <a:extLst>
+                <a:ext uri="{FF2B5EF4-FFF2-40B4-BE49-F238E27FC236}">
+                  <a16:creationId xmlns:a16="http://schemas.microsoft.com/office/drawing/2014/main" id="{83A752CD-612D-B548-B183-E2FE95A9632C}"/>
+                </a:ext>
+              </a:extLst>
+            </p:cNvPr>
+            <p:cNvSpPr/>
+            <p:nvPr/>
+          </p:nvSpPr>
+          <p:spPr>
+            <a:xfrm>
+              <a:off x="2844354" y="2457450"/>
+              <a:ext cx="365760" cy="1619078"/>
+            </a:xfrm>
+            <a:prstGeom prst="rect">
+              <a:avLst/>
+            </a:prstGeom>
+            <a:ln w="28575">
+              <a:solidFill>
+                <a:schemeClr val="tx1"/>
+              </a:solidFill>
+            </a:ln>
+          </p:spPr>
+          <p:style>
+            <a:lnRef idx="2">
+              <a:schemeClr val="accent1">
+                <a:shade val="50000"/>
+              </a:schemeClr>
+            </a:lnRef>
+            <a:fillRef idx="1">
+              <a:schemeClr val="accent1"/>
+            </a:fillRef>
+            <a:effectRef idx="0">
+              <a:schemeClr val="accent1"/>
+            </a:effectRef>
+            <a:fontRef idx="minor">
+              <a:schemeClr val="lt1"/>
+            </a:fontRef>
+          </p:style>
+          <p:txBody>
+            <a:bodyPr rtlCol="0" anchor="ctr"/>
+            <a:lstStyle/>
+            <a:p>
+              <a:pPr algn="ctr"/>
+              <a:endParaRPr kumimoji="1" lang="zh-CN" altLang="en-US"/>
+            </a:p>
+          </p:txBody>
+        </p:sp>
+        <p:sp>
+          <p:nvSpPr>
+            <p:cNvPr id="9" name="矩形 8">
+              <a:extLst>
+                <a:ext uri="{FF2B5EF4-FFF2-40B4-BE49-F238E27FC236}">
+                  <a16:creationId xmlns:a16="http://schemas.microsoft.com/office/drawing/2014/main" id="{38B462AE-3103-D844-BEA6-C6CD7B6F012B}"/>
+                </a:ext>
+              </a:extLst>
+            </p:cNvPr>
+            <p:cNvSpPr/>
+            <p:nvPr/>
+          </p:nvSpPr>
+          <p:spPr>
+            <a:xfrm>
+              <a:off x="3213297" y="2936630"/>
+              <a:ext cx="365760" cy="1139897"/>
+            </a:xfrm>
+            <a:prstGeom prst="rect">
+              <a:avLst/>
+            </a:prstGeom>
+            <a:ln w="28575">
+              <a:solidFill>
+                <a:schemeClr val="tx1"/>
+              </a:solidFill>
+            </a:ln>
+          </p:spPr>
+          <p:style>
+            <a:lnRef idx="2">
+              <a:schemeClr val="accent1">
+                <a:shade val="50000"/>
+              </a:schemeClr>
+            </a:lnRef>
+            <a:fillRef idx="1">
+              <a:schemeClr val="accent1"/>
+            </a:fillRef>
+            <a:effectRef idx="0">
+              <a:schemeClr val="accent1"/>
+            </a:effectRef>
+            <a:fontRef idx="minor">
+              <a:schemeClr val="lt1"/>
+            </a:fontRef>
+          </p:style>
+          <p:txBody>
+            <a:bodyPr rtlCol="0" anchor="ctr"/>
+            <a:lstStyle/>
+            <a:p>
+              <a:pPr algn="ctr"/>
+              <a:endParaRPr kumimoji="1" lang="zh-CN" altLang="en-US"/>
+            </a:p>
+          </p:txBody>
+        </p:sp>
+        <p:sp>
+          <p:nvSpPr>
+            <p:cNvPr id="10" name="矩形 9">
+              <a:extLst>
+                <a:ext uri="{FF2B5EF4-FFF2-40B4-BE49-F238E27FC236}">
+                  <a16:creationId xmlns:a16="http://schemas.microsoft.com/office/drawing/2014/main" id="{6BA1378B-1180-404D-A9A7-40D52406EB8E}"/>
+                </a:ext>
+              </a:extLst>
+            </p:cNvPr>
+            <p:cNvSpPr/>
+            <p:nvPr/>
+          </p:nvSpPr>
+          <p:spPr>
+            <a:xfrm>
+              <a:off x="3579057" y="3622431"/>
+              <a:ext cx="365760" cy="454096"/>
+            </a:xfrm>
+            <a:prstGeom prst="rect">
+              <a:avLst/>
+            </a:prstGeom>
+            <a:ln w="28575">
+              <a:solidFill>
+                <a:schemeClr val="tx1"/>
+              </a:solidFill>
+            </a:ln>
+          </p:spPr>
+          <p:style>
+            <a:lnRef idx="2">
+              <a:schemeClr val="accent1">
+                <a:shade val="50000"/>
+              </a:schemeClr>
+            </a:lnRef>
+            <a:fillRef idx="1">
+              <a:schemeClr val="accent1"/>
+            </a:fillRef>
+            <a:effectRef idx="0">
+              <a:schemeClr val="accent1"/>
+            </a:effectRef>
+            <a:fontRef idx="minor">
+              <a:schemeClr val="lt1"/>
+            </a:fontRef>
+          </p:style>
+          <p:txBody>
+            <a:bodyPr rtlCol="0" anchor="ctr"/>
+            <a:lstStyle/>
+            <a:p>
+              <a:pPr algn="ctr"/>
+              <a:endParaRPr kumimoji="1" lang="zh-CN" altLang="en-US"/>
+            </a:p>
+          </p:txBody>
+        </p:sp>
+        <p:sp>
+          <p:nvSpPr>
+            <p:cNvPr id="11" name="矩形 10">
+              <a:extLst>
+                <a:ext uri="{FF2B5EF4-FFF2-40B4-BE49-F238E27FC236}">
+                  <a16:creationId xmlns:a16="http://schemas.microsoft.com/office/drawing/2014/main" id="{4359081E-023F-DF42-9F93-4D9EF98AA225}"/>
+                </a:ext>
+              </a:extLst>
+            </p:cNvPr>
+            <p:cNvSpPr/>
+            <p:nvPr/>
+          </p:nvSpPr>
+          <p:spPr>
+            <a:xfrm>
+              <a:off x="3944817" y="3859823"/>
+              <a:ext cx="365760" cy="216704"/>
+            </a:xfrm>
+            <a:prstGeom prst="rect">
+              <a:avLst/>
+            </a:prstGeom>
+            <a:ln w="28575">
+              <a:solidFill>
+                <a:schemeClr val="tx1"/>
+              </a:solidFill>
+            </a:ln>
+          </p:spPr>
+          <p:style>
+            <a:lnRef idx="2">
+              <a:schemeClr val="accent1">
+                <a:shade val="50000"/>
+              </a:schemeClr>
+            </a:lnRef>
+            <a:fillRef idx="1">
+              <a:schemeClr val="accent1"/>
+            </a:fillRef>
+            <a:effectRef idx="0">
+              <a:schemeClr val="accent1"/>
+            </a:effectRef>
+            <a:fontRef idx="minor">
+              <a:schemeClr val="lt1"/>
+            </a:fontRef>
+          </p:style>
+          <p:txBody>
+            <a:bodyPr rtlCol="0" anchor="ctr"/>
+            <a:lstStyle/>
+            <a:p>
+              <a:pPr algn="ctr"/>
+              <a:endParaRPr kumimoji="1" lang="zh-CN" altLang="en-US"/>
+            </a:p>
+          </p:txBody>
+        </p:sp>
+        <p:sp>
+          <p:nvSpPr>
+            <p:cNvPr id="12" name="矩形 11">
+              <a:extLst>
+                <a:ext uri="{FF2B5EF4-FFF2-40B4-BE49-F238E27FC236}">
+                  <a16:creationId xmlns:a16="http://schemas.microsoft.com/office/drawing/2014/main" id="{548C2AF0-73E3-B84E-8F0A-6D4FFE6F4C39}"/>
+                </a:ext>
+              </a:extLst>
+            </p:cNvPr>
+            <p:cNvSpPr/>
+            <p:nvPr/>
+          </p:nvSpPr>
+          <p:spPr>
+            <a:xfrm>
+              <a:off x="4306138" y="2637693"/>
+              <a:ext cx="365760" cy="1438834"/>
+            </a:xfrm>
+            <a:prstGeom prst="rect">
+              <a:avLst/>
+            </a:prstGeom>
+            <a:ln w="28575">
+              <a:solidFill>
+                <a:schemeClr val="tx1"/>
+              </a:solidFill>
+            </a:ln>
+          </p:spPr>
+          <p:style>
+            <a:lnRef idx="2">
+              <a:schemeClr val="accent1">
+                <a:shade val="50000"/>
+              </a:schemeClr>
+            </a:lnRef>
+            <a:fillRef idx="1">
+              <a:schemeClr val="accent1"/>
+            </a:fillRef>
+            <a:effectRef idx="0">
+              <a:schemeClr val="accent1"/>
+            </a:effectRef>
+            <a:fontRef idx="minor">
+              <a:schemeClr val="lt1"/>
+            </a:fontRef>
+          </p:style>
+          <p:txBody>
+            <a:bodyPr rtlCol="0" anchor="ctr"/>
+            <a:lstStyle/>
+            <a:p>
+              <a:pPr algn="ctr"/>
+              <a:endParaRPr kumimoji="1" lang="zh-CN" altLang="en-US"/>
+            </a:p>
+          </p:txBody>
+        </p:sp>
+        <p:sp>
+          <p:nvSpPr>
+            <p:cNvPr id="13" name="矩形 12">
+              <a:extLst>
+                <a:ext uri="{FF2B5EF4-FFF2-40B4-BE49-F238E27FC236}">
+                  <a16:creationId xmlns:a16="http://schemas.microsoft.com/office/drawing/2014/main" id="{5C12DD9B-6640-8546-A970-E100A5A77D27}"/>
+                </a:ext>
+              </a:extLst>
+            </p:cNvPr>
+            <p:cNvSpPr/>
+            <p:nvPr/>
+          </p:nvSpPr>
+          <p:spPr>
+            <a:xfrm>
+              <a:off x="3977359" y="3622431"/>
+              <a:ext cx="296237" cy="205650"/>
+            </a:xfrm>
+            <a:prstGeom prst="rect">
+              <a:avLst/>
+            </a:prstGeom>
             <a:solidFill>
               <a:schemeClr val="accent2"/>
             </a:solidFill>
-          </a:ln>
-        </p:spPr>
-        <p:style>
-          <a:lnRef idx="2">
-            <a:schemeClr val="accent1">
-              <a:shade val="50000"/>
-            </a:schemeClr>
-          </a:lnRef>
-          <a:fillRef idx="1">
-            <a:schemeClr val="accent1"/>
-          </a:fillRef>
-          <a:effectRef idx="0">
-            <a:schemeClr val="accent1"/>
-          </a:effectRef>
-          <a:fontRef idx="minor">
-            <a:schemeClr val="lt1"/>
-          </a:fontRef>
-        </p:style>
-        <p:txBody>
-          <a:bodyPr rtlCol="0" anchor="ctr"/>
-          <a:lstStyle/>
-          <a:p>
-            <a:pPr algn="ctr"/>
-            <a:endParaRPr kumimoji="1" lang="zh-CN" altLang="en-US"/>
-          </a:p>
-        </p:txBody>
-      </p:sp>
-      <p:sp>
-        <p:nvSpPr>
-          <p:cNvPr id="14" name="矩形 13">
-            <a:extLst>
-              <a:ext uri="{FF2B5EF4-FFF2-40B4-BE49-F238E27FC236}">
-                <a16:creationId xmlns:a16="http://schemas.microsoft.com/office/drawing/2014/main" id="{6EE6A077-A662-B74A-8ED0-F135EAC7684D}"/>
-              </a:ext>
-            </a:extLst>
-          </p:cNvPr>
-          <p:cNvSpPr/>
-          <p:nvPr/>
-        </p:nvSpPr>
-        <p:spPr>
-          <a:xfrm>
-            <a:off x="3609860" y="2936630"/>
-            <a:ext cx="663736" cy="653836"/>
-          </a:xfrm>
-          <a:prstGeom prst="rect">
-            <a:avLst/>
-          </a:prstGeom>
-          <a:solidFill>
-            <a:srgbClr val="92D050"/>
-          </a:solidFill>
-          <a:ln w="28575">
+            <a:ln w="28575">
+              <a:solidFill>
+                <a:schemeClr val="accent2"/>
+              </a:solidFill>
+            </a:ln>
+          </p:spPr>
+          <p:style>
+            <a:lnRef idx="2">
+              <a:schemeClr val="accent1">
+                <a:shade val="50000"/>
+              </a:schemeClr>
+            </a:lnRef>
+            <a:fillRef idx="1">
+              <a:schemeClr val="accent1"/>
+            </a:fillRef>
+            <a:effectRef idx="0">
+              <a:schemeClr val="accent1"/>
+            </a:effectRef>
+            <a:fontRef idx="minor">
+              <a:schemeClr val="lt1"/>
+            </a:fontRef>
+          </p:style>
+          <p:txBody>
+            <a:bodyPr rtlCol="0" anchor="ctr"/>
+            <a:lstStyle/>
+            <a:p>
+              <a:pPr algn="ctr"/>
+              <a:endParaRPr kumimoji="1" lang="zh-CN" altLang="en-US"/>
+            </a:p>
+          </p:txBody>
+        </p:sp>
+        <p:sp>
+          <p:nvSpPr>
+            <p:cNvPr id="14" name="矩形 13">
+              <a:extLst>
+                <a:ext uri="{FF2B5EF4-FFF2-40B4-BE49-F238E27FC236}">
+                  <a16:creationId xmlns:a16="http://schemas.microsoft.com/office/drawing/2014/main" id="{6EE6A077-A662-B74A-8ED0-F135EAC7684D}"/>
+                </a:ext>
+              </a:extLst>
+            </p:cNvPr>
+            <p:cNvSpPr/>
+            <p:nvPr/>
+          </p:nvSpPr>
+          <p:spPr>
+            <a:xfrm>
+              <a:off x="3609860" y="2936630"/>
+              <a:ext cx="663736" cy="653836"/>
+            </a:xfrm>
+            <a:prstGeom prst="rect">
+              <a:avLst/>
+            </a:prstGeom>
             <a:solidFill>
               <a:srgbClr val="92D050"/>
             </a:solidFill>
-          </a:ln>
-        </p:spPr>
-        <p:style>
-          <a:lnRef idx="2">
-            <a:schemeClr val="accent1">
-              <a:shade val="50000"/>
-            </a:schemeClr>
-          </a:lnRef>
-          <a:fillRef idx="1">
-            <a:schemeClr val="accent1"/>
-          </a:fillRef>
-          <a:effectRef idx="0">
-            <a:schemeClr val="accent1"/>
-          </a:effectRef>
-          <a:fontRef idx="minor">
-            <a:schemeClr val="lt1"/>
-          </a:fontRef>
-        </p:style>
-        <p:txBody>
-          <a:bodyPr rtlCol="0" anchor="ctr"/>
-          <a:lstStyle/>
-          <a:p>
-            <a:pPr algn="ctr"/>
-            <a:endParaRPr kumimoji="1" lang="zh-CN" altLang="en-US"/>
-          </a:p>
-        </p:txBody>
-      </p:sp>
-      <p:sp>
-        <p:nvSpPr>
-          <p:cNvPr id="15" name="矩形 14">
-            <a:extLst>
-              <a:ext uri="{FF2B5EF4-FFF2-40B4-BE49-F238E27FC236}">
-                <a16:creationId xmlns:a16="http://schemas.microsoft.com/office/drawing/2014/main" id="{F9E8F084-5A2D-014A-BD64-AF73937CBA39}"/>
-              </a:ext>
-            </a:extLst>
-          </p:cNvPr>
-          <p:cNvSpPr/>
-          <p:nvPr/>
-        </p:nvSpPr>
-        <p:spPr>
-          <a:xfrm>
-            <a:off x="3242656" y="2637693"/>
-            <a:ext cx="1030939" cy="267278"/>
-          </a:xfrm>
-          <a:prstGeom prst="rect">
-            <a:avLst/>
-          </a:prstGeom>
-          <a:solidFill>
-            <a:srgbClr val="00B0F0"/>
-          </a:solidFill>
-          <a:ln w="28575">
+            <a:ln w="28575">
+              <a:solidFill>
+                <a:srgbClr val="92D050"/>
+              </a:solidFill>
+            </a:ln>
+          </p:spPr>
+          <p:style>
+            <a:lnRef idx="2">
+              <a:schemeClr val="accent1">
+                <a:shade val="50000"/>
+              </a:schemeClr>
+            </a:lnRef>
+            <a:fillRef idx="1">
+              <a:schemeClr val="accent1"/>
+            </a:fillRef>
+            <a:effectRef idx="0">
+              <a:schemeClr val="accent1"/>
+            </a:effectRef>
+            <a:fontRef idx="minor">
+              <a:schemeClr val="lt1"/>
+            </a:fontRef>
+          </p:style>
+          <p:txBody>
+            <a:bodyPr rtlCol="0" anchor="ctr"/>
+            <a:lstStyle/>
+            <a:p>
+              <a:pPr algn="ctr"/>
+              <a:endParaRPr kumimoji="1" lang="zh-CN" altLang="en-US"/>
+            </a:p>
+          </p:txBody>
+        </p:sp>
+        <p:sp>
+          <p:nvSpPr>
+            <p:cNvPr id="15" name="矩形 14">
+              <a:extLst>
+                <a:ext uri="{FF2B5EF4-FFF2-40B4-BE49-F238E27FC236}">
+                  <a16:creationId xmlns:a16="http://schemas.microsoft.com/office/drawing/2014/main" id="{F9E8F084-5A2D-014A-BD64-AF73937CBA39}"/>
+                </a:ext>
+              </a:extLst>
+            </p:cNvPr>
+            <p:cNvSpPr/>
+            <p:nvPr/>
+          </p:nvSpPr>
+          <p:spPr>
+            <a:xfrm>
+              <a:off x="3242656" y="2637693"/>
+              <a:ext cx="1030939" cy="267278"/>
+            </a:xfrm>
+            <a:prstGeom prst="rect">
+              <a:avLst/>
+            </a:prstGeom>
             <a:solidFill>
               <a:srgbClr val="00B0F0"/>
             </a:solidFill>
-          </a:ln>
-        </p:spPr>
-        <p:style>
-          <a:lnRef idx="2">
-            <a:schemeClr val="accent1">
-              <a:shade val="50000"/>
-            </a:schemeClr>
-          </a:lnRef>
-          <a:fillRef idx="1">
-            <a:schemeClr val="accent1"/>
-          </a:fillRef>
-          <a:effectRef idx="0">
-            <a:schemeClr val="accent1"/>
-          </a:effectRef>
-          <a:fontRef idx="minor">
-            <a:schemeClr val="lt1"/>
-          </a:fontRef>
-        </p:style>
-        <p:txBody>
-          <a:bodyPr rtlCol="0" anchor="ctr"/>
-          <a:lstStyle/>
-          <a:p>
-            <a:pPr algn="ctr"/>
-            <a:endParaRPr kumimoji="1" lang="zh-CN" altLang="en-US"/>
-          </a:p>
-        </p:txBody>
-      </p:sp>
-      <p:sp>
-        <p:nvSpPr>
-          <p:cNvPr id="18" name="矩形 17">
-            <a:extLst>
-              <a:ext uri="{FF2B5EF4-FFF2-40B4-BE49-F238E27FC236}">
-                <a16:creationId xmlns:a16="http://schemas.microsoft.com/office/drawing/2014/main" id="{DA52C1D3-ED9D-1241-BC03-C0BC9CE0E4FB}"/>
-              </a:ext>
-            </a:extLst>
-          </p:cNvPr>
-          <p:cNvSpPr/>
-          <p:nvPr/>
-        </p:nvSpPr>
-        <p:spPr>
-          <a:xfrm>
-            <a:off x="4675081" y="3285506"/>
-            <a:ext cx="365760" cy="791019"/>
-          </a:xfrm>
-          <a:prstGeom prst="rect">
-            <a:avLst/>
-          </a:prstGeom>
-          <a:ln w="28575">
-            <a:solidFill>
-              <a:schemeClr val="tx1"/>
-            </a:solidFill>
-          </a:ln>
-        </p:spPr>
-        <p:style>
-          <a:lnRef idx="2">
-            <a:schemeClr val="accent1">
-              <a:shade val="50000"/>
-            </a:schemeClr>
-          </a:lnRef>
-          <a:fillRef idx="1">
-            <a:schemeClr val="accent1"/>
-          </a:fillRef>
-          <a:effectRef idx="0">
-            <a:schemeClr val="accent1"/>
-          </a:effectRef>
-          <a:fontRef idx="minor">
-            <a:schemeClr val="lt1"/>
-          </a:fontRef>
-        </p:style>
-        <p:txBody>
-          <a:bodyPr rtlCol="0" anchor="ctr"/>
-          <a:lstStyle/>
-          <a:p>
-            <a:pPr algn="ctr"/>
-            <a:endParaRPr kumimoji="1" lang="zh-CN" altLang="en-US"/>
-          </a:p>
-        </p:txBody>
-      </p:sp>
-      <p:sp>
-        <p:nvSpPr>
-          <p:cNvPr id="19" name="文本框 18">
-            <a:extLst>
-              <a:ext uri="{FF2B5EF4-FFF2-40B4-BE49-F238E27FC236}">
-                <a16:creationId xmlns:a16="http://schemas.microsoft.com/office/drawing/2014/main" id="{8F47DBA4-84EA-C242-B301-E51F3C4B918B}"/>
-              </a:ext>
-            </a:extLst>
-          </p:cNvPr>
-          <p:cNvSpPr txBox="1"/>
-          <p:nvPr/>
-        </p:nvSpPr>
-        <p:spPr>
-          <a:xfrm>
-            <a:off x="5163977" y="3540590"/>
-            <a:ext cx="356681" cy="369332"/>
-          </a:xfrm>
-          <a:prstGeom prst="rect">
-            <a:avLst/>
-          </a:prstGeom>
-          <a:noFill/>
-        </p:spPr>
-        <p:txBody>
-          <a:bodyPr wrap="square" rtlCol="0">
-            <a:spAutoFit/>
-          </a:bodyPr>
-          <a:lstStyle/>
-          <a:p>
-            <a:r>
-              <a:rPr kumimoji="1" lang="en-US" altLang="zh-CN" b="1" dirty="0"/>
-              <a:t>…</a:t>
-            </a:r>
-            <a:endParaRPr kumimoji="1" lang="zh-CN" altLang="en-US" b="1" dirty="0"/>
-          </a:p>
-        </p:txBody>
-      </p:sp>
-      <p:sp>
-        <p:nvSpPr>
-          <p:cNvPr id="20" name="文本框 19">
-            <a:extLst>
-              <a:ext uri="{FF2B5EF4-FFF2-40B4-BE49-F238E27FC236}">
-                <a16:creationId xmlns:a16="http://schemas.microsoft.com/office/drawing/2014/main" id="{7E9ABA52-6F16-6940-82A9-28AFC33C1D24}"/>
-              </a:ext>
-            </a:extLst>
-          </p:cNvPr>
-          <p:cNvSpPr txBox="1"/>
-          <p:nvPr/>
-        </p:nvSpPr>
-        <p:spPr>
-          <a:xfrm>
-            <a:off x="3883724" y="3607748"/>
-            <a:ext cx="326870" cy="215444"/>
-          </a:xfrm>
-          <a:prstGeom prst="rect">
-            <a:avLst/>
-          </a:prstGeom>
-          <a:noFill/>
-        </p:spPr>
-        <p:txBody>
-          <a:bodyPr wrap="square" rtlCol="0">
-            <a:spAutoFit/>
-          </a:bodyPr>
-          <a:lstStyle/>
-          <a:p>
-            <a:r>
-              <a:rPr kumimoji="1" lang="en-US" altLang="zh-CN" sz="800" dirty="0">
+            <a:ln w="28575">
+              <a:solidFill>
+                <a:srgbClr val="00B0F0"/>
+              </a:solidFill>
+            </a:ln>
+          </p:spPr>
+          <p:style>
+            <a:lnRef idx="2">
+              <a:schemeClr val="accent1">
+                <a:shade val="50000"/>
+              </a:schemeClr>
+            </a:lnRef>
+            <a:fillRef idx="1">
+              <a:schemeClr val="accent1"/>
+            </a:fillRef>
+            <a:effectRef idx="0">
+              <a:schemeClr val="accent1"/>
+            </a:effectRef>
+            <a:fontRef idx="minor">
+              <a:schemeClr val="lt1"/>
+            </a:fontRef>
+          </p:style>
+          <p:txBody>
+            <a:bodyPr rtlCol="0" anchor="ctr"/>
+            <a:lstStyle/>
+            <a:p>
+              <a:pPr algn="ctr"/>
+              <a:endParaRPr kumimoji="1" lang="zh-CN" altLang="en-US"/>
+            </a:p>
+          </p:txBody>
+        </p:sp>
+        <p:sp>
+          <p:nvSpPr>
+            <p:cNvPr id="18" name="矩形 17">
+              <a:extLst>
+                <a:ext uri="{FF2B5EF4-FFF2-40B4-BE49-F238E27FC236}">
+                  <a16:creationId xmlns:a16="http://schemas.microsoft.com/office/drawing/2014/main" id="{DA52C1D3-ED9D-1241-BC03-C0BC9CE0E4FB}"/>
+                </a:ext>
+              </a:extLst>
+            </p:cNvPr>
+            <p:cNvSpPr/>
+            <p:nvPr/>
+          </p:nvSpPr>
+          <p:spPr>
+            <a:xfrm>
+              <a:off x="4675081" y="3285506"/>
+              <a:ext cx="365760" cy="791019"/>
+            </a:xfrm>
+            <a:prstGeom prst="rect">
+              <a:avLst/>
+            </a:prstGeom>
+            <a:ln w="28575">
+              <a:solidFill>
+                <a:schemeClr val="tx1"/>
+              </a:solidFill>
+            </a:ln>
+          </p:spPr>
+          <p:style>
+            <a:lnRef idx="2">
+              <a:schemeClr val="accent1">
+                <a:shade val="50000"/>
+              </a:schemeClr>
+            </a:lnRef>
+            <a:fillRef idx="1">
+              <a:schemeClr val="accent1"/>
+            </a:fillRef>
+            <a:effectRef idx="0">
+              <a:schemeClr val="accent1"/>
+            </a:effectRef>
+            <a:fontRef idx="minor">
+              <a:schemeClr val="lt1"/>
+            </a:fontRef>
+          </p:style>
+          <p:txBody>
+            <a:bodyPr rtlCol="0" anchor="ctr"/>
+            <a:lstStyle/>
+            <a:p>
+              <a:pPr algn="ctr"/>
+              <a:endParaRPr kumimoji="1" lang="zh-CN" altLang="en-US"/>
+            </a:p>
+          </p:txBody>
+        </p:sp>
+        <p:sp>
+          <p:nvSpPr>
+            <p:cNvPr id="19" name="文本框 18">
+              <a:extLst>
+                <a:ext uri="{FF2B5EF4-FFF2-40B4-BE49-F238E27FC236}">
+                  <a16:creationId xmlns:a16="http://schemas.microsoft.com/office/drawing/2014/main" id="{8F47DBA4-84EA-C242-B301-E51F3C4B918B}"/>
+                </a:ext>
+              </a:extLst>
+            </p:cNvPr>
+            <p:cNvSpPr txBox="1"/>
+            <p:nvPr/>
+          </p:nvSpPr>
+          <p:spPr>
+            <a:xfrm>
+              <a:off x="5163977" y="3540590"/>
+              <a:ext cx="356681" cy="369332"/>
+            </a:xfrm>
+            <a:prstGeom prst="rect">
+              <a:avLst/>
+            </a:prstGeom>
+            <a:noFill/>
+          </p:spPr>
+          <p:txBody>
+            <a:bodyPr wrap="square" rtlCol="0">
+              <a:spAutoFit/>
+            </a:bodyPr>
+            <a:lstStyle/>
+            <a:p>
+              <a:r>
+                <a:rPr kumimoji="1" lang="en-US" altLang="zh-CN" b="1" dirty="0"/>
+                <a:t>…</a:t>
+              </a:r>
+              <a:endParaRPr kumimoji="1" lang="zh-CN" altLang="en-US" b="1" dirty="0"/>
+            </a:p>
+          </p:txBody>
+        </p:sp>
+        <p:sp>
+          <p:nvSpPr>
+            <p:cNvPr id="20" name="文本框 19">
+              <a:extLst>
+                <a:ext uri="{FF2B5EF4-FFF2-40B4-BE49-F238E27FC236}">
+                  <a16:creationId xmlns:a16="http://schemas.microsoft.com/office/drawing/2014/main" id="{7E9ABA52-6F16-6940-82A9-28AFC33C1D24}"/>
+                </a:ext>
+              </a:extLst>
+            </p:cNvPr>
+            <p:cNvSpPr txBox="1"/>
+            <p:nvPr/>
+          </p:nvSpPr>
+          <p:spPr>
+            <a:xfrm>
+              <a:off x="3883724" y="3607748"/>
+              <a:ext cx="326870" cy="215444"/>
+            </a:xfrm>
+            <a:prstGeom prst="rect">
+              <a:avLst/>
+            </a:prstGeom>
+            <a:noFill/>
+          </p:spPr>
+          <p:txBody>
+            <a:bodyPr wrap="square" rtlCol="0">
+              <a:spAutoFit/>
+            </a:bodyPr>
+            <a:lstStyle/>
+            <a:p>
+              <a:r>
+                <a:rPr kumimoji="1" lang="en-US" altLang="zh-CN" sz="800" dirty="0">
+                  <a:latin typeface="Times New Roman" panose="02020603050405020304" pitchFamily="18" charset="0"/>
+                  <a:cs typeface="Times New Roman" panose="02020603050405020304" pitchFamily="18" charset="0"/>
+                </a:rPr>
+                <a:t>v1</a:t>
+              </a:r>
+              <a:endParaRPr kumimoji="1" lang="zh-CN" altLang="en-US" sz="800" dirty="0">
                 <a:latin typeface="Times New Roman" panose="02020603050405020304" pitchFamily="18" charset="0"/>
                 <a:cs typeface="Times New Roman" panose="02020603050405020304" pitchFamily="18" charset="0"/>
-              </a:rPr>
-              <a:t>d1</a:t>
-            </a:r>
-            <a:endParaRPr kumimoji="1" lang="zh-CN" altLang="en-US" sz="800" dirty="0">
-              <a:latin typeface="Times New Roman" panose="02020603050405020304" pitchFamily="18" charset="0"/>
-              <a:cs typeface="Times New Roman" panose="02020603050405020304" pitchFamily="18" charset="0"/>
-            </a:endParaRPr>
-          </a:p>
-        </p:txBody>
-      </p:sp>
-      <p:sp>
-        <p:nvSpPr>
-          <p:cNvPr id="21" name="文本框 20">
-            <a:extLst>
-              <a:ext uri="{FF2B5EF4-FFF2-40B4-BE49-F238E27FC236}">
-                <a16:creationId xmlns:a16="http://schemas.microsoft.com/office/drawing/2014/main" id="{A1F20090-7814-7E4A-ADCA-409765C64222}"/>
-              </a:ext>
-            </a:extLst>
-          </p:cNvPr>
-          <p:cNvSpPr txBox="1"/>
-          <p:nvPr/>
-        </p:nvSpPr>
-        <p:spPr>
-          <a:xfrm>
-            <a:off x="3997519" y="3681015"/>
-            <a:ext cx="359780" cy="215444"/>
-          </a:xfrm>
-          <a:prstGeom prst="rect">
-            <a:avLst/>
-          </a:prstGeom>
-          <a:noFill/>
-        </p:spPr>
-        <p:txBody>
-          <a:bodyPr wrap="square" rtlCol="0">
-            <a:spAutoFit/>
-          </a:bodyPr>
-          <a:lstStyle/>
-          <a:p>
-            <a:r>
-              <a:rPr kumimoji="1" lang="en-US" altLang="zh-CN" sz="800" dirty="0">
+              </a:endParaRPr>
+            </a:p>
+          </p:txBody>
+        </p:sp>
+        <p:sp>
+          <p:nvSpPr>
+            <p:cNvPr id="21" name="文本框 20">
+              <a:extLst>
+                <a:ext uri="{FF2B5EF4-FFF2-40B4-BE49-F238E27FC236}">
+                  <a16:creationId xmlns:a16="http://schemas.microsoft.com/office/drawing/2014/main" id="{A1F20090-7814-7E4A-ADCA-409765C64222}"/>
+                </a:ext>
+              </a:extLst>
+            </p:cNvPr>
+            <p:cNvSpPr txBox="1"/>
+            <p:nvPr/>
+          </p:nvSpPr>
+          <p:spPr>
+            <a:xfrm>
+              <a:off x="3997519" y="3681015"/>
+              <a:ext cx="359780" cy="215444"/>
+            </a:xfrm>
+            <a:prstGeom prst="rect">
+              <a:avLst/>
+            </a:prstGeom>
+            <a:noFill/>
+          </p:spPr>
+          <p:txBody>
+            <a:bodyPr wrap="square" rtlCol="0">
+              <a:spAutoFit/>
+            </a:bodyPr>
+            <a:lstStyle/>
+            <a:p>
+              <a:r>
+                <a:rPr kumimoji="1" lang="en-US" altLang="zh-CN" sz="800" dirty="0">
+                  <a:latin typeface="Times New Roman" panose="02020603050405020304" pitchFamily="18" charset="0"/>
+                  <a:cs typeface="Times New Roman" panose="02020603050405020304" pitchFamily="18" charset="0"/>
+                </a:rPr>
+                <a:t>d1</a:t>
+              </a:r>
+              <a:endParaRPr kumimoji="1" lang="zh-CN" altLang="en-US" sz="800" dirty="0">
                 <a:latin typeface="Times New Roman" panose="02020603050405020304" pitchFamily="18" charset="0"/>
                 <a:cs typeface="Times New Roman" panose="02020603050405020304" pitchFamily="18" charset="0"/>
-              </a:rPr>
-              <a:t>v1</a:t>
-            </a:r>
-            <a:endParaRPr kumimoji="1" lang="zh-CN" altLang="en-US" sz="800" dirty="0">
-              <a:latin typeface="Times New Roman" panose="02020603050405020304" pitchFamily="18" charset="0"/>
-              <a:cs typeface="Times New Roman" panose="02020603050405020304" pitchFamily="18" charset="0"/>
-            </a:endParaRPr>
-          </a:p>
-        </p:txBody>
-      </p:sp>
-      <p:sp>
-        <p:nvSpPr>
-          <p:cNvPr id="22" name="文本框 21">
-            <a:extLst>
-              <a:ext uri="{FF2B5EF4-FFF2-40B4-BE49-F238E27FC236}">
-                <a16:creationId xmlns:a16="http://schemas.microsoft.com/office/drawing/2014/main" id="{0A6E1585-6399-C44C-B75B-9F4EC48D2D93}"/>
-              </a:ext>
-            </a:extLst>
-          </p:cNvPr>
-          <p:cNvSpPr txBox="1"/>
-          <p:nvPr/>
-        </p:nvSpPr>
-        <p:spPr>
-          <a:xfrm>
-            <a:off x="3517964" y="3136249"/>
-            <a:ext cx="323687" cy="215444"/>
-          </a:xfrm>
-          <a:prstGeom prst="rect">
-            <a:avLst/>
-          </a:prstGeom>
-          <a:noFill/>
-        </p:spPr>
-        <p:txBody>
-          <a:bodyPr wrap="square" rtlCol="0">
-            <a:spAutoFit/>
-          </a:bodyPr>
-          <a:lstStyle/>
-          <a:p>
-            <a:r>
-              <a:rPr kumimoji="1" lang="en-US" altLang="zh-CN" sz="800" dirty="0">
+              </a:endParaRPr>
+            </a:p>
+          </p:txBody>
+        </p:sp>
+        <p:sp>
+          <p:nvSpPr>
+            <p:cNvPr id="22" name="文本框 21">
+              <a:extLst>
+                <a:ext uri="{FF2B5EF4-FFF2-40B4-BE49-F238E27FC236}">
+                  <a16:creationId xmlns:a16="http://schemas.microsoft.com/office/drawing/2014/main" id="{0A6E1585-6399-C44C-B75B-9F4EC48D2D93}"/>
+                </a:ext>
+              </a:extLst>
+            </p:cNvPr>
+            <p:cNvSpPr txBox="1"/>
+            <p:nvPr/>
+          </p:nvSpPr>
+          <p:spPr>
+            <a:xfrm>
+              <a:off x="3517964" y="3136249"/>
+              <a:ext cx="323687" cy="215444"/>
+            </a:xfrm>
+            <a:prstGeom prst="rect">
+              <a:avLst/>
+            </a:prstGeom>
+            <a:noFill/>
+          </p:spPr>
+          <p:txBody>
+            <a:bodyPr wrap="square" rtlCol="0">
+              <a:spAutoFit/>
+            </a:bodyPr>
+            <a:lstStyle/>
+            <a:p>
+              <a:r>
+                <a:rPr kumimoji="1" lang="en-US" altLang="zh-CN" sz="800" dirty="0">
+                  <a:latin typeface="Times New Roman" panose="02020603050405020304" pitchFamily="18" charset="0"/>
+                  <a:cs typeface="Times New Roman" panose="02020603050405020304" pitchFamily="18" charset="0"/>
+                </a:rPr>
+                <a:t>v2</a:t>
+              </a:r>
+              <a:endParaRPr kumimoji="1" lang="zh-CN" altLang="en-US" sz="800" dirty="0">
                 <a:latin typeface="Times New Roman" panose="02020603050405020304" pitchFamily="18" charset="0"/>
                 <a:cs typeface="Times New Roman" panose="02020603050405020304" pitchFamily="18" charset="0"/>
-              </a:rPr>
-              <a:t>d2</a:t>
-            </a:r>
-            <a:endParaRPr kumimoji="1" lang="zh-CN" altLang="en-US" sz="800" dirty="0">
-              <a:latin typeface="Times New Roman" panose="02020603050405020304" pitchFamily="18" charset="0"/>
-              <a:cs typeface="Times New Roman" panose="02020603050405020304" pitchFamily="18" charset="0"/>
-            </a:endParaRPr>
-          </a:p>
-        </p:txBody>
-      </p:sp>
-      <p:sp>
-        <p:nvSpPr>
-          <p:cNvPr id="23" name="文本框 22">
-            <a:extLst>
-              <a:ext uri="{FF2B5EF4-FFF2-40B4-BE49-F238E27FC236}">
-                <a16:creationId xmlns:a16="http://schemas.microsoft.com/office/drawing/2014/main" id="{1D2E6D8B-A519-3446-9039-5F323393FF18}"/>
-              </a:ext>
-            </a:extLst>
-          </p:cNvPr>
-          <p:cNvSpPr txBox="1"/>
-          <p:nvPr/>
-        </p:nvSpPr>
-        <p:spPr>
-          <a:xfrm>
-            <a:off x="3844834" y="3424264"/>
-            <a:ext cx="307036" cy="215444"/>
-          </a:xfrm>
-          <a:prstGeom prst="rect">
-            <a:avLst/>
-          </a:prstGeom>
-          <a:noFill/>
-        </p:spPr>
-        <p:txBody>
-          <a:bodyPr wrap="square" rtlCol="0">
-            <a:spAutoFit/>
-          </a:bodyPr>
-          <a:lstStyle/>
-          <a:p>
-            <a:r>
-              <a:rPr kumimoji="1" lang="en-US" altLang="zh-CN" sz="800" dirty="0">
+              </a:endParaRPr>
+            </a:p>
+          </p:txBody>
+        </p:sp>
+        <p:sp>
+          <p:nvSpPr>
+            <p:cNvPr id="23" name="文本框 22">
+              <a:extLst>
+                <a:ext uri="{FF2B5EF4-FFF2-40B4-BE49-F238E27FC236}">
+                  <a16:creationId xmlns:a16="http://schemas.microsoft.com/office/drawing/2014/main" id="{1D2E6D8B-A519-3446-9039-5F323393FF18}"/>
+                </a:ext>
+              </a:extLst>
+            </p:cNvPr>
+            <p:cNvSpPr txBox="1"/>
+            <p:nvPr/>
+          </p:nvSpPr>
+          <p:spPr>
+            <a:xfrm>
+              <a:off x="3844834" y="3424264"/>
+              <a:ext cx="307036" cy="215444"/>
+            </a:xfrm>
+            <a:prstGeom prst="rect">
+              <a:avLst/>
+            </a:prstGeom>
+            <a:noFill/>
+          </p:spPr>
+          <p:txBody>
+            <a:bodyPr wrap="square" rtlCol="0">
+              <a:spAutoFit/>
+            </a:bodyPr>
+            <a:lstStyle/>
+            <a:p>
+              <a:r>
+                <a:rPr kumimoji="1" lang="en-US" altLang="zh-CN" sz="800" dirty="0">
+                  <a:latin typeface="Times New Roman" panose="02020603050405020304" pitchFamily="18" charset="0"/>
+                  <a:cs typeface="Times New Roman" panose="02020603050405020304" pitchFamily="18" charset="0"/>
+                </a:rPr>
+                <a:t>d2</a:t>
+              </a:r>
+              <a:endParaRPr kumimoji="1" lang="zh-CN" altLang="en-US" sz="800" dirty="0">
                 <a:latin typeface="Times New Roman" panose="02020603050405020304" pitchFamily="18" charset="0"/>
                 <a:cs typeface="Times New Roman" panose="02020603050405020304" pitchFamily="18" charset="0"/>
-              </a:rPr>
-              <a:t>v2</a:t>
-            </a:r>
-            <a:endParaRPr kumimoji="1" lang="zh-CN" altLang="en-US" sz="800" dirty="0">
-              <a:latin typeface="Times New Roman" panose="02020603050405020304" pitchFamily="18" charset="0"/>
-              <a:cs typeface="Times New Roman" panose="02020603050405020304" pitchFamily="18" charset="0"/>
-            </a:endParaRPr>
-          </a:p>
-        </p:txBody>
-      </p:sp>
-      <p:sp>
-        <p:nvSpPr>
-          <p:cNvPr id="24" name="文本框 23">
-            <a:extLst>
-              <a:ext uri="{FF2B5EF4-FFF2-40B4-BE49-F238E27FC236}">
-                <a16:creationId xmlns:a16="http://schemas.microsoft.com/office/drawing/2014/main" id="{692FB71E-3B41-9E43-ACF4-9A29B7D79D91}"/>
-              </a:ext>
-            </a:extLst>
-          </p:cNvPr>
-          <p:cNvSpPr txBox="1"/>
-          <p:nvPr/>
-        </p:nvSpPr>
-        <p:spPr>
-          <a:xfrm>
-            <a:off x="3159825" y="2663610"/>
-            <a:ext cx="323687" cy="215444"/>
-          </a:xfrm>
-          <a:prstGeom prst="rect">
-            <a:avLst/>
-          </a:prstGeom>
-          <a:noFill/>
-        </p:spPr>
-        <p:txBody>
-          <a:bodyPr wrap="square" rtlCol="0">
-            <a:spAutoFit/>
-          </a:bodyPr>
-          <a:lstStyle/>
-          <a:p>
-            <a:r>
-              <a:rPr kumimoji="1" lang="en-US" altLang="zh-CN" sz="800" dirty="0">
+              </a:endParaRPr>
+            </a:p>
+          </p:txBody>
+        </p:sp>
+        <p:sp>
+          <p:nvSpPr>
+            <p:cNvPr id="24" name="文本框 23">
+              <a:extLst>
+                <a:ext uri="{FF2B5EF4-FFF2-40B4-BE49-F238E27FC236}">
+                  <a16:creationId xmlns:a16="http://schemas.microsoft.com/office/drawing/2014/main" id="{692FB71E-3B41-9E43-ACF4-9A29B7D79D91}"/>
+                </a:ext>
+              </a:extLst>
+            </p:cNvPr>
+            <p:cNvSpPr txBox="1"/>
+            <p:nvPr/>
+          </p:nvSpPr>
+          <p:spPr>
+            <a:xfrm>
+              <a:off x="3159825" y="2663610"/>
+              <a:ext cx="323687" cy="215444"/>
+            </a:xfrm>
+            <a:prstGeom prst="rect">
+              <a:avLst/>
+            </a:prstGeom>
+            <a:noFill/>
+          </p:spPr>
+          <p:txBody>
+            <a:bodyPr wrap="square" rtlCol="0">
+              <a:spAutoFit/>
+            </a:bodyPr>
+            <a:lstStyle/>
+            <a:p>
+              <a:r>
+                <a:rPr kumimoji="1" lang="en-US" altLang="zh-CN" sz="800" dirty="0">
+                  <a:latin typeface="Times New Roman" panose="02020603050405020304" pitchFamily="18" charset="0"/>
+                  <a:cs typeface="Times New Roman" panose="02020603050405020304" pitchFamily="18" charset="0"/>
+                </a:rPr>
+                <a:t>v3</a:t>
+              </a:r>
+              <a:endParaRPr kumimoji="1" lang="zh-CN" altLang="en-US" sz="800" dirty="0">
                 <a:latin typeface="Times New Roman" panose="02020603050405020304" pitchFamily="18" charset="0"/>
                 <a:cs typeface="Times New Roman" panose="02020603050405020304" pitchFamily="18" charset="0"/>
-              </a:rPr>
-              <a:t>d3</a:t>
-            </a:r>
-            <a:endParaRPr kumimoji="1" lang="zh-CN" altLang="en-US" sz="800" dirty="0">
-              <a:latin typeface="Times New Roman" panose="02020603050405020304" pitchFamily="18" charset="0"/>
-              <a:cs typeface="Times New Roman" panose="02020603050405020304" pitchFamily="18" charset="0"/>
-            </a:endParaRPr>
-          </a:p>
-        </p:txBody>
-      </p:sp>
-      <p:sp>
-        <p:nvSpPr>
-          <p:cNvPr id="25" name="文本框 24">
-            <a:extLst>
-              <a:ext uri="{FF2B5EF4-FFF2-40B4-BE49-F238E27FC236}">
-                <a16:creationId xmlns:a16="http://schemas.microsoft.com/office/drawing/2014/main" id="{00604CC2-1E7D-D64B-82CB-31FD6A5494BE}"/>
-              </a:ext>
-            </a:extLst>
-          </p:cNvPr>
-          <p:cNvSpPr txBox="1"/>
-          <p:nvPr/>
-        </p:nvSpPr>
-        <p:spPr>
-          <a:xfrm>
-            <a:off x="3623148" y="2745606"/>
-            <a:ext cx="307036" cy="215444"/>
-          </a:xfrm>
-          <a:prstGeom prst="rect">
-            <a:avLst/>
-          </a:prstGeom>
-          <a:noFill/>
-        </p:spPr>
-        <p:txBody>
-          <a:bodyPr wrap="square" rtlCol="0">
-            <a:spAutoFit/>
-          </a:bodyPr>
-          <a:lstStyle/>
-          <a:p>
-            <a:r>
-              <a:rPr kumimoji="1" lang="en-US" altLang="zh-CN" sz="800" dirty="0">
+              </a:endParaRPr>
+            </a:p>
+          </p:txBody>
+        </p:sp>
+        <p:sp>
+          <p:nvSpPr>
+            <p:cNvPr id="25" name="文本框 24">
+              <a:extLst>
+                <a:ext uri="{FF2B5EF4-FFF2-40B4-BE49-F238E27FC236}">
+                  <a16:creationId xmlns:a16="http://schemas.microsoft.com/office/drawing/2014/main" id="{00604CC2-1E7D-D64B-82CB-31FD6A5494BE}"/>
+                </a:ext>
+              </a:extLst>
+            </p:cNvPr>
+            <p:cNvSpPr txBox="1"/>
+            <p:nvPr/>
+          </p:nvSpPr>
+          <p:spPr>
+            <a:xfrm>
+              <a:off x="3623148" y="2745606"/>
+              <a:ext cx="307036" cy="215444"/>
+            </a:xfrm>
+            <a:prstGeom prst="rect">
+              <a:avLst/>
+            </a:prstGeom>
+            <a:noFill/>
+          </p:spPr>
+          <p:txBody>
+            <a:bodyPr wrap="square" rtlCol="0">
+              <a:spAutoFit/>
+            </a:bodyPr>
+            <a:lstStyle/>
+            <a:p>
+              <a:r>
+                <a:rPr kumimoji="1" lang="en-US" altLang="zh-CN" sz="800" dirty="0">
+                  <a:latin typeface="Times New Roman" panose="02020603050405020304" pitchFamily="18" charset="0"/>
+                  <a:cs typeface="Times New Roman" panose="02020603050405020304" pitchFamily="18" charset="0"/>
+                </a:rPr>
+                <a:t>d3</a:t>
+              </a:r>
+              <a:endParaRPr kumimoji="1" lang="zh-CN" altLang="en-US" sz="800" dirty="0">
                 <a:latin typeface="Times New Roman" panose="02020603050405020304" pitchFamily="18" charset="0"/>
                 <a:cs typeface="Times New Roman" panose="02020603050405020304" pitchFamily="18" charset="0"/>
-              </a:rPr>
-              <a:t>v3</a:t>
-            </a:r>
-            <a:endParaRPr kumimoji="1" lang="zh-CN" altLang="en-US" sz="800" dirty="0">
-              <a:latin typeface="Times New Roman" panose="02020603050405020304" pitchFamily="18" charset="0"/>
-              <a:cs typeface="Times New Roman" panose="02020603050405020304" pitchFamily="18" charset="0"/>
-            </a:endParaRPr>
-          </a:p>
-        </p:txBody>
-      </p:sp>
+              </a:endParaRPr>
+            </a:p>
+          </p:txBody>
+        </p:sp>
+      </p:grpSp>
     </p:spTree>
     <p:extLst>
       <p:ext uri="{BB962C8B-B14F-4D97-AF65-F5344CB8AC3E}">
